--- a/MicrosoftReactor/Demos.pptx
+++ b/MicrosoftReactor/Demos.pptx
@@ -4221,7 +4221,7 @@
         </p:nvSpPr>
         <p:spPr>
           <a:xfrm>
-            <a:off x="7273306" y="2559510"/>
+            <a:off x="7254452" y="2559510"/>
             <a:ext cx="307435" cy="344102"/>
           </a:xfrm>
           <a:prstGeom prst="heptagon">

--- a/MicrosoftReactor/Demos.pptx
+++ b/MicrosoftReactor/Demos.pptx
@@ -8,7 +8,8 @@
     <p:sldId id="329" r:id="rId2"/>
     <p:sldId id="327" r:id="rId3"/>
     <p:sldId id="328" r:id="rId4"/>
-    <p:sldId id="326" r:id="rId5"/>
+    <p:sldId id="330" r:id="rId5"/>
+    <p:sldId id="326" r:id="rId6"/>
   </p:sldIdLst>
   <p:sldSz cx="12192000" cy="6858000"/>
   <p:notesSz cx="6858000" cy="9144000"/>
@@ -107,6 +108,11 @@
       </a:defRPr>
     </a:lvl9pPr>
   </p:defaultTextStyle>
+  <p:extLst>
+    <p:ext uri="{EFAFB233-063F-42B5-8137-9DF3F51BA10A}">
+      <p15:sldGuideLst xmlns:p15="http://schemas.microsoft.com/office/powerpoint/2012/main"/>
+    </p:ext>
+  </p:extLst>
 </p:presentation>
 </file>
 
@@ -259,7 +265,7 @@
           <a:p>
             <a:fld id="{3F64E90C-326F-45C8-9212-4C9C4B7EF630}" type="datetimeFigureOut">
               <a:rPr lang="en-IN" smtClean="0"/>
-              <a:t>19-09-2021</a:t>
+              <a:t>26-09-2021</a:t>
             </a:fld>
             <a:endParaRPr lang="en-IN"/>
           </a:p>
@@ -459,7 +465,7 @@
           <a:p>
             <a:fld id="{3F64E90C-326F-45C8-9212-4C9C4B7EF630}" type="datetimeFigureOut">
               <a:rPr lang="en-IN" smtClean="0"/>
-              <a:t>19-09-2021</a:t>
+              <a:t>26-09-2021</a:t>
             </a:fld>
             <a:endParaRPr lang="en-IN"/>
           </a:p>
@@ -669,7 +675,7 @@
           <a:p>
             <a:fld id="{3F64E90C-326F-45C8-9212-4C9C4B7EF630}" type="datetimeFigureOut">
               <a:rPr lang="en-IN" smtClean="0"/>
-              <a:t>19-09-2021</a:t>
+              <a:t>26-09-2021</a:t>
             </a:fld>
             <a:endParaRPr lang="en-IN"/>
           </a:p>
@@ -869,7 +875,7 @@
           <a:p>
             <a:fld id="{3F64E90C-326F-45C8-9212-4C9C4B7EF630}" type="datetimeFigureOut">
               <a:rPr lang="en-IN" smtClean="0"/>
-              <a:t>19-09-2021</a:t>
+              <a:t>26-09-2021</a:t>
             </a:fld>
             <a:endParaRPr lang="en-IN"/>
           </a:p>
@@ -1145,7 +1151,7 @@
           <a:p>
             <a:fld id="{3F64E90C-326F-45C8-9212-4C9C4B7EF630}" type="datetimeFigureOut">
               <a:rPr lang="en-IN" smtClean="0"/>
-              <a:t>19-09-2021</a:t>
+              <a:t>26-09-2021</a:t>
             </a:fld>
             <a:endParaRPr lang="en-IN"/>
           </a:p>
@@ -1413,7 +1419,7 @@
           <a:p>
             <a:fld id="{3F64E90C-326F-45C8-9212-4C9C4B7EF630}" type="datetimeFigureOut">
               <a:rPr lang="en-IN" smtClean="0"/>
-              <a:t>19-09-2021</a:t>
+              <a:t>26-09-2021</a:t>
             </a:fld>
             <a:endParaRPr lang="en-IN"/>
           </a:p>
@@ -1828,7 +1834,7 @@
           <a:p>
             <a:fld id="{3F64E90C-326F-45C8-9212-4C9C4B7EF630}" type="datetimeFigureOut">
               <a:rPr lang="en-IN" smtClean="0"/>
-              <a:t>19-09-2021</a:t>
+              <a:t>26-09-2021</a:t>
             </a:fld>
             <a:endParaRPr lang="en-IN"/>
           </a:p>
@@ -1970,7 +1976,7 @@
           <a:p>
             <a:fld id="{3F64E90C-326F-45C8-9212-4C9C4B7EF630}" type="datetimeFigureOut">
               <a:rPr lang="en-IN" smtClean="0"/>
-              <a:t>19-09-2021</a:t>
+              <a:t>26-09-2021</a:t>
             </a:fld>
             <a:endParaRPr lang="en-IN"/>
           </a:p>
@@ -2083,7 +2089,7 @@
           <a:p>
             <a:fld id="{3F64E90C-326F-45C8-9212-4C9C4B7EF630}" type="datetimeFigureOut">
               <a:rPr lang="en-IN" smtClean="0"/>
-              <a:t>19-09-2021</a:t>
+              <a:t>26-09-2021</a:t>
             </a:fld>
             <a:endParaRPr lang="en-IN"/>
           </a:p>
@@ -2396,7 +2402,7 @@
           <a:p>
             <a:fld id="{3F64E90C-326F-45C8-9212-4C9C4B7EF630}" type="datetimeFigureOut">
               <a:rPr lang="en-IN" smtClean="0"/>
-              <a:t>19-09-2021</a:t>
+              <a:t>26-09-2021</a:t>
             </a:fld>
             <a:endParaRPr lang="en-IN"/>
           </a:p>
@@ -2685,7 +2691,7 @@
           <a:p>
             <a:fld id="{3F64E90C-326F-45C8-9212-4C9C4B7EF630}" type="datetimeFigureOut">
               <a:rPr lang="en-IN" smtClean="0"/>
-              <a:t>19-09-2021</a:t>
+              <a:t>26-09-2021</a:t>
             </a:fld>
             <a:endParaRPr lang="en-IN"/>
           </a:p>
@@ -2928,7 +2934,7 @@
           <a:p>
             <a:fld id="{3F64E90C-326F-45C8-9212-4C9C4B7EF630}" type="datetimeFigureOut">
               <a:rPr lang="en-IN" smtClean="0"/>
-              <a:t>19-09-2021</a:t>
+              <a:t>26-09-2021</a:t>
             </a:fld>
             <a:endParaRPr lang="en-IN"/>
           </a:p>
@@ -3818,7 +3824,7 @@
                 <a:latin typeface="Verdana" panose="020B0604030504040204" pitchFamily="34" charset="0"/>
                 <a:ea typeface="Verdana" panose="020B0604030504040204" pitchFamily="34" charset="0"/>
               </a:rPr>
-              <a:t>I am still a learner. What!!! … wait … Yes, I am still a learner.</a:t>
+              <a:t>I am still a learner. Apologize if I do any mistake.</a:t>
             </a:r>
           </a:p>
         </p:txBody>
@@ -4581,7 +4587,7 @@
         </p:blipFill>
         <p:spPr bwMode="auto">
           <a:xfrm>
-            <a:off x="7010400" y="2909887"/>
+            <a:off x="4370897" y="3051292"/>
             <a:ext cx="809625" cy="809625"/>
           </a:xfrm>
           <a:prstGeom prst="rect">
@@ -4613,7 +4619,7 @@
         </p:nvSpPr>
         <p:spPr>
           <a:xfrm>
-            <a:off x="6984279" y="3753973"/>
+            <a:off x="4964445" y="2728022"/>
             <a:ext cx="834396" cy="276999"/>
           </a:xfrm>
           <a:prstGeom prst="rect">
@@ -4669,7 +4675,7 @@
         </p:blipFill>
         <p:spPr bwMode="auto">
           <a:xfrm>
-            <a:off x="10948800" y="2909887"/>
+            <a:off x="8309297" y="3051292"/>
             <a:ext cx="810000" cy="810000"/>
           </a:xfrm>
           <a:prstGeom prst="rect">
@@ -4701,8 +4707,8 @@
         </p:nvSpPr>
         <p:spPr>
           <a:xfrm>
-            <a:off x="10487674" y="3753973"/>
-            <a:ext cx="1557093" cy="276999"/>
+            <a:off x="7509694" y="2722384"/>
+            <a:ext cx="992579" cy="276999"/>
           </a:xfrm>
           <a:prstGeom prst="rect">
             <a:avLst/>
@@ -4723,7 +4729,7 @@
                 <a:latin typeface="Verdana" panose="020B0604030504040204" pitchFamily="34" charset="0"/>
                 <a:ea typeface="Verdana" panose="020B0604030504040204" pitchFamily="34" charset="0"/>
               </a:rPr>
-              <a:t>Azure SQL Server</a:t>
+              <a:t>Azure SQL</a:t>
             </a:r>
           </a:p>
         </p:txBody>
@@ -4742,7 +4748,7 @@
         </p:nvSpPr>
         <p:spPr>
           <a:xfrm>
-            <a:off x="7254453" y="2559514"/>
+            <a:off x="4614950" y="2700919"/>
             <a:ext cx="307435" cy="344102"/>
           </a:xfrm>
           <a:prstGeom prst="heptagon">
@@ -4791,7 +4797,7 @@
         </p:nvSpPr>
         <p:spPr>
           <a:xfrm>
-            <a:off x="11089777" y="2559514"/>
+            <a:off x="8440483" y="2700919"/>
             <a:ext cx="307435" cy="344102"/>
           </a:xfrm>
           <a:prstGeom prst="heptagon">
@@ -4826,6 +4832,222 @@
           </a:p>
         </p:txBody>
       </p:sp>
+      <p:pic>
+        <p:nvPicPr>
+          <p:cNvPr id="1026" name="Picture 2">
+            <a:extLst>
+              <a:ext uri="{FF2B5EF4-FFF2-40B4-BE49-F238E27FC236}">
+                <a16:creationId xmlns:a16="http://schemas.microsoft.com/office/drawing/2014/main" id="{F57E8191-61DB-4EA0-9C1C-F149C364155D}"/>
+              </a:ext>
+            </a:extLst>
+          </p:cNvPr>
+          <p:cNvPicPr>
+            <a:picLocks noChangeAspect="1" noChangeArrowheads="1"/>
+          </p:cNvPicPr>
+          <p:nvPr/>
+        </p:nvPicPr>
+        <p:blipFill>
+          <a:blip r:embed="rId4">
+            <a:extLst>
+              <a:ext uri="{28A0092B-C50C-407E-A947-70E740481C1C}">
+                <a14:useLocalDpi xmlns:a14="http://schemas.microsoft.com/office/drawing/2010/main" val="0"/>
+              </a:ext>
+            </a:extLst>
+          </a:blip>
+          <a:srcRect/>
+          <a:stretch>
+            <a:fillRect/>
+          </a:stretch>
+        </p:blipFill>
+        <p:spPr bwMode="auto">
+          <a:xfrm>
+            <a:off x="4370897" y="5041057"/>
+            <a:ext cx="810000" cy="810000"/>
+          </a:xfrm>
+          <a:prstGeom prst="rect">
+            <a:avLst/>
+          </a:prstGeom>
+          <a:noFill/>
+          <a:extLst>
+            <a:ext uri="{909E8E84-426E-40DD-AFC4-6F175D3DCCD1}">
+              <a14:hiddenFill xmlns:a14="http://schemas.microsoft.com/office/drawing/2010/main">
+                <a:solidFill>
+                  <a:srgbClr val="FFFFFF"/>
+                </a:solidFill>
+              </a14:hiddenFill>
+            </a:ext>
+          </a:extLst>
+        </p:spPr>
+      </p:pic>
+      <p:cxnSp>
+        <p:nvCxnSpPr>
+          <p:cNvPr id="4" name="Straight Connector 3">
+            <a:extLst>
+              <a:ext uri="{FF2B5EF4-FFF2-40B4-BE49-F238E27FC236}">
+                <a16:creationId xmlns:a16="http://schemas.microsoft.com/office/drawing/2014/main" id="{3305130D-A90B-4CF0-8C61-F044EE9BFE47}"/>
+              </a:ext>
+            </a:extLst>
+          </p:cNvPr>
+          <p:cNvCxnSpPr>
+            <a:stCxn id="6" idx="3"/>
+            <a:endCxn id="11" idx="1"/>
+          </p:cNvCxnSpPr>
+          <p:nvPr/>
+        </p:nvCxnSpPr>
+        <p:spPr>
+          <a:xfrm>
+            <a:off x="5180522" y="3456105"/>
+            <a:ext cx="3128775" cy="187"/>
+          </a:xfrm>
+          <a:prstGeom prst="line">
+            <a:avLst/>
+          </a:prstGeom>
+        </p:spPr>
+        <p:style>
+          <a:lnRef idx="2">
+            <a:schemeClr val="accent1"/>
+          </a:lnRef>
+          <a:fillRef idx="0">
+            <a:schemeClr val="accent1"/>
+          </a:fillRef>
+          <a:effectRef idx="1">
+            <a:schemeClr val="accent1"/>
+          </a:effectRef>
+          <a:fontRef idx="minor">
+            <a:schemeClr val="tx1"/>
+          </a:fontRef>
+        </p:style>
+      </p:cxnSp>
+      <p:cxnSp>
+        <p:nvCxnSpPr>
+          <p:cNvPr id="17" name="Straight Connector 16">
+            <a:extLst>
+              <a:ext uri="{FF2B5EF4-FFF2-40B4-BE49-F238E27FC236}">
+                <a16:creationId xmlns:a16="http://schemas.microsoft.com/office/drawing/2014/main" id="{AAC1447B-07A7-40E7-8652-6EC297A4352B}"/>
+              </a:ext>
+            </a:extLst>
+          </p:cNvPr>
+          <p:cNvCxnSpPr>
+            <a:stCxn id="6" idx="2"/>
+            <a:endCxn id="1026" idx="0"/>
+          </p:cNvCxnSpPr>
+          <p:nvPr/>
+        </p:nvCxnSpPr>
+        <p:spPr>
+          <a:xfrm>
+            <a:off x="4775710" y="3860917"/>
+            <a:ext cx="187" cy="1180140"/>
+          </a:xfrm>
+          <a:prstGeom prst="line">
+            <a:avLst/>
+          </a:prstGeom>
+          <a:ln w="12700"/>
+        </p:spPr>
+        <p:style>
+          <a:lnRef idx="1">
+            <a:schemeClr val="accent1"/>
+          </a:lnRef>
+          <a:fillRef idx="0">
+            <a:schemeClr val="accent1"/>
+          </a:fillRef>
+          <a:effectRef idx="0">
+            <a:schemeClr val="accent1"/>
+          </a:effectRef>
+          <a:fontRef idx="minor">
+            <a:schemeClr val="tx1"/>
+          </a:fontRef>
+        </p:style>
+      </p:cxnSp>
+      <p:sp>
+        <p:nvSpPr>
+          <p:cNvPr id="20" name="Heptagon 19">
+            <a:extLst>
+              <a:ext uri="{FF2B5EF4-FFF2-40B4-BE49-F238E27FC236}">
+                <a16:creationId xmlns:a16="http://schemas.microsoft.com/office/drawing/2014/main" id="{81B034CB-CC36-4166-926A-86A06D7A20E6}"/>
+              </a:ext>
+            </a:extLst>
+          </p:cNvPr>
+          <p:cNvSpPr/>
+          <p:nvPr/>
+        </p:nvSpPr>
+        <p:spPr>
+          <a:xfrm>
+            <a:off x="4614950" y="5858706"/>
+            <a:ext cx="307435" cy="344102"/>
+          </a:xfrm>
+          <a:prstGeom prst="heptagon">
+            <a:avLst/>
+          </a:prstGeom>
+        </p:spPr>
+        <p:style>
+          <a:lnRef idx="2">
+            <a:schemeClr val="accent1">
+              <a:shade val="50000"/>
+            </a:schemeClr>
+          </a:lnRef>
+          <a:fillRef idx="1">
+            <a:schemeClr val="accent1"/>
+          </a:fillRef>
+          <a:effectRef idx="0">
+            <a:schemeClr val="accent1"/>
+          </a:effectRef>
+          <a:fontRef idx="minor">
+            <a:schemeClr val="lt1"/>
+          </a:fontRef>
+        </p:style>
+        <p:txBody>
+          <a:bodyPr rtlCol="0" anchor="ctr"/>
+          <a:lstStyle/>
+          <a:p>
+            <a:pPr algn="ctr"/>
+            <a:r>
+              <a:rPr lang="en-US" dirty="0"/>
+              <a:t>3</a:t>
+            </a:r>
+          </a:p>
+        </p:txBody>
+      </p:sp>
+      <p:sp>
+        <p:nvSpPr>
+          <p:cNvPr id="21" name="TextBox 20">
+            <a:extLst>
+              <a:ext uri="{FF2B5EF4-FFF2-40B4-BE49-F238E27FC236}">
+                <a16:creationId xmlns:a16="http://schemas.microsoft.com/office/drawing/2014/main" id="{BE85FB5F-7B2C-4F7C-80F9-0633CA2F185C}"/>
+              </a:ext>
+            </a:extLst>
+          </p:cNvPr>
+          <p:cNvSpPr txBox="1"/>
+          <p:nvPr/>
+        </p:nvSpPr>
+        <p:spPr>
+          <a:xfrm>
+            <a:off x="5143834" y="5269474"/>
+            <a:ext cx="847733" cy="276999"/>
+          </a:xfrm>
+          <a:prstGeom prst="rect">
+            <a:avLst/>
+          </a:prstGeom>
+          <a:noFill/>
+        </p:spPr>
+        <p:txBody>
+          <a:bodyPr wrap="none" rtlCol="0">
+            <a:spAutoFit/>
+          </a:bodyPr>
+          <a:lstStyle/>
+          <a:p>
+            <a:r>
+              <a:rPr lang="en-US" sz="1200" dirty="0">
+                <a:solidFill>
+                  <a:srgbClr val="002060"/>
+                </a:solidFill>
+                <a:latin typeface="Verdana" panose="020B0604030504040204" pitchFamily="34" charset="0"/>
+                <a:ea typeface="Verdana" panose="020B0604030504040204" pitchFamily="34" charset="0"/>
+              </a:rPr>
+              <a:t>Postman</a:t>
+            </a:r>
+          </a:p>
+        </p:txBody>
+      </p:sp>
     </p:spTree>
     <p:extLst>
       <p:ext uri="{BB962C8B-B14F-4D97-AF65-F5344CB8AC3E}">
@@ -4840,6 +5062,875 @@
 </file>
 
 <file path=ppt/slides/slide4.xml><?xml version="1.0" encoding="utf-8"?>
+<p:sld xmlns:a="http://schemas.openxmlformats.org/drawingml/2006/main" xmlns:r="http://schemas.openxmlformats.org/officeDocument/2006/relationships" xmlns:p="http://schemas.openxmlformats.org/presentationml/2006/main">
+  <p:cSld>
+    <p:spTree>
+      <p:nvGrpSpPr>
+        <p:cNvPr id="1" name=""/>
+        <p:cNvGrpSpPr/>
+        <p:nvPr/>
+      </p:nvGrpSpPr>
+      <p:grpSpPr>
+        <a:xfrm>
+          <a:off x="0" y="0"/>
+          <a:ext cx="0" cy="0"/>
+          <a:chOff x="0" y="0"/>
+          <a:chExt cx="0" cy="0"/>
+        </a:xfrm>
+      </p:grpSpPr>
+      <p:sp>
+        <p:nvSpPr>
+          <p:cNvPr id="7" name="Rectangle 6">
+            <a:extLst>
+              <a:ext uri="{FF2B5EF4-FFF2-40B4-BE49-F238E27FC236}">
+                <a16:creationId xmlns:a16="http://schemas.microsoft.com/office/drawing/2014/main" id="{B10720DE-FD2A-4FE5-B9FB-74854D01A659}"/>
+              </a:ext>
+            </a:extLst>
+          </p:cNvPr>
+          <p:cNvSpPr/>
+          <p:nvPr/>
+        </p:nvSpPr>
+        <p:spPr>
+          <a:xfrm>
+            <a:off x="0" y="6432008"/>
+            <a:ext cx="12183122" cy="57703"/>
+          </a:xfrm>
+          <a:prstGeom prst="rect">
+            <a:avLst/>
+          </a:prstGeom>
+          <a:solidFill>
+            <a:srgbClr val="0070C0"/>
+          </a:solidFill>
+        </p:spPr>
+        <p:style>
+          <a:lnRef idx="2">
+            <a:schemeClr val="accent1">
+              <a:shade val="50000"/>
+            </a:schemeClr>
+          </a:lnRef>
+          <a:fillRef idx="1">
+            <a:schemeClr val="accent1"/>
+          </a:fillRef>
+          <a:effectRef idx="0">
+            <a:schemeClr val="accent1"/>
+          </a:effectRef>
+          <a:fontRef idx="minor">
+            <a:schemeClr val="lt1"/>
+          </a:fontRef>
+        </p:style>
+        <p:txBody>
+          <a:bodyPr rtlCol="0" anchor="ctr"/>
+          <a:lstStyle/>
+          <a:p>
+            <a:pPr algn="ctr"/>
+            <a:endParaRPr lang="en-IN" sz="1000" dirty="0">
+              <a:latin typeface="Verdana" panose="020B0604030504040204" pitchFamily="34" charset="0"/>
+              <a:ea typeface="Verdana" panose="020B0604030504040204" pitchFamily="34" charset="0"/>
+            </a:endParaRPr>
+          </a:p>
+        </p:txBody>
+      </p:sp>
+      <p:sp>
+        <p:nvSpPr>
+          <p:cNvPr id="8" name="Footer Placeholder 7">
+            <a:extLst>
+              <a:ext uri="{FF2B5EF4-FFF2-40B4-BE49-F238E27FC236}">
+                <a16:creationId xmlns:a16="http://schemas.microsoft.com/office/drawing/2014/main" id="{DD2A19CA-EC18-432D-8F8F-17079808F38B}"/>
+              </a:ext>
+            </a:extLst>
+          </p:cNvPr>
+          <p:cNvSpPr>
+            <a:spLocks noGrp="1"/>
+          </p:cNvSpPr>
+          <p:nvPr>
+            <p:ph type="ftr" sz="quarter" idx="11"/>
+          </p:nvPr>
+        </p:nvSpPr>
+        <p:spPr>
+          <a:xfrm>
+            <a:off x="4038600" y="6476336"/>
+            <a:ext cx="4114800" cy="365125"/>
+          </a:xfrm>
+        </p:spPr>
+        <p:txBody>
+          <a:bodyPr/>
+          <a:lstStyle/>
+          <a:p>
+            <a:r>
+              <a:rPr lang="en-IN" b="1" dirty="0">
+                <a:solidFill>
+                  <a:srgbClr val="002060"/>
+                </a:solidFill>
+                <a:latin typeface="Verdana" panose="020B0604030504040204" pitchFamily="34" charset="0"/>
+                <a:ea typeface="Verdana" panose="020B0604030504040204" pitchFamily="34" charset="0"/>
+              </a:rPr>
+              <a:t>29-Sep-2021</a:t>
+            </a:r>
+          </a:p>
+        </p:txBody>
+      </p:sp>
+      <p:sp>
+        <p:nvSpPr>
+          <p:cNvPr id="9" name="Slide Number Placeholder 8">
+            <a:extLst>
+              <a:ext uri="{FF2B5EF4-FFF2-40B4-BE49-F238E27FC236}">
+                <a16:creationId xmlns:a16="http://schemas.microsoft.com/office/drawing/2014/main" id="{8162625C-0B1F-42E0-BE7C-D99A08FED7A3}"/>
+              </a:ext>
+            </a:extLst>
+          </p:cNvPr>
+          <p:cNvSpPr>
+            <a:spLocks noGrp="1"/>
+          </p:cNvSpPr>
+          <p:nvPr>
+            <p:ph type="sldNum" sz="quarter" idx="12"/>
+          </p:nvPr>
+        </p:nvSpPr>
+        <p:spPr>
+          <a:xfrm>
+            <a:off x="8610600" y="6476336"/>
+            <a:ext cx="2743200" cy="365125"/>
+          </a:xfrm>
+        </p:spPr>
+        <p:txBody>
+          <a:bodyPr/>
+          <a:lstStyle/>
+          <a:p>
+            <a:r>
+              <a:rPr lang="en-IN" b="1" dirty="0">
+                <a:solidFill>
+                  <a:srgbClr val="002060"/>
+                </a:solidFill>
+                <a:latin typeface="Verdana" panose="020B0604030504040204" pitchFamily="34" charset="0"/>
+                <a:ea typeface="Verdana" panose="020B0604030504040204" pitchFamily="34" charset="0"/>
+              </a:rPr>
+              <a:t>1</a:t>
+            </a:r>
+          </a:p>
+        </p:txBody>
+      </p:sp>
+      <p:sp>
+        <p:nvSpPr>
+          <p:cNvPr id="12" name="Footer Placeholder 7">
+            <a:extLst>
+              <a:ext uri="{FF2B5EF4-FFF2-40B4-BE49-F238E27FC236}">
+                <a16:creationId xmlns:a16="http://schemas.microsoft.com/office/drawing/2014/main" id="{64C57949-E349-47D3-A505-A098233AF49D}"/>
+              </a:ext>
+            </a:extLst>
+          </p:cNvPr>
+          <p:cNvSpPr txBox="1">
+            <a:spLocks/>
+          </p:cNvSpPr>
+          <p:nvPr/>
+        </p:nvSpPr>
+        <p:spPr>
+          <a:xfrm>
+            <a:off x="133897" y="6477810"/>
+            <a:ext cx="4114800" cy="365125"/>
+          </a:xfrm>
+          <a:prstGeom prst="rect">
+            <a:avLst/>
+          </a:prstGeom>
+        </p:spPr>
+        <p:txBody>
+          <a:bodyPr vert="horz" lIns="91440" tIns="45720" rIns="91440" bIns="45720" rtlCol="0" anchor="ctr"/>
+          <a:lstStyle>
+            <a:defPPr>
+              <a:defRPr lang="en-US"/>
+            </a:defPPr>
+            <a:lvl1pPr marL="0" algn="ctr" defTabSz="914400" rtl="0" eaLnBrk="1" latinLnBrk="0" hangingPunct="1">
+              <a:defRPr sz="1200" kern="1200">
+                <a:solidFill>
+                  <a:schemeClr val="tx1">
+                    <a:tint val="75000"/>
+                  </a:schemeClr>
+                </a:solidFill>
+                <a:latin typeface="+mn-lt"/>
+                <a:ea typeface="+mn-ea"/>
+                <a:cs typeface="+mn-cs"/>
+              </a:defRPr>
+            </a:lvl1pPr>
+            <a:lvl2pPr marL="457200" algn="l" defTabSz="914400" rtl="0" eaLnBrk="1" latinLnBrk="0" hangingPunct="1">
+              <a:defRPr sz="1800" kern="1200">
+                <a:solidFill>
+                  <a:schemeClr val="tx1"/>
+                </a:solidFill>
+                <a:latin typeface="+mn-lt"/>
+                <a:ea typeface="+mn-ea"/>
+                <a:cs typeface="+mn-cs"/>
+              </a:defRPr>
+            </a:lvl2pPr>
+            <a:lvl3pPr marL="914400" algn="l" defTabSz="914400" rtl="0" eaLnBrk="1" latinLnBrk="0" hangingPunct="1">
+              <a:defRPr sz="1800" kern="1200">
+                <a:solidFill>
+                  <a:schemeClr val="tx1"/>
+                </a:solidFill>
+                <a:latin typeface="+mn-lt"/>
+                <a:ea typeface="+mn-ea"/>
+                <a:cs typeface="+mn-cs"/>
+              </a:defRPr>
+            </a:lvl3pPr>
+            <a:lvl4pPr marL="1371600" algn="l" defTabSz="914400" rtl="0" eaLnBrk="1" latinLnBrk="0" hangingPunct="1">
+              <a:defRPr sz="1800" kern="1200">
+                <a:solidFill>
+                  <a:schemeClr val="tx1"/>
+                </a:solidFill>
+                <a:latin typeface="+mn-lt"/>
+                <a:ea typeface="+mn-ea"/>
+                <a:cs typeface="+mn-cs"/>
+              </a:defRPr>
+            </a:lvl4pPr>
+            <a:lvl5pPr marL="1828800" algn="l" defTabSz="914400" rtl="0" eaLnBrk="1" latinLnBrk="0" hangingPunct="1">
+              <a:defRPr sz="1800" kern="1200">
+                <a:solidFill>
+                  <a:schemeClr val="tx1"/>
+                </a:solidFill>
+                <a:latin typeface="+mn-lt"/>
+                <a:ea typeface="+mn-ea"/>
+                <a:cs typeface="+mn-cs"/>
+              </a:defRPr>
+            </a:lvl5pPr>
+            <a:lvl6pPr marL="2286000" algn="l" defTabSz="914400" rtl="0" eaLnBrk="1" latinLnBrk="0" hangingPunct="1">
+              <a:defRPr sz="1800" kern="1200">
+                <a:solidFill>
+                  <a:schemeClr val="tx1"/>
+                </a:solidFill>
+                <a:latin typeface="+mn-lt"/>
+                <a:ea typeface="+mn-ea"/>
+                <a:cs typeface="+mn-cs"/>
+              </a:defRPr>
+            </a:lvl6pPr>
+            <a:lvl7pPr marL="2743200" algn="l" defTabSz="914400" rtl="0" eaLnBrk="1" latinLnBrk="0" hangingPunct="1">
+              <a:defRPr sz="1800" kern="1200">
+                <a:solidFill>
+                  <a:schemeClr val="tx1"/>
+                </a:solidFill>
+                <a:latin typeface="+mn-lt"/>
+                <a:ea typeface="+mn-ea"/>
+                <a:cs typeface="+mn-cs"/>
+              </a:defRPr>
+            </a:lvl7pPr>
+            <a:lvl8pPr marL="3200400" algn="l" defTabSz="914400" rtl="0" eaLnBrk="1" latinLnBrk="0" hangingPunct="1">
+              <a:defRPr sz="1800" kern="1200">
+                <a:solidFill>
+                  <a:schemeClr val="tx1"/>
+                </a:solidFill>
+                <a:latin typeface="+mn-lt"/>
+                <a:ea typeface="+mn-ea"/>
+                <a:cs typeface="+mn-cs"/>
+              </a:defRPr>
+            </a:lvl8pPr>
+            <a:lvl9pPr marL="3657600" algn="l" defTabSz="914400" rtl="0" eaLnBrk="1" latinLnBrk="0" hangingPunct="1">
+              <a:defRPr sz="1800" kern="1200">
+                <a:solidFill>
+                  <a:schemeClr val="tx1"/>
+                </a:solidFill>
+                <a:latin typeface="+mn-lt"/>
+                <a:ea typeface="+mn-ea"/>
+                <a:cs typeface="+mn-cs"/>
+              </a:defRPr>
+            </a:lvl9pPr>
+          </a:lstStyle>
+          <a:p>
+            <a:r>
+              <a:rPr lang="en-IN" b="1" dirty="0">
+                <a:solidFill>
+                  <a:srgbClr val="002060"/>
+                </a:solidFill>
+                <a:latin typeface="Verdana" panose="020B0604030504040204" pitchFamily="34" charset="0"/>
+                <a:ea typeface="Verdana" panose="020B0604030504040204" pitchFamily="34" charset="0"/>
+              </a:rPr>
+              <a:t>Microsoft Reactor Bengaluru</a:t>
+            </a:r>
+          </a:p>
+        </p:txBody>
+      </p:sp>
+      <p:pic>
+        <p:nvPicPr>
+          <p:cNvPr id="6" name="Picture 12">
+            <a:extLst>
+              <a:ext uri="{FF2B5EF4-FFF2-40B4-BE49-F238E27FC236}">
+                <a16:creationId xmlns:a16="http://schemas.microsoft.com/office/drawing/2014/main" id="{7898CFCB-7659-4968-8E49-75F24799EB68}"/>
+              </a:ext>
+            </a:extLst>
+          </p:cNvPr>
+          <p:cNvPicPr>
+            <a:picLocks noChangeAspect="1" noChangeArrowheads="1"/>
+          </p:cNvPicPr>
+          <p:nvPr/>
+        </p:nvPicPr>
+        <p:blipFill>
+          <a:blip r:embed="rId2">
+            <a:extLst>
+              <a:ext uri="{28A0092B-C50C-407E-A947-70E740481C1C}">
+                <a14:useLocalDpi xmlns:a14="http://schemas.microsoft.com/office/drawing/2010/main" val="0"/>
+              </a:ext>
+            </a:extLst>
+          </a:blip>
+          <a:srcRect/>
+          <a:stretch>
+            <a:fillRect/>
+          </a:stretch>
+        </p:blipFill>
+        <p:spPr bwMode="auto">
+          <a:xfrm>
+            <a:off x="5643514" y="3051292"/>
+            <a:ext cx="809625" cy="809625"/>
+          </a:xfrm>
+          <a:prstGeom prst="rect">
+            <a:avLst/>
+          </a:prstGeom>
+          <a:noFill/>
+          <a:extLst>
+            <a:ext uri="{909E8E84-426E-40DD-AFC4-6F175D3DCCD1}">
+              <a14:hiddenFill xmlns:a14="http://schemas.microsoft.com/office/drawing/2010/main">
+                <a:solidFill>
+                  <a:srgbClr val="FFFFFF"/>
+                </a:solidFill>
+              </a14:hiddenFill>
+            </a:ext>
+          </a:extLst>
+        </p:spPr>
+      </p:pic>
+      <p:sp>
+        <p:nvSpPr>
+          <p:cNvPr id="10" name="TextBox 9">
+            <a:extLst>
+              <a:ext uri="{FF2B5EF4-FFF2-40B4-BE49-F238E27FC236}">
+                <a16:creationId xmlns:a16="http://schemas.microsoft.com/office/drawing/2014/main" id="{3657454D-AD85-4AEE-82DC-6159AD7DE31E}"/>
+              </a:ext>
+            </a:extLst>
+          </p:cNvPr>
+          <p:cNvSpPr txBox="1"/>
+          <p:nvPr/>
+        </p:nvSpPr>
+        <p:spPr>
+          <a:xfrm>
+            <a:off x="6237062" y="2728022"/>
+            <a:ext cx="834396" cy="276999"/>
+          </a:xfrm>
+          <a:prstGeom prst="rect">
+            <a:avLst/>
+          </a:prstGeom>
+          <a:noFill/>
+        </p:spPr>
+        <p:txBody>
+          <a:bodyPr wrap="none" rtlCol="0">
+            <a:spAutoFit/>
+          </a:bodyPr>
+          <a:lstStyle/>
+          <a:p>
+            <a:r>
+              <a:rPr lang="en-US" sz="1200" dirty="0">
+                <a:solidFill>
+                  <a:srgbClr val="002060"/>
+                </a:solidFill>
+                <a:latin typeface="Verdana" panose="020B0604030504040204" pitchFamily="34" charset="0"/>
+                <a:ea typeface="Verdana" panose="020B0604030504040204" pitchFamily="34" charset="0"/>
+              </a:rPr>
+              <a:t>Web API</a:t>
+            </a:r>
+          </a:p>
+        </p:txBody>
+      </p:sp>
+      <p:pic>
+        <p:nvPicPr>
+          <p:cNvPr id="11" name="Picture 10">
+            <a:extLst>
+              <a:ext uri="{FF2B5EF4-FFF2-40B4-BE49-F238E27FC236}">
+                <a16:creationId xmlns:a16="http://schemas.microsoft.com/office/drawing/2014/main" id="{13644FC0-4432-4DAA-BB42-865EDC6E7039}"/>
+              </a:ext>
+            </a:extLst>
+          </p:cNvPr>
+          <p:cNvPicPr>
+            <a:picLocks noChangeAspect="1" noChangeArrowheads="1"/>
+          </p:cNvPicPr>
+          <p:nvPr/>
+        </p:nvPicPr>
+        <p:blipFill>
+          <a:blip r:embed="rId3">
+            <a:extLst>
+              <a:ext uri="{28A0092B-C50C-407E-A947-70E740481C1C}">
+                <a14:useLocalDpi xmlns:a14="http://schemas.microsoft.com/office/drawing/2010/main" val="0"/>
+              </a:ext>
+            </a:extLst>
+          </a:blip>
+          <a:srcRect/>
+          <a:stretch>
+            <a:fillRect/>
+          </a:stretch>
+        </p:blipFill>
+        <p:spPr bwMode="auto">
+          <a:xfrm>
+            <a:off x="9581914" y="3051292"/>
+            <a:ext cx="810000" cy="810000"/>
+          </a:xfrm>
+          <a:prstGeom prst="rect">
+            <a:avLst/>
+          </a:prstGeom>
+          <a:noFill/>
+          <a:extLst>
+            <a:ext uri="{909E8E84-426E-40DD-AFC4-6F175D3DCCD1}">
+              <a14:hiddenFill xmlns:a14="http://schemas.microsoft.com/office/drawing/2010/main">
+                <a:solidFill>
+                  <a:srgbClr val="FFFFFF"/>
+                </a:solidFill>
+              </a14:hiddenFill>
+            </a:ext>
+          </a:extLst>
+        </p:spPr>
+      </p:pic>
+      <p:sp>
+        <p:nvSpPr>
+          <p:cNvPr id="13" name="TextBox 12">
+            <a:extLst>
+              <a:ext uri="{FF2B5EF4-FFF2-40B4-BE49-F238E27FC236}">
+                <a16:creationId xmlns:a16="http://schemas.microsoft.com/office/drawing/2014/main" id="{83BEFD28-360B-4C34-B776-983624107E9B}"/>
+              </a:ext>
+            </a:extLst>
+          </p:cNvPr>
+          <p:cNvSpPr txBox="1"/>
+          <p:nvPr/>
+        </p:nvSpPr>
+        <p:spPr>
+          <a:xfrm>
+            <a:off x="8782311" y="2722384"/>
+            <a:ext cx="992579" cy="276999"/>
+          </a:xfrm>
+          <a:prstGeom prst="rect">
+            <a:avLst/>
+          </a:prstGeom>
+          <a:noFill/>
+        </p:spPr>
+        <p:txBody>
+          <a:bodyPr wrap="none" rtlCol="0">
+            <a:spAutoFit/>
+          </a:bodyPr>
+          <a:lstStyle/>
+          <a:p>
+            <a:r>
+              <a:rPr lang="en-US" sz="1200" dirty="0">
+                <a:solidFill>
+                  <a:srgbClr val="002060"/>
+                </a:solidFill>
+                <a:latin typeface="Verdana" panose="020B0604030504040204" pitchFamily="34" charset="0"/>
+                <a:ea typeface="Verdana" panose="020B0604030504040204" pitchFamily="34" charset="0"/>
+              </a:rPr>
+              <a:t>Azure SQL</a:t>
+            </a:r>
+          </a:p>
+        </p:txBody>
+      </p:sp>
+      <p:sp>
+        <p:nvSpPr>
+          <p:cNvPr id="14" name="Heptagon 13">
+            <a:extLst>
+              <a:ext uri="{FF2B5EF4-FFF2-40B4-BE49-F238E27FC236}">
+                <a16:creationId xmlns:a16="http://schemas.microsoft.com/office/drawing/2014/main" id="{932FD78C-C27D-4D87-9137-AB3F88C3B70B}"/>
+              </a:ext>
+            </a:extLst>
+          </p:cNvPr>
+          <p:cNvSpPr/>
+          <p:nvPr/>
+        </p:nvSpPr>
+        <p:spPr>
+          <a:xfrm>
+            <a:off x="5887567" y="2700919"/>
+            <a:ext cx="307435" cy="344102"/>
+          </a:xfrm>
+          <a:prstGeom prst="heptagon">
+            <a:avLst/>
+          </a:prstGeom>
+        </p:spPr>
+        <p:style>
+          <a:lnRef idx="2">
+            <a:schemeClr val="accent1">
+              <a:shade val="50000"/>
+            </a:schemeClr>
+          </a:lnRef>
+          <a:fillRef idx="1">
+            <a:schemeClr val="accent1"/>
+          </a:fillRef>
+          <a:effectRef idx="0">
+            <a:schemeClr val="accent1"/>
+          </a:effectRef>
+          <a:fontRef idx="minor">
+            <a:schemeClr val="lt1"/>
+          </a:fontRef>
+        </p:style>
+        <p:txBody>
+          <a:bodyPr rtlCol="0" anchor="ctr"/>
+          <a:lstStyle/>
+          <a:p>
+            <a:pPr algn="ctr"/>
+            <a:r>
+              <a:rPr lang="en-US" dirty="0"/>
+              <a:t>1</a:t>
+            </a:r>
+          </a:p>
+        </p:txBody>
+      </p:sp>
+      <p:sp>
+        <p:nvSpPr>
+          <p:cNvPr id="15" name="Heptagon 14">
+            <a:extLst>
+              <a:ext uri="{FF2B5EF4-FFF2-40B4-BE49-F238E27FC236}">
+                <a16:creationId xmlns:a16="http://schemas.microsoft.com/office/drawing/2014/main" id="{1E40AC33-A982-446B-9D49-9D733A49316A}"/>
+              </a:ext>
+            </a:extLst>
+          </p:cNvPr>
+          <p:cNvSpPr/>
+          <p:nvPr/>
+        </p:nvSpPr>
+        <p:spPr>
+          <a:xfrm>
+            <a:off x="9713100" y="2700919"/>
+            <a:ext cx="307435" cy="344102"/>
+          </a:xfrm>
+          <a:prstGeom prst="heptagon">
+            <a:avLst/>
+          </a:prstGeom>
+        </p:spPr>
+        <p:style>
+          <a:lnRef idx="2">
+            <a:schemeClr val="accent1">
+              <a:shade val="50000"/>
+            </a:schemeClr>
+          </a:lnRef>
+          <a:fillRef idx="1">
+            <a:schemeClr val="accent1"/>
+          </a:fillRef>
+          <a:effectRef idx="0">
+            <a:schemeClr val="accent1"/>
+          </a:effectRef>
+          <a:fontRef idx="minor">
+            <a:schemeClr val="lt1"/>
+          </a:fontRef>
+        </p:style>
+        <p:txBody>
+          <a:bodyPr rtlCol="0" anchor="ctr"/>
+          <a:lstStyle/>
+          <a:p>
+            <a:pPr algn="ctr"/>
+            <a:r>
+              <a:rPr lang="en-US" dirty="0"/>
+              <a:t>2</a:t>
+            </a:r>
+          </a:p>
+        </p:txBody>
+      </p:sp>
+      <p:pic>
+        <p:nvPicPr>
+          <p:cNvPr id="1026" name="Picture 2">
+            <a:extLst>
+              <a:ext uri="{FF2B5EF4-FFF2-40B4-BE49-F238E27FC236}">
+                <a16:creationId xmlns:a16="http://schemas.microsoft.com/office/drawing/2014/main" id="{F57E8191-61DB-4EA0-9C1C-F149C364155D}"/>
+              </a:ext>
+            </a:extLst>
+          </p:cNvPr>
+          <p:cNvPicPr>
+            <a:picLocks noChangeAspect="1" noChangeArrowheads="1"/>
+          </p:cNvPicPr>
+          <p:nvPr/>
+        </p:nvPicPr>
+        <p:blipFill>
+          <a:blip r:embed="rId4">
+            <a:extLst>
+              <a:ext uri="{28A0092B-C50C-407E-A947-70E740481C1C}">
+                <a14:useLocalDpi xmlns:a14="http://schemas.microsoft.com/office/drawing/2010/main" val="0"/>
+              </a:ext>
+            </a:extLst>
+          </a:blip>
+          <a:srcRect/>
+          <a:stretch>
+            <a:fillRect/>
+          </a:stretch>
+        </p:blipFill>
+        <p:spPr bwMode="auto">
+          <a:xfrm>
+            <a:off x="5643514" y="5041057"/>
+            <a:ext cx="810000" cy="810000"/>
+          </a:xfrm>
+          <a:prstGeom prst="rect">
+            <a:avLst/>
+          </a:prstGeom>
+          <a:noFill/>
+          <a:extLst>
+            <a:ext uri="{909E8E84-426E-40DD-AFC4-6F175D3DCCD1}">
+              <a14:hiddenFill xmlns:a14="http://schemas.microsoft.com/office/drawing/2010/main">
+                <a:solidFill>
+                  <a:srgbClr val="FFFFFF"/>
+                </a:solidFill>
+              </a14:hiddenFill>
+            </a:ext>
+          </a:extLst>
+        </p:spPr>
+      </p:pic>
+      <p:cxnSp>
+        <p:nvCxnSpPr>
+          <p:cNvPr id="4" name="Straight Connector 3">
+            <a:extLst>
+              <a:ext uri="{FF2B5EF4-FFF2-40B4-BE49-F238E27FC236}">
+                <a16:creationId xmlns:a16="http://schemas.microsoft.com/office/drawing/2014/main" id="{3305130D-A90B-4CF0-8C61-F044EE9BFE47}"/>
+              </a:ext>
+            </a:extLst>
+          </p:cNvPr>
+          <p:cNvCxnSpPr>
+            <a:stCxn id="6" idx="3"/>
+            <a:endCxn id="11" idx="1"/>
+          </p:cNvCxnSpPr>
+          <p:nvPr/>
+        </p:nvCxnSpPr>
+        <p:spPr>
+          <a:xfrm>
+            <a:off x="6453139" y="3456105"/>
+            <a:ext cx="3128775" cy="187"/>
+          </a:xfrm>
+          <a:prstGeom prst="line">
+            <a:avLst/>
+          </a:prstGeom>
+        </p:spPr>
+        <p:style>
+          <a:lnRef idx="2">
+            <a:schemeClr val="accent1"/>
+          </a:lnRef>
+          <a:fillRef idx="0">
+            <a:schemeClr val="accent1"/>
+          </a:fillRef>
+          <a:effectRef idx="1">
+            <a:schemeClr val="accent1"/>
+          </a:effectRef>
+          <a:fontRef idx="minor">
+            <a:schemeClr val="tx1"/>
+          </a:fontRef>
+        </p:style>
+      </p:cxnSp>
+      <p:cxnSp>
+        <p:nvCxnSpPr>
+          <p:cNvPr id="17" name="Straight Connector 16">
+            <a:extLst>
+              <a:ext uri="{FF2B5EF4-FFF2-40B4-BE49-F238E27FC236}">
+                <a16:creationId xmlns:a16="http://schemas.microsoft.com/office/drawing/2014/main" id="{AAC1447B-07A7-40E7-8652-6EC297A4352B}"/>
+              </a:ext>
+            </a:extLst>
+          </p:cNvPr>
+          <p:cNvCxnSpPr>
+            <a:stCxn id="6" idx="2"/>
+            <a:endCxn id="1026" idx="0"/>
+          </p:cNvCxnSpPr>
+          <p:nvPr/>
+        </p:nvCxnSpPr>
+        <p:spPr>
+          <a:xfrm>
+            <a:off x="6048327" y="3860917"/>
+            <a:ext cx="187" cy="1180140"/>
+          </a:xfrm>
+          <a:prstGeom prst="line">
+            <a:avLst/>
+          </a:prstGeom>
+          <a:ln w="12700"/>
+        </p:spPr>
+        <p:style>
+          <a:lnRef idx="1">
+            <a:schemeClr val="accent1"/>
+          </a:lnRef>
+          <a:fillRef idx="0">
+            <a:schemeClr val="accent1"/>
+          </a:fillRef>
+          <a:effectRef idx="0">
+            <a:schemeClr val="accent1"/>
+          </a:effectRef>
+          <a:fontRef idx="minor">
+            <a:schemeClr val="tx1"/>
+          </a:fontRef>
+        </p:style>
+      </p:cxnSp>
+      <p:sp>
+        <p:nvSpPr>
+          <p:cNvPr id="20" name="Heptagon 19">
+            <a:extLst>
+              <a:ext uri="{FF2B5EF4-FFF2-40B4-BE49-F238E27FC236}">
+                <a16:creationId xmlns:a16="http://schemas.microsoft.com/office/drawing/2014/main" id="{81B034CB-CC36-4166-926A-86A06D7A20E6}"/>
+              </a:ext>
+            </a:extLst>
+          </p:cNvPr>
+          <p:cNvSpPr/>
+          <p:nvPr/>
+        </p:nvSpPr>
+        <p:spPr>
+          <a:xfrm>
+            <a:off x="5887567" y="5858706"/>
+            <a:ext cx="307435" cy="344102"/>
+          </a:xfrm>
+          <a:prstGeom prst="heptagon">
+            <a:avLst/>
+          </a:prstGeom>
+        </p:spPr>
+        <p:style>
+          <a:lnRef idx="2">
+            <a:schemeClr val="accent1">
+              <a:shade val="50000"/>
+            </a:schemeClr>
+          </a:lnRef>
+          <a:fillRef idx="1">
+            <a:schemeClr val="accent1"/>
+          </a:fillRef>
+          <a:effectRef idx="0">
+            <a:schemeClr val="accent1"/>
+          </a:effectRef>
+          <a:fontRef idx="minor">
+            <a:schemeClr val="lt1"/>
+          </a:fontRef>
+        </p:style>
+        <p:txBody>
+          <a:bodyPr rtlCol="0" anchor="ctr"/>
+          <a:lstStyle/>
+          <a:p>
+            <a:pPr algn="ctr"/>
+            <a:r>
+              <a:rPr lang="en-US" dirty="0"/>
+              <a:t>3</a:t>
+            </a:r>
+          </a:p>
+        </p:txBody>
+      </p:sp>
+      <p:sp>
+        <p:nvSpPr>
+          <p:cNvPr id="21" name="TextBox 20">
+            <a:extLst>
+              <a:ext uri="{FF2B5EF4-FFF2-40B4-BE49-F238E27FC236}">
+                <a16:creationId xmlns:a16="http://schemas.microsoft.com/office/drawing/2014/main" id="{BE85FB5F-7B2C-4F7C-80F9-0633CA2F185C}"/>
+              </a:ext>
+            </a:extLst>
+          </p:cNvPr>
+          <p:cNvSpPr txBox="1"/>
+          <p:nvPr/>
+        </p:nvSpPr>
+        <p:spPr>
+          <a:xfrm>
+            <a:off x="6416451" y="5269474"/>
+            <a:ext cx="847733" cy="276999"/>
+          </a:xfrm>
+          <a:prstGeom prst="rect">
+            <a:avLst/>
+          </a:prstGeom>
+          <a:noFill/>
+        </p:spPr>
+        <p:txBody>
+          <a:bodyPr wrap="none" rtlCol="0">
+            <a:spAutoFit/>
+          </a:bodyPr>
+          <a:lstStyle/>
+          <a:p>
+            <a:r>
+              <a:rPr lang="en-US" sz="1200" dirty="0">
+                <a:solidFill>
+                  <a:srgbClr val="002060"/>
+                </a:solidFill>
+                <a:latin typeface="Verdana" panose="020B0604030504040204" pitchFamily="34" charset="0"/>
+                <a:ea typeface="Verdana" panose="020B0604030504040204" pitchFamily="34" charset="0"/>
+              </a:rPr>
+              <a:t>Postman</a:t>
+            </a:r>
+          </a:p>
+        </p:txBody>
+      </p:sp>
+      <p:pic>
+        <p:nvPicPr>
+          <p:cNvPr id="2050" name="Picture 2">
+            <a:extLst>
+              <a:ext uri="{FF2B5EF4-FFF2-40B4-BE49-F238E27FC236}">
+                <a16:creationId xmlns:a16="http://schemas.microsoft.com/office/drawing/2014/main" id="{E5FC223A-D3AB-4E6B-8768-C5EBCFD1EE4D}"/>
+              </a:ext>
+            </a:extLst>
+          </p:cNvPr>
+          <p:cNvPicPr>
+            <a:picLocks noChangeAspect="1" noChangeArrowheads="1"/>
+          </p:cNvPicPr>
+          <p:nvPr/>
+        </p:nvPicPr>
+        <p:blipFill>
+          <a:blip r:embed="rId5">
+            <a:extLst>
+              <a:ext uri="{28A0092B-C50C-407E-A947-70E740481C1C}">
+                <a14:useLocalDpi xmlns:a14="http://schemas.microsoft.com/office/drawing/2010/main" val="0"/>
+              </a:ext>
+            </a:extLst>
+          </a:blip>
+          <a:srcRect/>
+          <a:stretch>
+            <a:fillRect/>
+          </a:stretch>
+        </p:blipFill>
+        <p:spPr bwMode="auto">
+          <a:xfrm>
+            <a:off x="1666070" y="3051292"/>
+            <a:ext cx="857250" cy="809625"/>
+          </a:xfrm>
+          <a:prstGeom prst="rect">
+            <a:avLst/>
+          </a:prstGeom>
+          <a:noFill/>
+          <a:extLst>
+            <a:ext uri="{909E8E84-426E-40DD-AFC4-6F175D3DCCD1}">
+              <a14:hiddenFill xmlns:a14="http://schemas.microsoft.com/office/drawing/2010/main">
+                <a:solidFill>
+                  <a:srgbClr val="FFFFFF"/>
+                </a:solidFill>
+              </a14:hiddenFill>
+            </a:ext>
+          </a:extLst>
+        </p:spPr>
+      </p:pic>
+      <p:cxnSp>
+        <p:nvCxnSpPr>
+          <p:cNvPr id="18" name="Straight Connector 17">
+            <a:extLst>
+              <a:ext uri="{FF2B5EF4-FFF2-40B4-BE49-F238E27FC236}">
+                <a16:creationId xmlns:a16="http://schemas.microsoft.com/office/drawing/2014/main" id="{E47FE56F-918E-499D-98A8-601D634441D4}"/>
+              </a:ext>
+            </a:extLst>
+          </p:cNvPr>
+          <p:cNvCxnSpPr/>
+          <p:nvPr/>
+        </p:nvCxnSpPr>
+        <p:spPr>
+          <a:xfrm>
+            <a:off x="2542588" y="3457673"/>
+            <a:ext cx="3128775" cy="187"/>
+          </a:xfrm>
+          <a:prstGeom prst="line">
+            <a:avLst/>
+          </a:prstGeom>
+        </p:spPr>
+        <p:style>
+          <a:lnRef idx="2">
+            <a:schemeClr val="accent1"/>
+          </a:lnRef>
+          <a:fillRef idx="0">
+            <a:schemeClr val="accent1"/>
+          </a:fillRef>
+          <a:effectRef idx="1">
+            <a:schemeClr val="accent1"/>
+          </a:effectRef>
+          <a:fontRef idx="minor">
+            <a:schemeClr val="tx1"/>
+          </a:fontRef>
+        </p:style>
+      </p:cxnSp>
+    </p:spTree>
+    <p:extLst>
+      <p:ext uri="{BB962C8B-B14F-4D97-AF65-F5344CB8AC3E}">
+        <p14:creationId xmlns:p14="http://schemas.microsoft.com/office/powerpoint/2010/main" val="2581768136"/>
+      </p:ext>
+    </p:extLst>
+  </p:cSld>
+  <p:clrMapOvr>
+    <a:masterClrMapping/>
+  </p:clrMapOvr>
+</p:sld>
+</file>
+
+<file path=ppt/slides/slide5.xml><?xml version="1.0" encoding="utf-8"?>
 <p:sld xmlns:a="http://schemas.openxmlformats.org/drawingml/2006/main" xmlns:r="http://schemas.openxmlformats.org/officeDocument/2006/relationships" xmlns:p="http://schemas.openxmlformats.org/presentationml/2006/main">
   <p:cSld>
     <p:spTree>

--- a/MicrosoftReactor/Demos.pptx
+++ b/MicrosoftReactor/Demos.pptx
@@ -5863,7 +5863,7 @@
         </p:blipFill>
         <p:spPr bwMode="auto">
           <a:xfrm>
-            <a:off x="1666070" y="3051292"/>
+            <a:off x="1666070" y="1118797"/>
             <a:ext cx="857250" cy="809625"/>
           </a:xfrm>
           <a:prstGeom prst="rect">
@@ -5917,6 +5917,53 @@
           </a:fontRef>
         </p:style>
       </p:cxnSp>
+      <p:pic>
+        <p:nvPicPr>
+          <p:cNvPr id="19" name="Picture 2">
+            <a:extLst>
+              <a:ext uri="{FF2B5EF4-FFF2-40B4-BE49-F238E27FC236}">
+                <a16:creationId xmlns:a16="http://schemas.microsoft.com/office/drawing/2014/main" id="{81596101-A8EB-49A3-935D-208ECEA59F5F}"/>
+              </a:ext>
+            </a:extLst>
+          </p:cNvPr>
+          <p:cNvPicPr>
+            <a:picLocks noChangeAspect="1" noChangeArrowheads="1"/>
+          </p:cNvPicPr>
+          <p:nvPr/>
+        </p:nvPicPr>
+        <p:blipFill>
+          <a:blip r:embed="rId5">
+            <a:extLst>
+              <a:ext uri="{28A0092B-C50C-407E-A947-70E740481C1C}">
+                <a14:useLocalDpi xmlns:a14="http://schemas.microsoft.com/office/drawing/2010/main" val="0"/>
+              </a:ext>
+            </a:extLst>
+          </a:blip>
+          <a:srcRect/>
+          <a:stretch>
+            <a:fillRect/>
+          </a:stretch>
+        </p:blipFill>
+        <p:spPr bwMode="auto">
+          <a:xfrm>
+            <a:off x="1666070" y="4336837"/>
+            <a:ext cx="857250" cy="809625"/>
+          </a:xfrm>
+          <a:prstGeom prst="rect">
+            <a:avLst/>
+          </a:prstGeom>
+          <a:noFill/>
+          <a:extLst>
+            <a:ext uri="{909E8E84-426E-40DD-AFC4-6F175D3DCCD1}">
+              <a14:hiddenFill xmlns:a14="http://schemas.microsoft.com/office/drawing/2010/main">
+                <a:solidFill>
+                  <a:srgbClr val="FFFFFF"/>
+                </a:solidFill>
+              </a14:hiddenFill>
+            </a:ext>
+          </a:extLst>
+        </p:spPr>
+      </p:pic>
     </p:spTree>
     <p:extLst>
       <p:ext uri="{BB962C8B-B14F-4D97-AF65-F5344CB8AC3E}">

--- a/MicrosoftReactor/Demos.pptx
+++ b/MicrosoftReactor/Demos.pptx
@@ -9,7 +9,8 @@
     <p:sldId id="327" r:id="rId3"/>
     <p:sldId id="328" r:id="rId4"/>
     <p:sldId id="330" r:id="rId5"/>
-    <p:sldId id="326" r:id="rId6"/>
+    <p:sldId id="331" r:id="rId6"/>
+    <p:sldId id="326" r:id="rId7"/>
   </p:sldIdLst>
   <p:sldSz cx="12192000" cy="6858000"/>
   <p:notesSz cx="6858000" cy="9144000"/>
@@ -265,7 +266,7 @@
           <a:p>
             <a:fld id="{3F64E90C-326F-45C8-9212-4C9C4B7EF630}" type="datetimeFigureOut">
               <a:rPr lang="en-IN" smtClean="0"/>
-              <a:t>26-09-2021</a:t>
+              <a:t>11-10-2021</a:t>
             </a:fld>
             <a:endParaRPr lang="en-IN"/>
           </a:p>
@@ -465,7 +466,7 @@
           <a:p>
             <a:fld id="{3F64E90C-326F-45C8-9212-4C9C4B7EF630}" type="datetimeFigureOut">
               <a:rPr lang="en-IN" smtClean="0"/>
-              <a:t>26-09-2021</a:t>
+              <a:t>11-10-2021</a:t>
             </a:fld>
             <a:endParaRPr lang="en-IN"/>
           </a:p>
@@ -675,7 +676,7 @@
           <a:p>
             <a:fld id="{3F64E90C-326F-45C8-9212-4C9C4B7EF630}" type="datetimeFigureOut">
               <a:rPr lang="en-IN" smtClean="0"/>
-              <a:t>26-09-2021</a:t>
+              <a:t>11-10-2021</a:t>
             </a:fld>
             <a:endParaRPr lang="en-IN"/>
           </a:p>
@@ -875,7 +876,7 @@
           <a:p>
             <a:fld id="{3F64E90C-326F-45C8-9212-4C9C4B7EF630}" type="datetimeFigureOut">
               <a:rPr lang="en-IN" smtClean="0"/>
-              <a:t>26-09-2021</a:t>
+              <a:t>11-10-2021</a:t>
             </a:fld>
             <a:endParaRPr lang="en-IN"/>
           </a:p>
@@ -1151,7 +1152,7 @@
           <a:p>
             <a:fld id="{3F64E90C-326F-45C8-9212-4C9C4B7EF630}" type="datetimeFigureOut">
               <a:rPr lang="en-IN" smtClean="0"/>
-              <a:t>26-09-2021</a:t>
+              <a:t>11-10-2021</a:t>
             </a:fld>
             <a:endParaRPr lang="en-IN"/>
           </a:p>
@@ -1419,7 +1420,7 @@
           <a:p>
             <a:fld id="{3F64E90C-326F-45C8-9212-4C9C4B7EF630}" type="datetimeFigureOut">
               <a:rPr lang="en-IN" smtClean="0"/>
-              <a:t>26-09-2021</a:t>
+              <a:t>11-10-2021</a:t>
             </a:fld>
             <a:endParaRPr lang="en-IN"/>
           </a:p>
@@ -1834,7 +1835,7 @@
           <a:p>
             <a:fld id="{3F64E90C-326F-45C8-9212-4C9C4B7EF630}" type="datetimeFigureOut">
               <a:rPr lang="en-IN" smtClean="0"/>
-              <a:t>26-09-2021</a:t>
+              <a:t>11-10-2021</a:t>
             </a:fld>
             <a:endParaRPr lang="en-IN"/>
           </a:p>
@@ -1976,7 +1977,7 @@
           <a:p>
             <a:fld id="{3F64E90C-326F-45C8-9212-4C9C4B7EF630}" type="datetimeFigureOut">
               <a:rPr lang="en-IN" smtClean="0"/>
-              <a:t>26-09-2021</a:t>
+              <a:t>11-10-2021</a:t>
             </a:fld>
             <a:endParaRPr lang="en-IN"/>
           </a:p>
@@ -2089,7 +2090,7 @@
           <a:p>
             <a:fld id="{3F64E90C-326F-45C8-9212-4C9C4B7EF630}" type="datetimeFigureOut">
               <a:rPr lang="en-IN" smtClean="0"/>
-              <a:t>26-09-2021</a:t>
+              <a:t>11-10-2021</a:t>
             </a:fld>
             <a:endParaRPr lang="en-IN"/>
           </a:p>
@@ -2402,7 +2403,7 @@
           <a:p>
             <a:fld id="{3F64E90C-326F-45C8-9212-4C9C4B7EF630}" type="datetimeFigureOut">
               <a:rPr lang="en-IN" smtClean="0"/>
-              <a:t>26-09-2021</a:t>
+              <a:t>11-10-2021</a:t>
             </a:fld>
             <a:endParaRPr lang="en-IN"/>
           </a:p>
@@ -2691,7 +2692,7 @@
           <a:p>
             <a:fld id="{3F64E90C-326F-45C8-9212-4C9C4B7EF630}" type="datetimeFigureOut">
               <a:rPr lang="en-IN" smtClean="0"/>
-              <a:t>26-09-2021</a:t>
+              <a:t>11-10-2021</a:t>
             </a:fld>
             <a:endParaRPr lang="en-IN"/>
           </a:p>
@@ -2934,7 +2935,7 @@
           <a:p>
             <a:fld id="{3F64E90C-326F-45C8-9212-4C9C4B7EF630}" type="datetimeFigureOut">
               <a:rPr lang="en-IN" smtClean="0"/>
-              <a:t>26-09-2021</a:t>
+              <a:t>11-10-2021</a:t>
             </a:fld>
             <a:endParaRPr lang="en-IN"/>
           </a:p>
@@ -3496,7 +3497,7 @@
                 <a:latin typeface="Verdana" panose="020B0604030504040204" pitchFamily="34" charset="0"/>
                 <a:ea typeface="Verdana" panose="020B0604030504040204" pitchFamily="34" charset="0"/>
               </a:rPr>
-              <a:t>29-Sep-2021</a:t>
+              <a:t>13-Oct-2021</a:t>
             </a:r>
           </a:p>
         </p:txBody>
@@ -3714,12 +3715,22 @@
             <a:r>
               <a:rPr lang="en-US" sz="2000" dirty="0">
                 <a:solidFill>
-                  <a:srgbClr val="002060"/>
+                  <a:srgbClr val="00B0F0"/>
                 </a:solidFill>
                 <a:latin typeface="Verdana" panose="020B0604030504040204" pitchFamily="34" charset="0"/>
                 <a:ea typeface="Verdana" panose="020B0604030504040204" pitchFamily="34" charset="0"/>
               </a:rPr>
-              <a:t> All the sessions will be hands on.</a:t>
+              <a:t> </a:t>
+            </a:r>
+            <a:r>
+              <a:rPr lang="en-US" sz="2000" dirty="0">
+                <a:solidFill>
+                  <a:srgbClr val="0070C0"/>
+                </a:solidFill>
+                <a:latin typeface="Verdana" panose="020B0604030504040204" pitchFamily="34" charset="0"/>
+                <a:ea typeface="Verdana" panose="020B0604030504040204" pitchFamily="34" charset="0"/>
+              </a:rPr>
+              <a:t>I am still a learner. Apologize if I do any mistake.</a:t>
             </a:r>
           </a:p>
           <a:p>
@@ -3738,7 +3749,7 @@
                 <a:latin typeface="Verdana" panose="020B0604030504040204" pitchFamily="34" charset="0"/>
                 <a:ea typeface="Verdana" panose="020B0604030504040204" pitchFamily="34" charset="0"/>
               </a:rPr>
-              <a:t> Will have parking lots for queries and other topics.</a:t>
+              <a:t> All the sessions will be hands on.</a:t>
             </a:r>
           </a:p>
           <a:p>
@@ -3757,7 +3768,7 @@
                 <a:latin typeface="Verdana" panose="020B0604030504040204" pitchFamily="34" charset="0"/>
                 <a:ea typeface="Verdana" panose="020B0604030504040204" pitchFamily="34" charset="0"/>
               </a:rPr>
-              <a:t> Some of the concepts we will introduced and revisited in next sessions.</a:t>
+              <a:t> Will have parking lots for queries and other topics.</a:t>
             </a:r>
           </a:p>
           <a:p>
@@ -3776,7 +3787,7 @@
                 <a:latin typeface="Verdana" panose="020B0604030504040204" pitchFamily="34" charset="0"/>
                 <a:ea typeface="Verdana" panose="020B0604030504040204" pitchFamily="34" charset="0"/>
               </a:rPr>
-              <a:t> There are multiple ways to do, we will use one of the ways.</a:t>
+              <a:t> Some of the concepts we will introduced and revisited in next sessions.</a:t>
             </a:r>
           </a:p>
           <a:p>
@@ -3795,7 +3806,7 @@
                 <a:latin typeface="Verdana" panose="020B0604030504040204" pitchFamily="34" charset="0"/>
                 <a:ea typeface="Verdana" panose="020B0604030504040204" pitchFamily="34" charset="0"/>
               </a:rPr>
-              <a:t> The focus was more on concepts and demos are kept simple. </a:t>
+              <a:t> There are multiple ways to do, we will use one of the ways.</a:t>
             </a:r>
           </a:p>
           <a:p>
@@ -3809,22 +3820,12 @@
             <a:r>
               <a:rPr lang="en-US" sz="2000" dirty="0">
                 <a:solidFill>
-                  <a:srgbClr val="00B0F0"/>
+                  <a:srgbClr val="002060"/>
                 </a:solidFill>
                 <a:latin typeface="Verdana" panose="020B0604030504040204" pitchFamily="34" charset="0"/>
                 <a:ea typeface="Verdana" panose="020B0604030504040204" pitchFamily="34" charset="0"/>
               </a:rPr>
-              <a:t> </a:t>
-            </a:r>
-            <a:r>
-              <a:rPr lang="en-US" sz="2000" dirty="0">
-                <a:solidFill>
-                  <a:srgbClr val="0070C0"/>
-                </a:solidFill>
-                <a:latin typeface="Verdana" panose="020B0604030504040204" pitchFamily="34" charset="0"/>
-                <a:ea typeface="Verdana" panose="020B0604030504040204" pitchFamily="34" charset="0"/>
-              </a:rPr>
-              <a:t>I am still a learner. Apologize if I do any mistake.</a:t>
+              <a:t> The focus was more on concepts and demos are kept simple. </a:t>
             </a:r>
           </a:p>
         </p:txBody>
@@ -5164,7 +5165,7 @@
                 <a:latin typeface="Verdana" panose="020B0604030504040204" pitchFamily="34" charset="0"/>
                 <a:ea typeface="Verdana" panose="020B0604030504040204" pitchFamily="34" charset="0"/>
               </a:rPr>
-              <a:t>29-Sep-2021</a:t>
+              <a:t>13-Oct-2021</a:t>
             </a:r>
           </a:p>
         </p:txBody>
@@ -5373,7 +5374,7 @@
         </p:blipFill>
         <p:spPr bwMode="auto">
           <a:xfrm>
-            <a:off x="5643514" y="3051292"/>
+            <a:off x="7368618" y="3051292"/>
             <a:ext cx="809625" cy="809625"/>
           </a:xfrm>
           <a:prstGeom prst="rect">
@@ -5405,7 +5406,7 @@
         </p:nvSpPr>
         <p:spPr>
           <a:xfrm>
-            <a:off x="6237062" y="2728022"/>
+            <a:off x="7962166" y="2728022"/>
             <a:ext cx="834396" cy="276999"/>
           </a:xfrm>
           <a:prstGeom prst="rect">
@@ -5461,7 +5462,7 @@
         </p:blipFill>
         <p:spPr bwMode="auto">
           <a:xfrm>
-            <a:off x="9581914" y="3051292"/>
+            <a:off x="11307018" y="3051292"/>
             <a:ext cx="810000" cy="810000"/>
           </a:xfrm>
           <a:prstGeom prst="rect">
@@ -5493,7 +5494,7 @@
         </p:nvSpPr>
         <p:spPr>
           <a:xfrm>
-            <a:off x="8782311" y="2722384"/>
+            <a:off x="10507415" y="2722384"/>
             <a:ext cx="992579" cy="276999"/>
           </a:xfrm>
           <a:prstGeom prst="rect">
@@ -5534,7 +5535,7 @@
         </p:nvSpPr>
         <p:spPr>
           <a:xfrm>
-            <a:off x="5887567" y="2700919"/>
+            <a:off x="7612671" y="2700919"/>
             <a:ext cx="307435" cy="344102"/>
           </a:xfrm>
           <a:prstGeom prst="heptagon">
@@ -5583,7 +5584,7 @@
         </p:nvSpPr>
         <p:spPr>
           <a:xfrm>
-            <a:off x="9713100" y="2700919"/>
+            <a:off x="11438204" y="2700919"/>
             <a:ext cx="307435" cy="344102"/>
           </a:xfrm>
           <a:prstGeom prst="heptagon">
@@ -5647,7 +5648,7 @@
         </p:blipFill>
         <p:spPr bwMode="auto">
           <a:xfrm>
-            <a:off x="5643514" y="5041057"/>
+            <a:off x="7368618" y="5041057"/>
             <a:ext cx="810000" cy="810000"/>
           </a:xfrm>
           <a:prstGeom prst="rect">
@@ -5682,7 +5683,7 @@
         </p:nvCxnSpPr>
         <p:spPr>
           <a:xfrm>
-            <a:off x="6453139" y="3456105"/>
+            <a:off x="8178243" y="3456105"/>
             <a:ext cx="3128775" cy="187"/>
           </a:xfrm>
           <a:prstGeom prst="line">
@@ -5721,7 +5722,7 @@
         </p:nvCxnSpPr>
         <p:spPr>
           <a:xfrm>
-            <a:off x="6048327" y="3860917"/>
+            <a:off x="7773431" y="3860917"/>
             <a:ext cx="187" cy="1180140"/>
           </a:xfrm>
           <a:prstGeom prst="line">
@@ -5758,7 +5759,7 @@
         </p:nvSpPr>
         <p:spPr>
           <a:xfrm>
-            <a:off x="5887567" y="5858706"/>
+            <a:off x="7612671" y="5858706"/>
             <a:ext cx="307435" cy="344102"/>
           </a:xfrm>
           <a:prstGeom prst="heptagon">
@@ -5807,7 +5808,7 @@
         </p:nvSpPr>
         <p:spPr>
           <a:xfrm>
-            <a:off x="6416451" y="5269474"/>
+            <a:off x="8141555" y="5269474"/>
             <a:ext cx="847733" cy="276999"/>
           </a:xfrm>
           <a:prstGeom prst="rect">
@@ -5863,7 +5864,7 @@
         </p:blipFill>
         <p:spPr bwMode="auto">
           <a:xfrm>
-            <a:off x="1666070" y="1118797"/>
+            <a:off x="3391174" y="1118797"/>
             <a:ext cx="857250" cy="809625"/>
           </a:xfrm>
           <a:prstGeom prst="rect">
@@ -5895,7 +5896,7 @@
         </p:nvCxnSpPr>
         <p:spPr>
           <a:xfrm>
-            <a:off x="2542588" y="3457673"/>
+            <a:off x="4267692" y="3457673"/>
             <a:ext cx="3128775" cy="187"/>
           </a:xfrm>
           <a:prstGeom prst="line">
@@ -5946,7 +5947,7 @@
         </p:blipFill>
         <p:spPr bwMode="auto">
           <a:xfrm>
-            <a:off x="1666070" y="4336837"/>
+            <a:off x="3391174" y="4397548"/>
             <a:ext cx="857250" cy="809625"/>
           </a:xfrm>
           <a:prstGeom prst="rect">
@@ -5964,6 +5965,186 @@
           </a:extLst>
         </p:spPr>
       </p:pic>
+      <p:sp>
+        <p:nvSpPr>
+          <p:cNvPr id="22" name="Heptagon 21">
+            <a:extLst>
+              <a:ext uri="{FF2B5EF4-FFF2-40B4-BE49-F238E27FC236}">
+                <a16:creationId xmlns:a16="http://schemas.microsoft.com/office/drawing/2014/main" id="{9DC9C82A-36F2-4DA5-AAE7-F9FC02DA4D7C}"/>
+              </a:ext>
+            </a:extLst>
+          </p:cNvPr>
+          <p:cNvSpPr/>
+          <p:nvPr/>
+        </p:nvSpPr>
+        <p:spPr>
+          <a:xfrm>
+            <a:off x="3237456" y="774695"/>
+            <a:ext cx="307435" cy="344102"/>
+          </a:xfrm>
+          <a:prstGeom prst="heptagon">
+            <a:avLst/>
+          </a:prstGeom>
+        </p:spPr>
+        <p:style>
+          <a:lnRef idx="2">
+            <a:schemeClr val="accent1">
+              <a:shade val="50000"/>
+            </a:schemeClr>
+          </a:lnRef>
+          <a:fillRef idx="1">
+            <a:schemeClr val="accent1"/>
+          </a:fillRef>
+          <a:effectRef idx="0">
+            <a:schemeClr val="accent1"/>
+          </a:effectRef>
+          <a:fontRef idx="minor">
+            <a:schemeClr val="lt1"/>
+          </a:fontRef>
+        </p:style>
+        <p:txBody>
+          <a:bodyPr rtlCol="0" anchor="ctr"/>
+          <a:lstStyle/>
+          <a:p>
+            <a:pPr algn="ctr"/>
+            <a:r>
+              <a:rPr lang="en-US" dirty="0"/>
+              <a:t>4</a:t>
+            </a:r>
+          </a:p>
+        </p:txBody>
+      </p:sp>
+      <p:sp>
+        <p:nvSpPr>
+          <p:cNvPr id="23" name="Heptagon 22">
+            <a:extLst>
+              <a:ext uri="{FF2B5EF4-FFF2-40B4-BE49-F238E27FC236}">
+                <a16:creationId xmlns:a16="http://schemas.microsoft.com/office/drawing/2014/main" id="{D027EBA1-67A9-4BF1-ACE6-4F4DB7E49E26}"/>
+              </a:ext>
+            </a:extLst>
+          </p:cNvPr>
+          <p:cNvSpPr/>
+          <p:nvPr/>
+        </p:nvSpPr>
+        <p:spPr>
+          <a:xfrm>
+            <a:off x="3237455" y="5166586"/>
+            <a:ext cx="307435" cy="344102"/>
+          </a:xfrm>
+          <a:prstGeom prst="heptagon">
+            <a:avLst/>
+          </a:prstGeom>
+        </p:spPr>
+        <p:style>
+          <a:lnRef idx="2">
+            <a:schemeClr val="accent1">
+              <a:shade val="50000"/>
+            </a:schemeClr>
+          </a:lnRef>
+          <a:fillRef idx="1">
+            <a:schemeClr val="accent1"/>
+          </a:fillRef>
+          <a:effectRef idx="0">
+            <a:schemeClr val="accent1"/>
+          </a:effectRef>
+          <a:fontRef idx="minor">
+            <a:schemeClr val="lt1"/>
+          </a:fontRef>
+        </p:style>
+        <p:txBody>
+          <a:bodyPr rtlCol="0" anchor="ctr"/>
+          <a:lstStyle/>
+          <a:p>
+            <a:pPr algn="ctr"/>
+            <a:r>
+              <a:rPr lang="en-US" dirty="0"/>
+              <a:t>5</a:t>
+            </a:r>
+          </a:p>
+        </p:txBody>
+      </p:sp>
+      <p:sp>
+        <p:nvSpPr>
+          <p:cNvPr id="24" name="TextBox 23">
+            <a:extLst>
+              <a:ext uri="{FF2B5EF4-FFF2-40B4-BE49-F238E27FC236}">
+                <a16:creationId xmlns:a16="http://schemas.microsoft.com/office/drawing/2014/main" id="{444ADC56-8CEB-448D-9DB4-A40A04DCB75F}"/>
+              </a:ext>
+            </a:extLst>
+          </p:cNvPr>
+          <p:cNvSpPr txBox="1"/>
+          <p:nvPr/>
+        </p:nvSpPr>
+        <p:spPr>
+          <a:xfrm>
+            <a:off x="3544889" y="815284"/>
+            <a:ext cx="1206219" cy="276999"/>
+          </a:xfrm>
+          <a:prstGeom prst="rect">
+            <a:avLst/>
+          </a:prstGeom>
+          <a:noFill/>
+        </p:spPr>
+        <p:txBody>
+          <a:bodyPr wrap="square" rtlCol="0">
+            <a:spAutoFit/>
+          </a:bodyPr>
+          <a:lstStyle/>
+          <a:p>
+            <a:r>
+              <a:rPr lang="en-US" sz="1200" dirty="0">
+                <a:solidFill>
+                  <a:srgbClr val="002060"/>
+                </a:solidFill>
+                <a:latin typeface="Verdana" panose="020B0604030504040204" pitchFamily="34" charset="0"/>
+                <a:ea typeface="Verdana" panose="020B0604030504040204" pitchFamily="34" charset="0"/>
+              </a:rPr>
+              <a:t>Windows VM</a:t>
+            </a:r>
+          </a:p>
+        </p:txBody>
+      </p:sp>
+      <p:sp>
+        <p:nvSpPr>
+          <p:cNvPr id="25" name="TextBox 24">
+            <a:extLst>
+              <a:ext uri="{FF2B5EF4-FFF2-40B4-BE49-F238E27FC236}">
+                <a16:creationId xmlns:a16="http://schemas.microsoft.com/office/drawing/2014/main" id="{94D56564-9C91-49CE-B97F-D9A8EDAD6D68}"/>
+              </a:ext>
+            </a:extLst>
+          </p:cNvPr>
+          <p:cNvSpPr txBox="1"/>
+          <p:nvPr/>
+        </p:nvSpPr>
+        <p:spPr>
+          <a:xfrm>
+            <a:off x="3527429" y="5233689"/>
+            <a:ext cx="1206219" cy="276999"/>
+          </a:xfrm>
+          <a:prstGeom prst="rect">
+            <a:avLst/>
+          </a:prstGeom>
+          <a:noFill/>
+        </p:spPr>
+        <p:txBody>
+          <a:bodyPr wrap="square" rtlCol="0">
+            <a:spAutoFit/>
+          </a:bodyPr>
+          <a:lstStyle/>
+          <a:p>
+            <a:r>
+              <a:rPr lang="en-US" sz="1200" dirty="0">
+                <a:solidFill>
+                  <a:srgbClr val="002060"/>
+                </a:solidFill>
+                <a:latin typeface="Verdana" panose="020B0604030504040204" pitchFamily="34" charset="0"/>
+                <a:ea typeface="Verdana" panose="020B0604030504040204" pitchFamily="34" charset="0"/>
+              </a:rPr>
+              <a:t>Ubuntu VM</a:t>
+            </a:r>
+          </a:p>
+        </p:txBody>
+      </p:sp>
     </p:spTree>
     <p:extLst>
       <p:ext uri="{BB962C8B-B14F-4D97-AF65-F5344CB8AC3E}">
@@ -5978,6 +6159,1102 @@
 </file>
 
 <file path=ppt/slides/slide5.xml><?xml version="1.0" encoding="utf-8"?>
+<p:sld xmlns:a="http://schemas.openxmlformats.org/drawingml/2006/main" xmlns:r="http://schemas.openxmlformats.org/officeDocument/2006/relationships" xmlns:p="http://schemas.openxmlformats.org/presentationml/2006/main">
+  <p:cSld>
+    <p:spTree>
+      <p:nvGrpSpPr>
+        <p:cNvPr id="1" name=""/>
+        <p:cNvGrpSpPr/>
+        <p:nvPr/>
+      </p:nvGrpSpPr>
+      <p:grpSpPr>
+        <a:xfrm>
+          <a:off x="0" y="0"/>
+          <a:ext cx="0" cy="0"/>
+          <a:chOff x="0" y="0"/>
+          <a:chExt cx="0" cy="0"/>
+        </a:xfrm>
+      </p:grpSpPr>
+      <p:sp>
+        <p:nvSpPr>
+          <p:cNvPr id="7" name="Rectangle 6">
+            <a:extLst>
+              <a:ext uri="{FF2B5EF4-FFF2-40B4-BE49-F238E27FC236}">
+                <a16:creationId xmlns:a16="http://schemas.microsoft.com/office/drawing/2014/main" id="{B10720DE-FD2A-4FE5-B9FB-74854D01A659}"/>
+              </a:ext>
+            </a:extLst>
+          </p:cNvPr>
+          <p:cNvSpPr/>
+          <p:nvPr/>
+        </p:nvSpPr>
+        <p:spPr>
+          <a:xfrm>
+            <a:off x="0" y="6432008"/>
+            <a:ext cx="12183122" cy="57703"/>
+          </a:xfrm>
+          <a:prstGeom prst="rect">
+            <a:avLst/>
+          </a:prstGeom>
+          <a:solidFill>
+            <a:srgbClr val="0070C0"/>
+          </a:solidFill>
+        </p:spPr>
+        <p:style>
+          <a:lnRef idx="2">
+            <a:schemeClr val="accent1">
+              <a:shade val="50000"/>
+            </a:schemeClr>
+          </a:lnRef>
+          <a:fillRef idx="1">
+            <a:schemeClr val="accent1"/>
+          </a:fillRef>
+          <a:effectRef idx="0">
+            <a:schemeClr val="accent1"/>
+          </a:effectRef>
+          <a:fontRef idx="minor">
+            <a:schemeClr val="lt1"/>
+          </a:fontRef>
+        </p:style>
+        <p:txBody>
+          <a:bodyPr rtlCol="0" anchor="ctr"/>
+          <a:lstStyle/>
+          <a:p>
+            <a:pPr algn="ctr"/>
+            <a:endParaRPr lang="en-IN" sz="1000" dirty="0">
+              <a:latin typeface="Verdana" panose="020B0604030504040204" pitchFamily="34" charset="0"/>
+              <a:ea typeface="Verdana" panose="020B0604030504040204" pitchFamily="34" charset="0"/>
+            </a:endParaRPr>
+          </a:p>
+        </p:txBody>
+      </p:sp>
+      <p:sp>
+        <p:nvSpPr>
+          <p:cNvPr id="8" name="Footer Placeholder 7">
+            <a:extLst>
+              <a:ext uri="{FF2B5EF4-FFF2-40B4-BE49-F238E27FC236}">
+                <a16:creationId xmlns:a16="http://schemas.microsoft.com/office/drawing/2014/main" id="{DD2A19CA-EC18-432D-8F8F-17079808F38B}"/>
+              </a:ext>
+            </a:extLst>
+          </p:cNvPr>
+          <p:cNvSpPr>
+            <a:spLocks noGrp="1"/>
+          </p:cNvSpPr>
+          <p:nvPr>
+            <p:ph type="ftr" sz="quarter" idx="11"/>
+          </p:nvPr>
+        </p:nvSpPr>
+        <p:spPr>
+          <a:xfrm>
+            <a:off x="4038600" y="6476336"/>
+            <a:ext cx="4114800" cy="365125"/>
+          </a:xfrm>
+        </p:spPr>
+        <p:txBody>
+          <a:bodyPr/>
+          <a:lstStyle/>
+          <a:p>
+            <a:r>
+              <a:rPr lang="en-IN" b="1" dirty="0">
+                <a:solidFill>
+                  <a:srgbClr val="002060"/>
+                </a:solidFill>
+                <a:latin typeface="Verdana" panose="020B0604030504040204" pitchFamily="34" charset="0"/>
+                <a:ea typeface="Verdana" panose="020B0604030504040204" pitchFamily="34" charset="0"/>
+              </a:rPr>
+              <a:t>27-Oct-2021</a:t>
+            </a:r>
+          </a:p>
+        </p:txBody>
+      </p:sp>
+      <p:sp>
+        <p:nvSpPr>
+          <p:cNvPr id="9" name="Slide Number Placeholder 8">
+            <a:extLst>
+              <a:ext uri="{FF2B5EF4-FFF2-40B4-BE49-F238E27FC236}">
+                <a16:creationId xmlns:a16="http://schemas.microsoft.com/office/drawing/2014/main" id="{8162625C-0B1F-42E0-BE7C-D99A08FED7A3}"/>
+              </a:ext>
+            </a:extLst>
+          </p:cNvPr>
+          <p:cNvSpPr>
+            <a:spLocks noGrp="1"/>
+          </p:cNvSpPr>
+          <p:nvPr>
+            <p:ph type="sldNum" sz="quarter" idx="12"/>
+          </p:nvPr>
+        </p:nvSpPr>
+        <p:spPr>
+          <a:xfrm>
+            <a:off x="8610600" y="6476336"/>
+            <a:ext cx="2743200" cy="365125"/>
+          </a:xfrm>
+        </p:spPr>
+        <p:txBody>
+          <a:bodyPr/>
+          <a:lstStyle/>
+          <a:p>
+            <a:r>
+              <a:rPr lang="en-IN" b="1" dirty="0">
+                <a:solidFill>
+                  <a:srgbClr val="002060"/>
+                </a:solidFill>
+                <a:latin typeface="Verdana" panose="020B0604030504040204" pitchFamily="34" charset="0"/>
+                <a:ea typeface="Verdana" panose="020B0604030504040204" pitchFamily="34" charset="0"/>
+              </a:rPr>
+              <a:t>1</a:t>
+            </a:r>
+          </a:p>
+        </p:txBody>
+      </p:sp>
+      <p:sp>
+        <p:nvSpPr>
+          <p:cNvPr id="12" name="Footer Placeholder 7">
+            <a:extLst>
+              <a:ext uri="{FF2B5EF4-FFF2-40B4-BE49-F238E27FC236}">
+                <a16:creationId xmlns:a16="http://schemas.microsoft.com/office/drawing/2014/main" id="{64C57949-E349-47D3-A505-A098233AF49D}"/>
+              </a:ext>
+            </a:extLst>
+          </p:cNvPr>
+          <p:cNvSpPr txBox="1">
+            <a:spLocks/>
+          </p:cNvSpPr>
+          <p:nvPr/>
+        </p:nvSpPr>
+        <p:spPr>
+          <a:xfrm>
+            <a:off x="133897" y="6477810"/>
+            <a:ext cx="4114800" cy="365125"/>
+          </a:xfrm>
+          <a:prstGeom prst="rect">
+            <a:avLst/>
+          </a:prstGeom>
+        </p:spPr>
+        <p:txBody>
+          <a:bodyPr vert="horz" lIns="91440" tIns="45720" rIns="91440" bIns="45720" rtlCol="0" anchor="ctr"/>
+          <a:lstStyle>
+            <a:defPPr>
+              <a:defRPr lang="en-US"/>
+            </a:defPPr>
+            <a:lvl1pPr marL="0" algn="ctr" defTabSz="914400" rtl="0" eaLnBrk="1" latinLnBrk="0" hangingPunct="1">
+              <a:defRPr sz="1200" kern="1200">
+                <a:solidFill>
+                  <a:schemeClr val="tx1">
+                    <a:tint val="75000"/>
+                  </a:schemeClr>
+                </a:solidFill>
+                <a:latin typeface="+mn-lt"/>
+                <a:ea typeface="+mn-ea"/>
+                <a:cs typeface="+mn-cs"/>
+              </a:defRPr>
+            </a:lvl1pPr>
+            <a:lvl2pPr marL="457200" algn="l" defTabSz="914400" rtl="0" eaLnBrk="1" latinLnBrk="0" hangingPunct="1">
+              <a:defRPr sz="1800" kern="1200">
+                <a:solidFill>
+                  <a:schemeClr val="tx1"/>
+                </a:solidFill>
+                <a:latin typeface="+mn-lt"/>
+                <a:ea typeface="+mn-ea"/>
+                <a:cs typeface="+mn-cs"/>
+              </a:defRPr>
+            </a:lvl2pPr>
+            <a:lvl3pPr marL="914400" algn="l" defTabSz="914400" rtl="0" eaLnBrk="1" latinLnBrk="0" hangingPunct="1">
+              <a:defRPr sz="1800" kern="1200">
+                <a:solidFill>
+                  <a:schemeClr val="tx1"/>
+                </a:solidFill>
+                <a:latin typeface="+mn-lt"/>
+                <a:ea typeface="+mn-ea"/>
+                <a:cs typeface="+mn-cs"/>
+              </a:defRPr>
+            </a:lvl3pPr>
+            <a:lvl4pPr marL="1371600" algn="l" defTabSz="914400" rtl="0" eaLnBrk="1" latinLnBrk="0" hangingPunct="1">
+              <a:defRPr sz="1800" kern="1200">
+                <a:solidFill>
+                  <a:schemeClr val="tx1"/>
+                </a:solidFill>
+                <a:latin typeface="+mn-lt"/>
+                <a:ea typeface="+mn-ea"/>
+                <a:cs typeface="+mn-cs"/>
+              </a:defRPr>
+            </a:lvl4pPr>
+            <a:lvl5pPr marL="1828800" algn="l" defTabSz="914400" rtl="0" eaLnBrk="1" latinLnBrk="0" hangingPunct="1">
+              <a:defRPr sz="1800" kern="1200">
+                <a:solidFill>
+                  <a:schemeClr val="tx1"/>
+                </a:solidFill>
+                <a:latin typeface="+mn-lt"/>
+                <a:ea typeface="+mn-ea"/>
+                <a:cs typeface="+mn-cs"/>
+              </a:defRPr>
+            </a:lvl5pPr>
+            <a:lvl6pPr marL="2286000" algn="l" defTabSz="914400" rtl="0" eaLnBrk="1" latinLnBrk="0" hangingPunct="1">
+              <a:defRPr sz="1800" kern="1200">
+                <a:solidFill>
+                  <a:schemeClr val="tx1"/>
+                </a:solidFill>
+                <a:latin typeface="+mn-lt"/>
+                <a:ea typeface="+mn-ea"/>
+                <a:cs typeface="+mn-cs"/>
+              </a:defRPr>
+            </a:lvl6pPr>
+            <a:lvl7pPr marL="2743200" algn="l" defTabSz="914400" rtl="0" eaLnBrk="1" latinLnBrk="0" hangingPunct="1">
+              <a:defRPr sz="1800" kern="1200">
+                <a:solidFill>
+                  <a:schemeClr val="tx1"/>
+                </a:solidFill>
+                <a:latin typeface="+mn-lt"/>
+                <a:ea typeface="+mn-ea"/>
+                <a:cs typeface="+mn-cs"/>
+              </a:defRPr>
+            </a:lvl7pPr>
+            <a:lvl8pPr marL="3200400" algn="l" defTabSz="914400" rtl="0" eaLnBrk="1" latinLnBrk="0" hangingPunct="1">
+              <a:defRPr sz="1800" kern="1200">
+                <a:solidFill>
+                  <a:schemeClr val="tx1"/>
+                </a:solidFill>
+                <a:latin typeface="+mn-lt"/>
+                <a:ea typeface="+mn-ea"/>
+                <a:cs typeface="+mn-cs"/>
+              </a:defRPr>
+            </a:lvl8pPr>
+            <a:lvl9pPr marL="3657600" algn="l" defTabSz="914400" rtl="0" eaLnBrk="1" latinLnBrk="0" hangingPunct="1">
+              <a:defRPr sz="1800" kern="1200">
+                <a:solidFill>
+                  <a:schemeClr val="tx1"/>
+                </a:solidFill>
+                <a:latin typeface="+mn-lt"/>
+                <a:ea typeface="+mn-ea"/>
+                <a:cs typeface="+mn-cs"/>
+              </a:defRPr>
+            </a:lvl9pPr>
+          </a:lstStyle>
+          <a:p>
+            <a:r>
+              <a:rPr lang="en-IN" b="1" dirty="0">
+                <a:solidFill>
+                  <a:srgbClr val="002060"/>
+                </a:solidFill>
+                <a:latin typeface="Verdana" panose="020B0604030504040204" pitchFamily="34" charset="0"/>
+                <a:ea typeface="Verdana" panose="020B0604030504040204" pitchFamily="34" charset="0"/>
+              </a:rPr>
+              <a:t>Microsoft Reactor Bengaluru</a:t>
+            </a:r>
+          </a:p>
+        </p:txBody>
+      </p:sp>
+      <p:pic>
+        <p:nvPicPr>
+          <p:cNvPr id="6" name="Picture 12">
+            <a:extLst>
+              <a:ext uri="{FF2B5EF4-FFF2-40B4-BE49-F238E27FC236}">
+                <a16:creationId xmlns:a16="http://schemas.microsoft.com/office/drawing/2014/main" id="{7898CFCB-7659-4968-8E49-75F24799EB68}"/>
+              </a:ext>
+            </a:extLst>
+          </p:cNvPr>
+          <p:cNvPicPr>
+            <a:picLocks noChangeAspect="1" noChangeArrowheads="1"/>
+          </p:cNvPicPr>
+          <p:nvPr/>
+        </p:nvPicPr>
+        <p:blipFill>
+          <a:blip r:embed="rId2">
+            <a:extLst>
+              <a:ext uri="{28A0092B-C50C-407E-A947-70E740481C1C}">
+                <a14:useLocalDpi xmlns:a14="http://schemas.microsoft.com/office/drawing/2010/main" val="0"/>
+              </a:ext>
+            </a:extLst>
+          </a:blip>
+          <a:srcRect/>
+          <a:stretch>
+            <a:fillRect/>
+          </a:stretch>
+        </p:blipFill>
+        <p:spPr bwMode="auto">
+          <a:xfrm>
+            <a:off x="7368618" y="3051292"/>
+            <a:ext cx="809625" cy="809625"/>
+          </a:xfrm>
+          <a:prstGeom prst="rect">
+            <a:avLst/>
+          </a:prstGeom>
+          <a:noFill/>
+          <a:extLst>
+            <a:ext uri="{909E8E84-426E-40DD-AFC4-6F175D3DCCD1}">
+              <a14:hiddenFill xmlns:a14="http://schemas.microsoft.com/office/drawing/2010/main">
+                <a:solidFill>
+                  <a:srgbClr val="FFFFFF"/>
+                </a:solidFill>
+              </a14:hiddenFill>
+            </a:ext>
+          </a:extLst>
+        </p:spPr>
+      </p:pic>
+      <p:sp>
+        <p:nvSpPr>
+          <p:cNvPr id="10" name="TextBox 9">
+            <a:extLst>
+              <a:ext uri="{FF2B5EF4-FFF2-40B4-BE49-F238E27FC236}">
+                <a16:creationId xmlns:a16="http://schemas.microsoft.com/office/drawing/2014/main" id="{3657454D-AD85-4AEE-82DC-6159AD7DE31E}"/>
+              </a:ext>
+            </a:extLst>
+          </p:cNvPr>
+          <p:cNvSpPr txBox="1"/>
+          <p:nvPr/>
+        </p:nvSpPr>
+        <p:spPr>
+          <a:xfrm>
+            <a:off x="7962166" y="2728022"/>
+            <a:ext cx="834396" cy="276999"/>
+          </a:xfrm>
+          <a:prstGeom prst="rect">
+            <a:avLst/>
+          </a:prstGeom>
+          <a:noFill/>
+        </p:spPr>
+        <p:txBody>
+          <a:bodyPr wrap="none" rtlCol="0">
+            <a:spAutoFit/>
+          </a:bodyPr>
+          <a:lstStyle/>
+          <a:p>
+            <a:r>
+              <a:rPr lang="en-US" sz="1200" dirty="0">
+                <a:solidFill>
+                  <a:srgbClr val="002060"/>
+                </a:solidFill>
+                <a:latin typeface="Verdana" panose="020B0604030504040204" pitchFamily="34" charset="0"/>
+                <a:ea typeface="Verdana" panose="020B0604030504040204" pitchFamily="34" charset="0"/>
+              </a:rPr>
+              <a:t>Web API</a:t>
+            </a:r>
+          </a:p>
+        </p:txBody>
+      </p:sp>
+      <p:pic>
+        <p:nvPicPr>
+          <p:cNvPr id="11" name="Picture 10">
+            <a:extLst>
+              <a:ext uri="{FF2B5EF4-FFF2-40B4-BE49-F238E27FC236}">
+                <a16:creationId xmlns:a16="http://schemas.microsoft.com/office/drawing/2014/main" id="{13644FC0-4432-4DAA-BB42-865EDC6E7039}"/>
+              </a:ext>
+            </a:extLst>
+          </p:cNvPr>
+          <p:cNvPicPr>
+            <a:picLocks noChangeAspect="1" noChangeArrowheads="1"/>
+          </p:cNvPicPr>
+          <p:nvPr/>
+        </p:nvPicPr>
+        <p:blipFill>
+          <a:blip r:embed="rId3">
+            <a:extLst>
+              <a:ext uri="{28A0092B-C50C-407E-A947-70E740481C1C}">
+                <a14:useLocalDpi xmlns:a14="http://schemas.microsoft.com/office/drawing/2010/main" val="0"/>
+              </a:ext>
+            </a:extLst>
+          </a:blip>
+          <a:srcRect/>
+          <a:stretch>
+            <a:fillRect/>
+          </a:stretch>
+        </p:blipFill>
+        <p:spPr bwMode="auto">
+          <a:xfrm>
+            <a:off x="11307018" y="3051292"/>
+            <a:ext cx="810000" cy="810000"/>
+          </a:xfrm>
+          <a:prstGeom prst="rect">
+            <a:avLst/>
+          </a:prstGeom>
+          <a:noFill/>
+          <a:extLst>
+            <a:ext uri="{909E8E84-426E-40DD-AFC4-6F175D3DCCD1}">
+              <a14:hiddenFill xmlns:a14="http://schemas.microsoft.com/office/drawing/2010/main">
+                <a:solidFill>
+                  <a:srgbClr val="FFFFFF"/>
+                </a:solidFill>
+              </a14:hiddenFill>
+            </a:ext>
+          </a:extLst>
+        </p:spPr>
+      </p:pic>
+      <p:sp>
+        <p:nvSpPr>
+          <p:cNvPr id="13" name="TextBox 12">
+            <a:extLst>
+              <a:ext uri="{FF2B5EF4-FFF2-40B4-BE49-F238E27FC236}">
+                <a16:creationId xmlns:a16="http://schemas.microsoft.com/office/drawing/2014/main" id="{83BEFD28-360B-4C34-B776-983624107E9B}"/>
+              </a:ext>
+            </a:extLst>
+          </p:cNvPr>
+          <p:cNvSpPr txBox="1"/>
+          <p:nvPr/>
+        </p:nvSpPr>
+        <p:spPr>
+          <a:xfrm>
+            <a:off x="10507415" y="2722384"/>
+            <a:ext cx="992579" cy="276999"/>
+          </a:xfrm>
+          <a:prstGeom prst="rect">
+            <a:avLst/>
+          </a:prstGeom>
+          <a:noFill/>
+        </p:spPr>
+        <p:txBody>
+          <a:bodyPr wrap="none" rtlCol="0">
+            <a:spAutoFit/>
+          </a:bodyPr>
+          <a:lstStyle/>
+          <a:p>
+            <a:r>
+              <a:rPr lang="en-US" sz="1200" dirty="0">
+                <a:solidFill>
+                  <a:srgbClr val="002060"/>
+                </a:solidFill>
+                <a:latin typeface="Verdana" panose="020B0604030504040204" pitchFamily="34" charset="0"/>
+                <a:ea typeface="Verdana" panose="020B0604030504040204" pitchFamily="34" charset="0"/>
+              </a:rPr>
+              <a:t>Azure SQL</a:t>
+            </a:r>
+          </a:p>
+        </p:txBody>
+      </p:sp>
+      <p:sp>
+        <p:nvSpPr>
+          <p:cNvPr id="14" name="Heptagon 13">
+            <a:extLst>
+              <a:ext uri="{FF2B5EF4-FFF2-40B4-BE49-F238E27FC236}">
+                <a16:creationId xmlns:a16="http://schemas.microsoft.com/office/drawing/2014/main" id="{932FD78C-C27D-4D87-9137-AB3F88C3B70B}"/>
+              </a:ext>
+            </a:extLst>
+          </p:cNvPr>
+          <p:cNvSpPr/>
+          <p:nvPr/>
+        </p:nvSpPr>
+        <p:spPr>
+          <a:xfrm>
+            <a:off x="7612671" y="2700919"/>
+            <a:ext cx="307435" cy="344102"/>
+          </a:xfrm>
+          <a:prstGeom prst="heptagon">
+            <a:avLst/>
+          </a:prstGeom>
+        </p:spPr>
+        <p:style>
+          <a:lnRef idx="2">
+            <a:schemeClr val="accent1">
+              <a:shade val="50000"/>
+            </a:schemeClr>
+          </a:lnRef>
+          <a:fillRef idx="1">
+            <a:schemeClr val="accent1"/>
+          </a:fillRef>
+          <a:effectRef idx="0">
+            <a:schemeClr val="accent1"/>
+          </a:effectRef>
+          <a:fontRef idx="minor">
+            <a:schemeClr val="lt1"/>
+          </a:fontRef>
+        </p:style>
+        <p:txBody>
+          <a:bodyPr rtlCol="0" anchor="ctr"/>
+          <a:lstStyle/>
+          <a:p>
+            <a:pPr algn="ctr"/>
+            <a:r>
+              <a:rPr lang="en-US" dirty="0"/>
+              <a:t>1</a:t>
+            </a:r>
+          </a:p>
+        </p:txBody>
+      </p:sp>
+      <p:sp>
+        <p:nvSpPr>
+          <p:cNvPr id="15" name="Heptagon 14">
+            <a:extLst>
+              <a:ext uri="{FF2B5EF4-FFF2-40B4-BE49-F238E27FC236}">
+                <a16:creationId xmlns:a16="http://schemas.microsoft.com/office/drawing/2014/main" id="{1E40AC33-A982-446B-9D49-9D733A49316A}"/>
+              </a:ext>
+            </a:extLst>
+          </p:cNvPr>
+          <p:cNvSpPr/>
+          <p:nvPr/>
+        </p:nvSpPr>
+        <p:spPr>
+          <a:xfrm>
+            <a:off x="11438204" y="2700919"/>
+            <a:ext cx="307435" cy="344102"/>
+          </a:xfrm>
+          <a:prstGeom prst="heptagon">
+            <a:avLst/>
+          </a:prstGeom>
+        </p:spPr>
+        <p:style>
+          <a:lnRef idx="2">
+            <a:schemeClr val="accent1">
+              <a:shade val="50000"/>
+            </a:schemeClr>
+          </a:lnRef>
+          <a:fillRef idx="1">
+            <a:schemeClr val="accent1"/>
+          </a:fillRef>
+          <a:effectRef idx="0">
+            <a:schemeClr val="accent1"/>
+          </a:effectRef>
+          <a:fontRef idx="minor">
+            <a:schemeClr val="lt1"/>
+          </a:fontRef>
+        </p:style>
+        <p:txBody>
+          <a:bodyPr rtlCol="0" anchor="ctr"/>
+          <a:lstStyle/>
+          <a:p>
+            <a:pPr algn="ctr"/>
+            <a:r>
+              <a:rPr lang="en-US" dirty="0"/>
+              <a:t>2</a:t>
+            </a:r>
+          </a:p>
+        </p:txBody>
+      </p:sp>
+      <p:pic>
+        <p:nvPicPr>
+          <p:cNvPr id="1026" name="Picture 2">
+            <a:extLst>
+              <a:ext uri="{FF2B5EF4-FFF2-40B4-BE49-F238E27FC236}">
+                <a16:creationId xmlns:a16="http://schemas.microsoft.com/office/drawing/2014/main" id="{F57E8191-61DB-4EA0-9C1C-F149C364155D}"/>
+              </a:ext>
+            </a:extLst>
+          </p:cNvPr>
+          <p:cNvPicPr>
+            <a:picLocks noChangeAspect="1" noChangeArrowheads="1"/>
+          </p:cNvPicPr>
+          <p:nvPr/>
+        </p:nvPicPr>
+        <p:blipFill>
+          <a:blip r:embed="rId4">
+            <a:extLst>
+              <a:ext uri="{28A0092B-C50C-407E-A947-70E740481C1C}">
+                <a14:useLocalDpi xmlns:a14="http://schemas.microsoft.com/office/drawing/2010/main" val="0"/>
+              </a:ext>
+            </a:extLst>
+          </a:blip>
+          <a:srcRect/>
+          <a:stretch>
+            <a:fillRect/>
+          </a:stretch>
+        </p:blipFill>
+        <p:spPr bwMode="auto">
+          <a:xfrm>
+            <a:off x="7368618" y="5041057"/>
+            <a:ext cx="810000" cy="810000"/>
+          </a:xfrm>
+          <a:prstGeom prst="rect">
+            <a:avLst/>
+          </a:prstGeom>
+          <a:noFill/>
+          <a:extLst>
+            <a:ext uri="{909E8E84-426E-40DD-AFC4-6F175D3DCCD1}">
+              <a14:hiddenFill xmlns:a14="http://schemas.microsoft.com/office/drawing/2010/main">
+                <a:solidFill>
+                  <a:srgbClr val="FFFFFF"/>
+                </a:solidFill>
+              </a14:hiddenFill>
+            </a:ext>
+          </a:extLst>
+        </p:spPr>
+      </p:pic>
+      <p:cxnSp>
+        <p:nvCxnSpPr>
+          <p:cNvPr id="4" name="Straight Connector 3">
+            <a:extLst>
+              <a:ext uri="{FF2B5EF4-FFF2-40B4-BE49-F238E27FC236}">
+                <a16:creationId xmlns:a16="http://schemas.microsoft.com/office/drawing/2014/main" id="{3305130D-A90B-4CF0-8C61-F044EE9BFE47}"/>
+              </a:ext>
+            </a:extLst>
+          </p:cNvPr>
+          <p:cNvCxnSpPr>
+            <a:stCxn id="6" idx="3"/>
+            <a:endCxn id="11" idx="1"/>
+          </p:cNvCxnSpPr>
+          <p:nvPr/>
+        </p:nvCxnSpPr>
+        <p:spPr>
+          <a:xfrm>
+            <a:off x="8178243" y="3456105"/>
+            <a:ext cx="3128775" cy="187"/>
+          </a:xfrm>
+          <a:prstGeom prst="line">
+            <a:avLst/>
+          </a:prstGeom>
+        </p:spPr>
+        <p:style>
+          <a:lnRef idx="2">
+            <a:schemeClr val="accent1"/>
+          </a:lnRef>
+          <a:fillRef idx="0">
+            <a:schemeClr val="accent1"/>
+          </a:fillRef>
+          <a:effectRef idx="1">
+            <a:schemeClr val="accent1"/>
+          </a:effectRef>
+          <a:fontRef idx="minor">
+            <a:schemeClr val="tx1"/>
+          </a:fontRef>
+        </p:style>
+      </p:cxnSp>
+      <p:cxnSp>
+        <p:nvCxnSpPr>
+          <p:cNvPr id="17" name="Straight Connector 16">
+            <a:extLst>
+              <a:ext uri="{FF2B5EF4-FFF2-40B4-BE49-F238E27FC236}">
+                <a16:creationId xmlns:a16="http://schemas.microsoft.com/office/drawing/2014/main" id="{AAC1447B-07A7-40E7-8652-6EC297A4352B}"/>
+              </a:ext>
+            </a:extLst>
+          </p:cNvPr>
+          <p:cNvCxnSpPr>
+            <a:stCxn id="6" idx="2"/>
+            <a:endCxn id="1026" idx="0"/>
+          </p:cNvCxnSpPr>
+          <p:nvPr/>
+        </p:nvCxnSpPr>
+        <p:spPr>
+          <a:xfrm>
+            <a:off x="7773431" y="3860917"/>
+            <a:ext cx="187" cy="1180140"/>
+          </a:xfrm>
+          <a:prstGeom prst="line">
+            <a:avLst/>
+          </a:prstGeom>
+          <a:ln w="12700"/>
+        </p:spPr>
+        <p:style>
+          <a:lnRef idx="1">
+            <a:schemeClr val="accent1"/>
+          </a:lnRef>
+          <a:fillRef idx="0">
+            <a:schemeClr val="accent1"/>
+          </a:fillRef>
+          <a:effectRef idx="0">
+            <a:schemeClr val="accent1"/>
+          </a:effectRef>
+          <a:fontRef idx="minor">
+            <a:schemeClr val="tx1"/>
+          </a:fontRef>
+        </p:style>
+      </p:cxnSp>
+      <p:sp>
+        <p:nvSpPr>
+          <p:cNvPr id="20" name="Heptagon 19">
+            <a:extLst>
+              <a:ext uri="{FF2B5EF4-FFF2-40B4-BE49-F238E27FC236}">
+                <a16:creationId xmlns:a16="http://schemas.microsoft.com/office/drawing/2014/main" id="{81B034CB-CC36-4166-926A-86A06D7A20E6}"/>
+              </a:ext>
+            </a:extLst>
+          </p:cNvPr>
+          <p:cNvSpPr/>
+          <p:nvPr/>
+        </p:nvSpPr>
+        <p:spPr>
+          <a:xfrm>
+            <a:off x="7612671" y="5858706"/>
+            <a:ext cx="307435" cy="344102"/>
+          </a:xfrm>
+          <a:prstGeom prst="heptagon">
+            <a:avLst/>
+          </a:prstGeom>
+        </p:spPr>
+        <p:style>
+          <a:lnRef idx="2">
+            <a:schemeClr val="accent1">
+              <a:shade val="50000"/>
+            </a:schemeClr>
+          </a:lnRef>
+          <a:fillRef idx="1">
+            <a:schemeClr val="accent1"/>
+          </a:fillRef>
+          <a:effectRef idx="0">
+            <a:schemeClr val="accent1"/>
+          </a:effectRef>
+          <a:fontRef idx="minor">
+            <a:schemeClr val="lt1"/>
+          </a:fontRef>
+        </p:style>
+        <p:txBody>
+          <a:bodyPr rtlCol="0" anchor="ctr"/>
+          <a:lstStyle/>
+          <a:p>
+            <a:pPr algn="ctr"/>
+            <a:r>
+              <a:rPr lang="en-US" dirty="0"/>
+              <a:t>3</a:t>
+            </a:r>
+          </a:p>
+        </p:txBody>
+      </p:sp>
+      <p:sp>
+        <p:nvSpPr>
+          <p:cNvPr id="21" name="TextBox 20">
+            <a:extLst>
+              <a:ext uri="{FF2B5EF4-FFF2-40B4-BE49-F238E27FC236}">
+                <a16:creationId xmlns:a16="http://schemas.microsoft.com/office/drawing/2014/main" id="{BE85FB5F-7B2C-4F7C-80F9-0633CA2F185C}"/>
+              </a:ext>
+            </a:extLst>
+          </p:cNvPr>
+          <p:cNvSpPr txBox="1"/>
+          <p:nvPr/>
+        </p:nvSpPr>
+        <p:spPr>
+          <a:xfrm>
+            <a:off x="8141555" y="5269474"/>
+            <a:ext cx="847733" cy="276999"/>
+          </a:xfrm>
+          <a:prstGeom prst="rect">
+            <a:avLst/>
+          </a:prstGeom>
+          <a:noFill/>
+        </p:spPr>
+        <p:txBody>
+          <a:bodyPr wrap="none" rtlCol="0">
+            <a:spAutoFit/>
+          </a:bodyPr>
+          <a:lstStyle/>
+          <a:p>
+            <a:r>
+              <a:rPr lang="en-US" sz="1200" dirty="0">
+                <a:solidFill>
+                  <a:srgbClr val="002060"/>
+                </a:solidFill>
+                <a:latin typeface="Verdana" panose="020B0604030504040204" pitchFamily="34" charset="0"/>
+                <a:ea typeface="Verdana" panose="020B0604030504040204" pitchFamily="34" charset="0"/>
+              </a:rPr>
+              <a:t>Postman</a:t>
+            </a:r>
+          </a:p>
+        </p:txBody>
+      </p:sp>
+      <p:pic>
+        <p:nvPicPr>
+          <p:cNvPr id="2050" name="Picture 2">
+            <a:extLst>
+              <a:ext uri="{FF2B5EF4-FFF2-40B4-BE49-F238E27FC236}">
+                <a16:creationId xmlns:a16="http://schemas.microsoft.com/office/drawing/2014/main" id="{E5FC223A-D3AB-4E6B-8768-C5EBCFD1EE4D}"/>
+              </a:ext>
+            </a:extLst>
+          </p:cNvPr>
+          <p:cNvPicPr>
+            <a:picLocks noChangeAspect="1" noChangeArrowheads="1"/>
+          </p:cNvPicPr>
+          <p:nvPr/>
+        </p:nvPicPr>
+        <p:blipFill>
+          <a:blip r:embed="rId5">
+            <a:extLst>
+              <a:ext uri="{28A0092B-C50C-407E-A947-70E740481C1C}">
+                <a14:useLocalDpi xmlns:a14="http://schemas.microsoft.com/office/drawing/2010/main" val="0"/>
+              </a:ext>
+            </a:extLst>
+          </a:blip>
+          <a:srcRect/>
+          <a:stretch>
+            <a:fillRect/>
+          </a:stretch>
+        </p:blipFill>
+        <p:spPr bwMode="auto">
+          <a:xfrm>
+            <a:off x="3391174" y="1118797"/>
+            <a:ext cx="857250" cy="809625"/>
+          </a:xfrm>
+          <a:prstGeom prst="rect">
+            <a:avLst/>
+          </a:prstGeom>
+          <a:noFill/>
+          <a:extLst>
+            <a:ext uri="{909E8E84-426E-40DD-AFC4-6F175D3DCCD1}">
+              <a14:hiddenFill xmlns:a14="http://schemas.microsoft.com/office/drawing/2010/main">
+                <a:solidFill>
+                  <a:srgbClr val="FFFFFF"/>
+                </a:solidFill>
+              </a14:hiddenFill>
+            </a:ext>
+          </a:extLst>
+        </p:spPr>
+      </p:pic>
+      <p:cxnSp>
+        <p:nvCxnSpPr>
+          <p:cNvPr id="18" name="Straight Connector 17">
+            <a:extLst>
+              <a:ext uri="{FF2B5EF4-FFF2-40B4-BE49-F238E27FC236}">
+                <a16:creationId xmlns:a16="http://schemas.microsoft.com/office/drawing/2014/main" id="{E47FE56F-918E-499D-98A8-601D634441D4}"/>
+              </a:ext>
+            </a:extLst>
+          </p:cNvPr>
+          <p:cNvCxnSpPr/>
+          <p:nvPr/>
+        </p:nvCxnSpPr>
+        <p:spPr>
+          <a:xfrm>
+            <a:off x="4267692" y="3457673"/>
+            <a:ext cx="3128775" cy="187"/>
+          </a:xfrm>
+          <a:prstGeom prst="line">
+            <a:avLst/>
+          </a:prstGeom>
+        </p:spPr>
+        <p:style>
+          <a:lnRef idx="2">
+            <a:schemeClr val="accent1"/>
+          </a:lnRef>
+          <a:fillRef idx="0">
+            <a:schemeClr val="accent1"/>
+          </a:fillRef>
+          <a:effectRef idx="1">
+            <a:schemeClr val="accent1"/>
+          </a:effectRef>
+          <a:fontRef idx="minor">
+            <a:schemeClr val="tx1"/>
+          </a:fontRef>
+        </p:style>
+      </p:cxnSp>
+      <p:pic>
+        <p:nvPicPr>
+          <p:cNvPr id="19" name="Picture 2">
+            <a:extLst>
+              <a:ext uri="{FF2B5EF4-FFF2-40B4-BE49-F238E27FC236}">
+                <a16:creationId xmlns:a16="http://schemas.microsoft.com/office/drawing/2014/main" id="{81596101-A8EB-49A3-935D-208ECEA59F5F}"/>
+              </a:ext>
+            </a:extLst>
+          </p:cNvPr>
+          <p:cNvPicPr>
+            <a:picLocks noChangeAspect="1" noChangeArrowheads="1"/>
+          </p:cNvPicPr>
+          <p:nvPr/>
+        </p:nvPicPr>
+        <p:blipFill>
+          <a:blip r:embed="rId5">
+            <a:extLst>
+              <a:ext uri="{28A0092B-C50C-407E-A947-70E740481C1C}">
+                <a14:useLocalDpi xmlns:a14="http://schemas.microsoft.com/office/drawing/2010/main" val="0"/>
+              </a:ext>
+            </a:extLst>
+          </a:blip>
+          <a:srcRect/>
+          <a:stretch>
+            <a:fillRect/>
+          </a:stretch>
+        </p:blipFill>
+        <p:spPr bwMode="auto">
+          <a:xfrm>
+            <a:off x="3391174" y="4397548"/>
+            <a:ext cx="857250" cy="809625"/>
+          </a:xfrm>
+          <a:prstGeom prst="rect">
+            <a:avLst/>
+          </a:prstGeom>
+          <a:noFill/>
+          <a:extLst>
+            <a:ext uri="{909E8E84-426E-40DD-AFC4-6F175D3DCCD1}">
+              <a14:hiddenFill xmlns:a14="http://schemas.microsoft.com/office/drawing/2010/main">
+                <a:solidFill>
+                  <a:srgbClr val="FFFFFF"/>
+                </a:solidFill>
+              </a14:hiddenFill>
+            </a:ext>
+          </a:extLst>
+        </p:spPr>
+      </p:pic>
+      <p:sp>
+        <p:nvSpPr>
+          <p:cNvPr id="22" name="Heptagon 21">
+            <a:extLst>
+              <a:ext uri="{FF2B5EF4-FFF2-40B4-BE49-F238E27FC236}">
+                <a16:creationId xmlns:a16="http://schemas.microsoft.com/office/drawing/2014/main" id="{9DC9C82A-36F2-4DA5-AAE7-F9FC02DA4D7C}"/>
+              </a:ext>
+            </a:extLst>
+          </p:cNvPr>
+          <p:cNvSpPr/>
+          <p:nvPr/>
+        </p:nvSpPr>
+        <p:spPr>
+          <a:xfrm>
+            <a:off x="3237456" y="774695"/>
+            <a:ext cx="307435" cy="344102"/>
+          </a:xfrm>
+          <a:prstGeom prst="heptagon">
+            <a:avLst/>
+          </a:prstGeom>
+        </p:spPr>
+        <p:style>
+          <a:lnRef idx="2">
+            <a:schemeClr val="accent1">
+              <a:shade val="50000"/>
+            </a:schemeClr>
+          </a:lnRef>
+          <a:fillRef idx="1">
+            <a:schemeClr val="accent1"/>
+          </a:fillRef>
+          <a:effectRef idx="0">
+            <a:schemeClr val="accent1"/>
+          </a:effectRef>
+          <a:fontRef idx="minor">
+            <a:schemeClr val="lt1"/>
+          </a:fontRef>
+        </p:style>
+        <p:txBody>
+          <a:bodyPr rtlCol="0" anchor="ctr"/>
+          <a:lstStyle/>
+          <a:p>
+            <a:pPr algn="ctr"/>
+            <a:r>
+              <a:rPr lang="en-US" dirty="0"/>
+              <a:t>4</a:t>
+            </a:r>
+          </a:p>
+        </p:txBody>
+      </p:sp>
+      <p:sp>
+        <p:nvSpPr>
+          <p:cNvPr id="23" name="Heptagon 22">
+            <a:extLst>
+              <a:ext uri="{FF2B5EF4-FFF2-40B4-BE49-F238E27FC236}">
+                <a16:creationId xmlns:a16="http://schemas.microsoft.com/office/drawing/2014/main" id="{D027EBA1-67A9-4BF1-ACE6-4F4DB7E49E26}"/>
+              </a:ext>
+            </a:extLst>
+          </p:cNvPr>
+          <p:cNvSpPr/>
+          <p:nvPr/>
+        </p:nvSpPr>
+        <p:spPr>
+          <a:xfrm>
+            <a:off x="3237455" y="5166586"/>
+            <a:ext cx="307435" cy="344102"/>
+          </a:xfrm>
+          <a:prstGeom prst="heptagon">
+            <a:avLst/>
+          </a:prstGeom>
+        </p:spPr>
+        <p:style>
+          <a:lnRef idx="2">
+            <a:schemeClr val="accent1">
+              <a:shade val="50000"/>
+            </a:schemeClr>
+          </a:lnRef>
+          <a:fillRef idx="1">
+            <a:schemeClr val="accent1"/>
+          </a:fillRef>
+          <a:effectRef idx="0">
+            <a:schemeClr val="accent1"/>
+          </a:effectRef>
+          <a:fontRef idx="minor">
+            <a:schemeClr val="lt1"/>
+          </a:fontRef>
+        </p:style>
+        <p:txBody>
+          <a:bodyPr rtlCol="0" anchor="ctr"/>
+          <a:lstStyle/>
+          <a:p>
+            <a:pPr algn="ctr"/>
+            <a:r>
+              <a:rPr lang="en-US" dirty="0"/>
+              <a:t>5</a:t>
+            </a:r>
+          </a:p>
+        </p:txBody>
+      </p:sp>
+      <p:sp>
+        <p:nvSpPr>
+          <p:cNvPr id="24" name="TextBox 23">
+            <a:extLst>
+              <a:ext uri="{FF2B5EF4-FFF2-40B4-BE49-F238E27FC236}">
+                <a16:creationId xmlns:a16="http://schemas.microsoft.com/office/drawing/2014/main" id="{444ADC56-8CEB-448D-9DB4-A40A04DCB75F}"/>
+              </a:ext>
+            </a:extLst>
+          </p:cNvPr>
+          <p:cNvSpPr txBox="1"/>
+          <p:nvPr/>
+        </p:nvSpPr>
+        <p:spPr>
+          <a:xfrm>
+            <a:off x="3544889" y="815284"/>
+            <a:ext cx="1206219" cy="276999"/>
+          </a:xfrm>
+          <a:prstGeom prst="rect">
+            <a:avLst/>
+          </a:prstGeom>
+          <a:noFill/>
+        </p:spPr>
+        <p:txBody>
+          <a:bodyPr wrap="square" rtlCol="0">
+            <a:spAutoFit/>
+          </a:bodyPr>
+          <a:lstStyle/>
+          <a:p>
+            <a:r>
+              <a:rPr lang="en-US" sz="1200" dirty="0">
+                <a:solidFill>
+                  <a:srgbClr val="002060"/>
+                </a:solidFill>
+                <a:latin typeface="Verdana" panose="020B0604030504040204" pitchFamily="34" charset="0"/>
+                <a:ea typeface="Verdana" panose="020B0604030504040204" pitchFamily="34" charset="0"/>
+              </a:rPr>
+              <a:t>Windows VM</a:t>
+            </a:r>
+          </a:p>
+        </p:txBody>
+      </p:sp>
+      <p:sp>
+        <p:nvSpPr>
+          <p:cNvPr id="25" name="TextBox 24">
+            <a:extLst>
+              <a:ext uri="{FF2B5EF4-FFF2-40B4-BE49-F238E27FC236}">
+                <a16:creationId xmlns:a16="http://schemas.microsoft.com/office/drawing/2014/main" id="{94D56564-9C91-49CE-B97F-D9A8EDAD6D68}"/>
+              </a:ext>
+            </a:extLst>
+          </p:cNvPr>
+          <p:cNvSpPr txBox="1"/>
+          <p:nvPr/>
+        </p:nvSpPr>
+        <p:spPr>
+          <a:xfrm>
+            <a:off x="3527429" y="5233689"/>
+            <a:ext cx="1206219" cy="276999"/>
+          </a:xfrm>
+          <a:prstGeom prst="rect">
+            <a:avLst/>
+          </a:prstGeom>
+          <a:noFill/>
+        </p:spPr>
+        <p:txBody>
+          <a:bodyPr wrap="square" rtlCol="0">
+            <a:spAutoFit/>
+          </a:bodyPr>
+          <a:lstStyle/>
+          <a:p>
+            <a:r>
+              <a:rPr lang="en-US" sz="1200" dirty="0">
+                <a:solidFill>
+                  <a:srgbClr val="002060"/>
+                </a:solidFill>
+                <a:latin typeface="Verdana" panose="020B0604030504040204" pitchFamily="34" charset="0"/>
+                <a:ea typeface="Verdana" panose="020B0604030504040204" pitchFamily="34" charset="0"/>
+              </a:rPr>
+              <a:t>Ubuntu VM</a:t>
+            </a:r>
+          </a:p>
+        </p:txBody>
+      </p:sp>
+    </p:spTree>
+    <p:extLst>
+      <p:ext uri="{BB962C8B-B14F-4D97-AF65-F5344CB8AC3E}">
+        <p14:creationId xmlns:p14="http://schemas.microsoft.com/office/powerpoint/2010/main" val="657309907"/>
+      </p:ext>
+    </p:extLst>
+  </p:cSld>
+  <p:clrMapOvr>
+    <a:masterClrMapping/>
+  </p:clrMapOvr>
+</p:sld>
+</file>
+
+<file path=ppt/slides/slide6.xml><?xml version="1.0" encoding="utf-8"?>
 <p:sld xmlns:a="http://schemas.openxmlformats.org/drawingml/2006/main" xmlns:r="http://schemas.openxmlformats.org/officeDocument/2006/relationships" xmlns:p="http://schemas.openxmlformats.org/presentationml/2006/main">
   <p:cSld>
     <p:spTree>

--- a/MicrosoftReactor/Demos.pptx
+++ b/MicrosoftReactor/Demos.pptx
@@ -266,7 +266,7 @@
           <a:p>
             <a:fld id="{3F64E90C-326F-45C8-9212-4C9C4B7EF630}" type="datetimeFigureOut">
               <a:rPr lang="en-IN" smtClean="0"/>
-              <a:t>11-10-2021</a:t>
+              <a:t>17-10-2021</a:t>
             </a:fld>
             <a:endParaRPr lang="en-IN"/>
           </a:p>
@@ -466,7 +466,7 @@
           <a:p>
             <a:fld id="{3F64E90C-326F-45C8-9212-4C9C4B7EF630}" type="datetimeFigureOut">
               <a:rPr lang="en-IN" smtClean="0"/>
-              <a:t>11-10-2021</a:t>
+              <a:t>17-10-2021</a:t>
             </a:fld>
             <a:endParaRPr lang="en-IN"/>
           </a:p>
@@ -676,7 +676,7 @@
           <a:p>
             <a:fld id="{3F64E90C-326F-45C8-9212-4C9C4B7EF630}" type="datetimeFigureOut">
               <a:rPr lang="en-IN" smtClean="0"/>
-              <a:t>11-10-2021</a:t>
+              <a:t>17-10-2021</a:t>
             </a:fld>
             <a:endParaRPr lang="en-IN"/>
           </a:p>
@@ -876,7 +876,7 @@
           <a:p>
             <a:fld id="{3F64E90C-326F-45C8-9212-4C9C4B7EF630}" type="datetimeFigureOut">
               <a:rPr lang="en-IN" smtClean="0"/>
-              <a:t>11-10-2021</a:t>
+              <a:t>17-10-2021</a:t>
             </a:fld>
             <a:endParaRPr lang="en-IN"/>
           </a:p>
@@ -1152,7 +1152,7 @@
           <a:p>
             <a:fld id="{3F64E90C-326F-45C8-9212-4C9C4B7EF630}" type="datetimeFigureOut">
               <a:rPr lang="en-IN" smtClean="0"/>
-              <a:t>11-10-2021</a:t>
+              <a:t>17-10-2021</a:t>
             </a:fld>
             <a:endParaRPr lang="en-IN"/>
           </a:p>
@@ -1420,7 +1420,7 @@
           <a:p>
             <a:fld id="{3F64E90C-326F-45C8-9212-4C9C4B7EF630}" type="datetimeFigureOut">
               <a:rPr lang="en-IN" smtClean="0"/>
-              <a:t>11-10-2021</a:t>
+              <a:t>17-10-2021</a:t>
             </a:fld>
             <a:endParaRPr lang="en-IN"/>
           </a:p>
@@ -1835,7 +1835,7 @@
           <a:p>
             <a:fld id="{3F64E90C-326F-45C8-9212-4C9C4B7EF630}" type="datetimeFigureOut">
               <a:rPr lang="en-IN" smtClean="0"/>
-              <a:t>11-10-2021</a:t>
+              <a:t>17-10-2021</a:t>
             </a:fld>
             <a:endParaRPr lang="en-IN"/>
           </a:p>
@@ -1977,7 +1977,7 @@
           <a:p>
             <a:fld id="{3F64E90C-326F-45C8-9212-4C9C4B7EF630}" type="datetimeFigureOut">
               <a:rPr lang="en-IN" smtClean="0"/>
-              <a:t>11-10-2021</a:t>
+              <a:t>17-10-2021</a:t>
             </a:fld>
             <a:endParaRPr lang="en-IN"/>
           </a:p>
@@ -2090,7 +2090,7 @@
           <a:p>
             <a:fld id="{3F64E90C-326F-45C8-9212-4C9C4B7EF630}" type="datetimeFigureOut">
               <a:rPr lang="en-IN" smtClean="0"/>
-              <a:t>11-10-2021</a:t>
+              <a:t>17-10-2021</a:t>
             </a:fld>
             <a:endParaRPr lang="en-IN"/>
           </a:p>
@@ -2403,7 +2403,7 @@
           <a:p>
             <a:fld id="{3F64E90C-326F-45C8-9212-4C9C4B7EF630}" type="datetimeFigureOut">
               <a:rPr lang="en-IN" smtClean="0"/>
-              <a:t>11-10-2021</a:t>
+              <a:t>17-10-2021</a:t>
             </a:fld>
             <a:endParaRPr lang="en-IN"/>
           </a:p>
@@ -2692,7 +2692,7 @@
           <a:p>
             <a:fld id="{3F64E90C-326F-45C8-9212-4C9C4B7EF630}" type="datetimeFigureOut">
               <a:rPr lang="en-IN" smtClean="0"/>
-              <a:t>11-10-2021</a:t>
+              <a:t>17-10-2021</a:t>
             </a:fld>
             <a:endParaRPr lang="en-IN"/>
           </a:p>
@@ -2935,7 +2935,7 @@
           <a:p>
             <a:fld id="{3F64E90C-326F-45C8-9212-4C9C4B7EF630}" type="datetimeFigureOut">
               <a:rPr lang="en-IN" smtClean="0"/>
-              <a:t>11-10-2021</a:t>
+              <a:t>17-10-2021</a:t>
             </a:fld>
             <a:endParaRPr lang="en-IN"/>
           </a:p>

--- a/MicrosoftReactor/Demos.pptx
+++ b/MicrosoftReactor/Demos.pptx
@@ -266,7 +266,7 @@
           <a:p>
             <a:fld id="{3F64E90C-326F-45C8-9212-4C9C4B7EF630}" type="datetimeFigureOut">
               <a:rPr lang="en-IN" smtClean="0"/>
-              <a:t>17-10-2021</a:t>
+              <a:t>27-10-2021</a:t>
             </a:fld>
             <a:endParaRPr lang="en-IN"/>
           </a:p>
@@ -466,7 +466,7 @@
           <a:p>
             <a:fld id="{3F64E90C-326F-45C8-9212-4C9C4B7EF630}" type="datetimeFigureOut">
               <a:rPr lang="en-IN" smtClean="0"/>
-              <a:t>17-10-2021</a:t>
+              <a:t>27-10-2021</a:t>
             </a:fld>
             <a:endParaRPr lang="en-IN"/>
           </a:p>
@@ -676,7 +676,7 @@
           <a:p>
             <a:fld id="{3F64E90C-326F-45C8-9212-4C9C4B7EF630}" type="datetimeFigureOut">
               <a:rPr lang="en-IN" smtClean="0"/>
-              <a:t>17-10-2021</a:t>
+              <a:t>27-10-2021</a:t>
             </a:fld>
             <a:endParaRPr lang="en-IN"/>
           </a:p>
@@ -876,7 +876,7 @@
           <a:p>
             <a:fld id="{3F64E90C-326F-45C8-9212-4C9C4B7EF630}" type="datetimeFigureOut">
               <a:rPr lang="en-IN" smtClean="0"/>
-              <a:t>17-10-2021</a:t>
+              <a:t>27-10-2021</a:t>
             </a:fld>
             <a:endParaRPr lang="en-IN"/>
           </a:p>
@@ -1152,7 +1152,7 @@
           <a:p>
             <a:fld id="{3F64E90C-326F-45C8-9212-4C9C4B7EF630}" type="datetimeFigureOut">
               <a:rPr lang="en-IN" smtClean="0"/>
-              <a:t>17-10-2021</a:t>
+              <a:t>27-10-2021</a:t>
             </a:fld>
             <a:endParaRPr lang="en-IN"/>
           </a:p>
@@ -1420,7 +1420,7 @@
           <a:p>
             <a:fld id="{3F64E90C-326F-45C8-9212-4C9C4B7EF630}" type="datetimeFigureOut">
               <a:rPr lang="en-IN" smtClean="0"/>
-              <a:t>17-10-2021</a:t>
+              <a:t>27-10-2021</a:t>
             </a:fld>
             <a:endParaRPr lang="en-IN"/>
           </a:p>
@@ -1835,7 +1835,7 @@
           <a:p>
             <a:fld id="{3F64E90C-326F-45C8-9212-4C9C4B7EF630}" type="datetimeFigureOut">
               <a:rPr lang="en-IN" smtClean="0"/>
-              <a:t>17-10-2021</a:t>
+              <a:t>27-10-2021</a:t>
             </a:fld>
             <a:endParaRPr lang="en-IN"/>
           </a:p>
@@ -1977,7 +1977,7 @@
           <a:p>
             <a:fld id="{3F64E90C-326F-45C8-9212-4C9C4B7EF630}" type="datetimeFigureOut">
               <a:rPr lang="en-IN" smtClean="0"/>
-              <a:t>17-10-2021</a:t>
+              <a:t>27-10-2021</a:t>
             </a:fld>
             <a:endParaRPr lang="en-IN"/>
           </a:p>
@@ -2090,7 +2090,7 @@
           <a:p>
             <a:fld id="{3F64E90C-326F-45C8-9212-4C9C4B7EF630}" type="datetimeFigureOut">
               <a:rPr lang="en-IN" smtClean="0"/>
-              <a:t>17-10-2021</a:t>
+              <a:t>27-10-2021</a:t>
             </a:fld>
             <a:endParaRPr lang="en-IN"/>
           </a:p>
@@ -2403,7 +2403,7 @@
           <a:p>
             <a:fld id="{3F64E90C-326F-45C8-9212-4C9C4B7EF630}" type="datetimeFigureOut">
               <a:rPr lang="en-IN" smtClean="0"/>
-              <a:t>17-10-2021</a:t>
+              <a:t>27-10-2021</a:t>
             </a:fld>
             <a:endParaRPr lang="en-IN"/>
           </a:p>
@@ -2692,7 +2692,7 @@
           <a:p>
             <a:fld id="{3F64E90C-326F-45C8-9212-4C9C4B7EF630}" type="datetimeFigureOut">
               <a:rPr lang="en-IN" smtClean="0"/>
-              <a:t>17-10-2021</a:t>
+              <a:t>27-10-2021</a:t>
             </a:fld>
             <a:endParaRPr lang="en-IN"/>
           </a:p>
@@ -2935,7 +2935,7 @@
           <a:p>
             <a:fld id="{3F64E90C-326F-45C8-9212-4C9C4B7EF630}" type="datetimeFigureOut">
               <a:rPr lang="en-IN" smtClean="0"/>
-              <a:t>17-10-2021</a:t>
+              <a:t>27-10-2021</a:t>
             </a:fld>
             <a:endParaRPr lang="en-IN"/>
           </a:p>
@@ -3497,7 +3497,7 @@
                 <a:latin typeface="Verdana" panose="020B0604030504040204" pitchFamily="34" charset="0"/>
                 <a:ea typeface="Verdana" panose="020B0604030504040204" pitchFamily="34" charset="0"/>
               </a:rPr>
-              <a:t>13-Oct-2021</a:t>
+              <a:t>27-Oct-2021</a:t>
             </a:r>
           </a:p>
         </p:txBody>
@@ -7173,7 +7173,7 @@
         </p:nvSpPr>
         <p:spPr>
           <a:xfrm>
-            <a:off x="3544889" y="815284"/>
+            <a:off x="3544890" y="815282"/>
             <a:ext cx="1206219" cy="276999"/>
           </a:xfrm>
           <a:prstGeom prst="rect">
@@ -7237,6 +7237,94 @@
                 <a:ea typeface="Verdana" panose="020B0604030504040204" pitchFamily="34" charset="0"/>
               </a:rPr>
               <a:t>Ubuntu VM</a:t>
+            </a:r>
+          </a:p>
+        </p:txBody>
+      </p:sp>
+      <p:pic>
+        <p:nvPicPr>
+          <p:cNvPr id="2" name="Picture 2">
+            <a:extLst>
+              <a:ext uri="{FF2B5EF4-FFF2-40B4-BE49-F238E27FC236}">
+                <a16:creationId xmlns:a16="http://schemas.microsoft.com/office/drawing/2014/main" id="{7BACA7D4-C34A-4935-A82E-FCDE642A4BF8}"/>
+              </a:ext>
+            </a:extLst>
+          </p:cNvPr>
+          <p:cNvPicPr>
+            <a:picLocks noChangeAspect="1" noChangeArrowheads="1"/>
+          </p:cNvPicPr>
+          <p:nvPr/>
+        </p:nvPicPr>
+        <p:blipFill>
+          <a:blip r:embed="rId6">
+            <a:extLst>
+              <a:ext uri="{28A0092B-C50C-407E-A947-70E740481C1C}">
+                <a14:useLocalDpi xmlns:a14="http://schemas.microsoft.com/office/drawing/2010/main" val="0"/>
+              </a:ext>
+            </a:extLst>
+          </a:blip>
+          <a:srcRect/>
+          <a:stretch>
+            <a:fillRect/>
+          </a:stretch>
+        </p:blipFill>
+        <p:spPr bwMode="auto">
+          <a:xfrm>
+            <a:off x="3771283" y="1154430"/>
+            <a:ext cx="618960" cy="603282"/>
+          </a:xfrm>
+          <a:prstGeom prst="rect">
+            <a:avLst/>
+          </a:prstGeom>
+          <a:noFill/>
+          <a:extLst>
+            <a:ext uri="{909E8E84-426E-40DD-AFC4-6F175D3DCCD1}">
+              <a14:hiddenFill xmlns:a14="http://schemas.microsoft.com/office/drawing/2010/main">
+                <a:solidFill>
+                  <a:srgbClr val="FFFFFF"/>
+                </a:solidFill>
+              </a14:hiddenFill>
+            </a:ext>
+          </a:extLst>
+        </p:spPr>
+      </p:pic>
+      <p:sp>
+        <p:nvSpPr>
+          <p:cNvPr id="26" name="TextBox 25">
+            <a:extLst>
+              <a:ext uri="{FF2B5EF4-FFF2-40B4-BE49-F238E27FC236}">
+                <a16:creationId xmlns:a16="http://schemas.microsoft.com/office/drawing/2014/main" id="{88EB1ECD-7D00-48B1-8A56-5CF8EC037158}"/>
+              </a:ext>
+            </a:extLst>
+          </p:cNvPr>
+          <p:cNvSpPr txBox="1"/>
+          <p:nvPr/>
+        </p:nvSpPr>
+        <p:spPr>
+          <a:xfrm>
+            <a:off x="4147999" y="1275941"/>
+            <a:ext cx="2648337" cy="276999"/>
+          </a:xfrm>
+          <a:prstGeom prst="rect">
+            <a:avLst/>
+          </a:prstGeom>
+          <a:noFill/>
+        </p:spPr>
+        <p:txBody>
+          <a:bodyPr wrap="square" rtlCol="0">
+            <a:spAutoFit/>
+          </a:bodyPr>
+          <a:lstStyle/>
+          <a:p>
+            <a:r>
+              <a:rPr lang="en-US" sz="1200" dirty="0">
+                <a:solidFill>
+                  <a:srgbClr val="0070C0"/>
+                </a:solidFill>
+                <a:latin typeface="Verdana" panose="020B0604030504040204" pitchFamily="34" charset="0"/>
+                <a:ea typeface="Verdana" panose="020B0604030504040204" pitchFamily="34" charset="0"/>
+              </a:rPr>
+              <a:t>Install IIS and deploy Web App</a:t>
             </a:r>
           </a:p>
         </p:txBody>

--- a/MicrosoftReactor/Demos.pptx
+++ b/MicrosoftReactor/Demos.pptx
@@ -11,6 +11,7 @@
     <p:sldId id="330" r:id="rId5"/>
     <p:sldId id="331" r:id="rId6"/>
     <p:sldId id="326" r:id="rId7"/>
+    <p:sldId id="332" r:id="rId8"/>
   </p:sldIdLst>
   <p:sldSz cx="12192000" cy="6858000"/>
   <p:notesSz cx="6858000" cy="9144000"/>
@@ -9161,6 +9162,1017 @@
 </p:sld>
 </file>
 
+<file path=ppt/slides/slide7.xml><?xml version="1.0" encoding="utf-8"?>
+<p:sld xmlns:a="http://schemas.openxmlformats.org/drawingml/2006/main" xmlns:r="http://schemas.openxmlformats.org/officeDocument/2006/relationships" xmlns:p="http://schemas.openxmlformats.org/presentationml/2006/main">
+  <p:cSld>
+    <p:spTree>
+      <p:nvGrpSpPr>
+        <p:cNvPr id="1" name=""/>
+        <p:cNvGrpSpPr/>
+        <p:nvPr/>
+      </p:nvGrpSpPr>
+      <p:grpSpPr>
+        <a:xfrm>
+          <a:off x="0" y="0"/>
+          <a:ext cx="0" cy="0"/>
+          <a:chOff x="0" y="0"/>
+          <a:chExt cx="0" cy="0"/>
+        </a:xfrm>
+      </p:grpSpPr>
+      <p:pic>
+        <p:nvPicPr>
+          <p:cNvPr id="1026" name="Picture 2">
+            <a:extLst>
+              <a:ext uri="{FF2B5EF4-FFF2-40B4-BE49-F238E27FC236}">
+                <a16:creationId xmlns:a16="http://schemas.microsoft.com/office/drawing/2014/main" id="{2BE09F8E-F4ED-48B7-9EE2-29D6C55A7243}"/>
+              </a:ext>
+            </a:extLst>
+          </p:cNvPr>
+          <p:cNvPicPr>
+            <a:picLocks noChangeAspect="1" noChangeArrowheads="1"/>
+          </p:cNvPicPr>
+          <p:nvPr/>
+        </p:nvPicPr>
+        <p:blipFill>
+          <a:blip r:embed="rId2">
+            <a:extLst>
+              <a:ext uri="{28A0092B-C50C-407E-A947-70E740481C1C}">
+                <a14:useLocalDpi xmlns:a14="http://schemas.microsoft.com/office/drawing/2010/main" val="0"/>
+              </a:ext>
+            </a:extLst>
+          </a:blip>
+          <a:srcRect/>
+          <a:stretch>
+            <a:fillRect/>
+          </a:stretch>
+        </p:blipFill>
+        <p:spPr bwMode="auto">
+          <a:xfrm>
+            <a:off x="6889546" y="2732661"/>
+            <a:ext cx="847725" cy="847725"/>
+          </a:xfrm>
+          <a:prstGeom prst="rect">
+            <a:avLst/>
+          </a:prstGeom>
+          <a:noFill/>
+          <a:extLst>
+            <a:ext uri="{909E8E84-426E-40DD-AFC4-6F175D3DCCD1}">
+              <a14:hiddenFill xmlns:a14="http://schemas.microsoft.com/office/drawing/2010/main">
+                <a:solidFill>
+                  <a:srgbClr val="FFFFFF"/>
+                </a:solidFill>
+              </a14:hiddenFill>
+            </a:ext>
+          </a:extLst>
+        </p:spPr>
+      </p:pic>
+      <p:pic>
+        <p:nvPicPr>
+          <p:cNvPr id="1034" name="Picture 10">
+            <a:extLst>
+              <a:ext uri="{FF2B5EF4-FFF2-40B4-BE49-F238E27FC236}">
+                <a16:creationId xmlns:a16="http://schemas.microsoft.com/office/drawing/2014/main" id="{03A6EE1E-D6C3-43B7-A76C-ED8BA685C33B}"/>
+              </a:ext>
+            </a:extLst>
+          </p:cNvPr>
+          <p:cNvPicPr>
+            <a:picLocks noChangeAspect="1" noChangeArrowheads="1"/>
+          </p:cNvPicPr>
+          <p:nvPr/>
+        </p:nvPicPr>
+        <p:blipFill>
+          <a:blip r:embed="rId3">
+            <a:extLst>
+              <a:ext uri="{28A0092B-C50C-407E-A947-70E740481C1C}">
+                <a14:useLocalDpi xmlns:a14="http://schemas.microsoft.com/office/drawing/2010/main" val="0"/>
+              </a:ext>
+            </a:extLst>
+          </a:blip>
+          <a:srcRect/>
+          <a:stretch>
+            <a:fillRect/>
+          </a:stretch>
+        </p:blipFill>
+        <p:spPr bwMode="auto">
+          <a:xfrm>
+            <a:off x="11088319" y="4965654"/>
+            <a:ext cx="657225" cy="676275"/>
+          </a:xfrm>
+          <a:prstGeom prst="rect">
+            <a:avLst/>
+          </a:prstGeom>
+          <a:noFill/>
+          <a:extLst>
+            <a:ext uri="{909E8E84-426E-40DD-AFC4-6F175D3DCCD1}">
+              <a14:hiddenFill xmlns:a14="http://schemas.microsoft.com/office/drawing/2010/main">
+                <a:solidFill>
+                  <a:srgbClr val="FFFFFF"/>
+                </a:solidFill>
+              </a14:hiddenFill>
+            </a:ext>
+          </a:extLst>
+        </p:spPr>
+      </p:pic>
+      <p:pic>
+        <p:nvPicPr>
+          <p:cNvPr id="1044" name="Picture 20">
+            <a:extLst>
+              <a:ext uri="{FF2B5EF4-FFF2-40B4-BE49-F238E27FC236}">
+                <a16:creationId xmlns:a16="http://schemas.microsoft.com/office/drawing/2014/main" id="{24CA475C-31C6-4B82-A0EA-16888492B5DE}"/>
+              </a:ext>
+            </a:extLst>
+          </p:cNvPr>
+          <p:cNvPicPr>
+            <a:picLocks noChangeAspect="1" noChangeArrowheads="1"/>
+          </p:cNvPicPr>
+          <p:nvPr/>
+        </p:nvPicPr>
+        <p:blipFill>
+          <a:blip r:embed="rId4">
+            <a:extLst>
+              <a:ext uri="{28A0092B-C50C-407E-A947-70E740481C1C}">
+                <a14:useLocalDpi xmlns:a14="http://schemas.microsoft.com/office/drawing/2010/main" val="0"/>
+              </a:ext>
+            </a:extLst>
+          </a:blip>
+          <a:srcRect/>
+          <a:stretch>
+            <a:fillRect/>
+          </a:stretch>
+        </p:blipFill>
+        <p:spPr bwMode="auto">
+          <a:xfrm>
+            <a:off x="320068" y="4956194"/>
+            <a:ext cx="657225" cy="676275"/>
+          </a:xfrm>
+          <a:prstGeom prst="rect">
+            <a:avLst/>
+          </a:prstGeom>
+          <a:noFill/>
+          <a:extLst>
+            <a:ext uri="{909E8E84-426E-40DD-AFC4-6F175D3DCCD1}">
+              <a14:hiddenFill xmlns:a14="http://schemas.microsoft.com/office/drawing/2010/main">
+                <a:solidFill>
+                  <a:srgbClr val="FFFFFF"/>
+                </a:solidFill>
+              </a14:hiddenFill>
+            </a:ext>
+          </a:extLst>
+        </p:spPr>
+      </p:pic>
+      <p:pic>
+        <p:nvPicPr>
+          <p:cNvPr id="22" name="Picture 12">
+            <a:extLst>
+              <a:ext uri="{FF2B5EF4-FFF2-40B4-BE49-F238E27FC236}">
+                <a16:creationId xmlns:a16="http://schemas.microsoft.com/office/drawing/2014/main" id="{CDD441FC-ED8A-4B90-A512-1FFA05777E63}"/>
+              </a:ext>
+            </a:extLst>
+          </p:cNvPr>
+          <p:cNvPicPr>
+            <a:picLocks noChangeAspect="1" noChangeArrowheads="1"/>
+          </p:cNvPicPr>
+          <p:nvPr/>
+        </p:nvPicPr>
+        <p:blipFill>
+          <a:blip r:embed="rId5">
+            <a:extLst>
+              <a:ext uri="{28A0092B-C50C-407E-A947-70E740481C1C}">
+                <a14:useLocalDpi xmlns:a14="http://schemas.microsoft.com/office/drawing/2010/main" val="0"/>
+              </a:ext>
+            </a:extLst>
+          </a:blip>
+          <a:srcRect/>
+          <a:stretch>
+            <a:fillRect/>
+          </a:stretch>
+        </p:blipFill>
+        <p:spPr bwMode="auto">
+          <a:xfrm>
+            <a:off x="6916130" y="4889518"/>
+            <a:ext cx="809625" cy="809625"/>
+          </a:xfrm>
+          <a:prstGeom prst="rect">
+            <a:avLst/>
+          </a:prstGeom>
+          <a:noFill/>
+          <a:extLst>
+            <a:ext uri="{909E8E84-426E-40DD-AFC4-6F175D3DCCD1}">
+              <a14:hiddenFill xmlns:a14="http://schemas.microsoft.com/office/drawing/2010/main">
+                <a:solidFill>
+                  <a:srgbClr val="FFFFFF"/>
+                </a:solidFill>
+              </a14:hiddenFill>
+            </a:ext>
+          </a:extLst>
+        </p:spPr>
+      </p:pic>
+      <p:sp>
+        <p:nvSpPr>
+          <p:cNvPr id="11" name="Heptagon 10">
+            <a:extLst>
+              <a:ext uri="{FF2B5EF4-FFF2-40B4-BE49-F238E27FC236}">
+                <a16:creationId xmlns:a16="http://schemas.microsoft.com/office/drawing/2014/main" id="{8EF000E9-1A1B-40B9-BF7B-8E7326AAFA24}"/>
+              </a:ext>
+            </a:extLst>
+          </p:cNvPr>
+          <p:cNvSpPr/>
+          <p:nvPr/>
+        </p:nvSpPr>
+        <p:spPr>
+          <a:xfrm>
+            <a:off x="806519" y="4831374"/>
+            <a:ext cx="307435" cy="344102"/>
+          </a:xfrm>
+          <a:prstGeom prst="heptagon">
+            <a:avLst/>
+          </a:prstGeom>
+        </p:spPr>
+        <p:style>
+          <a:lnRef idx="2">
+            <a:schemeClr val="accent1">
+              <a:shade val="50000"/>
+            </a:schemeClr>
+          </a:lnRef>
+          <a:fillRef idx="1">
+            <a:schemeClr val="accent1"/>
+          </a:fillRef>
+          <a:effectRef idx="0">
+            <a:schemeClr val="accent1"/>
+          </a:effectRef>
+          <a:fontRef idx="minor">
+            <a:schemeClr val="lt1"/>
+          </a:fontRef>
+        </p:style>
+        <p:txBody>
+          <a:bodyPr rtlCol="0" anchor="ctr"/>
+          <a:lstStyle/>
+          <a:p>
+            <a:pPr algn="ctr"/>
+            <a:r>
+              <a:rPr lang="en-US" dirty="0"/>
+              <a:t>1</a:t>
+            </a:r>
+          </a:p>
+        </p:txBody>
+      </p:sp>
+      <p:cxnSp>
+        <p:nvCxnSpPr>
+          <p:cNvPr id="15" name="Straight Arrow Connector 14">
+            <a:extLst>
+              <a:ext uri="{FF2B5EF4-FFF2-40B4-BE49-F238E27FC236}">
+                <a16:creationId xmlns:a16="http://schemas.microsoft.com/office/drawing/2014/main" id="{3907F1EE-B001-4BF5-87F4-2548B3C7CE83}"/>
+              </a:ext>
+            </a:extLst>
+          </p:cNvPr>
+          <p:cNvCxnSpPr>
+            <a:stCxn id="1044" idx="3"/>
+          </p:cNvCxnSpPr>
+          <p:nvPr/>
+        </p:nvCxnSpPr>
+        <p:spPr>
+          <a:xfrm flipV="1">
+            <a:off x="977293" y="5289986"/>
+            <a:ext cx="1071331" cy="4346"/>
+          </a:xfrm>
+          <a:prstGeom prst="straightConnector1">
+            <a:avLst/>
+          </a:prstGeom>
+          <a:ln>
+            <a:tailEnd type="triangle"/>
+          </a:ln>
+        </p:spPr>
+        <p:style>
+          <a:lnRef idx="1">
+            <a:schemeClr val="accent1"/>
+          </a:lnRef>
+          <a:fillRef idx="0">
+            <a:schemeClr val="accent1"/>
+          </a:fillRef>
+          <a:effectRef idx="0">
+            <a:schemeClr val="accent1"/>
+          </a:effectRef>
+          <a:fontRef idx="minor">
+            <a:schemeClr val="tx1"/>
+          </a:fontRef>
+        </p:style>
+      </p:cxnSp>
+      <p:cxnSp>
+        <p:nvCxnSpPr>
+          <p:cNvPr id="18" name="Straight Arrow Connector 17">
+            <a:extLst>
+              <a:ext uri="{FF2B5EF4-FFF2-40B4-BE49-F238E27FC236}">
+                <a16:creationId xmlns:a16="http://schemas.microsoft.com/office/drawing/2014/main" id="{56E275F4-5807-4B9E-B0C0-190061041D2E}"/>
+              </a:ext>
+            </a:extLst>
+          </p:cNvPr>
+          <p:cNvCxnSpPr>
+            <a:cxnSpLocks/>
+          </p:cNvCxnSpPr>
+          <p:nvPr/>
+        </p:nvCxnSpPr>
+        <p:spPr>
+          <a:xfrm>
+            <a:off x="2858249" y="5289986"/>
+            <a:ext cx="1570931" cy="12112"/>
+          </a:xfrm>
+          <a:prstGeom prst="straightConnector1">
+            <a:avLst/>
+          </a:prstGeom>
+          <a:ln>
+            <a:tailEnd type="triangle"/>
+          </a:ln>
+        </p:spPr>
+        <p:style>
+          <a:lnRef idx="1">
+            <a:schemeClr val="accent1"/>
+          </a:lnRef>
+          <a:fillRef idx="0">
+            <a:schemeClr val="accent1"/>
+          </a:fillRef>
+          <a:effectRef idx="0">
+            <a:schemeClr val="accent1"/>
+          </a:effectRef>
+          <a:fontRef idx="minor">
+            <a:schemeClr val="tx1"/>
+          </a:fontRef>
+        </p:style>
+      </p:cxnSp>
+      <p:cxnSp>
+        <p:nvCxnSpPr>
+          <p:cNvPr id="20" name="Straight Arrow Connector 19">
+            <a:extLst>
+              <a:ext uri="{FF2B5EF4-FFF2-40B4-BE49-F238E27FC236}">
+                <a16:creationId xmlns:a16="http://schemas.microsoft.com/office/drawing/2014/main" id="{CA3C1361-B4B3-4FA4-B26C-380E21721D41}"/>
+              </a:ext>
+            </a:extLst>
+          </p:cNvPr>
+          <p:cNvCxnSpPr>
+            <a:endCxn id="22" idx="1"/>
+          </p:cNvCxnSpPr>
+          <p:nvPr/>
+        </p:nvCxnSpPr>
+        <p:spPr>
+          <a:xfrm flipV="1">
+            <a:off x="5248330" y="5294331"/>
+            <a:ext cx="1667800" cy="7767"/>
+          </a:xfrm>
+          <a:prstGeom prst="straightConnector1">
+            <a:avLst/>
+          </a:prstGeom>
+          <a:ln>
+            <a:tailEnd type="triangle"/>
+          </a:ln>
+        </p:spPr>
+        <p:style>
+          <a:lnRef idx="1">
+            <a:schemeClr val="accent1"/>
+          </a:lnRef>
+          <a:fillRef idx="0">
+            <a:schemeClr val="accent1"/>
+          </a:fillRef>
+          <a:effectRef idx="0">
+            <a:schemeClr val="accent1"/>
+          </a:effectRef>
+          <a:fontRef idx="minor">
+            <a:schemeClr val="tx1"/>
+          </a:fontRef>
+        </p:style>
+      </p:cxnSp>
+      <p:cxnSp>
+        <p:nvCxnSpPr>
+          <p:cNvPr id="23" name="Straight Connector 22">
+            <a:extLst>
+              <a:ext uri="{FF2B5EF4-FFF2-40B4-BE49-F238E27FC236}">
+                <a16:creationId xmlns:a16="http://schemas.microsoft.com/office/drawing/2014/main" id="{2F483661-8B57-4D41-8C50-C7739BB2C923}"/>
+              </a:ext>
+            </a:extLst>
+          </p:cNvPr>
+          <p:cNvCxnSpPr>
+            <a:stCxn id="22" idx="0"/>
+            <a:endCxn id="1026" idx="2"/>
+          </p:cNvCxnSpPr>
+          <p:nvPr/>
+        </p:nvCxnSpPr>
+        <p:spPr>
+          <a:xfrm flipH="1" flipV="1">
+            <a:off x="7313409" y="3580386"/>
+            <a:ext cx="7534" cy="1309132"/>
+          </a:xfrm>
+          <a:prstGeom prst="line">
+            <a:avLst/>
+          </a:prstGeom>
+        </p:spPr>
+        <p:style>
+          <a:lnRef idx="1">
+            <a:schemeClr val="accent1"/>
+          </a:lnRef>
+          <a:fillRef idx="0">
+            <a:schemeClr val="accent1"/>
+          </a:fillRef>
+          <a:effectRef idx="0">
+            <a:schemeClr val="accent1"/>
+          </a:effectRef>
+          <a:fontRef idx="minor">
+            <a:schemeClr val="tx1"/>
+          </a:fontRef>
+        </p:style>
+      </p:cxnSp>
+      <p:cxnSp>
+        <p:nvCxnSpPr>
+          <p:cNvPr id="25" name="Straight Connector 24">
+            <a:extLst>
+              <a:ext uri="{FF2B5EF4-FFF2-40B4-BE49-F238E27FC236}">
+                <a16:creationId xmlns:a16="http://schemas.microsoft.com/office/drawing/2014/main" id="{AD8FDBDF-5F0D-40AB-9D7D-DDD3F4E13427}"/>
+              </a:ext>
+            </a:extLst>
+          </p:cNvPr>
+          <p:cNvCxnSpPr>
+            <a:stCxn id="22" idx="3"/>
+          </p:cNvCxnSpPr>
+          <p:nvPr/>
+        </p:nvCxnSpPr>
+        <p:spPr>
+          <a:xfrm flipV="1">
+            <a:off x="7725755" y="5289985"/>
+            <a:ext cx="3410227" cy="4346"/>
+          </a:xfrm>
+          <a:prstGeom prst="line">
+            <a:avLst/>
+          </a:prstGeom>
+        </p:spPr>
+        <p:style>
+          <a:lnRef idx="1">
+            <a:schemeClr val="accent1"/>
+          </a:lnRef>
+          <a:fillRef idx="0">
+            <a:schemeClr val="accent1"/>
+          </a:fillRef>
+          <a:effectRef idx="0">
+            <a:schemeClr val="accent1"/>
+          </a:effectRef>
+          <a:fontRef idx="minor">
+            <a:schemeClr val="tx1"/>
+          </a:fontRef>
+        </p:style>
+      </p:cxnSp>
+      <p:sp>
+        <p:nvSpPr>
+          <p:cNvPr id="45" name="Heptagon 44">
+            <a:extLst>
+              <a:ext uri="{FF2B5EF4-FFF2-40B4-BE49-F238E27FC236}">
+                <a16:creationId xmlns:a16="http://schemas.microsoft.com/office/drawing/2014/main" id="{E7A80D65-5ADB-4DCD-A7A2-5DFBCA0C9B8D}"/>
+              </a:ext>
+            </a:extLst>
+          </p:cNvPr>
+          <p:cNvSpPr/>
+          <p:nvPr/>
+        </p:nvSpPr>
+        <p:spPr>
+          <a:xfrm>
+            <a:off x="2758698" y="4831374"/>
+            <a:ext cx="307435" cy="344102"/>
+          </a:xfrm>
+          <a:prstGeom prst="heptagon">
+            <a:avLst/>
+          </a:prstGeom>
+        </p:spPr>
+        <p:style>
+          <a:lnRef idx="2">
+            <a:schemeClr val="accent1">
+              <a:shade val="50000"/>
+            </a:schemeClr>
+          </a:lnRef>
+          <a:fillRef idx="1">
+            <a:schemeClr val="accent1"/>
+          </a:fillRef>
+          <a:effectRef idx="0">
+            <a:schemeClr val="accent1"/>
+          </a:effectRef>
+          <a:fontRef idx="minor">
+            <a:schemeClr val="lt1"/>
+          </a:fontRef>
+        </p:style>
+        <p:txBody>
+          <a:bodyPr rtlCol="0" anchor="ctr"/>
+          <a:lstStyle/>
+          <a:p>
+            <a:pPr algn="ctr"/>
+            <a:r>
+              <a:rPr lang="en-US" dirty="0"/>
+              <a:t>2</a:t>
+            </a:r>
+          </a:p>
+        </p:txBody>
+      </p:sp>
+      <p:sp>
+        <p:nvSpPr>
+          <p:cNvPr id="46" name="Heptagon 45">
+            <a:extLst>
+              <a:ext uri="{FF2B5EF4-FFF2-40B4-BE49-F238E27FC236}">
+                <a16:creationId xmlns:a16="http://schemas.microsoft.com/office/drawing/2014/main" id="{41E19403-B49B-4C20-BB68-98A12476BA78}"/>
+              </a:ext>
+            </a:extLst>
+          </p:cNvPr>
+          <p:cNvSpPr/>
+          <p:nvPr/>
+        </p:nvSpPr>
+        <p:spPr>
+          <a:xfrm>
+            <a:off x="5021558" y="4831374"/>
+            <a:ext cx="307435" cy="344102"/>
+          </a:xfrm>
+          <a:prstGeom prst="heptagon">
+            <a:avLst/>
+          </a:prstGeom>
+        </p:spPr>
+        <p:style>
+          <a:lnRef idx="2">
+            <a:schemeClr val="accent1">
+              <a:shade val="50000"/>
+            </a:schemeClr>
+          </a:lnRef>
+          <a:fillRef idx="1">
+            <a:schemeClr val="accent1"/>
+          </a:fillRef>
+          <a:effectRef idx="0">
+            <a:schemeClr val="accent1"/>
+          </a:effectRef>
+          <a:fontRef idx="minor">
+            <a:schemeClr val="lt1"/>
+          </a:fontRef>
+        </p:style>
+        <p:txBody>
+          <a:bodyPr rtlCol="0" anchor="ctr"/>
+          <a:lstStyle/>
+          <a:p>
+            <a:pPr algn="ctr"/>
+            <a:r>
+              <a:rPr lang="en-US" dirty="0"/>
+              <a:t>3</a:t>
+            </a:r>
+          </a:p>
+        </p:txBody>
+      </p:sp>
+      <p:sp>
+        <p:nvSpPr>
+          <p:cNvPr id="47" name="Heptagon 46">
+            <a:extLst>
+              <a:ext uri="{FF2B5EF4-FFF2-40B4-BE49-F238E27FC236}">
+                <a16:creationId xmlns:a16="http://schemas.microsoft.com/office/drawing/2014/main" id="{AB00409F-5084-44E7-90AA-34000E295530}"/>
+              </a:ext>
+            </a:extLst>
+          </p:cNvPr>
+          <p:cNvSpPr/>
+          <p:nvPr/>
+        </p:nvSpPr>
+        <p:spPr>
+          <a:xfrm>
+            <a:off x="7738588" y="4826281"/>
+            <a:ext cx="307435" cy="344102"/>
+          </a:xfrm>
+          <a:prstGeom prst="heptagon">
+            <a:avLst/>
+          </a:prstGeom>
+        </p:spPr>
+        <p:style>
+          <a:lnRef idx="2">
+            <a:schemeClr val="accent1">
+              <a:shade val="50000"/>
+            </a:schemeClr>
+          </a:lnRef>
+          <a:fillRef idx="1">
+            <a:schemeClr val="accent1"/>
+          </a:fillRef>
+          <a:effectRef idx="0">
+            <a:schemeClr val="accent1"/>
+          </a:effectRef>
+          <a:fontRef idx="minor">
+            <a:schemeClr val="lt1"/>
+          </a:fontRef>
+        </p:style>
+        <p:txBody>
+          <a:bodyPr rtlCol="0" anchor="ctr"/>
+          <a:lstStyle/>
+          <a:p>
+            <a:pPr algn="ctr"/>
+            <a:r>
+              <a:rPr lang="en-US" dirty="0"/>
+              <a:t>4</a:t>
+            </a:r>
+          </a:p>
+        </p:txBody>
+      </p:sp>
+      <p:sp>
+        <p:nvSpPr>
+          <p:cNvPr id="48" name="Heptagon 47">
+            <a:extLst>
+              <a:ext uri="{FF2B5EF4-FFF2-40B4-BE49-F238E27FC236}">
+                <a16:creationId xmlns:a16="http://schemas.microsoft.com/office/drawing/2014/main" id="{7404ADED-C51D-46C9-8F7A-0B3E6F45A5B6}"/>
+              </a:ext>
+            </a:extLst>
+          </p:cNvPr>
+          <p:cNvSpPr/>
+          <p:nvPr/>
+        </p:nvSpPr>
+        <p:spPr>
+          <a:xfrm>
+            <a:off x="7737271" y="2812421"/>
+            <a:ext cx="307435" cy="344102"/>
+          </a:xfrm>
+          <a:prstGeom prst="heptagon">
+            <a:avLst/>
+          </a:prstGeom>
+        </p:spPr>
+        <p:style>
+          <a:lnRef idx="2">
+            <a:schemeClr val="accent1">
+              <a:shade val="50000"/>
+            </a:schemeClr>
+          </a:lnRef>
+          <a:fillRef idx="1">
+            <a:schemeClr val="accent1"/>
+          </a:fillRef>
+          <a:effectRef idx="0">
+            <a:schemeClr val="accent1"/>
+          </a:effectRef>
+          <a:fontRef idx="minor">
+            <a:schemeClr val="lt1"/>
+          </a:fontRef>
+        </p:style>
+        <p:txBody>
+          <a:bodyPr rtlCol="0" anchor="ctr"/>
+          <a:lstStyle/>
+          <a:p>
+            <a:pPr algn="ctr"/>
+            <a:r>
+              <a:rPr lang="en-US" dirty="0"/>
+              <a:t>5</a:t>
+            </a:r>
+          </a:p>
+        </p:txBody>
+      </p:sp>
+      <p:sp>
+        <p:nvSpPr>
+          <p:cNvPr id="49" name="Heptagon 48">
+            <a:extLst>
+              <a:ext uri="{FF2B5EF4-FFF2-40B4-BE49-F238E27FC236}">
+                <a16:creationId xmlns:a16="http://schemas.microsoft.com/office/drawing/2014/main" id="{2E4FEFBF-5DA1-4129-9427-C54B20A39168}"/>
+              </a:ext>
+            </a:extLst>
+          </p:cNvPr>
+          <p:cNvSpPr/>
+          <p:nvPr/>
+        </p:nvSpPr>
+        <p:spPr>
+          <a:xfrm>
+            <a:off x="11529674" y="4831374"/>
+            <a:ext cx="307435" cy="344102"/>
+          </a:xfrm>
+          <a:prstGeom prst="heptagon">
+            <a:avLst/>
+          </a:prstGeom>
+        </p:spPr>
+        <p:style>
+          <a:lnRef idx="2">
+            <a:schemeClr val="accent1">
+              <a:shade val="50000"/>
+            </a:schemeClr>
+          </a:lnRef>
+          <a:fillRef idx="1">
+            <a:schemeClr val="accent1"/>
+          </a:fillRef>
+          <a:effectRef idx="0">
+            <a:schemeClr val="accent1"/>
+          </a:effectRef>
+          <a:fontRef idx="minor">
+            <a:schemeClr val="lt1"/>
+          </a:fontRef>
+        </p:style>
+        <p:txBody>
+          <a:bodyPr rtlCol="0" anchor="ctr"/>
+          <a:lstStyle/>
+          <a:p>
+            <a:pPr algn="ctr"/>
+            <a:r>
+              <a:rPr lang="en-US" dirty="0"/>
+              <a:t>6</a:t>
+            </a:r>
+          </a:p>
+        </p:txBody>
+      </p:sp>
+      <p:sp>
+        <p:nvSpPr>
+          <p:cNvPr id="29" name="TextBox 28">
+            <a:extLst>
+              <a:ext uri="{FF2B5EF4-FFF2-40B4-BE49-F238E27FC236}">
+                <a16:creationId xmlns:a16="http://schemas.microsoft.com/office/drawing/2014/main" id="{73DEDEAB-57DE-46F8-9469-78112F7FEB52}"/>
+              </a:ext>
+            </a:extLst>
+          </p:cNvPr>
+          <p:cNvSpPr txBox="1"/>
+          <p:nvPr/>
+        </p:nvSpPr>
+        <p:spPr>
+          <a:xfrm>
+            <a:off x="1999787" y="5662350"/>
+            <a:ext cx="1095493" cy="276999"/>
+          </a:xfrm>
+          <a:prstGeom prst="rect">
+            <a:avLst/>
+          </a:prstGeom>
+          <a:noFill/>
+        </p:spPr>
+        <p:txBody>
+          <a:bodyPr wrap="none" rtlCol="0">
+            <a:spAutoFit/>
+          </a:bodyPr>
+          <a:lstStyle/>
+          <a:p>
+            <a:r>
+              <a:rPr lang="en-US" sz="1200" dirty="0">
+                <a:solidFill>
+                  <a:srgbClr val="002060"/>
+                </a:solidFill>
+                <a:latin typeface="Verdana" panose="020B0604030504040204" pitchFamily="34" charset="0"/>
+                <a:ea typeface="Verdana" panose="020B0604030504040204" pitchFamily="34" charset="0"/>
+              </a:rPr>
+              <a:t>Canvas App</a:t>
+            </a:r>
+          </a:p>
+        </p:txBody>
+      </p:sp>
+      <p:sp>
+        <p:nvSpPr>
+          <p:cNvPr id="30" name="TextBox 29">
+            <a:extLst>
+              <a:ext uri="{FF2B5EF4-FFF2-40B4-BE49-F238E27FC236}">
+                <a16:creationId xmlns:a16="http://schemas.microsoft.com/office/drawing/2014/main" id="{9380F401-B30D-4061-B24C-F39F66577851}"/>
+              </a:ext>
+            </a:extLst>
+          </p:cNvPr>
+          <p:cNvSpPr txBox="1"/>
+          <p:nvPr/>
+        </p:nvSpPr>
+        <p:spPr>
+          <a:xfrm>
+            <a:off x="4387185" y="5717577"/>
+            <a:ext cx="1614545" cy="276999"/>
+          </a:xfrm>
+          <a:prstGeom prst="rect">
+            <a:avLst/>
+          </a:prstGeom>
+          <a:noFill/>
+        </p:spPr>
+        <p:txBody>
+          <a:bodyPr wrap="none" rtlCol="0">
+            <a:spAutoFit/>
+          </a:bodyPr>
+          <a:lstStyle/>
+          <a:p>
+            <a:r>
+              <a:rPr lang="en-US" sz="1200" dirty="0">
+                <a:solidFill>
+                  <a:srgbClr val="002060"/>
+                </a:solidFill>
+                <a:latin typeface="Verdana" panose="020B0604030504040204" pitchFamily="34" charset="0"/>
+                <a:ea typeface="Verdana" panose="020B0604030504040204" pitchFamily="34" charset="0"/>
+              </a:rPr>
+              <a:t>Custom Connector</a:t>
+            </a:r>
+          </a:p>
+        </p:txBody>
+      </p:sp>
+      <p:sp>
+        <p:nvSpPr>
+          <p:cNvPr id="32" name="TextBox 31">
+            <a:extLst>
+              <a:ext uri="{FF2B5EF4-FFF2-40B4-BE49-F238E27FC236}">
+                <a16:creationId xmlns:a16="http://schemas.microsoft.com/office/drawing/2014/main" id="{7ACD62D2-6EA3-462B-9EE3-1AE82A658BDE}"/>
+              </a:ext>
+            </a:extLst>
+          </p:cNvPr>
+          <p:cNvSpPr txBox="1"/>
+          <p:nvPr/>
+        </p:nvSpPr>
+        <p:spPr>
+          <a:xfrm>
+            <a:off x="6890009" y="5714750"/>
+            <a:ext cx="834396" cy="276999"/>
+          </a:xfrm>
+          <a:prstGeom prst="rect">
+            <a:avLst/>
+          </a:prstGeom>
+          <a:noFill/>
+        </p:spPr>
+        <p:txBody>
+          <a:bodyPr wrap="none" rtlCol="0">
+            <a:spAutoFit/>
+          </a:bodyPr>
+          <a:lstStyle/>
+          <a:p>
+            <a:r>
+              <a:rPr lang="en-US" sz="1200" dirty="0">
+                <a:solidFill>
+                  <a:srgbClr val="002060"/>
+                </a:solidFill>
+                <a:latin typeface="Verdana" panose="020B0604030504040204" pitchFamily="34" charset="0"/>
+                <a:ea typeface="Verdana" panose="020B0604030504040204" pitchFamily="34" charset="0"/>
+              </a:rPr>
+              <a:t>Web API</a:t>
+            </a:r>
+          </a:p>
+        </p:txBody>
+      </p:sp>
+      <p:sp>
+        <p:nvSpPr>
+          <p:cNvPr id="33" name="TextBox 32">
+            <a:extLst>
+              <a:ext uri="{FF2B5EF4-FFF2-40B4-BE49-F238E27FC236}">
+                <a16:creationId xmlns:a16="http://schemas.microsoft.com/office/drawing/2014/main" id="{B2F4BAD8-B680-472E-AAAA-BA6C3042BA54}"/>
+              </a:ext>
+            </a:extLst>
+          </p:cNvPr>
+          <p:cNvSpPr txBox="1"/>
+          <p:nvPr/>
+        </p:nvSpPr>
+        <p:spPr>
+          <a:xfrm>
+            <a:off x="6562903" y="2510322"/>
+            <a:ext cx="1411027" cy="276999"/>
+          </a:xfrm>
+          <a:prstGeom prst="rect">
+            <a:avLst/>
+          </a:prstGeom>
+          <a:noFill/>
+        </p:spPr>
+        <p:txBody>
+          <a:bodyPr wrap="none" rtlCol="0">
+            <a:spAutoFit/>
+          </a:bodyPr>
+          <a:lstStyle/>
+          <a:p>
+            <a:r>
+              <a:rPr lang="en-US" sz="1200" dirty="0">
+                <a:solidFill>
+                  <a:srgbClr val="002060"/>
+                </a:solidFill>
+                <a:latin typeface="Verdana" panose="020B0604030504040204" pitchFamily="34" charset="0"/>
+                <a:ea typeface="Verdana" panose="020B0604030504040204" pitchFamily="34" charset="0"/>
+              </a:rPr>
+              <a:t>Azure Key Vault</a:t>
+            </a:r>
+          </a:p>
+        </p:txBody>
+      </p:sp>
+      <p:sp>
+        <p:nvSpPr>
+          <p:cNvPr id="37" name="TextBox 36">
+            <a:extLst>
+              <a:ext uri="{FF2B5EF4-FFF2-40B4-BE49-F238E27FC236}">
+                <a16:creationId xmlns:a16="http://schemas.microsoft.com/office/drawing/2014/main" id="{E472F245-397E-4CEE-88C2-F7D04A607F7F}"/>
+              </a:ext>
+            </a:extLst>
+          </p:cNvPr>
+          <p:cNvSpPr txBox="1"/>
+          <p:nvPr/>
+        </p:nvSpPr>
+        <p:spPr>
+          <a:xfrm>
+            <a:off x="10440538" y="5662350"/>
+            <a:ext cx="1557093" cy="276999"/>
+          </a:xfrm>
+          <a:prstGeom prst="rect">
+            <a:avLst/>
+          </a:prstGeom>
+          <a:noFill/>
+        </p:spPr>
+        <p:txBody>
+          <a:bodyPr wrap="none" rtlCol="0">
+            <a:spAutoFit/>
+          </a:bodyPr>
+          <a:lstStyle/>
+          <a:p>
+            <a:r>
+              <a:rPr lang="en-US" sz="1200" dirty="0">
+                <a:solidFill>
+                  <a:srgbClr val="002060"/>
+                </a:solidFill>
+                <a:latin typeface="Verdana" panose="020B0604030504040204" pitchFamily="34" charset="0"/>
+                <a:ea typeface="Verdana" panose="020B0604030504040204" pitchFamily="34" charset="0"/>
+              </a:rPr>
+              <a:t>Azure SQL Server</a:t>
+            </a:r>
+          </a:p>
+        </p:txBody>
+      </p:sp>
+      <p:pic>
+        <p:nvPicPr>
+          <p:cNvPr id="4" name="Picture 2">
+            <a:extLst>
+              <a:ext uri="{FF2B5EF4-FFF2-40B4-BE49-F238E27FC236}">
+                <a16:creationId xmlns:a16="http://schemas.microsoft.com/office/drawing/2014/main" id="{C5882C03-DC0B-4D3C-83C8-7B1DC12A1ADC}"/>
+              </a:ext>
+            </a:extLst>
+          </p:cNvPr>
+          <p:cNvPicPr>
+            <a:picLocks noChangeAspect="1" noChangeArrowheads="1"/>
+          </p:cNvPicPr>
+          <p:nvPr/>
+        </p:nvPicPr>
+        <p:blipFill>
+          <a:blip r:embed="rId6">
+            <a:extLst>
+              <a:ext uri="{28A0092B-C50C-407E-A947-70E740481C1C}">
+                <a14:useLocalDpi xmlns:a14="http://schemas.microsoft.com/office/drawing/2010/main" val="0"/>
+              </a:ext>
+            </a:extLst>
+          </a:blip>
+          <a:srcRect/>
+          <a:stretch>
+            <a:fillRect/>
+          </a:stretch>
+        </p:blipFill>
+        <p:spPr bwMode="auto">
+          <a:xfrm>
+            <a:off x="4529204" y="4992330"/>
+            <a:ext cx="676275" cy="676275"/>
+          </a:xfrm>
+          <a:prstGeom prst="rect">
+            <a:avLst/>
+          </a:prstGeom>
+          <a:noFill/>
+          <a:extLst>
+            <a:ext uri="{909E8E84-426E-40DD-AFC4-6F175D3DCCD1}">
+              <a14:hiddenFill xmlns:a14="http://schemas.microsoft.com/office/drawing/2010/main">
+                <a:solidFill>
+                  <a:srgbClr val="FFFFFF"/>
+                </a:solidFill>
+              </a14:hiddenFill>
+            </a:ext>
+          </a:extLst>
+        </p:spPr>
+      </p:pic>
+      <p:pic>
+        <p:nvPicPr>
+          <p:cNvPr id="1028" name="Picture 4">
+            <a:extLst>
+              <a:ext uri="{FF2B5EF4-FFF2-40B4-BE49-F238E27FC236}">
+                <a16:creationId xmlns:a16="http://schemas.microsoft.com/office/drawing/2014/main" id="{F87477C1-A32D-44FD-A73E-3C7342A87862}"/>
+              </a:ext>
+            </a:extLst>
+          </p:cNvPr>
+          <p:cNvPicPr>
+            <a:picLocks noChangeAspect="1" noChangeArrowheads="1"/>
+          </p:cNvPicPr>
+          <p:nvPr/>
+        </p:nvPicPr>
+        <p:blipFill>
+          <a:blip r:embed="rId7">
+            <a:extLst>
+              <a:ext uri="{28A0092B-C50C-407E-A947-70E740481C1C}">
+                <a14:useLocalDpi xmlns:a14="http://schemas.microsoft.com/office/drawing/2010/main" val="0"/>
+              </a:ext>
+            </a:extLst>
+          </a:blip>
+          <a:srcRect/>
+          <a:stretch>
+            <a:fillRect/>
+          </a:stretch>
+        </p:blipFill>
+        <p:spPr bwMode="auto">
+          <a:xfrm>
+            <a:off x="2152025" y="4918044"/>
+            <a:ext cx="666750" cy="676275"/>
+          </a:xfrm>
+          <a:prstGeom prst="rect">
+            <a:avLst/>
+          </a:prstGeom>
+          <a:noFill/>
+          <a:extLst>
+            <a:ext uri="{909E8E84-426E-40DD-AFC4-6F175D3DCCD1}">
+              <a14:hiddenFill xmlns:a14="http://schemas.microsoft.com/office/drawing/2010/main">
+                <a:solidFill>
+                  <a:srgbClr val="FFFFFF"/>
+                </a:solidFill>
+              </a14:hiddenFill>
+            </a:ext>
+          </a:extLst>
+        </p:spPr>
+      </p:pic>
+    </p:spTree>
+    <p:extLst>
+      <p:ext uri="{BB962C8B-B14F-4D97-AF65-F5344CB8AC3E}">
+        <p14:creationId xmlns:p14="http://schemas.microsoft.com/office/powerpoint/2010/main" val="1116980721"/>
+      </p:ext>
+    </p:extLst>
+  </p:cSld>
+  <p:clrMapOvr>
+    <a:masterClrMapping/>
+  </p:clrMapOvr>
+</p:sld>
+</file>
+
 <file path=ppt/theme/theme1.xml><?xml version="1.0" encoding="utf-8"?>
 <a:theme xmlns:a="http://schemas.openxmlformats.org/drawingml/2006/main" name="Office Theme">
   <a:themeElements>

--- a/MicrosoftReactor/Demos.pptx
+++ b/MicrosoftReactor/Demos.pptx
@@ -10,8 +10,9 @@
     <p:sldId id="328" r:id="rId4"/>
     <p:sldId id="330" r:id="rId5"/>
     <p:sldId id="331" r:id="rId6"/>
-    <p:sldId id="326" r:id="rId7"/>
-    <p:sldId id="332" r:id="rId8"/>
+    <p:sldId id="333" r:id="rId7"/>
+    <p:sldId id="326" r:id="rId8"/>
+    <p:sldId id="332" r:id="rId9"/>
   </p:sldIdLst>
   <p:sldSz cx="12192000" cy="6858000"/>
   <p:notesSz cx="6858000" cy="9144000"/>
@@ -267,7 +268,7 @@
           <a:p>
             <a:fld id="{3F64E90C-326F-45C8-9212-4C9C4B7EF630}" type="datetimeFigureOut">
               <a:rPr lang="en-IN" smtClean="0"/>
-              <a:t>27-10-2021</a:t>
+              <a:t>03-11-2021</a:t>
             </a:fld>
             <a:endParaRPr lang="en-IN"/>
           </a:p>
@@ -467,7 +468,7 @@
           <a:p>
             <a:fld id="{3F64E90C-326F-45C8-9212-4C9C4B7EF630}" type="datetimeFigureOut">
               <a:rPr lang="en-IN" smtClean="0"/>
-              <a:t>27-10-2021</a:t>
+              <a:t>03-11-2021</a:t>
             </a:fld>
             <a:endParaRPr lang="en-IN"/>
           </a:p>
@@ -677,7 +678,7 @@
           <a:p>
             <a:fld id="{3F64E90C-326F-45C8-9212-4C9C4B7EF630}" type="datetimeFigureOut">
               <a:rPr lang="en-IN" smtClean="0"/>
-              <a:t>27-10-2021</a:t>
+              <a:t>03-11-2021</a:t>
             </a:fld>
             <a:endParaRPr lang="en-IN"/>
           </a:p>
@@ -877,7 +878,7 @@
           <a:p>
             <a:fld id="{3F64E90C-326F-45C8-9212-4C9C4B7EF630}" type="datetimeFigureOut">
               <a:rPr lang="en-IN" smtClean="0"/>
-              <a:t>27-10-2021</a:t>
+              <a:t>03-11-2021</a:t>
             </a:fld>
             <a:endParaRPr lang="en-IN"/>
           </a:p>
@@ -1153,7 +1154,7 @@
           <a:p>
             <a:fld id="{3F64E90C-326F-45C8-9212-4C9C4B7EF630}" type="datetimeFigureOut">
               <a:rPr lang="en-IN" smtClean="0"/>
-              <a:t>27-10-2021</a:t>
+              <a:t>03-11-2021</a:t>
             </a:fld>
             <a:endParaRPr lang="en-IN"/>
           </a:p>
@@ -1421,7 +1422,7 @@
           <a:p>
             <a:fld id="{3F64E90C-326F-45C8-9212-4C9C4B7EF630}" type="datetimeFigureOut">
               <a:rPr lang="en-IN" smtClean="0"/>
-              <a:t>27-10-2021</a:t>
+              <a:t>03-11-2021</a:t>
             </a:fld>
             <a:endParaRPr lang="en-IN"/>
           </a:p>
@@ -1836,7 +1837,7 @@
           <a:p>
             <a:fld id="{3F64E90C-326F-45C8-9212-4C9C4B7EF630}" type="datetimeFigureOut">
               <a:rPr lang="en-IN" smtClean="0"/>
-              <a:t>27-10-2021</a:t>
+              <a:t>03-11-2021</a:t>
             </a:fld>
             <a:endParaRPr lang="en-IN"/>
           </a:p>
@@ -1978,7 +1979,7 @@
           <a:p>
             <a:fld id="{3F64E90C-326F-45C8-9212-4C9C4B7EF630}" type="datetimeFigureOut">
               <a:rPr lang="en-IN" smtClean="0"/>
-              <a:t>27-10-2021</a:t>
+              <a:t>03-11-2021</a:t>
             </a:fld>
             <a:endParaRPr lang="en-IN"/>
           </a:p>
@@ -2091,7 +2092,7 @@
           <a:p>
             <a:fld id="{3F64E90C-326F-45C8-9212-4C9C4B7EF630}" type="datetimeFigureOut">
               <a:rPr lang="en-IN" smtClean="0"/>
-              <a:t>27-10-2021</a:t>
+              <a:t>03-11-2021</a:t>
             </a:fld>
             <a:endParaRPr lang="en-IN"/>
           </a:p>
@@ -2404,7 +2405,7 @@
           <a:p>
             <a:fld id="{3F64E90C-326F-45C8-9212-4C9C4B7EF630}" type="datetimeFigureOut">
               <a:rPr lang="en-IN" smtClean="0"/>
-              <a:t>27-10-2021</a:t>
+              <a:t>03-11-2021</a:t>
             </a:fld>
             <a:endParaRPr lang="en-IN"/>
           </a:p>
@@ -2693,7 +2694,7 @@
           <a:p>
             <a:fld id="{3F64E90C-326F-45C8-9212-4C9C4B7EF630}" type="datetimeFigureOut">
               <a:rPr lang="en-IN" smtClean="0"/>
-              <a:t>27-10-2021</a:t>
+              <a:t>03-11-2021</a:t>
             </a:fld>
             <a:endParaRPr lang="en-IN"/>
           </a:p>
@@ -2936,7 +2937,7 @@
           <a:p>
             <a:fld id="{3F64E90C-326F-45C8-9212-4C9C4B7EF630}" type="datetimeFigureOut">
               <a:rPr lang="en-IN" smtClean="0"/>
-              <a:t>27-10-2021</a:t>
+              <a:t>03-11-2021</a:t>
             </a:fld>
             <a:endParaRPr lang="en-IN"/>
           </a:p>
@@ -3498,7 +3499,7 @@
                 <a:latin typeface="Verdana" panose="020B0604030504040204" pitchFamily="34" charset="0"/>
                 <a:ea typeface="Verdana" panose="020B0604030504040204" pitchFamily="34" charset="0"/>
               </a:rPr>
-              <a:t>27-Oct-2021</a:t>
+              <a:t>10-Nov-2021</a:t>
             </a:r>
           </a:p>
         </p:txBody>
@@ -7360,6 +7361,1327 @@
           <a:chExt cx="0" cy="0"/>
         </a:xfrm>
       </p:grpSpPr>
+      <p:sp>
+        <p:nvSpPr>
+          <p:cNvPr id="7" name="Rectangle 6">
+            <a:extLst>
+              <a:ext uri="{FF2B5EF4-FFF2-40B4-BE49-F238E27FC236}">
+                <a16:creationId xmlns:a16="http://schemas.microsoft.com/office/drawing/2014/main" id="{B10720DE-FD2A-4FE5-B9FB-74854D01A659}"/>
+              </a:ext>
+            </a:extLst>
+          </p:cNvPr>
+          <p:cNvSpPr/>
+          <p:nvPr/>
+        </p:nvSpPr>
+        <p:spPr>
+          <a:xfrm>
+            <a:off x="0" y="6432008"/>
+            <a:ext cx="12183122" cy="57703"/>
+          </a:xfrm>
+          <a:prstGeom prst="rect">
+            <a:avLst/>
+          </a:prstGeom>
+          <a:solidFill>
+            <a:srgbClr val="0070C0"/>
+          </a:solidFill>
+        </p:spPr>
+        <p:style>
+          <a:lnRef idx="2">
+            <a:schemeClr val="accent1">
+              <a:shade val="50000"/>
+            </a:schemeClr>
+          </a:lnRef>
+          <a:fillRef idx="1">
+            <a:schemeClr val="accent1"/>
+          </a:fillRef>
+          <a:effectRef idx="0">
+            <a:schemeClr val="accent1"/>
+          </a:effectRef>
+          <a:fontRef idx="minor">
+            <a:schemeClr val="lt1"/>
+          </a:fontRef>
+        </p:style>
+        <p:txBody>
+          <a:bodyPr rtlCol="0" anchor="ctr"/>
+          <a:lstStyle/>
+          <a:p>
+            <a:pPr algn="ctr"/>
+            <a:endParaRPr lang="en-IN" sz="1000" dirty="0">
+              <a:latin typeface="Verdana" panose="020B0604030504040204" pitchFamily="34" charset="0"/>
+              <a:ea typeface="Verdana" panose="020B0604030504040204" pitchFamily="34" charset="0"/>
+            </a:endParaRPr>
+          </a:p>
+        </p:txBody>
+      </p:sp>
+      <p:sp>
+        <p:nvSpPr>
+          <p:cNvPr id="8" name="Footer Placeholder 7">
+            <a:extLst>
+              <a:ext uri="{FF2B5EF4-FFF2-40B4-BE49-F238E27FC236}">
+                <a16:creationId xmlns:a16="http://schemas.microsoft.com/office/drawing/2014/main" id="{DD2A19CA-EC18-432D-8F8F-17079808F38B}"/>
+              </a:ext>
+            </a:extLst>
+          </p:cNvPr>
+          <p:cNvSpPr>
+            <a:spLocks noGrp="1"/>
+          </p:cNvSpPr>
+          <p:nvPr>
+            <p:ph type="ftr" sz="quarter" idx="11"/>
+          </p:nvPr>
+        </p:nvSpPr>
+        <p:spPr>
+          <a:xfrm>
+            <a:off x="4038600" y="6476336"/>
+            <a:ext cx="4114800" cy="365125"/>
+          </a:xfrm>
+        </p:spPr>
+        <p:txBody>
+          <a:bodyPr/>
+          <a:lstStyle/>
+          <a:p>
+            <a:r>
+              <a:rPr lang="en-IN" b="1" dirty="0">
+                <a:solidFill>
+                  <a:srgbClr val="002060"/>
+                </a:solidFill>
+                <a:latin typeface="Verdana" panose="020B0604030504040204" pitchFamily="34" charset="0"/>
+                <a:ea typeface="Verdana" panose="020B0604030504040204" pitchFamily="34" charset="0"/>
+              </a:rPr>
+              <a:t>10-Nov-2021</a:t>
+            </a:r>
+          </a:p>
+        </p:txBody>
+      </p:sp>
+      <p:sp>
+        <p:nvSpPr>
+          <p:cNvPr id="9" name="Slide Number Placeholder 8">
+            <a:extLst>
+              <a:ext uri="{FF2B5EF4-FFF2-40B4-BE49-F238E27FC236}">
+                <a16:creationId xmlns:a16="http://schemas.microsoft.com/office/drawing/2014/main" id="{8162625C-0B1F-42E0-BE7C-D99A08FED7A3}"/>
+              </a:ext>
+            </a:extLst>
+          </p:cNvPr>
+          <p:cNvSpPr>
+            <a:spLocks noGrp="1"/>
+          </p:cNvSpPr>
+          <p:nvPr>
+            <p:ph type="sldNum" sz="quarter" idx="12"/>
+          </p:nvPr>
+        </p:nvSpPr>
+        <p:spPr>
+          <a:xfrm>
+            <a:off x="8610600" y="6476336"/>
+            <a:ext cx="2743200" cy="365125"/>
+          </a:xfrm>
+        </p:spPr>
+        <p:txBody>
+          <a:bodyPr/>
+          <a:lstStyle/>
+          <a:p>
+            <a:r>
+              <a:rPr lang="en-IN" b="1" dirty="0">
+                <a:solidFill>
+                  <a:srgbClr val="002060"/>
+                </a:solidFill>
+                <a:latin typeface="Verdana" panose="020B0604030504040204" pitchFamily="34" charset="0"/>
+                <a:ea typeface="Verdana" panose="020B0604030504040204" pitchFamily="34" charset="0"/>
+              </a:rPr>
+              <a:t>1</a:t>
+            </a:r>
+          </a:p>
+        </p:txBody>
+      </p:sp>
+      <p:sp>
+        <p:nvSpPr>
+          <p:cNvPr id="12" name="Footer Placeholder 7">
+            <a:extLst>
+              <a:ext uri="{FF2B5EF4-FFF2-40B4-BE49-F238E27FC236}">
+                <a16:creationId xmlns:a16="http://schemas.microsoft.com/office/drawing/2014/main" id="{64C57949-E349-47D3-A505-A098233AF49D}"/>
+              </a:ext>
+            </a:extLst>
+          </p:cNvPr>
+          <p:cNvSpPr txBox="1">
+            <a:spLocks/>
+          </p:cNvSpPr>
+          <p:nvPr/>
+        </p:nvSpPr>
+        <p:spPr>
+          <a:xfrm>
+            <a:off x="133897" y="6477810"/>
+            <a:ext cx="4114800" cy="365125"/>
+          </a:xfrm>
+          <a:prstGeom prst="rect">
+            <a:avLst/>
+          </a:prstGeom>
+        </p:spPr>
+        <p:txBody>
+          <a:bodyPr vert="horz" lIns="91440" tIns="45720" rIns="91440" bIns="45720" rtlCol="0" anchor="ctr"/>
+          <a:lstStyle>
+            <a:defPPr>
+              <a:defRPr lang="en-US"/>
+            </a:defPPr>
+            <a:lvl1pPr marL="0" algn="ctr" defTabSz="914400" rtl="0" eaLnBrk="1" latinLnBrk="0" hangingPunct="1">
+              <a:defRPr sz="1200" kern="1200">
+                <a:solidFill>
+                  <a:schemeClr val="tx1">
+                    <a:tint val="75000"/>
+                  </a:schemeClr>
+                </a:solidFill>
+                <a:latin typeface="+mn-lt"/>
+                <a:ea typeface="+mn-ea"/>
+                <a:cs typeface="+mn-cs"/>
+              </a:defRPr>
+            </a:lvl1pPr>
+            <a:lvl2pPr marL="457200" algn="l" defTabSz="914400" rtl="0" eaLnBrk="1" latinLnBrk="0" hangingPunct="1">
+              <a:defRPr sz="1800" kern="1200">
+                <a:solidFill>
+                  <a:schemeClr val="tx1"/>
+                </a:solidFill>
+                <a:latin typeface="+mn-lt"/>
+                <a:ea typeface="+mn-ea"/>
+                <a:cs typeface="+mn-cs"/>
+              </a:defRPr>
+            </a:lvl2pPr>
+            <a:lvl3pPr marL="914400" algn="l" defTabSz="914400" rtl="0" eaLnBrk="1" latinLnBrk="0" hangingPunct="1">
+              <a:defRPr sz="1800" kern="1200">
+                <a:solidFill>
+                  <a:schemeClr val="tx1"/>
+                </a:solidFill>
+                <a:latin typeface="+mn-lt"/>
+                <a:ea typeface="+mn-ea"/>
+                <a:cs typeface="+mn-cs"/>
+              </a:defRPr>
+            </a:lvl3pPr>
+            <a:lvl4pPr marL="1371600" algn="l" defTabSz="914400" rtl="0" eaLnBrk="1" latinLnBrk="0" hangingPunct="1">
+              <a:defRPr sz="1800" kern="1200">
+                <a:solidFill>
+                  <a:schemeClr val="tx1"/>
+                </a:solidFill>
+                <a:latin typeface="+mn-lt"/>
+                <a:ea typeface="+mn-ea"/>
+                <a:cs typeface="+mn-cs"/>
+              </a:defRPr>
+            </a:lvl4pPr>
+            <a:lvl5pPr marL="1828800" algn="l" defTabSz="914400" rtl="0" eaLnBrk="1" latinLnBrk="0" hangingPunct="1">
+              <a:defRPr sz="1800" kern="1200">
+                <a:solidFill>
+                  <a:schemeClr val="tx1"/>
+                </a:solidFill>
+                <a:latin typeface="+mn-lt"/>
+                <a:ea typeface="+mn-ea"/>
+                <a:cs typeface="+mn-cs"/>
+              </a:defRPr>
+            </a:lvl5pPr>
+            <a:lvl6pPr marL="2286000" algn="l" defTabSz="914400" rtl="0" eaLnBrk="1" latinLnBrk="0" hangingPunct="1">
+              <a:defRPr sz="1800" kern="1200">
+                <a:solidFill>
+                  <a:schemeClr val="tx1"/>
+                </a:solidFill>
+                <a:latin typeface="+mn-lt"/>
+                <a:ea typeface="+mn-ea"/>
+                <a:cs typeface="+mn-cs"/>
+              </a:defRPr>
+            </a:lvl6pPr>
+            <a:lvl7pPr marL="2743200" algn="l" defTabSz="914400" rtl="0" eaLnBrk="1" latinLnBrk="0" hangingPunct="1">
+              <a:defRPr sz="1800" kern="1200">
+                <a:solidFill>
+                  <a:schemeClr val="tx1"/>
+                </a:solidFill>
+                <a:latin typeface="+mn-lt"/>
+                <a:ea typeface="+mn-ea"/>
+                <a:cs typeface="+mn-cs"/>
+              </a:defRPr>
+            </a:lvl7pPr>
+            <a:lvl8pPr marL="3200400" algn="l" defTabSz="914400" rtl="0" eaLnBrk="1" latinLnBrk="0" hangingPunct="1">
+              <a:defRPr sz="1800" kern="1200">
+                <a:solidFill>
+                  <a:schemeClr val="tx1"/>
+                </a:solidFill>
+                <a:latin typeface="+mn-lt"/>
+                <a:ea typeface="+mn-ea"/>
+                <a:cs typeface="+mn-cs"/>
+              </a:defRPr>
+            </a:lvl8pPr>
+            <a:lvl9pPr marL="3657600" algn="l" defTabSz="914400" rtl="0" eaLnBrk="1" latinLnBrk="0" hangingPunct="1">
+              <a:defRPr sz="1800" kern="1200">
+                <a:solidFill>
+                  <a:schemeClr val="tx1"/>
+                </a:solidFill>
+                <a:latin typeface="+mn-lt"/>
+                <a:ea typeface="+mn-ea"/>
+                <a:cs typeface="+mn-cs"/>
+              </a:defRPr>
+            </a:lvl9pPr>
+          </a:lstStyle>
+          <a:p>
+            <a:r>
+              <a:rPr lang="en-IN" b="1" dirty="0">
+                <a:solidFill>
+                  <a:srgbClr val="002060"/>
+                </a:solidFill>
+                <a:latin typeface="Verdana" panose="020B0604030504040204" pitchFamily="34" charset="0"/>
+                <a:ea typeface="Verdana" panose="020B0604030504040204" pitchFamily="34" charset="0"/>
+              </a:rPr>
+              <a:t>Microsoft Reactor Bengaluru</a:t>
+            </a:r>
+          </a:p>
+        </p:txBody>
+      </p:sp>
+      <p:pic>
+        <p:nvPicPr>
+          <p:cNvPr id="6" name="Picture 12">
+            <a:extLst>
+              <a:ext uri="{FF2B5EF4-FFF2-40B4-BE49-F238E27FC236}">
+                <a16:creationId xmlns:a16="http://schemas.microsoft.com/office/drawing/2014/main" id="{7898CFCB-7659-4968-8E49-75F24799EB68}"/>
+              </a:ext>
+            </a:extLst>
+          </p:cNvPr>
+          <p:cNvPicPr>
+            <a:picLocks noChangeAspect="1" noChangeArrowheads="1"/>
+          </p:cNvPicPr>
+          <p:nvPr/>
+        </p:nvPicPr>
+        <p:blipFill>
+          <a:blip r:embed="rId2">
+            <a:extLst>
+              <a:ext uri="{28A0092B-C50C-407E-A947-70E740481C1C}">
+                <a14:useLocalDpi xmlns:a14="http://schemas.microsoft.com/office/drawing/2010/main" val="0"/>
+              </a:ext>
+            </a:extLst>
+          </a:blip>
+          <a:srcRect/>
+          <a:stretch>
+            <a:fillRect/>
+          </a:stretch>
+        </p:blipFill>
+        <p:spPr bwMode="auto">
+          <a:xfrm>
+            <a:off x="7368618" y="3051292"/>
+            <a:ext cx="809625" cy="809625"/>
+          </a:xfrm>
+          <a:prstGeom prst="rect">
+            <a:avLst/>
+          </a:prstGeom>
+          <a:noFill/>
+          <a:extLst>
+            <a:ext uri="{909E8E84-426E-40DD-AFC4-6F175D3DCCD1}">
+              <a14:hiddenFill xmlns:a14="http://schemas.microsoft.com/office/drawing/2010/main">
+                <a:solidFill>
+                  <a:srgbClr val="FFFFFF"/>
+                </a:solidFill>
+              </a14:hiddenFill>
+            </a:ext>
+          </a:extLst>
+        </p:spPr>
+      </p:pic>
+      <p:sp>
+        <p:nvSpPr>
+          <p:cNvPr id="10" name="TextBox 9">
+            <a:extLst>
+              <a:ext uri="{FF2B5EF4-FFF2-40B4-BE49-F238E27FC236}">
+                <a16:creationId xmlns:a16="http://schemas.microsoft.com/office/drawing/2014/main" id="{3657454D-AD85-4AEE-82DC-6159AD7DE31E}"/>
+              </a:ext>
+            </a:extLst>
+          </p:cNvPr>
+          <p:cNvSpPr txBox="1"/>
+          <p:nvPr/>
+        </p:nvSpPr>
+        <p:spPr>
+          <a:xfrm>
+            <a:off x="7962166" y="2728022"/>
+            <a:ext cx="834396" cy="276999"/>
+          </a:xfrm>
+          <a:prstGeom prst="rect">
+            <a:avLst/>
+          </a:prstGeom>
+          <a:noFill/>
+        </p:spPr>
+        <p:txBody>
+          <a:bodyPr wrap="none" rtlCol="0">
+            <a:spAutoFit/>
+          </a:bodyPr>
+          <a:lstStyle/>
+          <a:p>
+            <a:r>
+              <a:rPr lang="en-US" sz="1200" dirty="0">
+                <a:solidFill>
+                  <a:srgbClr val="002060"/>
+                </a:solidFill>
+                <a:latin typeface="Verdana" panose="020B0604030504040204" pitchFamily="34" charset="0"/>
+                <a:ea typeface="Verdana" panose="020B0604030504040204" pitchFamily="34" charset="0"/>
+              </a:rPr>
+              <a:t>Web API</a:t>
+            </a:r>
+          </a:p>
+        </p:txBody>
+      </p:sp>
+      <p:pic>
+        <p:nvPicPr>
+          <p:cNvPr id="11" name="Picture 10">
+            <a:extLst>
+              <a:ext uri="{FF2B5EF4-FFF2-40B4-BE49-F238E27FC236}">
+                <a16:creationId xmlns:a16="http://schemas.microsoft.com/office/drawing/2014/main" id="{13644FC0-4432-4DAA-BB42-865EDC6E7039}"/>
+              </a:ext>
+            </a:extLst>
+          </p:cNvPr>
+          <p:cNvPicPr>
+            <a:picLocks noChangeAspect="1" noChangeArrowheads="1"/>
+          </p:cNvPicPr>
+          <p:nvPr/>
+        </p:nvPicPr>
+        <p:blipFill>
+          <a:blip r:embed="rId3">
+            <a:extLst>
+              <a:ext uri="{28A0092B-C50C-407E-A947-70E740481C1C}">
+                <a14:useLocalDpi xmlns:a14="http://schemas.microsoft.com/office/drawing/2010/main" val="0"/>
+              </a:ext>
+            </a:extLst>
+          </a:blip>
+          <a:srcRect/>
+          <a:stretch>
+            <a:fillRect/>
+          </a:stretch>
+        </p:blipFill>
+        <p:spPr bwMode="auto">
+          <a:xfrm>
+            <a:off x="11307018" y="3051292"/>
+            <a:ext cx="810000" cy="810000"/>
+          </a:xfrm>
+          <a:prstGeom prst="rect">
+            <a:avLst/>
+          </a:prstGeom>
+          <a:noFill/>
+          <a:extLst>
+            <a:ext uri="{909E8E84-426E-40DD-AFC4-6F175D3DCCD1}">
+              <a14:hiddenFill xmlns:a14="http://schemas.microsoft.com/office/drawing/2010/main">
+                <a:solidFill>
+                  <a:srgbClr val="FFFFFF"/>
+                </a:solidFill>
+              </a14:hiddenFill>
+            </a:ext>
+          </a:extLst>
+        </p:spPr>
+      </p:pic>
+      <p:sp>
+        <p:nvSpPr>
+          <p:cNvPr id="13" name="TextBox 12">
+            <a:extLst>
+              <a:ext uri="{FF2B5EF4-FFF2-40B4-BE49-F238E27FC236}">
+                <a16:creationId xmlns:a16="http://schemas.microsoft.com/office/drawing/2014/main" id="{83BEFD28-360B-4C34-B776-983624107E9B}"/>
+              </a:ext>
+            </a:extLst>
+          </p:cNvPr>
+          <p:cNvSpPr txBox="1"/>
+          <p:nvPr/>
+        </p:nvSpPr>
+        <p:spPr>
+          <a:xfrm>
+            <a:off x="10507415" y="2722384"/>
+            <a:ext cx="992579" cy="276999"/>
+          </a:xfrm>
+          <a:prstGeom prst="rect">
+            <a:avLst/>
+          </a:prstGeom>
+          <a:noFill/>
+        </p:spPr>
+        <p:txBody>
+          <a:bodyPr wrap="none" rtlCol="0">
+            <a:spAutoFit/>
+          </a:bodyPr>
+          <a:lstStyle/>
+          <a:p>
+            <a:r>
+              <a:rPr lang="en-US" sz="1200" dirty="0">
+                <a:solidFill>
+                  <a:srgbClr val="002060"/>
+                </a:solidFill>
+                <a:latin typeface="Verdana" panose="020B0604030504040204" pitchFamily="34" charset="0"/>
+                <a:ea typeface="Verdana" panose="020B0604030504040204" pitchFamily="34" charset="0"/>
+              </a:rPr>
+              <a:t>Azure SQL</a:t>
+            </a:r>
+          </a:p>
+        </p:txBody>
+      </p:sp>
+      <p:sp>
+        <p:nvSpPr>
+          <p:cNvPr id="14" name="Heptagon 13">
+            <a:extLst>
+              <a:ext uri="{FF2B5EF4-FFF2-40B4-BE49-F238E27FC236}">
+                <a16:creationId xmlns:a16="http://schemas.microsoft.com/office/drawing/2014/main" id="{932FD78C-C27D-4D87-9137-AB3F88C3B70B}"/>
+              </a:ext>
+            </a:extLst>
+          </p:cNvPr>
+          <p:cNvSpPr/>
+          <p:nvPr/>
+        </p:nvSpPr>
+        <p:spPr>
+          <a:xfrm>
+            <a:off x="7612671" y="2700919"/>
+            <a:ext cx="307435" cy="344102"/>
+          </a:xfrm>
+          <a:prstGeom prst="heptagon">
+            <a:avLst/>
+          </a:prstGeom>
+        </p:spPr>
+        <p:style>
+          <a:lnRef idx="2">
+            <a:schemeClr val="accent1">
+              <a:shade val="50000"/>
+            </a:schemeClr>
+          </a:lnRef>
+          <a:fillRef idx="1">
+            <a:schemeClr val="accent1"/>
+          </a:fillRef>
+          <a:effectRef idx="0">
+            <a:schemeClr val="accent1"/>
+          </a:effectRef>
+          <a:fontRef idx="minor">
+            <a:schemeClr val="lt1"/>
+          </a:fontRef>
+        </p:style>
+        <p:txBody>
+          <a:bodyPr rtlCol="0" anchor="ctr"/>
+          <a:lstStyle/>
+          <a:p>
+            <a:pPr algn="ctr"/>
+            <a:r>
+              <a:rPr lang="en-US" dirty="0"/>
+              <a:t>2</a:t>
+            </a:r>
+          </a:p>
+        </p:txBody>
+      </p:sp>
+      <p:sp>
+        <p:nvSpPr>
+          <p:cNvPr id="15" name="Heptagon 14">
+            <a:extLst>
+              <a:ext uri="{FF2B5EF4-FFF2-40B4-BE49-F238E27FC236}">
+                <a16:creationId xmlns:a16="http://schemas.microsoft.com/office/drawing/2014/main" id="{1E40AC33-A982-446B-9D49-9D733A49316A}"/>
+              </a:ext>
+            </a:extLst>
+          </p:cNvPr>
+          <p:cNvSpPr/>
+          <p:nvPr/>
+        </p:nvSpPr>
+        <p:spPr>
+          <a:xfrm>
+            <a:off x="11438204" y="2700919"/>
+            <a:ext cx="307435" cy="344102"/>
+          </a:xfrm>
+          <a:prstGeom prst="heptagon">
+            <a:avLst/>
+          </a:prstGeom>
+        </p:spPr>
+        <p:style>
+          <a:lnRef idx="2">
+            <a:schemeClr val="accent1">
+              <a:shade val="50000"/>
+            </a:schemeClr>
+          </a:lnRef>
+          <a:fillRef idx="1">
+            <a:schemeClr val="accent1"/>
+          </a:fillRef>
+          <a:effectRef idx="0">
+            <a:schemeClr val="accent1"/>
+          </a:effectRef>
+          <a:fontRef idx="minor">
+            <a:schemeClr val="lt1"/>
+          </a:fontRef>
+        </p:style>
+        <p:txBody>
+          <a:bodyPr rtlCol="0" anchor="ctr"/>
+          <a:lstStyle/>
+          <a:p>
+            <a:pPr algn="ctr"/>
+            <a:r>
+              <a:rPr lang="en-US" dirty="0"/>
+              <a:t>3</a:t>
+            </a:r>
+          </a:p>
+        </p:txBody>
+      </p:sp>
+      <p:pic>
+        <p:nvPicPr>
+          <p:cNvPr id="1026" name="Picture 2">
+            <a:extLst>
+              <a:ext uri="{FF2B5EF4-FFF2-40B4-BE49-F238E27FC236}">
+                <a16:creationId xmlns:a16="http://schemas.microsoft.com/office/drawing/2014/main" id="{F57E8191-61DB-4EA0-9C1C-F149C364155D}"/>
+              </a:ext>
+            </a:extLst>
+          </p:cNvPr>
+          <p:cNvPicPr>
+            <a:picLocks noChangeAspect="1" noChangeArrowheads="1"/>
+          </p:cNvPicPr>
+          <p:nvPr/>
+        </p:nvPicPr>
+        <p:blipFill>
+          <a:blip r:embed="rId4">
+            <a:extLst>
+              <a:ext uri="{28A0092B-C50C-407E-A947-70E740481C1C}">
+                <a14:useLocalDpi xmlns:a14="http://schemas.microsoft.com/office/drawing/2010/main" val="0"/>
+              </a:ext>
+            </a:extLst>
+          </a:blip>
+          <a:srcRect/>
+          <a:stretch>
+            <a:fillRect/>
+          </a:stretch>
+        </p:blipFill>
+        <p:spPr bwMode="auto">
+          <a:xfrm>
+            <a:off x="7368618" y="5041057"/>
+            <a:ext cx="810000" cy="810000"/>
+          </a:xfrm>
+          <a:prstGeom prst="rect">
+            <a:avLst/>
+          </a:prstGeom>
+          <a:noFill/>
+          <a:extLst>
+            <a:ext uri="{909E8E84-426E-40DD-AFC4-6F175D3DCCD1}">
+              <a14:hiddenFill xmlns:a14="http://schemas.microsoft.com/office/drawing/2010/main">
+                <a:solidFill>
+                  <a:srgbClr val="FFFFFF"/>
+                </a:solidFill>
+              </a14:hiddenFill>
+            </a:ext>
+          </a:extLst>
+        </p:spPr>
+      </p:pic>
+      <p:cxnSp>
+        <p:nvCxnSpPr>
+          <p:cNvPr id="4" name="Straight Connector 3">
+            <a:extLst>
+              <a:ext uri="{FF2B5EF4-FFF2-40B4-BE49-F238E27FC236}">
+                <a16:creationId xmlns:a16="http://schemas.microsoft.com/office/drawing/2014/main" id="{3305130D-A90B-4CF0-8C61-F044EE9BFE47}"/>
+              </a:ext>
+            </a:extLst>
+          </p:cNvPr>
+          <p:cNvCxnSpPr>
+            <a:stCxn id="6" idx="3"/>
+            <a:endCxn id="11" idx="1"/>
+          </p:cNvCxnSpPr>
+          <p:nvPr/>
+        </p:nvCxnSpPr>
+        <p:spPr>
+          <a:xfrm>
+            <a:off x="8178243" y="3456105"/>
+            <a:ext cx="3128775" cy="187"/>
+          </a:xfrm>
+          <a:prstGeom prst="line">
+            <a:avLst/>
+          </a:prstGeom>
+        </p:spPr>
+        <p:style>
+          <a:lnRef idx="2">
+            <a:schemeClr val="accent1"/>
+          </a:lnRef>
+          <a:fillRef idx="0">
+            <a:schemeClr val="accent1"/>
+          </a:fillRef>
+          <a:effectRef idx="1">
+            <a:schemeClr val="accent1"/>
+          </a:effectRef>
+          <a:fontRef idx="minor">
+            <a:schemeClr val="tx1"/>
+          </a:fontRef>
+        </p:style>
+      </p:cxnSp>
+      <p:cxnSp>
+        <p:nvCxnSpPr>
+          <p:cNvPr id="17" name="Straight Connector 16">
+            <a:extLst>
+              <a:ext uri="{FF2B5EF4-FFF2-40B4-BE49-F238E27FC236}">
+                <a16:creationId xmlns:a16="http://schemas.microsoft.com/office/drawing/2014/main" id="{AAC1447B-07A7-40E7-8652-6EC297A4352B}"/>
+              </a:ext>
+            </a:extLst>
+          </p:cNvPr>
+          <p:cNvCxnSpPr>
+            <a:stCxn id="6" idx="2"/>
+            <a:endCxn id="1026" idx="0"/>
+          </p:cNvCxnSpPr>
+          <p:nvPr/>
+        </p:nvCxnSpPr>
+        <p:spPr>
+          <a:xfrm>
+            <a:off x="7773431" y="3860917"/>
+            <a:ext cx="187" cy="1180140"/>
+          </a:xfrm>
+          <a:prstGeom prst="line">
+            <a:avLst/>
+          </a:prstGeom>
+          <a:ln w="12700"/>
+        </p:spPr>
+        <p:style>
+          <a:lnRef idx="1">
+            <a:schemeClr val="accent1"/>
+          </a:lnRef>
+          <a:fillRef idx="0">
+            <a:schemeClr val="accent1"/>
+          </a:fillRef>
+          <a:effectRef idx="0">
+            <a:schemeClr val="accent1"/>
+          </a:effectRef>
+          <a:fontRef idx="minor">
+            <a:schemeClr val="tx1"/>
+          </a:fontRef>
+        </p:style>
+      </p:cxnSp>
+      <p:sp>
+        <p:nvSpPr>
+          <p:cNvPr id="20" name="Heptagon 19">
+            <a:extLst>
+              <a:ext uri="{FF2B5EF4-FFF2-40B4-BE49-F238E27FC236}">
+                <a16:creationId xmlns:a16="http://schemas.microsoft.com/office/drawing/2014/main" id="{81B034CB-CC36-4166-926A-86A06D7A20E6}"/>
+              </a:ext>
+            </a:extLst>
+          </p:cNvPr>
+          <p:cNvSpPr/>
+          <p:nvPr/>
+        </p:nvSpPr>
+        <p:spPr>
+          <a:xfrm>
+            <a:off x="7612671" y="5858706"/>
+            <a:ext cx="307435" cy="344102"/>
+          </a:xfrm>
+          <a:prstGeom prst="heptagon">
+            <a:avLst/>
+          </a:prstGeom>
+        </p:spPr>
+        <p:style>
+          <a:lnRef idx="2">
+            <a:schemeClr val="accent1">
+              <a:shade val="50000"/>
+            </a:schemeClr>
+          </a:lnRef>
+          <a:fillRef idx="1">
+            <a:schemeClr val="accent1"/>
+          </a:fillRef>
+          <a:effectRef idx="0">
+            <a:schemeClr val="accent1"/>
+          </a:effectRef>
+          <a:fontRef idx="minor">
+            <a:schemeClr val="lt1"/>
+          </a:fontRef>
+        </p:style>
+        <p:txBody>
+          <a:bodyPr rtlCol="0" anchor="ctr"/>
+          <a:lstStyle/>
+          <a:p>
+            <a:pPr algn="ctr"/>
+            <a:r>
+              <a:rPr lang="en-US" dirty="0"/>
+              <a:t>4</a:t>
+            </a:r>
+          </a:p>
+        </p:txBody>
+      </p:sp>
+      <p:sp>
+        <p:nvSpPr>
+          <p:cNvPr id="21" name="TextBox 20">
+            <a:extLst>
+              <a:ext uri="{FF2B5EF4-FFF2-40B4-BE49-F238E27FC236}">
+                <a16:creationId xmlns:a16="http://schemas.microsoft.com/office/drawing/2014/main" id="{BE85FB5F-7B2C-4F7C-80F9-0633CA2F185C}"/>
+              </a:ext>
+            </a:extLst>
+          </p:cNvPr>
+          <p:cNvSpPr txBox="1"/>
+          <p:nvPr/>
+        </p:nvSpPr>
+        <p:spPr>
+          <a:xfrm>
+            <a:off x="8141555" y="5269474"/>
+            <a:ext cx="847733" cy="276999"/>
+          </a:xfrm>
+          <a:prstGeom prst="rect">
+            <a:avLst/>
+          </a:prstGeom>
+          <a:noFill/>
+        </p:spPr>
+        <p:txBody>
+          <a:bodyPr wrap="none" rtlCol="0">
+            <a:spAutoFit/>
+          </a:bodyPr>
+          <a:lstStyle/>
+          <a:p>
+            <a:r>
+              <a:rPr lang="en-US" sz="1200" dirty="0">
+                <a:solidFill>
+                  <a:srgbClr val="002060"/>
+                </a:solidFill>
+                <a:latin typeface="Verdana" panose="020B0604030504040204" pitchFamily="34" charset="0"/>
+                <a:ea typeface="Verdana" panose="020B0604030504040204" pitchFamily="34" charset="0"/>
+              </a:rPr>
+              <a:t>Postman</a:t>
+            </a:r>
+          </a:p>
+        </p:txBody>
+      </p:sp>
+      <p:pic>
+        <p:nvPicPr>
+          <p:cNvPr id="2050" name="Picture 2">
+            <a:extLst>
+              <a:ext uri="{FF2B5EF4-FFF2-40B4-BE49-F238E27FC236}">
+                <a16:creationId xmlns:a16="http://schemas.microsoft.com/office/drawing/2014/main" id="{E5FC223A-D3AB-4E6B-8768-C5EBCFD1EE4D}"/>
+              </a:ext>
+            </a:extLst>
+          </p:cNvPr>
+          <p:cNvPicPr>
+            <a:picLocks noChangeAspect="1" noChangeArrowheads="1"/>
+          </p:cNvPicPr>
+          <p:nvPr/>
+        </p:nvPicPr>
+        <p:blipFill>
+          <a:blip r:embed="rId5">
+            <a:extLst>
+              <a:ext uri="{28A0092B-C50C-407E-A947-70E740481C1C}">
+                <a14:useLocalDpi xmlns:a14="http://schemas.microsoft.com/office/drawing/2010/main" val="0"/>
+              </a:ext>
+            </a:extLst>
+          </a:blip>
+          <a:srcRect/>
+          <a:stretch>
+            <a:fillRect/>
+          </a:stretch>
+        </p:blipFill>
+        <p:spPr bwMode="auto">
+          <a:xfrm>
+            <a:off x="3391174" y="770006"/>
+            <a:ext cx="857250" cy="809625"/>
+          </a:xfrm>
+          <a:prstGeom prst="rect">
+            <a:avLst/>
+          </a:prstGeom>
+          <a:noFill/>
+          <a:extLst>
+            <a:ext uri="{909E8E84-426E-40DD-AFC4-6F175D3DCCD1}">
+              <a14:hiddenFill xmlns:a14="http://schemas.microsoft.com/office/drawing/2010/main">
+                <a:solidFill>
+                  <a:srgbClr val="FFFFFF"/>
+                </a:solidFill>
+              </a14:hiddenFill>
+            </a:ext>
+          </a:extLst>
+        </p:spPr>
+      </p:pic>
+      <p:cxnSp>
+        <p:nvCxnSpPr>
+          <p:cNvPr id="18" name="Straight Connector 17">
+            <a:extLst>
+              <a:ext uri="{FF2B5EF4-FFF2-40B4-BE49-F238E27FC236}">
+                <a16:creationId xmlns:a16="http://schemas.microsoft.com/office/drawing/2014/main" id="{E47FE56F-918E-499D-98A8-601D634441D4}"/>
+              </a:ext>
+            </a:extLst>
+          </p:cNvPr>
+          <p:cNvCxnSpPr/>
+          <p:nvPr/>
+        </p:nvCxnSpPr>
+        <p:spPr>
+          <a:xfrm>
+            <a:off x="4267692" y="3457673"/>
+            <a:ext cx="3128775" cy="187"/>
+          </a:xfrm>
+          <a:prstGeom prst="line">
+            <a:avLst/>
+          </a:prstGeom>
+        </p:spPr>
+        <p:style>
+          <a:lnRef idx="2">
+            <a:schemeClr val="accent1"/>
+          </a:lnRef>
+          <a:fillRef idx="0">
+            <a:schemeClr val="accent1"/>
+          </a:fillRef>
+          <a:effectRef idx="1">
+            <a:schemeClr val="accent1"/>
+          </a:effectRef>
+          <a:fontRef idx="minor">
+            <a:schemeClr val="tx1"/>
+          </a:fontRef>
+        </p:style>
+      </p:cxnSp>
+      <p:pic>
+        <p:nvPicPr>
+          <p:cNvPr id="19" name="Picture 2">
+            <a:extLst>
+              <a:ext uri="{FF2B5EF4-FFF2-40B4-BE49-F238E27FC236}">
+                <a16:creationId xmlns:a16="http://schemas.microsoft.com/office/drawing/2014/main" id="{81596101-A8EB-49A3-935D-208ECEA59F5F}"/>
+              </a:ext>
+            </a:extLst>
+          </p:cNvPr>
+          <p:cNvPicPr>
+            <a:picLocks noChangeAspect="1" noChangeArrowheads="1"/>
+          </p:cNvPicPr>
+          <p:nvPr/>
+        </p:nvPicPr>
+        <p:blipFill>
+          <a:blip r:embed="rId5">
+            <a:extLst>
+              <a:ext uri="{28A0092B-C50C-407E-A947-70E740481C1C}">
+                <a14:useLocalDpi xmlns:a14="http://schemas.microsoft.com/office/drawing/2010/main" val="0"/>
+              </a:ext>
+            </a:extLst>
+          </a:blip>
+          <a:srcRect/>
+          <a:stretch>
+            <a:fillRect/>
+          </a:stretch>
+        </p:blipFill>
+        <p:spPr bwMode="auto">
+          <a:xfrm>
+            <a:off x="1185301" y="770006"/>
+            <a:ext cx="857250" cy="809625"/>
+          </a:xfrm>
+          <a:prstGeom prst="rect">
+            <a:avLst/>
+          </a:prstGeom>
+          <a:noFill/>
+          <a:extLst>
+            <a:ext uri="{909E8E84-426E-40DD-AFC4-6F175D3DCCD1}">
+              <a14:hiddenFill xmlns:a14="http://schemas.microsoft.com/office/drawing/2010/main">
+                <a:solidFill>
+                  <a:srgbClr val="FFFFFF"/>
+                </a:solidFill>
+              </a14:hiddenFill>
+            </a:ext>
+          </a:extLst>
+        </p:spPr>
+      </p:pic>
+      <p:sp>
+        <p:nvSpPr>
+          <p:cNvPr id="22" name="Heptagon 21">
+            <a:extLst>
+              <a:ext uri="{FF2B5EF4-FFF2-40B4-BE49-F238E27FC236}">
+                <a16:creationId xmlns:a16="http://schemas.microsoft.com/office/drawing/2014/main" id="{9DC9C82A-36F2-4DA5-AAE7-F9FC02DA4D7C}"/>
+              </a:ext>
+            </a:extLst>
+          </p:cNvPr>
+          <p:cNvSpPr/>
+          <p:nvPr/>
+        </p:nvSpPr>
+        <p:spPr>
+          <a:xfrm>
+            <a:off x="3237456" y="425904"/>
+            <a:ext cx="307435" cy="344102"/>
+          </a:xfrm>
+          <a:prstGeom prst="heptagon">
+            <a:avLst/>
+          </a:prstGeom>
+        </p:spPr>
+        <p:style>
+          <a:lnRef idx="2">
+            <a:schemeClr val="accent1">
+              <a:shade val="50000"/>
+            </a:schemeClr>
+          </a:lnRef>
+          <a:fillRef idx="1">
+            <a:schemeClr val="accent1"/>
+          </a:fillRef>
+          <a:effectRef idx="0">
+            <a:schemeClr val="accent1"/>
+          </a:effectRef>
+          <a:fontRef idx="minor">
+            <a:schemeClr val="lt1"/>
+          </a:fontRef>
+        </p:style>
+        <p:txBody>
+          <a:bodyPr rtlCol="0" anchor="ctr"/>
+          <a:lstStyle/>
+          <a:p>
+            <a:pPr algn="ctr"/>
+            <a:r>
+              <a:rPr lang="en-US" dirty="0"/>
+              <a:t>5</a:t>
+            </a:r>
+          </a:p>
+        </p:txBody>
+      </p:sp>
+      <p:sp>
+        <p:nvSpPr>
+          <p:cNvPr id="23" name="Heptagon 22">
+            <a:extLst>
+              <a:ext uri="{FF2B5EF4-FFF2-40B4-BE49-F238E27FC236}">
+                <a16:creationId xmlns:a16="http://schemas.microsoft.com/office/drawing/2014/main" id="{D027EBA1-67A9-4BF1-ACE6-4F4DB7E49E26}"/>
+              </a:ext>
+            </a:extLst>
+          </p:cNvPr>
+          <p:cNvSpPr/>
+          <p:nvPr/>
+        </p:nvSpPr>
+        <p:spPr>
+          <a:xfrm>
+            <a:off x="954725" y="461674"/>
+            <a:ext cx="307435" cy="344102"/>
+          </a:xfrm>
+          <a:prstGeom prst="heptagon">
+            <a:avLst/>
+          </a:prstGeom>
+        </p:spPr>
+        <p:style>
+          <a:lnRef idx="2">
+            <a:schemeClr val="accent1">
+              <a:shade val="50000"/>
+            </a:schemeClr>
+          </a:lnRef>
+          <a:fillRef idx="1">
+            <a:schemeClr val="accent1"/>
+          </a:fillRef>
+          <a:effectRef idx="0">
+            <a:schemeClr val="accent1"/>
+          </a:effectRef>
+          <a:fontRef idx="minor">
+            <a:schemeClr val="lt1"/>
+          </a:fontRef>
+        </p:style>
+        <p:txBody>
+          <a:bodyPr rtlCol="0" anchor="ctr"/>
+          <a:lstStyle/>
+          <a:p>
+            <a:pPr algn="ctr"/>
+            <a:r>
+              <a:rPr lang="en-US" dirty="0"/>
+              <a:t>6</a:t>
+            </a:r>
+          </a:p>
+        </p:txBody>
+      </p:sp>
+      <p:sp>
+        <p:nvSpPr>
+          <p:cNvPr id="24" name="TextBox 23">
+            <a:extLst>
+              <a:ext uri="{FF2B5EF4-FFF2-40B4-BE49-F238E27FC236}">
+                <a16:creationId xmlns:a16="http://schemas.microsoft.com/office/drawing/2014/main" id="{444ADC56-8CEB-448D-9DB4-A40A04DCB75F}"/>
+              </a:ext>
+            </a:extLst>
+          </p:cNvPr>
+          <p:cNvSpPr txBox="1"/>
+          <p:nvPr/>
+        </p:nvSpPr>
+        <p:spPr>
+          <a:xfrm>
+            <a:off x="3544890" y="466491"/>
+            <a:ext cx="1206219" cy="276999"/>
+          </a:xfrm>
+          <a:prstGeom prst="rect">
+            <a:avLst/>
+          </a:prstGeom>
+          <a:noFill/>
+        </p:spPr>
+        <p:txBody>
+          <a:bodyPr wrap="square" rtlCol="0">
+            <a:spAutoFit/>
+          </a:bodyPr>
+          <a:lstStyle/>
+          <a:p>
+            <a:r>
+              <a:rPr lang="en-US" sz="1200" dirty="0">
+                <a:solidFill>
+                  <a:srgbClr val="002060"/>
+                </a:solidFill>
+                <a:latin typeface="Verdana" panose="020B0604030504040204" pitchFamily="34" charset="0"/>
+                <a:ea typeface="Verdana" panose="020B0604030504040204" pitchFamily="34" charset="0"/>
+              </a:rPr>
+              <a:t>Windows VM</a:t>
+            </a:r>
+          </a:p>
+        </p:txBody>
+      </p:sp>
+      <p:sp>
+        <p:nvSpPr>
+          <p:cNvPr id="25" name="TextBox 24">
+            <a:extLst>
+              <a:ext uri="{FF2B5EF4-FFF2-40B4-BE49-F238E27FC236}">
+                <a16:creationId xmlns:a16="http://schemas.microsoft.com/office/drawing/2014/main" id="{94D56564-9C91-49CE-B97F-D9A8EDAD6D68}"/>
+              </a:ext>
+            </a:extLst>
+          </p:cNvPr>
+          <p:cNvSpPr txBox="1"/>
+          <p:nvPr/>
+        </p:nvSpPr>
+        <p:spPr>
+          <a:xfrm>
+            <a:off x="1308850" y="465186"/>
+            <a:ext cx="1206219" cy="276999"/>
+          </a:xfrm>
+          <a:prstGeom prst="rect">
+            <a:avLst/>
+          </a:prstGeom>
+          <a:noFill/>
+        </p:spPr>
+        <p:txBody>
+          <a:bodyPr wrap="square" rtlCol="0">
+            <a:spAutoFit/>
+          </a:bodyPr>
+          <a:lstStyle/>
+          <a:p>
+            <a:r>
+              <a:rPr lang="en-US" sz="1200" dirty="0">
+                <a:solidFill>
+                  <a:srgbClr val="002060"/>
+                </a:solidFill>
+                <a:latin typeface="Verdana" panose="020B0604030504040204" pitchFamily="34" charset="0"/>
+                <a:ea typeface="Verdana" panose="020B0604030504040204" pitchFamily="34" charset="0"/>
+              </a:rPr>
+              <a:t>Ubuntu VM</a:t>
+            </a:r>
+          </a:p>
+        </p:txBody>
+      </p:sp>
+      <p:pic>
+        <p:nvPicPr>
+          <p:cNvPr id="2" name="Picture 2">
+            <a:extLst>
+              <a:ext uri="{FF2B5EF4-FFF2-40B4-BE49-F238E27FC236}">
+                <a16:creationId xmlns:a16="http://schemas.microsoft.com/office/drawing/2014/main" id="{7BACA7D4-C34A-4935-A82E-FCDE642A4BF8}"/>
+              </a:ext>
+            </a:extLst>
+          </p:cNvPr>
+          <p:cNvPicPr>
+            <a:picLocks noChangeAspect="1" noChangeArrowheads="1"/>
+          </p:cNvPicPr>
+          <p:nvPr/>
+        </p:nvPicPr>
+        <p:blipFill>
+          <a:blip r:embed="rId6">
+            <a:extLst>
+              <a:ext uri="{28A0092B-C50C-407E-A947-70E740481C1C}">
+                <a14:useLocalDpi xmlns:a14="http://schemas.microsoft.com/office/drawing/2010/main" val="0"/>
+              </a:ext>
+            </a:extLst>
+          </a:blip>
+          <a:srcRect/>
+          <a:stretch>
+            <a:fillRect/>
+          </a:stretch>
+        </p:blipFill>
+        <p:spPr bwMode="auto">
+          <a:xfrm>
+            <a:off x="3771283" y="805639"/>
+            <a:ext cx="618960" cy="603282"/>
+          </a:xfrm>
+          <a:prstGeom prst="rect">
+            <a:avLst/>
+          </a:prstGeom>
+          <a:noFill/>
+          <a:extLst>
+            <a:ext uri="{909E8E84-426E-40DD-AFC4-6F175D3DCCD1}">
+              <a14:hiddenFill xmlns:a14="http://schemas.microsoft.com/office/drawing/2010/main">
+                <a:solidFill>
+                  <a:srgbClr val="FFFFFF"/>
+                </a:solidFill>
+              </a14:hiddenFill>
+            </a:ext>
+          </a:extLst>
+        </p:spPr>
+      </p:pic>
+      <p:sp>
+        <p:nvSpPr>
+          <p:cNvPr id="26" name="TextBox 25">
+            <a:extLst>
+              <a:ext uri="{FF2B5EF4-FFF2-40B4-BE49-F238E27FC236}">
+                <a16:creationId xmlns:a16="http://schemas.microsoft.com/office/drawing/2014/main" id="{88EB1ECD-7D00-48B1-8A56-5CF8EC037158}"/>
+              </a:ext>
+            </a:extLst>
+          </p:cNvPr>
+          <p:cNvSpPr txBox="1"/>
+          <p:nvPr/>
+        </p:nvSpPr>
+        <p:spPr>
+          <a:xfrm>
+            <a:off x="4148000" y="927151"/>
+            <a:ext cx="1753180" cy="276999"/>
+          </a:xfrm>
+          <a:prstGeom prst="rect">
+            <a:avLst/>
+          </a:prstGeom>
+          <a:noFill/>
+        </p:spPr>
+        <p:txBody>
+          <a:bodyPr wrap="square" rtlCol="0">
+            <a:spAutoFit/>
+          </a:bodyPr>
+          <a:lstStyle/>
+          <a:p>
+            <a:r>
+              <a:rPr lang="en-US" sz="1200" dirty="0">
+                <a:solidFill>
+                  <a:srgbClr val="0070C0"/>
+                </a:solidFill>
+                <a:latin typeface="Verdana" panose="020B0604030504040204" pitchFamily="34" charset="0"/>
+                <a:ea typeface="Verdana" panose="020B0604030504040204" pitchFamily="34" charset="0"/>
+              </a:rPr>
+              <a:t>Razor App inside IIS</a:t>
+            </a:r>
+          </a:p>
+        </p:txBody>
+      </p:sp>
+      <p:pic>
+        <p:nvPicPr>
+          <p:cNvPr id="28" name="Picture 12">
+            <a:extLst>
+              <a:ext uri="{FF2B5EF4-FFF2-40B4-BE49-F238E27FC236}">
+                <a16:creationId xmlns:a16="http://schemas.microsoft.com/office/drawing/2014/main" id="{BE573FE1-020D-4965-9EAD-D732491D43B6}"/>
+              </a:ext>
+            </a:extLst>
+          </p:cNvPr>
+          <p:cNvPicPr>
+            <a:picLocks noChangeAspect="1" noChangeArrowheads="1"/>
+          </p:cNvPicPr>
+          <p:nvPr/>
+        </p:nvPicPr>
+        <p:blipFill>
+          <a:blip r:embed="rId2">
+            <a:extLst>
+              <a:ext uri="{28A0092B-C50C-407E-A947-70E740481C1C}">
+                <a14:useLocalDpi xmlns:a14="http://schemas.microsoft.com/office/drawing/2010/main" val="0"/>
+              </a:ext>
+            </a:extLst>
+          </a:blip>
+          <a:srcRect/>
+          <a:stretch>
+            <a:fillRect/>
+          </a:stretch>
+        </p:blipFill>
+        <p:spPr bwMode="auto">
+          <a:xfrm>
+            <a:off x="3529020" y="3071415"/>
+            <a:ext cx="809625" cy="809625"/>
+          </a:xfrm>
+          <a:prstGeom prst="rect">
+            <a:avLst/>
+          </a:prstGeom>
+          <a:noFill/>
+          <a:extLst>
+            <a:ext uri="{909E8E84-426E-40DD-AFC4-6F175D3DCCD1}">
+              <a14:hiddenFill xmlns:a14="http://schemas.microsoft.com/office/drawing/2010/main">
+                <a:solidFill>
+                  <a:srgbClr val="FFFFFF"/>
+                </a:solidFill>
+              </a14:hiddenFill>
+            </a:ext>
+          </a:extLst>
+        </p:spPr>
+      </p:pic>
+      <p:sp>
+        <p:nvSpPr>
+          <p:cNvPr id="29" name="Heptagon 28">
+            <a:extLst>
+              <a:ext uri="{FF2B5EF4-FFF2-40B4-BE49-F238E27FC236}">
+                <a16:creationId xmlns:a16="http://schemas.microsoft.com/office/drawing/2014/main" id="{8678203A-7D22-423F-A8A1-A0D964021E91}"/>
+              </a:ext>
+            </a:extLst>
+          </p:cNvPr>
+          <p:cNvSpPr/>
+          <p:nvPr/>
+        </p:nvSpPr>
+        <p:spPr>
+          <a:xfrm>
+            <a:off x="3511340" y="2700797"/>
+            <a:ext cx="307435" cy="344102"/>
+          </a:xfrm>
+          <a:prstGeom prst="heptagon">
+            <a:avLst/>
+          </a:prstGeom>
+        </p:spPr>
+        <p:style>
+          <a:lnRef idx="2">
+            <a:schemeClr val="accent1">
+              <a:shade val="50000"/>
+            </a:schemeClr>
+          </a:lnRef>
+          <a:fillRef idx="1">
+            <a:schemeClr val="accent1"/>
+          </a:fillRef>
+          <a:effectRef idx="0">
+            <a:schemeClr val="accent1"/>
+          </a:effectRef>
+          <a:fontRef idx="minor">
+            <a:schemeClr val="lt1"/>
+          </a:fontRef>
+        </p:style>
+        <p:txBody>
+          <a:bodyPr rtlCol="0" anchor="ctr"/>
+          <a:lstStyle/>
+          <a:p>
+            <a:pPr algn="ctr"/>
+            <a:r>
+              <a:rPr lang="en-US" dirty="0"/>
+              <a:t>1</a:t>
+            </a:r>
+          </a:p>
+        </p:txBody>
+      </p:sp>
+      <p:sp>
+        <p:nvSpPr>
+          <p:cNvPr id="30" name="TextBox 29">
+            <a:extLst>
+              <a:ext uri="{FF2B5EF4-FFF2-40B4-BE49-F238E27FC236}">
+                <a16:creationId xmlns:a16="http://schemas.microsoft.com/office/drawing/2014/main" id="{2BC9F718-89F5-4ABC-8898-7B19A551B64A}"/>
+              </a:ext>
+            </a:extLst>
+          </p:cNvPr>
+          <p:cNvSpPr txBox="1"/>
+          <p:nvPr/>
+        </p:nvSpPr>
+        <p:spPr>
+          <a:xfrm>
+            <a:off x="3925476" y="2728022"/>
+            <a:ext cx="998991" cy="276999"/>
+          </a:xfrm>
+          <a:prstGeom prst="rect">
+            <a:avLst/>
+          </a:prstGeom>
+          <a:noFill/>
+        </p:spPr>
+        <p:txBody>
+          <a:bodyPr wrap="none" rtlCol="0">
+            <a:spAutoFit/>
+          </a:bodyPr>
+          <a:lstStyle/>
+          <a:p>
+            <a:r>
+              <a:rPr lang="en-US" sz="1200" dirty="0">
+                <a:solidFill>
+                  <a:srgbClr val="002060"/>
+                </a:solidFill>
+                <a:latin typeface="Verdana" panose="020B0604030504040204" pitchFamily="34" charset="0"/>
+                <a:ea typeface="Verdana" panose="020B0604030504040204" pitchFamily="34" charset="0"/>
+              </a:rPr>
+              <a:t>Ng 12 App</a:t>
+            </a:r>
+          </a:p>
+        </p:txBody>
+      </p:sp>
+    </p:spTree>
+    <p:extLst>
+      <p:ext uri="{BB962C8B-B14F-4D97-AF65-F5344CB8AC3E}">
+        <p14:creationId xmlns:p14="http://schemas.microsoft.com/office/powerpoint/2010/main" val="1281688862"/>
+      </p:ext>
+    </p:extLst>
+  </p:cSld>
+  <p:clrMapOvr>
+    <a:masterClrMapping/>
+  </p:clrMapOvr>
+</p:sld>
+</file>
+
+<file path=ppt/slides/slide7.xml><?xml version="1.0" encoding="utf-8"?>
+<p:sld xmlns:a="http://schemas.openxmlformats.org/drawingml/2006/main" xmlns:r="http://schemas.openxmlformats.org/officeDocument/2006/relationships" xmlns:p="http://schemas.openxmlformats.org/presentationml/2006/main">
+  <p:cSld>
+    <p:spTree>
+      <p:nvGrpSpPr>
+        <p:cNvPr id="1" name=""/>
+        <p:cNvGrpSpPr/>
+        <p:nvPr/>
+      </p:nvGrpSpPr>
+      <p:grpSpPr>
+        <a:xfrm>
+          <a:off x="0" y="0"/>
+          <a:ext cx="0" cy="0"/>
+          <a:chOff x="0" y="0"/>
+          <a:chExt cx="0" cy="0"/>
+        </a:xfrm>
+      </p:grpSpPr>
       <p:pic>
         <p:nvPicPr>
           <p:cNvPr id="1026" name="Picture 2">
@@ -9162,7 +10484,7 @@
 </p:sld>
 </file>
 
-<file path=ppt/slides/slide7.xml><?xml version="1.0" encoding="utf-8"?>
+<file path=ppt/slides/slide8.xml><?xml version="1.0" encoding="utf-8"?>
 <p:sld xmlns:a="http://schemas.openxmlformats.org/drawingml/2006/main" xmlns:r="http://schemas.openxmlformats.org/officeDocument/2006/relationships" xmlns:p="http://schemas.openxmlformats.org/presentationml/2006/main">
   <p:cSld>
     <p:spTree>

--- a/MicrosoftReactor/Demos.pptx
+++ b/MicrosoftReactor/Demos.pptx
@@ -268,7 +268,7 @@
           <a:p>
             <a:fld id="{3F64E90C-326F-45C8-9212-4C9C4B7EF630}" type="datetimeFigureOut">
               <a:rPr lang="en-IN" smtClean="0"/>
-              <a:t>03-11-2021</a:t>
+              <a:t>16-11-2021</a:t>
             </a:fld>
             <a:endParaRPr lang="en-IN"/>
           </a:p>
@@ -468,7 +468,7 @@
           <a:p>
             <a:fld id="{3F64E90C-326F-45C8-9212-4C9C4B7EF630}" type="datetimeFigureOut">
               <a:rPr lang="en-IN" smtClean="0"/>
-              <a:t>03-11-2021</a:t>
+              <a:t>16-11-2021</a:t>
             </a:fld>
             <a:endParaRPr lang="en-IN"/>
           </a:p>
@@ -678,7 +678,7 @@
           <a:p>
             <a:fld id="{3F64E90C-326F-45C8-9212-4C9C4B7EF630}" type="datetimeFigureOut">
               <a:rPr lang="en-IN" smtClean="0"/>
-              <a:t>03-11-2021</a:t>
+              <a:t>16-11-2021</a:t>
             </a:fld>
             <a:endParaRPr lang="en-IN"/>
           </a:p>
@@ -878,7 +878,7 @@
           <a:p>
             <a:fld id="{3F64E90C-326F-45C8-9212-4C9C4B7EF630}" type="datetimeFigureOut">
               <a:rPr lang="en-IN" smtClean="0"/>
-              <a:t>03-11-2021</a:t>
+              <a:t>16-11-2021</a:t>
             </a:fld>
             <a:endParaRPr lang="en-IN"/>
           </a:p>
@@ -1154,7 +1154,7 @@
           <a:p>
             <a:fld id="{3F64E90C-326F-45C8-9212-4C9C4B7EF630}" type="datetimeFigureOut">
               <a:rPr lang="en-IN" smtClean="0"/>
-              <a:t>03-11-2021</a:t>
+              <a:t>16-11-2021</a:t>
             </a:fld>
             <a:endParaRPr lang="en-IN"/>
           </a:p>
@@ -1422,7 +1422,7 @@
           <a:p>
             <a:fld id="{3F64E90C-326F-45C8-9212-4C9C4B7EF630}" type="datetimeFigureOut">
               <a:rPr lang="en-IN" smtClean="0"/>
-              <a:t>03-11-2021</a:t>
+              <a:t>16-11-2021</a:t>
             </a:fld>
             <a:endParaRPr lang="en-IN"/>
           </a:p>
@@ -1837,7 +1837,7 @@
           <a:p>
             <a:fld id="{3F64E90C-326F-45C8-9212-4C9C4B7EF630}" type="datetimeFigureOut">
               <a:rPr lang="en-IN" smtClean="0"/>
-              <a:t>03-11-2021</a:t>
+              <a:t>16-11-2021</a:t>
             </a:fld>
             <a:endParaRPr lang="en-IN"/>
           </a:p>
@@ -1979,7 +1979,7 @@
           <a:p>
             <a:fld id="{3F64E90C-326F-45C8-9212-4C9C4B7EF630}" type="datetimeFigureOut">
               <a:rPr lang="en-IN" smtClean="0"/>
-              <a:t>03-11-2021</a:t>
+              <a:t>16-11-2021</a:t>
             </a:fld>
             <a:endParaRPr lang="en-IN"/>
           </a:p>
@@ -2092,7 +2092,7 @@
           <a:p>
             <a:fld id="{3F64E90C-326F-45C8-9212-4C9C4B7EF630}" type="datetimeFigureOut">
               <a:rPr lang="en-IN" smtClean="0"/>
-              <a:t>03-11-2021</a:t>
+              <a:t>16-11-2021</a:t>
             </a:fld>
             <a:endParaRPr lang="en-IN"/>
           </a:p>
@@ -2405,7 +2405,7 @@
           <a:p>
             <a:fld id="{3F64E90C-326F-45C8-9212-4C9C4B7EF630}" type="datetimeFigureOut">
               <a:rPr lang="en-IN" smtClean="0"/>
-              <a:t>03-11-2021</a:t>
+              <a:t>16-11-2021</a:t>
             </a:fld>
             <a:endParaRPr lang="en-IN"/>
           </a:p>
@@ -2694,7 +2694,7 @@
           <a:p>
             <a:fld id="{3F64E90C-326F-45C8-9212-4C9C4B7EF630}" type="datetimeFigureOut">
               <a:rPr lang="en-IN" smtClean="0"/>
-              <a:t>03-11-2021</a:t>
+              <a:t>16-11-2021</a:t>
             </a:fld>
             <a:endParaRPr lang="en-IN"/>
           </a:p>
@@ -2937,7 +2937,7 @@
           <a:p>
             <a:fld id="{3F64E90C-326F-45C8-9212-4C9C4B7EF630}" type="datetimeFigureOut">
               <a:rPr lang="en-IN" smtClean="0"/>
-              <a:t>03-11-2021</a:t>
+              <a:t>16-11-2021</a:t>
             </a:fld>
             <a:endParaRPr lang="en-IN"/>
           </a:p>
@@ -3499,7 +3499,7 @@
                 <a:latin typeface="Verdana" panose="020B0604030504040204" pitchFamily="34" charset="0"/>
                 <a:ea typeface="Verdana" panose="020B0604030504040204" pitchFamily="34" charset="0"/>
               </a:rPr>
-              <a:t>10-Nov-2021</a:t>
+              <a:t>16-Nov-2021</a:t>
             </a:r>
           </a:p>
         </p:txBody>

--- a/MicrosoftReactor/Demos.pptx
+++ b/MicrosoftReactor/Demos.pptx
@@ -3499,7 +3499,7 @@
                 <a:latin typeface="Verdana" panose="020B0604030504040204" pitchFamily="34" charset="0"/>
                 <a:ea typeface="Verdana" panose="020B0604030504040204" pitchFamily="34" charset="0"/>
               </a:rPr>
-              <a:t>16-Nov-2021</a:t>
+              <a:t>24-Nov-2021</a:t>
             </a:r>
           </a:p>
         </p:txBody>

--- a/MicrosoftReactor/Demos.pptx
+++ b/MicrosoftReactor/Demos.pptx
@@ -11,8 +11,9 @@
     <p:sldId id="330" r:id="rId5"/>
     <p:sldId id="331" r:id="rId6"/>
     <p:sldId id="333" r:id="rId7"/>
-    <p:sldId id="326" r:id="rId8"/>
-    <p:sldId id="332" r:id="rId9"/>
+    <p:sldId id="334" r:id="rId8"/>
+    <p:sldId id="326" r:id="rId9"/>
+    <p:sldId id="332" r:id="rId10"/>
   </p:sldIdLst>
   <p:sldSz cx="12192000" cy="6858000"/>
   <p:notesSz cx="6858000" cy="9144000"/>
@@ -8682,6 +8683,1327 @@
           <a:chExt cx="0" cy="0"/>
         </a:xfrm>
       </p:grpSpPr>
+      <p:sp>
+        <p:nvSpPr>
+          <p:cNvPr id="7" name="Rectangle 6">
+            <a:extLst>
+              <a:ext uri="{FF2B5EF4-FFF2-40B4-BE49-F238E27FC236}">
+                <a16:creationId xmlns:a16="http://schemas.microsoft.com/office/drawing/2014/main" id="{B10720DE-FD2A-4FE5-B9FB-74854D01A659}"/>
+              </a:ext>
+            </a:extLst>
+          </p:cNvPr>
+          <p:cNvSpPr/>
+          <p:nvPr/>
+        </p:nvSpPr>
+        <p:spPr>
+          <a:xfrm>
+            <a:off x="0" y="6432008"/>
+            <a:ext cx="12183122" cy="57703"/>
+          </a:xfrm>
+          <a:prstGeom prst="rect">
+            <a:avLst/>
+          </a:prstGeom>
+          <a:solidFill>
+            <a:srgbClr val="0070C0"/>
+          </a:solidFill>
+        </p:spPr>
+        <p:style>
+          <a:lnRef idx="2">
+            <a:schemeClr val="accent1">
+              <a:shade val="50000"/>
+            </a:schemeClr>
+          </a:lnRef>
+          <a:fillRef idx="1">
+            <a:schemeClr val="accent1"/>
+          </a:fillRef>
+          <a:effectRef idx="0">
+            <a:schemeClr val="accent1"/>
+          </a:effectRef>
+          <a:fontRef idx="minor">
+            <a:schemeClr val="lt1"/>
+          </a:fontRef>
+        </p:style>
+        <p:txBody>
+          <a:bodyPr rtlCol="0" anchor="ctr"/>
+          <a:lstStyle/>
+          <a:p>
+            <a:pPr algn="ctr"/>
+            <a:endParaRPr lang="en-IN" sz="1000" dirty="0">
+              <a:latin typeface="Verdana" panose="020B0604030504040204" pitchFamily="34" charset="0"/>
+              <a:ea typeface="Verdana" panose="020B0604030504040204" pitchFamily="34" charset="0"/>
+            </a:endParaRPr>
+          </a:p>
+        </p:txBody>
+      </p:sp>
+      <p:sp>
+        <p:nvSpPr>
+          <p:cNvPr id="8" name="Footer Placeholder 7">
+            <a:extLst>
+              <a:ext uri="{FF2B5EF4-FFF2-40B4-BE49-F238E27FC236}">
+                <a16:creationId xmlns:a16="http://schemas.microsoft.com/office/drawing/2014/main" id="{DD2A19CA-EC18-432D-8F8F-17079808F38B}"/>
+              </a:ext>
+            </a:extLst>
+          </p:cNvPr>
+          <p:cNvSpPr>
+            <a:spLocks noGrp="1"/>
+          </p:cNvSpPr>
+          <p:nvPr>
+            <p:ph type="ftr" sz="quarter" idx="11"/>
+          </p:nvPr>
+        </p:nvSpPr>
+        <p:spPr>
+          <a:xfrm>
+            <a:off x="4038600" y="6476336"/>
+            <a:ext cx="4114800" cy="365125"/>
+          </a:xfrm>
+        </p:spPr>
+        <p:txBody>
+          <a:bodyPr/>
+          <a:lstStyle/>
+          <a:p>
+            <a:r>
+              <a:rPr lang="en-IN" b="1" dirty="0">
+                <a:solidFill>
+                  <a:srgbClr val="002060"/>
+                </a:solidFill>
+                <a:latin typeface="Verdana" panose="020B0604030504040204" pitchFamily="34" charset="0"/>
+                <a:ea typeface="Verdana" panose="020B0604030504040204" pitchFamily="34" charset="0"/>
+              </a:rPr>
+              <a:t>24-Nov-2021</a:t>
+            </a:r>
+          </a:p>
+        </p:txBody>
+      </p:sp>
+      <p:sp>
+        <p:nvSpPr>
+          <p:cNvPr id="9" name="Slide Number Placeholder 8">
+            <a:extLst>
+              <a:ext uri="{FF2B5EF4-FFF2-40B4-BE49-F238E27FC236}">
+                <a16:creationId xmlns:a16="http://schemas.microsoft.com/office/drawing/2014/main" id="{8162625C-0B1F-42E0-BE7C-D99A08FED7A3}"/>
+              </a:ext>
+            </a:extLst>
+          </p:cNvPr>
+          <p:cNvSpPr>
+            <a:spLocks noGrp="1"/>
+          </p:cNvSpPr>
+          <p:nvPr>
+            <p:ph type="sldNum" sz="quarter" idx="12"/>
+          </p:nvPr>
+        </p:nvSpPr>
+        <p:spPr>
+          <a:xfrm>
+            <a:off x="8610600" y="6476336"/>
+            <a:ext cx="2743200" cy="365125"/>
+          </a:xfrm>
+        </p:spPr>
+        <p:txBody>
+          <a:bodyPr/>
+          <a:lstStyle/>
+          <a:p>
+            <a:r>
+              <a:rPr lang="en-IN" b="1" dirty="0">
+                <a:solidFill>
+                  <a:srgbClr val="002060"/>
+                </a:solidFill>
+                <a:latin typeface="Verdana" panose="020B0604030504040204" pitchFamily="34" charset="0"/>
+                <a:ea typeface="Verdana" panose="020B0604030504040204" pitchFamily="34" charset="0"/>
+              </a:rPr>
+              <a:t>1</a:t>
+            </a:r>
+          </a:p>
+        </p:txBody>
+      </p:sp>
+      <p:sp>
+        <p:nvSpPr>
+          <p:cNvPr id="12" name="Footer Placeholder 7">
+            <a:extLst>
+              <a:ext uri="{FF2B5EF4-FFF2-40B4-BE49-F238E27FC236}">
+                <a16:creationId xmlns:a16="http://schemas.microsoft.com/office/drawing/2014/main" id="{64C57949-E349-47D3-A505-A098233AF49D}"/>
+              </a:ext>
+            </a:extLst>
+          </p:cNvPr>
+          <p:cNvSpPr txBox="1">
+            <a:spLocks/>
+          </p:cNvSpPr>
+          <p:nvPr/>
+        </p:nvSpPr>
+        <p:spPr>
+          <a:xfrm>
+            <a:off x="133897" y="6477810"/>
+            <a:ext cx="4114800" cy="365125"/>
+          </a:xfrm>
+          <a:prstGeom prst="rect">
+            <a:avLst/>
+          </a:prstGeom>
+        </p:spPr>
+        <p:txBody>
+          <a:bodyPr vert="horz" lIns="91440" tIns="45720" rIns="91440" bIns="45720" rtlCol="0" anchor="ctr"/>
+          <a:lstStyle>
+            <a:defPPr>
+              <a:defRPr lang="en-US"/>
+            </a:defPPr>
+            <a:lvl1pPr marL="0" algn="ctr" defTabSz="914400" rtl="0" eaLnBrk="1" latinLnBrk="0" hangingPunct="1">
+              <a:defRPr sz="1200" kern="1200">
+                <a:solidFill>
+                  <a:schemeClr val="tx1">
+                    <a:tint val="75000"/>
+                  </a:schemeClr>
+                </a:solidFill>
+                <a:latin typeface="+mn-lt"/>
+                <a:ea typeface="+mn-ea"/>
+                <a:cs typeface="+mn-cs"/>
+              </a:defRPr>
+            </a:lvl1pPr>
+            <a:lvl2pPr marL="457200" algn="l" defTabSz="914400" rtl="0" eaLnBrk="1" latinLnBrk="0" hangingPunct="1">
+              <a:defRPr sz="1800" kern="1200">
+                <a:solidFill>
+                  <a:schemeClr val="tx1"/>
+                </a:solidFill>
+                <a:latin typeface="+mn-lt"/>
+                <a:ea typeface="+mn-ea"/>
+                <a:cs typeface="+mn-cs"/>
+              </a:defRPr>
+            </a:lvl2pPr>
+            <a:lvl3pPr marL="914400" algn="l" defTabSz="914400" rtl="0" eaLnBrk="1" latinLnBrk="0" hangingPunct="1">
+              <a:defRPr sz="1800" kern="1200">
+                <a:solidFill>
+                  <a:schemeClr val="tx1"/>
+                </a:solidFill>
+                <a:latin typeface="+mn-lt"/>
+                <a:ea typeface="+mn-ea"/>
+                <a:cs typeface="+mn-cs"/>
+              </a:defRPr>
+            </a:lvl3pPr>
+            <a:lvl4pPr marL="1371600" algn="l" defTabSz="914400" rtl="0" eaLnBrk="1" latinLnBrk="0" hangingPunct="1">
+              <a:defRPr sz="1800" kern="1200">
+                <a:solidFill>
+                  <a:schemeClr val="tx1"/>
+                </a:solidFill>
+                <a:latin typeface="+mn-lt"/>
+                <a:ea typeface="+mn-ea"/>
+                <a:cs typeface="+mn-cs"/>
+              </a:defRPr>
+            </a:lvl4pPr>
+            <a:lvl5pPr marL="1828800" algn="l" defTabSz="914400" rtl="0" eaLnBrk="1" latinLnBrk="0" hangingPunct="1">
+              <a:defRPr sz="1800" kern="1200">
+                <a:solidFill>
+                  <a:schemeClr val="tx1"/>
+                </a:solidFill>
+                <a:latin typeface="+mn-lt"/>
+                <a:ea typeface="+mn-ea"/>
+                <a:cs typeface="+mn-cs"/>
+              </a:defRPr>
+            </a:lvl5pPr>
+            <a:lvl6pPr marL="2286000" algn="l" defTabSz="914400" rtl="0" eaLnBrk="1" latinLnBrk="0" hangingPunct="1">
+              <a:defRPr sz="1800" kern="1200">
+                <a:solidFill>
+                  <a:schemeClr val="tx1"/>
+                </a:solidFill>
+                <a:latin typeface="+mn-lt"/>
+                <a:ea typeface="+mn-ea"/>
+                <a:cs typeface="+mn-cs"/>
+              </a:defRPr>
+            </a:lvl6pPr>
+            <a:lvl7pPr marL="2743200" algn="l" defTabSz="914400" rtl="0" eaLnBrk="1" latinLnBrk="0" hangingPunct="1">
+              <a:defRPr sz="1800" kern="1200">
+                <a:solidFill>
+                  <a:schemeClr val="tx1"/>
+                </a:solidFill>
+                <a:latin typeface="+mn-lt"/>
+                <a:ea typeface="+mn-ea"/>
+                <a:cs typeface="+mn-cs"/>
+              </a:defRPr>
+            </a:lvl7pPr>
+            <a:lvl8pPr marL="3200400" algn="l" defTabSz="914400" rtl="0" eaLnBrk="1" latinLnBrk="0" hangingPunct="1">
+              <a:defRPr sz="1800" kern="1200">
+                <a:solidFill>
+                  <a:schemeClr val="tx1"/>
+                </a:solidFill>
+                <a:latin typeface="+mn-lt"/>
+                <a:ea typeface="+mn-ea"/>
+                <a:cs typeface="+mn-cs"/>
+              </a:defRPr>
+            </a:lvl8pPr>
+            <a:lvl9pPr marL="3657600" algn="l" defTabSz="914400" rtl="0" eaLnBrk="1" latinLnBrk="0" hangingPunct="1">
+              <a:defRPr sz="1800" kern="1200">
+                <a:solidFill>
+                  <a:schemeClr val="tx1"/>
+                </a:solidFill>
+                <a:latin typeface="+mn-lt"/>
+                <a:ea typeface="+mn-ea"/>
+                <a:cs typeface="+mn-cs"/>
+              </a:defRPr>
+            </a:lvl9pPr>
+          </a:lstStyle>
+          <a:p>
+            <a:r>
+              <a:rPr lang="en-IN" b="1" dirty="0">
+                <a:solidFill>
+                  <a:srgbClr val="002060"/>
+                </a:solidFill>
+                <a:latin typeface="Verdana" panose="020B0604030504040204" pitchFamily="34" charset="0"/>
+                <a:ea typeface="Verdana" panose="020B0604030504040204" pitchFamily="34" charset="0"/>
+              </a:rPr>
+              <a:t>Microsoft Reactor Bengaluru</a:t>
+            </a:r>
+          </a:p>
+        </p:txBody>
+      </p:sp>
+      <p:pic>
+        <p:nvPicPr>
+          <p:cNvPr id="6" name="Picture 12">
+            <a:extLst>
+              <a:ext uri="{FF2B5EF4-FFF2-40B4-BE49-F238E27FC236}">
+                <a16:creationId xmlns:a16="http://schemas.microsoft.com/office/drawing/2014/main" id="{7898CFCB-7659-4968-8E49-75F24799EB68}"/>
+              </a:ext>
+            </a:extLst>
+          </p:cNvPr>
+          <p:cNvPicPr>
+            <a:picLocks noChangeAspect="1" noChangeArrowheads="1"/>
+          </p:cNvPicPr>
+          <p:nvPr/>
+        </p:nvPicPr>
+        <p:blipFill>
+          <a:blip r:embed="rId2">
+            <a:extLst>
+              <a:ext uri="{28A0092B-C50C-407E-A947-70E740481C1C}">
+                <a14:useLocalDpi xmlns:a14="http://schemas.microsoft.com/office/drawing/2010/main" val="0"/>
+              </a:ext>
+            </a:extLst>
+          </a:blip>
+          <a:srcRect/>
+          <a:stretch>
+            <a:fillRect/>
+          </a:stretch>
+        </p:blipFill>
+        <p:spPr bwMode="auto">
+          <a:xfrm>
+            <a:off x="7368618" y="3051292"/>
+            <a:ext cx="809625" cy="809625"/>
+          </a:xfrm>
+          <a:prstGeom prst="rect">
+            <a:avLst/>
+          </a:prstGeom>
+          <a:noFill/>
+          <a:extLst>
+            <a:ext uri="{909E8E84-426E-40DD-AFC4-6F175D3DCCD1}">
+              <a14:hiddenFill xmlns:a14="http://schemas.microsoft.com/office/drawing/2010/main">
+                <a:solidFill>
+                  <a:srgbClr val="FFFFFF"/>
+                </a:solidFill>
+              </a14:hiddenFill>
+            </a:ext>
+          </a:extLst>
+        </p:spPr>
+      </p:pic>
+      <p:sp>
+        <p:nvSpPr>
+          <p:cNvPr id="10" name="TextBox 9">
+            <a:extLst>
+              <a:ext uri="{FF2B5EF4-FFF2-40B4-BE49-F238E27FC236}">
+                <a16:creationId xmlns:a16="http://schemas.microsoft.com/office/drawing/2014/main" id="{3657454D-AD85-4AEE-82DC-6159AD7DE31E}"/>
+              </a:ext>
+            </a:extLst>
+          </p:cNvPr>
+          <p:cNvSpPr txBox="1"/>
+          <p:nvPr/>
+        </p:nvSpPr>
+        <p:spPr>
+          <a:xfrm>
+            <a:off x="7962166" y="2728022"/>
+            <a:ext cx="834396" cy="276999"/>
+          </a:xfrm>
+          <a:prstGeom prst="rect">
+            <a:avLst/>
+          </a:prstGeom>
+          <a:noFill/>
+        </p:spPr>
+        <p:txBody>
+          <a:bodyPr wrap="none" rtlCol="0">
+            <a:spAutoFit/>
+          </a:bodyPr>
+          <a:lstStyle/>
+          <a:p>
+            <a:r>
+              <a:rPr lang="en-US" sz="1200" dirty="0">
+                <a:solidFill>
+                  <a:srgbClr val="002060"/>
+                </a:solidFill>
+                <a:latin typeface="Verdana" panose="020B0604030504040204" pitchFamily="34" charset="0"/>
+                <a:ea typeface="Verdana" panose="020B0604030504040204" pitchFamily="34" charset="0"/>
+              </a:rPr>
+              <a:t>Web API</a:t>
+            </a:r>
+          </a:p>
+        </p:txBody>
+      </p:sp>
+      <p:pic>
+        <p:nvPicPr>
+          <p:cNvPr id="11" name="Picture 10">
+            <a:extLst>
+              <a:ext uri="{FF2B5EF4-FFF2-40B4-BE49-F238E27FC236}">
+                <a16:creationId xmlns:a16="http://schemas.microsoft.com/office/drawing/2014/main" id="{13644FC0-4432-4DAA-BB42-865EDC6E7039}"/>
+              </a:ext>
+            </a:extLst>
+          </p:cNvPr>
+          <p:cNvPicPr>
+            <a:picLocks noChangeAspect="1" noChangeArrowheads="1"/>
+          </p:cNvPicPr>
+          <p:nvPr/>
+        </p:nvPicPr>
+        <p:blipFill>
+          <a:blip r:embed="rId3">
+            <a:extLst>
+              <a:ext uri="{28A0092B-C50C-407E-A947-70E740481C1C}">
+                <a14:useLocalDpi xmlns:a14="http://schemas.microsoft.com/office/drawing/2010/main" val="0"/>
+              </a:ext>
+            </a:extLst>
+          </a:blip>
+          <a:srcRect/>
+          <a:stretch>
+            <a:fillRect/>
+          </a:stretch>
+        </p:blipFill>
+        <p:spPr bwMode="auto">
+          <a:xfrm>
+            <a:off x="11307018" y="3051292"/>
+            <a:ext cx="810000" cy="810000"/>
+          </a:xfrm>
+          <a:prstGeom prst="rect">
+            <a:avLst/>
+          </a:prstGeom>
+          <a:noFill/>
+          <a:extLst>
+            <a:ext uri="{909E8E84-426E-40DD-AFC4-6F175D3DCCD1}">
+              <a14:hiddenFill xmlns:a14="http://schemas.microsoft.com/office/drawing/2010/main">
+                <a:solidFill>
+                  <a:srgbClr val="FFFFFF"/>
+                </a:solidFill>
+              </a14:hiddenFill>
+            </a:ext>
+          </a:extLst>
+        </p:spPr>
+      </p:pic>
+      <p:sp>
+        <p:nvSpPr>
+          <p:cNvPr id="13" name="TextBox 12">
+            <a:extLst>
+              <a:ext uri="{FF2B5EF4-FFF2-40B4-BE49-F238E27FC236}">
+                <a16:creationId xmlns:a16="http://schemas.microsoft.com/office/drawing/2014/main" id="{83BEFD28-360B-4C34-B776-983624107E9B}"/>
+              </a:ext>
+            </a:extLst>
+          </p:cNvPr>
+          <p:cNvSpPr txBox="1"/>
+          <p:nvPr/>
+        </p:nvSpPr>
+        <p:spPr>
+          <a:xfrm>
+            <a:off x="10507415" y="2722384"/>
+            <a:ext cx="992579" cy="276999"/>
+          </a:xfrm>
+          <a:prstGeom prst="rect">
+            <a:avLst/>
+          </a:prstGeom>
+          <a:noFill/>
+        </p:spPr>
+        <p:txBody>
+          <a:bodyPr wrap="none" rtlCol="0">
+            <a:spAutoFit/>
+          </a:bodyPr>
+          <a:lstStyle/>
+          <a:p>
+            <a:r>
+              <a:rPr lang="en-US" sz="1200" dirty="0">
+                <a:solidFill>
+                  <a:srgbClr val="002060"/>
+                </a:solidFill>
+                <a:latin typeface="Verdana" panose="020B0604030504040204" pitchFamily="34" charset="0"/>
+                <a:ea typeface="Verdana" panose="020B0604030504040204" pitchFamily="34" charset="0"/>
+              </a:rPr>
+              <a:t>Azure SQL</a:t>
+            </a:r>
+          </a:p>
+        </p:txBody>
+      </p:sp>
+      <p:sp>
+        <p:nvSpPr>
+          <p:cNvPr id="14" name="Heptagon 13">
+            <a:extLst>
+              <a:ext uri="{FF2B5EF4-FFF2-40B4-BE49-F238E27FC236}">
+                <a16:creationId xmlns:a16="http://schemas.microsoft.com/office/drawing/2014/main" id="{932FD78C-C27D-4D87-9137-AB3F88C3B70B}"/>
+              </a:ext>
+            </a:extLst>
+          </p:cNvPr>
+          <p:cNvSpPr/>
+          <p:nvPr/>
+        </p:nvSpPr>
+        <p:spPr>
+          <a:xfrm>
+            <a:off x="7612671" y="2700919"/>
+            <a:ext cx="307435" cy="344102"/>
+          </a:xfrm>
+          <a:prstGeom prst="heptagon">
+            <a:avLst/>
+          </a:prstGeom>
+        </p:spPr>
+        <p:style>
+          <a:lnRef idx="2">
+            <a:schemeClr val="accent1">
+              <a:shade val="50000"/>
+            </a:schemeClr>
+          </a:lnRef>
+          <a:fillRef idx="1">
+            <a:schemeClr val="accent1"/>
+          </a:fillRef>
+          <a:effectRef idx="0">
+            <a:schemeClr val="accent1"/>
+          </a:effectRef>
+          <a:fontRef idx="minor">
+            <a:schemeClr val="lt1"/>
+          </a:fontRef>
+        </p:style>
+        <p:txBody>
+          <a:bodyPr rtlCol="0" anchor="ctr"/>
+          <a:lstStyle/>
+          <a:p>
+            <a:pPr algn="ctr"/>
+            <a:r>
+              <a:rPr lang="en-US" dirty="0"/>
+              <a:t>2</a:t>
+            </a:r>
+          </a:p>
+        </p:txBody>
+      </p:sp>
+      <p:sp>
+        <p:nvSpPr>
+          <p:cNvPr id="15" name="Heptagon 14">
+            <a:extLst>
+              <a:ext uri="{FF2B5EF4-FFF2-40B4-BE49-F238E27FC236}">
+                <a16:creationId xmlns:a16="http://schemas.microsoft.com/office/drawing/2014/main" id="{1E40AC33-A982-446B-9D49-9D733A49316A}"/>
+              </a:ext>
+            </a:extLst>
+          </p:cNvPr>
+          <p:cNvSpPr/>
+          <p:nvPr/>
+        </p:nvSpPr>
+        <p:spPr>
+          <a:xfrm>
+            <a:off x="11438204" y="2700919"/>
+            <a:ext cx="307435" cy="344102"/>
+          </a:xfrm>
+          <a:prstGeom prst="heptagon">
+            <a:avLst/>
+          </a:prstGeom>
+        </p:spPr>
+        <p:style>
+          <a:lnRef idx="2">
+            <a:schemeClr val="accent1">
+              <a:shade val="50000"/>
+            </a:schemeClr>
+          </a:lnRef>
+          <a:fillRef idx="1">
+            <a:schemeClr val="accent1"/>
+          </a:fillRef>
+          <a:effectRef idx="0">
+            <a:schemeClr val="accent1"/>
+          </a:effectRef>
+          <a:fontRef idx="minor">
+            <a:schemeClr val="lt1"/>
+          </a:fontRef>
+        </p:style>
+        <p:txBody>
+          <a:bodyPr rtlCol="0" anchor="ctr"/>
+          <a:lstStyle/>
+          <a:p>
+            <a:pPr algn="ctr"/>
+            <a:r>
+              <a:rPr lang="en-US" dirty="0"/>
+              <a:t>3</a:t>
+            </a:r>
+          </a:p>
+        </p:txBody>
+      </p:sp>
+      <p:pic>
+        <p:nvPicPr>
+          <p:cNvPr id="1026" name="Picture 2">
+            <a:extLst>
+              <a:ext uri="{FF2B5EF4-FFF2-40B4-BE49-F238E27FC236}">
+                <a16:creationId xmlns:a16="http://schemas.microsoft.com/office/drawing/2014/main" id="{F57E8191-61DB-4EA0-9C1C-F149C364155D}"/>
+              </a:ext>
+            </a:extLst>
+          </p:cNvPr>
+          <p:cNvPicPr>
+            <a:picLocks noChangeAspect="1" noChangeArrowheads="1"/>
+          </p:cNvPicPr>
+          <p:nvPr/>
+        </p:nvPicPr>
+        <p:blipFill>
+          <a:blip r:embed="rId4">
+            <a:extLst>
+              <a:ext uri="{28A0092B-C50C-407E-A947-70E740481C1C}">
+                <a14:useLocalDpi xmlns:a14="http://schemas.microsoft.com/office/drawing/2010/main" val="0"/>
+              </a:ext>
+            </a:extLst>
+          </a:blip>
+          <a:srcRect/>
+          <a:stretch>
+            <a:fillRect/>
+          </a:stretch>
+        </p:blipFill>
+        <p:spPr bwMode="auto">
+          <a:xfrm>
+            <a:off x="7368618" y="5041057"/>
+            <a:ext cx="810000" cy="810000"/>
+          </a:xfrm>
+          <a:prstGeom prst="rect">
+            <a:avLst/>
+          </a:prstGeom>
+          <a:noFill/>
+          <a:extLst>
+            <a:ext uri="{909E8E84-426E-40DD-AFC4-6F175D3DCCD1}">
+              <a14:hiddenFill xmlns:a14="http://schemas.microsoft.com/office/drawing/2010/main">
+                <a:solidFill>
+                  <a:srgbClr val="FFFFFF"/>
+                </a:solidFill>
+              </a14:hiddenFill>
+            </a:ext>
+          </a:extLst>
+        </p:spPr>
+      </p:pic>
+      <p:cxnSp>
+        <p:nvCxnSpPr>
+          <p:cNvPr id="4" name="Straight Connector 3">
+            <a:extLst>
+              <a:ext uri="{FF2B5EF4-FFF2-40B4-BE49-F238E27FC236}">
+                <a16:creationId xmlns:a16="http://schemas.microsoft.com/office/drawing/2014/main" id="{3305130D-A90B-4CF0-8C61-F044EE9BFE47}"/>
+              </a:ext>
+            </a:extLst>
+          </p:cNvPr>
+          <p:cNvCxnSpPr>
+            <a:stCxn id="6" idx="3"/>
+            <a:endCxn id="11" idx="1"/>
+          </p:cNvCxnSpPr>
+          <p:nvPr/>
+        </p:nvCxnSpPr>
+        <p:spPr>
+          <a:xfrm>
+            <a:off x="8178243" y="3456105"/>
+            <a:ext cx="3128775" cy="187"/>
+          </a:xfrm>
+          <a:prstGeom prst="line">
+            <a:avLst/>
+          </a:prstGeom>
+        </p:spPr>
+        <p:style>
+          <a:lnRef idx="2">
+            <a:schemeClr val="accent1"/>
+          </a:lnRef>
+          <a:fillRef idx="0">
+            <a:schemeClr val="accent1"/>
+          </a:fillRef>
+          <a:effectRef idx="1">
+            <a:schemeClr val="accent1"/>
+          </a:effectRef>
+          <a:fontRef idx="minor">
+            <a:schemeClr val="tx1"/>
+          </a:fontRef>
+        </p:style>
+      </p:cxnSp>
+      <p:cxnSp>
+        <p:nvCxnSpPr>
+          <p:cNvPr id="17" name="Straight Connector 16">
+            <a:extLst>
+              <a:ext uri="{FF2B5EF4-FFF2-40B4-BE49-F238E27FC236}">
+                <a16:creationId xmlns:a16="http://schemas.microsoft.com/office/drawing/2014/main" id="{AAC1447B-07A7-40E7-8652-6EC297A4352B}"/>
+              </a:ext>
+            </a:extLst>
+          </p:cNvPr>
+          <p:cNvCxnSpPr>
+            <a:stCxn id="6" idx="2"/>
+            <a:endCxn id="1026" idx="0"/>
+          </p:cNvCxnSpPr>
+          <p:nvPr/>
+        </p:nvCxnSpPr>
+        <p:spPr>
+          <a:xfrm>
+            <a:off x="7773431" y="3860917"/>
+            <a:ext cx="187" cy="1180140"/>
+          </a:xfrm>
+          <a:prstGeom prst="line">
+            <a:avLst/>
+          </a:prstGeom>
+          <a:ln w="12700"/>
+        </p:spPr>
+        <p:style>
+          <a:lnRef idx="1">
+            <a:schemeClr val="accent1"/>
+          </a:lnRef>
+          <a:fillRef idx="0">
+            <a:schemeClr val="accent1"/>
+          </a:fillRef>
+          <a:effectRef idx="0">
+            <a:schemeClr val="accent1"/>
+          </a:effectRef>
+          <a:fontRef idx="minor">
+            <a:schemeClr val="tx1"/>
+          </a:fontRef>
+        </p:style>
+      </p:cxnSp>
+      <p:sp>
+        <p:nvSpPr>
+          <p:cNvPr id="20" name="Heptagon 19">
+            <a:extLst>
+              <a:ext uri="{FF2B5EF4-FFF2-40B4-BE49-F238E27FC236}">
+                <a16:creationId xmlns:a16="http://schemas.microsoft.com/office/drawing/2014/main" id="{81B034CB-CC36-4166-926A-86A06D7A20E6}"/>
+              </a:ext>
+            </a:extLst>
+          </p:cNvPr>
+          <p:cNvSpPr/>
+          <p:nvPr/>
+        </p:nvSpPr>
+        <p:spPr>
+          <a:xfrm>
+            <a:off x="7612671" y="5858706"/>
+            <a:ext cx="307435" cy="344102"/>
+          </a:xfrm>
+          <a:prstGeom prst="heptagon">
+            <a:avLst/>
+          </a:prstGeom>
+        </p:spPr>
+        <p:style>
+          <a:lnRef idx="2">
+            <a:schemeClr val="accent1">
+              <a:shade val="50000"/>
+            </a:schemeClr>
+          </a:lnRef>
+          <a:fillRef idx="1">
+            <a:schemeClr val="accent1"/>
+          </a:fillRef>
+          <a:effectRef idx="0">
+            <a:schemeClr val="accent1"/>
+          </a:effectRef>
+          <a:fontRef idx="minor">
+            <a:schemeClr val="lt1"/>
+          </a:fontRef>
+        </p:style>
+        <p:txBody>
+          <a:bodyPr rtlCol="0" anchor="ctr"/>
+          <a:lstStyle/>
+          <a:p>
+            <a:pPr algn="ctr"/>
+            <a:r>
+              <a:rPr lang="en-US" dirty="0"/>
+              <a:t>4</a:t>
+            </a:r>
+          </a:p>
+        </p:txBody>
+      </p:sp>
+      <p:sp>
+        <p:nvSpPr>
+          <p:cNvPr id="21" name="TextBox 20">
+            <a:extLst>
+              <a:ext uri="{FF2B5EF4-FFF2-40B4-BE49-F238E27FC236}">
+                <a16:creationId xmlns:a16="http://schemas.microsoft.com/office/drawing/2014/main" id="{BE85FB5F-7B2C-4F7C-80F9-0633CA2F185C}"/>
+              </a:ext>
+            </a:extLst>
+          </p:cNvPr>
+          <p:cNvSpPr txBox="1"/>
+          <p:nvPr/>
+        </p:nvSpPr>
+        <p:spPr>
+          <a:xfrm>
+            <a:off x="8141555" y="5269474"/>
+            <a:ext cx="847733" cy="276999"/>
+          </a:xfrm>
+          <a:prstGeom prst="rect">
+            <a:avLst/>
+          </a:prstGeom>
+          <a:noFill/>
+        </p:spPr>
+        <p:txBody>
+          <a:bodyPr wrap="none" rtlCol="0">
+            <a:spAutoFit/>
+          </a:bodyPr>
+          <a:lstStyle/>
+          <a:p>
+            <a:r>
+              <a:rPr lang="en-US" sz="1200" dirty="0">
+                <a:solidFill>
+                  <a:srgbClr val="002060"/>
+                </a:solidFill>
+                <a:latin typeface="Verdana" panose="020B0604030504040204" pitchFamily="34" charset="0"/>
+                <a:ea typeface="Verdana" panose="020B0604030504040204" pitchFamily="34" charset="0"/>
+              </a:rPr>
+              <a:t>Postman</a:t>
+            </a:r>
+          </a:p>
+        </p:txBody>
+      </p:sp>
+      <p:pic>
+        <p:nvPicPr>
+          <p:cNvPr id="2050" name="Picture 2">
+            <a:extLst>
+              <a:ext uri="{FF2B5EF4-FFF2-40B4-BE49-F238E27FC236}">
+                <a16:creationId xmlns:a16="http://schemas.microsoft.com/office/drawing/2014/main" id="{E5FC223A-D3AB-4E6B-8768-C5EBCFD1EE4D}"/>
+              </a:ext>
+            </a:extLst>
+          </p:cNvPr>
+          <p:cNvPicPr>
+            <a:picLocks noChangeAspect="1" noChangeArrowheads="1"/>
+          </p:cNvPicPr>
+          <p:nvPr/>
+        </p:nvPicPr>
+        <p:blipFill>
+          <a:blip r:embed="rId5">
+            <a:extLst>
+              <a:ext uri="{28A0092B-C50C-407E-A947-70E740481C1C}">
+                <a14:useLocalDpi xmlns:a14="http://schemas.microsoft.com/office/drawing/2010/main" val="0"/>
+              </a:ext>
+            </a:extLst>
+          </a:blip>
+          <a:srcRect/>
+          <a:stretch>
+            <a:fillRect/>
+          </a:stretch>
+        </p:blipFill>
+        <p:spPr bwMode="auto">
+          <a:xfrm>
+            <a:off x="3391174" y="770006"/>
+            <a:ext cx="857250" cy="809625"/>
+          </a:xfrm>
+          <a:prstGeom prst="rect">
+            <a:avLst/>
+          </a:prstGeom>
+          <a:noFill/>
+          <a:extLst>
+            <a:ext uri="{909E8E84-426E-40DD-AFC4-6F175D3DCCD1}">
+              <a14:hiddenFill xmlns:a14="http://schemas.microsoft.com/office/drawing/2010/main">
+                <a:solidFill>
+                  <a:srgbClr val="FFFFFF"/>
+                </a:solidFill>
+              </a14:hiddenFill>
+            </a:ext>
+          </a:extLst>
+        </p:spPr>
+      </p:pic>
+      <p:cxnSp>
+        <p:nvCxnSpPr>
+          <p:cNvPr id="18" name="Straight Connector 17">
+            <a:extLst>
+              <a:ext uri="{FF2B5EF4-FFF2-40B4-BE49-F238E27FC236}">
+                <a16:creationId xmlns:a16="http://schemas.microsoft.com/office/drawing/2014/main" id="{E47FE56F-918E-499D-98A8-601D634441D4}"/>
+              </a:ext>
+            </a:extLst>
+          </p:cNvPr>
+          <p:cNvCxnSpPr/>
+          <p:nvPr/>
+        </p:nvCxnSpPr>
+        <p:spPr>
+          <a:xfrm>
+            <a:off x="4267692" y="3457673"/>
+            <a:ext cx="3128775" cy="187"/>
+          </a:xfrm>
+          <a:prstGeom prst="line">
+            <a:avLst/>
+          </a:prstGeom>
+        </p:spPr>
+        <p:style>
+          <a:lnRef idx="2">
+            <a:schemeClr val="accent1"/>
+          </a:lnRef>
+          <a:fillRef idx="0">
+            <a:schemeClr val="accent1"/>
+          </a:fillRef>
+          <a:effectRef idx="1">
+            <a:schemeClr val="accent1"/>
+          </a:effectRef>
+          <a:fontRef idx="minor">
+            <a:schemeClr val="tx1"/>
+          </a:fontRef>
+        </p:style>
+      </p:cxnSp>
+      <p:pic>
+        <p:nvPicPr>
+          <p:cNvPr id="19" name="Picture 2">
+            <a:extLst>
+              <a:ext uri="{FF2B5EF4-FFF2-40B4-BE49-F238E27FC236}">
+                <a16:creationId xmlns:a16="http://schemas.microsoft.com/office/drawing/2014/main" id="{81596101-A8EB-49A3-935D-208ECEA59F5F}"/>
+              </a:ext>
+            </a:extLst>
+          </p:cNvPr>
+          <p:cNvPicPr>
+            <a:picLocks noChangeAspect="1" noChangeArrowheads="1"/>
+          </p:cNvPicPr>
+          <p:nvPr/>
+        </p:nvPicPr>
+        <p:blipFill>
+          <a:blip r:embed="rId5">
+            <a:extLst>
+              <a:ext uri="{28A0092B-C50C-407E-A947-70E740481C1C}">
+                <a14:useLocalDpi xmlns:a14="http://schemas.microsoft.com/office/drawing/2010/main" val="0"/>
+              </a:ext>
+            </a:extLst>
+          </a:blip>
+          <a:srcRect/>
+          <a:stretch>
+            <a:fillRect/>
+          </a:stretch>
+        </p:blipFill>
+        <p:spPr bwMode="auto">
+          <a:xfrm>
+            <a:off x="1185301" y="770006"/>
+            <a:ext cx="857250" cy="809625"/>
+          </a:xfrm>
+          <a:prstGeom prst="rect">
+            <a:avLst/>
+          </a:prstGeom>
+          <a:noFill/>
+          <a:extLst>
+            <a:ext uri="{909E8E84-426E-40DD-AFC4-6F175D3DCCD1}">
+              <a14:hiddenFill xmlns:a14="http://schemas.microsoft.com/office/drawing/2010/main">
+                <a:solidFill>
+                  <a:srgbClr val="FFFFFF"/>
+                </a:solidFill>
+              </a14:hiddenFill>
+            </a:ext>
+          </a:extLst>
+        </p:spPr>
+      </p:pic>
+      <p:sp>
+        <p:nvSpPr>
+          <p:cNvPr id="22" name="Heptagon 21">
+            <a:extLst>
+              <a:ext uri="{FF2B5EF4-FFF2-40B4-BE49-F238E27FC236}">
+                <a16:creationId xmlns:a16="http://schemas.microsoft.com/office/drawing/2014/main" id="{9DC9C82A-36F2-4DA5-AAE7-F9FC02DA4D7C}"/>
+              </a:ext>
+            </a:extLst>
+          </p:cNvPr>
+          <p:cNvSpPr/>
+          <p:nvPr/>
+        </p:nvSpPr>
+        <p:spPr>
+          <a:xfrm>
+            <a:off x="3237456" y="425904"/>
+            <a:ext cx="307435" cy="344102"/>
+          </a:xfrm>
+          <a:prstGeom prst="heptagon">
+            <a:avLst/>
+          </a:prstGeom>
+        </p:spPr>
+        <p:style>
+          <a:lnRef idx="2">
+            <a:schemeClr val="accent1">
+              <a:shade val="50000"/>
+            </a:schemeClr>
+          </a:lnRef>
+          <a:fillRef idx="1">
+            <a:schemeClr val="accent1"/>
+          </a:fillRef>
+          <a:effectRef idx="0">
+            <a:schemeClr val="accent1"/>
+          </a:effectRef>
+          <a:fontRef idx="minor">
+            <a:schemeClr val="lt1"/>
+          </a:fontRef>
+        </p:style>
+        <p:txBody>
+          <a:bodyPr rtlCol="0" anchor="ctr"/>
+          <a:lstStyle/>
+          <a:p>
+            <a:pPr algn="ctr"/>
+            <a:r>
+              <a:rPr lang="en-US" dirty="0"/>
+              <a:t>5</a:t>
+            </a:r>
+          </a:p>
+        </p:txBody>
+      </p:sp>
+      <p:sp>
+        <p:nvSpPr>
+          <p:cNvPr id="23" name="Heptagon 22">
+            <a:extLst>
+              <a:ext uri="{FF2B5EF4-FFF2-40B4-BE49-F238E27FC236}">
+                <a16:creationId xmlns:a16="http://schemas.microsoft.com/office/drawing/2014/main" id="{D027EBA1-67A9-4BF1-ACE6-4F4DB7E49E26}"/>
+              </a:ext>
+            </a:extLst>
+          </p:cNvPr>
+          <p:cNvSpPr/>
+          <p:nvPr/>
+        </p:nvSpPr>
+        <p:spPr>
+          <a:xfrm>
+            <a:off x="954725" y="461674"/>
+            <a:ext cx="307435" cy="344102"/>
+          </a:xfrm>
+          <a:prstGeom prst="heptagon">
+            <a:avLst/>
+          </a:prstGeom>
+        </p:spPr>
+        <p:style>
+          <a:lnRef idx="2">
+            <a:schemeClr val="accent1">
+              <a:shade val="50000"/>
+            </a:schemeClr>
+          </a:lnRef>
+          <a:fillRef idx="1">
+            <a:schemeClr val="accent1"/>
+          </a:fillRef>
+          <a:effectRef idx="0">
+            <a:schemeClr val="accent1"/>
+          </a:effectRef>
+          <a:fontRef idx="minor">
+            <a:schemeClr val="lt1"/>
+          </a:fontRef>
+        </p:style>
+        <p:txBody>
+          <a:bodyPr rtlCol="0" anchor="ctr"/>
+          <a:lstStyle/>
+          <a:p>
+            <a:pPr algn="ctr"/>
+            <a:r>
+              <a:rPr lang="en-US" dirty="0"/>
+              <a:t>6</a:t>
+            </a:r>
+          </a:p>
+        </p:txBody>
+      </p:sp>
+      <p:sp>
+        <p:nvSpPr>
+          <p:cNvPr id="24" name="TextBox 23">
+            <a:extLst>
+              <a:ext uri="{FF2B5EF4-FFF2-40B4-BE49-F238E27FC236}">
+                <a16:creationId xmlns:a16="http://schemas.microsoft.com/office/drawing/2014/main" id="{444ADC56-8CEB-448D-9DB4-A40A04DCB75F}"/>
+              </a:ext>
+            </a:extLst>
+          </p:cNvPr>
+          <p:cNvSpPr txBox="1"/>
+          <p:nvPr/>
+        </p:nvSpPr>
+        <p:spPr>
+          <a:xfrm>
+            <a:off x="3544890" y="466491"/>
+            <a:ext cx="1206219" cy="276999"/>
+          </a:xfrm>
+          <a:prstGeom prst="rect">
+            <a:avLst/>
+          </a:prstGeom>
+          <a:noFill/>
+        </p:spPr>
+        <p:txBody>
+          <a:bodyPr wrap="square" rtlCol="0">
+            <a:spAutoFit/>
+          </a:bodyPr>
+          <a:lstStyle/>
+          <a:p>
+            <a:r>
+              <a:rPr lang="en-US" sz="1200" dirty="0">
+                <a:solidFill>
+                  <a:srgbClr val="002060"/>
+                </a:solidFill>
+                <a:latin typeface="Verdana" panose="020B0604030504040204" pitchFamily="34" charset="0"/>
+                <a:ea typeface="Verdana" panose="020B0604030504040204" pitchFamily="34" charset="0"/>
+              </a:rPr>
+              <a:t>Windows VM</a:t>
+            </a:r>
+          </a:p>
+        </p:txBody>
+      </p:sp>
+      <p:sp>
+        <p:nvSpPr>
+          <p:cNvPr id="25" name="TextBox 24">
+            <a:extLst>
+              <a:ext uri="{FF2B5EF4-FFF2-40B4-BE49-F238E27FC236}">
+                <a16:creationId xmlns:a16="http://schemas.microsoft.com/office/drawing/2014/main" id="{94D56564-9C91-49CE-B97F-D9A8EDAD6D68}"/>
+              </a:ext>
+            </a:extLst>
+          </p:cNvPr>
+          <p:cNvSpPr txBox="1"/>
+          <p:nvPr/>
+        </p:nvSpPr>
+        <p:spPr>
+          <a:xfrm>
+            <a:off x="1308850" y="465186"/>
+            <a:ext cx="1206219" cy="276999"/>
+          </a:xfrm>
+          <a:prstGeom prst="rect">
+            <a:avLst/>
+          </a:prstGeom>
+          <a:noFill/>
+        </p:spPr>
+        <p:txBody>
+          <a:bodyPr wrap="square" rtlCol="0">
+            <a:spAutoFit/>
+          </a:bodyPr>
+          <a:lstStyle/>
+          <a:p>
+            <a:r>
+              <a:rPr lang="en-US" sz="1200" dirty="0">
+                <a:solidFill>
+                  <a:srgbClr val="002060"/>
+                </a:solidFill>
+                <a:latin typeface="Verdana" panose="020B0604030504040204" pitchFamily="34" charset="0"/>
+                <a:ea typeface="Verdana" panose="020B0604030504040204" pitchFamily="34" charset="0"/>
+              </a:rPr>
+              <a:t>Ubuntu VM</a:t>
+            </a:r>
+          </a:p>
+        </p:txBody>
+      </p:sp>
+      <p:pic>
+        <p:nvPicPr>
+          <p:cNvPr id="2" name="Picture 2">
+            <a:extLst>
+              <a:ext uri="{FF2B5EF4-FFF2-40B4-BE49-F238E27FC236}">
+                <a16:creationId xmlns:a16="http://schemas.microsoft.com/office/drawing/2014/main" id="{7BACA7D4-C34A-4935-A82E-FCDE642A4BF8}"/>
+              </a:ext>
+            </a:extLst>
+          </p:cNvPr>
+          <p:cNvPicPr>
+            <a:picLocks noChangeAspect="1" noChangeArrowheads="1"/>
+          </p:cNvPicPr>
+          <p:nvPr/>
+        </p:nvPicPr>
+        <p:blipFill>
+          <a:blip r:embed="rId6">
+            <a:extLst>
+              <a:ext uri="{28A0092B-C50C-407E-A947-70E740481C1C}">
+                <a14:useLocalDpi xmlns:a14="http://schemas.microsoft.com/office/drawing/2010/main" val="0"/>
+              </a:ext>
+            </a:extLst>
+          </a:blip>
+          <a:srcRect/>
+          <a:stretch>
+            <a:fillRect/>
+          </a:stretch>
+        </p:blipFill>
+        <p:spPr bwMode="auto">
+          <a:xfrm>
+            <a:off x="3771283" y="805639"/>
+            <a:ext cx="618960" cy="603282"/>
+          </a:xfrm>
+          <a:prstGeom prst="rect">
+            <a:avLst/>
+          </a:prstGeom>
+          <a:noFill/>
+          <a:extLst>
+            <a:ext uri="{909E8E84-426E-40DD-AFC4-6F175D3DCCD1}">
+              <a14:hiddenFill xmlns:a14="http://schemas.microsoft.com/office/drawing/2010/main">
+                <a:solidFill>
+                  <a:srgbClr val="FFFFFF"/>
+                </a:solidFill>
+              </a14:hiddenFill>
+            </a:ext>
+          </a:extLst>
+        </p:spPr>
+      </p:pic>
+      <p:sp>
+        <p:nvSpPr>
+          <p:cNvPr id="26" name="TextBox 25">
+            <a:extLst>
+              <a:ext uri="{FF2B5EF4-FFF2-40B4-BE49-F238E27FC236}">
+                <a16:creationId xmlns:a16="http://schemas.microsoft.com/office/drawing/2014/main" id="{88EB1ECD-7D00-48B1-8A56-5CF8EC037158}"/>
+              </a:ext>
+            </a:extLst>
+          </p:cNvPr>
+          <p:cNvSpPr txBox="1"/>
+          <p:nvPr/>
+        </p:nvSpPr>
+        <p:spPr>
+          <a:xfrm>
+            <a:off x="4148000" y="927151"/>
+            <a:ext cx="1753180" cy="276999"/>
+          </a:xfrm>
+          <a:prstGeom prst="rect">
+            <a:avLst/>
+          </a:prstGeom>
+          <a:noFill/>
+        </p:spPr>
+        <p:txBody>
+          <a:bodyPr wrap="square" rtlCol="0">
+            <a:spAutoFit/>
+          </a:bodyPr>
+          <a:lstStyle/>
+          <a:p>
+            <a:r>
+              <a:rPr lang="en-US" sz="1200" dirty="0">
+                <a:solidFill>
+                  <a:srgbClr val="0070C0"/>
+                </a:solidFill>
+                <a:latin typeface="Verdana" panose="020B0604030504040204" pitchFamily="34" charset="0"/>
+                <a:ea typeface="Verdana" panose="020B0604030504040204" pitchFamily="34" charset="0"/>
+              </a:rPr>
+              <a:t>Razor App inside IIS</a:t>
+            </a:r>
+          </a:p>
+        </p:txBody>
+      </p:sp>
+      <p:pic>
+        <p:nvPicPr>
+          <p:cNvPr id="28" name="Picture 12">
+            <a:extLst>
+              <a:ext uri="{FF2B5EF4-FFF2-40B4-BE49-F238E27FC236}">
+                <a16:creationId xmlns:a16="http://schemas.microsoft.com/office/drawing/2014/main" id="{BE573FE1-020D-4965-9EAD-D732491D43B6}"/>
+              </a:ext>
+            </a:extLst>
+          </p:cNvPr>
+          <p:cNvPicPr>
+            <a:picLocks noChangeAspect="1" noChangeArrowheads="1"/>
+          </p:cNvPicPr>
+          <p:nvPr/>
+        </p:nvPicPr>
+        <p:blipFill>
+          <a:blip r:embed="rId2">
+            <a:extLst>
+              <a:ext uri="{28A0092B-C50C-407E-A947-70E740481C1C}">
+                <a14:useLocalDpi xmlns:a14="http://schemas.microsoft.com/office/drawing/2010/main" val="0"/>
+              </a:ext>
+            </a:extLst>
+          </a:blip>
+          <a:srcRect/>
+          <a:stretch>
+            <a:fillRect/>
+          </a:stretch>
+        </p:blipFill>
+        <p:spPr bwMode="auto">
+          <a:xfrm>
+            <a:off x="3529020" y="3071415"/>
+            <a:ext cx="809625" cy="809625"/>
+          </a:xfrm>
+          <a:prstGeom prst="rect">
+            <a:avLst/>
+          </a:prstGeom>
+          <a:noFill/>
+          <a:extLst>
+            <a:ext uri="{909E8E84-426E-40DD-AFC4-6F175D3DCCD1}">
+              <a14:hiddenFill xmlns:a14="http://schemas.microsoft.com/office/drawing/2010/main">
+                <a:solidFill>
+                  <a:srgbClr val="FFFFFF"/>
+                </a:solidFill>
+              </a14:hiddenFill>
+            </a:ext>
+          </a:extLst>
+        </p:spPr>
+      </p:pic>
+      <p:sp>
+        <p:nvSpPr>
+          <p:cNvPr id="29" name="Heptagon 28">
+            <a:extLst>
+              <a:ext uri="{FF2B5EF4-FFF2-40B4-BE49-F238E27FC236}">
+                <a16:creationId xmlns:a16="http://schemas.microsoft.com/office/drawing/2014/main" id="{8678203A-7D22-423F-A8A1-A0D964021E91}"/>
+              </a:ext>
+            </a:extLst>
+          </p:cNvPr>
+          <p:cNvSpPr/>
+          <p:nvPr/>
+        </p:nvSpPr>
+        <p:spPr>
+          <a:xfrm>
+            <a:off x="3511340" y="2700797"/>
+            <a:ext cx="307435" cy="344102"/>
+          </a:xfrm>
+          <a:prstGeom prst="heptagon">
+            <a:avLst/>
+          </a:prstGeom>
+        </p:spPr>
+        <p:style>
+          <a:lnRef idx="2">
+            <a:schemeClr val="accent1">
+              <a:shade val="50000"/>
+            </a:schemeClr>
+          </a:lnRef>
+          <a:fillRef idx="1">
+            <a:schemeClr val="accent1"/>
+          </a:fillRef>
+          <a:effectRef idx="0">
+            <a:schemeClr val="accent1"/>
+          </a:effectRef>
+          <a:fontRef idx="minor">
+            <a:schemeClr val="lt1"/>
+          </a:fontRef>
+        </p:style>
+        <p:txBody>
+          <a:bodyPr rtlCol="0" anchor="ctr"/>
+          <a:lstStyle/>
+          <a:p>
+            <a:pPr algn="ctr"/>
+            <a:r>
+              <a:rPr lang="en-US" dirty="0"/>
+              <a:t>1</a:t>
+            </a:r>
+          </a:p>
+        </p:txBody>
+      </p:sp>
+      <p:sp>
+        <p:nvSpPr>
+          <p:cNvPr id="30" name="TextBox 29">
+            <a:extLst>
+              <a:ext uri="{FF2B5EF4-FFF2-40B4-BE49-F238E27FC236}">
+                <a16:creationId xmlns:a16="http://schemas.microsoft.com/office/drawing/2014/main" id="{2BC9F718-89F5-4ABC-8898-7B19A551B64A}"/>
+              </a:ext>
+            </a:extLst>
+          </p:cNvPr>
+          <p:cNvSpPr txBox="1"/>
+          <p:nvPr/>
+        </p:nvSpPr>
+        <p:spPr>
+          <a:xfrm>
+            <a:off x="3925476" y="2728022"/>
+            <a:ext cx="998991" cy="276999"/>
+          </a:xfrm>
+          <a:prstGeom prst="rect">
+            <a:avLst/>
+          </a:prstGeom>
+          <a:noFill/>
+        </p:spPr>
+        <p:txBody>
+          <a:bodyPr wrap="none" rtlCol="0">
+            <a:spAutoFit/>
+          </a:bodyPr>
+          <a:lstStyle/>
+          <a:p>
+            <a:r>
+              <a:rPr lang="en-US" sz="1200" dirty="0">
+                <a:solidFill>
+                  <a:srgbClr val="002060"/>
+                </a:solidFill>
+                <a:latin typeface="Verdana" panose="020B0604030504040204" pitchFamily="34" charset="0"/>
+                <a:ea typeface="Verdana" panose="020B0604030504040204" pitchFamily="34" charset="0"/>
+              </a:rPr>
+              <a:t>Ng 12 App</a:t>
+            </a:r>
+          </a:p>
+        </p:txBody>
+      </p:sp>
+    </p:spTree>
+    <p:extLst>
+      <p:ext uri="{BB962C8B-B14F-4D97-AF65-F5344CB8AC3E}">
+        <p14:creationId xmlns:p14="http://schemas.microsoft.com/office/powerpoint/2010/main" val="2545165636"/>
+      </p:ext>
+    </p:extLst>
+  </p:cSld>
+  <p:clrMapOvr>
+    <a:masterClrMapping/>
+  </p:clrMapOvr>
+</p:sld>
+</file>
+
+<file path=ppt/slides/slide8.xml><?xml version="1.0" encoding="utf-8"?>
+<p:sld xmlns:a="http://schemas.openxmlformats.org/drawingml/2006/main" xmlns:r="http://schemas.openxmlformats.org/officeDocument/2006/relationships" xmlns:p="http://schemas.openxmlformats.org/presentationml/2006/main">
+  <p:cSld>
+    <p:spTree>
+      <p:nvGrpSpPr>
+        <p:cNvPr id="1" name=""/>
+        <p:cNvGrpSpPr/>
+        <p:nvPr/>
+      </p:nvGrpSpPr>
+      <p:grpSpPr>
+        <a:xfrm>
+          <a:off x="0" y="0"/>
+          <a:ext cx="0" cy="0"/>
+          <a:chOff x="0" y="0"/>
+          <a:chExt cx="0" cy="0"/>
+        </a:xfrm>
+      </p:grpSpPr>
       <p:pic>
         <p:nvPicPr>
           <p:cNvPr id="1026" name="Picture 2">
@@ -10484,7 +11806,7 @@
 </p:sld>
 </file>
 
-<file path=ppt/slides/slide8.xml><?xml version="1.0" encoding="utf-8"?>
+<file path=ppt/slides/slide9.xml><?xml version="1.0" encoding="utf-8"?>
 <p:sld xmlns:a="http://schemas.openxmlformats.org/drawingml/2006/main" xmlns:r="http://schemas.openxmlformats.org/officeDocument/2006/relationships" xmlns:p="http://schemas.openxmlformats.org/presentationml/2006/main">
   <p:cSld>
     <p:spTree>

--- a/MicrosoftReactor/Demos.pptx
+++ b/MicrosoftReactor/Demos.pptx
@@ -6,12 +6,12 @@
   </p:sldMasterIdLst>
   <p:sldIdLst>
     <p:sldId id="329" r:id="rId2"/>
-    <p:sldId id="327" r:id="rId3"/>
-    <p:sldId id="328" r:id="rId4"/>
-    <p:sldId id="330" r:id="rId5"/>
-    <p:sldId id="331" r:id="rId6"/>
-    <p:sldId id="333" r:id="rId7"/>
-    <p:sldId id="334" r:id="rId8"/>
+    <p:sldId id="334" r:id="rId3"/>
+    <p:sldId id="333" r:id="rId4"/>
+    <p:sldId id="331" r:id="rId5"/>
+    <p:sldId id="330" r:id="rId6"/>
+    <p:sldId id="328" r:id="rId7"/>
+    <p:sldId id="327" r:id="rId8"/>
     <p:sldId id="326" r:id="rId9"/>
     <p:sldId id="332" r:id="rId10"/>
   </p:sldIdLst>
@@ -269,7 +269,7 @@
           <a:p>
             <a:fld id="{3F64E90C-326F-45C8-9212-4C9C4B7EF630}" type="datetimeFigureOut">
               <a:rPr lang="en-IN" smtClean="0"/>
-              <a:t>16-11-2021</a:t>
+              <a:t>23-11-2021</a:t>
             </a:fld>
             <a:endParaRPr lang="en-IN"/>
           </a:p>
@@ -469,7 +469,7 @@
           <a:p>
             <a:fld id="{3F64E90C-326F-45C8-9212-4C9C4B7EF630}" type="datetimeFigureOut">
               <a:rPr lang="en-IN" smtClean="0"/>
-              <a:t>16-11-2021</a:t>
+              <a:t>23-11-2021</a:t>
             </a:fld>
             <a:endParaRPr lang="en-IN"/>
           </a:p>
@@ -679,7 +679,7 @@
           <a:p>
             <a:fld id="{3F64E90C-326F-45C8-9212-4C9C4B7EF630}" type="datetimeFigureOut">
               <a:rPr lang="en-IN" smtClean="0"/>
-              <a:t>16-11-2021</a:t>
+              <a:t>23-11-2021</a:t>
             </a:fld>
             <a:endParaRPr lang="en-IN"/>
           </a:p>
@@ -879,7 +879,7 @@
           <a:p>
             <a:fld id="{3F64E90C-326F-45C8-9212-4C9C4B7EF630}" type="datetimeFigureOut">
               <a:rPr lang="en-IN" smtClean="0"/>
-              <a:t>16-11-2021</a:t>
+              <a:t>23-11-2021</a:t>
             </a:fld>
             <a:endParaRPr lang="en-IN"/>
           </a:p>
@@ -1155,7 +1155,7 @@
           <a:p>
             <a:fld id="{3F64E90C-326F-45C8-9212-4C9C4B7EF630}" type="datetimeFigureOut">
               <a:rPr lang="en-IN" smtClean="0"/>
-              <a:t>16-11-2021</a:t>
+              <a:t>23-11-2021</a:t>
             </a:fld>
             <a:endParaRPr lang="en-IN"/>
           </a:p>
@@ -1423,7 +1423,7 @@
           <a:p>
             <a:fld id="{3F64E90C-326F-45C8-9212-4C9C4B7EF630}" type="datetimeFigureOut">
               <a:rPr lang="en-IN" smtClean="0"/>
-              <a:t>16-11-2021</a:t>
+              <a:t>23-11-2021</a:t>
             </a:fld>
             <a:endParaRPr lang="en-IN"/>
           </a:p>
@@ -1838,7 +1838,7 @@
           <a:p>
             <a:fld id="{3F64E90C-326F-45C8-9212-4C9C4B7EF630}" type="datetimeFigureOut">
               <a:rPr lang="en-IN" smtClean="0"/>
-              <a:t>16-11-2021</a:t>
+              <a:t>23-11-2021</a:t>
             </a:fld>
             <a:endParaRPr lang="en-IN"/>
           </a:p>
@@ -1980,7 +1980,7 @@
           <a:p>
             <a:fld id="{3F64E90C-326F-45C8-9212-4C9C4B7EF630}" type="datetimeFigureOut">
               <a:rPr lang="en-IN" smtClean="0"/>
-              <a:t>16-11-2021</a:t>
+              <a:t>23-11-2021</a:t>
             </a:fld>
             <a:endParaRPr lang="en-IN"/>
           </a:p>
@@ -2093,7 +2093,7 @@
           <a:p>
             <a:fld id="{3F64E90C-326F-45C8-9212-4C9C4B7EF630}" type="datetimeFigureOut">
               <a:rPr lang="en-IN" smtClean="0"/>
-              <a:t>16-11-2021</a:t>
+              <a:t>23-11-2021</a:t>
             </a:fld>
             <a:endParaRPr lang="en-IN"/>
           </a:p>
@@ -2406,7 +2406,7 @@
           <a:p>
             <a:fld id="{3F64E90C-326F-45C8-9212-4C9C4B7EF630}" type="datetimeFigureOut">
               <a:rPr lang="en-IN" smtClean="0"/>
-              <a:t>16-11-2021</a:t>
+              <a:t>23-11-2021</a:t>
             </a:fld>
             <a:endParaRPr lang="en-IN"/>
           </a:p>
@@ -2695,7 +2695,7 @@
           <a:p>
             <a:fld id="{3F64E90C-326F-45C8-9212-4C9C4B7EF630}" type="datetimeFigureOut">
               <a:rPr lang="en-IN" smtClean="0"/>
-              <a:t>16-11-2021</a:t>
+              <a:t>23-11-2021</a:t>
             </a:fld>
             <a:endParaRPr lang="en-IN"/>
           </a:p>
@@ -2938,7 +2938,7 @@
           <a:p>
             <a:fld id="{3F64E90C-326F-45C8-9212-4C9C4B7EF630}" type="datetimeFigureOut">
               <a:rPr lang="en-IN" smtClean="0"/>
-              <a:t>16-11-2021</a:t>
+              <a:t>23-11-2021</a:t>
             </a:fld>
             <a:endParaRPr lang="en-IN"/>
           </a:p>
@@ -3949,7 +3949,7 @@
                 <a:latin typeface="Verdana" panose="020B0604030504040204" pitchFamily="34" charset="0"/>
                 <a:ea typeface="Verdana" panose="020B0604030504040204" pitchFamily="34" charset="0"/>
               </a:rPr>
-              <a:t>15-Sep-2021</a:t>
+              <a:t>24-Nov-2021</a:t>
             </a:r>
           </a:p>
         </p:txBody>
@@ -4131,10 +4131,10 @@
       </p:sp>
       <p:pic>
         <p:nvPicPr>
-          <p:cNvPr id="11" name="Picture 12">
-            <a:extLst>
-              <a:ext uri="{FF2B5EF4-FFF2-40B4-BE49-F238E27FC236}">
-                <a16:creationId xmlns:a16="http://schemas.microsoft.com/office/drawing/2014/main" id="{E1804A3B-1B22-4D61-BEDA-BBA0481E69D7}"/>
+          <p:cNvPr id="6" name="Picture 12">
+            <a:extLst>
+              <a:ext uri="{FF2B5EF4-FFF2-40B4-BE49-F238E27FC236}">
+                <a16:creationId xmlns:a16="http://schemas.microsoft.com/office/drawing/2014/main" id="{7898CFCB-7659-4968-8E49-75F24799EB68}"/>
               </a:ext>
             </a:extLst>
           </p:cNvPr>
@@ -4158,7 +4158,7 @@
         </p:blipFill>
         <p:spPr bwMode="auto">
           <a:xfrm>
-            <a:off x="7010400" y="2909887"/>
+            <a:off x="7368618" y="3051292"/>
             <a:ext cx="809625" cy="809625"/>
           </a:xfrm>
           <a:prstGeom prst="rect">
@@ -4178,10 +4178,10 @@
       </p:pic>
       <p:sp>
         <p:nvSpPr>
-          <p:cNvPr id="13" name="TextBox 12">
-            <a:extLst>
-              <a:ext uri="{FF2B5EF4-FFF2-40B4-BE49-F238E27FC236}">
-                <a16:creationId xmlns:a16="http://schemas.microsoft.com/office/drawing/2014/main" id="{489494EE-527E-4FB3-8F61-AB1C58DE779A}"/>
+          <p:cNvPr id="10" name="TextBox 9">
+            <a:extLst>
+              <a:ext uri="{FF2B5EF4-FFF2-40B4-BE49-F238E27FC236}">
+                <a16:creationId xmlns:a16="http://schemas.microsoft.com/office/drawing/2014/main" id="{3657454D-AD85-4AEE-82DC-6159AD7DE31E}"/>
               </a:ext>
             </a:extLst>
           </p:cNvPr>
@@ -4190,7 +4190,7 @@
         </p:nvSpPr>
         <p:spPr>
           <a:xfrm>
-            <a:off x="6984279" y="3753973"/>
+            <a:off x="7962166" y="2728022"/>
             <a:ext cx="834396" cy="276999"/>
           </a:xfrm>
           <a:prstGeom prst="rect">
@@ -4217,12 +4217,100 @@
           </a:p>
         </p:txBody>
       </p:sp>
+      <p:pic>
+        <p:nvPicPr>
+          <p:cNvPr id="11" name="Picture 10">
+            <a:extLst>
+              <a:ext uri="{FF2B5EF4-FFF2-40B4-BE49-F238E27FC236}">
+                <a16:creationId xmlns:a16="http://schemas.microsoft.com/office/drawing/2014/main" id="{13644FC0-4432-4DAA-BB42-865EDC6E7039}"/>
+              </a:ext>
+            </a:extLst>
+          </p:cNvPr>
+          <p:cNvPicPr>
+            <a:picLocks noChangeAspect="1" noChangeArrowheads="1"/>
+          </p:cNvPicPr>
+          <p:nvPr/>
+        </p:nvPicPr>
+        <p:blipFill>
+          <a:blip r:embed="rId3">
+            <a:extLst>
+              <a:ext uri="{28A0092B-C50C-407E-A947-70E740481C1C}">
+                <a14:useLocalDpi xmlns:a14="http://schemas.microsoft.com/office/drawing/2010/main" val="0"/>
+              </a:ext>
+            </a:extLst>
+          </a:blip>
+          <a:srcRect/>
+          <a:stretch>
+            <a:fillRect/>
+          </a:stretch>
+        </p:blipFill>
+        <p:spPr bwMode="auto">
+          <a:xfrm>
+            <a:off x="11307018" y="3051292"/>
+            <a:ext cx="810000" cy="810000"/>
+          </a:xfrm>
+          <a:prstGeom prst="rect">
+            <a:avLst/>
+          </a:prstGeom>
+          <a:noFill/>
+          <a:extLst>
+            <a:ext uri="{909E8E84-426E-40DD-AFC4-6F175D3DCCD1}">
+              <a14:hiddenFill xmlns:a14="http://schemas.microsoft.com/office/drawing/2010/main">
+                <a:solidFill>
+                  <a:srgbClr val="FFFFFF"/>
+                </a:solidFill>
+              </a14:hiddenFill>
+            </a:ext>
+          </a:extLst>
+        </p:spPr>
+      </p:pic>
+      <p:sp>
+        <p:nvSpPr>
+          <p:cNvPr id="13" name="TextBox 12">
+            <a:extLst>
+              <a:ext uri="{FF2B5EF4-FFF2-40B4-BE49-F238E27FC236}">
+                <a16:creationId xmlns:a16="http://schemas.microsoft.com/office/drawing/2014/main" id="{83BEFD28-360B-4C34-B776-983624107E9B}"/>
+              </a:ext>
+            </a:extLst>
+          </p:cNvPr>
+          <p:cNvSpPr txBox="1"/>
+          <p:nvPr/>
+        </p:nvSpPr>
+        <p:spPr>
+          <a:xfrm>
+            <a:off x="10507415" y="2722384"/>
+            <a:ext cx="992579" cy="276999"/>
+          </a:xfrm>
+          <a:prstGeom prst="rect">
+            <a:avLst/>
+          </a:prstGeom>
+          <a:noFill/>
+        </p:spPr>
+        <p:txBody>
+          <a:bodyPr wrap="none" rtlCol="0">
+            <a:spAutoFit/>
+          </a:bodyPr>
+          <a:lstStyle/>
+          <a:p>
+            <a:r>
+              <a:rPr lang="en-US" sz="1200" dirty="0">
+                <a:solidFill>
+                  <a:srgbClr val="002060"/>
+                </a:solidFill>
+                <a:latin typeface="Verdana" panose="020B0604030504040204" pitchFamily="34" charset="0"/>
+                <a:ea typeface="Verdana" panose="020B0604030504040204" pitchFamily="34" charset="0"/>
+              </a:rPr>
+              <a:t>Azure SQL</a:t>
+            </a:r>
+          </a:p>
+        </p:txBody>
+      </p:sp>
       <p:sp>
         <p:nvSpPr>
           <p:cNvPr id="14" name="Heptagon 13">
             <a:extLst>
               <a:ext uri="{FF2B5EF4-FFF2-40B4-BE49-F238E27FC236}">
-                <a16:creationId xmlns:a16="http://schemas.microsoft.com/office/drawing/2014/main" id="{5F21601D-4357-469C-9B2B-ED603C89EE75}"/>
+                <a16:creationId xmlns:a16="http://schemas.microsoft.com/office/drawing/2014/main" id="{932FD78C-C27D-4D87-9137-AB3F88C3B70B}"/>
               </a:ext>
             </a:extLst>
           </p:cNvPr>
@@ -4231,7 +4319,7 @@
         </p:nvSpPr>
         <p:spPr>
           <a:xfrm>
-            <a:off x="7254452" y="2559510"/>
+            <a:off x="7612671" y="2700919"/>
             <a:ext cx="307435" cy="344102"/>
           </a:xfrm>
           <a:prstGeom prst="heptagon">
@@ -4261,7 +4349,807 @@
             <a:pPr algn="ctr"/>
             <a:r>
               <a:rPr lang="en-US" dirty="0"/>
+              <a:t>2</a:t>
+            </a:r>
+          </a:p>
+        </p:txBody>
+      </p:sp>
+      <p:sp>
+        <p:nvSpPr>
+          <p:cNvPr id="15" name="Heptagon 14">
+            <a:extLst>
+              <a:ext uri="{FF2B5EF4-FFF2-40B4-BE49-F238E27FC236}">
+                <a16:creationId xmlns:a16="http://schemas.microsoft.com/office/drawing/2014/main" id="{1E40AC33-A982-446B-9D49-9D733A49316A}"/>
+              </a:ext>
+            </a:extLst>
+          </p:cNvPr>
+          <p:cNvSpPr/>
+          <p:nvPr/>
+        </p:nvSpPr>
+        <p:spPr>
+          <a:xfrm>
+            <a:off x="11438204" y="2700919"/>
+            <a:ext cx="307435" cy="344102"/>
+          </a:xfrm>
+          <a:prstGeom prst="heptagon">
+            <a:avLst/>
+          </a:prstGeom>
+        </p:spPr>
+        <p:style>
+          <a:lnRef idx="2">
+            <a:schemeClr val="accent1">
+              <a:shade val="50000"/>
+            </a:schemeClr>
+          </a:lnRef>
+          <a:fillRef idx="1">
+            <a:schemeClr val="accent1"/>
+          </a:fillRef>
+          <a:effectRef idx="0">
+            <a:schemeClr val="accent1"/>
+          </a:effectRef>
+          <a:fontRef idx="minor">
+            <a:schemeClr val="lt1"/>
+          </a:fontRef>
+        </p:style>
+        <p:txBody>
+          <a:bodyPr rtlCol="0" anchor="ctr"/>
+          <a:lstStyle/>
+          <a:p>
+            <a:pPr algn="ctr"/>
+            <a:r>
+              <a:rPr lang="en-US" dirty="0"/>
+              <a:t>3</a:t>
+            </a:r>
+          </a:p>
+        </p:txBody>
+      </p:sp>
+      <p:pic>
+        <p:nvPicPr>
+          <p:cNvPr id="1026" name="Picture 2">
+            <a:extLst>
+              <a:ext uri="{FF2B5EF4-FFF2-40B4-BE49-F238E27FC236}">
+                <a16:creationId xmlns:a16="http://schemas.microsoft.com/office/drawing/2014/main" id="{F57E8191-61DB-4EA0-9C1C-F149C364155D}"/>
+              </a:ext>
+            </a:extLst>
+          </p:cNvPr>
+          <p:cNvPicPr>
+            <a:picLocks noChangeAspect="1" noChangeArrowheads="1"/>
+          </p:cNvPicPr>
+          <p:nvPr/>
+        </p:nvPicPr>
+        <p:blipFill>
+          <a:blip r:embed="rId4">
+            <a:extLst>
+              <a:ext uri="{28A0092B-C50C-407E-A947-70E740481C1C}">
+                <a14:useLocalDpi xmlns:a14="http://schemas.microsoft.com/office/drawing/2010/main" val="0"/>
+              </a:ext>
+            </a:extLst>
+          </a:blip>
+          <a:srcRect/>
+          <a:stretch>
+            <a:fillRect/>
+          </a:stretch>
+        </p:blipFill>
+        <p:spPr bwMode="auto">
+          <a:xfrm>
+            <a:off x="7368618" y="5041057"/>
+            <a:ext cx="810000" cy="810000"/>
+          </a:xfrm>
+          <a:prstGeom prst="rect">
+            <a:avLst/>
+          </a:prstGeom>
+          <a:noFill/>
+          <a:extLst>
+            <a:ext uri="{909E8E84-426E-40DD-AFC4-6F175D3DCCD1}">
+              <a14:hiddenFill xmlns:a14="http://schemas.microsoft.com/office/drawing/2010/main">
+                <a:solidFill>
+                  <a:srgbClr val="FFFFFF"/>
+                </a:solidFill>
+              </a14:hiddenFill>
+            </a:ext>
+          </a:extLst>
+        </p:spPr>
+      </p:pic>
+      <p:cxnSp>
+        <p:nvCxnSpPr>
+          <p:cNvPr id="4" name="Straight Connector 3">
+            <a:extLst>
+              <a:ext uri="{FF2B5EF4-FFF2-40B4-BE49-F238E27FC236}">
+                <a16:creationId xmlns:a16="http://schemas.microsoft.com/office/drawing/2014/main" id="{3305130D-A90B-4CF0-8C61-F044EE9BFE47}"/>
+              </a:ext>
+            </a:extLst>
+          </p:cNvPr>
+          <p:cNvCxnSpPr>
+            <a:stCxn id="6" idx="3"/>
+            <a:endCxn id="11" idx="1"/>
+          </p:cNvCxnSpPr>
+          <p:nvPr/>
+        </p:nvCxnSpPr>
+        <p:spPr>
+          <a:xfrm>
+            <a:off x="8178243" y="3456105"/>
+            <a:ext cx="3128775" cy="187"/>
+          </a:xfrm>
+          <a:prstGeom prst="line">
+            <a:avLst/>
+          </a:prstGeom>
+        </p:spPr>
+        <p:style>
+          <a:lnRef idx="2">
+            <a:schemeClr val="accent1"/>
+          </a:lnRef>
+          <a:fillRef idx="0">
+            <a:schemeClr val="accent1"/>
+          </a:fillRef>
+          <a:effectRef idx="1">
+            <a:schemeClr val="accent1"/>
+          </a:effectRef>
+          <a:fontRef idx="minor">
+            <a:schemeClr val="tx1"/>
+          </a:fontRef>
+        </p:style>
+      </p:cxnSp>
+      <p:cxnSp>
+        <p:nvCxnSpPr>
+          <p:cNvPr id="17" name="Straight Connector 16">
+            <a:extLst>
+              <a:ext uri="{FF2B5EF4-FFF2-40B4-BE49-F238E27FC236}">
+                <a16:creationId xmlns:a16="http://schemas.microsoft.com/office/drawing/2014/main" id="{AAC1447B-07A7-40E7-8652-6EC297A4352B}"/>
+              </a:ext>
+            </a:extLst>
+          </p:cNvPr>
+          <p:cNvCxnSpPr>
+            <a:stCxn id="6" idx="2"/>
+            <a:endCxn id="1026" idx="0"/>
+          </p:cNvCxnSpPr>
+          <p:nvPr/>
+        </p:nvCxnSpPr>
+        <p:spPr>
+          <a:xfrm>
+            <a:off x="7773431" y="3860917"/>
+            <a:ext cx="187" cy="1180140"/>
+          </a:xfrm>
+          <a:prstGeom prst="line">
+            <a:avLst/>
+          </a:prstGeom>
+          <a:ln w="12700"/>
+        </p:spPr>
+        <p:style>
+          <a:lnRef idx="1">
+            <a:schemeClr val="accent1"/>
+          </a:lnRef>
+          <a:fillRef idx="0">
+            <a:schemeClr val="accent1"/>
+          </a:fillRef>
+          <a:effectRef idx="0">
+            <a:schemeClr val="accent1"/>
+          </a:effectRef>
+          <a:fontRef idx="minor">
+            <a:schemeClr val="tx1"/>
+          </a:fontRef>
+        </p:style>
+      </p:cxnSp>
+      <p:sp>
+        <p:nvSpPr>
+          <p:cNvPr id="20" name="Heptagon 19">
+            <a:extLst>
+              <a:ext uri="{FF2B5EF4-FFF2-40B4-BE49-F238E27FC236}">
+                <a16:creationId xmlns:a16="http://schemas.microsoft.com/office/drawing/2014/main" id="{81B034CB-CC36-4166-926A-86A06D7A20E6}"/>
+              </a:ext>
+            </a:extLst>
+          </p:cNvPr>
+          <p:cNvSpPr/>
+          <p:nvPr/>
+        </p:nvSpPr>
+        <p:spPr>
+          <a:xfrm>
+            <a:off x="7612671" y="5858706"/>
+            <a:ext cx="307435" cy="344102"/>
+          </a:xfrm>
+          <a:prstGeom prst="heptagon">
+            <a:avLst/>
+          </a:prstGeom>
+        </p:spPr>
+        <p:style>
+          <a:lnRef idx="2">
+            <a:schemeClr val="accent1">
+              <a:shade val="50000"/>
+            </a:schemeClr>
+          </a:lnRef>
+          <a:fillRef idx="1">
+            <a:schemeClr val="accent1"/>
+          </a:fillRef>
+          <a:effectRef idx="0">
+            <a:schemeClr val="accent1"/>
+          </a:effectRef>
+          <a:fontRef idx="minor">
+            <a:schemeClr val="lt1"/>
+          </a:fontRef>
+        </p:style>
+        <p:txBody>
+          <a:bodyPr rtlCol="0" anchor="ctr"/>
+          <a:lstStyle/>
+          <a:p>
+            <a:pPr algn="ctr"/>
+            <a:r>
+              <a:rPr lang="en-US" dirty="0"/>
+              <a:t>4</a:t>
+            </a:r>
+          </a:p>
+        </p:txBody>
+      </p:sp>
+      <p:sp>
+        <p:nvSpPr>
+          <p:cNvPr id="21" name="TextBox 20">
+            <a:extLst>
+              <a:ext uri="{FF2B5EF4-FFF2-40B4-BE49-F238E27FC236}">
+                <a16:creationId xmlns:a16="http://schemas.microsoft.com/office/drawing/2014/main" id="{BE85FB5F-7B2C-4F7C-80F9-0633CA2F185C}"/>
+              </a:ext>
+            </a:extLst>
+          </p:cNvPr>
+          <p:cNvSpPr txBox="1"/>
+          <p:nvPr/>
+        </p:nvSpPr>
+        <p:spPr>
+          <a:xfrm>
+            <a:off x="8141555" y="5269474"/>
+            <a:ext cx="847733" cy="276999"/>
+          </a:xfrm>
+          <a:prstGeom prst="rect">
+            <a:avLst/>
+          </a:prstGeom>
+          <a:noFill/>
+        </p:spPr>
+        <p:txBody>
+          <a:bodyPr wrap="none" rtlCol="0">
+            <a:spAutoFit/>
+          </a:bodyPr>
+          <a:lstStyle/>
+          <a:p>
+            <a:r>
+              <a:rPr lang="en-US" sz="1200" dirty="0">
+                <a:solidFill>
+                  <a:srgbClr val="002060"/>
+                </a:solidFill>
+                <a:latin typeface="Verdana" panose="020B0604030504040204" pitchFamily="34" charset="0"/>
+                <a:ea typeface="Verdana" panose="020B0604030504040204" pitchFamily="34" charset="0"/>
+              </a:rPr>
+              <a:t>Postman</a:t>
+            </a:r>
+          </a:p>
+        </p:txBody>
+      </p:sp>
+      <p:pic>
+        <p:nvPicPr>
+          <p:cNvPr id="2050" name="Picture 2">
+            <a:extLst>
+              <a:ext uri="{FF2B5EF4-FFF2-40B4-BE49-F238E27FC236}">
+                <a16:creationId xmlns:a16="http://schemas.microsoft.com/office/drawing/2014/main" id="{E5FC223A-D3AB-4E6B-8768-C5EBCFD1EE4D}"/>
+              </a:ext>
+            </a:extLst>
+          </p:cNvPr>
+          <p:cNvPicPr>
+            <a:picLocks noChangeAspect="1" noChangeArrowheads="1"/>
+          </p:cNvPicPr>
+          <p:nvPr/>
+        </p:nvPicPr>
+        <p:blipFill>
+          <a:blip r:embed="rId5">
+            <a:extLst>
+              <a:ext uri="{28A0092B-C50C-407E-A947-70E740481C1C}">
+                <a14:useLocalDpi xmlns:a14="http://schemas.microsoft.com/office/drawing/2010/main" val="0"/>
+              </a:ext>
+            </a:extLst>
+          </a:blip>
+          <a:srcRect/>
+          <a:stretch>
+            <a:fillRect/>
+          </a:stretch>
+        </p:blipFill>
+        <p:spPr bwMode="auto">
+          <a:xfrm>
+            <a:off x="3391174" y="770006"/>
+            <a:ext cx="857250" cy="809625"/>
+          </a:xfrm>
+          <a:prstGeom prst="rect">
+            <a:avLst/>
+          </a:prstGeom>
+          <a:noFill/>
+          <a:extLst>
+            <a:ext uri="{909E8E84-426E-40DD-AFC4-6F175D3DCCD1}">
+              <a14:hiddenFill xmlns:a14="http://schemas.microsoft.com/office/drawing/2010/main">
+                <a:solidFill>
+                  <a:srgbClr val="FFFFFF"/>
+                </a:solidFill>
+              </a14:hiddenFill>
+            </a:ext>
+          </a:extLst>
+        </p:spPr>
+      </p:pic>
+      <p:cxnSp>
+        <p:nvCxnSpPr>
+          <p:cNvPr id="18" name="Straight Connector 17">
+            <a:extLst>
+              <a:ext uri="{FF2B5EF4-FFF2-40B4-BE49-F238E27FC236}">
+                <a16:creationId xmlns:a16="http://schemas.microsoft.com/office/drawing/2014/main" id="{E47FE56F-918E-499D-98A8-601D634441D4}"/>
+              </a:ext>
+            </a:extLst>
+          </p:cNvPr>
+          <p:cNvCxnSpPr/>
+          <p:nvPr/>
+        </p:nvCxnSpPr>
+        <p:spPr>
+          <a:xfrm>
+            <a:off x="4267692" y="3457673"/>
+            <a:ext cx="3128775" cy="187"/>
+          </a:xfrm>
+          <a:prstGeom prst="line">
+            <a:avLst/>
+          </a:prstGeom>
+        </p:spPr>
+        <p:style>
+          <a:lnRef idx="2">
+            <a:schemeClr val="accent1"/>
+          </a:lnRef>
+          <a:fillRef idx="0">
+            <a:schemeClr val="accent1"/>
+          </a:fillRef>
+          <a:effectRef idx="1">
+            <a:schemeClr val="accent1"/>
+          </a:effectRef>
+          <a:fontRef idx="minor">
+            <a:schemeClr val="tx1"/>
+          </a:fontRef>
+        </p:style>
+      </p:cxnSp>
+      <p:pic>
+        <p:nvPicPr>
+          <p:cNvPr id="19" name="Picture 2">
+            <a:extLst>
+              <a:ext uri="{FF2B5EF4-FFF2-40B4-BE49-F238E27FC236}">
+                <a16:creationId xmlns:a16="http://schemas.microsoft.com/office/drawing/2014/main" id="{81596101-A8EB-49A3-935D-208ECEA59F5F}"/>
+              </a:ext>
+            </a:extLst>
+          </p:cNvPr>
+          <p:cNvPicPr>
+            <a:picLocks noChangeAspect="1" noChangeArrowheads="1"/>
+          </p:cNvPicPr>
+          <p:nvPr/>
+        </p:nvPicPr>
+        <p:blipFill>
+          <a:blip r:embed="rId5">
+            <a:extLst>
+              <a:ext uri="{28A0092B-C50C-407E-A947-70E740481C1C}">
+                <a14:useLocalDpi xmlns:a14="http://schemas.microsoft.com/office/drawing/2010/main" val="0"/>
+              </a:ext>
+            </a:extLst>
+          </a:blip>
+          <a:srcRect/>
+          <a:stretch>
+            <a:fillRect/>
+          </a:stretch>
+        </p:blipFill>
+        <p:spPr bwMode="auto">
+          <a:xfrm>
+            <a:off x="1185301" y="770006"/>
+            <a:ext cx="857250" cy="809625"/>
+          </a:xfrm>
+          <a:prstGeom prst="rect">
+            <a:avLst/>
+          </a:prstGeom>
+          <a:noFill/>
+          <a:extLst>
+            <a:ext uri="{909E8E84-426E-40DD-AFC4-6F175D3DCCD1}">
+              <a14:hiddenFill xmlns:a14="http://schemas.microsoft.com/office/drawing/2010/main">
+                <a:solidFill>
+                  <a:srgbClr val="FFFFFF"/>
+                </a:solidFill>
+              </a14:hiddenFill>
+            </a:ext>
+          </a:extLst>
+        </p:spPr>
+      </p:pic>
+      <p:sp>
+        <p:nvSpPr>
+          <p:cNvPr id="22" name="Heptagon 21">
+            <a:extLst>
+              <a:ext uri="{FF2B5EF4-FFF2-40B4-BE49-F238E27FC236}">
+                <a16:creationId xmlns:a16="http://schemas.microsoft.com/office/drawing/2014/main" id="{9DC9C82A-36F2-4DA5-AAE7-F9FC02DA4D7C}"/>
+              </a:ext>
+            </a:extLst>
+          </p:cNvPr>
+          <p:cNvSpPr/>
+          <p:nvPr/>
+        </p:nvSpPr>
+        <p:spPr>
+          <a:xfrm>
+            <a:off x="3237456" y="425904"/>
+            <a:ext cx="307435" cy="344102"/>
+          </a:xfrm>
+          <a:prstGeom prst="heptagon">
+            <a:avLst/>
+          </a:prstGeom>
+        </p:spPr>
+        <p:style>
+          <a:lnRef idx="2">
+            <a:schemeClr val="accent1">
+              <a:shade val="50000"/>
+            </a:schemeClr>
+          </a:lnRef>
+          <a:fillRef idx="1">
+            <a:schemeClr val="accent1"/>
+          </a:fillRef>
+          <a:effectRef idx="0">
+            <a:schemeClr val="accent1"/>
+          </a:effectRef>
+          <a:fontRef idx="minor">
+            <a:schemeClr val="lt1"/>
+          </a:fontRef>
+        </p:style>
+        <p:txBody>
+          <a:bodyPr rtlCol="0" anchor="ctr"/>
+          <a:lstStyle/>
+          <a:p>
+            <a:pPr algn="ctr"/>
+            <a:r>
+              <a:rPr lang="en-US" dirty="0"/>
+              <a:t>5</a:t>
+            </a:r>
+          </a:p>
+        </p:txBody>
+      </p:sp>
+      <p:sp>
+        <p:nvSpPr>
+          <p:cNvPr id="23" name="Heptagon 22">
+            <a:extLst>
+              <a:ext uri="{FF2B5EF4-FFF2-40B4-BE49-F238E27FC236}">
+                <a16:creationId xmlns:a16="http://schemas.microsoft.com/office/drawing/2014/main" id="{D027EBA1-67A9-4BF1-ACE6-4F4DB7E49E26}"/>
+              </a:ext>
+            </a:extLst>
+          </p:cNvPr>
+          <p:cNvSpPr/>
+          <p:nvPr/>
+        </p:nvSpPr>
+        <p:spPr>
+          <a:xfrm>
+            <a:off x="954725" y="461674"/>
+            <a:ext cx="307435" cy="344102"/>
+          </a:xfrm>
+          <a:prstGeom prst="heptagon">
+            <a:avLst/>
+          </a:prstGeom>
+        </p:spPr>
+        <p:style>
+          <a:lnRef idx="2">
+            <a:schemeClr val="accent1">
+              <a:shade val="50000"/>
+            </a:schemeClr>
+          </a:lnRef>
+          <a:fillRef idx="1">
+            <a:schemeClr val="accent1"/>
+          </a:fillRef>
+          <a:effectRef idx="0">
+            <a:schemeClr val="accent1"/>
+          </a:effectRef>
+          <a:fontRef idx="minor">
+            <a:schemeClr val="lt1"/>
+          </a:fontRef>
+        </p:style>
+        <p:txBody>
+          <a:bodyPr rtlCol="0" anchor="ctr"/>
+          <a:lstStyle/>
+          <a:p>
+            <a:pPr algn="ctr"/>
+            <a:r>
+              <a:rPr lang="en-US" dirty="0"/>
+              <a:t>6</a:t>
+            </a:r>
+          </a:p>
+        </p:txBody>
+      </p:sp>
+      <p:sp>
+        <p:nvSpPr>
+          <p:cNvPr id="24" name="TextBox 23">
+            <a:extLst>
+              <a:ext uri="{FF2B5EF4-FFF2-40B4-BE49-F238E27FC236}">
+                <a16:creationId xmlns:a16="http://schemas.microsoft.com/office/drawing/2014/main" id="{444ADC56-8CEB-448D-9DB4-A40A04DCB75F}"/>
+              </a:ext>
+            </a:extLst>
+          </p:cNvPr>
+          <p:cNvSpPr txBox="1"/>
+          <p:nvPr/>
+        </p:nvSpPr>
+        <p:spPr>
+          <a:xfrm>
+            <a:off x="3544890" y="466491"/>
+            <a:ext cx="1206219" cy="276999"/>
+          </a:xfrm>
+          <a:prstGeom prst="rect">
+            <a:avLst/>
+          </a:prstGeom>
+          <a:noFill/>
+        </p:spPr>
+        <p:txBody>
+          <a:bodyPr wrap="square" rtlCol="0">
+            <a:spAutoFit/>
+          </a:bodyPr>
+          <a:lstStyle/>
+          <a:p>
+            <a:r>
+              <a:rPr lang="en-US" sz="1200" dirty="0">
+                <a:solidFill>
+                  <a:srgbClr val="002060"/>
+                </a:solidFill>
+                <a:latin typeface="Verdana" panose="020B0604030504040204" pitchFamily="34" charset="0"/>
+                <a:ea typeface="Verdana" panose="020B0604030504040204" pitchFamily="34" charset="0"/>
+              </a:rPr>
+              <a:t>Windows VM</a:t>
+            </a:r>
+          </a:p>
+        </p:txBody>
+      </p:sp>
+      <p:sp>
+        <p:nvSpPr>
+          <p:cNvPr id="25" name="TextBox 24">
+            <a:extLst>
+              <a:ext uri="{FF2B5EF4-FFF2-40B4-BE49-F238E27FC236}">
+                <a16:creationId xmlns:a16="http://schemas.microsoft.com/office/drawing/2014/main" id="{94D56564-9C91-49CE-B97F-D9A8EDAD6D68}"/>
+              </a:ext>
+            </a:extLst>
+          </p:cNvPr>
+          <p:cNvSpPr txBox="1"/>
+          <p:nvPr/>
+        </p:nvSpPr>
+        <p:spPr>
+          <a:xfrm>
+            <a:off x="1308850" y="465186"/>
+            <a:ext cx="1206219" cy="276999"/>
+          </a:xfrm>
+          <a:prstGeom prst="rect">
+            <a:avLst/>
+          </a:prstGeom>
+          <a:noFill/>
+        </p:spPr>
+        <p:txBody>
+          <a:bodyPr wrap="square" rtlCol="0">
+            <a:spAutoFit/>
+          </a:bodyPr>
+          <a:lstStyle/>
+          <a:p>
+            <a:r>
+              <a:rPr lang="en-US" sz="1200" dirty="0">
+                <a:solidFill>
+                  <a:srgbClr val="002060"/>
+                </a:solidFill>
+                <a:latin typeface="Verdana" panose="020B0604030504040204" pitchFamily="34" charset="0"/>
+                <a:ea typeface="Verdana" panose="020B0604030504040204" pitchFamily="34" charset="0"/>
+              </a:rPr>
+              <a:t>Ubuntu VM</a:t>
+            </a:r>
+          </a:p>
+        </p:txBody>
+      </p:sp>
+      <p:pic>
+        <p:nvPicPr>
+          <p:cNvPr id="2" name="Picture 2">
+            <a:extLst>
+              <a:ext uri="{FF2B5EF4-FFF2-40B4-BE49-F238E27FC236}">
+                <a16:creationId xmlns:a16="http://schemas.microsoft.com/office/drawing/2014/main" id="{7BACA7D4-C34A-4935-A82E-FCDE642A4BF8}"/>
+              </a:ext>
+            </a:extLst>
+          </p:cNvPr>
+          <p:cNvPicPr>
+            <a:picLocks noChangeAspect="1" noChangeArrowheads="1"/>
+          </p:cNvPicPr>
+          <p:nvPr/>
+        </p:nvPicPr>
+        <p:blipFill>
+          <a:blip r:embed="rId6">
+            <a:extLst>
+              <a:ext uri="{28A0092B-C50C-407E-A947-70E740481C1C}">
+                <a14:useLocalDpi xmlns:a14="http://schemas.microsoft.com/office/drawing/2010/main" val="0"/>
+              </a:ext>
+            </a:extLst>
+          </a:blip>
+          <a:srcRect/>
+          <a:stretch>
+            <a:fillRect/>
+          </a:stretch>
+        </p:blipFill>
+        <p:spPr bwMode="auto">
+          <a:xfrm>
+            <a:off x="3771283" y="805639"/>
+            <a:ext cx="618960" cy="603282"/>
+          </a:xfrm>
+          <a:prstGeom prst="rect">
+            <a:avLst/>
+          </a:prstGeom>
+          <a:noFill/>
+          <a:extLst>
+            <a:ext uri="{909E8E84-426E-40DD-AFC4-6F175D3DCCD1}">
+              <a14:hiddenFill xmlns:a14="http://schemas.microsoft.com/office/drawing/2010/main">
+                <a:solidFill>
+                  <a:srgbClr val="FFFFFF"/>
+                </a:solidFill>
+              </a14:hiddenFill>
+            </a:ext>
+          </a:extLst>
+        </p:spPr>
+      </p:pic>
+      <p:sp>
+        <p:nvSpPr>
+          <p:cNvPr id="26" name="TextBox 25">
+            <a:extLst>
+              <a:ext uri="{FF2B5EF4-FFF2-40B4-BE49-F238E27FC236}">
+                <a16:creationId xmlns:a16="http://schemas.microsoft.com/office/drawing/2014/main" id="{88EB1ECD-7D00-48B1-8A56-5CF8EC037158}"/>
+              </a:ext>
+            </a:extLst>
+          </p:cNvPr>
+          <p:cNvSpPr txBox="1"/>
+          <p:nvPr/>
+        </p:nvSpPr>
+        <p:spPr>
+          <a:xfrm>
+            <a:off x="4148000" y="927151"/>
+            <a:ext cx="1753180" cy="276999"/>
+          </a:xfrm>
+          <a:prstGeom prst="rect">
+            <a:avLst/>
+          </a:prstGeom>
+          <a:noFill/>
+        </p:spPr>
+        <p:txBody>
+          <a:bodyPr wrap="square" rtlCol="0">
+            <a:spAutoFit/>
+          </a:bodyPr>
+          <a:lstStyle/>
+          <a:p>
+            <a:r>
+              <a:rPr lang="en-US" sz="1200" dirty="0">
+                <a:solidFill>
+                  <a:srgbClr val="0070C0"/>
+                </a:solidFill>
+                <a:latin typeface="Verdana" panose="020B0604030504040204" pitchFamily="34" charset="0"/>
+                <a:ea typeface="Verdana" panose="020B0604030504040204" pitchFamily="34" charset="0"/>
+              </a:rPr>
+              <a:t>Razor App inside IIS</a:t>
+            </a:r>
+          </a:p>
+        </p:txBody>
+      </p:sp>
+      <p:pic>
+        <p:nvPicPr>
+          <p:cNvPr id="28" name="Picture 12">
+            <a:extLst>
+              <a:ext uri="{FF2B5EF4-FFF2-40B4-BE49-F238E27FC236}">
+                <a16:creationId xmlns:a16="http://schemas.microsoft.com/office/drawing/2014/main" id="{BE573FE1-020D-4965-9EAD-D732491D43B6}"/>
+              </a:ext>
+            </a:extLst>
+          </p:cNvPr>
+          <p:cNvPicPr>
+            <a:picLocks noChangeAspect="1" noChangeArrowheads="1"/>
+          </p:cNvPicPr>
+          <p:nvPr/>
+        </p:nvPicPr>
+        <p:blipFill>
+          <a:blip r:embed="rId2">
+            <a:extLst>
+              <a:ext uri="{28A0092B-C50C-407E-A947-70E740481C1C}">
+                <a14:useLocalDpi xmlns:a14="http://schemas.microsoft.com/office/drawing/2010/main" val="0"/>
+              </a:ext>
+            </a:extLst>
+          </a:blip>
+          <a:srcRect/>
+          <a:stretch>
+            <a:fillRect/>
+          </a:stretch>
+        </p:blipFill>
+        <p:spPr bwMode="auto">
+          <a:xfrm>
+            <a:off x="3529020" y="3071415"/>
+            <a:ext cx="809625" cy="809625"/>
+          </a:xfrm>
+          <a:prstGeom prst="rect">
+            <a:avLst/>
+          </a:prstGeom>
+          <a:noFill/>
+          <a:extLst>
+            <a:ext uri="{909E8E84-426E-40DD-AFC4-6F175D3DCCD1}">
+              <a14:hiddenFill xmlns:a14="http://schemas.microsoft.com/office/drawing/2010/main">
+                <a:solidFill>
+                  <a:srgbClr val="FFFFFF"/>
+                </a:solidFill>
+              </a14:hiddenFill>
+            </a:ext>
+          </a:extLst>
+        </p:spPr>
+      </p:pic>
+      <p:sp>
+        <p:nvSpPr>
+          <p:cNvPr id="29" name="Heptagon 28">
+            <a:extLst>
+              <a:ext uri="{FF2B5EF4-FFF2-40B4-BE49-F238E27FC236}">
+                <a16:creationId xmlns:a16="http://schemas.microsoft.com/office/drawing/2014/main" id="{8678203A-7D22-423F-A8A1-A0D964021E91}"/>
+              </a:ext>
+            </a:extLst>
+          </p:cNvPr>
+          <p:cNvSpPr/>
+          <p:nvPr/>
+        </p:nvSpPr>
+        <p:spPr>
+          <a:xfrm>
+            <a:off x="3511340" y="2700797"/>
+            <a:ext cx="307435" cy="344102"/>
+          </a:xfrm>
+          <a:prstGeom prst="heptagon">
+            <a:avLst/>
+          </a:prstGeom>
+        </p:spPr>
+        <p:style>
+          <a:lnRef idx="2">
+            <a:schemeClr val="accent1">
+              <a:shade val="50000"/>
+            </a:schemeClr>
+          </a:lnRef>
+          <a:fillRef idx="1">
+            <a:schemeClr val="accent1"/>
+          </a:fillRef>
+          <a:effectRef idx="0">
+            <a:schemeClr val="accent1"/>
+          </a:effectRef>
+          <a:fontRef idx="minor">
+            <a:schemeClr val="lt1"/>
+          </a:fontRef>
+        </p:style>
+        <p:txBody>
+          <a:bodyPr rtlCol="0" anchor="ctr"/>
+          <a:lstStyle/>
+          <a:p>
+            <a:pPr algn="ctr"/>
+            <a:r>
+              <a:rPr lang="en-US" dirty="0"/>
               <a:t>1</a:t>
+            </a:r>
+          </a:p>
+        </p:txBody>
+      </p:sp>
+      <p:sp>
+        <p:nvSpPr>
+          <p:cNvPr id="30" name="TextBox 29">
+            <a:extLst>
+              <a:ext uri="{FF2B5EF4-FFF2-40B4-BE49-F238E27FC236}">
+                <a16:creationId xmlns:a16="http://schemas.microsoft.com/office/drawing/2014/main" id="{2BC9F718-89F5-4ABC-8898-7B19A551B64A}"/>
+              </a:ext>
+            </a:extLst>
+          </p:cNvPr>
+          <p:cNvSpPr txBox="1"/>
+          <p:nvPr/>
+        </p:nvSpPr>
+        <p:spPr>
+          <a:xfrm>
+            <a:off x="3925476" y="2728022"/>
+            <a:ext cx="998991" cy="276999"/>
+          </a:xfrm>
+          <a:prstGeom prst="rect">
+            <a:avLst/>
+          </a:prstGeom>
+          <a:noFill/>
+        </p:spPr>
+        <p:txBody>
+          <a:bodyPr wrap="none" rtlCol="0">
+            <a:spAutoFit/>
+          </a:bodyPr>
+          <a:lstStyle/>
+          <a:p>
+            <a:r>
+              <a:rPr lang="en-US" sz="1200" dirty="0">
+                <a:solidFill>
+                  <a:srgbClr val="002060"/>
+                </a:solidFill>
+                <a:latin typeface="Verdana" panose="020B0604030504040204" pitchFamily="34" charset="0"/>
+                <a:ea typeface="Verdana" panose="020B0604030504040204" pitchFamily="34" charset="0"/>
+              </a:rPr>
+              <a:t>Ng 12 App</a:t>
             </a:r>
           </a:p>
         </p:txBody>
@@ -4269,7 +5157,7 @@
     </p:spTree>
     <p:extLst>
       <p:ext uri="{BB962C8B-B14F-4D97-AF65-F5344CB8AC3E}">
-        <p14:creationId xmlns:p14="http://schemas.microsoft.com/office/powerpoint/2010/main" val="3396452104"/>
+        <p14:creationId xmlns:p14="http://schemas.microsoft.com/office/powerpoint/2010/main" val="2545165636"/>
       </p:ext>
     </p:extLst>
   </p:cSld>
@@ -4382,7 +5270,7 @@
                 <a:latin typeface="Verdana" panose="020B0604030504040204" pitchFamily="34" charset="0"/>
                 <a:ea typeface="Verdana" panose="020B0604030504040204" pitchFamily="34" charset="0"/>
               </a:rPr>
-              <a:t>29-Sep-2021</a:t>
+              <a:t>10-Nov-2021</a:t>
             </a:r>
           </a:p>
         </p:txBody>
@@ -4591,7 +5479,7 @@
         </p:blipFill>
         <p:spPr bwMode="auto">
           <a:xfrm>
-            <a:off x="4370897" y="3051292"/>
+            <a:off x="7368618" y="3051292"/>
             <a:ext cx="809625" cy="809625"/>
           </a:xfrm>
           <a:prstGeom prst="rect">
@@ -4623,7 +5511,7 @@
         </p:nvSpPr>
         <p:spPr>
           <a:xfrm>
-            <a:off x="4964445" y="2728022"/>
+            <a:off x="7962166" y="2728022"/>
             <a:ext cx="834396" cy="276999"/>
           </a:xfrm>
           <a:prstGeom prst="rect">
@@ -4679,7 +5567,7 @@
         </p:blipFill>
         <p:spPr bwMode="auto">
           <a:xfrm>
-            <a:off x="8309297" y="3051292"/>
+            <a:off x="11307018" y="3051292"/>
             <a:ext cx="810000" cy="810000"/>
           </a:xfrm>
           <a:prstGeom prst="rect">
@@ -4711,7 +5599,7 @@
         </p:nvSpPr>
         <p:spPr>
           <a:xfrm>
-            <a:off x="7509694" y="2722384"/>
+            <a:off x="10507415" y="2722384"/>
             <a:ext cx="992579" cy="276999"/>
           </a:xfrm>
           <a:prstGeom prst="rect">
@@ -4752,7 +5640,7 @@
         </p:nvSpPr>
         <p:spPr>
           <a:xfrm>
-            <a:off x="4614950" y="2700919"/>
+            <a:off x="7612671" y="2700919"/>
             <a:ext cx="307435" cy="344102"/>
           </a:xfrm>
           <a:prstGeom prst="heptagon">
@@ -4782,7 +5670,7 @@
             <a:pPr algn="ctr"/>
             <a:r>
               <a:rPr lang="en-US" dirty="0"/>
-              <a:t>1</a:t>
+              <a:t>2</a:t>
             </a:r>
           </a:p>
         </p:txBody>
@@ -4801,7 +5689,7 @@
         </p:nvSpPr>
         <p:spPr>
           <a:xfrm>
-            <a:off x="8440483" y="2700919"/>
+            <a:off x="11438204" y="2700919"/>
             <a:ext cx="307435" cy="344102"/>
           </a:xfrm>
           <a:prstGeom prst="heptagon">
@@ -4831,7 +5719,7 @@
             <a:pPr algn="ctr"/>
             <a:r>
               <a:rPr lang="en-US" dirty="0"/>
-              <a:t>2</a:t>
+              <a:t>3</a:t>
             </a:r>
           </a:p>
         </p:txBody>
@@ -4865,7 +5753,7 @@
         </p:blipFill>
         <p:spPr bwMode="auto">
           <a:xfrm>
-            <a:off x="4370897" y="5041057"/>
+            <a:off x="7368618" y="5041057"/>
             <a:ext cx="810000" cy="810000"/>
           </a:xfrm>
           <a:prstGeom prst="rect">
@@ -4900,7 +5788,7 @@
         </p:nvCxnSpPr>
         <p:spPr>
           <a:xfrm>
-            <a:off x="5180522" y="3456105"/>
+            <a:off x="8178243" y="3456105"/>
             <a:ext cx="3128775" cy="187"/>
           </a:xfrm>
           <a:prstGeom prst="line">
@@ -4939,7 +5827,7 @@
         </p:nvCxnSpPr>
         <p:spPr>
           <a:xfrm>
-            <a:off x="4775710" y="3860917"/>
+            <a:off x="7773431" y="3860917"/>
             <a:ext cx="187" cy="1180140"/>
           </a:xfrm>
           <a:prstGeom prst="line">
@@ -4976,7 +5864,7 @@
         </p:nvSpPr>
         <p:spPr>
           <a:xfrm>
-            <a:off x="4614950" y="5858706"/>
+            <a:off x="7612671" y="5858706"/>
             <a:ext cx="307435" cy="344102"/>
           </a:xfrm>
           <a:prstGeom prst="heptagon">
@@ -5006,7 +5894,7 @@
             <a:pPr algn="ctr"/>
             <a:r>
               <a:rPr lang="en-US" dirty="0"/>
-              <a:t>3</a:t>
+              <a:t>4</a:t>
             </a:r>
           </a:p>
         </p:txBody>
@@ -5025,7 +5913,7 @@
         </p:nvSpPr>
         <p:spPr>
           <a:xfrm>
-            <a:off x="5143834" y="5269474"/>
+            <a:off x="8141555" y="5269474"/>
             <a:ext cx="847733" cy="276999"/>
           </a:xfrm>
           <a:prstGeom prst="rect">
@@ -5052,10 +5940,545 @@
           </a:p>
         </p:txBody>
       </p:sp>
+      <p:pic>
+        <p:nvPicPr>
+          <p:cNvPr id="2050" name="Picture 2">
+            <a:extLst>
+              <a:ext uri="{FF2B5EF4-FFF2-40B4-BE49-F238E27FC236}">
+                <a16:creationId xmlns:a16="http://schemas.microsoft.com/office/drawing/2014/main" id="{E5FC223A-D3AB-4E6B-8768-C5EBCFD1EE4D}"/>
+              </a:ext>
+            </a:extLst>
+          </p:cNvPr>
+          <p:cNvPicPr>
+            <a:picLocks noChangeAspect="1" noChangeArrowheads="1"/>
+          </p:cNvPicPr>
+          <p:nvPr/>
+        </p:nvPicPr>
+        <p:blipFill>
+          <a:blip r:embed="rId5">
+            <a:extLst>
+              <a:ext uri="{28A0092B-C50C-407E-A947-70E740481C1C}">
+                <a14:useLocalDpi xmlns:a14="http://schemas.microsoft.com/office/drawing/2010/main" val="0"/>
+              </a:ext>
+            </a:extLst>
+          </a:blip>
+          <a:srcRect/>
+          <a:stretch>
+            <a:fillRect/>
+          </a:stretch>
+        </p:blipFill>
+        <p:spPr bwMode="auto">
+          <a:xfrm>
+            <a:off x="3391174" y="770006"/>
+            <a:ext cx="857250" cy="809625"/>
+          </a:xfrm>
+          <a:prstGeom prst="rect">
+            <a:avLst/>
+          </a:prstGeom>
+          <a:noFill/>
+          <a:extLst>
+            <a:ext uri="{909E8E84-426E-40DD-AFC4-6F175D3DCCD1}">
+              <a14:hiddenFill xmlns:a14="http://schemas.microsoft.com/office/drawing/2010/main">
+                <a:solidFill>
+                  <a:srgbClr val="FFFFFF"/>
+                </a:solidFill>
+              </a14:hiddenFill>
+            </a:ext>
+          </a:extLst>
+        </p:spPr>
+      </p:pic>
+      <p:cxnSp>
+        <p:nvCxnSpPr>
+          <p:cNvPr id="18" name="Straight Connector 17">
+            <a:extLst>
+              <a:ext uri="{FF2B5EF4-FFF2-40B4-BE49-F238E27FC236}">
+                <a16:creationId xmlns:a16="http://schemas.microsoft.com/office/drawing/2014/main" id="{E47FE56F-918E-499D-98A8-601D634441D4}"/>
+              </a:ext>
+            </a:extLst>
+          </p:cNvPr>
+          <p:cNvCxnSpPr/>
+          <p:nvPr/>
+        </p:nvCxnSpPr>
+        <p:spPr>
+          <a:xfrm>
+            <a:off x="4267692" y="3457673"/>
+            <a:ext cx="3128775" cy="187"/>
+          </a:xfrm>
+          <a:prstGeom prst="line">
+            <a:avLst/>
+          </a:prstGeom>
+        </p:spPr>
+        <p:style>
+          <a:lnRef idx="2">
+            <a:schemeClr val="accent1"/>
+          </a:lnRef>
+          <a:fillRef idx="0">
+            <a:schemeClr val="accent1"/>
+          </a:fillRef>
+          <a:effectRef idx="1">
+            <a:schemeClr val="accent1"/>
+          </a:effectRef>
+          <a:fontRef idx="minor">
+            <a:schemeClr val="tx1"/>
+          </a:fontRef>
+        </p:style>
+      </p:cxnSp>
+      <p:pic>
+        <p:nvPicPr>
+          <p:cNvPr id="19" name="Picture 2">
+            <a:extLst>
+              <a:ext uri="{FF2B5EF4-FFF2-40B4-BE49-F238E27FC236}">
+                <a16:creationId xmlns:a16="http://schemas.microsoft.com/office/drawing/2014/main" id="{81596101-A8EB-49A3-935D-208ECEA59F5F}"/>
+              </a:ext>
+            </a:extLst>
+          </p:cNvPr>
+          <p:cNvPicPr>
+            <a:picLocks noChangeAspect="1" noChangeArrowheads="1"/>
+          </p:cNvPicPr>
+          <p:nvPr/>
+        </p:nvPicPr>
+        <p:blipFill>
+          <a:blip r:embed="rId5">
+            <a:extLst>
+              <a:ext uri="{28A0092B-C50C-407E-A947-70E740481C1C}">
+                <a14:useLocalDpi xmlns:a14="http://schemas.microsoft.com/office/drawing/2010/main" val="0"/>
+              </a:ext>
+            </a:extLst>
+          </a:blip>
+          <a:srcRect/>
+          <a:stretch>
+            <a:fillRect/>
+          </a:stretch>
+        </p:blipFill>
+        <p:spPr bwMode="auto">
+          <a:xfrm>
+            <a:off x="1185301" y="770006"/>
+            <a:ext cx="857250" cy="809625"/>
+          </a:xfrm>
+          <a:prstGeom prst="rect">
+            <a:avLst/>
+          </a:prstGeom>
+          <a:noFill/>
+          <a:extLst>
+            <a:ext uri="{909E8E84-426E-40DD-AFC4-6F175D3DCCD1}">
+              <a14:hiddenFill xmlns:a14="http://schemas.microsoft.com/office/drawing/2010/main">
+                <a:solidFill>
+                  <a:srgbClr val="FFFFFF"/>
+                </a:solidFill>
+              </a14:hiddenFill>
+            </a:ext>
+          </a:extLst>
+        </p:spPr>
+      </p:pic>
+      <p:sp>
+        <p:nvSpPr>
+          <p:cNvPr id="22" name="Heptagon 21">
+            <a:extLst>
+              <a:ext uri="{FF2B5EF4-FFF2-40B4-BE49-F238E27FC236}">
+                <a16:creationId xmlns:a16="http://schemas.microsoft.com/office/drawing/2014/main" id="{9DC9C82A-36F2-4DA5-AAE7-F9FC02DA4D7C}"/>
+              </a:ext>
+            </a:extLst>
+          </p:cNvPr>
+          <p:cNvSpPr/>
+          <p:nvPr/>
+        </p:nvSpPr>
+        <p:spPr>
+          <a:xfrm>
+            <a:off x="3237456" y="425904"/>
+            <a:ext cx="307435" cy="344102"/>
+          </a:xfrm>
+          <a:prstGeom prst="heptagon">
+            <a:avLst/>
+          </a:prstGeom>
+        </p:spPr>
+        <p:style>
+          <a:lnRef idx="2">
+            <a:schemeClr val="accent1">
+              <a:shade val="50000"/>
+            </a:schemeClr>
+          </a:lnRef>
+          <a:fillRef idx="1">
+            <a:schemeClr val="accent1"/>
+          </a:fillRef>
+          <a:effectRef idx="0">
+            <a:schemeClr val="accent1"/>
+          </a:effectRef>
+          <a:fontRef idx="minor">
+            <a:schemeClr val="lt1"/>
+          </a:fontRef>
+        </p:style>
+        <p:txBody>
+          <a:bodyPr rtlCol="0" anchor="ctr"/>
+          <a:lstStyle/>
+          <a:p>
+            <a:pPr algn="ctr"/>
+            <a:r>
+              <a:rPr lang="en-US" dirty="0"/>
+              <a:t>5</a:t>
+            </a:r>
+          </a:p>
+        </p:txBody>
+      </p:sp>
+      <p:sp>
+        <p:nvSpPr>
+          <p:cNvPr id="23" name="Heptagon 22">
+            <a:extLst>
+              <a:ext uri="{FF2B5EF4-FFF2-40B4-BE49-F238E27FC236}">
+                <a16:creationId xmlns:a16="http://schemas.microsoft.com/office/drawing/2014/main" id="{D027EBA1-67A9-4BF1-ACE6-4F4DB7E49E26}"/>
+              </a:ext>
+            </a:extLst>
+          </p:cNvPr>
+          <p:cNvSpPr/>
+          <p:nvPr/>
+        </p:nvSpPr>
+        <p:spPr>
+          <a:xfrm>
+            <a:off x="954725" y="461674"/>
+            <a:ext cx="307435" cy="344102"/>
+          </a:xfrm>
+          <a:prstGeom prst="heptagon">
+            <a:avLst/>
+          </a:prstGeom>
+        </p:spPr>
+        <p:style>
+          <a:lnRef idx="2">
+            <a:schemeClr val="accent1">
+              <a:shade val="50000"/>
+            </a:schemeClr>
+          </a:lnRef>
+          <a:fillRef idx="1">
+            <a:schemeClr val="accent1"/>
+          </a:fillRef>
+          <a:effectRef idx="0">
+            <a:schemeClr val="accent1"/>
+          </a:effectRef>
+          <a:fontRef idx="minor">
+            <a:schemeClr val="lt1"/>
+          </a:fontRef>
+        </p:style>
+        <p:txBody>
+          <a:bodyPr rtlCol="0" anchor="ctr"/>
+          <a:lstStyle/>
+          <a:p>
+            <a:pPr algn="ctr"/>
+            <a:r>
+              <a:rPr lang="en-US" dirty="0"/>
+              <a:t>6</a:t>
+            </a:r>
+          </a:p>
+        </p:txBody>
+      </p:sp>
+      <p:sp>
+        <p:nvSpPr>
+          <p:cNvPr id="24" name="TextBox 23">
+            <a:extLst>
+              <a:ext uri="{FF2B5EF4-FFF2-40B4-BE49-F238E27FC236}">
+                <a16:creationId xmlns:a16="http://schemas.microsoft.com/office/drawing/2014/main" id="{444ADC56-8CEB-448D-9DB4-A40A04DCB75F}"/>
+              </a:ext>
+            </a:extLst>
+          </p:cNvPr>
+          <p:cNvSpPr txBox="1"/>
+          <p:nvPr/>
+        </p:nvSpPr>
+        <p:spPr>
+          <a:xfrm>
+            <a:off x="3544890" y="466491"/>
+            <a:ext cx="1206219" cy="276999"/>
+          </a:xfrm>
+          <a:prstGeom prst="rect">
+            <a:avLst/>
+          </a:prstGeom>
+          <a:noFill/>
+        </p:spPr>
+        <p:txBody>
+          <a:bodyPr wrap="square" rtlCol="0">
+            <a:spAutoFit/>
+          </a:bodyPr>
+          <a:lstStyle/>
+          <a:p>
+            <a:r>
+              <a:rPr lang="en-US" sz="1200" dirty="0">
+                <a:solidFill>
+                  <a:srgbClr val="002060"/>
+                </a:solidFill>
+                <a:latin typeface="Verdana" panose="020B0604030504040204" pitchFamily="34" charset="0"/>
+                <a:ea typeface="Verdana" panose="020B0604030504040204" pitchFamily="34" charset="0"/>
+              </a:rPr>
+              <a:t>Windows VM</a:t>
+            </a:r>
+          </a:p>
+        </p:txBody>
+      </p:sp>
+      <p:sp>
+        <p:nvSpPr>
+          <p:cNvPr id="25" name="TextBox 24">
+            <a:extLst>
+              <a:ext uri="{FF2B5EF4-FFF2-40B4-BE49-F238E27FC236}">
+                <a16:creationId xmlns:a16="http://schemas.microsoft.com/office/drawing/2014/main" id="{94D56564-9C91-49CE-B97F-D9A8EDAD6D68}"/>
+              </a:ext>
+            </a:extLst>
+          </p:cNvPr>
+          <p:cNvSpPr txBox="1"/>
+          <p:nvPr/>
+        </p:nvSpPr>
+        <p:spPr>
+          <a:xfrm>
+            <a:off x="1308850" y="465186"/>
+            <a:ext cx="1206219" cy="276999"/>
+          </a:xfrm>
+          <a:prstGeom prst="rect">
+            <a:avLst/>
+          </a:prstGeom>
+          <a:noFill/>
+        </p:spPr>
+        <p:txBody>
+          <a:bodyPr wrap="square" rtlCol="0">
+            <a:spAutoFit/>
+          </a:bodyPr>
+          <a:lstStyle/>
+          <a:p>
+            <a:r>
+              <a:rPr lang="en-US" sz="1200" dirty="0">
+                <a:solidFill>
+                  <a:srgbClr val="002060"/>
+                </a:solidFill>
+                <a:latin typeface="Verdana" panose="020B0604030504040204" pitchFamily="34" charset="0"/>
+                <a:ea typeface="Verdana" panose="020B0604030504040204" pitchFamily="34" charset="0"/>
+              </a:rPr>
+              <a:t>Ubuntu VM</a:t>
+            </a:r>
+          </a:p>
+        </p:txBody>
+      </p:sp>
+      <p:pic>
+        <p:nvPicPr>
+          <p:cNvPr id="2" name="Picture 2">
+            <a:extLst>
+              <a:ext uri="{FF2B5EF4-FFF2-40B4-BE49-F238E27FC236}">
+                <a16:creationId xmlns:a16="http://schemas.microsoft.com/office/drawing/2014/main" id="{7BACA7D4-C34A-4935-A82E-FCDE642A4BF8}"/>
+              </a:ext>
+            </a:extLst>
+          </p:cNvPr>
+          <p:cNvPicPr>
+            <a:picLocks noChangeAspect="1" noChangeArrowheads="1"/>
+          </p:cNvPicPr>
+          <p:nvPr/>
+        </p:nvPicPr>
+        <p:blipFill>
+          <a:blip r:embed="rId6">
+            <a:extLst>
+              <a:ext uri="{28A0092B-C50C-407E-A947-70E740481C1C}">
+                <a14:useLocalDpi xmlns:a14="http://schemas.microsoft.com/office/drawing/2010/main" val="0"/>
+              </a:ext>
+            </a:extLst>
+          </a:blip>
+          <a:srcRect/>
+          <a:stretch>
+            <a:fillRect/>
+          </a:stretch>
+        </p:blipFill>
+        <p:spPr bwMode="auto">
+          <a:xfrm>
+            <a:off x="3771283" y="805639"/>
+            <a:ext cx="618960" cy="603282"/>
+          </a:xfrm>
+          <a:prstGeom prst="rect">
+            <a:avLst/>
+          </a:prstGeom>
+          <a:noFill/>
+          <a:extLst>
+            <a:ext uri="{909E8E84-426E-40DD-AFC4-6F175D3DCCD1}">
+              <a14:hiddenFill xmlns:a14="http://schemas.microsoft.com/office/drawing/2010/main">
+                <a:solidFill>
+                  <a:srgbClr val="FFFFFF"/>
+                </a:solidFill>
+              </a14:hiddenFill>
+            </a:ext>
+          </a:extLst>
+        </p:spPr>
+      </p:pic>
+      <p:sp>
+        <p:nvSpPr>
+          <p:cNvPr id="26" name="TextBox 25">
+            <a:extLst>
+              <a:ext uri="{FF2B5EF4-FFF2-40B4-BE49-F238E27FC236}">
+                <a16:creationId xmlns:a16="http://schemas.microsoft.com/office/drawing/2014/main" id="{88EB1ECD-7D00-48B1-8A56-5CF8EC037158}"/>
+              </a:ext>
+            </a:extLst>
+          </p:cNvPr>
+          <p:cNvSpPr txBox="1"/>
+          <p:nvPr/>
+        </p:nvSpPr>
+        <p:spPr>
+          <a:xfrm>
+            <a:off x="4148000" y="927151"/>
+            <a:ext cx="1753180" cy="276999"/>
+          </a:xfrm>
+          <a:prstGeom prst="rect">
+            <a:avLst/>
+          </a:prstGeom>
+          <a:noFill/>
+        </p:spPr>
+        <p:txBody>
+          <a:bodyPr wrap="square" rtlCol="0">
+            <a:spAutoFit/>
+          </a:bodyPr>
+          <a:lstStyle/>
+          <a:p>
+            <a:r>
+              <a:rPr lang="en-US" sz="1200" dirty="0">
+                <a:solidFill>
+                  <a:srgbClr val="0070C0"/>
+                </a:solidFill>
+                <a:latin typeface="Verdana" panose="020B0604030504040204" pitchFamily="34" charset="0"/>
+                <a:ea typeface="Verdana" panose="020B0604030504040204" pitchFamily="34" charset="0"/>
+              </a:rPr>
+              <a:t>Razor App inside IIS</a:t>
+            </a:r>
+          </a:p>
+        </p:txBody>
+      </p:sp>
+      <p:pic>
+        <p:nvPicPr>
+          <p:cNvPr id="28" name="Picture 12">
+            <a:extLst>
+              <a:ext uri="{FF2B5EF4-FFF2-40B4-BE49-F238E27FC236}">
+                <a16:creationId xmlns:a16="http://schemas.microsoft.com/office/drawing/2014/main" id="{BE573FE1-020D-4965-9EAD-D732491D43B6}"/>
+              </a:ext>
+            </a:extLst>
+          </p:cNvPr>
+          <p:cNvPicPr>
+            <a:picLocks noChangeAspect="1" noChangeArrowheads="1"/>
+          </p:cNvPicPr>
+          <p:nvPr/>
+        </p:nvPicPr>
+        <p:blipFill>
+          <a:blip r:embed="rId2">
+            <a:extLst>
+              <a:ext uri="{28A0092B-C50C-407E-A947-70E740481C1C}">
+                <a14:useLocalDpi xmlns:a14="http://schemas.microsoft.com/office/drawing/2010/main" val="0"/>
+              </a:ext>
+            </a:extLst>
+          </a:blip>
+          <a:srcRect/>
+          <a:stretch>
+            <a:fillRect/>
+          </a:stretch>
+        </p:blipFill>
+        <p:spPr bwMode="auto">
+          <a:xfrm>
+            <a:off x="3529020" y="3071415"/>
+            <a:ext cx="809625" cy="809625"/>
+          </a:xfrm>
+          <a:prstGeom prst="rect">
+            <a:avLst/>
+          </a:prstGeom>
+          <a:noFill/>
+          <a:extLst>
+            <a:ext uri="{909E8E84-426E-40DD-AFC4-6F175D3DCCD1}">
+              <a14:hiddenFill xmlns:a14="http://schemas.microsoft.com/office/drawing/2010/main">
+                <a:solidFill>
+                  <a:srgbClr val="FFFFFF"/>
+                </a:solidFill>
+              </a14:hiddenFill>
+            </a:ext>
+          </a:extLst>
+        </p:spPr>
+      </p:pic>
+      <p:sp>
+        <p:nvSpPr>
+          <p:cNvPr id="29" name="Heptagon 28">
+            <a:extLst>
+              <a:ext uri="{FF2B5EF4-FFF2-40B4-BE49-F238E27FC236}">
+                <a16:creationId xmlns:a16="http://schemas.microsoft.com/office/drawing/2014/main" id="{8678203A-7D22-423F-A8A1-A0D964021E91}"/>
+              </a:ext>
+            </a:extLst>
+          </p:cNvPr>
+          <p:cNvSpPr/>
+          <p:nvPr/>
+        </p:nvSpPr>
+        <p:spPr>
+          <a:xfrm>
+            <a:off x="3511340" y="2700797"/>
+            <a:ext cx="307435" cy="344102"/>
+          </a:xfrm>
+          <a:prstGeom prst="heptagon">
+            <a:avLst/>
+          </a:prstGeom>
+        </p:spPr>
+        <p:style>
+          <a:lnRef idx="2">
+            <a:schemeClr val="accent1">
+              <a:shade val="50000"/>
+            </a:schemeClr>
+          </a:lnRef>
+          <a:fillRef idx="1">
+            <a:schemeClr val="accent1"/>
+          </a:fillRef>
+          <a:effectRef idx="0">
+            <a:schemeClr val="accent1"/>
+          </a:effectRef>
+          <a:fontRef idx="minor">
+            <a:schemeClr val="lt1"/>
+          </a:fontRef>
+        </p:style>
+        <p:txBody>
+          <a:bodyPr rtlCol="0" anchor="ctr"/>
+          <a:lstStyle/>
+          <a:p>
+            <a:pPr algn="ctr"/>
+            <a:r>
+              <a:rPr lang="en-US" dirty="0"/>
+              <a:t>1</a:t>
+            </a:r>
+          </a:p>
+        </p:txBody>
+      </p:sp>
+      <p:sp>
+        <p:nvSpPr>
+          <p:cNvPr id="30" name="TextBox 29">
+            <a:extLst>
+              <a:ext uri="{FF2B5EF4-FFF2-40B4-BE49-F238E27FC236}">
+                <a16:creationId xmlns:a16="http://schemas.microsoft.com/office/drawing/2014/main" id="{2BC9F718-89F5-4ABC-8898-7B19A551B64A}"/>
+              </a:ext>
+            </a:extLst>
+          </p:cNvPr>
+          <p:cNvSpPr txBox="1"/>
+          <p:nvPr/>
+        </p:nvSpPr>
+        <p:spPr>
+          <a:xfrm>
+            <a:off x="3925476" y="2728022"/>
+            <a:ext cx="998991" cy="276999"/>
+          </a:xfrm>
+          <a:prstGeom prst="rect">
+            <a:avLst/>
+          </a:prstGeom>
+          <a:noFill/>
+        </p:spPr>
+        <p:txBody>
+          <a:bodyPr wrap="none" rtlCol="0">
+            <a:spAutoFit/>
+          </a:bodyPr>
+          <a:lstStyle/>
+          <a:p>
+            <a:r>
+              <a:rPr lang="en-US" sz="1200" dirty="0">
+                <a:solidFill>
+                  <a:srgbClr val="002060"/>
+                </a:solidFill>
+                <a:latin typeface="Verdana" panose="020B0604030504040204" pitchFamily="34" charset="0"/>
+                <a:ea typeface="Verdana" panose="020B0604030504040204" pitchFamily="34" charset="0"/>
+              </a:rPr>
+              <a:t>Ng 12 App</a:t>
+            </a:r>
+          </a:p>
+        </p:txBody>
+      </p:sp>
     </p:spTree>
     <p:extLst>
       <p:ext uri="{BB962C8B-B14F-4D97-AF65-F5344CB8AC3E}">
-        <p14:creationId xmlns:p14="http://schemas.microsoft.com/office/powerpoint/2010/main" val="1147422885"/>
+        <p14:creationId xmlns:p14="http://schemas.microsoft.com/office/powerpoint/2010/main" val="1281688862"/>
       </p:ext>
     </p:extLst>
   </p:cSld>
@@ -5168,7 +6591,7 @@
                 <a:latin typeface="Verdana" panose="020B0604030504040204" pitchFamily="34" charset="0"/>
                 <a:ea typeface="Verdana" panose="020B0604030504040204" pitchFamily="34" charset="0"/>
               </a:rPr>
-              <a:t>13-Oct-2021</a:t>
+              <a:t>27-Oct-2021</a:t>
             </a:r>
           </a:p>
         </p:txBody>
@@ -6080,7 +7503,7 @@
         </p:nvSpPr>
         <p:spPr>
           <a:xfrm>
-            <a:off x="3544889" y="815284"/>
+            <a:off x="3544890" y="815282"/>
             <a:ext cx="1206219" cy="276999"/>
           </a:xfrm>
           <a:prstGeom prst="rect">
@@ -6148,10 +7571,98 @@
           </a:p>
         </p:txBody>
       </p:sp>
+      <p:pic>
+        <p:nvPicPr>
+          <p:cNvPr id="2" name="Picture 2">
+            <a:extLst>
+              <a:ext uri="{FF2B5EF4-FFF2-40B4-BE49-F238E27FC236}">
+                <a16:creationId xmlns:a16="http://schemas.microsoft.com/office/drawing/2014/main" id="{7BACA7D4-C34A-4935-A82E-FCDE642A4BF8}"/>
+              </a:ext>
+            </a:extLst>
+          </p:cNvPr>
+          <p:cNvPicPr>
+            <a:picLocks noChangeAspect="1" noChangeArrowheads="1"/>
+          </p:cNvPicPr>
+          <p:nvPr/>
+        </p:nvPicPr>
+        <p:blipFill>
+          <a:blip r:embed="rId6">
+            <a:extLst>
+              <a:ext uri="{28A0092B-C50C-407E-A947-70E740481C1C}">
+                <a14:useLocalDpi xmlns:a14="http://schemas.microsoft.com/office/drawing/2010/main" val="0"/>
+              </a:ext>
+            </a:extLst>
+          </a:blip>
+          <a:srcRect/>
+          <a:stretch>
+            <a:fillRect/>
+          </a:stretch>
+        </p:blipFill>
+        <p:spPr bwMode="auto">
+          <a:xfrm>
+            <a:off x="3771283" y="1154430"/>
+            <a:ext cx="618960" cy="603282"/>
+          </a:xfrm>
+          <a:prstGeom prst="rect">
+            <a:avLst/>
+          </a:prstGeom>
+          <a:noFill/>
+          <a:extLst>
+            <a:ext uri="{909E8E84-426E-40DD-AFC4-6F175D3DCCD1}">
+              <a14:hiddenFill xmlns:a14="http://schemas.microsoft.com/office/drawing/2010/main">
+                <a:solidFill>
+                  <a:srgbClr val="FFFFFF"/>
+                </a:solidFill>
+              </a14:hiddenFill>
+            </a:ext>
+          </a:extLst>
+        </p:spPr>
+      </p:pic>
+      <p:sp>
+        <p:nvSpPr>
+          <p:cNvPr id="26" name="TextBox 25">
+            <a:extLst>
+              <a:ext uri="{FF2B5EF4-FFF2-40B4-BE49-F238E27FC236}">
+                <a16:creationId xmlns:a16="http://schemas.microsoft.com/office/drawing/2014/main" id="{88EB1ECD-7D00-48B1-8A56-5CF8EC037158}"/>
+              </a:ext>
+            </a:extLst>
+          </p:cNvPr>
+          <p:cNvSpPr txBox="1"/>
+          <p:nvPr/>
+        </p:nvSpPr>
+        <p:spPr>
+          <a:xfrm>
+            <a:off x="4147999" y="1275941"/>
+            <a:ext cx="2648337" cy="276999"/>
+          </a:xfrm>
+          <a:prstGeom prst="rect">
+            <a:avLst/>
+          </a:prstGeom>
+          <a:noFill/>
+        </p:spPr>
+        <p:txBody>
+          <a:bodyPr wrap="square" rtlCol="0">
+            <a:spAutoFit/>
+          </a:bodyPr>
+          <a:lstStyle/>
+          <a:p>
+            <a:r>
+              <a:rPr lang="en-US" sz="1200" dirty="0">
+                <a:solidFill>
+                  <a:srgbClr val="0070C0"/>
+                </a:solidFill>
+                <a:latin typeface="Verdana" panose="020B0604030504040204" pitchFamily="34" charset="0"/>
+                <a:ea typeface="Verdana" panose="020B0604030504040204" pitchFamily="34" charset="0"/>
+              </a:rPr>
+              <a:t>Install IIS and deploy Web App</a:t>
+            </a:r>
+          </a:p>
+        </p:txBody>
+      </p:sp>
     </p:spTree>
     <p:extLst>
       <p:ext uri="{BB962C8B-B14F-4D97-AF65-F5344CB8AC3E}">
-        <p14:creationId xmlns:p14="http://schemas.microsoft.com/office/powerpoint/2010/main" val="2581768136"/>
+        <p14:creationId xmlns:p14="http://schemas.microsoft.com/office/powerpoint/2010/main" val="657309907"/>
       </p:ext>
     </p:extLst>
   </p:cSld>
@@ -6264,7 +7775,7 @@
                 <a:latin typeface="Verdana" panose="020B0604030504040204" pitchFamily="34" charset="0"/>
                 <a:ea typeface="Verdana" panose="020B0604030504040204" pitchFamily="34" charset="0"/>
               </a:rPr>
-              <a:t>27-Oct-2021</a:t>
+              <a:t>13-Oct-2021</a:t>
             </a:r>
           </a:p>
         </p:txBody>
@@ -7176,7 +8687,7 @@
         </p:nvSpPr>
         <p:spPr>
           <a:xfrm>
-            <a:off x="3544890" y="815282"/>
+            <a:off x="3544889" y="815284"/>
             <a:ext cx="1206219" cy="276999"/>
           </a:xfrm>
           <a:prstGeom prst="rect">
@@ -7244,98 +8755,10 @@
           </a:p>
         </p:txBody>
       </p:sp>
-      <p:pic>
-        <p:nvPicPr>
-          <p:cNvPr id="2" name="Picture 2">
-            <a:extLst>
-              <a:ext uri="{FF2B5EF4-FFF2-40B4-BE49-F238E27FC236}">
-                <a16:creationId xmlns:a16="http://schemas.microsoft.com/office/drawing/2014/main" id="{7BACA7D4-C34A-4935-A82E-FCDE642A4BF8}"/>
-              </a:ext>
-            </a:extLst>
-          </p:cNvPr>
-          <p:cNvPicPr>
-            <a:picLocks noChangeAspect="1" noChangeArrowheads="1"/>
-          </p:cNvPicPr>
-          <p:nvPr/>
-        </p:nvPicPr>
-        <p:blipFill>
-          <a:blip r:embed="rId6">
-            <a:extLst>
-              <a:ext uri="{28A0092B-C50C-407E-A947-70E740481C1C}">
-                <a14:useLocalDpi xmlns:a14="http://schemas.microsoft.com/office/drawing/2010/main" val="0"/>
-              </a:ext>
-            </a:extLst>
-          </a:blip>
-          <a:srcRect/>
-          <a:stretch>
-            <a:fillRect/>
-          </a:stretch>
-        </p:blipFill>
-        <p:spPr bwMode="auto">
-          <a:xfrm>
-            <a:off x="3771283" y="1154430"/>
-            <a:ext cx="618960" cy="603282"/>
-          </a:xfrm>
-          <a:prstGeom prst="rect">
-            <a:avLst/>
-          </a:prstGeom>
-          <a:noFill/>
-          <a:extLst>
-            <a:ext uri="{909E8E84-426E-40DD-AFC4-6F175D3DCCD1}">
-              <a14:hiddenFill xmlns:a14="http://schemas.microsoft.com/office/drawing/2010/main">
-                <a:solidFill>
-                  <a:srgbClr val="FFFFFF"/>
-                </a:solidFill>
-              </a14:hiddenFill>
-            </a:ext>
-          </a:extLst>
-        </p:spPr>
-      </p:pic>
-      <p:sp>
-        <p:nvSpPr>
-          <p:cNvPr id="26" name="TextBox 25">
-            <a:extLst>
-              <a:ext uri="{FF2B5EF4-FFF2-40B4-BE49-F238E27FC236}">
-                <a16:creationId xmlns:a16="http://schemas.microsoft.com/office/drawing/2014/main" id="{88EB1ECD-7D00-48B1-8A56-5CF8EC037158}"/>
-              </a:ext>
-            </a:extLst>
-          </p:cNvPr>
-          <p:cNvSpPr txBox="1"/>
-          <p:nvPr/>
-        </p:nvSpPr>
-        <p:spPr>
-          <a:xfrm>
-            <a:off x="4147999" y="1275941"/>
-            <a:ext cx="2648337" cy="276999"/>
-          </a:xfrm>
-          <a:prstGeom prst="rect">
-            <a:avLst/>
-          </a:prstGeom>
-          <a:noFill/>
-        </p:spPr>
-        <p:txBody>
-          <a:bodyPr wrap="square" rtlCol="0">
-            <a:spAutoFit/>
-          </a:bodyPr>
-          <a:lstStyle/>
-          <a:p>
-            <a:r>
-              <a:rPr lang="en-US" sz="1200" dirty="0">
-                <a:solidFill>
-                  <a:srgbClr val="0070C0"/>
-                </a:solidFill>
-                <a:latin typeface="Verdana" panose="020B0604030504040204" pitchFamily="34" charset="0"/>
-                <a:ea typeface="Verdana" panose="020B0604030504040204" pitchFamily="34" charset="0"/>
-              </a:rPr>
-              <a:t>Install IIS and deploy Web App</a:t>
-            </a:r>
-          </a:p>
-        </p:txBody>
-      </p:sp>
     </p:spTree>
     <p:extLst>
       <p:ext uri="{BB962C8B-B14F-4D97-AF65-F5344CB8AC3E}">
-        <p14:creationId xmlns:p14="http://schemas.microsoft.com/office/powerpoint/2010/main" val="657309907"/>
+        <p14:creationId xmlns:p14="http://schemas.microsoft.com/office/powerpoint/2010/main" val="2581768136"/>
       </p:ext>
     </p:extLst>
   </p:cSld>
@@ -7448,7 +8871,7 @@
                 <a:latin typeface="Verdana" panose="020B0604030504040204" pitchFamily="34" charset="0"/>
                 <a:ea typeface="Verdana" panose="020B0604030504040204" pitchFamily="34" charset="0"/>
               </a:rPr>
-              <a:t>10-Nov-2021</a:t>
+              <a:t>29-Sep-2021</a:t>
             </a:r>
           </a:p>
         </p:txBody>
@@ -7657,7 +9080,7 @@
         </p:blipFill>
         <p:spPr bwMode="auto">
           <a:xfrm>
-            <a:off x="7368618" y="3051292"/>
+            <a:off x="4370897" y="3051292"/>
             <a:ext cx="809625" cy="809625"/>
           </a:xfrm>
           <a:prstGeom prst="rect">
@@ -7689,7 +9112,7 @@
         </p:nvSpPr>
         <p:spPr>
           <a:xfrm>
-            <a:off x="7962166" y="2728022"/>
+            <a:off x="4964445" y="2728022"/>
             <a:ext cx="834396" cy="276999"/>
           </a:xfrm>
           <a:prstGeom prst="rect">
@@ -7745,7 +9168,7 @@
         </p:blipFill>
         <p:spPr bwMode="auto">
           <a:xfrm>
-            <a:off x="11307018" y="3051292"/>
+            <a:off x="8309297" y="3051292"/>
             <a:ext cx="810000" cy="810000"/>
           </a:xfrm>
           <a:prstGeom prst="rect">
@@ -7777,7 +9200,7 @@
         </p:nvSpPr>
         <p:spPr>
           <a:xfrm>
-            <a:off x="10507415" y="2722384"/>
+            <a:off x="7509694" y="2722384"/>
             <a:ext cx="992579" cy="276999"/>
           </a:xfrm>
           <a:prstGeom prst="rect">
@@ -7818,7 +9241,7 @@
         </p:nvSpPr>
         <p:spPr>
           <a:xfrm>
-            <a:off x="7612671" y="2700919"/>
+            <a:off x="4614950" y="2700919"/>
             <a:ext cx="307435" cy="344102"/>
           </a:xfrm>
           <a:prstGeom prst="heptagon">
@@ -7848,7 +9271,7 @@
             <a:pPr algn="ctr"/>
             <a:r>
               <a:rPr lang="en-US" dirty="0"/>
-              <a:t>2</a:t>
+              <a:t>1</a:t>
             </a:r>
           </a:p>
         </p:txBody>
@@ -7867,7 +9290,7 @@
         </p:nvSpPr>
         <p:spPr>
           <a:xfrm>
-            <a:off x="11438204" y="2700919"/>
+            <a:off x="8440483" y="2700919"/>
             <a:ext cx="307435" cy="344102"/>
           </a:xfrm>
           <a:prstGeom prst="heptagon">
@@ -7897,7 +9320,7 @@
             <a:pPr algn="ctr"/>
             <a:r>
               <a:rPr lang="en-US" dirty="0"/>
-              <a:t>3</a:t>
+              <a:t>2</a:t>
             </a:r>
           </a:p>
         </p:txBody>
@@ -7931,7 +9354,7 @@
         </p:blipFill>
         <p:spPr bwMode="auto">
           <a:xfrm>
-            <a:off x="7368618" y="5041057"/>
+            <a:off x="4370897" y="5041057"/>
             <a:ext cx="810000" cy="810000"/>
           </a:xfrm>
           <a:prstGeom prst="rect">
@@ -7966,7 +9389,7 @@
         </p:nvCxnSpPr>
         <p:spPr>
           <a:xfrm>
-            <a:off x="8178243" y="3456105"/>
+            <a:off x="5180522" y="3456105"/>
             <a:ext cx="3128775" cy="187"/>
           </a:xfrm>
           <a:prstGeom prst="line">
@@ -8005,7 +9428,7 @@
         </p:nvCxnSpPr>
         <p:spPr>
           <a:xfrm>
-            <a:off x="7773431" y="3860917"/>
+            <a:off x="4775710" y="3860917"/>
             <a:ext cx="187" cy="1180140"/>
           </a:xfrm>
           <a:prstGeom prst="line">
@@ -8042,7 +9465,7 @@
         </p:nvSpPr>
         <p:spPr>
           <a:xfrm>
-            <a:off x="7612671" y="5858706"/>
+            <a:off x="4614950" y="5858706"/>
             <a:ext cx="307435" cy="344102"/>
           </a:xfrm>
           <a:prstGeom prst="heptagon">
@@ -8072,7 +9495,7 @@
             <a:pPr algn="ctr"/>
             <a:r>
               <a:rPr lang="en-US" dirty="0"/>
-              <a:t>4</a:t>
+              <a:t>3</a:t>
             </a:r>
           </a:p>
         </p:txBody>
@@ -8091,7 +9514,7 @@
         </p:nvSpPr>
         <p:spPr>
           <a:xfrm>
-            <a:off x="8141555" y="5269474"/>
+            <a:off x="5143834" y="5269474"/>
             <a:ext cx="847733" cy="276999"/>
           </a:xfrm>
           <a:prstGeom prst="rect">
@@ -8118,545 +9541,10 @@
           </a:p>
         </p:txBody>
       </p:sp>
-      <p:pic>
-        <p:nvPicPr>
-          <p:cNvPr id="2050" name="Picture 2">
-            <a:extLst>
-              <a:ext uri="{FF2B5EF4-FFF2-40B4-BE49-F238E27FC236}">
-                <a16:creationId xmlns:a16="http://schemas.microsoft.com/office/drawing/2014/main" id="{E5FC223A-D3AB-4E6B-8768-C5EBCFD1EE4D}"/>
-              </a:ext>
-            </a:extLst>
-          </p:cNvPr>
-          <p:cNvPicPr>
-            <a:picLocks noChangeAspect="1" noChangeArrowheads="1"/>
-          </p:cNvPicPr>
-          <p:nvPr/>
-        </p:nvPicPr>
-        <p:blipFill>
-          <a:blip r:embed="rId5">
-            <a:extLst>
-              <a:ext uri="{28A0092B-C50C-407E-A947-70E740481C1C}">
-                <a14:useLocalDpi xmlns:a14="http://schemas.microsoft.com/office/drawing/2010/main" val="0"/>
-              </a:ext>
-            </a:extLst>
-          </a:blip>
-          <a:srcRect/>
-          <a:stretch>
-            <a:fillRect/>
-          </a:stretch>
-        </p:blipFill>
-        <p:spPr bwMode="auto">
-          <a:xfrm>
-            <a:off x="3391174" y="770006"/>
-            <a:ext cx="857250" cy="809625"/>
-          </a:xfrm>
-          <a:prstGeom prst="rect">
-            <a:avLst/>
-          </a:prstGeom>
-          <a:noFill/>
-          <a:extLst>
-            <a:ext uri="{909E8E84-426E-40DD-AFC4-6F175D3DCCD1}">
-              <a14:hiddenFill xmlns:a14="http://schemas.microsoft.com/office/drawing/2010/main">
-                <a:solidFill>
-                  <a:srgbClr val="FFFFFF"/>
-                </a:solidFill>
-              </a14:hiddenFill>
-            </a:ext>
-          </a:extLst>
-        </p:spPr>
-      </p:pic>
-      <p:cxnSp>
-        <p:nvCxnSpPr>
-          <p:cNvPr id="18" name="Straight Connector 17">
-            <a:extLst>
-              <a:ext uri="{FF2B5EF4-FFF2-40B4-BE49-F238E27FC236}">
-                <a16:creationId xmlns:a16="http://schemas.microsoft.com/office/drawing/2014/main" id="{E47FE56F-918E-499D-98A8-601D634441D4}"/>
-              </a:ext>
-            </a:extLst>
-          </p:cNvPr>
-          <p:cNvCxnSpPr/>
-          <p:nvPr/>
-        </p:nvCxnSpPr>
-        <p:spPr>
-          <a:xfrm>
-            <a:off x="4267692" y="3457673"/>
-            <a:ext cx="3128775" cy="187"/>
-          </a:xfrm>
-          <a:prstGeom prst="line">
-            <a:avLst/>
-          </a:prstGeom>
-        </p:spPr>
-        <p:style>
-          <a:lnRef idx="2">
-            <a:schemeClr val="accent1"/>
-          </a:lnRef>
-          <a:fillRef idx="0">
-            <a:schemeClr val="accent1"/>
-          </a:fillRef>
-          <a:effectRef idx="1">
-            <a:schemeClr val="accent1"/>
-          </a:effectRef>
-          <a:fontRef idx="minor">
-            <a:schemeClr val="tx1"/>
-          </a:fontRef>
-        </p:style>
-      </p:cxnSp>
-      <p:pic>
-        <p:nvPicPr>
-          <p:cNvPr id="19" name="Picture 2">
-            <a:extLst>
-              <a:ext uri="{FF2B5EF4-FFF2-40B4-BE49-F238E27FC236}">
-                <a16:creationId xmlns:a16="http://schemas.microsoft.com/office/drawing/2014/main" id="{81596101-A8EB-49A3-935D-208ECEA59F5F}"/>
-              </a:ext>
-            </a:extLst>
-          </p:cNvPr>
-          <p:cNvPicPr>
-            <a:picLocks noChangeAspect="1" noChangeArrowheads="1"/>
-          </p:cNvPicPr>
-          <p:nvPr/>
-        </p:nvPicPr>
-        <p:blipFill>
-          <a:blip r:embed="rId5">
-            <a:extLst>
-              <a:ext uri="{28A0092B-C50C-407E-A947-70E740481C1C}">
-                <a14:useLocalDpi xmlns:a14="http://schemas.microsoft.com/office/drawing/2010/main" val="0"/>
-              </a:ext>
-            </a:extLst>
-          </a:blip>
-          <a:srcRect/>
-          <a:stretch>
-            <a:fillRect/>
-          </a:stretch>
-        </p:blipFill>
-        <p:spPr bwMode="auto">
-          <a:xfrm>
-            <a:off x="1185301" y="770006"/>
-            <a:ext cx="857250" cy="809625"/>
-          </a:xfrm>
-          <a:prstGeom prst="rect">
-            <a:avLst/>
-          </a:prstGeom>
-          <a:noFill/>
-          <a:extLst>
-            <a:ext uri="{909E8E84-426E-40DD-AFC4-6F175D3DCCD1}">
-              <a14:hiddenFill xmlns:a14="http://schemas.microsoft.com/office/drawing/2010/main">
-                <a:solidFill>
-                  <a:srgbClr val="FFFFFF"/>
-                </a:solidFill>
-              </a14:hiddenFill>
-            </a:ext>
-          </a:extLst>
-        </p:spPr>
-      </p:pic>
-      <p:sp>
-        <p:nvSpPr>
-          <p:cNvPr id="22" name="Heptagon 21">
-            <a:extLst>
-              <a:ext uri="{FF2B5EF4-FFF2-40B4-BE49-F238E27FC236}">
-                <a16:creationId xmlns:a16="http://schemas.microsoft.com/office/drawing/2014/main" id="{9DC9C82A-36F2-4DA5-AAE7-F9FC02DA4D7C}"/>
-              </a:ext>
-            </a:extLst>
-          </p:cNvPr>
-          <p:cNvSpPr/>
-          <p:nvPr/>
-        </p:nvSpPr>
-        <p:spPr>
-          <a:xfrm>
-            <a:off x="3237456" y="425904"/>
-            <a:ext cx="307435" cy="344102"/>
-          </a:xfrm>
-          <a:prstGeom prst="heptagon">
-            <a:avLst/>
-          </a:prstGeom>
-        </p:spPr>
-        <p:style>
-          <a:lnRef idx="2">
-            <a:schemeClr val="accent1">
-              <a:shade val="50000"/>
-            </a:schemeClr>
-          </a:lnRef>
-          <a:fillRef idx="1">
-            <a:schemeClr val="accent1"/>
-          </a:fillRef>
-          <a:effectRef idx="0">
-            <a:schemeClr val="accent1"/>
-          </a:effectRef>
-          <a:fontRef idx="minor">
-            <a:schemeClr val="lt1"/>
-          </a:fontRef>
-        </p:style>
-        <p:txBody>
-          <a:bodyPr rtlCol="0" anchor="ctr"/>
-          <a:lstStyle/>
-          <a:p>
-            <a:pPr algn="ctr"/>
-            <a:r>
-              <a:rPr lang="en-US" dirty="0"/>
-              <a:t>5</a:t>
-            </a:r>
-          </a:p>
-        </p:txBody>
-      </p:sp>
-      <p:sp>
-        <p:nvSpPr>
-          <p:cNvPr id="23" name="Heptagon 22">
-            <a:extLst>
-              <a:ext uri="{FF2B5EF4-FFF2-40B4-BE49-F238E27FC236}">
-                <a16:creationId xmlns:a16="http://schemas.microsoft.com/office/drawing/2014/main" id="{D027EBA1-67A9-4BF1-ACE6-4F4DB7E49E26}"/>
-              </a:ext>
-            </a:extLst>
-          </p:cNvPr>
-          <p:cNvSpPr/>
-          <p:nvPr/>
-        </p:nvSpPr>
-        <p:spPr>
-          <a:xfrm>
-            <a:off x="954725" y="461674"/>
-            <a:ext cx="307435" cy="344102"/>
-          </a:xfrm>
-          <a:prstGeom prst="heptagon">
-            <a:avLst/>
-          </a:prstGeom>
-        </p:spPr>
-        <p:style>
-          <a:lnRef idx="2">
-            <a:schemeClr val="accent1">
-              <a:shade val="50000"/>
-            </a:schemeClr>
-          </a:lnRef>
-          <a:fillRef idx="1">
-            <a:schemeClr val="accent1"/>
-          </a:fillRef>
-          <a:effectRef idx="0">
-            <a:schemeClr val="accent1"/>
-          </a:effectRef>
-          <a:fontRef idx="minor">
-            <a:schemeClr val="lt1"/>
-          </a:fontRef>
-        </p:style>
-        <p:txBody>
-          <a:bodyPr rtlCol="0" anchor="ctr"/>
-          <a:lstStyle/>
-          <a:p>
-            <a:pPr algn="ctr"/>
-            <a:r>
-              <a:rPr lang="en-US" dirty="0"/>
-              <a:t>6</a:t>
-            </a:r>
-          </a:p>
-        </p:txBody>
-      </p:sp>
-      <p:sp>
-        <p:nvSpPr>
-          <p:cNvPr id="24" name="TextBox 23">
-            <a:extLst>
-              <a:ext uri="{FF2B5EF4-FFF2-40B4-BE49-F238E27FC236}">
-                <a16:creationId xmlns:a16="http://schemas.microsoft.com/office/drawing/2014/main" id="{444ADC56-8CEB-448D-9DB4-A40A04DCB75F}"/>
-              </a:ext>
-            </a:extLst>
-          </p:cNvPr>
-          <p:cNvSpPr txBox="1"/>
-          <p:nvPr/>
-        </p:nvSpPr>
-        <p:spPr>
-          <a:xfrm>
-            <a:off x="3544890" y="466491"/>
-            <a:ext cx="1206219" cy="276999"/>
-          </a:xfrm>
-          <a:prstGeom prst="rect">
-            <a:avLst/>
-          </a:prstGeom>
-          <a:noFill/>
-        </p:spPr>
-        <p:txBody>
-          <a:bodyPr wrap="square" rtlCol="0">
-            <a:spAutoFit/>
-          </a:bodyPr>
-          <a:lstStyle/>
-          <a:p>
-            <a:r>
-              <a:rPr lang="en-US" sz="1200" dirty="0">
-                <a:solidFill>
-                  <a:srgbClr val="002060"/>
-                </a:solidFill>
-                <a:latin typeface="Verdana" panose="020B0604030504040204" pitchFamily="34" charset="0"/>
-                <a:ea typeface="Verdana" panose="020B0604030504040204" pitchFamily="34" charset="0"/>
-              </a:rPr>
-              <a:t>Windows VM</a:t>
-            </a:r>
-          </a:p>
-        </p:txBody>
-      </p:sp>
-      <p:sp>
-        <p:nvSpPr>
-          <p:cNvPr id="25" name="TextBox 24">
-            <a:extLst>
-              <a:ext uri="{FF2B5EF4-FFF2-40B4-BE49-F238E27FC236}">
-                <a16:creationId xmlns:a16="http://schemas.microsoft.com/office/drawing/2014/main" id="{94D56564-9C91-49CE-B97F-D9A8EDAD6D68}"/>
-              </a:ext>
-            </a:extLst>
-          </p:cNvPr>
-          <p:cNvSpPr txBox="1"/>
-          <p:nvPr/>
-        </p:nvSpPr>
-        <p:spPr>
-          <a:xfrm>
-            <a:off x="1308850" y="465186"/>
-            <a:ext cx="1206219" cy="276999"/>
-          </a:xfrm>
-          <a:prstGeom prst="rect">
-            <a:avLst/>
-          </a:prstGeom>
-          <a:noFill/>
-        </p:spPr>
-        <p:txBody>
-          <a:bodyPr wrap="square" rtlCol="0">
-            <a:spAutoFit/>
-          </a:bodyPr>
-          <a:lstStyle/>
-          <a:p>
-            <a:r>
-              <a:rPr lang="en-US" sz="1200" dirty="0">
-                <a:solidFill>
-                  <a:srgbClr val="002060"/>
-                </a:solidFill>
-                <a:latin typeface="Verdana" panose="020B0604030504040204" pitchFamily="34" charset="0"/>
-                <a:ea typeface="Verdana" panose="020B0604030504040204" pitchFamily="34" charset="0"/>
-              </a:rPr>
-              <a:t>Ubuntu VM</a:t>
-            </a:r>
-          </a:p>
-        </p:txBody>
-      </p:sp>
-      <p:pic>
-        <p:nvPicPr>
-          <p:cNvPr id="2" name="Picture 2">
-            <a:extLst>
-              <a:ext uri="{FF2B5EF4-FFF2-40B4-BE49-F238E27FC236}">
-                <a16:creationId xmlns:a16="http://schemas.microsoft.com/office/drawing/2014/main" id="{7BACA7D4-C34A-4935-A82E-FCDE642A4BF8}"/>
-              </a:ext>
-            </a:extLst>
-          </p:cNvPr>
-          <p:cNvPicPr>
-            <a:picLocks noChangeAspect="1" noChangeArrowheads="1"/>
-          </p:cNvPicPr>
-          <p:nvPr/>
-        </p:nvPicPr>
-        <p:blipFill>
-          <a:blip r:embed="rId6">
-            <a:extLst>
-              <a:ext uri="{28A0092B-C50C-407E-A947-70E740481C1C}">
-                <a14:useLocalDpi xmlns:a14="http://schemas.microsoft.com/office/drawing/2010/main" val="0"/>
-              </a:ext>
-            </a:extLst>
-          </a:blip>
-          <a:srcRect/>
-          <a:stretch>
-            <a:fillRect/>
-          </a:stretch>
-        </p:blipFill>
-        <p:spPr bwMode="auto">
-          <a:xfrm>
-            <a:off x="3771283" y="805639"/>
-            <a:ext cx="618960" cy="603282"/>
-          </a:xfrm>
-          <a:prstGeom prst="rect">
-            <a:avLst/>
-          </a:prstGeom>
-          <a:noFill/>
-          <a:extLst>
-            <a:ext uri="{909E8E84-426E-40DD-AFC4-6F175D3DCCD1}">
-              <a14:hiddenFill xmlns:a14="http://schemas.microsoft.com/office/drawing/2010/main">
-                <a:solidFill>
-                  <a:srgbClr val="FFFFFF"/>
-                </a:solidFill>
-              </a14:hiddenFill>
-            </a:ext>
-          </a:extLst>
-        </p:spPr>
-      </p:pic>
-      <p:sp>
-        <p:nvSpPr>
-          <p:cNvPr id="26" name="TextBox 25">
-            <a:extLst>
-              <a:ext uri="{FF2B5EF4-FFF2-40B4-BE49-F238E27FC236}">
-                <a16:creationId xmlns:a16="http://schemas.microsoft.com/office/drawing/2014/main" id="{88EB1ECD-7D00-48B1-8A56-5CF8EC037158}"/>
-              </a:ext>
-            </a:extLst>
-          </p:cNvPr>
-          <p:cNvSpPr txBox="1"/>
-          <p:nvPr/>
-        </p:nvSpPr>
-        <p:spPr>
-          <a:xfrm>
-            <a:off x="4148000" y="927151"/>
-            <a:ext cx="1753180" cy="276999"/>
-          </a:xfrm>
-          <a:prstGeom prst="rect">
-            <a:avLst/>
-          </a:prstGeom>
-          <a:noFill/>
-        </p:spPr>
-        <p:txBody>
-          <a:bodyPr wrap="square" rtlCol="0">
-            <a:spAutoFit/>
-          </a:bodyPr>
-          <a:lstStyle/>
-          <a:p>
-            <a:r>
-              <a:rPr lang="en-US" sz="1200" dirty="0">
-                <a:solidFill>
-                  <a:srgbClr val="0070C0"/>
-                </a:solidFill>
-                <a:latin typeface="Verdana" panose="020B0604030504040204" pitchFamily="34" charset="0"/>
-                <a:ea typeface="Verdana" panose="020B0604030504040204" pitchFamily="34" charset="0"/>
-              </a:rPr>
-              <a:t>Razor App inside IIS</a:t>
-            </a:r>
-          </a:p>
-        </p:txBody>
-      </p:sp>
-      <p:pic>
-        <p:nvPicPr>
-          <p:cNvPr id="28" name="Picture 12">
-            <a:extLst>
-              <a:ext uri="{FF2B5EF4-FFF2-40B4-BE49-F238E27FC236}">
-                <a16:creationId xmlns:a16="http://schemas.microsoft.com/office/drawing/2014/main" id="{BE573FE1-020D-4965-9EAD-D732491D43B6}"/>
-              </a:ext>
-            </a:extLst>
-          </p:cNvPr>
-          <p:cNvPicPr>
-            <a:picLocks noChangeAspect="1" noChangeArrowheads="1"/>
-          </p:cNvPicPr>
-          <p:nvPr/>
-        </p:nvPicPr>
-        <p:blipFill>
-          <a:blip r:embed="rId2">
-            <a:extLst>
-              <a:ext uri="{28A0092B-C50C-407E-A947-70E740481C1C}">
-                <a14:useLocalDpi xmlns:a14="http://schemas.microsoft.com/office/drawing/2010/main" val="0"/>
-              </a:ext>
-            </a:extLst>
-          </a:blip>
-          <a:srcRect/>
-          <a:stretch>
-            <a:fillRect/>
-          </a:stretch>
-        </p:blipFill>
-        <p:spPr bwMode="auto">
-          <a:xfrm>
-            <a:off x="3529020" y="3071415"/>
-            <a:ext cx="809625" cy="809625"/>
-          </a:xfrm>
-          <a:prstGeom prst="rect">
-            <a:avLst/>
-          </a:prstGeom>
-          <a:noFill/>
-          <a:extLst>
-            <a:ext uri="{909E8E84-426E-40DD-AFC4-6F175D3DCCD1}">
-              <a14:hiddenFill xmlns:a14="http://schemas.microsoft.com/office/drawing/2010/main">
-                <a:solidFill>
-                  <a:srgbClr val="FFFFFF"/>
-                </a:solidFill>
-              </a14:hiddenFill>
-            </a:ext>
-          </a:extLst>
-        </p:spPr>
-      </p:pic>
-      <p:sp>
-        <p:nvSpPr>
-          <p:cNvPr id="29" name="Heptagon 28">
-            <a:extLst>
-              <a:ext uri="{FF2B5EF4-FFF2-40B4-BE49-F238E27FC236}">
-                <a16:creationId xmlns:a16="http://schemas.microsoft.com/office/drawing/2014/main" id="{8678203A-7D22-423F-A8A1-A0D964021E91}"/>
-              </a:ext>
-            </a:extLst>
-          </p:cNvPr>
-          <p:cNvSpPr/>
-          <p:nvPr/>
-        </p:nvSpPr>
-        <p:spPr>
-          <a:xfrm>
-            <a:off x="3511340" y="2700797"/>
-            <a:ext cx="307435" cy="344102"/>
-          </a:xfrm>
-          <a:prstGeom prst="heptagon">
-            <a:avLst/>
-          </a:prstGeom>
-        </p:spPr>
-        <p:style>
-          <a:lnRef idx="2">
-            <a:schemeClr val="accent1">
-              <a:shade val="50000"/>
-            </a:schemeClr>
-          </a:lnRef>
-          <a:fillRef idx="1">
-            <a:schemeClr val="accent1"/>
-          </a:fillRef>
-          <a:effectRef idx="0">
-            <a:schemeClr val="accent1"/>
-          </a:effectRef>
-          <a:fontRef idx="minor">
-            <a:schemeClr val="lt1"/>
-          </a:fontRef>
-        </p:style>
-        <p:txBody>
-          <a:bodyPr rtlCol="0" anchor="ctr"/>
-          <a:lstStyle/>
-          <a:p>
-            <a:pPr algn="ctr"/>
-            <a:r>
-              <a:rPr lang="en-US" dirty="0"/>
-              <a:t>1</a:t>
-            </a:r>
-          </a:p>
-        </p:txBody>
-      </p:sp>
-      <p:sp>
-        <p:nvSpPr>
-          <p:cNvPr id="30" name="TextBox 29">
-            <a:extLst>
-              <a:ext uri="{FF2B5EF4-FFF2-40B4-BE49-F238E27FC236}">
-                <a16:creationId xmlns:a16="http://schemas.microsoft.com/office/drawing/2014/main" id="{2BC9F718-89F5-4ABC-8898-7B19A551B64A}"/>
-              </a:ext>
-            </a:extLst>
-          </p:cNvPr>
-          <p:cNvSpPr txBox="1"/>
-          <p:nvPr/>
-        </p:nvSpPr>
-        <p:spPr>
-          <a:xfrm>
-            <a:off x="3925476" y="2728022"/>
-            <a:ext cx="998991" cy="276999"/>
-          </a:xfrm>
-          <a:prstGeom prst="rect">
-            <a:avLst/>
-          </a:prstGeom>
-          <a:noFill/>
-        </p:spPr>
-        <p:txBody>
-          <a:bodyPr wrap="none" rtlCol="0">
-            <a:spAutoFit/>
-          </a:bodyPr>
-          <a:lstStyle/>
-          <a:p>
-            <a:r>
-              <a:rPr lang="en-US" sz="1200" dirty="0">
-                <a:solidFill>
-                  <a:srgbClr val="002060"/>
-                </a:solidFill>
-                <a:latin typeface="Verdana" panose="020B0604030504040204" pitchFamily="34" charset="0"/>
-                <a:ea typeface="Verdana" panose="020B0604030504040204" pitchFamily="34" charset="0"/>
-              </a:rPr>
-              <a:t>Ng 12 App</a:t>
-            </a:r>
-          </a:p>
-        </p:txBody>
-      </p:sp>
     </p:spTree>
     <p:extLst>
       <p:ext uri="{BB962C8B-B14F-4D97-AF65-F5344CB8AC3E}">
-        <p14:creationId xmlns:p14="http://schemas.microsoft.com/office/powerpoint/2010/main" val="1281688862"/>
+        <p14:creationId xmlns:p14="http://schemas.microsoft.com/office/powerpoint/2010/main" val="1147422885"/>
       </p:ext>
     </p:extLst>
   </p:cSld>
@@ -8769,7 +9657,7 @@
                 <a:latin typeface="Verdana" panose="020B0604030504040204" pitchFamily="34" charset="0"/>
                 <a:ea typeface="Verdana" panose="020B0604030504040204" pitchFamily="34" charset="0"/>
               </a:rPr>
-              <a:t>24-Nov-2021</a:t>
+              <a:t>15-Sep-2021</a:t>
             </a:r>
           </a:p>
         </p:txBody>
@@ -8951,10 +9839,10 @@
       </p:sp>
       <p:pic>
         <p:nvPicPr>
-          <p:cNvPr id="6" name="Picture 12">
-            <a:extLst>
-              <a:ext uri="{FF2B5EF4-FFF2-40B4-BE49-F238E27FC236}">
-                <a16:creationId xmlns:a16="http://schemas.microsoft.com/office/drawing/2014/main" id="{7898CFCB-7659-4968-8E49-75F24799EB68}"/>
+          <p:cNvPr id="11" name="Picture 12">
+            <a:extLst>
+              <a:ext uri="{FF2B5EF4-FFF2-40B4-BE49-F238E27FC236}">
+                <a16:creationId xmlns:a16="http://schemas.microsoft.com/office/drawing/2014/main" id="{E1804A3B-1B22-4D61-BEDA-BBA0481E69D7}"/>
               </a:ext>
             </a:extLst>
           </p:cNvPr>
@@ -8978,7 +9866,7 @@
         </p:blipFill>
         <p:spPr bwMode="auto">
           <a:xfrm>
-            <a:off x="7368618" y="3051292"/>
+            <a:off x="7010400" y="2909887"/>
             <a:ext cx="809625" cy="809625"/>
           </a:xfrm>
           <a:prstGeom prst="rect">
@@ -8998,10 +9886,10 @@
       </p:pic>
       <p:sp>
         <p:nvSpPr>
-          <p:cNvPr id="10" name="TextBox 9">
-            <a:extLst>
-              <a:ext uri="{FF2B5EF4-FFF2-40B4-BE49-F238E27FC236}">
-                <a16:creationId xmlns:a16="http://schemas.microsoft.com/office/drawing/2014/main" id="{3657454D-AD85-4AEE-82DC-6159AD7DE31E}"/>
+          <p:cNvPr id="13" name="TextBox 12">
+            <a:extLst>
+              <a:ext uri="{FF2B5EF4-FFF2-40B4-BE49-F238E27FC236}">
+                <a16:creationId xmlns:a16="http://schemas.microsoft.com/office/drawing/2014/main" id="{489494EE-527E-4FB3-8F61-AB1C58DE779A}"/>
               </a:ext>
             </a:extLst>
           </p:cNvPr>
@@ -9010,7 +9898,7 @@
         </p:nvSpPr>
         <p:spPr>
           <a:xfrm>
-            <a:off x="7962166" y="2728022"/>
+            <a:off x="6984279" y="3753973"/>
             <a:ext cx="834396" cy="276999"/>
           </a:xfrm>
           <a:prstGeom prst="rect">
@@ -9037,100 +9925,12 @@
           </a:p>
         </p:txBody>
       </p:sp>
-      <p:pic>
-        <p:nvPicPr>
-          <p:cNvPr id="11" name="Picture 10">
-            <a:extLst>
-              <a:ext uri="{FF2B5EF4-FFF2-40B4-BE49-F238E27FC236}">
-                <a16:creationId xmlns:a16="http://schemas.microsoft.com/office/drawing/2014/main" id="{13644FC0-4432-4DAA-BB42-865EDC6E7039}"/>
-              </a:ext>
-            </a:extLst>
-          </p:cNvPr>
-          <p:cNvPicPr>
-            <a:picLocks noChangeAspect="1" noChangeArrowheads="1"/>
-          </p:cNvPicPr>
-          <p:nvPr/>
-        </p:nvPicPr>
-        <p:blipFill>
-          <a:blip r:embed="rId3">
-            <a:extLst>
-              <a:ext uri="{28A0092B-C50C-407E-A947-70E740481C1C}">
-                <a14:useLocalDpi xmlns:a14="http://schemas.microsoft.com/office/drawing/2010/main" val="0"/>
-              </a:ext>
-            </a:extLst>
-          </a:blip>
-          <a:srcRect/>
-          <a:stretch>
-            <a:fillRect/>
-          </a:stretch>
-        </p:blipFill>
-        <p:spPr bwMode="auto">
-          <a:xfrm>
-            <a:off x="11307018" y="3051292"/>
-            <a:ext cx="810000" cy="810000"/>
-          </a:xfrm>
-          <a:prstGeom prst="rect">
-            <a:avLst/>
-          </a:prstGeom>
-          <a:noFill/>
-          <a:extLst>
-            <a:ext uri="{909E8E84-426E-40DD-AFC4-6F175D3DCCD1}">
-              <a14:hiddenFill xmlns:a14="http://schemas.microsoft.com/office/drawing/2010/main">
-                <a:solidFill>
-                  <a:srgbClr val="FFFFFF"/>
-                </a:solidFill>
-              </a14:hiddenFill>
-            </a:ext>
-          </a:extLst>
-        </p:spPr>
-      </p:pic>
-      <p:sp>
-        <p:nvSpPr>
-          <p:cNvPr id="13" name="TextBox 12">
-            <a:extLst>
-              <a:ext uri="{FF2B5EF4-FFF2-40B4-BE49-F238E27FC236}">
-                <a16:creationId xmlns:a16="http://schemas.microsoft.com/office/drawing/2014/main" id="{83BEFD28-360B-4C34-B776-983624107E9B}"/>
-              </a:ext>
-            </a:extLst>
-          </p:cNvPr>
-          <p:cNvSpPr txBox="1"/>
-          <p:nvPr/>
-        </p:nvSpPr>
-        <p:spPr>
-          <a:xfrm>
-            <a:off x="10507415" y="2722384"/>
-            <a:ext cx="992579" cy="276999"/>
-          </a:xfrm>
-          <a:prstGeom prst="rect">
-            <a:avLst/>
-          </a:prstGeom>
-          <a:noFill/>
-        </p:spPr>
-        <p:txBody>
-          <a:bodyPr wrap="none" rtlCol="0">
-            <a:spAutoFit/>
-          </a:bodyPr>
-          <a:lstStyle/>
-          <a:p>
-            <a:r>
-              <a:rPr lang="en-US" sz="1200" dirty="0">
-                <a:solidFill>
-                  <a:srgbClr val="002060"/>
-                </a:solidFill>
-                <a:latin typeface="Verdana" panose="020B0604030504040204" pitchFamily="34" charset="0"/>
-                <a:ea typeface="Verdana" panose="020B0604030504040204" pitchFamily="34" charset="0"/>
-              </a:rPr>
-              <a:t>Azure SQL</a:t>
-            </a:r>
-          </a:p>
-        </p:txBody>
-      </p:sp>
       <p:sp>
         <p:nvSpPr>
           <p:cNvPr id="14" name="Heptagon 13">
             <a:extLst>
               <a:ext uri="{FF2B5EF4-FFF2-40B4-BE49-F238E27FC236}">
-                <a16:creationId xmlns:a16="http://schemas.microsoft.com/office/drawing/2014/main" id="{932FD78C-C27D-4D87-9137-AB3F88C3B70B}"/>
+                <a16:creationId xmlns:a16="http://schemas.microsoft.com/office/drawing/2014/main" id="{5F21601D-4357-469C-9B2B-ED603C89EE75}"/>
               </a:ext>
             </a:extLst>
           </p:cNvPr>
@@ -9139,7 +9939,7 @@
         </p:nvSpPr>
         <p:spPr>
           <a:xfrm>
-            <a:off x="7612671" y="2700919"/>
+            <a:off x="7254452" y="2559510"/>
             <a:ext cx="307435" cy="344102"/>
           </a:xfrm>
           <a:prstGeom prst="heptagon">
@@ -9169,807 +9969,7 @@
             <a:pPr algn="ctr"/>
             <a:r>
               <a:rPr lang="en-US" dirty="0"/>
-              <a:t>2</a:t>
-            </a:r>
-          </a:p>
-        </p:txBody>
-      </p:sp>
-      <p:sp>
-        <p:nvSpPr>
-          <p:cNvPr id="15" name="Heptagon 14">
-            <a:extLst>
-              <a:ext uri="{FF2B5EF4-FFF2-40B4-BE49-F238E27FC236}">
-                <a16:creationId xmlns:a16="http://schemas.microsoft.com/office/drawing/2014/main" id="{1E40AC33-A982-446B-9D49-9D733A49316A}"/>
-              </a:ext>
-            </a:extLst>
-          </p:cNvPr>
-          <p:cNvSpPr/>
-          <p:nvPr/>
-        </p:nvSpPr>
-        <p:spPr>
-          <a:xfrm>
-            <a:off x="11438204" y="2700919"/>
-            <a:ext cx="307435" cy="344102"/>
-          </a:xfrm>
-          <a:prstGeom prst="heptagon">
-            <a:avLst/>
-          </a:prstGeom>
-        </p:spPr>
-        <p:style>
-          <a:lnRef idx="2">
-            <a:schemeClr val="accent1">
-              <a:shade val="50000"/>
-            </a:schemeClr>
-          </a:lnRef>
-          <a:fillRef idx="1">
-            <a:schemeClr val="accent1"/>
-          </a:fillRef>
-          <a:effectRef idx="0">
-            <a:schemeClr val="accent1"/>
-          </a:effectRef>
-          <a:fontRef idx="minor">
-            <a:schemeClr val="lt1"/>
-          </a:fontRef>
-        </p:style>
-        <p:txBody>
-          <a:bodyPr rtlCol="0" anchor="ctr"/>
-          <a:lstStyle/>
-          <a:p>
-            <a:pPr algn="ctr"/>
-            <a:r>
-              <a:rPr lang="en-US" dirty="0"/>
-              <a:t>3</a:t>
-            </a:r>
-          </a:p>
-        </p:txBody>
-      </p:sp>
-      <p:pic>
-        <p:nvPicPr>
-          <p:cNvPr id="1026" name="Picture 2">
-            <a:extLst>
-              <a:ext uri="{FF2B5EF4-FFF2-40B4-BE49-F238E27FC236}">
-                <a16:creationId xmlns:a16="http://schemas.microsoft.com/office/drawing/2014/main" id="{F57E8191-61DB-4EA0-9C1C-F149C364155D}"/>
-              </a:ext>
-            </a:extLst>
-          </p:cNvPr>
-          <p:cNvPicPr>
-            <a:picLocks noChangeAspect="1" noChangeArrowheads="1"/>
-          </p:cNvPicPr>
-          <p:nvPr/>
-        </p:nvPicPr>
-        <p:blipFill>
-          <a:blip r:embed="rId4">
-            <a:extLst>
-              <a:ext uri="{28A0092B-C50C-407E-A947-70E740481C1C}">
-                <a14:useLocalDpi xmlns:a14="http://schemas.microsoft.com/office/drawing/2010/main" val="0"/>
-              </a:ext>
-            </a:extLst>
-          </a:blip>
-          <a:srcRect/>
-          <a:stretch>
-            <a:fillRect/>
-          </a:stretch>
-        </p:blipFill>
-        <p:spPr bwMode="auto">
-          <a:xfrm>
-            <a:off x="7368618" y="5041057"/>
-            <a:ext cx="810000" cy="810000"/>
-          </a:xfrm>
-          <a:prstGeom prst="rect">
-            <a:avLst/>
-          </a:prstGeom>
-          <a:noFill/>
-          <a:extLst>
-            <a:ext uri="{909E8E84-426E-40DD-AFC4-6F175D3DCCD1}">
-              <a14:hiddenFill xmlns:a14="http://schemas.microsoft.com/office/drawing/2010/main">
-                <a:solidFill>
-                  <a:srgbClr val="FFFFFF"/>
-                </a:solidFill>
-              </a14:hiddenFill>
-            </a:ext>
-          </a:extLst>
-        </p:spPr>
-      </p:pic>
-      <p:cxnSp>
-        <p:nvCxnSpPr>
-          <p:cNvPr id="4" name="Straight Connector 3">
-            <a:extLst>
-              <a:ext uri="{FF2B5EF4-FFF2-40B4-BE49-F238E27FC236}">
-                <a16:creationId xmlns:a16="http://schemas.microsoft.com/office/drawing/2014/main" id="{3305130D-A90B-4CF0-8C61-F044EE9BFE47}"/>
-              </a:ext>
-            </a:extLst>
-          </p:cNvPr>
-          <p:cNvCxnSpPr>
-            <a:stCxn id="6" idx="3"/>
-            <a:endCxn id="11" idx="1"/>
-          </p:cNvCxnSpPr>
-          <p:nvPr/>
-        </p:nvCxnSpPr>
-        <p:spPr>
-          <a:xfrm>
-            <a:off x="8178243" y="3456105"/>
-            <a:ext cx="3128775" cy="187"/>
-          </a:xfrm>
-          <a:prstGeom prst="line">
-            <a:avLst/>
-          </a:prstGeom>
-        </p:spPr>
-        <p:style>
-          <a:lnRef idx="2">
-            <a:schemeClr val="accent1"/>
-          </a:lnRef>
-          <a:fillRef idx="0">
-            <a:schemeClr val="accent1"/>
-          </a:fillRef>
-          <a:effectRef idx="1">
-            <a:schemeClr val="accent1"/>
-          </a:effectRef>
-          <a:fontRef idx="minor">
-            <a:schemeClr val="tx1"/>
-          </a:fontRef>
-        </p:style>
-      </p:cxnSp>
-      <p:cxnSp>
-        <p:nvCxnSpPr>
-          <p:cNvPr id="17" name="Straight Connector 16">
-            <a:extLst>
-              <a:ext uri="{FF2B5EF4-FFF2-40B4-BE49-F238E27FC236}">
-                <a16:creationId xmlns:a16="http://schemas.microsoft.com/office/drawing/2014/main" id="{AAC1447B-07A7-40E7-8652-6EC297A4352B}"/>
-              </a:ext>
-            </a:extLst>
-          </p:cNvPr>
-          <p:cNvCxnSpPr>
-            <a:stCxn id="6" idx="2"/>
-            <a:endCxn id="1026" idx="0"/>
-          </p:cNvCxnSpPr>
-          <p:nvPr/>
-        </p:nvCxnSpPr>
-        <p:spPr>
-          <a:xfrm>
-            <a:off x="7773431" y="3860917"/>
-            <a:ext cx="187" cy="1180140"/>
-          </a:xfrm>
-          <a:prstGeom prst="line">
-            <a:avLst/>
-          </a:prstGeom>
-          <a:ln w="12700"/>
-        </p:spPr>
-        <p:style>
-          <a:lnRef idx="1">
-            <a:schemeClr val="accent1"/>
-          </a:lnRef>
-          <a:fillRef idx="0">
-            <a:schemeClr val="accent1"/>
-          </a:fillRef>
-          <a:effectRef idx="0">
-            <a:schemeClr val="accent1"/>
-          </a:effectRef>
-          <a:fontRef idx="minor">
-            <a:schemeClr val="tx1"/>
-          </a:fontRef>
-        </p:style>
-      </p:cxnSp>
-      <p:sp>
-        <p:nvSpPr>
-          <p:cNvPr id="20" name="Heptagon 19">
-            <a:extLst>
-              <a:ext uri="{FF2B5EF4-FFF2-40B4-BE49-F238E27FC236}">
-                <a16:creationId xmlns:a16="http://schemas.microsoft.com/office/drawing/2014/main" id="{81B034CB-CC36-4166-926A-86A06D7A20E6}"/>
-              </a:ext>
-            </a:extLst>
-          </p:cNvPr>
-          <p:cNvSpPr/>
-          <p:nvPr/>
-        </p:nvSpPr>
-        <p:spPr>
-          <a:xfrm>
-            <a:off x="7612671" y="5858706"/>
-            <a:ext cx="307435" cy="344102"/>
-          </a:xfrm>
-          <a:prstGeom prst="heptagon">
-            <a:avLst/>
-          </a:prstGeom>
-        </p:spPr>
-        <p:style>
-          <a:lnRef idx="2">
-            <a:schemeClr val="accent1">
-              <a:shade val="50000"/>
-            </a:schemeClr>
-          </a:lnRef>
-          <a:fillRef idx="1">
-            <a:schemeClr val="accent1"/>
-          </a:fillRef>
-          <a:effectRef idx="0">
-            <a:schemeClr val="accent1"/>
-          </a:effectRef>
-          <a:fontRef idx="minor">
-            <a:schemeClr val="lt1"/>
-          </a:fontRef>
-        </p:style>
-        <p:txBody>
-          <a:bodyPr rtlCol="0" anchor="ctr"/>
-          <a:lstStyle/>
-          <a:p>
-            <a:pPr algn="ctr"/>
-            <a:r>
-              <a:rPr lang="en-US" dirty="0"/>
-              <a:t>4</a:t>
-            </a:r>
-          </a:p>
-        </p:txBody>
-      </p:sp>
-      <p:sp>
-        <p:nvSpPr>
-          <p:cNvPr id="21" name="TextBox 20">
-            <a:extLst>
-              <a:ext uri="{FF2B5EF4-FFF2-40B4-BE49-F238E27FC236}">
-                <a16:creationId xmlns:a16="http://schemas.microsoft.com/office/drawing/2014/main" id="{BE85FB5F-7B2C-4F7C-80F9-0633CA2F185C}"/>
-              </a:ext>
-            </a:extLst>
-          </p:cNvPr>
-          <p:cNvSpPr txBox="1"/>
-          <p:nvPr/>
-        </p:nvSpPr>
-        <p:spPr>
-          <a:xfrm>
-            <a:off x="8141555" y="5269474"/>
-            <a:ext cx="847733" cy="276999"/>
-          </a:xfrm>
-          <a:prstGeom prst="rect">
-            <a:avLst/>
-          </a:prstGeom>
-          <a:noFill/>
-        </p:spPr>
-        <p:txBody>
-          <a:bodyPr wrap="none" rtlCol="0">
-            <a:spAutoFit/>
-          </a:bodyPr>
-          <a:lstStyle/>
-          <a:p>
-            <a:r>
-              <a:rPr lang="en-US" sz="1200" dirty="0">
-                <a:solidFill>
-                  <a:srgbClr val="002060"/>
-                </a:solidFill>
-                <a:latin typeface="Verdana" panose="020B0604030504040204" pitchFamily="34" charset="0"/>
-                <a:ea typeface="Verdana" panose="020B0604030504040204" pitchFamily="34" charset="0"/>
-              </a:rPr>
-              <a:t>Postman</a:t>
-            </a:r>
-          </a:p>
-        </p:txBody>
-      </p:sp>
-      <p:pic>
-        <p:nvPicPr>
-          <p:cNvPr id="2050" name="Picture 2">
-            <a:extLst>
-              <a:ext uri="{FF2B5EF4-FFF2-40B4-BE49-F238E27FC236}">
-                <a16:creationId xmlns:a16="http://schemas.microsoft.com/office/drawing/2014/main" id="{E5FC223A-D3AB-4E6B-8768-C5EBCFD1EE4D}"/>
-              </a:ext>
-            </a:extLst>
-          </p:cNvPr>
-          <p:cNvPicPr>
-            <a:picLocks noChangeAspect="1" noChangeArrowheads="1"/>
-          </p:cNvPicPr>
-          <p:nvPr/>
-        </p:nvPicPr>
-        <p:blipFill>
-          <a:blip r:embed="rId5">
-            <a:extLst>
-              <a:ext uri="{28A0092B-C50C-407E-A947-70E740481C1C}">
-                <a14:useLocalDpi xmlns:a14="http://schemas.microsoft.com/office/drawing/2010/main" val="0"/>
-              </a:ext>
-            </a:extLst>
-          </a:blip>
-          <a:srcRect/>
-          <a:stretch>
-            <a:fillRect/>
-          </a:stretch>
-        </p:blipFill>
-        <p:spPr bwMode="auto">
-          <a:xfrm>
-            <a:off x="3391174" y="770006"/>
-            <a:ext cx="857250" cy="809625"/>
-          </a:xfrm>
-          <a:prstGeom prst="rect">
-            <a:avLst/>
-          </a:prstGeom>
-          <a:noFill/>
-          <a:extLst>
-            <a:ext uri="{909E8E84-426E-40DD-AFC4-6F175D3DCCD1}">
-              <a14:hiddenFill xmlns:a14="http://schemas.microsoft.com/office/drawing/2010/main">
-                <a:solidFill>
-                  <a:srgbClr val="FFFFFF"/>
-                </a:solidFill>
-              </a14:hiddenFill>
-            </a:ext>
-          </a:extLst>
-        </p:spPr>
-      </p:pic>
-      <p:cxnSp>
-        <p:nvCxnSpPr>
-          <p:cNvPr id="18" name="Straight Connector 17">
-            <a:extLst>
-              <a:ext uri="{FF2B5EF4-FFF2-40B4-BE49-F238E27FC236}">
-                <a16:creationId xmlns:a16="http://schemas.microsoft.com/office/drawing/2014/main" id="{E47FE56F-918E-499D-98A8-601D634441D4}"/>
-              </a:ext>
-            </a:extLst>
-          </p:cNvPr>
-          <p:cNvCxnSpPr/>
-          <p:nvPr/>
-        </p:nvCxnSpPr>
-        <p:spPr>
-          <a:xfrm>
-            <a:off x="4267692" y="3457673"/>
-            <a:ext cx="3128775" cy="187"/>
-          </a:xfrm>
-          <a:prstGeom prst="line">
-            <a:avLst/>
-          </a:prstGeom>
-        </p:spPr>
-        <p:style>
-          <a:lnRef idx="2">
-            <a:schemeClr val="accent1"/>
-          </a:lnRef>
-          <a:fillRef idx="0">
-            <a:schemeClr val="accent1"/>
-          </a:fillRef>
-          <a:effectRef idx="1">
-            <a:schemeClr val="accent1"/>
-          </a:effectRef>
-          <a:fontRef idx="minor">
-            <a:schemeClr val="tx1"/>
-          </a:fontRef>
-        </p:style>
-      </p:cxnSp>
-      <p:pic>
-        <p:nvPicPr>
-          <p:cNvPr id="19" name="Picture 2">
-            <a:extLst>
-              <a:ext uri="{FF2B5EF4-FFF2-40B4-BE49-F238E27FC236}">
-                <a16:creationId xmlns:a16="http://schemas.microsoft.com/office/drawing/2014/main" id="{81596101-A8EB-49A3-935D-208ECEA59F5F}"/>
-              </a:ext>
-            </a:extLst>
-          </p:cNvPr>
-          <p:cNvPicPr>
-            <a:picLocks noChangeAspect="1" noChangeArrowheads="1"/>
-          </p:cNvPicPr>
-          <p:nvPr/>
-        </p:nvPicPr>
-        <p:blipFill>
-          <a:blip r:embed="rId5">
-            <a:extLst>
-              <a:ext uri="{28A0092B-C50C-407E-A947-70E740481C1C}">
-                <a14:useLocalDpi xmlns:a14="http://schemas.microsoft.com/office/drawing/2010/main" val="0"/>
-              </a:ext>
-            </a:extLst>
-          </a:blip>
-          <a:srcRect/>
-          <a:stretch>
-            <a:fillRect/>
-          </a:stretch>
-        </p:blipFill>
-        <p:spPr bwMode="auto">
-          <a:xfrm>
-            <a:off x="1185301" y="770006"/>
-            <a:ext cx="857250" cy="809625"/>
-          </a:xfrm>
-          <a:prstGeom prst="rect">
-            <a:avLst/>
-          </a:prstGeom>
-          <a:noFill/>
-          <a:extLst>
-            <a:ext uri="{909E8E84-426E-40DD-AFC4-6F175D3DCCD1}">
-              <a14:hiddenFill xmlns:a14="http://schemas.microsoft.com/office/drawing/2010/main">
-                <a:solidFill>
-                  <a:srgbClr val="FFFFFF"/>
-                </a:solidFill>
-              </a14:hiddenFill>
-            </a:ext>
-          </a:extLst>
-        </p:spPr>
-      </p:pic>
-      <p:sp>
-        <p:nvSpPr>
-          <p:cNvPr id="22" name="Heptagon 21">
-            <a:extLst>
-              <a:ext uri="{FF2B5EF4-FFF2-40B4-BE49-F238E27FC236}">
-                <a16:creationId xmlns:a16="http://schemas.microsoft.com/office/drawing/2014/main" id="{9DC9C82A-36F2-4DA5-AAE7-F9FC02DA4D7C}"/>
-              </a:ext>
-            </a:extLst>
-          </p:cNvPr>
-          <p:cNvSpPr/>
-          <p:nvPr/>
-        </p:nvSpPr>
-        <p:spPr>
-          <a:xfrm>
-            <a:off x="3237456" y="425904"/>
-            <a:ext cx="307435" cy="344102"/>
-          </a:xfrm>
-          <a:prstGeom prst="heptagon">
-            <a:avLst/>
-          </a:prstGeom>
-        </p:spPr>
-        <p:style>
-          <a:lnRef idx="2">
-            <a:schemeClr val="accent1">
-              <a:shade val="50000"/>
-            </a:schemeClr>
-          </a:lnRef>
-          <a:fillRef idx="1">
-            <a:schemeClr val="accent1"/>
-          </a:fillRef>
-          <a:effectRef idx="0">
-            <a:schemeClr val="accent1"/>
-          </a:effectRef>
-          <a:fontRef idx="minor">
-            <a:schemeClr val="lt1"/>
-          </a:fontRef>
-        </p:style>
-        <p:txBody>
-          <a:bodyPr rtlCol="0" anchor="ctr"/>
-          <a:lstStyle/>
-          <a:p>
-            <a:pPr algn="ctr"/>
-            <a:r>
-              <a:rPr lang="en-US" dirty="0"/>
-              <a:t>5</a:t>
-            </a:r>
-          </a:p>
-        </p:txBody>
-      </p:sp>
-      <p:sp>
-        <p:nvSpPr>
-          <p:cNvPr id="23" name="Heptagon 22">
-            <a:extLst>
-              <a:ext uri="{FF2B5EF4-FFF2-40B4-BE49-F238E27FC236}">
-                <a16:creationId xmlns:a16="http://schemas.microsoft.com/office/drawing/2014/main" id="{D027EBA1-67A9-4BF1-ACE6-4F4DB7E49E26}"/>
-              </a:ext>
-            </a:extLst>
-          </p:cNvPr>
-          <p:cNvSpPr/>
-          <p:nvPr/>
-        </p:nvSpPr>
-        <p:spPr>
-          <a:xfrm>
-            <a:off x="954725" y="461674"/>
-            <a:ext cx="307435" cy="344102"/>
-          </a:xfrm>
-          <a:prstGeom prst="heptagon">
-            <a:avLst/>
-          </a:prstGeom>
-        </p:spPr>
-        <p:style>
-          <a:lnRef idx="2">
-            <a:schemeClr val="accent1">
-              <a:shade val="50000"/>
-            </a:schemeClr>
-          </a:lnRef>
-          <a:fillRef idx="1">
-            <a:schemeClr val="accent1"/>
-          </a:fillRef>
-          <a:effectRef idx="0">
-            <a:schemeClr val="accent1"/>
-          </a:effectRef>
-          <a:fontRef idx="minor">
-            <a:schemeClr val="lt1"/>
-          </a:fontRef>
-        </p:style>
-        <p:txBody>
-          <a:bodyPr rtlCol="0" anchor="ctr"/>
-          <a:lstStyle/>
-          <a:p>
-            <a:pPr algn="ctr"/>
-            <a:r>
-              <a:rPr lang="en-US" dirty="0"/>
-              <a:t>6</a:t>
-            </a:r>
-          </a:p>
-        </p:txBody>
-      </p:sp>
-      <p:sp>
-        <p:nvSpPr>
-          <p:cNvPr id="24" name="TextBox 23">
-            <a:extLst>
-              <a:ext uri="{FF2B5EF4-FFF2-40B4-BE49-F238E27FC236}">
-                <a16:creationId xmlns:a16="http://schemas.microsoft.com/office/drawing/2014/main" id="{444ADC56-8CEB-448D-9DB4-A40A04DCB75F}"/>
-              </a:ext>
-            </a:extLst>
-          </p:cNvPr>
-          <p:cNvSpPr txBox="1"/>
-          <p:nvPr/>
-        </p:nvSpPr>
-        <p:spPr>
-          <a:xfrm>
-            <a:off x="3544890" y="466491"/>
-            <a:ext cx="1206219" cy="276999"/>
-          </a:xfrm>
-          <a:prstGeom prst="rect">
-            <a:avLst/>
-          </a:prstGeom>
-          <a:noFill/>
-        </p:spPr>
-        <p:txBody>
-          <a:bodyPr wrap="square" rtlCol="0">
-            <a:spAutoFit/>
-          </a:bodyPr>
-          <a:lstStyle/>
-          <a:p>
-            <a:r>
-              <a:rPr lang="en-US" sz="1200" dirty="0">
-                <a:solidFill>
-                  <a:srgbClr val="002060"/>
-                </a:solidFill>
-                <a:latin typeface="Verdana" panose="020B0604030504040204" pitchFamily="34" charset="0"/>
-                <a:ea typeface="Verdana" panose="020B0604030504040204" pitchFamily="34" charset="0"/>
-              </a:rPr>
-              <a:t>Windows VM</a:t>
-            </a:r>
-          </a:p>
-        </p:txBody>
-      </p:sp>
-      <p:sp>
-        <p:nvSpPr>
-          <p:cNvPr id="25" name="TextBox 24">
-            <a:extLst>
-              <a:ext uri="{FF2B5EF4-FFF2-40B4-BE49-F238E27FC236}">
-                <a16:creationId xmlns:a16="http://schemas.microsoft.com/office/drawing/2014/main" id="{94D56564-9C91-49CE-B97F-D9A8EDAD6D68}"/>
-              </a:ext>
-            </a:extLst>
-          </p:cNvPr>
-          <p:cNvSpPr txBox="1"/>
-          <p:nvPr/>
-        </p:nvSpPr>
-        <p:spPr>
-          <a:xfrm>
-            <a:off x="1308850" y="465186"/>
-            <a:ext cx="1206219" cy="276999"/>
-          </a:xfrm>
-          <a:prstGeom prst="rect">
-            <a:avLst/>
-          </a:prstGeom>
-          <a:noFill/>
-        </p:spPr>
-        <p:txBody>
-          <a:bodyPr wrap="square" rtlCol="0">
-            <a:spAutoFit/>
-          </a:bodyPr>
-          <a:lstStyle/>
-          <a:p>
-            <a:r>
-              <a:rPr lang="en-US" sz="1200" dirty="0">
-                <a:solidFill>
-                  <a:srgbClr val="002060"/>
-                </a:solidFill>
-                <a:latin typeface="Verdana" panose="020B0604030504040204" pitchFamily="34" charset="0"/>
-                <a:ea typeface="Verdana" panose="020B0604030504040204" pitchFamily="34" charset="0"/>
-              </a:rPr>
-              <a:t>Ubuntu VM</a:t>
-            </a:r>
-          </a:p>
-        </p:txBody>
-      </p:sp>
-      <p:pic>
-        <p:nvPicPr>
-          <p:cNvPr id="2" name="Picture 2">
-            <a:extLst>
-              <a:ext uri="{FF2B5EF4-FFF2-40B4-BE49-F238E27FC236}">
-                <a16:creationId xmlns:a16="http://schemas.microsoft.com/office/drawing/2014/main" id="{7BACA7D4-C34A-4935-A82E-FCDE642A4BF8}"/>
-              </a:ext>
-            </a:extLst>
-          </p:cNvPr>
-          <p:cNvPicPr>
-            <a:picLocks noChangeAspect="1" noChangeArrowheads="1"/>
-          </p:cNvPicPr>
-          <p:nvPr/>
-        </p:nvPicPr>
-        <p:blipFill>
-          <a:blip r:embed="rId6">
-            <a:extLst>
-              <a:ext uri="{28A0092B-C50C-407E-A947-70E740481C1C}">
-                <a14:useLocalDpi xmlns:a14="http://schemas.microsoft.com/office/drawing/2010/main" val="0"/>
-              </a:ext>
-            </a:extLst>
-          </a:blip>
-          <a:srcRect/>
-          <a:stretch>
-            <a:fillRect/>
-          </a:stretch>
-        </p:blipFill>
-        <p:spPr bwMode="auto">
-          <a:xfrm>
-            <a:off x="3771283" y="805639"/>
-            <a:ext cx="618960" cy="603282"/>
-          </a:xfrm>
-          <a:prstGeom prst="rect">
-            <a:avLst/>
-          </a:prstGeom>
-          <a:noFill/>
-          <a:extLst>
-            <a:ext uri="{909E8E84-426E-40DD-AFC4-6F175D3DCCD1}">
-              <a14:hiddenFill xmlns:a14="http://schemas.microsoft.com/office/drawing/2010/main">
-                <a:solidFill>
-                  <a:srgbClr val="FFFFFF"/>
-                </a:solidFill>
-              </a14:hiddenFill>
-            </a:ext>
-          </a:extLst>
-        </p:spPr>
-      </p:pic>
-      <p:sp>
-        <p:nvSpPr>
-          <p:cNvPr id="26" name="TextBox 25">
-            <a:extLst>
-              <a:ext uri="{FF2B5EF4-FFF2-40B4-BE49-F238E27FC236}">
-                <a16:creationId xmlns:a16="http://schemas.microsoft.com/office/drawing/2014/main" id="{88EB1ECD-7D00-48B1-8A56-5CF8EC037158}"/>
-              </a:ext>
-            </a:extLst>
-          </p:cNvPr>
-          <p:cNvSpPr txBox="1"/>
-          <p:nvPr/>
-        </p:nvSpPr>
-        <p:spPr>
-          <a:xfrm>
-            <a:off x="4148000" y="927151"/>
-            <a:ext cx="1753180" cy="276999"/>
-          </a:xfrm>
-          <a:prstGeom prst="rect">
-            <a:avLst/>
-          </a:prstGeom>
-          <a:noFill/>
-        </p:spPr>
-        <p:txBody>
-          <a:bodyPr wrap="square" rtlCol="0">
-            <a:spAutoFit/>
-          </a:bodyPr>
-          <a:lstStyle/>
-          <a:p>
-            <a:r>
-              <a:rPr lang="en-US" sz="1200" dirty="0">
-                <a:solidFill>
-                  <a:srgbClr val="0070C0"/>
-                </a:solidFill>
-                <a:latin typeface="Verdana" panose="020B0604030504040204" pitchFamily="34" charset="0"/>
-                <a:ea typeface="Verdana" panose="020B0604030504040204" pitchFamily="34" charset="0"/>
-              </a:rPr>
-              <a:t>Razor App inside IIS</a:t>
-            </a:r>
-          </a:p>
-        </p:txBody>
-      </p:sp>
-      <p:pic>
-        <p:nvPicPr>
-          <p:cNvPr id="28" name="Picture 12">
-            <a:extLst>
-              <a:ext uri="{FF2B5EF4-FFF2-40B4-BE49-F238E27FC236}">
-                <a16:creationId xmlns:a16="http://schemas.microsoft.com/office/drawing/2014/main" id="{BE573FE1-020D-4965-9EAD-D732491D43B6}"/>
-              </a:ext>
-            </a:extLst>
-          </p:cNvPr>
-          <p:cNvPicPr>
-            <a:picLocks noChangeAspect="1" noChangeArrowheads="1"/>
-          </p:cNvPicPr>
-          <p:nvPr/>
-        </p:nvPicPr>
-        <p:blipFill>
-          <a:blip r:embed="rId2">
-            <a:extLst>
-              <a:ext uri="{28A0092B-C50C-407E-A947-70E740481C1C}">
-                <a14:useLocalDpi xmlns:a14="http://schemas.microsoft.com/office/drawing/2010/main" val="0"/>
-              </a:ext>
-            </a:extLst>
-          </a:blip>
-          <a:srcRect/>
-          <a:stretch>
-            <a:fillRect/>
-          </a:stretch>
-        </p:blipFill>
-        <p:spPr bwMode="auto">
-          <a:xfrm>
-            <a:off x="3529020" y="3071415"/>
-            <a:ext cx="809625" cy="809625"/>
-          </a:xfrm>
-          <a:prstGeom prst="rect">
-            <a:avLst/>
-          </a:prstGeom>
-          <a:noFill/>
-          <a:extLst>
-            <a:ext uri="{909E8E84-426E-40DD-AFC4-6F175D3DCCD1}">
-              <a14:hiddenFill xmlns:a14="http://schemas.microsoft.com/office/drawing/2010/main">
-                <a:solidFill>
-                  <a:srgbClr val="FFFFFF"/>
-                </a:solidFill>
-              </a14:hiddenFill>
-            </a:ext>
-          </a:extLst>
-        </p:spPr>
-      </p:pic>
-      <p:sp>
-        <p:nvSpPr>
-          <p:cNvPr id="29" name="Heptagon 28">
-            <a:extLst>
-              <a:ext uri="{FF2B5EF4-FFF2-40B4-BE49-F238E27FC236}">
-                <a16:creationId xmlns:a16="http://schemas.microsoft.com/office/drawing/2014/main" id="{8678203A-7D22-423F-A8A1-A0D964021E91}"/>
-              </a:ext>
-            </a:extLst>
-          </p:cNvPr>
-          <p:cNvSpPr/>
-          <p:nvPr/>
-        </p:nvSpPr>
-        <p:spPr>
-          <a:xfrm>
-            <a:off x="3511340" y="2700797"/>
-            <a:ext cx="307435" cy="344102"/>
-          </a:xfrm>
-          <a:prstGeom prst="heptagon">
-            <a:avLst/>
-          </a:prstGeom>
-        </p:spPr>
-        <p:style>
-          <a:lnRef idx="2">
-            <a:schemeClr val="accent1">
-              <a:shade val="50000"/>
-            </a:schemeClr>
-          </a:lnRef>
-          <a:fillRef idx="1">
-            <a:schemeClr val="accent1"/>
-          </a:fillRef>
-          <a:effectRef idx="0">
-            <a:schemeClr val="accent1"/>
-          </a:effectRef>
-          <a:fontRef idx="minor">
-            <a:schemeClr val="lt1"/>
-          </a:fontRef>
-        </p:style>
-        <p:txBody>
-          <a:bodyPr rtlCol="0" anchor="ctr"/>
-          <a:lstStyle/>
-          <a:p>
-            <a:pPr algn="ctr"/>
-            <a:r>
-              <a:rPr lang="en-US" dirty="0"/>
               <a:t>1</a:t>
-            </a:r>
-          </a:p>
-        </p:txBody>
-      </p:sp>
-      <p:sp>
-        <p:nvSpPr>
-          <p:cNvPr id="30" name="TextBox 29">
-            <a:extLst>
-              <a:ext uri="{FF2B5EF4-FFF2-40B4-BE49-F238E27FC236}">
-                <a16:creationId xmlns:a16="http://schemas.microsoft.com/office/drawing/2014/main" id="{2BC9F718-89F5-4ABC-8898-7B19A551B64A}"/>
-              </a:ext>
-            </a:extLst>
-          </p:cNvPr>
-          <p:cNvSpPr txBox="1"/>
-          <p:nvPr/>
-        </p:nvSpPr>
-        <p:spPr>
-          <a:xfrm>
-            <a:off x="3925476" y="2728022"/>
-            <a:ext cx="998991" cy="276999"/>
-          </a:xfrm>
-          <a:prstGeom prst="rect">
-            <a:avLst/>
-          </a:prstGeom>
-          <a:noFill/>
-        </p:spPr>
-        <p:txBody>
-          <a:bodyPr wrap="none" rtlCol="0">
-            <a:spAutoFit/>
-          </a:bodyPr>
-          <a:lstStyle/>
-          <a:p>
-            <a:r>
-              <a:rPr lang="en-US" sz="1200" dirty="0">
-                <a:solidFill>
-                  <a:srgbClr val="002060"/>
-                </a:solidFill>
-                <a:latin typeface="Verdana" panose="020B0604030504040204" pitchFamily="34" charset="0"/>
-                <a:ea typeface="Verdana" panose="020B0604030504040204" pitchFamily="34" charset="0"/>
-              </a:rPr>
-              <a:t>Ng 12 App</a:t>
             </a:r>
           </a:p>
         </p:txBody>
@@ -9977,7 +9977,7 @@
     </p:spTree>
     <p:extLst>
       <p:ext uri="{BB962C8B-B14F-4D97-AF65-F5344CB8AC3E}">
-        <p14:creationId xmlns:p14="http://schemas.microsoft.com/office/powerpoint/2010/main" val="2545165636"/>
+        <p14:creationId xmlns:p14="http://schemas.microsoft.com/office/powerpoint/2010/main" val="3396452104"/>
       </p:ext>
     </p:extLst>
   </p:cSld>

--- a/MicrosoftReactor/Demos.pptx
+++ b/MicrosoftReactor/Demos.pptx
@@ -13,7 +13,8 @@
     <p:sldId id="328" r:id="rId7"/>
     <p:sldId id="327" r:id="rId8"/>
     <p:sldId id="326" r:id="rId9"/>
-    <p:sldId id="332" r:id="rId10"/>
+    <p:sldId id="335" r:id="rId10"/>
+    <p:sldId id="332" r:id="rId11"/>
   </p:sldIdLst>
   <p:sldSz cx="12192000" cy="6858000"/>
   <p:notesSz cx="6858000" cy="9144000"/>
@@ -269,7 +270,7 @@
           <a:p>
             <a:fld id="{3F64E90C-326F-45C8-9212-4C9C4B7EF630}" type="datetimeFigureOut">
               <a:rPr lang="en-IN" smtClean="0"/>
-              <a:t>23-11-2021</a:t>
+              <a:t>04-12-2021</a:t>
             </a:fld>
             <a:endParaRPr lang="en-IN"/>
           </a:p>
@@ -469,7 +470,7 @@
           <a:p>
             <a:fld id="{3F64E90C-326F-45C8-9212-4C9C4B7EF630}" type="datetimeFigureOut">
               <a:rPr lang="en-IN" smtClean="0"/>
-              <a:t>23-11-2021</a:t>
+              <a:t>04-12-2021</a:t>
             </a:fld>
             <a:endParaRPr lang="en-IN"/>
           </a:p>
@@ -679,7 +680,7 @@
           <a:p>
             <a:fld id="{3F64E90C-326F-45C8-9212-4C9C4B7EF630}" type="datetimeFigureOut">
               <a:rPr lang="en-IN" smtClean="0"/>
-              <a:t>23-11-2021</a:t>
+              <a:t>04-12-2021</a:t>
             </a:fld>
             <a:endParaRPr lang="en-IN"/>
           </a:p>
@@ -879,7 +880,7 @@
           <a:p>
             <a:fld id="{3F64E90C-326F-45C8-9212-4C9C4B7EF630}" type="datetimeFigureOut">
               <a:rPr lang="en-IN" smtClean="0"/>
-              <a:t>23-11-2021</a:t>
+              <a:t>04-12-2021</a:t>
             </a:fld>
             <a:endParaRPr lang="en-IN"/>
           </a:p>
@@ -1155,7 +1156,7 @@
           <a:p>
             <a:fld id="{3F64E90C-326F-45C8-9212-4C9C4B7EF630}" type="datetimeFigureOut">
               <a:rPr lang="en-IN" smtClean="0"/>
-              <a:t>23-11-2021</a:t>
+              <a:t>04-12-2021</a:t>
             </a:fld>
             <a:endParaRPr lang="en-IN"/>
           </a:p>
@@ -1423,7 +1424,7 @@
           <a:p>
             <a:fld id="{3F64E90C-326F-45C8-9212-4C9C4B7EF630}" type="datetimeFigureOut">
               <a:rPr lang="en-IN" smtClean="0"/>
-              <a:t>23-11-2021</a:t>
+              <a:t>04-12-2021</a:t>
             </a:fld>
             <a:endParaRPr lang="en-IN"/>
           </a:p>
@@ -1838,7 +1839,7 @@
           <a:p>
             <a:fld id="{3F64E90C-326F-45C8-9212-4C9C4B7EF630}" type="datetimeFigureOut">
               <a:rPr lang="en-IN" smtClean="0"/>
-              <a:t>23-11-2021</a:t>
+              <a:t>04-12-2021</a:t>
             </a:fld>
             <a:endParaRPr lang="en-IN"/>
           </a:p>
@@ -1980,7 +1981,7 @@
           <a:p>
             <a:fld id="{3F64E90C-326F-45C8-9212-4C9C4B7EF630}" type="datetimeFigureOut">
               <a:rPr lang="en-IN" smtClean="0"/>
-              <a:t>23-11-2021</a:t>
+              <a:t>04-12-2021</a:t>
             </a:fld>
             <a:endParaRPr lang="en-IN"/>
           </a:p>
@@ -2093,7 +2094,7 @@
           <a:p>
             <a:fld id="{3F64E90C-326F-45C8-9212-4C9C4B7EF630}" type="datetimeFigureOut">
               <a:rPr lang="en-IN" smtClean="0"/>
-              <a:t>23-11-2021</a:t>
+              <a:t>04-12-2021</a:t>
             </a:fld>
             <a:endParaRPr lang="en-IN"/>
           </a:p>
@@ -2406,7 +2407,7 @@
           <a:p>
             <a:fld id="{3F64E90C-326F-45C8-9212-4C9C4B7EF630}" type="datetimeFigureOut">
               <a:rPr lang="en-IN" smtClean="0"/>
-              <a:t>23-11-2021</a:t>
+              <a:t>04-12-2021</a:t>
             </a:fld>
             <a:endParaRPr lang="en-IN"/>
           </a:p>
@@ -2695,7 +2696,7 @@
           <a:p>
             <a:fld id="{3F64E90C-326F-45C8-9212-4C9C4B7EF630}" type="datetimeFigureOut">
               <a:rPr lang="en-IN" smtClean="0"/>
-              <a:t>23-11-2021</a:t>
+              <a:t>04-12-2021</a:t>
             </a:fld>
             <a:endParaRPr lang="en-IN"/>
           </a:p>
@@ -2938,7 +2939,7 @@
           <a:p>
             <a:fld id="{3F64E90C-326F-45C8-9212-4C9C4B7EF630}" type="datetimeFigureOut">
               <a:rPr lang="en-IN" smtClean="0"/>
-              <a:t>23-11-2021</a:t>
+              <a:t>04-12-2021</a:t>
             </a:fld>
             <a:endParaRPr lang="en-IN"/>
           </a:p>
@@ -3846,6 +3847,1017 @@
 </p:sld>
 </file>
 
+<file path=ppt/slides/slide10.xml><?xml version="1.0" encoding="utf-8"?>
+<p:sld xmlns:a="http://schemas.openxmlformats.org/drawingml/2006/main" xmlns:r="http://schemas.openxmlformats.org/officeDocument/2006/relationships" xmlns:p="http://schemas.openxmlformats.org/presentationml/2006/main">
+  <p:cSld>
+    <p:spTree>
+      <p:nvGrpSpPr>
+        <p:cNvPr id="1" name=""/>
+        <p:cNvGrpSpPr/>
+        <p:nvPr/>
+      </p:nvGrpSpPr>
+      <p:grpSpPr>
+        <a:xfrm>
+          <a:off x="0" y="0"/>
+          <a:ext cx="0" cy="0"/>
+          <a:chOff x="0" y="0"/>
+          <a:chExt cx="0" cy="0"/>
+        </a:xfrm>
+      </p:grpSpPr>
+      <p:pic>
+        <p:nvPicPr>
+          <p:cNvPr id="1026" name="Picture 2">
+            <a:extLst>
+              <a:ext uri="{FF2B5EF4-FFF2-40B4-BE49-F238E27FC236}">
+                <a16:creationId xmlns:a16="http://schemas.microsoft.com/office/drawing/2014/main" id="{2BE09F8E-F4ED-48B7-9EE2-29D6C55A7243}"/>
+              </a:ext>
+            </a:extLst>
+          </p:cNvPr>
+          <p:cNvPicPr>
+            <a:picLocks noChangeAspect="1" noChangeArrowheads="1"/>
+          </p:cNvPicPr>
+          <p:nvPr/>
+        </p:nvPicPr>
+        <p:blipFill>
+          <a:blip r:embed="rId2">
+            <a:extLst>
+              <a:ext uri="{28A0092B-C50C-407E-A947-70E740481C1C}">
+                <a14:useLocalDpi xmlns:a14="http://schemas.microsoft.com/office/drawing/2010/main" val="0"/>
+              </a:ext>
+            </a:extLst>
+          </a:blip>
+          <a:srcRect/>
+          <a:stretch>
+            <a:fillRect/>
+          </a:stretch>
+        </p:blipFill>
+        <p:spPr bwMode="auto">
+          <a:xfrm>
+            <a:off x="6889546" y="2732661"/>
+            <a:ext cx="847725" cy="847725"/>
+          </a:xfrm>
+          <a:prstGeom prst="rect">
+            <a:avLst/>
+          </a:prstGeom>
+          <a:noFill/>
+          <a:extLst>
+            <a:ext uri="{909E8E84-426E-40DD-AFC4-6F175D3DCCD1}">
+              <a14:hiddenFill xmlns:a14="http://schemas.microsoft.com/office/drawing/2010/main">
+                <a:solidFill>
+                  <a:srgbClr val="FFFFFF"/>
+                </a:solidFill>
+              </a14:hiddenFill>
+            </a:ext>
+          </a:extLst>
+        </p:spPr>
+      </p:pic>
+      <p:pic>
+        <p:nvPicPr>
+          <p:cNvPr id="1034" name="Picture 10">
+            <a:extLst>
+              <a:ext uri="{FF2B5EF4-FFF2-40B4-BE49-F238E27FC236}">
+                <a16:creationId xmlns:a16="http://schemas.microsoft.com/office/drawing/2014/main" id="{03A6EE1E-D6C3-43B7-A76C-ED8BA685C33B}"/>
+              </a:ext>
+            </a:extLst>
+          </p:cNvPr>
+          <p:cNvPicPr>
+            <a:picLocks noChangeAspect="1" noChangeArrowheads="1"/>
+          </p:cNvPicPr>
+          <p:nvPr/>
+        </p:nvPicPr>
+        <p:blipFill>
+          <a:blip r:embed="rId3">
+            <a:extLst>
+              <a:ext uri="{28A0092B-C50C-407E-A947-70E740481C1C}">
+                <a14:useLocalDpi xmlns:a14="http://schemas.microsoft.com/office/drawing/2010/main" val="0"/>
+              </a:ext>
+            </a:extLst>
+          </a:blip>
+          <a:srcRect/>
+          <a:stretch>
+            <a:fillRect/>
+          </a:stretch>
+        </p:blipFill>
+        <p:spPr bwMode="auto">
+          <a:xfrm>
+            <a:off x="11088319" y="4965654"/>
+            <a:ext cx="657225" cy="676275"/>
+          </a:xfrm>
+          <a:prstGeom prst="rect">
+            <a:avLst/>
+          </a:prstGeom>
+          <a:noFill/>
+          <a:extLst>
+            <a:ext uri="{909E8E84-426E-40DD-AFC4-6F175D3DCCD1}">
+              <a14:hiddenFill xmlns:a14="http://schemas.microsoft.com/office/drawing/2010/main">
+                <a:solidFill>
+                  <a:srgbClr val="FFFFFF"/>
+                </a:solidFill>
+              </a14:hiddenFill>
+            </a:ext>
+          </a:extLst>
+        </p:spPr>
+      </p:pic>
+      <p:pic>
+        <p:nvPicPr>
+          <p:cNvPr id="1044" name="Picture 20">
+            <a:extLst>
+              <a:ext uri="{FF2B5EF4-FFF2-40B4-BE49-F238E27FC236}">
+                <a16:creationId xmlns:a16="http://schemas.microsoft.com/office/drawing/2014/main" id="{24CA475C-31C6-4B82-A0EA-16888492B5DE}"/>
+              </a:ext>
+            </a:extLst>
+          </p:cNvPr>
+          <p:cNvPicPr>
+            <a:picLocks noChangeAspect="1" noChangeArrowheads="1"/>
+          </p:cNvPicPr>
+          <p:nvPr/>
+        </p:nvPicPr>
+        <p:blipFill>
+          <a:blip r:embed="rId4">
+            <a:extLst>
+              <a:ext uri="{28A0092B-C50C-407E-A947-70E740481C1C}">
+                <a14:useLocalDpi xmlns:a14="http://schemas.microsoft.com/office/drawing/2010/main" val="0"/>
+              </a:ext>
+            </a:extLst>
+          </a:blip>
+          <a:srcRect/>
+          <a:stretch>
+            <a:fillRect/>
+          </a:stretch>
+        </p:blipFill>
+        <p:spPr bwMode="auto">
+          <a:xfrm>
+            <a:off x="320068" y="4956194"/>
+            <a:ext cx="657225" cy="676275"/>
+          </a:xfrm>
+          <a:prstGeom prst="rect">
+            <a:avLst/>
+          </a:prstGeom>
+          <a:noFill/>
+          <a:extLst>
+            <a:ext uri="{909E8E84-426E-40DD-AFC4-6F175D3DCCD1}">
+              <a14:hiddenFill xmlns:a14="http://schemas.microsoft.com/office/drawing/2010/main">
+                <a:solidFill>
+                  <a:srgbClr val="FFFFFF"/>
+                </a:solidFill>
+              </a14:hiddenFill>
+            </a:ext>
+          </a:extLst>
+        </p:spPr>
+      </p:pic>
+      <p:pic>
+        <p:nvPicPr>
+          <p:cNvPr id="22" name="Picture 12">
+            <a:extLst>
+              <a:ext uri="{FF2B5EF4-FFF2-40B4-BE49-F238E27FC236}">
+                <a16:creationId xmlns:a16="http://schemas.microsoft.com/office/drawing/2014/main" id="{CDD441FC-ED8A-4B90-A512-1FFA05777E63}"/>
+              </a:ext>
+            </a:extLst>
+          </p:cNvPr>
+          <p:cNvPicPr>
+            <a:picLocks noChangeAspect="1" noChangeArrowheads="1"/>
+          </p:cNvPicPr>
+          <p:nvPr/>
+        </p:nvPicPr>
+        <p:blipFill>
+          <a:blip r:embed="rId5">
+            <a:extLst>
+              <a:ext uri="{28A0092B-C50C-407E-A947-70E740481C1C}">
+                <a14:useLocalDpi xmlns:a14="http://schemas.microsoft.com/office/drawing/2010/main" val="0"/>
+              </a:ext>
+            </a:extLst>
+          </a:blip>
+          <a:srcRect/>
+          <a:stretch>
+            <a:fillRect/>
+          </a:stretch>
+        </p:blipFill>
+        <p:spPr bwMode="auto">
+          <a:xfrm>
+            <a:off x="6916130" y="4889518"/>
+            <a:ext cx="809625" cy="809625"/>
+          </a:xfrm>
+          <a:prstGeom prst="rect">
+            <a:avLst/>
+          </a:prstGeom>
+          <a:noFill/>
+          <a:extLst>
+            <a:ext uri="{909E8E84-426E-40DD-AFC4-6F175D3DCCD1}">
+              <a14:hiddenFill xmlns:a14="http://schemas.microsoft.com/office/drawing/2010/main">
+                <a:solidFill>
+                  <a:srgbClr val="FFFFFF"/>
+                </a:solidFill>
+              </a14:hiddenFill>
+            </a:ext>
+          </a:extLst>
+        </p:spPr>
+      </p:pic>
+      <p:sp>
+        <p:nvSpPr>
+          <p:cNvPr id="11" name="Heptagon 10">
+            <a:extLst>
+              <a:ext uri="{FF2B5EF4-FFF2-40B4-BE49-F238E27FC236}">
+                <a16:creationId xmlns:a16="http://schemas.microsoft.com/office/drawing/2014/main" id="{8EF000E9-1A1B-40B9-BF7B-8E7326AAFA24}"/>
+              </a:ext>
+            </a:extLst>
+          </p:cNvPr>
+          <p:cNvSpPr/>
+          <p:nvPr/>
+        </p:nvSpPr>
+        <p:spPr>
+          <a:xfrm>
+            <a:off x="806519" y="4831374"/>
+            <a:ext cx="307435" cy="344102"/>
+          </a:xfrm>
+          <a:prstGeom prst="heptagon">
+            <a:avLst/>
+          </a:prstGeom>
+        </p:spPr>
+        <p:style>
+          <a:lnRef idx="2">
+            <a:schemeClr val="accent1">
+              <a:shade val="50000"/>
+            </a:schemeClr>
+          </a:lnRef>
+          <a:fillRef idx="1">
+            <a:schemeClr val="accent1"/>
+          </a:fillRef>
+          <a:effectRef idx="0">
+            <a:schemeClr val="accent1"/>
+          </a:effectRef>
+          <a:fontRef idx="minor">
+            <a:schemeClr val="lt1"/>
+          </a:fontRef>
+        </p:style>
+        <p:txBody>
+          <a:bodyPr rtlCol="0" anchor="ctr"/>
+          <a:lstStyle/>
+          <a:p>
+            <a:pPr algn="ctr"/>
+            <a:r>
+              <a:rPr lang="en-US" dirty="0"/>
+              <a:t>1</a:t>
+            </a:r>
+          </a:p>
+        </p:txBody>
+      </p:sp>
+      <p:cxnSp>
+        <p:nvCxnSpPr>
+          <p:cNvPr id="15" name="Straight Arrow Connector 14">
+            <a:extLst>
+              <a:ext uri="{FF2B5EF4-FFF2-40B4-BE49-F238E27FC236}">
+                <a16:creationId xmlns:a16="http://schemas.microsoft.com/office/drawing/2014/main" id="{3907F1EE-B001-4BF5-87F4-2548B3C7CE83}"/>
+              </a:ext>
+            </a:extLst>
+          </p:cNvPr>
+          <p:cNvCxnSpPr>
+            <a:stCxn id="1044" idx="3"/>
+          </p:cNvCxnSpPr>
+          <p:nvPr/>
+        </p:nvCxnSpPr>
+        <p:spPr>
+          <a:xfrm flipV="1">
+            <a:off x="977293" y="5289986"/>
+            <a:ext cx="1071331" cy="4346"/>
+          </a:xfrm>
+          <a:prstGeom prst="straightConnector1">
+            <a:avLst/>
+          </a:prstGeom>
+          <a:ln>
+            <a:tailEnd type="triangle"/>
+          </a:ln>
+        </p:spPr>
+        <p:style>
+          <a:lnRef idx="1">
+            <a:schemeClr val="accent1"/>
+          </a:lnRef>
+          <a:fillRef idx="0">
+            <a:schemeClr val="accent1"/>
+          </a:fillRef>
+          <a:effectRef idx="0">
+            <a:schemeClr val="accent1"/>
+          </a:effectRef>
+          <a:fontRef idx="minor">
+            <a:schemeClr val="tx1"/>
+          </a:fontRef>
+        </p:style>
+      </p:cxnSp>
+      <p:cxnSp>
+        <p:nvCxnSpPr>
+          <p:cNvPr id="18" name="Straight Arrow Connector 17">
+            <a:extLst>
+              <a:ext uri="{FF2B5EF4-FFF2-40B4-BE49-F238E27FC236}">
+                <a16:creationId xmlns:a16="http://schemas.microsoft.com/office/drawing/2014/main" id="{56E275F4-5807-4B9E-B0C0-190061041D2E}"/>
+              </a:ext>
+            </a:extLst>
+          </p:cNvPr>
+          <p:cNvCxnSpPr>
+            <a:cxnSpLocks/>
+          </p:cNvCxnSpPr>
+          <p:nvPr/>
+        </p:nvCxnSpPr>
+        <p:spPr>
+          <a:xfrm>
+            <a:off x="2858249" y="5289986"/>
+            <a:ext cx="1570931" cy="12112"/>
+          </a:xfrm>
+          <a:prstGeom prst="straightConnector1">
+            <a:avLst/>
+          </a:prstGeom>
+          <a:ln>
+            <a:tailEnd type="triangle"/>
+          </a:ln>
+        </p:spPr>
+        <p:style>
+          <a:lnRef idx="1">
+            <a:schemeClr val="accent1"/>
+          </a:lnRef>
+          <a:fillRef idx="0">
+            <a:schemeClr val="accent1"/>
+          </a:fillRef>
+          <a:effectRef idx="0">
+            <a:schemeClr val="accent1"/>
+          </a:effectRef>
+          <a:fontRef idx="minor">
+            <a:schemeClr val="tx1"/>
+          </a:fontRef>
+        </p:style>
+      </p:cxnSp>
+      <p:cxnSp>
+        <p:nvCxnSpPr>
+          <p:cNvPr id="20" name="Straight Arrow Connector 19">
+            <a:extLst>
+              <a:ext uri="{FF2B5EF4-FFF2-40B4-BE49-F238E27FC236}">
+                <a16:creationId xmlns:a16="http://schemas.microsoft.com/office/drawing/2014/main" id="{CA3C1361-B4B3-4FA4-B26C-380E21721D41}"/>
+              </a:ext>
+            </a:extLst>
+          </p:cNvPr>
+          <p:cNvCxnSpPr>
+            <a:endCxn id="22" idx="1"/>
+          </p:cNvCxnSpPr>
+          <p:nvPr/>
+        </p:nvCxnSpPr>
+        <p:spPr>
+          <a:xfrm flipV="1">
+            <a:off x="5248330" y="5294331"/>
+            <a:ext cx="1667800" cy="7767"/>
+          </a:xfrm>
+          <a:prstGeom prst="straightConnector1">
+            <a:avLst/>
+          </a:prstGeom>
+          <a:ln>
+            <a:tailEnd type="triangle"/>
+          </a:ln>
+        </p:spPr>
+        <p:style>
+          <a:lnRef idx="1">
+            <a:schemeClr val="accent1"/>
+          </a:lnRef>
+          <a:fillRef idx="0">
+            <a:schemeClr val="accent1"/>
+          </a:fillRef>
+          <a:effectRef idx="0">
+            <a:schemeClr val="accent1"/>
+          </a:effectRef>
+          <a:fontRef idx="minor">
+            <a:schemeClr val="tx1"/>
+          </a:fontRef>
+        </p:style>
+      </p:cxnSp>
+      <p:cxnSp>
+        <p:nvCxnSpPr>
+          <p:cNvPr id="23" name="Straight Connector 22">
+            <a:extLst>
+              <a:ext uri="{FF2B5EF4-FFF2-40B4-BE49-F238E27FC236}">
+                <a16:creationId xmlns:a16="http://schemas.microsoft.com/office/drawing/2014/main" id="{2F483661-8B57-4D41-8C50-C7739BB2C923}"/>
+              </a:ext>
+            </a:extLst>
+          </p:cNvPr>
+          <p:cNvCxnSpPr>
+            <a:stCxn id="22" idx="0"/>
+            <a:endCxn id="1026" idx="2"/>
+          </p:cNvCxnSpPr>
+          <p:nvPr/>
+        </p:nvCxnSpPr>
+        <p:spPr>
+          <a:xfrm flipH="1" flipV="1">
+            <a:off x="7313409" y="3580386"/>
+            <a:ext cx="7534" cy="1309132"/>
+          </a:xfrm>
+          <a:prstGeom prst="line">
+            <a:avLst/>
+          </a:prstGeom>
+        </p:spPr>
+        <p:style>
+          <a:lnRef idx="1">
+            <a:schemeClr val="accent1"/>
+          </a:lnRef>
+          <a:fillRef idx="0">
+            <a:schemeClr val="accent1"/>
+          </a:fillRef>
+          <a:effectRef idx="0">
+            <a:schemeClr val="accent1"/>
+          </a:effectRef>
+          <a:fontRef idx="minor">
+            <a:schemeClr val="tx1"/>
+          </a:fontRef>
+        </p:style>
+      </p:cxnSp>
+      <p:cxnSp>
+        <p:nvCxnSpPr>
+          <p:cNvPr id="25" name="Straight Connector 24">
+            <a:extLst>
+              <a:ext uri="{FF2B5EF4-FFF2-40B4-BE49-F238E27FC236}">
+                <a16:creationId xmlns:a16="http://schemas.microsoft.com/office/drawing/2014/main" id="{AD8FDBDF-5F0D-40AB-9D7D-DDD3F4E13427}"/>
+              </a:ext>
+            </a:extLst>
+          </p:cNvPr>
+          <p:cNvCxnSpPr>
+            <a:stCxn id="22" idx="3"/>
+          </p:cNvCxnSpPr>
+          <p:nvPr/>
+        </p:nvCxnSpPr>
+        <p:spPr>
+          <a:xfrm flipV="1">
+            <a:off x="7725755" y="5289985"/>
+            <a:ext cx="3410227" cy="4346"/>
+          </a:xfrm>
+          <a:prstGeom prst="line">
+            <a:avLst/>
+          </a:prstGeom>
+        </p:spPr>
+        <p:style>
+          <a:lnRef idx="1">
+            <a:schemeClr val="accent1"/>
+          </a:lnRef>
+          <a:fillRef idx="0">
+            <a:schemeClr val="accent1"/>
+          </a:fillRef>
+          <a:effectRef idx="0">
+            <a:schemeClr val="accent1"/>
+          </a:effectRef>
+          <a:fontRef idx="minor">
+            <a:schemeClr val="tx1"/>
+          </a:fontRef>
+        </p:style>
+      </p:cxnSp>
+      <p:sp>
+        <p:nvSpPr>
+          <p:cNvPr id="45" name="Heptagon 44">
+            <a:extLst>
+              <a:ext uri="{FF2B5EF4-FFF2-40B4-BE49-F238E27FC236}">
+                <a16:creationId xmlns:a16="http://schemas.microsoft.com/office/drawing/2014/main" id="{E7A80D65-5ADB-4DCD-A7A2-5DFBCA0C9B8D}"/>
+              </a:ext>
+            </a:extLst>
+          </p:cNvPr>
+          <p:cNvSpPr/>
+          <p:nvPr/>
+        </p:nvSpPr>
+        <p:spPr>
+          <a:xfrm>
+            <a:off x="2758698" y="4831374"/>
+            <a:ext cx="307435" cy="344102"/>
+          </a:xfrm>
+          <a:prstGeom prst="heptagon">
+            <a:avLst/>
+          </a:prstGeom>
+        </p:spPr>
+        <p:style>
+          <a:lnRef idx="2">
+            <a:schemeClr val="accent1">
+              <a:shade val="50000"/>
+            </a:schemeClr>
+          </a:lnRef>
+          <a:fillRef idx="1">
+            <a:schemeClr val="accent1"/>
+          </a:fillRef>
+          <a:effectRef idx="0">
+            <a:schemeClr val="accent1"/>
+          </a:effectRef>
+          <a:fontRef idx="minor">
+            <a:schemeClr val="lt1"/>
+          </a:fontRef>
+        </p:style>
+        <p:txBody>
+          <a:bodyPr rtlCol="0" anchor="ctr"/>
+          <a:lstStyle/>
+          <a:p>
+            <a:pPr algn="ctr"/>
+            <a:r>
+              <a:rPr lang="en-US" dirty="0"/>
+              <a:t>2</a:t>
+            </a:r>
+          </a:p>
+        </p:txBody>
+      </p:sp>
+      <p:sp>
+        <p:nvSpPr>
+          <p:cNvPr id="46" name="Heptagon 45">
+            <a:extLst>
+              <a:ext uri="{FF2B5EF4-FFF2-40B4-BE49-F238E27FC236}">
+                <a16:creationId xmlns:a16="http://schemas.microsoft.com/office/drawing/2014/main" id="{41E19403-B49B-4C20-BB68-98A12476BA78}"/>
+              </a:ext>
+            </a:extLst>
+          </p:cNvPr>
+          <p:cNvSpPr/>
+          <p:nvPr/>
+        </p:nvSpPr>
+        <p:spPr>
+          <a:xfrm>
+            <a:off x="5021558" y="4831374"/>
+            <a:ext cx="307435" cy="344102"/>
+          </a:xfrm>
+          <a:prstGeom prst="heptagon">
+            <a:avLst/>
+          </a:prstGeom>
+        </p:spPr>
+        <p:style>
+          <a:lnRef idx="2">
+            <a:schemeClr val="accent1">
+              <a:shade val="50000"/>
+            </a:schemeClr>
+          </a:lnRef>
+          <a:fillRef idx="1">
+            <a:schemeClr val="accent1"/>
+          </a:fillRef>
+          <a:effectRef idx="0">
+            <a:schemeClr val="accent1"/>
+          </a:effectRef>
+          <a:fontRef idx="minor">
+            <a:schemeClr val="lt1"/>
+          </a:fontRef>
+        </p:style>
+        <p:txBody>
+          <a:bodyPr rtlCol="0" anchor="ctr"/>
+          <a:lstStyle/>
+          <a:p>
+            <a:pPr algn="ctr"/>
+            <a:r>
+              <a:rPr lang="en-US" dirty="0"/>
+              <a:t>3</a:t>
+            </a:r>
+          </a:p>
+        </p:txBody>
+      </p:sp>
+      <p:sp>
+        <p:nvSpPr>
+          <p:cNvPr id="47" name="Heptagon 46">
+            <a:extLst>
+              <a:ext uri="{FF2B5EF4-FFF2-40B4-BE49-F238E27FC236}">
+                <a16:creationId xmlns:a16="http://schemas.microsoft.com/office/drawing/2014/main" id="{AB00409F-5084-44E7-90AA-34000E295530}"/>
+              </a:ext>
+            </a:extLst>
+          </p:cNvPr>
+          <p:cNvSpPr/>
+          <p:nvPr/>
+        </p:nvSpPr>
+        <p:spPr>
+          <a:xfrm>
+            <a:off x="7738588" y="4826281"/>
+            <a:ext cx="307435" cy="344102"/>
+          </a:xfrm>
+          <a:prstGeom prst="heptagon">
+            <a:avLst/>
+          </a:prstGeom>
+        </p:spPr>
+        <p:style>
+          <a:lnRef idx="2">
+            <a:schemeClr val="accent1">
+              <a:shade val="50000"/>
+            </a:schemeClr>
+          </a:lnRef>
+          <a:fillRef idx="1">
+            <a:schemeClr val="accent1"/>
+          </a:fillRef>
+          <a:effectRef idx="0">
+            <a:schemeClr val="accent1"/>
+          </a:effectRef>
+          <a:fontRef idx="minor">
+            <a:schemeClr val="lt1"/>
+          </a:fontRef>
+        </p:style>
+        <p:txBody>
+          <a:bodyPr rtlCol="0" anchor="ctr"/>
+          <a:lstStyle/>
+          <a:p>
+            <a:pPr algn="ctr"/>
+            <a:r>
+              <a:rPr lang="en-US" dirty="0"/>
+              <a:t>4</a:t>
+            </a:r>
+          </a:p>
+        </p:txBody>
+      </p:sp>
+      <p:sp>
+        <p:nvSpPr>
+          <p:cNvPr id="48" name="Heptagon 47">
+            <a:extLst>
+              <a:ext uri="{FF2B5EF4-FFF2-40B4-BE49-F238E27FC236}">
+                <a16:creationId xmlns:a16="http://schemas.microsoft.com/office/drawing/2014/main" id="{7404ADED-C51D-46C9-8F7A-0B3E6F45A5B6}"/>
+              </a:ext>
+            </a:extLst>
+          </p:cNvPr>
+          <p:cNvSpPr/>
+          <p:nvPr/>
+        </p:nvSpPr>
+        <p:spPr>
+          <a:xfrm>
+            <a:off x="7737271" y="2812421"/>
+            <a:ext cx="307435" cy="344102"/>
+          </a:xfrm>
+          <a:prstGeom prst="heptagon">
+            <a:avLst/>
+          </a:prstGeom>
+        </p:spPr>
+        <p:style>
+          <a:lnRef idx="2">
+            <a:schemeClr val="accent1">
+              <a:shade val="50000"/>
+            </a:schemeClr>
+          </a:lnRef>
+          <a:fillRef idx="1">
+            <a:schemeClr val="accent1"/>
+          </a:fillRef>
+          <a:effectRef idx="0">
+            <a:schemeClr val="accent1"/>
+          </a:effectRef>
+          <a:fontRef idx="minor">
+            <a:schemeClr val="lt1"/>
+          </a:fontRef>
+        </p:style>
+        <p:txBody>
+          <a:bodyPr rtlCol="0" anchor="ctr"/>
+          <a:lstStyle/>
+          <a:p>
+            <a:pPr algn="ctr"/>
+            <a:r>
+              <a:rPr lang="en-US" dirty="0"/>
+              <a:t>5</a:t>
+            </a:r>
+          </a:p>
+        </p:txBody>
+      </p:sp>
+      <p:sp>
+        <p:nvSpPr>
+          <p:cNvPr id="49" name="Heptagon 48">
+            <a:extLst>
+              <a:ext uri="{FF2B5EF4-FFF2-40B4-BE49-F238E27FC236}">
+                <a16:creationId xmlns:a16="http://schemas.microsoft.com/office/drawing/2014/main" id="{2E4FEFBF-5DA1-4129-9427-C54B20A39168}"/>
+              </a:ext>
+            </a:extLst>
+          </p:cNvPr>
+          <p:cNvSpPr/>
+          <p:nvPr/>
+        </p:nvSpPr>
+        <p:spPr>
+          <a:xfrm>
+            <a:off x="11529674" y="4831374"/>
+            <a:ext cx="307435" cy="344102"/>
+          </a:xfrm>
+          <a:prstGeom prst="heptagon">
+            <a:avLst/>
+          </a:prstGeom>
+        </p:spPr>
+        <p:style>
+          <a:lnRef idx="2">
+            <a:schemeClr val="accent1">
+              <a:shade val="50000"/>
+            </a:schemeClr>
+          </a:lnRef>
+          <a:fillRef idx="1">
+            <a:schemeClr val="accent1"/>
+          </a:fillRef>
+          <a:effectRef idx="0">
+            <a:schemeClr val="accent1"/>
+          </a:effectRef>
+          <a:fontRef idx="minor">
+            <a:schemeClr val="lt1"/>
+          </a:fontRef>
+        </p:style>
+        <p:txBody>
+          <a:bodyPr rtlCol="0" anchor="ctr"/>
+          <a:lstStyle/>
+          <a:p>
+            <a:pPr algn="ctr"/>
+            <a:r>
+              <a:rPr lang="en-US" dirty="0"/>
+              <a:t>6</a:t>
+            </a:r>
+          </a:p>
+        </p:txBody>
+      </p:sp>
+      <p:sp>
+        <p:nvSpPr>
+          <p:cNvPr id="29" name="TextBox 28">
+            <a:extLst>
+              <a:ext uri="{FF2B5EF4-FFF2-40B4-BE49-F238E27FC236}">
+                <a16:creationId xmlns:a16="http://schemas.microsoft.com/office/drawing/2014/main" id="{73DEDEAB-57DE-46F8-9469-78112F7FEB52}"/>
+              </a:ext>
+            </a:extLst>
+          </p:cNvPr>
+          <p:cNvSpPr txBox="1"/>
+          <p:nvPr/>
+        </p:nvSpPr>
+        <p:spPr>
+          <a:xfrm>
+            <a:off x="1999787" y="5662350"/>
+            <a:ext cx="1095493" cy="276999"/>
+          </a:xfrm>
+          <a:prstGeom prst="rect">
+            <a:avLst/>
+          </a:prstGeom>
+          <a:noFill/>
+        </p:spPr>
+        <p:txBody>
+          <a:bodyPr wrap="none" rtlCol="0">
+            <a:spAutoFit/>
+          </a:bodyPr>
+          <a:lstStyle/>
+          <a:p>
+            <a:r>
+              <a:rPr lang="en-US" sz="1200" dirty="0">
+                <a:solidFill>
+                  <a:srgbClr val="002060"/>
+                </a:solidFill>
+                <a:latin typeface="Verdana" panose="020B0604030504040204" pitchFamily="34" charset="0"/>
+                <a:ea typeface="Verdana" panose="020B0604030504040204" pitchFamily="34" charset="0"/>
+              </a:rPr>
+              <a:t>Canvas App</a:t>
+            </a:r>
+          </a:p>
+        </p:txBody>
+      </p:sp>
+      <p:sp>
+        <p:nvSpPr>
+          <p:cNvPr id="30" name="TextBox 29">
+            <a:extLst>
+              <a:ext uri="{FF2B5EF4-FFF2-40B4-BE49-F238E27FC236}">
+                <a16:creationId xmlns:a16="http://schemas.microsoft.com/office/drawing/2014/main" id="{9380F401-B30D-4061-B24C-F39F66577851}"/>
+              </a:ext>
+            </a:extLst>
+          </p:cNvPr>
+          <p:cNvSpPr txBox="1"/>
+          <p:nvPr/>
+        </p:nvSpPr>
+        <p:spPr>
+          <a:xfrm>
+            <a:off x="4387185" y="5717577"/>
+            <a:ext cx="1614545" cy="276999"/>
+          </a:xfrm>
+          <a:prstGeom prst="rect">
+            <a:avLst/>
+          </a:prstGeom>
+          <a:noFill/>
+        </p:spPr>
+        <p:txBody>
+          <a:bodyPr wrap="none" rtlCol="0">
+            <a:spAutoFit/>
+          </a:bodyPr>
+          <a:lstStyle/>
+          <a:p>
+            <a:r>
+              <a:rPr lang="en-US" sz="1200" dirty="0">
+                <a:solidFill>
+                  <a:srgbClr val="002060"/>
+                </a:solidFill>
+                <a:latin typeface="Verdana" panose="020B0604030504040204" pitchFamily="34" charset="0"/>
+                <a:ea typeface="Verdana" panose="020B0604030504040204" pitchFamily="34" charset="0"/>
+              </a:rPr>
+              <a:t>Custom Connector</a:t>
+            </a:r>
+          </a:p>
+        </p:txBody>
+      </p:sp>
+      <p:sp>
+        <p:nvSpPr>
+          <p:cNvPr id="32" name="TextBox 31">
+            <a:extLst>
+              <a:ext uri="{FF2B5EF4-FFF2-40B4-BE49-F238E27FC236}">
+                <a16:creationId xmlns:a16="http://schemas.microsoft.com/office/drawing/2014/main" id="{7ACD62D2-6EA3-462B-9EE3-1AE82A658BDE}"/>
+              </a:ext>
+            </a:extLst>
+          </p:cNvPr>
+          <p:cNvSpPr txBox="1"/>
+          <p:nvPr/>
+        </p:nvSpPr>
+        <p:spPr>
+          <a:xfrm>
+            <a:off x="6890009" y="5714750"/>
+            <a:ext cx="834396" cy="276999"/>
+          </a:xfrm>
+          <a:prstGeom prst="rect">
+            <a:avLst/>
+          </a:prstGeom>
+          <a:noFill/>
+        </p:spPr>
+        <p:txBody>
+          <a:bodyPr wrap="none" rtlCol="0">
+            <a:spAutoFit/>
+          </a:bodyPr>
+          <a:lstStyle/>
+          <a:p>
+            <a:r>
+              <a:rPr lang="en-US" sz="1200" dirty="0">
+                <a:solidFill>
+                  <a:srgbClr val="002060"/>
+                </a:solidFill>
+                <a:latin typeface="Verdana" panose="020B0604030504040204" pitchFamily="34" charset="0"/>
+                <a:ea typeface="Verdana" panose="020B0604030504040204" pitchFamily="34" charset="0"/>
+              </a:rPr>
+              <a:t>Web API</a:t>
+            </a:r>
+          </a:p>
+        </p:txBody>
+      </p:sp>
+      <p:sp>
+        <p:nvSpPr>
+          <p:cNvPr id="33" name="TextBox 32">
+            <a:extLst>
+              <a:ext uri="{FF2B5EF4-FFF2-40B4-BE49-F238E27FC236}">
+                <a16:creationId xmlns:a16="http://schemas.microsoft.com/office/drawing/2014/main" id="{B2F4BAD8-B680-472E-AAAA-BA6C3042BA54}"/>
+              </a:ext>
+            </a:extLst>
+          </p:cNvPr>
+          <p:cNvSpPr txBox="1"/>
+          <p:nvPr/>
+        </p:nvSpPr>
+        <p:spPr>
+          <a:xfrm>
+            <a:off x="6562903" y="2510322"/>
+            <a:ext cx="1411027" cy="276999"/>
+          </a:xfrm>
+          <a:prstGeom prst="rect">
+            <a:avLst/>
+          </a:prstGeom>
+          <a:noFill/>
+        </p:spPr>
+        <p:txBody>
+          <a:bodyPr wrap="none" rtlCol="0">
+            <a:spAutoFit/>
+          </a:bodyPr>
+          <a:lstStyle/>
+          <a:p>
+            <a:r>
+              <a:rPr lang="en-US" sz="1200" dirty="0">
+                <a:solidFill>
+                  <a:srgbClr val="002060"/>
+                </a:solidFill>
+                <a:latin typeface="Verdana" panose="020B0604030504040204" pitchFamily="34" charset="0"/>
+                <a:ea typeface="Verdana" panose="020B0604030504040204" pitchFamily="34" charset="0"/>
+              </a:rPr>
+              <a:t>Azure Key Vault</a:t>
+            </a:r>
+          </a:p>
+        </p:txBody>
+      </p:sp>
+      <p:sp>
+        <p:nvSpPr>
+          <p:cNvPr id="37" name="TextBox 36">
+            <a:extLst>
+              <a:ext uri="{FF2B5EF4-FFF2-40B4-BE49-F238E27FC236}">
+                <a16:creationId xmlns:a16="http://schemas.microsoft.com/office/drawing/2014/main" id="{E472F245-397E-4CEE-88C2-F7D04A607F7F}"/>
+              </a:ext>
+            </a:extLst>
+          </p:cNvPr>
+          <p:cNvSpPr txBox="1"/>
+          <p:nvPr/>
+        </p:nvSpPr>
+        <p:spPr>
+          <a:xfrm>
+            <a:off x="10440538" y="5662350"/>
+            <a:ext cx="1557093" cy="276999"/>
+          </a:xfrm>
+          <a:prstGeom prst="rect">
+            <a:avLst/>
+          </a:prstGeom>
+          <a:noFill/>
+        </p:spPr>
+        <p:txBody>
+          <a:bodyPr wrap="none" rtlCol="0">
+            <a:spAutoFit/>
+          </a:bodyPr>
+          <a:lstStyle/>
+          <a:p>
+            <a:r>
+              <a:rPr lang="en-US" sz="1200" dirty="0">
+                <a:solidFill>
+                  <a:srgbClr val="002060"/>
+                </a:solidFill>
+                <a:latin typeface="Verdana" panose="020B0604030504040204" pitchFamily="34" charset="0"/>
+                <a:ea typeface="Verdana" panose="020B0604030504040204" pitchFamily="34" charset="0"/>
+              </a:rPr>
+              <a:t>Azure SQL Server</a:t>
+            </a:r>
+          </a:p>
+        </p:txBody>
+      </p:sp>
+      <p:pic>
+        <p:nvPicPr>
+          <p:cNvPr id="4" name="Picture 2">
+            <a:extLst>
+              <a:ext uri="{FF2B5EF4-FFF2-40B4-BE49-F238E27FC236}">
+                <a16:creationId xmlns:a16="http://schemas.microsoft.com/office/drawing/2014/main" id="{C5882C03-DC0B-4D3C-83C8-7B1DC12A1ADC}"/>
+              </a:ext>
+            </a:extLst>
+          </p:cNvPr>
+          <p:cNvPicPr>
+            <a:picLocks noChangeAspect="1" noChangeArrowheads="1"/>
+          </p:cNvPicPr>
+          <p:nvPr/>
+        </p:nvPicPr>
+        <p:blipFill>
+          <a:blip r:embed="rId6">
+            <a:extLst>
+              <a:ext uri="{28A0092B-C50C-407E-A947-70E740481C1C}">
+                <a14:useLocalDpi xmlns:a14="http://schemas.microsoft.com/office/drawing/2010/main" val="0"/>
+              </a:ext>
+            </a:extLst>
+          </a:blip>
+          <a:srcRect/>
+          <a:stretch>
+            <a:fillRect/>
+          </a:stretch>
+        </p:blipFill>
+        <p:spPr bwMode="auto">
+          <a:xfrm>
+            <a:off x="4529204" y="4992330"/>
+            <a:ext cx="676275" cy="676275"/>
+          </a:xfrm>
+          <a:prstGeom prst="rect">
+            <a:avLst/>
+          </a:prstGeom>
+          <a:noFill/>
+          <a:extLst>
+            <a:ext uri="{909E8E84-426E-40DD-AFC4-6F175D3DCCD1}">
+              <a14:hiddenFill xmlns:a14="http://schemas.microsoft.com/office/drawing/2010/main">
+                <a:solidFill>
+                  <a:srgbClr val="FFFFFF"/>
+                </a:solidFill>
+              </a14:hiddenFill>
+            </a:ext>
+          </a:extLst>
+        </p:spPr>
+      </p:pic>
+      <p:pic>
+        <p:nvPicPr>
+          <p:cNvPr id="1028" name="Picture 4">
+            <a:extLst>
+              <a:ext uri="{FF2B5EF4-FFF2-40B4-BE49-F238E27FC236}">
+                <a16:creationId xmlns:a16="http://schemas.microsoft.com/office/drawing/2014/main" id="{F87477C1-A32D-44FD-A73E-3C7342A87862}"/>
+              </a:ext>
+            </a:extLst>
+          </p:cNvPr>
+          <p:cNvPicPr>
+            <a:picLocks noChangeAspect="1" noChangeArrowheads="1"/>
+          </p:cNvPicPr>
+          <p:nvPr/>
+        </p:nvPicPr>
+        <p:blipFill>
+          <a:blip r:embed="rId7">
+            <a:extLst>
+              <a:ext uri="{28A0092B-C50C-407E-A947-70E740481C1C}">
+                <a14:useLocalDpi xmlns:a14="http://schemas.microsoft.com/office/drawing/2010/main" val="0"/>
+              </a:ext>
+            </a:extLst>
+          </a:blip>
+          <a:srcRect/>
+          <a:stretch>
+            <a:fillRect/>
+          </a:stretch>
+        </p:blipFill>
+        <p:spPr bwMode="auto">
+          <a:xfrm>
+            <a:off x="2152025" y="4918044"/>
+            <a:ext cx="666750" cy="676275"/>
+          </a:xfrm>
+          <a:prstGeom prst="rect">
+            <a:avLst/>
+          </a:prstGeom>
+          <a:noFill/>
+          <a:extLst>
+            <a:ext uri="{909E8E84-426E-40DD-AFC4-6F175D3DCCD1}">
+              <a14:hiddenFill xmlns:a14="http://schemas.microsoft.com/office/drawing/2010/main">
+                <a:solidFill>
+                  <a:srgbClr val="FFFFFF"/>
+                </a:solidFill>
+              </a14:hiddenFill>
+            </a:ext>
+          </a:extLst>
+        </p:spPr>
+      </p:pic>
+    </p:spTree>
+    <p:extLst>
+      <p:ext uri="{BB962C8B-B14F-4D97-AF65-F5344CB8AC3E}">
+        <p14:creationId xmlns:p14="http://schemas.microsoft.com/office/powerpoint/2010/main" val="1116980721"/>
+      </p:ext>
+    </p:extLst>
+  </p:cSld>
+  <p:clrMapOvr>
+    <a:masterClrMapping/>
+  </p:clrMapOvr>
+</p:sld>
+</file>
+
 <file path=ppt/slides/slide2.xml><?xml version="1.0" encoding="utf-8"?>
 <p:sld xmlns:a="http://schemas.openxmlformats.org/drawingml/2006/main" xmlns:r="http://schemas.openxmlformats.org/officeDocument/2006/relationships" xmlns:p="http://schemas.openxmlformats.org/presentationml/2006/main">
   <p:cSld>
@@ -11852,7 +12864,7 @@
         </p:blipFill>
         <p:spPr bwMode="auto">
           <a:xfrm>
-            <a:off x="6889546" y="2732661"/>
+            <a:off x="6983816" y="753030"/>
             <a:ext cx="847725" cy="847725"/>
           </a:xfrm>
           <a:prstGeom prst="rect">
@@ -11872,10 +12884,10 @@
       </p:pic>
       <p:pic>
         <p:nvPicPr>
-          <p:cNvPr id="1034" name="Picture 10">
-            <a:extLst>
-              <a:ext uri="{FF2B5EF4-FFF2-40B4-BE49-F238E27FC236}">
-                <a16:creationId xmlns:a16="http://schemas.microsoft.com/office/drawing/2014/main" id="{03A6EE1E-D6C3-43B7-A76C-ED8BA685C33B}"/>
+          <p:cNvPr id="1030" name="Picture 6">
+            <a:extLst>
+              <a:ext uri="{FF2B5EF4-FFF2-40B4-BE49-F238E27FC236}">
+                <a16:creationId xmlns:a16="http://schemas.microsoft.com/office/drawing/2014/main" id="{98C22475-F42D-4B66-B365-CF5562AE4F01}"/>
               </a:ext>
             </a:extLst>
           </p:cNvPr>
@@ -11899,8 +12911,8 @@
         </p:blipFill>
         <p:spPr bwMode="auto">
           <a:xfrm>
-            <a:off x="11088319" y="4965654"/>
-            <a:ext cx="657225" cy="676275"/>
+            <a:off x="10855495" y="1492003"/>
+            <a:ext cx="676275" cy="676275"/>
           </a:xfrm>
           <a:prstGeom prst="rect">
             <a:avLst/>
@@ -11919,10 +12931,10 @@
       </p:pic>
       <p:pic>
         <p:nvPicPr>
-          <p:cNvPr id="1044" name="Picture 20">
-            <a:extLst>
-              <a:ext uri="{FF2B5EF4-FFF2-40B4-BE49-F238E27FC236}">
-                <a16:creationId xmlns:a16="http://schemas.microsoft.com/office/drawing/2014/main" id="{24CA475C-31C6-4B82-A0EA-16888492B5DE}"/>
+          <p:cNvPr id="1034" name="Picture 10">
+            <a:extLst>
+              <a:ext uri="{FF2B5EF4-FFF2-40B4-BE49-F238E27FC236}">
+                <a16:creationId xmlns:a16="http://schemas.microsoft.com/office/drawing/2014/main" id="{03A6EE1E-D6C3-43B7-A76C-ED8BA685C33B}"/>
               </a:ext>
             </a:extLst>
           </p:cNvPr>
@@ -11946,7 +12958,7 @@
         </p:blipFill>
         <p:spPr bwMode="auto">
           <a:xfrm>
-            <a:off x="320068" y="4956194"/>
+            <a:off x="10902515" y="4133850"/>
             <a:ext cx="657225" cy="676275"/>
           </a:xfrm>
           <a:prstGeom prst="rect">
@@ -11966,10 +12978,10 @@
       </p:pic>
       <p:pic>
         <p:nvPicPr>
-          <p:cNvPr id="22" name="Picture 12">
-            <a:extLst>
-              <a:ext uri="{FF2B5EF4-FFF2-40B4-BE49-F238E27FC236}">
-                <a16:creationId xmlns:a16="http://schemas.microsoft.com/office/drawing/2014/main" id="{CDD441FC-ED8A-4B90-A512-1FFA05777E63}"/>
+          <p:cNvPr id="1036" name="Picture 12">
+            <a:extLst>
+              <a:ext uri="{FF2B5EF4-FFF2-40B4-BE49-F238E27FC236}">
+                <a16:creationId xmlns:a16="http://schemas.microsoft.com/office/drawing/2014/main" id="{AB427BB8-0AA8-4F7E-AA27-EA18ECDD59BE}"/>
               </a:ext>
             </a:extLst>
           </p:cNvPr>
@@ -11993,7 +13005,7 @@
         </p:blipFill>
         <p:spPr bwMode="auto">
           <a:xfrm>
-            <a:off x="6916130" y="4889518"/>
+            <a:off x="2142894" y="2905542"/>
             <a:ext cx="809625" cy="809625"/>
           </a:xfrm>
           <a:prstGeom prst="rect">
@@ -12011,6 +13023,241 @@
           </a:extLst>
         </p:spPr>
       </p:pic>
+      <p:pic>
+        <p:nvPicPr>
+          <p:cNvPr id="1038" name="Picture 14">
+            <a:extLst>
+              <a:ext uri="{FF2B5EF4-FFF2-40B4-BE49-F238E27FC236}">
+                <a16:creationId xmlns:a16="http://schemas.microsoft.com/office/drawing/2014/main" id="{FC41D05C-CFC1-441C-B925-D679FF5BEBEE}"/>
+              </a:ext>
+            </a:extLst>
+          </p:cNvPr>
+          <p:cNvPicPr>
+            <a:picLocks noChangeAspect="1" noChangeArrowheads="1"/>
+          </p:cNvPicPr>
+          <p:nvPr/>
+        </p:nvPicPr>
+        <p:blipFill>
+          <a:blip r:embed="rId6">
+            <a:extLst>
+              <a:ext uri="{28A0092B-C50C-407E-A947-70E740481C1C}">
+                <a14:useLocalDpi xmlns:a14="http://schemas.microsoft.com/office/drawing/2010/main" val="0"/>
+              </a:ext>
+            </a:extLst>
+          </a:blip>
+          <a:srcRect/>
+          <a:stretch>
+            <a:fillRect/>
+          </a:stretch>
+        </p:blipFill>
+        <p:spPr bwMode="auto">
+          <a:xfrm>
+            <a:off x="4523450" y="2936704"/>
+            <a:ext cx="819150" cy="771525"/>
+          </a:xfrm>
+          <a:prstGeom prst="rect">
+            <a:avLst/>
+          </a:prstGeom>
+          <a:noFill/>
+          <a:extLst>
+            <a:ext uri="{909E8E84-426E-40DD-AFC4-6F175D3DCCD1}">
+              <a14:hiddenFill xmlns:a14="http://schemas.microsoft.com/office/drawing/2010/main">
+                <a:solidFill>
+                  <a:srgbClr val="FFFFFF"/>
+                </a:solidFill>
+              </a14:hiddenFill>
+            </a:ext>
+          </a:extLst>
+        </p:spPr>
+      </p:pic>
+      <p:pic>
+        <p:nvPicPr>
+          <p:cNvPr id="1040" name="Picture 16">
+            <a:extLst>
+              <a:ext uri="{FF2B5EF4-FFF2-40B4-BE49-F238E27FC236}">
+                <a16:creationId xmlns:a16="http://schemas.microsoft.com/office/drawing/2014/main" id="{357C179B-F2C9-48A5-8791-9C04BBDE433F}"/>
+              </a:ext>
+            </a:extLst>
+          </p:cNvPr>
+          <p:cNvPicPr>
+            <a:picLocks noChangeAspect="1" noChangeArrowheads="1"/>
+          </p:cNvPicPr>
+          <p:nvPr/>
+        </p:nvPicPr>
+        <p:blipFill>
+          <a:blip r:embed="rId7">
+            <a:extLst>
+              <a:ext uri="{28A0092B-C50C-407E-A947-70E740481C1C}">
+                <a14:useLocalDpi xmlns:a14="http://schemas.microsoft.com/office/drawing/2010/main" val="0"/>
+              </a:ext>
+            </a:extLst>
+          </a:blip>
+          <a:srcRect/>
+          <a:stretch>
+            <a:fillRect/>
+          </a:stretch>
+        </p:blipFill>
+        <p:spPr bwMode="auto">
+          <a:xfrm>
+            <a:off x="3478983" y="2903407"/>
+            <a:ext cx="307435" cy="361980"/>
+          </a:xfrm>
+          <a:prstGeom prst="rect">
+            <a:avLst/>
+          </a:prstGeom>
+          <a:noFill/>
+          <a:extLst>
+            <a:ext uri="{909E8E84-426E-40DD-AFC4-6F175D3DCCD1}">
+              <a14:hiddenFill xmlns:a14="http://schemas.microsoft.com/office/drawing/2010/main">
+                <a:solidFill>
+                  <a:srgbClr val="FFFFFF"/>
+                </a:solidFill>
+              </a14:hiddenFill>
+            </a:ext>
+          </a:extLst>
+        </p:spPr>
+      </p:pic>
+      <p:pic>
+        <p:nvPicPr>
+          <p:cNvPr id="1042" name="Picture 18">
+            <a:extLst>
+              <a:ext uri="{FF2B5EF4-FFF2-40B4-BE49-F238E27FC236}">
+                <a16:creationId xmlns:a16="http://schemas.microsoft.com/office/drawing/2014/main" id="{DC5682A4-CD6A-4403-ABD5-0B2D25BD4041}"/>
+              </a:ext>
+            </a:extLst>
+          </p:cNvPr>
+          <p:cNvPicPr>
+            <a:picLocks noChangeAspect="1" noChangeArrowheads="1"/>
+          </p:cNvPicPr>
+          <p:nvPr/>
+        </p:nvPicPr>
+        <p:blipFill>
+          <a:blip r:embed="rId8">
+            <a:extLst>
+              <a:ext uri="{28A0092B-C50C-407E-A947-70E740481C1C}">
+                <a14:useLocalDpi xmlns:a14="http://schemas.microsoft.com/office/drawing/2010/main" val="0"/>
+              </a:ext>
+            </a:extLst>
+          </a:blip>
+          <a:srcRect/>
+          <a:stretch>
+            <a:fillRect/>
+          </a:stretch>
+        </p:blipFill>
+        <p:spPr bwMode="auto">
+          <a:xfrm>
+            <a:off x="412196" y="629266"/>
+            <a:ext cx="619125" cy="800100"/>
+          </a:xfrm>
+          <a:prstGeom prst="rect">
+            <a:avLst/>
+          </a:prstGeom>
+          <a:noFill/>
+          <a:extLst>
+            <a:ext uri="{909E8E84-426E-40DD-AFC4-6F175D3DCCD1}">
+              <a14:hiddenFill xmlns:a14="http://schemas.microsoft.com/office/drawing/2010/main">
+                <a:solidFill>
+                  <a:srgbClr val="FFFFFF"/>
+                </a:solidFill>
+              </a14:hiddenFill>
+            </a:ext>
+          </a:extLst>
+        </p:spPr>
+      </p:pic>
+      <p:pic>
+        <p:nvPicPr>
+          <p:cNvPr id="1044" name="Picture 20">
+            <a:extLst>
+              <a:ext uri="{FF2B5EF4-FFF2-40B4-BE49-F238E27FC236}">
+                <a16:creationId xmlns:a16="http://schemas.microsoft.com/office/drawing/2014/main" id="{24CA475C-31C6-4B82-A0EA-16888492B5DE}"/>
+              </a:ext>
+            </a:extLst>
+          </p:cNvPr>
+          <p:cNvPicPr>
+            <a:picLocks noChangeAspect="1" noChangeArrowheads="1"/>
+          </p:cNvPicPr>
+          <p:nvPr/>
+        </p:nvPicPr>
+        <p:blipFill>
+          <a:blip r:embed="rId9">
+            <a:extLst>
+              <a:ext uri="{28A0092B-C50C-407E-A947-70E740481C1C}">
+                <a14:useLocalDpi xmlns:a14="http://schemas.microsoft.com/office/drawing/2010/main" val="0"/>
+              </a:ext>
+            </a:extLst>
+          </a:blip>
+          <a:srcRect/>
+          <a:stretch>
+            <a:fillRect/>
+          </a:stretch>
+        </p:blipFill>
+        <p:spPr bwMode="auto">
+          <a:xfrm>
+            <a:off x="414338" y="2976563"/>
+            <a:ext cx="657225" cy="676275"/>
+          </a:xfrm>
+          <a:prstGeom prst="rect">
+            <a:avLst/>
+          </a:prstGeom>
+          <a:noFill/>
+          <a:extLst>
+            <a:ext uri="{909E8E84-426E-40DD-AFC4-6F175D3DCCD1}">
+              <a14:hiddenFill xmlns:a14="http://schemas.microsoft.com/office/drawing/2010/main">
+                <a:solidFill>
+                  <a:srgbClr val="FFFFFF"/>
+                </a:solidFill>
+              </a14:hiddenFill>
+            </a:ext>
+          </a:extLst>
+        </p:spPr>
+      </p:pic>
+      <p:pic>
+        <p:nvPicPr>
+          <p:cNvPr id="22" name="Picture 12">
+            <a:extLst>
+              <a:ext uri="{FF2B5EF4-FFF2-40B4-BE49-F238E27FC236}">
+                <a16:creationId xmlns:a16="http://schemas.microsoft.com/office/drawing/2014/main" id="{CDD441FC-ED8A-4B90-A512-1FFA05777E63}"/>
+              </a:ext>
+            </a:extLst>
+          </p:cNvPr>
+          <p:cNvPicPr>
+            <a:picLocks noChangeAspect="1" noChangeArrowheads="1"/>
+          </p:cNvPicPr>
+          <p:nvPr/>
+        </p:nvPicPr>
+        <p:blipFill>
+          <a:blip r:embed="rId5">
+            <a:extLst>
+              <a:ext uri="{28A0092B-C50C-407E-A947-70E740481C1C}">
+                <a14:useLocalDpi xmlns:a14="http://schemas.microsoft.com/office/drawing/2010/main" val="0"/>
+              </a:ext>
+            </a:extLst>
+          </a:blip>
+          <a:srcRect/>
+          <a:stretch>
+            <a:fillRect/>
+          </a:stretch>
+        </p:blipFill>
+        <p:spPr bwMode="auto">
+          <a:xfrm>
+            <a:off x="7010400" y="2909887"/>
+            <a:ext cx="809625" cy="809625"/>
+          </a:xfrm>
+          <a:prstGeom prst="rect">
+            <a:avLst/>
+          </a:prstGeom>
+          <a:noFill/>
+          <a:extLst>
+            <a:ext uri="{909E8E84-426E-40DD-AFC4-6F175D3DCCD1}">
+              <a14:hiddenFill xmlns:a14="http://schemas.microsoft.com/office/drawing/2010/main">
+                <a:solidFill>
+                  <a:srgbClr val="FFFFFF"/>
+                </a:solidFill>
+              </a14:hiddenFill>
+            </a:ext>
+          </a:extLst>
+        </p:spPr>
+      </p:pic>
       <p:sp>
         <p:nvSpPr>
           <p:cNvPr id="11" name="Heptagon 10">
@@ -12025,7 +13272,7 @@
         </p:nvSpPr>
         <p:spPr>
           <a:xfrm>
-            <a:off x="806519" y="4831374"/>
+            <a:off x="240913" y="2851743"/>
             <a:ext cx="307435" cy="344102"/>
           </a:xfrm>
           <a:prstGeom prst="heptagon">
@@ -12071,12 +13318,13 @@
           </p:cNvPr>
           <p:cNvCxnSpPr>
             <a:stCxn id="1044" idx="3"/>
+            <a:endCxn id="1036" idx="1"/>
           </p:cNvCxnSpPr>
           <p:nvPr/>
         </p:nvCxnSpPr>
         <p:spPr>
           <a:xfrm flipV="1">
-            <a:off x="977293" y="5289986"/>
+            <a:off x="1071563" y="3310355"/>
             <a:ext cx="1071331" cy="4346"/>
           </a:xfrm>
           <a:prstGeom prst="straightConnector1">
@@ -12112,12 +13360,14 @@
           </p:cNvPr>
           <p:cNvCxnSpPr>
             <a:cxnSpLocks/>
+            <a:stCxn id="1036" idx="3"/>
+            <a:endCxn id="1038" idx="1"/>
           </p:cNvCxnSpPr>
           <p:nvPr/>
         </p:nvCxnSpPr>
         <p:spPr>
           <a:xfrm>
-            <a:off x="2858249" y="5289986"/>
+            <a:off x="2952519" y="3310355"/>
             <a:ext cx="1570931" cy="12112"/>
           </a:xfrm>
           <a:prstGeom prst="straightConnector1">
@@ -12152,13 +13402,14 @@
             </a:extLst>
           </p:cNvPr>
           <p:cNvCxnSpPr>
+            <a:stCxn id="1038" idx="3"/>
             <a:endCxn id="22" idx="1"/>
           </p:cNvCxnSpPr>
           <p:nvPr/>
         </p:nvCxnSpPr>
         <p:spPr>
           <a:xfrm flipV="1">
-            <a:off x="5248330" y="5294331"/>
+            <a:off x="5342600" y="3314700"/>
             <a:ext cx="1667800" cy="7767"/>
           </a:xfrm>
           <a:prstGeom prst="straightConnector1">
@@ -12200,7 +13451,7 @@
         </p:nvCxnSpPr>
         <p:spPr>
           <a:xfrm flipH="1" flipV="1">
-            <a:off x="7313409" y="3580386"/>
+            <a:off x="7407679" y="1600755"/>
             <a:ext cx="7534" cy="1309132"/>
           </a:xfrm>
           <a:prstGeom prst="line">
@@ -12238,7 +13489,7 @@
         </p:nvCxnSpPr>
         <p:spPr>
           <a:xfrm flipV="1">
-            <a:off x="7725755" y="5289985"/>
+            <a:off x="7820025" y="3310354"/>
             <a:ext cx="3410227" cy="4346"/>
           </a:xfrm>
           <a:prstGeom prst="line">
@@ -12260,6 +13511,149 @@
           </a:fontRef>
         </p:style>
       </p:cxnSp>
+      <p:cxnSp>
+        <p:nvCxnSpPr>
+          <p:cNvPr id="27" name="Straight Arrow Connector 26">
+            <a:extLst>
+              <a:ext uri="{FF2B5EF4-FFF2-40B4-BE49-F238E27FC236}">
+                <a16:creationId xmlns:a16="http://schemas.microsoft.com/office/drawing/2014/main" id="{5F54C63E-4E1E-4F55-8B8C-F6DE5148321D}"/>
+              </a:ext>
+            </a:extLst>
+          </p:cNvPr>
+          <p:cNvCxnSpPr>
+            <a:cxnSpLocks/>
+            <a:endCxn id="1034" idx="0"/>
+          </p:cNvCxnSpPr>
+          <p:nvPr/>
+        </p:nvCxnSpPr>
+        <p:spPr>
+          <a:xfrm>
+            <a:off x="11231128" y="3310354"/>
+            <a:ext cx="0" cy="823496"/>
+          </a:xfrm>
+          <a:prstGeom prst="straightConnector1">
+            <a:avLst/>
+          </a:prstGeom>
+          <a:ln>
+            <a:tailEnd type="triangle"/>
+          </a:ln>
+        </p:spPr>
+        <p:style>
+          <a:lnRef idx="1">
+            <a:schemeClr val="accent1"/>
+          </a:lnRef>
+          <a:fillRef idx="0">
+            <a:schemeClr val="accent1"/>
+          </a:fillRef>
+          <a:effectRef idx="0">
+            <a:schemeClr val="accent1"/>
+          </a:effectRef>
+          <a:fontRef idx="minor">
+            <a:schemeClr val="tx1"/>
+          </a:fontRef>
+        </p:style>
+      </p:cxnSp>
+      <p:cxnSp>
+        <p:nvCxnSpPr>
+          <p:cNvPr id="31" name="Straight Arrow Connector 30">
+            <a:extLst>
+              <a:ext uri="{FF2B5EF4-FFF2-40B4-BE49-F238E27FC236}">
+                <a16:creationId xmlns:a16="http://schemas.microsoft.com/office/drawing/2014/main" id="{81181B99-2E64-4D8E-95D2-886A82108D74}"/>
+              </a:ext>
+            </a:extLst>
+          </p:cNvPr>
+          <p:cNvCxnSpPr>
+            <a:cxnSpLocks/>
+            <a:endCxn id="1030" idx="2"/>
+          </p:cNvCxnSpPr>
+          <p:nvPr/>
+        </p:nvCxnSpPr>
+        <p:spPr>
+          <a:xfrm flipH="1" flipV="1">
+            <a:off x="11193633" y="2168278"/>
+            <a:ext cx="34314" cy="1151002"/>
+          </a:xfrm>
+          <a:prstGeom prst="straightConnector1">
+            <a:avLst/>
+          </a:prstGeom>
+          <a:ln>
+            <a:tailEnd type="triangle"/>
+          </a:ln>
+        </p:spPr>
+        <p:style>
+          <a:lnRef idx="1">
+            <a:schemeClr val="accent1"/>
+          </a:lnRef>
+          <a:fillRef idx="0">
+            <a:schemeClr val="accent1"/>
+          </a:fillRef>
+          <a:effectRef idx="0">
+            <a:schemeClr val="accent1"/>
+          </a:effectRef>
+          <a:fontRef idx="minor">
+            <a:schemeClr val="tx1"/>
+          </a:fontRef>
+        </p:style>
+      </p:cxnSp>
+      <p:pic>
+        <p:nvPicPr>
+          <p:cNvPr id="34" name="Picture 33">
+            <a:extLst>
+              <a:ext uri="{FF2B5EF4-FFF2-40B4-BE49-F238E27FC236}">
+                <a16:creationId xmlns:a16="http://schemas.microsoft.com/office/drawing/2014/main" id="{A10FAD3F-80E8-4AB7-9378-CE942120ACC3}"/>
+              </a:ext>
+            </a:extLst>
+          </p:cNvPr>
+          <p:cNvPicPr>
+            <a:picLocks noChangeAspect="1"/>
+          </p:cNvPicPr>
+          <p:nvPr/>
+        </p:nvPicPr>
+        <p:blipFill>
+          <a:blip r:embed="rId10"/>
+          <a:stretch>
+            <a:fillRect/>
+          </a:stretch>
+        </p:blipFill>
+        <p:spPr>
+          <a:xfrm>
+            <a:off x="1166795" y="188527"/>
+            <a:ext cx="2785533" cy="1380576"/>
+          </a:xfrm>
+          <a:prstGeom prst="rect">
+            <a:avLst/>
+          </a:prstGeom>
+          <a:solidFill>
+            <a:srgbClr val="FFFFFF">
+              <a:shade val="85000"/>
+            </a:srgbClr>
+          </a:solidFill>
+          <a:ln w="190500" cap="rnd">
+            <a:solidFill>
+              <a:srgbClr val="FFFFFF"/>
+            </a:solidFill>
+          </a:ln>
+          <a:effectLst>
+            <a:outerShdw blurRad="50000" algn="tl" rotWithShape="0">
+              <a:srgbClr val="000000">
+                <a:alpha val="41000"/>
+              </a:srgbClr>
+            </a:outerShdw>
+          </a:effectLst>
+          <a:scene3d>
+            <a:camera prst="orthographicFront"/>
+            <a:lightRig rig="twoPt" dir="t">
+              <a:rot lat="0" lon="0" rev="7800000"/>
+            </a:lightRig>
+          </a:scene3d>
+          <a:sp3d contourW="6350">
+            <a:bevelT w="50800" h="16510"/>
+            <a:contourClr>
+              <a:srgbClr val="C0C0C0"/>
+            </a:contourClr>
+          </a:sp3d>
+        </p:spPr>
+      </p:pic>
       <p:sp>
         <p:nvSpPr>
           <p:cNvPr id="45" name="Heptagon 44">
@@ -12274,7 +13668,7 @@
         </p:nvSpPr>
         <p:spPr>
           <a:xfrm>
-            <a:off x="2758698" y="4831374"/>
+            <a:off x="1862260" y="2851743"/>
             <a:ext cx="307435" cy="344102"/>
           </a:xfrm>
           <a:prstGeom prst="heptagon">
@@ -12323,7 +13717,7 @@
         </p:nvSpPr>
         <p:spPr>
           <a:xfrm>
-            <a:off x="5021558" y="4831374"/>
+            <a:off x="1862260" y="4546685"/>
             <a:ext cx="307435" cy="344102"/>
           </a:xfrm>
           <a:prstGeom prst="heptagon">
@@ -12372,7 +13766,7 @@
         </p:nvSpPr>
         <p:spPr>
           <a:xfrm>
-            <a:off x="7738588" y="4826281"/>
+            <a:off x="5202778" y="2846650"/>
             <a:ext cx="307435" cy="344102"/>
           </a:xfrm>
           <a:prstGeom prst="heptagon">
@@ -12421,7 +13815,7 @@
         </p:nvSpPr>
         <p:spPr>
           <a:xfrm>
-            <a:off x="7737271" y="2812421"/>
+            <a:off x="7859999" y="3605724"/>
             <a:ext cx="307435" cy="344102"/>
           </a:xfrm>
           <a:prstGeom prst="heptagon">
@@ -12470,7 +13864,7 @@
         </p:nvSpPr>
         <p:spPr>
           <a:xfrm>
-            <a:off x="11529674" y="4831374"/>
+            <a:off x="7859999" y="926663"/>
             <a:ext cx="307435" cy="344102"/>
           </a:xfrm>
           <a:prstGeom prst="heptagon">
@@ -12507,10 +13901,108 @@
       </p:sp>
       <p:sp>
         <p:nvSpPr>
-          <p:cNvPr id="29" name="TextBox 28">
-            <a:extLst>
-              <a:ext uri="{FF2B5EF4-FFF2-40B4-BE49-F238E27FC236}">
-                <a16:creationId xmlns:a16="http://schemas.microsoft.com/office/drawing/2014/main" id="{73DEDEAB-57DE-46F8-9469-78112F7FEB52}"/>
+          <p:cNvPr id="50" name="Heptagon 49">
+            <a:extLst>
+              <a:ext uri="{FF2B5EF4-FFF2-40B4-BE49-F238E27FC236}">
+                <a16:creationId xmlns:a16="http://schemas.microsoft.com/office/drawing/2014/main" id="{A5EF7CE5-E060-4730-979F-55F63D3F4A68}"/>
+              </a:ext>
+            </a:extLst>
+          </p:cNvPr>
+          <p:cNvSpPr/>
+          <p:nvPr/>
+        </p:nvSpPr>
+        <p:spPr>
+          <a:xfrm>
+            <a:off x="10548060" y="4317947"/>
+            <a:ext cx="307435" cy="344102"/>
+          </a:xfrm>
+          <a:prstGeom prst="heptagon">
+            <a:avLst/>
+          </a:prstGeom>
+        </p:spPr>
+        <p:style>
+          <a:lnRef idx="2">
+            <a:schemeClr val="accent1">
+              <a:shade val="50000"/>
+            </a:schemeClr>
+          </a:lnRef>
+          <a:fillRef idx="1">
+            <a:schemeClr val="accent1"/>
+          </a:fillRef>
+          <a:effectRef idx="0">
+            <a:schemeClr val="accent1"/>
+          </a:effectRef>
+          <a:fontRef idx="minor">
+            <a:schemeClr val="lt1"/>
+          </a:fontRef>
+        </p:style>
+        <p:txBody>
+          <a:bodyPr rtlCol="0" anchor="ctr"/>
+          <a:lstStyle/>
+          <a:p>
+            <a:pPr algn="ctr"/>
+            <a:r>
+              <a:rPr lang="en-US" dirty="0"/>
+              <a:t>7</a:t>
+            </a:r>
+          </a:p>
+        </p:txBody>
+      </p:sp>
+      <p:sp>
+        <p:nvSpPr>
+          <p:cNvPr id="51" name="Heptagon 50">
+            <a:extLst>
+              <a:ext uri="{FF2B5EF4-FFF2-40B4-BE49-F238E27FC236}">
+                <a16:creationId xmlns:a16="http://schemas.microsoft.com/office/drawing/2014/main" id="{8D2FB13D-418E-4D18-87A2-A19F8511A8E0}"/>
+              </a:ext>
+            </a:extLst>
+          </p:cNvPr>
+          <p:cNvSpPr/>
+          <p:nvPr/>
+        </p:nvSpPr>
+        <p:spPr>
+          <a:xfrm>
+            <a:off x="568040" y="285164"/>
+            <a:ext cx="307435" cy="344102"/>
+          </a:xfrm>
+          <a:prstGeom prst="heptagon">
+            <a:avLst/>
+          </a:prstGeom>
+        </p:spPr>
+        <p:style>
+          <a:lnRef idx="2">
+            <a:schemeClr val="accent1">
+              <a:shade val="50000"/>
+            </a:schemeClr>
+          </a:lnRef>
+          <a:fillRef idx="1">
+            <a:schemeClr val="accent1"/>
+          </a:fillRef>
+          <a:effectRef idx="0">
+            <a:schemeClr val="accent1"/>
+          </a:effectRef>
+          <a:fontRef idx="minor">
+            <a:schemeClr val="lt1"/>
+          </a:fontRef>
+        </p:style>
+        <p:txBody>
+          <a:bodyPr rtlCol="0" anchor="ctr"/>
+          <a:lstStyle/>
+          <a:p>
+            <a:pPr algn="ctr"/>
+            <a:r>
+              <a:rPr lang="en-US" dirty="0"/>
+              <a:t>9</a:t>
+            </a:r>
+          </a:p>
+        </p:txBody>
+      </p:sp>
+      <p:sp>
+        <p:nvSpPr>
+          <p:cNvPr id="35" name="TextBox 34">
+            <a:extLst>
+              <a:ext uri="{FF2B5EF4-FFF2-40B4-BE49-F238E27FC236}">
+                <a16:creationId xmlns:a16="http://schemas.microsoft.com/office/drawing/2014/main" id="{E2F5F6A0-D510-4DE5-B9DB-EE0C0D374DC9}"/>
               </a:ext>
             </a:extLst>
           </p:cNvPr>
@@ -12519,8 +14011,8 @@
         </p:nvSpPr>
         <p:spPr>
           <a:xfrm>
-            <a:off x="1999787" y="5662350"/>
-            <a:ext cx="1095493" cy="276999"/>
+            <a:off x="3381328" y="2725855"/>
+            <a:ext cx="502061" cy="276999"/>
           </a:xfrm>
           <a:prstGeom prst="rect">
             <a:avLst/>
@@ -12541,17 +14033,17 @@
                 <a:latin typeface="Verdana" panose="020B0604030504040204" pitchFamily="34" charset="0"/>
                 <a:ea typeface="Verdana" panose="020B0604030504040204" pitchFamily="34" charset="0"/>
               </a:rPr>
-              <a:t>Canvas App</a:t>
-            </a:r>
-          </a:p>
-        </p:txBody>
-      </p:sp>
-      <p:sp>
-        <p:nvSpPr>
-          <p:cNvPr id="30" name="TextBox 29">
-            <a:extLst>
-              <a:ext uri="{FF2B5EF4-FFF2-40B4-BE49-F238E27FC236}">
-                <a16:creationId xmlns:a16="http://schemas.microsoft.com/office/drawing/2014/main" id="{9380F401-B30D-4061-B24C-F39F66577851}"/>
+              <a:t>JWT</a:t>
+            </a:r>
+          </a:p>
+        </p:txBody>
+      </p:sp>
+      <p:sp>
+        <p:nvSpPr>
+          <p:cNvPr id="29" name="TextBox 28">
+            <a:extLst>
+              <a:ext uri="{FF2B5EF4-FFF2-40B4-BE49-F238E27FC236}">
+                <a16:creationId xmlns:a16="http://schemas.microsoft.com/office/drawing/2014/main" id="{73DEDEAB-57DE-46F8-9469-78112F7FEB52}"/>
               </a:ext>
             </a:extLst>
           </p:cNvPr>
@@ -12560,8 +14052,8 @@
         </p:nvSpPr>
         <p:spPr>
           <a:xfrm>
-            <a:off x="4387185" y="5717577"/>
-            <a:ext cx="1614545" cy="276999"/>
+            <a:off x="1943299" y="2511094"/>
+            <a:ext cx="1206741" cy="276999"/>
           </a:xfrm>
           <a:prstGeom prst="rect">
             <a:avLst/>
@@ -12582,7 +14074,48 @@
                 <a:latin typeface="Verdana" panose="020B0604030504040204" pitchFamily="34" charset="0"/>
                 <a:ea typeface="Verdana" panose="020B0604030504040204" pitchFamily="34" charset="0"/>
               </a:rPr>
-              <a:t>Custom Connector</a:t>
+              <a:t>Blazor WASM</a:t>
+            </a:r>
+          </a:p>
+        </p:txBody>
+      </p:sp>
+      <p:sp>
+        <p:nvSpPr>
+          <p:cNvPr id="30" name="TextBox 29">
+            <a:extLst>
+              <a:ext uri="{FF2B5EF4-FFF2-40B4-BE49-F238E27FC236}">
+                <a16:creationId xmlns:a16="http://schemas.microsoft.com/office/drawing/2014/main" id="{9380F401-B30D-4061-B24C-F39F66577851}"/>
+              </a:ext>
+            </a:extLst>
+          </p:cNvPr>
+          <p:cNvSpPr txBox="1"/>
+          <p:nvPr/>
+        </p:nvSpPr>
+        <p:spPr>
+          <a:xfrm>
+            <a:off x="4473098" y="3754821"/>
+            <a:ext cx="938077" cy="276999"/>
+          </a:xfrm>
+          <a:prstGeom prst="rect">
+            <a:avLst/>
+          </a:prstGeom>
+          <a:noFill/>
+        </p:spPr>
+        <p:txBody>
+          <a:bodyPr wrap="none" rtlCol="0">
+            <a:spAutoFit/>
+          </a:bodyPr>
+          <a:lstStyle/>
+          <a:p>
+            <a:r>
+              <a:rPr lang="en-US" sz="1200" dirty="0">
+                <a:solidFill>
+                  <a:srgbClr val="002060"/>
+                </a:solidFill>
+                <a:latin typeface="Verdana" panose="020B0604030504040204" pitchFamily="34" charset="0"/>
+                <a:ea typeface="Verdana" panose="020B0604030504040204" pitchFamily="34" charset="0"/>
+              </a:rPr>
+              <a:t>API Mgmt</a:t>
             </a:r>
           </a:p>
         </p:txBody>
@@ -12601,7 +14134,7 @@
         </p:nvSpPr>
         <p:spPr>
           <a:xfrm>
-            <a:off x="6890009" y="5714750"/>
+            <a:off x="6984279" y="3753973"/>
             <a:ext cx="834396" cy="276999"/>
           </a:xfrm>
           <a:prstGeom prst="rect">
@@ -12642,7 +14175,7 @@
         </p:nvSpPr>
         <p:spPr>
           <a:xfrm>
-            <a:off x="6562903" y="2510322"/>
+            <a:off x="6657173" y="530691"/>
             <a:ext cx="1411027" cy="276999"/>
           </a:xfrm>
           <a:prstGeom prst="rect">
@@ -12671,6 +14204,47 @@
       </p:sp>
       <p:sp>
         <p:nvSpPr>
+          <p:cNvPr id="36" name="TextBox 35">
+            <a:extLst>
+              <a:ext uri="{FF2B5EF4-FFF2-40B4-BE49-F238E27FC236}">
+                <a16:creationId xmlns:a16="http://schemas.microsoft.com/office/drawing/2014/main" id="{84BB2DD0-C9FA-4D1D-9F0F-A0CE16591369}"/>
+              </a:ext>
+            </a:extLst>
+          </p:cNvPr>
+          <p:cNvSpPr txBox="1"/>
+          <p:nvPr/>
+        </p:nvSpPr>
+        <p:spPr>
+          <a:xfrm>
+            <a:off x="10316252" y="1204326"/>
+            <a:ext cx="1617174" cy="276999"/>
+          </a:xfrm>
+          <a:prstGeom prst="rect">
+            <a:avLst/>
+          </a:prstGeom>
+          <a:noFill/>
+        </p:spPr>
+        <p:txBody>
+          <a:bodyPr wrap="none" rtlCol="0">
+            <a:spAutoFit/>
+          </a:bodyPr>
+          <a:lstStyle/>
+          <a:p>
+            <a:r>
+              <a:rPr lang="en-US" sz="1200" dirty="0">
+                <a:solidFill>
+                  <a:srgbClr val="002060"/>
+                </a:solidFill>
+                <a:latin typeface="Verdana" panose="020B0604030504040204" pitchFamily="34" charset="0"/>
+                <a:ea typeface="Verdana" panose="020B0604030504040204" pitchFamily="34" charset="0"/>
+              </a:rPr>
+              <a:t>Azure Redis Cache</a:t>
+            </a:r>
+          </a:p>
+        </p:txBody>
+      </p:sp>
+      <p:sp>
+        <p:nvSpPr>
           <p:cNvPr id="37" name="TextBox 36">
             <a:extLst>
               <a:ext uri="{FF2B5EF4-FFF2-40B4-BE49-F238E27FC236}">
@@ -12683,7 +14257,7 @@
         </p:nvSpPr>
         <p:spPr>
           <a:xfrm>
-            <a:off x="10440538" y="5662350"/>
+            <a:off x="10440540" y="4800928"/>
             <a:ext cx="1557093" cy="276999"/>
           </a:xfrm>
           <a:prstGeom prst="rect">
@@ -12710,12 +14284,173 @@
           </a:p>
         </p:txBody>
       </p:sp>
+      <p:sp>
+        <p:nvSpPr>
+          <p:cNvPr id="3" name="TextBox 2">
+            <a:extLst>
+              <a:ext uri="{FF2B5EF4-FFF2-40B4-BE49-F238E27FC236}">
+                <a16:creationId xmlns:a16="http://schemas.microsoft.com/office/drawing/2014/main" id="{45480DDA-EA19-4760-9EF2-DBA83BCE9A76}"/>
+              </a:ext>
+            </a:extLst>
+          </p:cNvPr>
+          <p:cNvSpPr txBox="1"/>
+          <p:nvPr/>
+        </p:nvSpPr>
+        <p:spPr>
+          <a:xfrm>
+            <a:off x="497150" y="5406499"/>
+            <a:ext cx="7295330" cy="1200329"/>
+          </a:xfrm>
+          <a:prstGeom prst="rect">
+            <a:avLst/>
+          </a:prstGeom>
+          <a:noFill/>
+          <a:ln>
+            <a:solidFill>
+              <a:srgbClr val="002060"/>
+            </a:solidFill>
+          </a:ln>
+        </p:spPr>
+        <p:txBody>
+          <a:bodyPr wrap="none" rtlCol="0">
+            <a:spAutoFit/>
+          </a:bodyPr>
+          <a:lstStyle/>
+          <a:p>
+            <a:r>
+              <a:rPr lang="en-US" sz="1200" b="1" u="sng" dirty="0">
+                <a:solidFill>
+                  <a:srgbClr val="002060"/>
+                </a:solidFill>
+                <a:latin typeface="Verdana" panose="020B0604030504040204" pitchFamily="34" charset="0"/>
+                <a:ea typeface="Verdana" panose="020B0604030504040204" pitchFamily="34" charset="0"/>
+              </a:rPr>
+              <a:t>High Lights:</a:t>
+            </a:r>
+          </a:p>
+          <a:p>
+            <a:pPr marL="228600" indent="-228600">
+              <a:buAutoNum type="arabicPeriod"/>
+            </a:pPr>
+            <a:r>
+              <a:rPr lang="en-US" sz="1200" dirty="0">
+                <a:solidFill>
+                  <a:srgbClr val="002060"/>
+                </a:solidFill>
+                <a:latin typeface="Verdana" panose="020B0604030504040204" pitchFamily="34" charset="0"/>
+                <a:ea typeface="Verdana" panose="020B0604030504040204" pitchFamily="34" charset="0"/>
+              </a:rPr>
+              <a:t>Blazor WASM UI get authenticated and pass the JWT to APIM.</a:t>
+            </a:r>
+          </a:p>
+          <a:p>
+            <a:pPr marL="228600" indent="-228600">
+              <a:buAutoNum type="arabicPeriod"/>
+            </a:pPr>
+            <a:r>
+              <a:rPr lang="en-US" sz="1200" dirty="0">
+                <a:solidFill>
+                  <a:srgbClr val="002060"/>
+                </a:solidFill>
+                <a:latin typeface="Verdana" panose="020B0604030504040204" pitchFamily="34" charset="0"/>
+                <a:ea typeface="Verdana" panose="020B0604030504040204" pitchFamily="34" charset="0"/>
+              </a:rPr>
+              <a:t>APIM Validates the JWT and routes the request to Web API.</a:t>
+            </a:r>
+          </a:p>
+          <a:p>
+            <a:pPr marL="228600" indent="-228600">
+              <a:buAutoNum type="arabicPeriod"/>
+            </a:pPr>
+            <a:r>
+              <a:rPr lang="en-US" sz="1200" dirty="0">
+                <a:solidFill>
+                  <a:srgbClr val="002060"/>
+                </a:solidFill>
+                <a:latin typeface="Verdana" panose="020B0604030504040204" pitchFamily="34" charset="0"/>
+                <a:ea typeface="Verdana" panose="020B0604030504040204" pitchFamily="34" charset="0"/>
+              </a:rPr>
+              <a:t>SQL Server, and Redis Cache’s credentials are stored in Azure Key Vault.</a:t>
+            </a:r>
+          </a:p>
+          <a:p>
+            <a:pPr marL="228600" indent="-228600">
+              <a:buAutoNum type="arabicPeriod"/>
+            </a:pPr>
+            <a:r>
+              <a:rPr lang="en-US" sz="1200" dirty="0">
+                <a:solidFill>
+                  <a:srgbClr val="002060"/>
+                </a:solidFill>
+                <a:latin typeface="Verdana" panose="020B0604030504040204" pitchFamily="34" charset="0"/>
+                <a:ea typeface="Verdana" panose="020B0604030504040204" pitchFamily="34" charset="0"/>
+              </a:rPr>
+              <a:t>Web API investigates Azure Redis Cache before hitting SQL Azure. (Cache Aside Pattern)</a:t>
+            </a:r>
+          </a:p>
+          <a:p>
+            <a:pPr marL="228600" indent="-228600">
+              <a:buAutoNum type="arabicPeriod"/>
+            </a:pPr>
+            <a:r>
+              <a:rPr lang="en-US" sz="1200" dirty="0">
+                <a:solidFill>
+                  <a:srgbClr val="002060"/>
+                </a:solidFill>
+                <a:latin typeface="Verdana" panose="020B0604030504040204" pitchFamily="34" charset="0"/>
+                <a:ea typeface="Verdana" panose="020B0604030504040204" pitchFamily="34" charset="0"/>
+              </a:rPr>
+              <a:t>We will preform </a:t>
+            </a:r>
+            <a:r>
+              <a:rPr lang="en-US" sz="1200" dirty="0" err="1">
+                <a:solidFill>
+                  <a:srgbClr val="002060"/>
+                </a:solidFill>
+                <a:latin typeface="Verdana" panose="020B0604030504040204" pitchFamily="34" charset="0"/>
+                <a:ea typeface="Verdana" panose="020B0604030504040204" pitchFamily="34" charset="0"/>
+              </a:rPr>
+              <a:t>Dacpac</a:t>
+            </a:r>
+            <a:r>
+              <a:rPr lang="en-US" sz="1200" dirty="0">
+                <a:solidFill>
+                  <a:srgbClr val="002060"/>
+                </a:solidFill>
+                <a:latin typeface="Verdana" panose="020B0604030504040204" pitchFamily="34" charset="0"/>
+                <a:ea typeface="Verdana" panose="020B0604030504040204" pitchFamily="34" charset="0"/>
+              </a:rPr>
+              <a:t> (.</a:t>
+            </a:r>
+            <a:r>
+              <a:rPr lang="en-US" sz="1200" dirty="0" err="1">
+                <a:solidFill>
+                  <a:srgbClr val="002060"/>
+                </a:solidFill>
+                <a:latin typeface="Verdana" panose="020B0604030504040204" pitchFamily="34" charset="0"/>
+                <a:ea typeface="Verdana" panose="020B0604030504040204" pitchFamily="34" charset="0"/>
+              </a:rPr>
+              <a:t>sqlproj</a:t>
+            </a:r>
+            <a:r>
+              <a:rPr lang="en-US" sz="1200" dirty="0">
+                <a:solidFill>
+                  <a:srgbClr val="002060"/>
+                </a:solidFill>
+                <a:latin typeface="Verdana" panose="020B0604030504040204" pitchFamily="34" charset="0"/>
+                <a:ea typeface="Verdana" panose="020B0604030504040204" pitchFamily="34" charset="0"/>
+              </a:rPr>
+              <a:t>) for deployment of SQL Data Store.</a:t>
+            </a:r>
+          </a:p>
+        </p:txBody>
+      </p:sp>
       <p:pic>
         <p:nvPicPr>
-          <p:cNvPr id="4" name="Picture 2">
-            <a:extLst>
-              <a:ext uri="{FF2B5EF4-FFF2-40B4-BE49-F238E27FC236}">
-                <a16:creationId xmlns:a16="http://schemas.microsoft.com/office/drawing/2014/main" id="{C5882C03-DC0B-4D3C-83C8-7B1DC12A1ADC}"/>
+          <p:cNvPr id="2" name="Picture 2">
+            <a:extLst>
+              <a:ext uri="{FF2B5EF4-FFF2-40B4-BE49-F238E27FC236}">
+                <a16:creationId xmlns:a16="http://schemas.microsoft.com/office/drawing/2014/main" id="{BCFEBCAF-2E0F-4B75-8708-7FFA15FC75D0}"/>
               </a:ext>
             </a:extLst>
           </p:cNvPr>
@@ -12725,7 +14460,7 @@
           <p:nvPr/>
         </p:nvPicPr>
         <p:blipFill>
-          <a:blip r:embed="rId6">
+          <a:blip r:embed="rId11">
             <a:extLst>
               <a:ext uri="{28A0092B-C50C-407E-A947-70E740481C1C}">
                 <a14:useLocalDpi xmlns:a14="http://schemas.microsoft.com/office/drawing/2010/main" val="0"/>
@@ -12739,8 +14474,8 @@
         </p:blipFill>
         <p:spPr bwMode="auto">
           <a:xfrm>
-            <a:off x="4529204" y="4992330"/>
-            <a:ext cx="676275" cy="676275"/>
+            <a:off x="2219093" y="4432621"/>
+            <a:ext cx="657225" cy="657225"/>
           </a:xfrm>
           <a:prstGeom prst="rect">
             <a:avLst/>
@@ -12757,57 +14492,142 @@
           </a:extLst>
         </p:spPr>
       </p:pic>
-      <p:pic>
-        <p:nvPicPr>
-          <p:cNvPr id="1028" name="Picture 4">
-            <a:extLst>
-              <a:ext uri="{FF2B5EF4-FFF2-40B4-BE49-F238E27FC236}">
-                <a16:creationId xmlns:a16="http://schemas.microsoft.com/office/drawing/2014/main" id="{F87477C1-A32D-44FD-A73E-3C7342A87862}"/>
-              </a:ext>
-            </a:extLst>
-          </p:cNvPr>
-          <p:cNvPicPr>
-            <a:picLocks noChangeAspect="1" noChangeArrowheads="1"/>
-          </p:cNvPicPr>
-          <p:nvPr/>
-        </p:nvPicPr>
-        <p:blipFill>
-          <a:blip r:embed="rId7">
-            <a:extLst>
-              <a:ext uri="{28A0092B-C50C-407E-A947-70E740481C1C}">
-                <a14:useLocalDpi xmlns:a14="http://schemas.microsoft.com/office/drawing/2010/main" val="0"/>
-              </a:ext>
-            </a:extLst>
-          </a:blip>
-          <a:srcRect/>
-          <a:stretch>
-            <a:fillRect/>
-          </a:stretch>
-        </p:blipFill>
-        <p:spPr bwMode="auto">
-          <a:xfrm>
-            <a:off x="2152025" y="4918044"/>
-            <a:ext cx="666750" cy="676275"/>
+      <p:cxnSp>
+        <p:nvCxnSpPr>
+          <p:cNvPr id="5" name="Straight Arrow Connector 4">
+            <a:extLst>
+              <a:ext uri="{FF2B5EF4-FFF2-40B4-BE49-F238E27FC236}">
+                <a16:creationId xmlns:a16="http://schemas.microsoft.com/office/drawing/2014/main" id="{59A50E47-D91D-4EA9-A6A2-1B5906E403ED}"/>
+              </a:ext>
+            </a:extLst>
+          </p:cNvPr>
+          <p:cNvCxnSpPr>
+            <a:stCxn id="1036" idx="2"/>
+            <a:endCxn id="2" idx="0"/>
+          </p:cNvCxnSpPr>
+          <p:nvPr/>
+        </p:nvCxnSpPr>
+        <p:spPr>
+          <a:xfrm flipH="1">
+            <a:off x="2547706" y="3715167"/>
+            <a:ext cx="1" cy="717454"/>
+          </a:xfrm>
+          <a:prstGeom prst="straightConnector1">
+            <a:avLst/>
+          </a:prstGeom>
+          <a:ln>
+            <a:tailEnd type="triangle"/>
+          </a:ln>
+        </p:spPr>
+        <p:style>
+          <a:lnRef idx="1">
+            <a:schemeClr val="accent1"/>
+          </a:lnRef>
+          <a:fillRef idx="0">
+            <a:schemeClr val="accent1"/>
+          </a:fillRef>
+          <a:effectRef idx="0">
+            <a:schemeClr val="accent1"/>
+          </a:effectRef>
+          <a:fontRef idx="minor">
+            <a:schemeClr val="tx1"/>
+          </a:fontRef>
+        </p:style>
+      </p:cxnSp>
+      <p:sp>
+        <p:nvSpPr>
+          <p:cNvPr id="38" name="TextBox 37">
+            <a:extLst>
+              <a:ext uri="{FF2B5EF4-FFF2-40B4-BE49-F238E27FC236}">
+                <a16:creationId xmlns:a16="http://schemas.microsoft.com/office/drawing/2014/main" id="{812281D3-9601-44ED-9C3E-6CC1CCD3B02D}"/>
+              </a:ext>
+            </a:extLst>
+          </p:cNvPr>
+          <p:cNvSpPr txBox="1"/>
+          <p:nvPr/>
+        </p:nvSpPr>
+        <p:spPr>
+          <a:xfrm>
+            <a:off x="2227245" y="4997807"/>
+            <a:ext cx="643959" cy="276999"/>
           </a:xfrm>
           <a:prstGeom prst="rect">
             <a:avLst/>
           </a:prstGeom>
           <a:noFill/>
-          <a:extLst>
-            <a:ext uri="{909E8E84-426E-40DD-AFC4-6F175D3DCCD1}">
-              <a14:hiddenFill xmlns:a14="http://schemas.microsoft.com/office/drawing/2010/main">
-                <a:solidFill>
-                  <a:srgbClr val="FFFFFF"/>
-                </a:solidFill>
-              </a14:hiddenFill>
-            </a:ext>
-          </a:extLst>
-        </p:spPr>
-      </p:pic>
+        </p:spPr>
+        <p:txBody>
+          <a:bodyPr wrap="none" rtlCol="0">
+            <a:spAutoFit/>
+          </a:bodyPr>
+          <a:lstStyle/>
+          <a:p>
+            <a:r>
+              <a:rPr lang="en-US" sz="1200" dirty="0">
+                <a:solidFill>
+                  <a:srgbClr val="002060"/>
+                </a:solidFill>
+                <a:latin typeface="Verdana" panose="020B0604030504040204" pitchFamily="34" charset="0"/>
+                <a:ea typeface="Verdana" panose="020B0604030504040204" pitchFamily="34" charset="0"/>
+              </a:rPr>
+              <a:t>Auth0</a:t>
+            </a:r>
+          </a:p>
+        </p:txBody>
+      </p:sp>
+      <p:sp>
+        <p:nvSpPr>
+          <p:cNvPr id="40" name="Heptagon 39">
+            <a:extLst>
+              <a:ext uri="{FF2B5EF4-FFF2-40B4-BE49-F238E27FC236}">
+                <a16:creationId xmlns:a16="http://schemas.microsoft.com/office/drawing/2014/main" id="{267543E6-4F71-4DDC-8456-D8E02CC93FC0}"/>
+              </a:ext>
+            </a:extLst>
+          </p:cNvPr>
+          <p:cNvSpPr/>
+          <p:nvPr/>
+        </p:nvSpPr>
+        <p:spPr>
+          <a:xfrm>
+            <a:off x="10548060" y="1638846"/>
+            <a:ext cx="307435" cy="344102"/>
+          </a:xfrm>
+          <a:prstGeom prst="heptagon">
+            <a:avLst/>
+          </a:prstGeom>
+        </p:spPr>
+        <p:style>
+          <a:lnRef idx="2">
+            <a:schemeClr val="accent1">
+              <a:shade val="50000"/>
+            </a:schemeClr>
+          </a:lnRef>
+          <a:fillRef idx="1">
+            <a:schemeClr val="accent1"/>
+          </a:fillRef>
+          <a:effectRef idx="0">
+            <a:schemeClr val="accent1"/>
+          </a:effectRef>
+          <a:fontRef idx="minor">
+            <a:schemeClr val="lt1"/>
+          </a:fontRef>
+        </p:style>
+        <p:txBody>
+          <a:bodyPr rtlCol="0" anchor="ctr"/>
+          <a:lstStyle/>
+          <a:p>
+            <a:pPr algn="ctr"/>
+            <a:r>
+              <a:rPr lang="en-US" dirty="0"/>
+              <a:t>8</a:t>
+            </a:r>
+          </a:p>
+        </p:txBody>
+      </p:sp>
     </p:spTree>
     <p:extLst>
       <p:ext uri="{BB962C8B-B14F-4D97-AF65-F5344CB8AC3E}">
-        <p14:creationId xmlns:p14="http://schemas.microsoft.com/office/powerpoint/2010/main" val="1116980721"/>
+        <p14:creationId xmlns:p14="http://schemas.microsoft.com/office/powerpoint/2010/main" val="4038736619"/>
       </p:ext>
     </p:extLst>
   </p:cSld>

--- a/MicrosoftReactor/Demos.pptx
+++ b/MicrosoftReactor/Demos.pptx
@@ -270,7 +270,7 @@
           <a:p>
             <a:fld id="{3F64E90C-326F-45C8-9212-4C9C4B7EF630}" type="datetimeFigureOut">
               <a:rPr lang="en-IN" smtClean="0"/>
-              <a:t>04-12-2021</a:t>
+              <a:t>08-12-2021</a:t>
             </a:fld>
             <a:endParaRPr lang="en-IN"/>
           </a:p>
@@ -470,7 +470,7 @@
           <a:p>
             <a:fld id="{3F64E90C-326F-45C8-9212-4C9C4B7EF630}" type="datetimeFigureOut">
               <a:rPr lang="en-IN" smtClean="0"/>
-              <a:t>04-12-2021</a:t>
+              <a:t>08-12-2021</a:t>
             </a:fld>
             <a:endParaRPr lang="en-IN"/>
           </a:p>
@@ -680,7 +680,7 @@
           <a:p>
             <a:fld id="{3F64E90C-326F-45C8-9212-4C9C4B7EF630}" type="datetimeFigureOut">
               <a:rPr lang="en-IN" smtClean="0"/>
-              <a:t>04-12-2021</a:t>
+              <a:t>08-12-2021</a:t>
             </a:fld>
             <a:endParaRPr lang="en-IN"/>
           </a:p>
@@ -880,7 +880,7 @@
           <a:p>
             <a:fld id="{3F64E90C-326F-45C8-9212-4C9C4B7EF630}" type="datetimeFigureOut">
               <a:rPr lang="en-IN" smtClean="0"/>
-              <a:t>04-12-2021</a:t>
+              <a:t>08-12-2021</a:t>
             </a:fld>
             <a:endParaRPr lang="en-IN"/>
           </a:p>
@@ -1156,7 +1156,7 @@
           <a:p>
             <a:fld id="{3F64E90C-326F-45C8-9212-4C9C4B7EF630}" type="datetimeFigureOut">
               <a:rPr lang="en-IN" smtClean="0"/>
-              <a:t>04-12-2021</a:t>
+              <a:t>08-12-2021</a:t>
             </a:fld>
             <a:endParaRPr lang="en-IN"/>
           </a:p>
@@ -1424,7 +1424,7 @@
           <a:p>
             <a:fld id="{3F64E90C-326F-45C8-9212-4C9C4B7EF630}" type="datetimeFigureOut">
               <a:rPr lang="en-IN" smtClean="0"/>
-              <a:t>04-12-2021</a:t>
+              <a:t>08-12-2021</a:t>
             </a:fld>
             <a:endParaRPr lang="en-IN"/>
           </a:p>
@@ -1839,7 +1839,7 @@
           <a:p>
             <a:fld id="{3F64E90C-326F-45C8-9212-4C9C4B7EF630}" type="datetimeFigureOut">
               <a:rPr lang="en-IN" smtClean="0"/>
-              <a:t>04-12-2021</a:t>
+              <a:t>08-12-2021</a:t>
             </a:fld>
             <a:endParaRPr lang="en-IN"/>
           </a:p>
@@ -1981,7 +1981,7 @@
           <a:p>
             <a:fld id="{3F64E90C-326F-45C8-9212-4C9C4B7EF630}" type="datetimeFigureOut">
               <a:rPr lang="en-IN" smtClean="0"/>
-              <a:t>04-12-2021</a:t>
+              <a:t>08-12-2021</a:t>
             </a:fld>
             <a:endParaRPr lang="en-IN"/>
           </a:p>
@@ -2094,7 +2094,7 @@
           <a:p>
             <a:fld id="{3F64E90C-326F-45C8-9212-4C9C4B7EF630}" type="datetimeFigureOut">
               <a:rPr lang="en-IN" smtClean="0"/>
-              <a:t>04-12-2021</a:t>
+              <a:t>08-12-2021</a:t>
             </a:fld>
             <a:endParaRPr lang="en-IN"/>
           </a:p>
@@ -2407,7 +2407,7 @@
           <a:p>
             <a:fld id="{3F64E90C-326F-45C8-9212-4C9C4B7EF630}" type="datetimeFigureOut">
               <a:rPr lang="en-IN" smtClean="0"/>
-              <a:t>04-12-2021</a:t>
+              <a:t>08-12-2021</a:t>
             </a:fld>
             <a:endParaRPr lang="en-IN"/>
           </a:p>
@@ -2696,7 +2696,7 @@
           <a:p>
             <a:fld id="{3F64E90C-326F-45C8-9212-4C9C4B7EF630}" type="datetimeFigureOut">
               <a:rPr lang="en-IN" smtClean="0"/>
-              <a:t>04-12-2021</a:t>
+              <a:t>08-12-2021</a:t>
             </a:fld>
             <a:endParaRPr lang="en-IN"/>
           </a:p>
@@ -2939,7 +2939,7 @@
           <a:p>
             <a:fld id="{3F64E90C-326F-45C8-9212-4C9C4B7EF630}" type="datetimeFigureOut">
               <a:rPr lang="en-IN" smtClean="0"/>
-              <a:t>04-12-2021</a:t>
+              <a:t>08-12-2021</a:t>
             </a:fld>
             <a:endParaRPr lang="en-IN"/>
           </a:p>
@@ -3501,7 +3501,7 @@
                 <a:latin typeface="Verdana" panose="020B0604030504040204" pitchFamily="34" charset="0"/>
                 <a:ea typeface="Verdana" panose="020B0604030504040204" pitchFamily="34" charset="0"/>
               </a:rPr>
-              <a:t>24-Nov-2021</a:t>
+              <a:t>15-Dec-2021</a:t>
             </a:r>
           </a:p>
         </p:txBody>

--- a/MicrosoftReactor/Demos.pptx
+++ b/MicrosoftReactor/Demos.pptx
@@ -270,7 +270,7 @@
           <a:p>
             <a:fld id="{3F64E90C-326F-45C8-9212-4C9C4B7EF630}" type="datetimeFigureOut">
               <a:rPr lang="en-IN" smtClean="0"/>
-              <a:t>08-12-2021</a:t>
+              <a:t>01-02-2022</a:t>
             </a:fld>
             <a:endParaRPr lang="en-IN"/>
           </a:p>
@@ -470,7 +470,7 @@
           <a:p>
             <a:fld id="{3F64E90C-326F-45C8-9212-4C9C4B7EF630}" type="datetimeFigureOut">
               <a:rPr lang="en-IN" smtClean="0"/>
-              <a:t>08-12-2021</a:t>
+              <a:t>01-02-2022</a:t>
             </a:fld>
             <a:endParaRPr lang="en-IN"/>
           </a:p>
@@ -680,7 +680,7 @@
           <a:p>
             <a:fld id="{3F64E90C-326F-45C8-9212-4C9C4B7EF630}" type="datetimeFigureOut">
               <a:rPr lang="en-IN" smtClean="0"/>
-              <a:t>08-12-2021</a:t>
+              <a:t>01-02-2022</a:t>
             </a:fld>
             <a:endParaRPr lang="en-IN"/>
           </a:p>
@@ -880,7 +880,7 @@
           <a:p>
             <a:fld id="{3F64E90C-326F-45C8-9212-4C9C4B7EF630}" type="datetimeFigureOut">
               <a:rPr lang="en-IN" smtClean="0"/>
-              <a:t>08-12-2021</a:t>
+              <a:t>01-02-2022</a:t>
             </a:fld>
             <a:endParaRPr lang="en-IN"/>
           </a:p>
@@ -1156,7 +1156,7 @@
           <a:p>
             <a:fld id="{3F64E90C-326F-45C8-9212-4C9C4B7EF630}" type="datetimeFigureOut">
               <a:rPr lang="en-IN" smtClean="0"/>
-              <a:t>08-12-2021</a:t>
+              <a:t>01-02-2022</a:t>
             </a:fld>
             <a:endParaRPr lang="en-IN"/>
           </a:p>
@@ -1424,7 +1424,7 @@
           <a:p>
             <a:fld id="{3F64E90C-326F-45C8-9212-4C9C4B7EF630}" type="datetimeFigureOut">
               <a:rPr lang="en-IN" smtClean="0"/>
-              <a:t>08-12-2021</a:t>
+              <a:t>01-02-2022</a:t>
             </a:fld>
             <a:endParaRPr lang="en-IN"/>
           </a:p>
@@ -1839,7 +1839,7 @@
           <a:p>
             <a:fld id="{3F64E90C-326F-45C8-9212-4C9C4B7EF630}" type="datetimeFigureOut">
               <a:rPr lang="en-IN" smtClean="0"/>
-              <a:t>08-12-2021</a:t>
+              <a:t>01-02-2022</a:t>
             </a:fld>
             <a:endParaRPr lang="en-IN"/>
           </a:p>
@@ -1981,7 +1981,7 @@
           <a:p>
             <a:fld id="{3F64E90C-326F-45C8-9212-4C9C4B7EF630}" type="datetimeFigureOut">
               <a:rPr lang="en-IN" smtClean="0"/>
-              <a:t>08-12-2021</a:t>
+              <a:t>01-02-2022</a:t>
             </a:fld>
             <a:endParaRPr lang="en-IN"/>
           </a:p>
@@ -2094,7 +2094,7 @@
           <a:p>
             <a:fld id="{3F64E90C-326F-45C8-9212-4C9C4B7EF630}" type="datetimeFigureOut">
               <a:rPr lang="en-IN" smtClean="0"/>
-              <a:t>08-12-2021</a:t>
+              <a:t>01-02-2022</a:t>
             </a:fld>
             <a:endParaRPr lang="en-IN"/>
           </a:p>
@@ -2407,7 +2407,7 @@
           <a:p>
             <a:fld id="{3F64E90C-326F-45C8-9212-4C9C4B7EF630}" type="datetimeFigureOut">
               <a:rPr lang="en-IN" smtClean="0"/>
-              <a:t>08-12-2021</a:t>
+              <a:t>01-02-2022</a:t>
             </a:fld>
             <a:endParaRPr lang="en-IN"/>
           </a:p>
@@ -2696,7 +2696,7 @@
           <a:p>
             <a:fld id="{3F64E90C-326F-45C8-9212-4C9C4B7EF630}" type="datetimeFigureOut">
               <a:rPr lang="en-IN" smtClean="0"/>
-              <a:t>08-12-2021</a:t>
+              <a:t>01-02-2022</a:t>
             </a:fld>
             <a:endParaRPr lang="en-IN"/>
           </a:p>
@@ -2939,7 +2939,7 @@
           <a:p>
             <a:fld id="{3F64E90C-326F-45C8-9212-4C9C4B7EF630}" type="datetimeFigureOut">
               <a:rPr lang="en-IN" smtClean="0"/>
-              <a:t>08-12-2021</a:t>
+              <a:t>01-02-2022</a:t>
             </a:fld>
             <a:endParaRPr lang="en-IN"/>
           </a:p>
@@ -3501,7 +3501,7 @@
                 <a:latin typeface="Verdana" panose="020B0604030504040204" pitchFamily="34" charset="0"/>
                 <a:ea typeface="Verdana" panose="020B0604030504040204" pitchFamily="34" charset="0"/>
               </a:rPr>
-              <a:t>15-Dec-2021</a:t>
+              <a:t>02-Feb-2022</a:t>
             </a:r>
           </a:p>
         </p:txBody>

--- a/MicrosoftReactor/Demos.pptx
+++ b/MicrosoftReactor/Demos.pptx
@@ -270,7 +270,7 @@
           <a:p>
             <a:fld id="{3F64E90C-326F-45C8-9212-4C9C4B7EF630}" type="datetimeFigureOut">
               <a:rPr lang="en-IN" smtClean="0"/>
-              <a:t>01-02-2022</a:t>
+              <a:t>07-02-2022</a:t>
             </a:fld>
             <a:endParaRPr lang="en-IN"/>
           </a:p>
@@ -470,7 +470,7 @@
           <a:p>
             <a:fld id="{3F64E90C-326F-45C8-9212-4C9C4B7EF630}" type="datetimeFigureOut">
               <a:rPr lang="en-IN" smtClean="0"/>
-              <a:t>01-02-2022</a:t>
+              <a:t>07-02-2022</a:t>
             </a:fld>
             <a:endParaRPr lang="en-IN"/>
           </a:p>
@@ -680,7 +680,7 @@
           <a:p>
             <a:fld id="{3F64E90C-326F-45C8-9212-4C9C4B7EF630}" type="datetimeFigureOut">
               <a:rPr lang="en-IN" smtClean="0"/>
-              <a:t>01-02-2022</a:t>
+              <a:t>07-02-2022</a:t>
             </a:fld>
             <a:endParaRPr lang="en-IN"/>
           </a:p>
@@ -880,7 +880,7 @@
           <a:p>
             <a:fld id="{3F64E90C-326F-45C8-9212-4C9C4B7EF630}" type="datetimeFigureOut">
               <a:rPr lang="en-IN" smtClean="0"/>
-              <a:t>01-02-2022</a:t>
+              <a:t>07-02-2022</a:t>
             </a:fld>
             <a:endParaRPr lang="en-IN"/>
           </a:p>
@@ -1156,7 +1156,7 @@
           <a:p>
             <a:fld id="{3F64E90C-326F-45C8-9212-4C9C4B7EF630}" type="datetimeFigureOut">
               <a:rPr lang="en-IN" smtClean="0"/>
-              <a:t>01-02-2022</a:t>
+              <a:t>07-02-2022</a:t>
             </a:fld>
             <a:endParaRPr lang="en-IN"/>
           </a:p>
@@ -1424,7 +1424,7 @@
           <a:p>
             <a:fld id="{3F64E90C-326F-45C8-9212-4C9C4B7EF630}" type="datetimeFigureOut">
               <a:rPr lang="en-IN" smtClean="0"/>
-              <a:t>01-02-2022</a:t>
+              <a:t>07-02-2022</a:t>
             </a:fld>
             <a:endParaRPr lang="en-IN"/>
           </a:p>
@@ -1839,7 +1839,7 @@
           <a:p>
             <a:fld id="{3F64E90C-326F-45C8-9212-4C9C4B7EF630}" type="datetimeFigureOut">
               <a:rPr lang="en-IN" smtClean="0"/>
-              <a:t>01-02-2022</a:t>
+              <a:t>07-02-2022</a:t>
             </a:fld>
             <a:endParaRPr lang="en-IN"/>
           </a:p>
@@ -1981,7 +1981,7 @@
           <a:p>
             <a:fld id="{3F64E90C-326F-45C8-9212-4C9C4B7EF630}" type="datetimeFigureOut">
               <a:rPr lang="en-IN" smtClean="0"/>
-              <a:t>01-02-2022</a:t>
+              <a:t>07-02-2022</a:t>
             </a:fld>
             <a:endParaRPr lang="en-IN"/>
           </a:p>
@@ -2094,7 +2094,7 @@
           <a:p>
             <a:fld id="{3F64E90C-326F-45C8-9212-4C9C4B7EF630}" type="datetimeFigureOut">
               <a:rPr lang="en-IN" smtClean="0"/>
-              <a:t>01-02-2022</a:t>
+              <a:t>07-02-2022</a:t>
             </a:fld>
             <a:endParaRPr lang="en-IN"/>
           </a:p>
@@ -2407,7 +2407,7 @@
           <a:p>
             <a:fld id="{3F64E90C-326F-45C8-9212-4C9C4B7EF630}" type="datetimeFigureOut">
               <a:rPr lang="en-IN" smtClean="0"/>
-              <a:t>01-02-2022</a:t>
+              <a:t>07-02-2022</a:t>
             </a:fld>
             <a:endParaRPr lang="en-IN"/>
           </a:p>
@@ -2696,7 +2696,7 @@
           <a:p>
             <a:fld id="{3F64E90C-326F-45C8-9212-4C9C4B7EF630}" type="datetimeFigureOut">
               <a:rPr lang="en-IN" smtClean="0"/>
-              <a:t>01-02-2022</a:t>
+              <a:t>07-02-2022</a:t>
             </a:fld>
             <a:endParaRPr lang="en-IN"/>
           </a:p>
@@ -2939,7 +2939,7 @@
           <a:p>
             <a:fld id="{3F64E90C-326F-45C8-9212-4C9C4B7EF630}" type="datetimeFigureOut">
               <a:rPr lang="en-IN" smtClean="0"/>
-              <a:t>01-02-2022</a:t>
+              <a:t>07-02-2022</a:t>
             </a:fld>
             <a:endParaRPr lang="en-IN"/>
           </a:p>
@@ -3501,7 +3501,7 @@
                 <a:latin typeface="Verdana" panose="020B0604030504040204" pitchFamily="34" charset="0"/>
                 <a:ea typeface="Verdana" panose="020B0604030504040204" pitchFamily="34" charset="0"/>
               </a:rPr>
-              <a:t>02-Feb-2022</a:t>
+              <a:t>09-Feb-2022</a:t>
             </a:r>
           </a:p>
         </p:txBody>

--- a/MicrosoftReactor/Demos.pptx
+++ b/MicrosoftReactor/Demos.pptx
@@ -270,7 +270,7 @@
           <a:p>
             <a:fld id="{3F64E90C-326F-45C8-9212-4C9C4B7EF630}" type="datetimeFigureOut">
               <a:rPr lang="en-IN" smtClean="0"/>
-              <a:t>07-02-2022</a:t>
+              <a:t>19-02-2022</a:t>
             </a:fld>
             <a:endParaRPr lang="en-IN"/>
           </a:p>
@@ -470,7 +470,7 @@
           <a:p>
             <a:fld id="{3F64E90C-326F-45C8-9212-4C9C4B7EF630}" type="datetimeFigureOut">
               <a:rPr lang="en-IN" smtClean="0"/>
-              <a:t>07-02-2022</a:t>
+              <a:t>19-02-2022</a:t>
             </a:fld>
             <a:endParaRPr lang="en-IN"/>
           </a:p>
@@ -680,7 +680,7 @@
           <a:p>
             <a:fld id="{3F64E90C-326F-45C8-9212-4C9C4B7EF630}" type="datetimeFigureOut">
               <a:rPr lang="en-IN" smtClean="0"/>
-              <a:t>07-02-2022</a:t>
+              <a:t>19-02-2022</a:t>
             </a:fld>
             <a:endParaRPr lang="en-IN"/>
           </a:p>
@@ -880,7 +880,7 @@
           <a:p>
             <a:fld id="{3F64E90C-326F-45C8-9212-4C9C4B7EF630}" type="datetimeFigureOut">
               <a:rPr lang="en-IN" smtClean="0"/>
-              <a:t>07-02-2022</a:t>
+              <a:t>19-02-2022</a:t>
             </a:fld>
             <a:endParaRPr lang="en-IN"/>
           </a:p>
@@ -1156,7 +1156,7 @@
           <a:p>
             <a:fld id="{3F64E90C-326F-45C8-9212-4C9C4B7EF630}" type="datetimeFigureOut">
               <a:rPr lang="en-IN" smtClean="0"/>
-              <a:t>07-02-2022</a:t>
+              <a:t>19-02-2022</a:t>
             </a:fld>
             <a:endParaRPr lang="en-IN"/>
           </a:p>
@@ -1424,7 +1424,7 @@
           <a:p>
             <a:fld id="{3F64E90C-326F-45C8-9212-4C9C4B7EF630}" type="datetimeFigureOut">
               <a:rPr lang="en-IN" smtClean="0"/>
-              <a:t>07-02-2022</a:t>
+              <a:t>19-02-2022</a:t>
             </a:fld>
             <a:endParaRPr lang="en-IN"/>
           </a:p>
@@ -1839,7 +1839,7 @@
           <a:p>
             <a:fld id="{3F64E90C-326F-45C8-9212-4C9C4B7EF630}" type="datetimeFigureOut">
               <a:rPr lang="en-IN" smtClean="0"/>
-              <a:t>07-02-2022</a:t>
+              <a:t>19-02-2022</a:t>
             </a:fld>
             <a:endParaRPr lang="en-IN"/>
           </a:p>
@@ -1981,7 +1981,7 @@
           <a:p>
             <a:fld id="{3F64E90C-326F-45C8-9212-4C9C4B7EF630}" type="datetimeFigureOut">
               <a:rPr lang="en-IN" smtClean="0"/>
-              <a:t>07-02-2022</a:t>
+              <a:t>19-02-2022</a:t>
             </a:fld>
             <a:endParaRPr lang="en-IN"/>
           </a:p>
@@ -2094,7 +2094,7 @@
           <a:p>
             <a:fld id="{3F64E90C-326F-45C8-9212-4C9C4B7EF630}" type="datetimeFigureOut">
               <a:rPr lang="en-IN" smtClean="0"/>
-              <a:t>07-02-2022</a:t>
+              <a:t>19-02-2022</a:t>
             </a:fld>
             <a:endParaRPr lang="en-IN"/>
           </a:p>
@@ -2407,7 +2407,7 @@
           <a:p>
             <a:fld id="{3F64E90C-326F-45C8-9212-4C9C4B7EF630}" type="datetimeFigureOut">
               <a:rPr lang="en-IN" smtClean="0"/>
-              <a:t>07-02-2022</a:t>
+              <a:t>19-02-2022</a:t>
             </a:fld>
             <a:endParaRPr lang="en-IN"/>
           </a:p>
@@ -2696,7 +2696,7 @@
           <a:p>
             <a:fld id="{3F64E90C-326F-45C8-9212-4C9C4B7EF630}" type="datetimeFigureOut">
               <a:rPr lang="en-IN" smtClean="0"/>
-              <a:t>07-02-2022</a:t>
+              <a:t>19-02-2022</a:t>
             </a:fld>
             <a:endParaRPr lang="en-IN"/>
           </a:p>
@@ -2939,7 +2939,7 @@
           <a:p>
             <a:fld id="{3F64E90C-326F-45C8-9212-4C9C4B7EF630}" type="datetimeFigureOut">
               <a:rPr lang="en-IN" smtClean="0"/>
-              <a:t>07-02-2022</a:t>
+              <a:t>19-02-2022</a:t>
             </a:fld>
             <a:endParaRPr lang="en-IN"/>
           </a:p>
@@ -3501,7 +3501,7 @@
                 <a:latin typeface="Verdana" panose="020B0604030504040204" pitchFamily="34" charset="0"/>
                 <a:ea typeface="Verdana" panose="020B0604030504040204" pitchFamily="34" charset="0"/>
               </a:rPr>
-              <a:t>09-Feb-2022</a:t>
+              <a:t>23-Feb-2022</a:t>
             </a:r>
           </a:p>
         </p:txBody>

--- a/MicrosoftReactor/Demos.pptx
+++ b/MicrosoftReactor/Demos.pptx
@@ -6,15 +6,16 @@
   </p:sldMasterIdLst>
   <p:sldIdLst>
     <p:sldId id="329" r:id="rId2"/>
-    <p:sldId id="334" r:id="rId3"/>
-    <p:sldId id="333" r:id="rId4"/>
-    <p:sldId id="331" r:id="rId5"/>
-    <p:sldId id="330" r:id="rId6"/>
-    <p:sldId id="328" r:id="rId7"/>
-    <p:sldId id="327" r:id="rId8"/>
-    <p:sldId id="326" r:id="rId9"/>
-    <p:sldId id="335" r:id="rId10"/>
-    <p:sldId id="332" r:id="rId11"/>
+    <p:sldId id="282" r:id="rId3"/>
+    <p:sldId id="334" r:id="rId4"/>
+    <p:sldId id="333" r:id="rId5"/>
+    <p:sldId id="331" r:id="rId6"/>
+    <p:sldId id="330" r:id="rId7"/>
+    <p:sldId id="328" r:id="rId8"/>
+    <p:sldId id="327" r:id="rId9"/>
+    <p:sldId id="326" r:id="rId10"/>
+    <p:sldId id="335" r:id="rId11"/>
+    <p:sldId id="332" r:id="rId12"/>
   </p:sldIdLst>
   <p:sldSz cx="12192000" cy="6858000"/>
   <p:notesSz cx="6858000" cy="9144000"/>
@@ -270,7 +271,7 @@
           <a:p>
             <a:fld id="{3F64E90C-326F-45C8-9212-4C9C4B7EF630}" type="datetimeFigureOut">
               <a:rPr lang="en-IN" smtClean="0"/>
-              <a:t>19-02-2022</a:t>
+              <a:t>05-03-2022</a:t>
             </a:fld>
             <a:endParaRPr lang="en-IN"/>
           </a:p>
@@ -470,7 +471,7 @@
           <a:p>
             <a:fld id="{3F64E90C-326F-45C8-9212-4C9C4B7EF630}" type="datetimeFigureOut">
               <a:rPr lang="en-IN" smtClean="0"/>
-              <a:t>19-02-2022</a:t>
+              <a:t>05-03-2022</a:t>
             </a:fld>
             <a:endParaRPr lang="en-IN"/>
           </a:p>
@@ -680,7 +681,7 @@
           <a:p>
             <a:fld id="{3F64E90C-326F-45C8-9212-4C9C4B7EF630}" type="datetimeFigureOut">
               <a:rPr lang="en-IN" smtClean="0"/>
-              <a:t>19-02-2022</a:t>
+              <a:t>05-03-2022</a:t>
             </a:fld>
             <a:endParaRPr lang="en-IN"/>
           </a:p>
@@ -880,7 +881,7 @@
           <a:p>
             <a:fld id="{3F64E90C-326F-45C8-9212-4C9C4B7EF630}" type="datetimeFigureOut">
               <a:rPr lang="en-IN" smtClean="0"/>
-              <a:t>19-02-2022</a:t>
+              <a:t>05-03-2022</a:t>
             </a:fld>
             <a:endParaRPr lang="en-IN"/>
           </a:p>
@@ -1156,7 +1157,7 @@
           <a:p>
             <a:fld id="{3F64E90C-326F-45C8-9212-4C9C4B7EF630}" type="datetimeFigureOut">
               <a:rPr lang="en-IN" smtClean="0"/>
-              <a:t>19-02-2022</a:t>
+              <a:t>05-03-2022</a:t>
             </a:fld>
             <a:endParaRPr lang="en-IN"/>
           </a:p>
@@ -1424,7 +1425,7 @@
           <a:p>
             <a:fld id="{3F64E90C-326F-45C8-9212-4C9C4B7EF630}" type="datetimeFigureOut">
               <a:rPr lang="en-IN" smtClean="0"/>
-              <a:t>19-02-2022</a:t>
+              <a:t>05-03-2022</a:t>
             </a:fld>
             <a:endParaRPr lang="en-IN"/>
           </a:p>
@@ -1839,7 +1840,7 @@
           <a:p>
             <a:fld id="{3F64E90C-326F-45C8-9212-4C9C4B7EF630}" type="datetimeFigureOut">
               <a:rPr lang="en-IN" smtClean="0"/>
-              <a:t>19-02-2022</a:t>
+              <a:t>05-03-2022</a:t>
             </a:fld>
             <a:endParaRPr lang="en-IN"/>
           </a:p>
@@ -1981,7 +1982,7 @@
           <a:p>
             <a:fld id="{3F64E90C-326F-45C8-9212-4C9C4B7EF630}" type="datetimeFigureOut">
               <a:rPr lang="en-IN" smtClean="0"/>
-              <a:t>19-02-2022</a:t>
+              <a:t>05-03-2022</a:t>
             </a:fld>
             <a:endParaRPr lang="en-IN"/>
           </a:p>
@@ -2094,7 +2095,7 @@
           <a:p>
             <a:fld id="{3F64E90C-326F-45C8-9212-4C9C4B7EF630}" type="datetimeFigureOut">
               <a:rPr lang="en-IN" smtClean="0"/>
-              <a:t>19-02-2022</a:t>
+              <a:t>05-03-2022</a:t>
             </a:fld>
             <a:endParaRPr lang="en-IN"/>
           </a:p>
@@ -2407,7 +2408,7 @@
           <a:p>
             <a:fld id="{3F64E90C-326F-45C8-9212-4C9C4B7EF630}" type="datetimeFigureOut">
               <a:rPr lang="en-IN" smtClean="0"/>
-              <a:t>19-02-2022</a:t>
+              <a:t>05-03-2022</a:t>
             </a:fld>
             <a:endParaRPr lang="en-IN"/>
           </a:p>
@@ -2696,7 +2697,7 @@
           <a:p>
             <a:fld id="{3F64E90C-326F-45C8-9212-4C9C4B7EF630}" type="datetimeFigureOut">
               <a:rPr lang="en-IN" smtClean="0"/>
-              <a:t>19-02-2022</a:t>
+              <a:t>05-03-2022</a:t>
             </a:fld>
             <a:endParaRPr lang="en-IN"/>
           </a:p>
@@ -2939,7 +2940,7 @@
           <a:p>
             <a:fld id="{3F64E90C-326F-45C8-9212-4C9C4B7EF630}" type="datetimeFigureOut">
               <a:rPr lang="en-IN" smtClean="0"/>
-              <a:t>19-02-2022</a:t>
+              <a:t>05-03-2022</a:t>
             </a:fld>
             <a:endParaRPr lang="en-IN"/>
           </a:p>
@@ -3893,6 +3894,1825 @@
         </p:blipFill>
         <p:spPr bwMode="auto">
           <a:xfrm>
+            <a:off x="6983816" y="753030"/>
+            <a:ext cx="847725" cy="847725"/>
+          </a:xfrm>
+          <a:prstGeom prst="rect">
+            <a:avLst/>
+          </a:prstGeom>
+          <a:noFill/>
+          <a:extLst>
+            <a:ext uri="{909E8E84-426E-40DD-AFC4-6F175D3DCCD1}">
+              <a14:hiddenFill xmlns:a14="http://schemas.microsoft.com/office/drawing/2010/main">
+                <a:solidFill>
+                  <a:srgbClr val="FFFFFF"/>
+                </a:solidFill>
+              </a14:hiddenFill>
+            </a:ext>
+          </a:extLst>
+        </p:spPr>
+      </p:pic>
+      <p:pic>
+        <p:nvPicPr>
+          <p:cNvPr id="1030" name="Picture 6">
+            <a:extLst>
+              <a:ext uri="{FF2B5EF4-FFF2-40B4-BE49-F238E27FC236}">
+                <a16:creationId xmlns:a16="http://schemas.microsoft.com/office/drawing/2014/main" id="{98C22475-F42D-4B66-B365-CF5562AE4F01}"/>
+              </a:ext>
+            </a:extLst>
+          </p:cNvPr>
+          <p:cNvPicPr>
+            <a:picLocks noChangeAspect="1" noChangeArrowheads="1"/>
+          </p:cNvPicPr>
+          <p:nvPr/>
+        </p:nvPicPr>
+        <p:blipFill>
+          <a:blip r:embed="rId3">
+            <a:extLst>
+              <a:ext uri="{28A0092B-C50C-407E-A947-70E740481C1C}">
+                <a14:useLocalDpi xmlns:a14="http://schemas.microsoft.com/office/drawing/2010/main" val="0"/>
+              </a:ext>
+            </a:extLst>
+          </a:blip>
+          <a:srcRect/>
+          <a:stretch>
+            <a:fillRect/>
+          </a:stretch>
+        </p:blipFill>
+        <p:spPr bwMode="auto">
+          <a:xfrm>
+            <a:off x="10855495" y="1492003"/>
+            <a:ext cx="676275" cy="676275"/>
+          </a:xfrm>
+          <a:prstGeom prst="rect">
+            <a:avLst/>
+          </a:prstGeom>
+          <a:noFill/>
+          <a:extLst>
+            <a:ext uri="{909E8E84-426E-40DD-AFC4-6F175D3DCCD1}">
+              <a14:hiddenFill xmlns:a14="http://schemas.microsoft.com/office/drawing/2010/main">
+                <a:solidFill>
+                  <a:srgbClr val="FFFFFF"/>
+                </a:solidFill>
+              </a14:hiddenFill>
+            </a:ext>
+          </a:extLst>
+        </p:spPr>
+      </p:pic>
+      <p:pic>
+        <p:nvPicPr>
+          <p:cNvPr id="1034" name="Picture 10">
+            <a:extLst>
+              <a:ext uri="{FF2B5EF4-FFF2-40B4-BE49-F238E27FC236}">
+                <a16:creationId xmlns:a16="http://schemas.microsoft.com/office/drawing/2014/main" id="{03A6EE1E-D6C3-43B7-A76C-ED8BA685C33B}"/>
+              </a:ext>
+            </a:extLst>
+          </p:cNvPr>
+          <p:cNvPicPr>
+            <a:picLocks noChangeAspect="1" noChangeArrowheads="1"/>
+          </p:cNvPicPr>
+          <p:nvPr/>
+        </p:nvPicPr>
+        <p:blipFill>
+          <a:blip r:embed="rId4">
+            <a:extLst>
+              <a:ext uri="{28A0092B-C50C-407E-A947-70E740481C1C}">
+                <a14:useLocalDpi xmlns:a14="http://schemas.microsoft.com/office/drawing/2010/main" val="0"/>
+              </a:ext>
+            </a:extLst>
+          </a:blip>
+          <a:srcRect/>
+          <a:stretch>
+            <a:fillRect/>
+          </a:stretch>
+        </p:blipFill>
+        <p:spPr bwMode="auto">
+          <a:xfrm>
+            <a:off x="10902515" y="4133850"/>
+            <a:ext cx="657225" cy="676275"/>
+          </a:xfrm>
+          <a:prstGeom prst="rect">
+            <a:avLst/>
+          </a:prstGeom>
+          <a:noFill/>
+          <a:extLst>
+            <a:ext uri="{909E8E84-426E-40DD-AFC4-6F175D3DCCD1}">
+              <a14:hiddenFill xmlns:a14="http://schemas.microsoft.com/office/drawing/2010/main">
+                <a:solidFill>
+                  <a:srgbClr val="FFFFFF"/>
+                </a:solidFill>
+              </a14:hiddenFill>
+            </a:ext>
+          </a:extLst>
+        </p:spPr>
+      </p:pic>
+      <p:pic>
+        <p:nvPicPr>
+          <p:cNvPr id="1036" name="Picture 12">
+            <a:extLst>
+              <a:ext uri="{FF2B5EF4-FFF2-40B4-BE49-F238E27FC236}">
+                <a16:creationId xmlns:a16="http://schemas.microsoft.com/office/drawing/2014/main" id="{AB427BB8-0AA8-4F7E-AA27-EA18ECDD59BE}"/>
+              </a:ext>
+            </a:extLst>
+          </p:cNvPr>
+          <p:cNvPicPr>
+            <a:picLocks noChangeAspect="1" noChangeArrowheads="1"/>
+          </p:cNvPicPr>
+          <p:nvPr/>
+        </p:nvPicPr>
+        <p:blipFill>
+          <a:blip r:embed="rId5">
+            <a:extLst>
+              <a:ext uri="{28A0092B-C50C-407E-A947-70E740481C1C}">
+                <a14:useLocalDpi xmlns:a14="http://schemas.microsoft.com/office/drawing/2010/main" val="0"/>
+              </a:ext>
+            </a:extLst>
+          </a:blip>
+          <a:srcRect/>
+          <a:stretch>
+            <a:fillRect/>
+          </a:stretch>
+        </p:blipFill>
+        <p:spPr bwMode="auto">
+          <a:xfrm>
+            <a:off x="2142894" y="2905542"/>
+            <a:ext cx="809625" cy="809625"/>
+          </a:xfrm>
+          <a:prstGeom prst="rect">
+            <a:avLst/>
+          </a:prstGeom>
+          <a:noFill/>
+          <a:extLst>
+            <a:ext uri="{909E8E84-426E-40DD-AFC4-6F175D3DCCD1}">
+              <a14:hiddenFill xmlns:a14="http://schemas.microsoft.com/office/drawing/2010/main">
+                <a:solidFill>
+                  <a:srgbClr val="FFFFFF"/>
+                </a:solidFill>
+              </a14:hiddenFill>
+            </a:ext>
+          </a:extLst>
+        </p:spPr>
+      </p:pic>
+      <p:pic>
+        <p:nvPicPr>
+          <p:cNvPr id="1038" name="Picture 14">
+            <a:extLst>
+              <a:ext uri="{FF2B5EF4-FFF2-40B4-BE49-F238E27FC236}">
+                <a16:creationId xmlns:a16="http://schemas.microsoft.com/office/drawing/2014/main" id="{FC41D05C-CFC1-441C-B925-D679FF5BEBEE}"/>
+              </a:ext>
+            </a:extLst>
+          </p:cNvPr>
+          <p:cNvPicPr>
+            <a:picLocks noChangeAspect="1" noChangeArrowheads="1"/>
+          </p:cNvPicPr>
+          <p:nvPr/>
+        </p:nvPicPr>
+        <p:blipFill>
+          <a:blip r:embed="rId6">
+            <a:extLst>
+              <a:ext uri="{28A0092B-C50C-407E-A947-70E740481C1C}">
+                <a14:useLocalDpi xmlns:a14="http://schemas.microsoft.com/office/drawing/2010/main" val="0"/>
+              </a:ext>
+            </a:extLst>
+          </a:blip>
+          <a:srcRect/>
+          <a:stretch>
+            <a:fillRect/>
+          </a:stretch>
+        </p:blipFill>
+        <p:spPr bwMode="auto">
+          <a:xfrm>
+            <a:off x="4523450" y="2936704"/>
+            <a:ext cx="819150" cy="771525"/>
+          </a:xfrm>
+          <a:prstGeom prst="rect">
+            <a:avLst/>
+          </a:prstGeom>
+          <a:noFill/>
+          <a:extLst>
+            <a:ext uri="{909E8E84-426E-40DD-AFC4-6F175D3DCCD1}">
+              <a14:hiddenFill xmlns:a14="http://schemas.microsoft.com/office/drawing/2010/main">
+                <a:solidFill>
+                  <a:srgbClr val="FFFFFF"/>
+                </a:solidFill>
+              </a14:hiddenFill>
+            </a:ext>
+          </a:extLst>
+        </p:spPr>
+      </p:pic>
+      <p:pic>
+        <p:nvPicPr>
+          <p:cNvPr id="1040" name="Picture 16">
+            <a:extLst>
+              <a:ext uri="{FF2B5EF4-FFF2-40B4-BE49-F238E27FC236}">
+                <a16:creationId xmlns:a16="http://schemas.microsoft.com/office/drawing/2014/main" id="{357C179B-F2C9-48A5-8791-9C04BBDE433F}"/>
+              </a:ext>
+            </a:extLst>
+          </p:cNvPr>
+          <p:cNvPicPr>
+            <a:picLocks noChangeAspect="1" noChangeArrowheads="1"/>
+          </p:cNvPicPr>
+          <p:nvPr/>
+        </p:nvPicPr>
+        <p:blipFill>
+          <a:blip r:embed="rId7">
+            <a:extLst>
+              <a:ext uri="{28A0092B-C50C-407E-A947-70E740481C1C}">
+                <a14:useLocalDpi xmlns:a14="http://schemas.microsoft.com/office/drawing/2010/main" val="0"/>
+              </a:ext>
+            </a:extLst>
+          </a:blip>
+          <a:srcRect/>
+          <a:stretch>
+            <a:fillRect/>
+          </a:stretch>
+        </p:blipFill>
+        <p:spPr bwMode="auto">
+          <a:xfrm>
+            <a:off x="3478983" y="2903407"/>
+            <a:ext cx="307435" cy="361980"/>
+          </a:xfrm>
+          <a:prstGeom prst="rect">
+            <a:avLst/>
+          </a:prstGeom>
+          <a:noFill/>
+          <a:extLst>
+            <a:ext uri="{909E8E84-426E-40DD-AFC4-6F175D3DCCD1}">
+              <a14:hiddenFill xmlns:a14="http://schemas.microsoft.com/office/drawing/2010/main">
+                <a:solidFill>
+                  <a:srgbClr val="FFFFFF"/>
+                </a:solidFill>
+              </a14:hiddenFill>
+            </a:ext>
+          </a:extLst>
+        </p:spPr>
+      </p:pic>
+      <p:pic>
+        <p:nvPicPr>
+          <p:cNvPr id="1042" name="Picture 18">
+            <a:extLst>
+              <a:ext uri="{FF2B5EF4-FFF2-40B4-BE49-F238E27FC236}">
+                <a16:creationId xmlns:a16="http://schemas.microsoft.com/office/drawing/2014/main" id="{DC5682A4-CD6A-4403-ABD5-0B2D25BD4041}"/>
+              </a:ext>
+            </a:extLst>
+          </p:cNvPr>
+          <p:cNvPicPr>
+            <a:picLocks noChangeAspect="1" noChangeArrowheads="1"/>
+          </p:cNvPicPr>
+          <p:nvPr/>
+        </p:nvPicPr>
+        <p:blipFill>
+          <a:blip r:embed="rId8">
+            <a:extLst>
+              <a:ext uri="{28A0092B-C50C-407E-A947-70E740481C1C}">
+                <a14:useLocalDpi xmlns:a14="http://schemas.microsoft.com/office/drawing/2010/main" val="0"/>
+              </a:ext>
+            </a:extLst>
+          </a:blip>
+          <a:srcRect/>
+          <a:stretch>
+            <a:fillRect/>
+          </a:stretch>
+        </p:blipFill>
+        <p:spPr bwMode="auto">
+          <a:xfrm>
+            <a:off x="412196" y="629266"/>
+            <a:ext cx="619125" cy="800100"/>
+          </a:xfrm>
+          <a:prstGeom prst="rect">
+            <a:avLst/>
+          </a:prstGeom>
+          <a:noFill/>
+          <a:extLst>
+            <a:ext uri="{909E8E84-426E-40DD-AFC4-6F175D3DCCD1}">
+              <a14:hiddenFill xmlns:a14="http://schemas.microsoft.com/office/drawing/2010/main">
+                <a:solidFill>
+                  <a:srgbClr val="FFFFFF"/>
+                </a:solidFill>
+              </a14:hiddenFill>
+            </a:ext>
+          </a:extLst>
+        </p:spPr>
+      </p:pic>
+      <p:pic>
+        <p:nvPicPr>
+          <p:cNvPr id="1044" name="Picture 20">
+            <a:extLst>
+              <a:ext uri="{FF2B5EF4-FFF2-40B4-BE49-F238E27FC236}">
+                <a16:creationId xmlns:a16="http://schemas.microsoft.com/office/drawing/2014/main" id="{24CA475C-31C6-4B82-A0EA-16888492B5DE}"/>
+              </a:ext>
+            </a:extLst>
+          </p:cNvPr>
+          <p:cNvPicPr>
+            <a:picLocks noChangeAspect="1" noChangeArrowheads="1"/>
+          </p:cNvPicPr>
+          <p:nvPr/>
+        </p:nvPicPr>
+        <p:blipFill>
+          <a:blip r:embed="rId9">
+            <a:extLst>
+              <a:ext uri="{28A0092B-C50C-407E-A947-70E740481C1C}">
+                <a14:useLocalDpi xmlns:a14="http://schemas.microsoft.com/office/drawing/2010/main" val="0"/>
+              </a:ext>
+            </a:extLst>
+          </a:blip>
+          <a:srcRect/>
+          <a:stretch>
+            <a:fillRect/>
+          </a:stretch>
+        </p:blipFill>
+        <p:spPr bwMode="auto">
+          <a:xfrm>
+            <a:off x="414338" y="2976563"/>
+            <a:ext cx="657225" cy="676275"/>
+          </a:xfrm>
+          <a:prstGeom prst="rect">
+            <a:avLst/>
+          </a:prstGeom>
+          <a:noFill/>
+          <a:extLst>
+            <a:ext uri="{909E8E84-426E-40DD-AFC4-6F175D3DCCD1}">
+              <a14:hiddenFill xmlns:a14="http://schemas.microsoft.com/office/drawing/2010/main">
+                <a:solidFill>
+                  <a:srgbClr val="FFFFFF"/>
+                </a:solidFill>
+              </a14:hiddenFill>
+            </a:ext>
+          </a:extLst>
+        </p:spPr>
+      </p:pic>
+      <p:pic>
+        <p:nvPicPr>
+          <p:cNvPr id="22" name="Picture 12">
+            <a:extLst>
+              <a:ext uri="{FF2B5EF4-FFF2-40B4-BE49-F238E27FC236}">
+                <a16:creationId xmlns:a16="http://schemas.microsoft.com/office/drawing/2014/main" id="{CDD441FC-ED8A-4B90-A512-1FFA05777E63}"/>
+              </a:ext>
+            </a:extLst>
+          </p:cNvPr>
+          <p:cNvPicPr>
+            <a:picLocks noChangeAspect="1" noChangeArrowheads="1"/>
+          </p:cNvPicPr>
+          <p:nvPr/>
+        </p:nvPicPr>
+        <p:blipFill>
+          <a:blip r:embed="rId5">
+            <a:extLst>
+              <a:ext uri="{28A0092B-C50C-407E-A947-70E740481C1C}">
+                <a14:useLocalDpi xmlns:a14="http://schemas.microsoft.com/office/drawing/2010/main" val="0"/>
+              </a:ext>
+            </a:extLst>
+          </a:blip>
+          <a:srcRect/>
+          <a:stretch>
+            <a:fillRect/>
+          </a:stretch>
+        </p:blipFill>
+        <p:spPr bwMode="auto">
+          <a:xfrm>
+            <a:off x="7010400" y="2909887"/>
+            <a:ext cx="809625" cy="809625"/>
+          </a:xfrm>
+          <a:prstGeom prst="rect">
+            <a:avLst/>
+          </a:prstGeom>
+          <a:noFill/>
+          <a:extLst>
+            <a:ext uri="{909E8E84-426E-40DD-AFC4-6F175D3DCCD1}">
+              <a14:hiddenFill xmlns:a14="http://schemas.microsoft.com/office/drawing/2010/main">
+                <a:solidFill>
+                  <a:srgbClr val="FFFFFF"/>
+                </a:solidFill>
+              </a14:hiddenFill>
+            </a:ext>
+          </a:extLst>
+        </p:spPr>
+      </p:pic>
+      <p:sp>
+        <p:nvSpPr>
+          <p:cNvPr id="11" name="Heptagon 10">
+            <a:extLst>
+              <a:ext uri="{FF2B5EF4-FFF2-40B4-BE49-F238E27FC236}">
+                <a16:creationId xmlns:a16="http://schemas.microsoft.com/office/drawing/2014/main" id="{8EF000E9-1A1B-40B9-BF7B-8E7326AAFA24}"/>
+              </a:ext>
+            </a:extLst>
+          </p:cNvPr>
+          <p:cNvSpPr/>
+          <p:nvPr/>
+        </p:nvSpPr>
+        <p:spPr>
+          <a:xfrm>
+            <a:off x="240913" y="2851743"/>
+            <a:ext cx="307435" cy="344102"/>
+          </a:xfrm>
+          <a:prstGeom prst="heptagon">
+            <a:avLst/>
+          </a:prstGeom>
+        </p:spPr>
+        <p:style>
+          <a:lnRef idx="2">
+            <a:schemeClr val="accent1">
+              <a:shade val="50000"/>
+            </a:schemeClr>
+          </a:lnRef>
+          <a:fillRef idx="1">
+            <a:schemeClr val="accent1"/>
+          </a:fillRef>
+          <a:effectRef idx="0">
+            <a:schemeClr val="accent1"/>
+          </a:effectRef>
+          <a:fontRef idx="minor">
+            <a:schemeClr val="lt1"/>
+          </a:fontRef>
+        </p:style>
+        <p:txBody>
+          <a:bodyPr rtlCol="0" anchor="ctr"/>
+          <a:lstStyle/>
+          <a:p>
+            <a:pPr algn="ctr"/>
+            <a:r>
+              <a:rPr lang="en-US" dirty="0"/>
+              <a:t>1</a:t>
+            </a:r>
+          </a:p>
+        </p:txBody>
+      </p:sp>
+      <p:cxnSp>
+        <p:nvCxnSpPr>
+          <p:cNvPr id="15" name="Straight Arrow Connector 14">
+            <a:extLst>
+              <a:ext uri="{FF2B5EF4-FFF2-40B4-BE49-F238E27FC236}">
+                <a16:creationId xmlns:a16="http://schemas.microsoft.com/office/drawing/2014/main" id="{3907F1EE-B001-4BF5-87F4-2548B3C7CE83}"/>
+              </a:ext>
+            </a:extLst>
+          </p:cNvPr>
+          <p:cNvCxnSpPr>
+            <a:stCxn id="1044" idx="3"/>
+            <a:endCxn id="1036" idx="1"/>
+          </p:cNvCxnSpPr>
+          <p:nvPr/>
+        </p:nvCxnSpPr>
+        <p:spPr>
+          <a:xfrm flipV="1">
+            <a:off x="1071563" y="3310355"/>
+            <a:ext cx="1071331" cy="4346"/>
+          </a:xfrm>
+          <a:prstGeom prst="straightConnector1">
+            <a:avLst/>
+          </a:prstGeom>
+          <a:ln>
+            <a:tailEnd type="triangle"/>
+          </a:ln>
+        </p:spPr>
+        <p:style>
+          <a:lnRef idx="1">
+            <a:schemeClr val="accent1"/>
+          </a:lnRef>
+          <a:fillRef idx="0">
+            <a:schemeClr val="accent1"/>
+          </a:fillRef>
+          <a:effectRef idx="0">
+            <a:schemeClr val="accent1"/>
+          </a:effectRef>
+          <a:fontRef idx="minor">
+            <a:schemeClr val="tx1"/>
+          </a:fontRef>
+        </p:style>
+      </p:cxnSp>
+      <p:cxnSp>
+        <p:nvCxnSpPr>
+          <p:cNvPr id="18" name="Straight Arrow Connector 17">
+            <a:extLst>
+              <a:ext uri="{FF2B5EF4-FFF2-40B4-BE49-F238E27FC236}">
+                <a16:creationId xmlns:a16="http://schemas.microsoft.com/office/drawing/2014/main" id="{56E275F4-5807-4B9E-B0C0-190061041D2E}"/>
+              </a:ext>
+            </a:extLst>
+          </p:cNvPr>
+          <p:cNvCxnSpPr>
+            <a:cxnSpLocks/>
+            <a:stCxn id="1036" idx="3"/>
+            <a:endCxn id="1038" idx="1"/>
+          </p:cNvCxnSpPr>
+          <p:nvPr/>
+        </p:nvCxnSpPr>
+        <p:spPr>
+          <a:xfrm>
+            <a:off x="2952519" y="3310355"/>
+            <a:ext cx="1570931" cy="12112"/>
+          </a:xfrm>
+          <a:prstGeom prst="straightConnector1">
+            <a:avLst/>
+          </a:prstGeom>
+          <a:ln>
+            <a:tailEnd type="triangle"/>
+          </a:ln>
+        </p:spPr>
+        <p:style>
+          <a:lnRef idx="1">
+            <a:schemeClr val="accent1"/>
+          </a:lnRef>
+          <a:fillRef idx="0">
+            <a:schemeClr val="accent1"/>
+          </a:fillRef>
+          <a:effectRef idx="0">
+            <a:schemeClr val="accent1"/>
+          </a:effectRef>
+          <a:fontRef idx="minor">
+            <a:schemeClr val="tx1"/>
+          </a:fontRef>
+        </p:style>
+      </p:cxnSp>
+      <p:cxnSp>
+        <p:nvCxnSpPr>
+          <p:cNvPr id="20" name="Straight Arrow Connector 19">
+            <a:extLst>
+              <a:ext uri="{FF2B5EF4-FFF2-40B4-BE49-F238E27FC236}">
+                <a16:creationId xmlns:a16="http://schemas.microsoft.com/office/drawing/2014/main" id="{CA3C1361-B4B3-4FA4-B26C-380E21721D41}"/>
+              </a:ext>
+            </a:extLst>
+          </p:cNvPr>
+          <p:cNvCxnSpPr>
+            <a:stCxn id="1038" idx="3"/>
+            <a:endCxn id="22" idx="1"/>
+          </p:cNvCxnSpPr>
+          <p:nvPr/>
+        </p:nvCxnSpPr>
+        <p:spPr>
+          <a:xfrm flipV="1">
+            <a:off x="5342600" y="3314700"/>
+            <a:ext cx="1667800" cy="7767"/>
+          </a:xfrm>
+          <a:prstGeom prst="straightConnector1">
+            <a:avLst/>
+          </a:prstGeom>
+          <a:ln>
+            <a:tailEnd type="triangle"/>
+          </a:ln>
+        </p:spPr>
+        <p:style>
+          <a:lnRef idx="1">
+            <a:schemeClr val="accent1"/>
+          </a:lnRef>
+          <a:fillRef idx="0">
+            <a:schemeClr val="accent1"/>
+          </a:fillRef>
+          <a:effectRef idx="0">
+            <a:schemeClr val="accent1"/>
+          </a:effectRef>
+          <a:fontRef idx="minor">
+            <a:schemeClr val="tx1"/>
+          </a:fontRef>
+        </p:style>
+      </p:cxnSp>
+      <p:cxnSp>
+        <p:nvCxnSpPr>
+          <p:cNvPr id="23" name="Straight Connector 22">
+            <a:extLst>
+              <a:ext uri="{FF2B5EF4-FFF2-40B4-BE49-F238E27FC236}">
+                <a16:creationId xmlns:a16="http://schemas.microsoft.com/office/drawing/2014/main" id="{2F483661-8B57-4D41-8C50-C7739BB2C923}"/>
+              </a:ext>
+            </a:extLst>
+          </p:cNvPr>
+          <p:cNvCxnSpPr>
+            <a:stCxn id="22" idx="0"/>
+            <a:endCxn id="1026" idx="2"/>
+          </p:cNvCxnSpPr>
+          <p:nvPr/>
+        </p:nvCxnSpPr>
+        <p:spPr>
+          <a:xfrm flipH="1" flipV="1">
+            <a:off x="7407679" y="1600755"/>
+            <a:ext cx="7534" cy="1309132"/>
+          </a:xfrm>
+          <a:prstGeom prst="line">
+            <a:avLst/>
+          </a:prstGeom>
+        </p:spPr>
+        <p:style>
+          <a:lnRef idx="1">
+            <a:schemeClr val="accent1"/>
+          </a:lnRef>
+          <a:fillRef idx="0">
+            <a:schemeClr val="accent1"/>
+          </a:fillRef>
+          <a:effectRef idx="0">
+            <a:schemeClr val="accent1"/>
+          </a:effectRef>
+          <a:fontRef idx="minor">
+            <a:schemeClr val="tx1"/>
+          </a:fontRef>
+        </p:style>
+      </p:cxnSp>
+      <p:cxnSp>
+        <p:nvCxnSpPr>
+          <p:cNvPr id="25" name="Straight Connector 24">
+            <a:extLst>
+              <a:ext uri="{FF2B5EF4-FFF2-40B4-BE49-F238E27FC236}">
+                <a16:creationId xmlns:a16="http://schemas.microsoft.com/office/drawing/2014/main" id="{AD8FDBDF-5F0D-40AB-9D7D-DDD3F4E13427}"/>
+              </a:ext>
+            </a:extLst>
+          </p:cNvPr>
+          <p:cNvCxnSpPr>
+            <a:stCxn id="22" idx="3"/>
+          </p:cNvCxnSpPr>
+          <p:nvPr/>
+        </p:nvCxnSpPr>
+        <p:spPr>
+          <a:xfrm flipV="1">
+            <a:off x="7820025" y="3310354"/>
+            <a:ext cx="3410227" cy="4346"/>
+          </a:xfrm>
+          <a:prstGeom prst="line">
+            <a:avLst/>
+          </a:prstGeom>
+        </p:spPr>
+        <p:style>
+          <a:lnRef idx="1">
+            <a:schemeClr val="accent1"/>
+          </a:lnRef>
+          <a:fillRef idx="0">
+            <a:schemeClr val="accent1"/>
+          </a:fillRef>
+          <a:effectRef idx="0">
+            <a:schemeClr val="accent1"/>
+          </a:effectRef>
+          <a:fontRef idx="minor">
+            <a:schemeClr val="tx1"/>
+          </a:fontRef>
+        </p:style>
+      </p:cxnSp>
+      <p:cxnSp>
+        <p:nvCxnSpPr>
+          <p:cNvPr id="27" name="Straight Arrow Connector 26">
+            <a:extLst>
+              <a:ext uri="{FF2B5EF4-FFF2-40B4-BE49-F238E27FC236}">
+                <a16:creationId xmlns:a16="http://schemas.microsoft.com/office/drawing/2014/main" id="{5F54C63E-4E1E-4F55-8B8C-F6DE5148321D}"/>
+              </a:ext>
+            </a:extLst>
+          </p:cNvPr>
+          <p:cNvCxnSpPr>
+            <a:cxnSpLocks/>
+            <a:endCxn id="1034" idx="0"/>
+          </p:cNvCxnSpPr>
+          <p:nvPr/>
+        </p:nvCxnSpPr>
+        <p:spPr>
+          <a:xfrm>
+            <a:off x="11231128" y="3310354"/>
+            <a:ext cx="0" cy="823496"/>
+          </a:xfrm>
+          <a:prstGeom prst="straightConnector1">
+            <a:avLst/>
+          </a:prstGeom>
+          <a:ln>
+            <a:tailEnd type="triangle"/>
+          </a:ln>
+        </p:spPr>
+        <p:style>
+          <a:lnRef idx="1">
+            <a:schemeClr val="accent1"/>
+          </a:lnRef>
+          <a:fillRef idx="0">
+            <a:schemeClr val="accent1"/>
+          </a:fillRef>
+          <a:effectRef idx="0">
+            <a:schemeClr val="accent1"/>
+          </a:effectRef>
+          <a:fontRef idx="minor">
+            <a:schemeClr val="tx1"/>
+          </a:fontRef>
+        </p:style>
+      </p:cxnSp>
+      <p:cxnSp>
+        <p:nvCxnSpPr>
+          <p:cNvPr id="31" name="Straight Arrow Connector 30">
+            <a:extLst>
+              <a:ext uri="{FF2B5EF4-FFF2-40B4-BE49-F238E27FC236}">
+                <a16:creationId xmlns:a16="http://schemas.microsoft.com/office/drawing/2014/main" id="{81181B99-2E64-4D8E-95D2-886A82108D74}"/>
+              </a:ext>
+            </a:extLst>
+          </p:cNvPr>
+          <p:cNvCxnSpPr>
+            <a:cxnSpLocks/>
+            <a:endCxn id="1030" idx="2"/>
+          </p:cNvCxnSpPr>
+          <p:nvPr/>
+        </p:nvCxnSpPr>
+        <p:spPr>
+          <a:xfrm flipH="1" flipV="1">
+            <a:off x="11193633" y="2168278"/>
+            <a:ext cx="34314" cy="1151002"/>
+          </a:xfrm>
+          <a:prstGeom prst="straightConnector1">
+            <a:avLst/>
+          </a:prstGeom>
+          <a:ln>
+            <a:tailEnd type="triangle"/>
+          </a:ln>
+        </p:spPr>
+        <p:style>
+          <a:lnRef idx="1">
+            <a:schemeClr val="accent1"/>
+          </a:lnRef>
+          <a:fillRef idx="0">
+            <a:schemeClr val="accent1"/>
+          </a:fillRef>
+          <a:effectRef idx="0">
+            <a:schemeClr val="accent1"/>
+          </a:effectRef>
+          <a:fontRef idx="minor">
+            <a:schemeClr val="tx1"/>
+          </a:fontRef>
+        </p:style>
+      </p:cxnSp>
+      <p:pic>
+        <p:nvPicPr>
+          <p:cNvPr id="34" name="Picture 33">
+            <a:extLst>
+              <a:ext uri="{FF2B5EF4-FFF2-40B4-BE49-F238E27FC236}">
+                <a16:creationId xmlns:a16="http://schemas.microsoft.com/office/drawing/2014/main" id="{A10FAD3F-80E8-4AB7-9378-CE942120ACC3}"/>
+              </a:ext>
+            </a:extLst>
+          </p:cNvPr>
+          <p:cNvPicPr>
+            <a:picLocks noChangeAspect="1"/>
+          </p:cNvPicPr>
+          <p:nvPr/>
+        </p:nvPicPr>
+        <p:blipFill>
+          <a:blip r:embed="rId10"/>
+          <a:stretch>
+            <a:fillRect/>
+          </a:stretch>
+        </p:blipFill>
+        <p:spPr>
+          <a:xfrm>
+            <a:off x="1166795" y="188527"/>
+            <a:ext cx="2785533" cy="1380576"/>
+          </a:xfrm>
+          <a:prstGeom prst="rect">
+            <a:avLst/>
+          </a:prstGeom>
+          <a:solidFill>
+            <a:srgbClr val="FFFFFF">
+              <a:shade val="85000"/>
+            </a:srgbClr>
+          </a:solidFill>
+          <a:ln w="190500" cap="rnd">
+            <a:solidFill>
+              <a:srgbClr val="FFFFFF"/>
+            </a:solidFill>
+          </a:ln>
+          <a:effectLst>
+            <a:outerShdw blurRad="50000" algn="tl" rotWithShape="0">
+              <a:srgbClr val="000000">
+                <a:alpha val="41000"/>
+              </a:srgbClr>
+            </a:outerShdw>
+          </a:effectLst>
+          <a:scene3d>
+            <a:camera prst="orthographicFront"/>
+            <a:lightRig rig="twoPt" dir="t">
+              <a:rot lat="0" lon="0" rev="7800000"/>
+            </a:lightRig>
+          </a:scene3d>
+          <a:sp3d contourW="6350">
+            <a:bevelT w="50800" h="16510"/>
+            <a:contourClr>
+              <a:srgbClr val="C0C0C0"/>
+            </a:contourClr>
+          </a:sp3d>
+        </p:spPr>
+      </p:pic>
+      <p:sp>
+        <p:nvSpPr>
+          <p:cNvPr id="45" name="Heptagon 44">
+            <a:extLst>
+              <a:ext uri="{FF2B5EF4-FFF2-40B4-BE49-F238E27FC236}">
+                <a16:creationId xmlns:a16="http://schemas.microsoft.com/office/drawing/2014/main" id="{E7A80D65-5ADB-4DCD-A7A2-5DFBCA0C9B8D}"/>
+              </a:ext>
+            </a:extLst>
+          </p:cNvPr>
+          <p:cNvSpPr/>
+          <p:nvPr/>
+        </p:nvSpPr>
+        <p:spPr>
+          <a:xfrm>
+            <a:off x="1862260" y="2851743"/>
+            <a:ext cx="307435" cy="344102"/>
+          </a:xfrm>
+          <a:prstGeom prst="heptagon">
+            <a:avLst/>
+          </a:prstGeom>
+        </p:spPr>
+        <p:style>
+          <a:lnRef idx="2">
+            <a:schemeClr val="accent1">
+              <a:shade val="50000"/>
+            </a:schemeClr>
+          </a:lnRef>
+          <a:fillRef idx="1">
+            <a:schemeClr val="accent1"/>
+          </a:fillRef>
+          <a:effectRef idx="0">
+            <a:schemeClr val="accent1"/>
+          </a:effectRef>
+          <a:fontRef idx="minor">
+            <a:schemeClr val="lt1"/>
+          </a:fontRef>
+        </p:style>
+        <p:txBody>
+          <a:bodyPr rtlCol="0" anchor="ctr"/>
+          <a:lstStyle/>
+          <a:p>
+            <a:pPr algn="ctr"/>
+            <a:r>
+              <a:rPr lang="en-US" dirty="0"/>
+              <a:t>2</a:t>
+            </a:r>
+          </a:p>
+        </p:txBody>
+      </p:sp>
+      <p:sp>
+        <p:nvSpPr>
+          <p:cNvPr id="46" name="Heptagon 45">
+            <a:extLst>
+              <a:ext uri="{FF2B5EF4-FFF2-40B4-BE49-F238E27FC236}">
+                <a16:creationId xmlns:a16="http://schemas.microsoft.com/office/drawing/2014/main" id="{41E19403-B49B-4C20-BB68-98A12476BA78}"/>
+              </a:ext>
+            </a:extLst>
+          </p:cNvPr>
+          <p:cNvSpPr/>
+          <p:nvPr/>
+        </p:nvSpPr>
+        <p:spPr>
+          <a:xfrm>
+            <a:off x="1862260" y="4546685"/>
+            <a:ext cx="307435" cy="344102"/>
+          </a:xfrm>
+          <a:prstGeom prst="heptagon">
+            <a:avLst/>
+          </a:prstGeom>
+        </p:spPr>
+        <p:style>
+          <a:lnRef idx="2">
+            <a:schemeClr val="accent1">
+              <a:shade val="50000"/>
+            </a:schemeClr>
+          </a:lnRef>
+          <a:fillRef idx="1">
+            <a:schemeClr val="accent1"/>
+          </a:fillRef>
+          <a:effectRef idx="0">
+            <a:schemeClr val="accent1"/>
+          </a:effectRef>
+          <a:fontRef idx="minor">
+            <a:schemeClr val="lt1"/>
+          </a:fontRef>
+        </p:style>
+        <p:txBody>
+          <a:bodyPr rtlCol="0" anchor="ctr"/>
+          <a:lstStyle/>
+          <a:p>
+            <a:pPr algn="ctr"/>
+            <a:r>
+              <a:rPr lang="en-US" dirty="0"/>
+              <a:t>3</a:t>
+            </a:r>
+          </a:p>
+        </p:txBody>
+      </p:sp>
+      <p:sp>
+        <p:nvSpPr>
+          <p:cNvPr id="47" name="Heptagon 46">
+            <a:extLst>
+              <a:ext uri="{FF2B5EF4-FFF2-40B4-BE49-F238E27FC236}">
+                <a16:creationId xmlns:a16="http://schemas.microsoft.com/office/drawing/2014/main" id="{AB00409F-5084-44E7-90AA-34000E295530}"/>
+              </a:ext>
+            </a:extLst>
+          </p:cNvPr>
+          <p:cNvSpPr/>
+          <p:nvPr/>
+        </p:nvSpPr>
+        <p:spPr>
+          <a:xfrm>
+            <a:off x="5202778" y="2846650"/>
+            <a:ext cx="307435" cy="344102"/>
+          </a:xfrm>
+          <a:prstGeom prst="heptagon">
+            <a:avLst/>
+          </a:prstGeom>
+        </p:spPr>
+        <p:style>
+          <a:lnRef idx="2">
+            <a:schemeClr val="accent1">
+              <a:shade val="50000"/>
+            </a:schemeClr>
+          </a:lnRef>
+          <a:fillRef idx="1">
+            <a:schemeClr val="accent1"/>
+          </a:fillRef>
+          <a:effectRef idx="0">
+            <a:schemeClr val="accent1"/>
+          </a:effectRef>
+          <a:fontRef idx="minor">
+            <a:schemeClr val="lt1"/>
+          </a:fontRef>
+        </p:style>
+        <p:txBody>
+          <a:bodyPr rtlCol="0" anchor="ctr"/>
+          <a:lstStyle/>
+          <a:p>
+            <a:pPr algn="ctr"/>
+            <a:r>
+              <a:rPr lang="en-US" dirty="0"/>
+              <a:t>4</a:t>
+            </a:r>
+          </a:p>
+        </p:txBody>
+      </p:sp>
+      <p:sp>
+        <p:nvSpPr>
+          <p:cNvPr id="48" name="Heptagon 47">
+            <a:extLst>
+              <a:ext uri="{FF2B5EF4-FFF2-40B4-BE49-F238E27FC236}">
+                <a16:creationId xmlns:a16="http://schemas.microsoft.com/office/drawing/2014/main" id="{7404ADED-C51D-46C9-8F7A-0B3E6F45A5B6}"/>
+              </a:ext>
+            </a:extLst>
+          </p:cNvPr>
+          <p:cNvSpPr/>
+          <p:nvPr/>
+        </p:nvSpPr>
+        <p:spPr>
+          <a:xfrm>
+            <a:off x="7859999" y="3605724"/>
+            <a:ext cx="307435" cy="344102"/>
+          </a:xfrm>
+          <a:prstGeom prst="heptagon">
+            <a:avLst/>
+          </a:prstGeom>
+        </p:spPr>
+        <p:style>
+          <a:lnRef idx="2">
+            <a:schemeClr val="accent1">
+              <a:shade val="50000"/>
+            </a:schemeClr>
+          </a:lnRef>
+          <a:fillRef idx="1">
+            <a:schemeClr val="accent1"/>
+          </a:fillRef>
+          <a:effectRef idx="0">
+            <a:schemeClr val="accent1"/>
+          </a:effectRef>
+          <a:fontRef idx="minor">
+            <a:schemeClr val="lt1"/>
+          </a:fontRef>
+        </p:style>
+        <p:txBody>
+          <a:bodyPr rtlCol="0" anchor="ctr"/>
+          <a:lstStyle/>
+          <a:p>
+            <a:pPr algn="ctr"/>
+            <a:r>
+              <a:rPr lang="en-US" dirty="0"/>
+              <a:t>5</a:t>
+            </a:r>
+          </a:p>
+        </p:txBody>
+      </p:sp>
+      <p:sp>
+        <p:nvSpPr>
+          <p:cNvPr id="49" name="Heptagon 48">
+            <a:extLst>
+              <a:ext uri="{FF2B5EF4-FFF2-40B4-BE49-F238E27FC236}">
+                <a16:creationId xmlns:a16="http://schemas.microsoft.com/office/drawing/2014/main" id="{2E4FEFBF-5DA1-4129-9427-C54B20A39168}"/>
+              </a:ext>
+            </a:extLst>
+          </p:cNvPr>
+          <p:cNvSpPr/>
+          <p:nvPr/>
+        </p:nvSpPr>
+        <p:spPr>
+          <a:xfrm>
+            <a:off x="7859999" y="926663"/>
+            <a:ext cx="307435" cy="344102"/>
+          </a:xfrm>
+          <a:prstGeom prst="heptagon">
+            <a:avLst/>
+          </a:prstGeom>
+        </p:spPr>
+        <p:style>
+          <a:lnRef idx="2">
+            <a:schemeClr val="accent1">
+              <a:shade val="50000"/>
+            </a:schemeClr>
+          </a:lnRef>
+          <a:fillRef idx="1">
+            <a:schemeClr val="accent1"/>
+          </a:fillRef>
+          <a:effectRef idx="0">
+            <a:schemeClr val="accent1"/>
+          </a:effectRef>
+          <a:fontRef idx="minor">
+            <a:schemeClr val="lt1"/>
+          </a:fontRef>
+        </p:style>
+        <p:txBody>
+          <a:bodyPr rtlCol="0" anchor="ctr"/>
+          <a:lstStyle/>
+          <a:p>
+            <a:pPr algn="ctr"/>
+            <a:r>
+              <a:rPr lang="en-US" dirty="0"/>
+              <a:t>6</a:t>
+            </a:r>
+          </a:p>
+        </p:txBody>
+      </p:sp>
+      <p:sp>
+        <p:nvSpPr>
+          <p:cNvPr id="50" name="Heptagon 49">
+            <a:extLst>
+              <a:ext uri="{FF2B5EF4-FFF2-40B4-BE49-F238E27FC236}">
+                <a16:creationId xmlns:a16="http://schemas.microsoft.com/office/drawing/2014/main" id="{A5EF7CE5-E060-4730-979F-55F63D3F4A68}"/>
+              </a:ext>
+            </a:extLst>
+          </p:cNvPr>
+          <p:cNvSpPr/>
+          <p:nvPr/>
+        </p:nvSpPr>
+        <p:spPr>
+          <a:xfrm>
+            <a:off x="10548060" y="4317947"/>
+            <a:ext cx="307435" cy="344102"/>
+          </a:xfrm>
+          <a:prstGeom prst="heptagon">
+            <a:avLst/>
+          </a:prstGeom>
+        </p:spPr>
+        <p:style>
+          <a:lnRef idx="2">
+            <a:schemeClr val="accent1">
+              <a:shade val="50000"/>
+            </a:schemeClr>
+          </a:lnRef>
+          <a:fillRef idx="1">
+            <a:schemeClr val="accent1"/>
+          </a:fillRef>
+          <a:effectRef idx="0">
+            <a:schemeClr val="accent1"/>
+          </a:effectRef>
+          <a:fontRef idx="minor">
+            <a:schemeClr val="lt1"/>
+          </a:fontRef>
+        </p:style>
+        <p:txBody>
+          <a:bodyPr rtlCol="0" anchor="ctr"/>
+          <a:lstStyle/>
+          <a:p>
+            <a:pPr algn="ctr"/>
+            <a:r>
+              <a:rPr lang="en-US" dirty="0"/>
+              <a:t>7</a:t>
+            </a:r>
+          </a:p>
+        </p:txBody>
+      </p:sp>
+      <p:sp>
+        <p:nvSpPr>
+          <p:cNvPr id="51" name="Heptagon 50">
+            <a:extLst>
+              <a:ext uri="{FF2B5EF4-FFF2-40B4-BE49-F238E27FC236}">
+                <a16:creationId xmlns:a16="http://schemas.microsoft.com/office/drawing/2014/main" id="{8D2FB13D-418E-4D18-87A2-A19F8511A8E0}"/>
+              </a:ext>
+            </a:extLst>
+          </p:cNvPr>
+          <p:cNvSpPr/>
+          <p:nvPr/>
+        </p:nvSpPr>
+        <p:spPr>
+          <a:xfrm>
+            <a:off x="568040" y="285164"/>
+            <a:ext cx="307435" cy="344102"/>
+          </a:xfrm>
+          <a:prstGeom prst="heptagon">
+            <a:avLst/>
+          </a:prstGeom>
+        </p:spPr>
+        <p:style>
+          <a:lnRef idx="2">
+            <a:schemeClr val="accent1">
+              <a:shade val="50000"/>
+            </a:schemeClr>
+          </a:lnRef>
+          <a:fillRef idx="1">
+            <a:schemeClr val="accent1"/>
+          </a:fillRef>
+          <a:effectRef idx="0">
+            <a:schemeClr val="accent1"/>
+          </a:effectRef>
+          <a:fontRef idx="minor">
+            <a:schemeClr val="lt1"/>
+          </a:fontRef>
+        </p:style>
+        <p:txBody>
+          <a:bodyPr rtlCol="0" anchor="ctr"/>
+          <a:lstStyle/>
+          <a:p>
+            <a:pPr algn="ctr"/>
+            <a:r>
+              <a:rPr lang="en-US" dirty="0"/>
+              <a:t>9</a:t>
+            </a:r>
+          </a:p>
+        </p:txBody>
+      </p:sp>
+      <p:sp>
+        <p:nvSpPr>
+          <p:cNvPr id="35" name="TextBox 34">
+            <a:extLst>
+              <a:ext uri="{FF2B5EF4-FFF2-40B4-BE49-F238E27FC236}">
+                <a16:creationId xmlns:a16="http://schemas.microsoft.com/office/drawing/2014/main" id="{E2F5F6A0-D510-4DE5-B9DB-EE0C0D374DC9}"/>
+              </a:ext>
+            </a:extLst>
+          </p:cNvPr>
+          <p:cNvSpPr txBox="1"/>
+          <p:nvPr/>
+        </p:nvSpPr>
+        <p:spPr>
+          <a:xfrm>
+            <a:off x="3381328" y="2725855"/>
+            <a:ext cx="502061" cy="276999"/>
+          </a:xfrm>
+          <a:prstGeom prst="rect">
+            <a:avLst/>
+          </a:prstGeom>
+          <a:noFill/>
+        </p:spPr>
+        <p:txBody>
+          <a:bodyPr wrap="none" rtlCol="0">
+            <a:spAutoFit/>
+          </a:bodyPr>
+          <a:lstStyle/>
+          <a:p>
+            <a:r>
+              <a:rPr lang="en-US" sz="1200" dirty="0">
+                <a:solidFill>
+                  <a:srgbClr val="002060"/>
+                </a:solidFill>
+                <a:latin typeface="Verdana" panose="020B0604030504040204" pitchFamily="34" charset="0"/>
+                <a:ea typeface="Verdana" panose="020B0604030504040204" pitchFamily="34" charset="0"/>
+              </a:rPr>
+              <a:t>JWT</a:t>
+            </a:r>
+          </a:p>
+        </p:txBody>
+      </p:sp>
+      <p:sp>
+        <p:nvSpPr>
+          <p:cNvPr id="29" name="TextBox 28">
+            <a:extLst>
+              <a:ext uri="{FF2B5EF4-FFF2-40B4-BE49-F238E27FC236}">
+                <a16:creationId xmlns:a16="http://schemas.microsoft.com/office/drawing/2014/main" id="{73DEDEAB-57DE-46F8-9469-78112F7FEB52}"/>
+              </a:ext>
+            </a:extLst>
+          </p:cNvPr>
+          <p:cNvSpPr txBox="1"/>
+          <p:nvPr/>
+        </p:nvSpPr>
+        <p:spPr>
+          <a:xfrm>
+            <a:off x="1943299" y="2511094"/>
+            <a:ext cx="1206741" cy="276999"/>
+          </a:xfrm>
+          <a:prstGeom prst="rect">
+            <a:avLst/>
+          </a:prstGeom>
+          <a:noFill/>
+        </p:spPr>
+        <p:txBody>
+          <a:bodyPr wrap="none" rtlCol="0">
+            <a:spAutoFit/>
+          </a:bodyPr>
+          <a:lstStyle/>
+          <a:p>
+            <a:r>
+              <a:rPr lang="en-US" sz="1200" dirty="0">
+                <a:solidFill>
+                  <a:srgbClr val="002060"/>
+                </a:solidFill>
+                <a:latin typeface="Verdana" panose="020B0604030504040204" pitchFamily="34" charset="0"/>
+                <a:ea typeface="Verdana" panose="020B0604030504040204" pitchFamily="34" charset="0"/>
+              </a:rPr>
+              <a:t>Blazor WASM</a:t>
+            </a:r>
+          </a:p>
+        </p:txBody>
+      </p:sp>
+      <p:sp>
+        <p:nvSpPr>
+          <p:cNvPr id="30" name="TextBox 29">
+            <a:extLst>
+              <a:ext uri="{FF2B5EF4-FFF2-40B4-BE49-F238E27FC236}">
+                <a16:creationId xmlns:a16="http://schemas.microsoft.com/office/drawing/2014/main" id="{9380F401-B30D-4061-B24C-F39F66577851}"/>
+              </a:ext>
+            </a:extLst>
+          </p:cNvPr>
+          <p:cNvSpPr txBox="1"/>
+          <p:nvPr/>
+        </p:nvSpPr>
+        <p:spPr>
+          <a:xfrm>
+            <a:off x="4473098" y="3754821"/>
+            <a:ext cx="938077" cy="276999"/>
+          </a:xfrm>
+          <a:prstGeom prst="rect">
+            <a:avLst/>
+          </a:prstGeom>
+          <a:noFill/>
+        </p:spPr>
+        <p:txBody>
+          <a:bodyPr wrap="none" rtlCol="0">
+            <a:spAutoFit/>
+          </a:bodyPr>
+          <a:lstStyle/>
+          <a:p>
+            <a:r>
+              <a:rPr lang="en-US" sz="1200" dirty="0">
+                <a:solidFill>
+                  <a:srgbClr val="002060"/>
+                </a:solidFill>
+                <a:latin typeface="Verdana" panose="020B0604030504040204" pitchFamily="34" charset="0"/>
+                <a:ea typeface="Verdana" panose="020B0604030504040204" pitchFamily="34" charset="0"/>
+              </a:rPr>
+              <a:t>API Mgmt</a:t>
+            </a:r>
+          </a:p>
+        </p:txBody>
+      </p:sp>
+      <p:sp>
+        <p:nvSpPr>
+          <p:cNvPr id="32" name="TextBox 31">
+            <a:extLst>
+              <a:ext uri="{FF2B5EF4-FFF2-40B4-BE49-F238E27FC236}">
+                <a16:creationId xmlns:a16="http://schemas.microsoft.com/office/drawing/2014/main" id="{7ACD62D2-6EA3-462B-9EE3-1AE82A658BDE}"/>
+              </a:ext>
+            </a:extLst>
+          </p:cNvPr>
+          <p:cNvSpPr txBox="1"/>
+          <p:nvPr/>
+        </p:nvSpPr>
+        <p:spPr>
+          <a:xfrm>
+            <a:off x="6984279" y="3753973"/>
+            <a:ext cx="834396" cy="276999"/>
+          </a:xfrm>
+          <a:prstGeom prst="rect">
+            <a:avLst/>
+          </a:prstGeom>
+          <a:noFill/>
+        </p:spPr>
+        <p:txBody>
+          <a:bodyPr wrap="none" rtlCol="0">
+            <a:spAutoFit/>
+          </a:bodyPr>
+          <a:lstStyle/>
+          <a:p>
+            <a:r>
+              <a:rPr lang="en-US" sz="1200" dirty="0">
+                <a:solidFill>
+                  <a:srgbClr val="002060"/>
+                </a:solidFill>
+                <a:latin typeface="Verdana" panose="020B0604030504040204" pitchFamily="34" charset="0"/>
+                <a:ea typeface="Verdana" panose="020B0604030504040204" pitchFamily="34" charset="0"/>
+              </a:rPr>
+              <a:t>Web API</a:t>
+            </a:r>
+          </a:p>
+        </p:txBody>
+      </p:sp>
+      <p:sp>
+        <p:nvSpPr>
+          <p:cNvPr id="33" name="TextBox 32">
+            <a:extLst>
+              <a:ext uri="{FF2B5EF4-FFF2-40B4-BE49-F238E27FC236}">
+                <a16:creationId xmlns:a16="http://schemas.microsoft.com/office/drawing/2014/main" id="{B2F4BAD8-B680-472E-AAAA-BA6C3042BA54}"/>
+              </a:ext>
+            </a:extLst>
+          </p:cNvPr>
+          <p:cNvSpPr txBox="1"/>
+          <p:nvPr/>
+        </p:nvSpPr>
+        <p:spPr>
+          <a:xfrm>
+            <a:off x="6657173" y="530691"/>
+            <a:ext cx="1411027" cy="276999"/>
+          </a:xfrm>
+          <a:prstGeom prst="rect">
+            <a:avLst/>
+          </a:prstGeom>
+          <a:noFill/>
+        </p:spPr>
+        <p:txBody>
+          <a:bodyPr wrap="none" rtlCol="0">
+            <a:spAutoFit/>
+          </a:bodyPr>
+          <a:lstStyle/>
+          <a:p>
+            <a:r>
+              <a:rPr lang="en-US" sz="1200" dirty="0">
+                <a:solidFill>
+                  <a:srgbClr val="002060"/>
+                </a:solidFill>
+                <a:latin typeface="Verdana" panose="020B0604030504040204" pitchFamily="34" charset="0"/>
+                <a:ea typeface="Verdana" panose="020B0604030504040204" pitchFamily="34" charset="0"/>
+              </a:rPr>
+              <a:t>Azure Key Vault</a:t>
+            </a:r>
+          </a:p>
+        </p:txBody>
+      </p:sp>
+      <p:sp>
+        <p:nvSpPr>
+          <p:cNvPr id="36" name="TextBox 35">
+            <a:extLst>
+              <a:ext uri="{FF2B5EF4-FFF2-40B4-BE49-F238E27FC236}">
+                <a16:creationId xmlns:a16="http://schemas.microsoft.com/office/drawing/2014/main" id="{84BB2DD0-C9FA-4D1D-9F0F-A0CE16591369}"/>
+              </a:ext>
+            </a:extLst>
+          </p:cNvPr>
+          <p:cNvSpPr txBox="1"/>
+          <p:nvPr/>
+        </p:nvSpPr>
+        <p:spPr>
+          <a:xfrm>
+            <a:off x="10316252" y="1204326"/>
+            <a:ext cx="1617174" cy="276999"/>
+          </a:xfrm>
+          <a:prstGeom prst="rect">
+            <a:avLst/>
+          </a:prstGeom>
+          <a:noFill/>
+        </p:spPr>
+        <p:txBody>
+          <a:bodyPr wrap="none" rtlCol="0">
+            <a:spAutoFit/>
+          </a:bodyPr>
+          <a:lstStyle/>
+          <a:p>
+            <a:r>
+              <a:rPr lang="en-US" sz="1200" dirty="0">
+                <a:solidFill>
+                  <a:srgbClr val="002060"/>
+                </a:solidFill>
+                <a:latin typeface="Verdana" panose="020B0604030504040204" pitchFamily="34" charset="0"/>
+                <a:ea typeface="Verdana" panose="020B0604030504040204" pitchFamily="34" charset="0"/>
+              </a:rPr>
+              <a:t>Azure Redis Cache</a:t>
+            </a:r>
+          </a:p>
+        </p:txBody>
+      </p:sp>
+      <p:sp>
+        <p:nvSpPr>
+          <p:cNvPr id="37" name="TextBox 36">
+            <a:extLst>
+              <a:ext uri="{FF2B5EF4-FFF2-40B4-BE49-F238E27FC236}">
+                <a16:creationId xmlns:a16="http://schemas.microsoft.com/office/drawing/2014/main" id="{E472F245-397E-4CEE-88C2-F7D04A607F7F}"/>
+              </a:ext>
+            </a:extLst>
+          </p:cNvPr>
+          <p:cNvSpPr txBox="1"/>
+          <p:nvPr/>
+        </p:nvSpPr>
+        <p:spPr>
+          <a:xfrm>
+            <a:off x="10440540" y="4800928"/>
+            <a:ext cx="1557093" cy="276999"/>
+          </a:xfrm>
+          <a:prstGeom prst="rect">
+            <a:avLst/>
+          </a:prstGeom>
+          <a:noFill/>
+        </p:spPr>
+        <p:txBody>
+          <a:bodyPr wrap="none" rtlCol="0">
+            <a:spAutoFit/>
+          </a:bodyPr>
+          <a:lstStyle/>
+          <a:p>
+            <a:r>
+              <a:rPr lang="en-US" sz="1200" dirty="0">
+                <a:solidFill>
+                  <a:srgbClr val="002060"/>
+                </a:solidFill>
+                <a:latin typeface="Verdana" panose="020B0604030504040204" pitchFamily="34" charset="0"/>
+                <a:ea typeface="Verdana" panose="020B0604030504040204" pitchFamily="34" charset="0"/>
+              </a:rPr>
+              <a:t>Azure SQL Server</a:t>
+            </a:r>
+          </a:p>
+        </p:txBody>
+      </p:sp>
+      <p:sp>
+        <p:nvSpPr>
+          <p:cNvPr id="3" name="TextBox 2">
+            <a:extLst>
+              <a:ext uri="{FF2B5EF4-FFF2-40B4-BE49-F238E27FC236}">
+                <a16:creationId xmlns:a16="http://schemas.microsoft.com/office/drawing/2014/main" id="{45480DDA-EA19-4760-9EF2-DBA83BCE9A76}"/>
+              </a:ext>
+            </a:extLst>
+          </p:cNvPr>
+          <p:cNvSpPr txBox="1"/>
+          <p:nvPr/>
+        </p:nvSpPr>
+        <p:spPr>
+          <a:xfrm>
+            <a:off x="497150" y="5406499"/>
+            <a:ext cx="7295330" cy="1200329"/>
+          </a:xfrm>
+          <a:prstGeom prst="rect">
+            <a:avLst/>
+          </a:prstGeom>
+          <a:noFill/>
+          <a:ln>
+            <a:solidFill>
+              <a:srgbClr val="002060"/>
+            </a:solidFill>
+          </a:ln>
+        </p:spPr>
+        <p:txBody>
+          <a:bodyPr wrap="none" rtlCol="0">
+            <a:spAutoFit/>
+          </a:bodyPr>
+          <a:lstStyle/>
+          <a:p>
+            <a:r>
+              <a:rPr lang="en-US" sz="1200" b="1" u="sng" dirty="0">
+                <a:solidFill>
+                  <a:srgbClr val="002060"/>
+                </a:solidFill>
+                <a:latin typeface="Verdana" panose="020B0604030504040204" pitchFamily="34" charset="0"/>
+                <a:ea typeface="Verdana" panose="020B0604030504040204" pitchFamily="34" charset="0"/>
+              </a:rPr>
+              <a:t>High Lights:</a:t>
+            </a:r>
+          </a:p>
+          <a:p>
+            <a:pPr marL="228600" indent="-228600">
+              <a:buAutoNum type="arabicPeriod"/>
+            </a:pPr>
+            <a:r>
+              <a:rPr lang="en-US" sz="1200" dirty="0">
+                <a:solidFill>
+                  <a:srgbClr val="002060"/>
+                </a:solidFill>
+                <a:latin typeface="Verdana" panose="020B0604030504040204" pitchFamily="34" charset="0"/>
+                <a:ea typeface="Verdana" panose="020B0604030504040204" pitchFamily="34" charset="0"/>
+              </a:rPr>
+              <a:t>Blazor WASM UI get authenticated and pass the JWT to APIM.</a:t>
+            </a:r>
+          </a:p>
+          <a:p>
+            <a:pPr marL="228600" indent="-228600">
+              <a:buAutoNum type="arabicPeriod"/>
+            </a:pPr>
+            <a:r>
+              <a:rPr lang="en-US" sz="1200" dirty="0">
+                <a:solidFill>
+                  <a:srgbClr val="002060"/>
+                </a:solidFill>
+                <a:latin typeface="Verdana" panose="020B0604030504040204" pitchFamily="34" charset="0"/>
+                <a:ea typeface="Verdana" panose="020B0604030504040204" pitchFamily="34" charset="0"/>
+              </a:rPr>
+              <a:t>APIM Validates the JWT and routes the request to Web API.</a:t>
+            </a:r>
+          </a:p>
+          <a:p>
+            <a:pPr marL="228600" indent="-228600">
+              <a:buAutoNum type="arabicPeriod"/>
+            </a:pPr>
+            <a:r>
+              <a:rPr lang="en-US" sz="1200" dirty="0">
+                <a:solidFill>
+                  <a:srgbClr val="002060"/>
+                </a:solidFill>
+                <a:latin typeface="Verdana" panose="020B0604030504040204" pitchFamily="34" charset="0"/>
+                <a:ea typeface="Verdana" panose="020B0604030504040204" pitchFamily="34" charset="0"/>
+              </a:rPr>
+              <a:t>SQL Server, and Redis Cache’s credentials are stored in Azure Key Vault.</a:t>
+            </a:r>
+          </a:p>
+          <a:p>
+            <a:pPr marL="228600" indent="-228600">
+              <a:buAutoNum type="arabicPeriod"/>
+            </a:pPr>
+            <a:r>
+              <a:rPr lang="en-US" sz="1200" dirty="0">
+                <a:solidFill>
+                  <a:srgbClr val="002060"/>
+                </a:solidFill>
+                <a:latin typeface="Verdana" panose="020B0604030504040204" pitchFamily="34" charset="0"/>
+                <a:ea typeface="Verdana" panose="020B0604030504040204" pitchFamily="34" charset="0"/>
+              </a:rPr>
+              <a:t>Web API investigates Azure Redis Cache before hitting SQL Azure. (Cache Aside Pattern)</a:t>
+            </a:r>
+          </a:p>
+          <a:p>
+            <a:pPr marL="228600" indent="-228600">
+              <a:buAutoNum type="arabicPeriod"/>
+            </a:pPr>
+            <a:r>
+              <a:rPr lang="en-US" sz="1200" dirty="0">
+                <a:solidFill>
+                  <a:srgbClr val="002060"/>
+                </a:solidFill>
+                <a:latin typeface="Verdana" panose="020B0604030504040204" pitchFamily="34" charset="0"/>
+                <a:ea typeface="Verdana" panose="020B0604030504040204" pitchFamily="34" charset="0"/>
+              </a:rPr>
+              <a:t>We will preform </a:t>
+            </a:r>
+            <a:r>
+              <a:rPr lang="en-US" sz="1200" dirty="0" err="1">
+                <a:solidFill>
+                  <a:srgbClr val="002060"/>
+                </a:solidFill>
+                <a:latin typeface="Verdana" panose="020B0604030504040204" pitchFamily="34" charset="0"/>
+                <a:ea typeface="Verdana" panose="020B0604030504040204" pitchFamily="34" charset="0"/>
+              </a:rPr>
+              <a:t>Dacpac</a:t>
+            </a:r>
+            <a:r>
+              <a:rPr lang="en-US" sz="1200" dirty="0">
+                <a:solidFill>
+                  <a:srgbClr val="002060"/>
+                </a:solidFill>
+                <a:latin typeface="Verdana" panose="020B0604030504040204" pitchFamily="34" charset="0"/>
+                <a:ea typeface="Verdana" panose="020B0604030504040204" pitchFamily="34" charset="0"/>
+              </a:rPr>
+              <a:t> (.</a:t>
+            </a:r>
+            <a:r>
+              <a:rPr lang="en-US" sz="1200" dirty="0" err="1">
+                <a:solidFill>
+                  <a:srgbClr val="002060"/>
+                </a:solidFill>
+                <a:latin typeface="Verdana" panose="020B0604030504040204" pitchFamily="34" charset="0"/>
+                <a:ea typeface="Verdana" panose="020B0604030504040204" pitchFamily="34" charset="0"/>
+              </a:rPr>
+              <a:t>sqlproj</a:t>
+            </a:r>
+            <a:r>
+              <a:rPr lang="en-US" sz="1200" dirty="0">
+                <a:solidFill>
+                  <a:srgbClr val="002060"/>
+                </a:solidFill>
+                <a:latin typeface="Verdana" panose="020B0604030504040204" pitchFamily="34" charset="0"/>
+                <a:ea typeface="Verdana" panose="020B0604030504040204" pitchFamily="34" charset="0"/>
+              </a:rPr>
+              <a:t>) for deployment of SQL Data Store.</a:t>
+            </a:r>
+          </a:p>
+        </p:txBody>
+      </p:sp>
+      <p:pic>
+        <p:nvPicPr>
+          <p:cNvPr id="2" name="Picture 2">
+            <a:extLst>
+              <a:ext uri="{FF2B5EF4-FFF2-40B4-BE49-F238E27FC236}">
+                <a16:creationId xmlns:a16="http://schemas.microsoft.com/office/drawing/2014/main" id="{BCFEBCAF-2E0F-4B75-8708-7FFA15FC75D0}"/>
+              </a:ext>
+            </a:extLst>
+          </p:cNvPr>
+          <p:cNvPicPr>
+            <a:picLocks noChangeAspect="1" noChangeArrowheads="1"/>
+          </p:cNvPicPr>
+          <p:nvPr/>
+        </p:nvPicPr>
+        <p:blipFill>
+          <a:blip r:embed="rId11">
+            <a:extLst>
+              <a:ext uri="{28A0092B-C50C-407E-A947-70E740481C1C}">
+                <a14:useLocalDpi xmlns:a14="http://schemas.microsoft.com/office/drawing/2010/main" val="0"/>
+              </a:ext>
+            </a:extLst>
+          </a:blip>
+          <a:srcRect/>
+          <a:stretch>
+            <a:fillRect/>
+          </a:stretch>
+        </p:blipFill>
+        <p:spPr bwMode="auto">
+          <a:xfrm>
+            <a:off x="2219093" y="4432621"/>
+            <a:ext cx="657225" cy="657225"/>
+          </a:xfrm>
+          <a:prstGeom prst="rect">
+            <a:avLst/>
+          </a:prstGeom>
+          <a:noFill/>
+          <a:extLst>
+            <a:ext uri="{909E8E84-426E-40DD-AFC4-6F175D3DCCD1}">
+              <a14:hiddenFill xmlns:a14="http://schemas.microsoft.com/office/drawing/2010/main">
+                <a:solidFill>
+                  <a:srgbClr val="FFFFFF"/>
+                </a:solidFill>
+              </a14:hiddenFill>
+            </a:ext>
+          </a:extLst>
+        </p:spPr>
+      </p:pic>
+      <p:cxnSp>
+        <p:nvCxnSpPr>
+          <p:cNvPr id="5" name="Straight Arrow Connector 4">
+            <a:extLst>
+              <a:ext uri="{FF2B5EF4-FFF2-40B4-BE49-F238E27FC236}">
+                <a16:creationId xmlns:a16="http://schemas.microsoft.com/office/drawing/2014/main" id="{59A50E47-D91D-4EA9-A6A2-1B5906E403ED}"/>
+              </a:ext>
+            </a:extLst>
+          </p:cNvPr>
+          <p:cNvCxnSpPr>
+            <a:stCxn id="1036" idx="2"/>
+            <a:endCxn id="2" idx="0"/>
+          </p:cNvCxnSpPr>
+          <p:nvPr/>
+        </p:nvCxnSpPr>
+        <p:spPr>
+          <a:xfrm flipH="1">
+            <a:off x="2547706" y="3715167"/>
+            <a:ext cx="1" cy="717454"/>
+          </a:xfrm>
+          <a:prstGeom prst="straightConnector1">
+            <a:avLst/>
+          </a:prstGeom>
+          <a:ln>
+            <a:tailEnd type="triangle"/>
+          </a:ln>
+        </p:spPr>
+        <p:style>
+          <a:lnRef idx="1">
+            <a:schemeClr val="accent1"/>
+          </a:lnRef>
+          <a:fillRef idx="0">
+            <a:schemeClr val="accent1"/>
+          </a:fillRef>
+          <a:effectRef idx="0">
+            <a:schemeClr val="accent1"/>
+          </a:effectRef>
+          <a:fontRef idx="minor">
+            <a:schemeClr val="tx1"/>
+          </a:fontRef>
+        </p:style>
+      </p:cxnSp>
+      <p:sp>
+        <p:nvSpPr>
+          <p:cNvPr id="38" name="TextBox 37">
+            <a:extLst>
+              <a:ext uri="{FF2B5EF4-FFF2-40B4-BE49-F238E27FC236}">
+                <a16:creationId xmlns:a16="http://schemas.microsoft.com/office/drawing/2014/main" id="{812281D3-9601-44ED-9C3E-6CC1CCD3B02D}"/>
+              </a:ext>
+            </a:extLst>
+          </p:cNvPr>
+          <p:cNvSpPr txBox="1"/>
+          <p:nvPr/>
+        </p:nvSpPr>
+        <p:spPr>
+          <a:xfrm>
+            <a:off x="2227245" y="4997807"/>
+            <a:ext cx="643959" cy="276999"/>
+          </a:xfrm>
+          <a:prstGeom prst="rect">
+            <a:avLst/>
+          </a:prstGeom>
+          <a:noFill/>
+        </p:spPr>
+        <p:txBody>
+          <a:bodyPr wrap="none" rtlCol="0">
+            <a:spAutoFit/>
+          </a:bodyPr>
+          <a:lstStyle/>
+          <a:p>
+            <a:r>
+              <a:rPr lang="en-US" sz="1200" dirty="0">
+                <a:solidFill>
+                  <a:srgbClr val="002060"/>
+                </a:solidFill>
+                <a:latin typeface="Verdana" panose="020B0604030504040204" pitchFamily="34" charset="0"/>
+                <a:ea typeface="Verdana" panose="020B0604030504040204" pitchFamily="34" charset="0"/>
+              </a:rPr>
+              <a:t>Auth0</a:t>
+            </a:r>
+          </a:p>
+        </p:txBody>
+      </p:sp>
+      <p:sp>
+        <p:nvSpPr>
+          <p:cNvPr id="40" name="Heptagon 39">
+            <a:extLst>
+              <a:ext uri="{FF2B5EF4-FFF2-40B4-BE49-F238E27FC236}">
+                <a16:creationId xmlns:a16="http://schemas.microsoft.com/office/drawing/2014/main" id="{267543E6-4F71-4DDC-8456-D8E02CC93FC0}"/>
+              </a:ext>
+            </a:extLst>
+          </p:cNvPr>
+          <p:cNvSpPr/>
+          <p:nvPr/>
+        </p:nvSpPr>
+        <p:spPr>
+          <a:xfrm>
+            <a:off x="10548060" y="1638846"/>
+            <a:ext cx="307435" cy="344102"/>
+          </a:xfrm>
+          <a:prstGeom prst="heptagon">
+            <a:avLst/>
+          </a:prstGeom>
+        </p:spPr>
+        <p:style>
+          <a:lnRef idx="2">
+            <a:schemeClr val="accent1">
+              <a:shade val="50000"/>
+            </a:schemeClr>
+          </a:lnRef>
+          <a:fillRef idx="1">
+            <a:schemeClr val="accent1"/>
+          </a:fillRef>
+          <a:effectRef idx="0">
+            <a:schemeClr val="accent1"/>
+          </a:effectRef>
+          <a:fontRef idx="minor">
+            <a:schemeClr val="lt1"/>
+          </a:fontRef>
+        </p:style>
+        <p:txBody>
+          <a:bodyPr rtlCol="0" anchor="ctr"/>
+          <a:lstStyle/>
+          <a:p>
+            <a:pPr algn="ctr"/>
+            <a:r>
+              <a:rPr lang="en-US" dirty="0"/>
+              <a:t>8</a:t>
+            </a:r>
+          </a:p>
+        </p:txBody>
+      </p:sp>
+    </p:spTree>
+    <p:extLst>
+      <p:ext uri="{BB962C8B-B14F-4D97-AF65-F5344CB8AC3E}">
+        <p14:creationId xmlns:p14="http://schemas.microsoft.com/office/powerpoint/2010/main" val="4038736619"/>
+      </p:ext>
+    </p:extLst>
+  </p:cSld>
+  <p:clrMapOvr>
+    <a:masterClrMapping/>
+  </p:clrMapOvr>
+</p:sld>
+</file>
+
+<file path=ppt/slides/slide11.xml><?xml version="1.0" encoding="utf-8"?>
+<p:sld xmlns:a="http://schemas.openxmlformats.org/drawingml/2006/main" xmlns:r="http://schemas.openxmlformats.org/officeDocument/2006/relationships" xmlns:p="http://schemas.openxmlformats.org/presentationml/2006/main">
+  <p:cSld>
+    <p:spTree>
+      <p:nvGrpSpPr>
+        <p:cNvPr id="1" name=""/>
+        <p:cNvGrpSpPr/>
+        <p:nvPr/>
+      </p:nvGrpSpPr>
+      <p:grpSpPr>
+        <a:xfrm>
+          <a:off x="0" y="0"/>
+          <a:ext cx="0" cy="0"/>
+          <a:chOff x="0" y="0"/>
+          <a:chExt cx="0" cy="0"/>
+        </a:xfrm>
+      </p:grpSpPr>
+      <p:pic>
+        <p:nvPicPr>
+          <p:cNvPr id="1026" name="Picture 2">
+            <a:extLst>
+              <a:ext uri="{FF2B5EF4-FFF2-40B4-BE49-F238E27FC236}">
+                <a16:creationId xmlns:a16="http://schemas.microsoft.com/office/drawing/2014/main" id="{2BE09F8E-F4ED-48B7-9EE2-29D6C55A7243}"/>
+              </a:ext>
+            </a:extLst>
+          </p:cNvPr>
+          <p:cNvPicPr>
+            <a:picLocks noChangeAspect="1" noChangeArrowheads="1"/>
+          </p:cNvPicPr>
+          <p:nvPr/>
+        </p:nvPicPr>
+        <p:blipFill>
+          <a:blip r:embed="rId2">
+            <a:extLst>
+              <a:ext uri="{28A0092B-C50C-407E-A947-70E740481C1C}">
+                <a14:useLocalDpi xmlns:a14="http://schemas.microsoft.com/office/drawing/2010/main" val="0"/>
+              </a:ext>
+            </a:extLst>
+          </a:blip>
+          <a:srcRect/>
+          <a:stretch>
+            <a:fillRect/>
+          </a:stretch>
+        </p:blipFill>
+        <p:spPr bwMode="auto">
+          <a:xfrm>
             <a:off x="6889546" y="2732661"/>
             <a:ext cx="847725" cy="847725"/>
           </a:xfrm>
@@ -4877,10 +6697,10 @@
       </p:grpSpPr>
       <p:sp>
         <p:nvSpPr>
-          <p:cNvPr id="7" name="Rectangle 6">
-            <a:extLst>
-              <a:ext uri="{FF2B5EF4-FFF2-40B4-BE49-F238E27FC236}">
-                <a16:creationId xmlns:a16="http://schemas.microsoft.com/office/drawing/2014/main" id="{B10720DE-FD2A-4FE5-B9FB-74854D01A659}"/>
+          <p:cNvPr id="4" name="Rectangle 3">
+            <a:extLst>
+              <a:ext uri="{FF2B5EF4-FFF2-40B4-BE49-F238E27FC236}">
+                <a16:creationId xmlns:a16="http://schemas.microsoft.com/office/drawing/2014/main" id="{055C22F7-3FD1-4C1B-8D0C-0C2F7FB61DBE}"/>
               </a:ext>
             </a:extLst>
           </p:cNvPr>
@@ -4889,8 +6709,8 @@
         </p:nvSpPr>
         <p:spPr>
           <a:xfrm>
-            <a:off x="0" y="6432008"/>
-            <a:ext cx="12183122" cy="57703"/>
+            <a:off x="0" y="8878"/>
+            <a:ext cx="12183122" cy="497150"/>
           </a:xfrm>
           <a:prstGeom prst="rect">
             <a:avLst/>
@@ -4919,10 +6739,131 @@
           <a:bodyPr rtlCol="0" anchor="ctr"/>
           <a:lstStyle/>
           <a:p>
-            <a:pPr algn="ctr"/>
-            <a:endParaRPr lang="en-IN" sz="1000" dirty="0">
+            <a:pPr marL="0" marR="0" lvl="0" indent="0" algn="ctr" defTabSz="914400" rtl="0" eaLnBrk="1" fontAlgn="auto" latinLnBrk="0" hangingPunct="1">
+              <a:lnSpc>
+                <a:spcPct val="100000"/>
+              </a:lnSpc>
+              <a:spcBef>
+                <a:spcPts val="0"/>
+              </a:spcBef>
+              <a:spcAft>
+                <a:spcPts val="0"/>
+              </a:spcAft>
+              <a:buClrTx/>
+              <a:buSzTx/>
+              <a:buFontTx/>
+              <a:buNone/>
+              <a:tabLst/>
+              <a:defRPr/>
+            </a:pPr>
+            <a:r>
+              <a:rPr kumimoji="0" lang="en-US" sz="1800" b="1" i="0" u="none" strike="noStrike" kern="1200" cap="none" spc="0" normalizeH="0" baseline="0" noProof="0" dirty="0">
+                <a:ln>
+                  <a:noFill/>
+                </a:ln>
+                <a:solidFill>
+                  <a:prstClr val="white"/>
+                </a:solidFill>
+                <a:effectLst/>
+                <a:uLnTx/>
+                <a:uFillTx/>
+                <a:latin typeface="Verdana" panose="020B0604030504040204" pitchFamily="34" charset="0"/>
+                <a:ea typeface="Verdana" panose="020B0604030504040204" pitchFamily="34" charset="0"/>
+                <a:cs typeface="+mn-cs"/>
+              </a:rPr>
+              <a:t>PR Process, CI, CD</a:t>
+            </a:r>
+            <a:endParaRPr kumimoji="0" lang="en-IN" sz="1800" b="1" i="0" u="none" strike="noStrike" kern="1200" cap="none" spc="0" normalizeH="0" baseline="0" noProof="0" dirty="0">
+              <a:ln>
+                <a:noFill/>
+              </a:ln>
+              <a:solidFill>
+                <a:prstClr val="white"/>
+              </a:solidFill>
+              <a:effectLst/>
+              <a:uLnTx/>
+              <a:uFillTx/>
               <a:latin typeface="Verdana" panose="020B0604030504040204" pitchFamily="34" charset="0"/>
               <a:ea typeface="Verdana" panose="020B0604030504040204" pitchFamily="34" charset="0"/>
+              <a:cs typeface="+mn-cs"/>
+            </a:endParaRPr>
+          </a:p>
+        </p:txBody>
+      </p:sp>
+      <p:sp>
+        <p:nvSpPr>
+          <p:cNvPr id="7" name="Rectangle 6">
+            <a:extLst>
+              <a:ext uri="{FF2B5EF4-FFF2-40B4-BE49-F238E27FC236}">
+                <a16:creationId xmlns:a16="http://schemas.microsoft.com/office/drawing/2014/main" id="{B10720DE-FD2A-4FE5-B9FB-74854D01A659}"/>
+              </a:ext>
+            </a:extLst>
+          </p:cNvPr>
+          <p:cNvSpPr/>
+          <p:nvPr/>
+        </p:nvSpPr>
+        <p:spPr>
+          <a:xfrm>
+            <a:off x="0" y="6383046"/>
+            <a:ext cx="12183122" cy="57703"/>
+          </a:xfrm>
+          <a:prstGeom prst="rect">
+            <a:avLst/>
+          </a:prstGeom>
+          <a:solidFill>
+            <a:srgbClr val="0070C0"/>
+          </a:solidFill>
+        </p:spPr>
+        <p:style>
+          <a:lnRef idx="2">
+            <a:schemeClr val="accent1">
+              <a:shade val="50000"/>
+            </a:schemeClr>
+          </a:lnRef>
+          <a:fillRef idx="1">
+            <a:schemeClr val="accent1"/>
+          </a:fillRef>
+          <a:effectRef idx="0">
+            <a:schemeClr val="accent1"/>
+          </a:effectRef>
+          <a:fontRef idx="minor">
+            <a:schemeClr val="lt1"/>
+          </a:fontRef>
+        </p:style>
+        <p:txBody>
+          <a:bodyPr rtlCol="0" anchor="ctr"/>
+          <a:lstStyle/>
+          <a:p>
+            <a:pPr marL="0" marR="0" lvl="0" indent="0" algn="ctr" defTabSz="914400" rtl="0" eaLnBrk="1" fontAlgn="auto" latinLnBrk="0" hangingPunct="1">
+              <a:lnSpc>
+                <a:spcPct val="100000"/>
+              </a:lnSpc>
+              <a:spcBef>
+                <a:spcPts val="0"/>
+              </a:spcBef>
+              <a:spcAft>
+                <a:spcPts val="0"/>
+              </a:spcAft>
+              <a:buClrTx/>
+              <a:buSzTx/>
+              <a:buFontTx/>
+              <a:buNone/>
+              <a:tabLst/>
+              <a:defRPr/>
+            </a:pPr>
+            <a:endParaRPr kumimoji="0" lang="en-IN" sz="1000" b="0" i="0" u="none" strike="noStrike" kern="1200" cap="none" spc="0" normalizeH="0" baseline="0" noProof="0" dirty="0">
+              <a:ln>
+                <a:noFill/>
+              </a:ln>
+              <a:solidFill>
+                <a:prstClr val="white"/>
+              </a:solidFill>
+              <a:effectLst/>
+              <a:uLnTx/>
+              <a:uFillTx/>
+              <a:latin typeface="Verdana" panose="020B0604030504040204" pitchFamily="34" charset="0"/>
+              <a:ea typeface="Verdana" panose="020B0604030504040204" pitchFamily="34" charset="0"/>
+              <a:cs typeface="+mn-cs"/>
             </a:endParaRPr>
           </a:p>
         </p:txBody>
@@ -4945,7 +6886,7 @@
         </p:nvSpPr>
         <p:spPr>
           <a:xfrm>
-            <a:off x="4038600" y="6476336"/>
+            <a:off x="4038600" y="6427374"/>
             <a:ext cx="4114800" cy="365125"/>
           </a:xfrm>
         </p:spPr>
@@ -4953,15 +6894,39 @@
           <a:bodyPr/>
           <a:lstStyle/>
           <a:p>
-            <a:r>
-              <a:rPr lang="en-IN" b="1" dirty="0">
+            <a:pPr marL="0" marR="0" lvl="0" indent="0" algn="ctr" defTabSz="914400" rtl="0" eaLnBrk="1" fontAlgn="auto" latinLnBrk="0" hangingPunct="1">
+              <a:lnSpc>
+                <a:spcPct val="100000"/>
+              </a:lnSpc>
+              <a:spcBef>
+                <a:spcPts val="0"/>
+              </a:spcBef>
+              <a:spcAft>
+                <a:spcPts val="0"/>
+              </a:spcAft>
+              <a:buClrTx/>
+              <a:buSzTx/>
+              <a:buFontTx/>
+              <a:buNone/>
+              <a:tabLst/>
+              <a:defRPr/>
+            </a:pPr>
+            <a:r>
+              <a:rPr kumimoji="0" lang="en-IN" sz="1200" b="1" i="0" u="none" strike="noStrike" kern="1200" cap="none" spc="0" normalizeH="0" baseline="0" noProof="0" dirty="0">
+                <a:ln>
+                  <a:noFill/>
+                </a:ln>
                 <a:solidFill>
                   <a:srgbClr val="002060"/>
                 </a:solidFill>
+                <a:effectLst/>
+                <a:uLnTx/>
+                <a:uFillTx/>
                 <a:latin typeface="Verdana" panose="020B0604030504040204" pitchFamily="34" charset="0"/>
                 <a:ea typeface="Verdana" panose="020B0604030504040204" pitchFamily="34" charset="0"/>
+                <a:cs typeface="+mn-cs"/>
               </a:rPr>
-              <a:t>24-Nov-2021</a:t>
+              <a:t>12-Mar-2022</a:t>
             </a:r>
           </a:p>
         </p:txBody>
@@ -4984,7 +6949,7 @@
         </p:nvSpPr>
         <p:spPr>
           <a:xfrm>
-            <a:off x="8610600" y="6476336"/>
+            <a:off x="8610600" y="6427374"/>
             <a:ext cx="2743200" cy="365125"/>
           </a:xfrm>
         </p:spPr>
@@ -4992,16 +6957,71 @@
           <a:bodyPr/>
           <a:lstStyle/>
           <a:p>
-            <a:r>
-              <a:rPr lang="en-IN" b="1" dirty="0">
+            <a:pPr marL="0" marR="0" lvl="0" indent="0" algn="r" defTabSz="914400" rtl="0" eaLnBrk="1" fontAlgn="auto" latinLnBrk="0" hangingPunct="1">
+              <a:lnSpc>
+                <a:spcPct val="100000"/>
+              </a:lnSpc>
+              <a:spcBef>
+                <a:spcPts val="0"/>
+              </a:spcBef>
+              <a:spcAft>
+                <a:spcPts val="0"/>
+              </a:spcAft>
+              <a:buClrTx/>
+              <a:buSzTx/>
+              <a:buFontTx/>
+              <a:buNone/>
+              <a:tabLst/>
+              <a:defRPr/>
+            </a:pPr>
+            <a:fld id="{30AF63FB-5233-4811-A918-B572E3A55817}" type="slidenum">
+              <a:rPr kumimoji="0" lang="en-IN" sz="1200" b="1" i="0" u="none" strike="noStrike" kern="1200" cap="none" spc="0" normalizeH="0" baseline="0" noProof="0" smtClean="0">
+                <a:ln>
+                  <a:noFill/>
+                </a:ln>
                 <a:solidFill>
                   <a:srgbClr val="002060"/>
                 </a:solidFill>
+                <a:effectLst/>
+                <a:uLnTx/>
+                <a:uFillTx/>
                 <a:latin typeface="Verdana" panose="020B0604030504040204" pitchFamily="34" charset="0"/>
                 <a:ea typeface="Verdana" panose="020B0604030504040204" pitchFamily="34" charset="0"/>
+                <a:cs typeface="+mn-cs"/>
               </a:rPr>
-              <a:t>1</a:t>
-            </a:r>
+              <a:pPr marL="0" marR="0" lvl="0" indent="0" algn="r" defTabSz="914400" rtl="0" eaLnBrk="1" fontAlgn="auto" latinLnBrk="0" hangingPunct="1">
+                <a:lnSpc>
+                  <a:spcPct val="100000"/>
+                </a:lnSpc>
+                <a:spcBef>
+                  <a:spcPts val="0"/>
+                </a:spcBef>
+                <a:spcAft>
+                  <a:spcPts val="0"/>
+                </a:spcAft>
+                <a:buClrTx/>
+                <a:buSzTx/>
+                <a:buFontTx/>
+                <a:buNone/>
+                <a:tabLst/>
+                <a:defRPr/>
+              </a:pPr>
+              <a:t>2</a:t>
+            </a:fld>
+            <a:endParaRPr kumimoji="0" lang="en-IN" sz="1200" b="1" i="0" u="none" strike="noStrike" kern="1200" cap="none" spc="0" normalizeH="0" baseline="0" noProof="0" dirty="0">
+              <a:ln>
+                <a:noFill/>
+              </a:ln>
+              <a:solidFill>
+                <a:srgbClr val="002060"/>
+              </a:solidFill>
+              <a:effectLst/>
+              <a:uLnTx/>
+              <a:uFillTx/>
+              <a:latin typeface="Verdana" panose="020B0604030504040204" pitchFamily="34" charset="0"/>
+              <a:ea typeface="Verdana" panose="020B0604030504040204" pitchFamily="34" charset="0"/>
+              <a:cs typeface="+mn-cs"/>
+            </a:endParaRPr>
           </a:p>
         </p:txBody>
       </p:sp>
@@ -5021,7 +7041,7 @@
         </p:nvSpPr>
         <p:spPr>
           <a:xfrm>
-            <a:off x="133897" y="6477810"/>
+            <a:off x="133897" y="6428848"/>
             <a:ext cx="4114800" cy="365125"/>
           </a:xfrm>
           <a:prstGeom prst="rect">
@@ -5128,25 +7148,556 @@
             </a:lvl9pPr>
           </a:lstStyle>
           <a:p>
-            <a:r>
-              <a:rPr lang="en-IN" b="1" dirty="0">
+            <a:pPr marL="0" marR="0" lvl="0" indent="0" algn="ctr" defTabSz="914400" rtl="0" eaLnBrk="1" fontAlgn="auto" latinLnBrk="0" hangingPunct="1">
+              <a:lnSpc>
+                <a:spcPct val="100000"/>
+              </a:lnSpc>
+              <a:spcBef>
+                <a:spcPts val="0"/>
+              </a:spcBef>
+              <a:spcAft>
+                <a:spcPts val="0"/>
+              </a:spcAft>
+              <a:buClrTx/>
+              <a:buSzTx/>
+              <a:buFontTx/>
+              <a:buNone/>
+              <a:tabLst/>
+              <a:defRPr/>
+            </a:pPr>
+            <a:r>
+              <a:rPr kumimoji="0" lang="en-IN" sz="1200" b="1" i="0" u="none" strike="noStrike" kern="1200" cap="none" spc="0" normalizeH="0" baseline="0" noProof="0" dirty="0">
+                <a:ln>
+                  <a:noFill/>
+                </a:ln>
                 <a:solidFill>
                   <a:srgbClr val="002060"/>
                 </a:solidFill>
+                <a:effectLst/>
+                <a:uLnTx/>
+                <a:uFillTx/>
                 <a:latin typeface="Verdana" panose="020B0604030504040204" pitchFamily="34" charset="0"/>
                 <a:ea typeface="Verdana" panose="020B0604030504040204" pitchFamily="34" charset="0"/>
+                <a:cs typeface="+mn-cs"/>
               </a:rPr>
-              <a:t>Microsoft Reactor Bengaluru</a:t>
+              <a:t>Dot Net Learners House</a:t>
             </a:r>
           </a:p>
         </p:txBody>
       </p:sp>
       <p:pic>
         <p:nvPicPr>
-          <p:cNvPr id="6" name="Picture 12">
-            <a:extLst>
-              <a:ext uri="{FF2B5EF4-FFF2-40B4-BE49-F238E27FC236}">
-                <a16:creationId xmlns:a16="http://schemas.microsoft.com/office/drawing/2014/main" id="{7898CFCB-7659-4968-8E49-75F24799EB68}"/>
+          <p:cNvPr id="3" name="Picture 2" descr="A picture containing drawing&#10;&#10;Description automatically generated">
+            <a:extLst>
+              <a:ext uri="{FF2B5EF4-FFF2-40B4-BE49-F238E27FC236}">
+                <a16:creationId xmlns:a16="http://schemas.microsoft.com/office/drawing/2014/main" id="{36D46947-3455-49F6-81DC-66502143C41D}"/>
+              </a:ext>
+            </a:extLst>
+          </p:cNvPr>
+          <p:cNvPicPr>
+            <a:picLocks noChangeAspect="1"/>
+          </p:cNvPicPr>
+          <p:nvPr/>
+        </p:nvPicPr>
+        <p:blipFill>
+          <a:blip r:embed="rId2">
+            <a:extLst>
+              <a:ext uri="{28A0092B-C50C-407E-A947-70E740481C1C}">
+                <a14:useLocalDpi xmlns:a14="http://schemas.microsoft.com/office/drawing/2010/main" val="0"/>
+              </a:ext>
+            </a:extLst>
+          </a:blip>
+          <a:stretch>
+            <a:fillRect/>
+          </a:stretch>
+        </p:blipFill>
+        <p:spPr>
+          <a:xfrm>
+            <a:off x="757291" y="966358"/>
+            <a:ext cx="780290" cy="780290"/>
+          </a:xfrm>
+          <a:prstGeom prst="rect">
+            <a:avLst/>
+          </a:prstGeom>
+        </p:spPr>
+      </p:pic>
+      <p:pic>
+        <p:nvPicPr>
+          <p:cNvPr id="11" name="Graphic 10">
+            <a:extLst>
+              <a:ext uri="{FF2B5EF4-FFF2-40B4-BE49-F238E27FC236}">
+                <a16:creationId xmlns:a16="http://schemas.microsoft.com/office/drawing/2014/main" id="{68CC5020-AEBC-4D94-8930-1E6AA6C03504}"/>
+              </a:ext>
+            </a:extLst>
+          </p:cNvPr>
+          <p:cNvPicPr>
+            <a:picLocks noChangeAspect="1"/>
+          </p:cNvPicPr>
+          <p:nvPr/>
+        </p:nvPicPr>
+        <p:blipFill>
+          <a:blip r:embed="rId3">
+            <a:extLst>
+              <a:ext uri="{28A0092B-C50C-407E-A947-70E740481C1C}">
+                <a14:useLocalDpi xmlns:a14="http://schemas.microsoft.com/office/drawing/2010/main" val="0"/>
+              </a:ext>
+              <a:ext uri="{96DAC541-7B7A-43D3-8B79-37D633B846F1}">
+                <asvg:svgBlip xmlns:asvg="http://schemas.microsoft.com/office/drawing/2016/SVG/main" r:embed="rId4"/>
+              </a:ext>
+            </a:extLst>
+          </a:blip>
+          <a:stretch>
+            <a:fillRect/>
+          </a:stretch>
+        </p:blipFill>
+        <p:spPr>
+          <a:xfrm>
+            <a:off x="4686132" y="966358"/>
+            <a:ext cx="780290" cy="780290"/>
+          </a:xfrm>
+          <a:prstGeom prst="rect">
+            <a:avLst/>
+          </a:prstGeom>
+        </p:spPr>
+      </p:pic>
+      <p:pic>
+        <p:nvPicPr>
+          <p:cNvPr id="13" name="Graphic 12">
+            <a:extLst>
+              <a:ext uri="{FF2B5EF4-FFF2-40B4-BE49-F238E27FC236}">
+                <a16:creationId xmlns:a16="http://schemas.microsoft.com/office/drawing/2014/main" id="{FF18036A-9AA0-4AAF-A6CF-9B332A840FD8}"/>
+              </a:ext>
+            </a:extLst>
+          </p:cNvPr>
+          <p:cNvPicPr>
+            <a:picLocks noChangeAspect="1"/>
+          </p:cNvPicPr>
+          <p:nvPr/>
+        </p:nvPicPr>
+        <p:blipFill>
+          <a:blip r:embed="rId5">
+            <a:extLst>
+              <a:ext uri="{28A0092B-C50C-407E-A947-70E740481C1C}">
+                <a14:useLocalDpi xmlns:a14="http://schemas.microsoft.com/office/drawing/2010/main" val="0"/>
+              </a:ext>
+              <a:ext uri="{96DAC541-7B7A-43D3-8B79-37D633B846F1}">
+                <asvg:svgBlip xmlns:asvg="http://schemas.microsoft.com/office/drawing/2016/SVG/main" r:embed="rId6"/>
+              </a:ext>
+            </a:extLst>
+          </a:blip>
+          <a:stretch>
+            <a:fillRect/>
+          </a:stretch>
+        </p:blipFill>
+        <p:spPr>
+          <a:xfrm>
+            <a:off x="6605457" y="966358"/>
+            <a:ext cx="780290" cy="780290"/>
+          </a:xfrm>
+          <a:prstGeom prst="rect">
+            <a:avLst/>
+          </a:prstGeom>
+        </p:spPr>
+      </p:pic>
+      <p:pic>
+        <p:nvPicPr>
+          <p:cNvPr id="14" name="Graphic 13">
+            <a:extLst>
+              <a:ext uri="{FF2B5EF4-FFF2-40B4-BE49-F238E27FC236}">
+                <a16:creationId xmlns:a16="http://schemas.microsoft.com/office/drawing/2014/main" id="{28A56780-CD7C-41F9-83CC-0901E3A92440}"/>
+              </a:ext>
+            </a:extLst>
+          </p:cNvPr>
+          <p:cNvPicPr>
+            <a:picLocks noChangeAspect="1"/>
+          </p:cNvPicPr>
+          <p:nvPr/>
+        </p:nvPicPr>
+        <p:blipFill>
+          <a:blip r:embed="rId3">
+            <a:extLst>
+              <a:ext uri="{28A0092B-C50C-407E-A947-70E740481C1C}">
+                <a14:useLocalDpi xmlns:a14="http://schemas.microsoft.com/office/drawing/2010/main" val="0"/>
+              </a:ext>
+              <a:ext uri="{96DAC541-7B7A-43D3-8B79-37D633B846F1}">
+                <asvg:svgBlip xmlns:asvg="http://schemas.microsoft.com/office/drawing/2016/SVG/main" r:embed="rId4"/>
+              </a:ext>
+            </a:extLst>
+          </a:blip>
+          <a:stretch>
+            <a:fillRect/>
+          </a:stretch>
+        </p:blipFill>
+        <p:spPr>
+          <a:xfrm>
+            <a:off x="8478377" y="966358"/>
+            <a:ext cx="780290" cy="780290"/>
+          </a:xfrm>
+          <a:prstGeom prst="rect">
+            <a:avLst/>
+          </a:prstGeom>
+        </p:spPr>
+      </p:pic>
+      <p:grpSp>
+        <p:nvGrpSpPr>
+          <p:cNvPr id="33" name="Group 32">
+            <a:extLst>
+              <a:ext uri="{FF2B5EF4-FFF2-40B4-BE49-F238E27FC236}">
+                <a16:creationId xmlns:a16="http://schemas.microsoft.com/office/drawing/2014/main" id="{741F7567-791E-4A67-9274-1439E4CF2D54}"/>
+              </a:ext>
+            </a:extLst>
+          </p:cNvPr>
+          <p:cNvGrpSpPr/>
+          <p:nvPr/>
+        </p:nvGrpSpPr>
+        <p:grpSpPr>
+          <a:xfrm>
+            <a:off x="259953" y="2714890"/>
+            <a:ext cx="5608263" cy="3233356"/>
+            <a:chOff x="6101386" y="2796466"/>
+            <a:chExt cx="5608263" cy="3233356"/>
+          </a:xfrm>
+        </p:grpSpPr>
+        <p:sp>
+          <p:nvSpPr>
+            <p:cNvPr id="19" name="Thought Bubble: Cloud 18">
+              <a:extLst>
+                <a:ext uri="{FF2B5EF4-FFF2-40B4-BE49-F238E27FC236}">
+                  <a16:creationId xmlns:a16="http://schemas.microsoft.com/office/drawing/2014/main" id="{A7D35382-D69E-4203-B4A9-52A05A4FD8D7}"/>
+                </a:ext>
+              </a:extLst>
+            </p:cNvPr>
+            <p:cNvSpPr/>
+            <p:nvPr/>
+          </p:nvSpPr>
+          <p:spPr>
+            <a:xfrm>
+              <a:off x="6101386" y="2796466"/>
+              <a:ext cx="5608263" cy="3233356"/>
+            </a:xfrm>
+            <a:prstGeom prst="cloudCallout">
+              <a:avLst>
+                <a:gd name="adj1" fmla="val -10766"/>
+                <a:gd name="adj2" fmla="val 39295"/>
+              </a:avLst>
+            </a:prstGeom>
+            <a:solidFill>
+              <a:schemeClr val="bg1"/>
+            </a:solidFill>
+          </p:spPr>
+          <p:style>
+            <a:lnRef idx="2">
+              <a:schemeClr val="accent1">
+                <a:shade val="50000"/>
+              </a:schemeClr>
+            </a:lnRef>
+            <a:fillRef idx="1">
+              <a:schemeClr val="accent1"/>
+            </a:fillRef>
+            <a:effectRef idx="0">
+              <a:schemeClr val="accent1"/>
+            </a:effectRef>
+            <a:fontRef idx="minor">
+              <a:schemeClr val="lt1"/>
+            </a:fontRef>
+          </p:style>
+          <p:txBody>
+            <a:bodyPr rtlCol="0" anchor="ctr"/>
+            <a:lstStyle/>
+            <a:p>
+              <a:pPr marL="0" marR="0" lvl="0" indent="0" algn="ctr" defTabSz="914400" rtl="0" eaLnBrk="1" fontAlgn="auto" latinLnBrk="0" hangingPunct="1">
+                <a:lnSpc>
+                  <a:spcPct val="100000"/>
+                </a:lnSpc>
+                <a:spcBef>
+                  <a:spcPts val="0"/>
+                </a:spcBef>
+                <a:spcAft>
+                  <a:spcPts val="0"/>
+                </a:spcAft>
+                <a:buClrTx/>
+                <a:buSzTx/>
+                <a:buFontTx/>
+                <a:buNone/>
+                <a:tabLst/>
+                <a:defRPr/>
+              </a:pPr>
+              <a:endParaRPr kumimoji="0" lang="en-IN" sz="1800" b="0" i="0" u="none" strike="noStrike" kern="1200" cap="none" spc="0" normalizeH="0" baseline="0" noProof="0">
+                <a:ln>
+                  <a:noFill/>
+                </a:ln>
+                <a:solidFill>
+                  <a:prstClr val="white"/>
+                </a:solidFill>
+                <a:effectLst/>
+                <a:uLnTx/>
+                <a:uFillTx/>
+                <a:latin typeface="Calibri" panose="020F0502020204030204"/>
+                <a:ea typeface="+mn-ea"/>
+                <a:cs typeface="+mn-cs"/>
+              </a:endParaRPr>
+            </a:p>
+          </p:txBody>
+        </p:sp>
+        <p:grpSp>
+          <p:nvGrpSpPr>
+            <p:cNvPr id="29" name="Group 28">
+              <a:extLst>
+                <a:ext uri="{FF2B5EF4-FFF2-40B4-BE49-F238E27FC236}">
+                  <a16:creationId xmlns:a16="http://schemas.microsoft.com/office/drawing/2014/main" id="{FF592EF6-1E6D-47AE-A34C-AB5A774B30D8}"/>
+                </a:ext>
+              </a:extLst>
+            </p:cNvPr>
+            <p:cNvGrpSpPr/>
+            <p:nvPr/>
+          </p:nvGrpSpPr>
+          <p:grpSpPr>
+            <a:xfrm>
+              <a:off x="6972126" y="3249876"/>
+              <a:ext cx="3866781" cy="1892550"/>
+              <a:chOff x="5965146" y="3263136"/>
+              <a:chExt cx="3866781" cy="1892550"/>
+            </a:xfrm>
+          </p:grpSpPr>
+          <p:pic>
+            <p:nvPicPr>
+              <p:cNvPr id="20" name="Picture 19" descr="A picture containing drawing&#10;&#10;Description automatically generated">
+                <a:extLst>
+                  <a:ext uri="{FF2B5EF4-FFF2-40B4-BE49-F238E27FC236}">
+                    <a16:creationId xmlns:a16="http://schemas.microsoft.com/office/drawing/2014/main" id="{9966C00C-1E5C-4E39-9381-2359516062C6}"/>
+                  </a:ext>
+                </a:extLst>
+              </p:cNvPr>
+              <p:cNvPicPr>
+                <a:picLocks noChangeAspect="1"/>
+              </p:cNvPicPr>
+              <p:nvPr/>
+            </p:nvPicPr>
+            <p:blipFill>
+              <a:blip r:embed="rId7">
+                <a:extLst>
+                  <a:ext uri="{28A0092B-C50C-407E-A947-70E740481C1C}">
+                    <a14:useLocalDpi xmlns:a14="http://schemas.microsoft.com/office/drawing/2010/main" val="0"/>
+                  </a:ext>
+                </a:extLst>
+              </a:blip>
+              <a:stretch>
+                <a:fillRect/>
+              </a:stretch>
+            </p:blipFill>
+            <p:spPr>
+              <a:xfrm>
+                <a:off x="6313959" y="3444336"/>
+                <a:ext cx="780290" cy="780290"/>
+              </a:xfrm>
+              <a:prstGeom prst="rect">
+                <a:avLst/>
+              </a:prstGeom>
+            </p:spPr>
+          </p:pic>
+          <p:pic>
+            <p:nvPicPr>
+              <p:cNvPr id="22" name="Graphic 21">
+                <a:extLst>
+                  <a:ext uri="{FF2B5EF4-FFF2-40B4-BE49-F238E27FC236}">
+                    <a16:creationId xmlns:a16="http://schemas.microsoft.com/office/drawing/2014/main" id="{C723A7AA-CBAF-404F-AA2B-631CC56FB8CE}"/>
+                  </a:ext>
+                </a:extLst>
+              </p:cNvPr>
+              <p:cNvPicPr>
+                <a:picLocks noChangeAspect="1"/>
+              </p:cNvPicPr>
+              <p:nvPr/>
+            </p:nvPicPr>
+            <p:blipFill>
+              <a:blip r:embed="rId8">
+                <a:extLst>
+                  <a:ext uri="{28A0092B-C50C-407E-A947-70E740481C1C}">
+                    <a14:useLocalDpi xmlns:a14="http://schemas.microsoft.com/office/drawing/2010/main" val="0"/>
+                  </a:ext>
+                  <a:ext uri="{96DAC541-7B7A-43D3-8B79-37D633B846F1}">
+                    <asvg:svgBlip xmlns:asvg="http://schemas.microsoft.com/office/drawing/2016/SVG/main" r:embed="rId9"/>
+                  </a:ext>
+                </a:extLst>
+              </a:blip>
+              <a:stretch>
+                <a:fillRect/>
+              </a:stretch>
+            </p:blipFill>
+            <p:spPr>
+              <a:xfrm>
+                <a:off x="9355677" y="3263136"/>
+                <a:ext cx="476250" cy="476250"/>
+              </a:xfrm>
+              <a:prstGeom prst="rect">
+                <a:avLst/>
+              </a:prstGeom>
+            </p:spPr>
+          </p:pic>
+          <p:pic>
+            <p:nvPicPr>
+              <p:cNvPr id="24" name="Graphic 23">
+                <a:extLst>
+                  <a:ext uri="{FF2B5EF4-FFF2-40B4-BE49-F238E27FC236}">
+                    <a16:creationId xmlns:a16="http://schemas.microsoft.com/office/drawing/2014/main" id="{925071B5-D25D-44D1-8436-17A064FA82BA}"/>
+                  </a:ext>
+                </a:extLst>
+              </p:cNvPr>
+              <p:cNvPicPr>
+                <a:picLocks noChangeAspect="1"/>
+              </p:cNvPicPr>
+              <p:nvPr/>
+            </p:nvPicPr>
+            <p:blipFill>
+              <a:blip r:embed="rId10">
+                <a:extLst>
+                  <a:ext uri="{28A0092B-C50C-407E-A947-70E740481C1C}">
+                    <a14:useLocalDpi xmlns:a14="http://schemas.microsoft.com/office/drawing/2010/main" val="0"/>
+                  </a:ext>
+                  <a:ext uri="{96DAC541-7B7A-43D3-8B79-37D633B846F1}">
+                    <asvg:svgBlip xmlns:asvg="http://schemas.microsoft.com/office/drawing/2016/SVG/main" r:embed="rId11"/>
+                  </a:ext>
+                </a:extLst>
+              </a:blip>
+              <a:stretch>
+                <a:fillRect/>
+              </a:stretch>
+            </p:blipFill>
+            <p:spPr>
+              <a:xfrm>
+                <a:off x="8965152" y="4517937"/>
+                <a:ext cx="628650" cy="600075"/>
+              </a:xfrm>
+              <a:prstGeom prst="rect">
+                <a:avLst/>
+              </a:prstGeom>
+            </p:spPr>
+          </p:pic>
+          <p:pic>
+            <p:nvPicPr>
+              <p:cNvPr id="26" name="Graphic 25">
+                <a:extLst>
+                  <a:ext uri="{FF2B5EF4-FFF2-40B4-BE49-F238E27FC236}">
+                    <a16:creationId xmlns:a16="http://schemas.microsoft.com/office/drawing/2014/main" id="{02E07A17-A57F-4E63-8BA7-95B0DA3919A5}"/>
+                  </a:ext>
+                </a:extLst>
+              </p:cNvPr>
+              <p:cNvPicPr>
+                <a:picLocks noChangeAspect="1"/>
+              </p:cNvPicPr>
+              <p:nvPr/>
+            </p:nvPicPr>
+            <p:blipFill>
+              <a:blip r:embed="rId12">
+                <a:extLst>
+                  <a:ext uri="{28A0092B-C50C-407E-A947-70E740481C1C}">
+                    <a14:useLocalDpi xmlns:a14="http://schemas.microsoft.com/office/drawing/2010/main" val="0"/>
+                  </a:ext>
+                  <a:ext uri="{96DAC541-7B7A-43D3-8B79-37D633B846F1}">
+                    <asvg:svgBlip xmlns:asvg="http://schemas.microsoft.com/office/drawing/2016/SVG/main" r:embed="rId13"/>
+                  </a:ext>
+                </a:extLst>
+              </a:blip>
+              <a:stretch>
+                <a:fillRect/>
+              </a:stretch>
+            </p:blipFill>
+            <p:spPr>
+              <a:xfrm>
+                <a:off x="5965146" y="4679436"/>
+                <a:ext cx="476250" cy="476250"/>
+              </a:xfrm>
+              <a:prstGeom prst="rect">
+                <a:avLst/>
+              </a:prstGeom>
+            </p:spPr>
+          </p:pic>
+          <p:pic>
+            <p:nvPicPr>
+              <p:cNvPr id="28" name="Graphic 27">
+                <a:extLst>
+                  <a:ext uri="{FF2B5EF4-FFF2-40B4-BE49-F238E27FC236}">
+                    <a16:creationId xmlns:a16="http://schemas.microsoft.com/office/drawing/2014/main" id="{C7B8C726-E294-4A32-B7CC-0D388BEA8CE5}"/>
+                  </a:ext>
+                </a:extLst>
+              </p:cNvPr>
+              <p:cNvPicPr>
+                <a:picLocks noChangeAspect="1"/>
+              </p:cNvPicPr>
+              <p:nvPr/>
+            </p:nvPicPr>
+            <p:blipFill>
+              <a:blip r:embed="rId14">
+                <a:extLst>
+                  <a:ext uri="{28A0092B-C50C-407E-A947-70E740481C1C}">
+                    <a14:useLocalDpi xmlns:a14="http://schemas.microsoft.com/office/drawing/2010/main" val="0"/>
+                  </a:ext>
+                  <a:ext uri="{96DAC541-7B7A-43D3-8B79-37D633B846F1}">
+                    <asvg:svgBlip xmlns:asvg="http://schemas.microsoft.com/office/drawing/2016/SVG/main" r:embed="rId15"/>
+                  </a:ext>
+                </a:extLst>
+              </a:blip>
+              <a:stretch>
+                <a:fillRect/>
+              </a:stretch>
+            </p:blipFill>
+            <p:spPr>
+              <a:xfrm>
+                <a:off x="7858812" y="3986501"/>
+                <a:ext cx="476250" cy="476250"/>
+              </a:xfrm>
+              <a:prstGeom prst="rect">
+                <a:avLst/>
+              </a:prstGeom>
+            </p:spPr>
+          </p:pic>
+        </p:grpSp>
+      </p:grpSp>
+      <p:pic>
+        <p:nvPicPr>
+          <p:cNvPr id="30" name="Graphic 29">
+            <a:extLst>
+              <a:ext uri="{FF2B5EF4-FFF2-40B4-BE49-F238E27FC236}">
+                <a16:creationId xmlns:a16="http://schemas.microsoft.com/office/drawing/2014/main" id="{A297AF32-D8A2-4423-B36B-CE86473A2088}"/>
+              </a:ext>
+            </a:extLst>
+          </p:cNvPr>
+          <p:cNvPicPr>
+            <a:picLocks noChangeAspect="1"/>
+          </p:cNvPicPr>
+          <p:nvPr/>
+        </p:nvPicPr>
+        <p:blipFill>
+          <a:blip r:embed="rId3">
+            <a:extLst>
+              <a:ext uri="{28A0092B-C50C-407E-A947-70E740481C1C}">
+                <a14:useLocalDpi xmlns:a14="http://schemas.microsoft.com/office/drawing/2010/main" val="0"/>
+              </a:ext>
+              <a:ext uri="{96DAC541-7B7A-43D3-8B79-37D633B846F1}">
+                <asvg:svgBlip xmlns:asvg="http://schemas.microsoft.com/office/drawing/2016/SVG/main" r:embed="rId4"/>
+              </a:ext>
+            </a:extLst>
+          </a:blip>
+          <a:stretch>
+            <a:fillRect/>
+          </a:stretch>
+        </p:blipFill>
+        <p:spPr>
+          <a:xfrm>
+            <a:off x="10573510" y="3559685"/>
+            <a:ext cx="780290" cy="780290"/>
+          </a:xfrm>
+          <a:prstGeom prst="rect">
+            <a:avLst/>
+          </a:prstGeom>
+        </p:spPr>
+      </p:pic>
+      <p:pic>
+        <p:nvPicPr>
+          <p:cNvPr id="1026" name="Picture 2">
+            <a:extLst>
+              <a:ext uri="{FF2B5EF4-FFF2-40B4-BE49-F238E27FC236}">
+                <a16:creationId xmlns:a16="http://schemas.microsoft.com/office/drawing/2014/main" id="{84738135-B527-4325-8D62-F8B9B9D1984A}"/>
               </a:ext>
             </a:extLst>
           </p:cNvPr>
@@ -5156,7 +7707,7 @@
           <p:nvPr/>
         </p:nvPicPr>
         <p:blipFill>
-          <a:blip r:embed="rId2">
+          <a:blip r:embed="rId16">
             <a:extLst>
               <a:ext uri="{28A0092B-C50C-407E-A947-70E740481C1C}">
                 <a14:useLocalDpi xmlns:a14="http://schemas.microsoft.com/office/drawing/2010/main" val="0"/>
@@ -5170,8 +7721,8 @@
         </p:blipFill>
         <p:spPr bwMode="auto">
           <a:xfrm>
-            <a:off x="7368618" y="3051292"/>
-            <a:ext cx="809625" cy="809625"/>
+            <a:off x="2623349" y="862903"/>
+            <a:ext cx="814057" cy="987144"/>
           </a:xfrm>
           <a:prstGeom prst="rect">
             <a:avLst/>
@@ -5188,949 +7739,339 @@
           </a:extLst>
         </p:spPr>
       </p:pic>
-      <p:sp>
-        <p:nvSpPr>
-          <p:cNvPr id="10" name="TextBox 9">
-            <a:extLst>
-              <a:ext uri="{FF2B5EF4-FFF2-40B4-BE49-F238E27FC236}">
-                <a16:creationId xmlns:a16="http://schemas.microsoft.com/office/drawing/2014/main" id="{3657454D-AD85-4AEE-82DC-6159AD7DE31E}"/>
-              </a:ext>
-            </a:extLst>
-          </p:cNvPr>
-          <p:cNvSpPr txBox="1"/>
-          <p:nvPr/>
-        </p:nvSpPr>
-        <p:spPr>
-          <a:xfrm>
-            <a:off x="7962166" y="2728022"/>
-            <a:ext cx="834396" cy="276999"/>
-          </a:xfrm>
-          <a:prstGeom prst="rect">
-            <a:avLst/>
-          </a:prstGeom>
-          <a:noFill/>
-        </p:spPr>
-        <p:txBody>
-          <a:bodyPr wrap="none" rtlCol="0">
-            <a:spAutoFit/>
-          </a:bodyPr>
-          <a:lstStyle/>
-          <a:p>
-            <a:r>
-              <a:rPr lang="en-US" sz="1200" dirty="0">
-                <a:solidFill>
-                  <a:srgbClr val="002060"/>
-                </a:solidFill>
-                <a:latin typeface="Verdana" panose="020B0604030504040204" pitchFamily="34" charset="0"/>
-                <a:ea typeface="Verdana" panose="020B0604030504040204" pitchFamily="34" charset="0"/>
-              </a:rPr>
-              <a:t>Web API</a:t>
-            </a:r>
-          </a:p>
-        </p:txBody>
-      </p:sp>
       <p:pic>
         <p:nvPicPr>
-          <p:cNvPr id="11" name="Picture 10">
-            <a:extLst>
-              <a:ext uri="{FF2B5EF4-FFF2-40B4-BE49-F238E27FC236}">
-                <a16:creationId xmlns:a16="http://schemas.microsoft.com/office/drawing/2014/main" id="{13644FC0-4432-4DAA-BB42-865EDC6E7039}"/>
+          <p:cNvPr id="32" name="Graphic 31">
+            <a:extLst>
+              <a:ext uri="{FF2B5EF4-FFF2-40B4-BE49-F238E27FC236}">
+                <a16:creationId xmlns:a16="http://schemas.microsoft.com/office/drawing/2014/main" id="{AAF0FC8B-CA83-4A8E-A2F7-220F96B6E74A}"/>
               </a:ext>
             </a:extLst>
           </p:cNvPr>
           <p:cNvPicPr>
-            <a:picLocks noChangeAspect="1" noChangeArrowheads="1"/>
+            <a:picLocks noChangeAspect="1"/>
           </p:cNvPicPr>
           <p:nvPr/>
         </p:nvPicPr>
         <p:blipFill>
-          <a:blip r:embed="rId3">
+          <a:blip r:embed="rId17">
             <a:extLst>
               <a:ext uri="{28A0092B-C50C-407E-A947-70E740481C1C}">
                 <a14:useLocalDpi xmlns:a14="http://schemas.microsoft.com/office/drawing/2010/main" val="0"/>
               </a:ext>
+              <a:ext uri="{96DAC541-7B7A-43D3-8B79-37D633B846F1}">
+                <asvg:svgBlip xmlns:asvg="http://schemas.microsoft.com/office/drawing/2016/SVG/main" r:embed="rId18"/>
+              </a:ext>
             </a:extLst>
           </a:blip>
-          <a:srcRect/>
           <a:stretch>
             <a:fillRect/>
           </a:stretch>
         </p:blipFill>
-        <p:spPr bwMode="auto">
-          <a:xfrm>
-            <a:off x="11307018" y="3051292"/>
-            <a:ext cx="810000" cy="810000"/>
+        <p:spPr>
+          <a:xfrm>
+            <a:off x="10573509" y="965778"/>
+            <a:ext cx="780095" cy="781393"/>
           </a:xfrm>
           <a:prstGeom prst="rect">
             <a:avLst/>
           </a:prstGeom>
-          <a:noFill/>
-          <a:extLst>
-            <a:ext uri="{909E8E84-426E-40DD-AFC4-6F175D3DCCD1}">
-              <a14:hiddenFill xmlns:a14="http://schemas.microsoft.com/office/drawing/2010/main">
-                <a:solidFill>
-                  <a:srgbClr val="FFFFFF"/>
-                </a:solidFill>
-              </a14:hiddenFill>
-            </a:ext>
-          </a:extLst>
         </p:spPr>
       </p:pic>
-      <p:sp>
-        <p:nvSpPr>
-          <p:cNvPr id="13" name="TextBox 12">
-            <a:extLst>
-              <a:ext uri="{FF2B5EF4-FFF2-40B4-BE49-F238E27FC236}">
-                <a16:creationId xmlns:a16="http://schemas.microsoft.com/office/drawing/2014/main" id="{83BEFD28-360B-4C34-B776-983624107E9B}"/>
-              </a:ext>
-            </a:extLst>
-          </p:cNvPr>
-          <p:cNvSpPr txBox="1"/>
-          <p:nvPr/>
-        </p:nvSpPr>
-        <p:spPr>
-          <a:xfrm>
-            <a:off x="10507415" y="2722384"/>
-            <a:ext cx="992579" cy="276999"/>
-          </a:xfrm>
-          <a:prstGeom prst="rect">
-            <a:avLst/>
-          </a:prstGeom>
-          <a:noFill/>
-        </p:spPr>
-        <p:txBody>
-          <a:bodyPr wrap="none" rtlCol="0">
-            <a:spAutoFit/>
-          </a:bodyPr>
-          <a:lstStyle/>
-          <a:p>
-            <a:r>
-              <a:rPr lang="en-US" sz="1200" dirty="0">
-                <a:solidFill>
-                  <a:srgbClr val="002060"/>
-                </a:solidFill>
-                <a:latin typeface="Verdana" panose="020B0604030504040204" pitchFamily="34" charset="0"/>
-                <a:ea typeface="Verdana" panose="020B0604030504040204" pitchFamily="34" charset="0"/>
-              </a:rPr>
-              <a:t>Azure SQL</a:t>
-            </a:r>
-          </a:p>
-        </p:txBody>
-      </p:sp>
-      <p:sp>
-        <p:nvSpPr>
-          <p:cNvPr id="14" name="Heptagon 13">
-            <a:extLst>
-              <a:ext uri="{FF2B5EF4-FFF2-40B4-BE49-F238E27FC236}">
-                <a16:creationId xmlns:a16="http://schemas.microsoft.com/office/drawing/2014/main" id="{932FD78C-C27D-4D87-9137-AB3F88C3B70B}"/>
-              </a:ext>
-            </a:extLst>
-          </p:cNvPr>
-          <p:cNvSpPr/>
-          <p:nvPr/>
-        </p:nvSpPr>
-        <p:spPr>
-          <a:xfrm>
-            <a:off x="7612671" y="2700919"/>
-            <a:ext cx="307435" cy="344102"/>
-          </a:xfrm>
-          <a:prstGeom prst="heptagon">
-            <a:avLst/>
-          </a:prstGeom>
-        </p:spPr>
-        <p:style>
-          <a:lnRef idx="2">
-            <a:schemeClr val="accent1">
-              <a:shade val="50000"/>
-            </a:schemeClr>
-          </a:lnRef>
-          <a:fillRef idx="1">
-            <a:schemeClr val="accent1"/>
-          </a:fillRef>
-          <a:effectRef idx="0">
-            <a:schemeClr val="accent1"/>
-          </a:effectRef>
-          <a:fontRef idx="minor">
-            <a:schemeClr val="lt1"/>
-          </a:fontRef>
-        </p:style>
-        <p:txBody>
-          <a:bodyPr rtlCol="0" anchor="ctr"/>
-          <a:lstStyle/>
-          <a:p>
-            <a:pPr algn="ctr"/>
-            <a:r>
-              <a:rPr lang="en-US" dirty="0"/>
-              <a:t>2</a:t>
-            </a:r>
-          </a:p>
-        </p:txBody>
-      </p:sp>
-      <p:sp>
-        <p:nvSpPr>
-          <p:cNvPr id="15" name="Heptagon 14">
-            <a:extLst>
-              <a:ext uri="{FF2B5EF4-FFF2-40B4-BE49-F238E27FC236}">
-                <a16:creationId xmlns:a16="http://schemas.microsoft.com/office/drawing/2014/main" id="{1E40AC33-A982-446B-9D49-9D733A49316A}"/>
-              </a:ext>
-            </a:extLst>
-          </p:cNvPr>
-          <p:cNvSpPr/>
-          <p:nvPr/>
-        </p:nvSpPr>
-        <p:spPr>
-          <a:xfrm>
-            <a:off x="11438204" y="2700919"/>
-            <a:ext cx="307435" cy="344102"/>
-          </a:xfrm>
-          <a:prstGeom prst="heptagon">
-            <a:avLst/>
-          </a:prstGeom>
-        </p:spPr>
-        <p:style>
-          <a:lnRef idx="2">
-            <a:schemeClr val="accent1">
-              <a:shade val="50000"/>
-            </a:schemeClr>
-          </a:lnRef>
-          <a:fillRef idx="1">
-            <a:schemeClr val="accent1"/>
-          </a:fillRef>
-          <a:effectRef idx="0">
-            <a:schemeClr val="accent1"/>
-          </a:effectRef>
-          <a:fontRef idx="minor">
-            <a:schemeClr val="lt1"/>
-          </a:fontRef>
-        </p:style>
-        <p:txBody>
-          <a:bodyPr rtlCol="0" anchor="ctr"/>
-          <a:lstStyle/>
-          <a:p>
-            <a:pPr algn="ctr"/>
-            <a:r>
-              <a:rPr lang="en-US" dirty="0"/>
-              <a:t>3</a:t>
-            </a:r>
-          </a:p>
-        </p:txBody>
-      </p:sp>
       <p:pic>
         <p:nvPicPr>
-          <p:cNvPr id="1026" name="Picture 2">
-            <a:extLst>
-              <a:ext uri="{FF2B5EF4-FFF2-40B4-BE49-F238E27FC236}">
-                <a16:creationId xmlns:a16="http://schemas.microsoft.com/office/drawing/2014/main" id="{F57E8191-61DB-4EA0-9C1C-F149C364155D}"/>
+          <p:cNvPr id="40" name="Picture 39" descr="A picture containing drawing, clock&#10;&#10;Description automatically generated">
+            <a:extLst>
+              <a:ext uri="{FF2B5EF4-FFF2-40B4-BE49-F238E27FC236}">
+                <a16:creationId xmlns:a16="http://schemas.microsoft.com/office/drawing/2014/main" id="{893951CC-E62C-48AE-B7E2-F096699C2CF3}"/>
               </a:ext>
             </a:extLst>
           </p:cNvPr>
           <p:cNvPicPr>
-            <a:picLocks noChangeAspect="1" noChangeArrowheads="1"/>
+            <a:picLocks noChangeAspect="1"/>
           </p:cNvPicPr>
           <p:nvPr/>
         </p:nvPicPr>
         <p:blipFill>
-          <a:blip r:embed="rId4">
+          <a:blip r:embed="rId19">
             <a:extLst>
               <a:ext uri="{28A0092B-C50C-407E-A947-70E740481C1C}">
                 <a14:useLocalDpi xmlns:a14="http://schemas.microsoft.com/office/drawing/2010/main" val="0"/>
               </a:ext>
             </a:extLst>
           </a:blip>
-          <a:srcRect/>
           <a:stretch>
             <a:fillRect/>
           </a:stretch>
         </p:blipFill>
-        <p:spPr bwMode="auto">
-          <a:xfrm>
-            <a:off x="7368618" y="5041057"/>
-            <a:ext cx="810000" cy="810000"/>
+        <p:spPr>
+          <a:xfrm>
+            <a:off x="935616" y="506028"/>
+            <a:ext cx="390153" cy="390153"/>
           </a:xfrm>
           <a:prstGeom prst="rect">
             <a:avLst/>
           </a:prstGeom>
-          <a:noFill/>
-          <a:extLst>
-            <a:ext uri="{909E8E84-426E-40DD-AFC4-6F175D3DCCD1}">
-              <a14:hiddenFill xmlns:a14="http://schemas.microsoft.com/office/drawing/2010/main">
-                <a:solidFill>
-                  <a:srgbClr val="FFFFFF"/>
-                </a:solidFill>
-              </a14:hiddenFill>
-            </a:ext>
-          </a:extLst>
         </p:spPr>
       </p:pic>
-      <p:cxnSp>
-        <p:nvCxnSpPr>
-          <p:cNvPr id="4" name="Straight Connector 3">
-            <a:extLst>
-              <a:ext uri="{FF2B5EF4-FFF2-40B4-BE49-F238E27FC236}">
-                <a16:creationId xmlns:a16="http://schemas.microsoft.com/office/drawing/2014/main" id="{3305130D-A90B-4CF0-8C61-F044EE9BFE47}"/>
-              </a:ext>
-            </a:extLst>
-          </p:cNvPr>
-          <p:cNvCxnSpPr>
-            <a:stCxn id="6" idx="3"/>
-            <a:endCxn id="11" idx="1"/>
-          </p:cNvCxnSpPr>
-          <p:nvPr/>
-        </p:nvCxnSpPr>
-        <p:spPr>
-          <a:xfrm>
-            <a:off x="8178243" y="3456105"/>
-            <a:ext cx="3128775" cy="187"/>
-          </a:xfrm>
-          <a:prstGeom prst="line">
-            <a:avLst/>
-          </a:prstGeom>
-        </p:spPr>
-        <p:style>
-          <a:lnRef idx="2">
-            <a:schemeClr val="accent1"/>
-          </a:lnRef>
-          <a:fillRef idx="0">
-            <a:schemeClr val="accent1"/>
-          </a:fillRef>
-          <a:effectRef idx="1">
-            <a:schemeClr val="accent1"/>
-          </a:effectRef>
-          <a:fontRef idx="minor">
-            <a:schemeClr val="tx1"/>
-          </a:fontRef>
-        </p:style>
-      </p:cxnSp>
-      <p:cxnSp>
-        <p:nvCxnSpPr>
-          <p:cNvPr id="17" name="Straight Connector 16">
-            <a:extLst>
-              <a:ext uri="{FF2B5EF4-FFF2-40B4-BE49-F238E27FC236}">
-                <a16:creationId xmlns:a16="http://schemas.microsoft.com/office/drawing/2014/main" id="{AAC1447B-07A7-40E7-8652-6EC297A4352B}"/>
-              </a:ext>
-            </a:extLst>
-          </p:cNvPr>
-          <p:cNvCxnSpPr>
-            <a:stCxn id="6" idx="2"/>
-            <a:endCxn id="1026" idx="0"/>
-          </p:cNvCxnSpPr>
-          <p:nvPr/>
-        </p:nvCxnSpPr>
-        <p:spPr>
-          <a:xfrm>
-            <a:off x="7773431" y="3860917"/>
-            <a:ext cx="187" cy="1180140"/>
-          </a:xfrm>
-          <a:prstGeom prst="line">
-            <a:avLst/>
-          </a:prstGeom>
-          <a:ln w="12700"/>
-        </p:spPr>
-        <p:style>
-          <a:lnRef idx="1">
-            <a:schemeClr val="accent1"/>
-          </a:lnRef>
-          <a:fillRef idx="0">
-            <a:schemeClr val="accent1"/>
-          </a:fillRef>
-          <a:effectRef idx="0">
-            <a:schemeClr val="accent1"/>
-          </a:effectRef>
-          <a:fontRef idx="minor">
-            <a:schemeClr val="tx1"/>
-          </a:fontRef>
-        </p:style>
-      </p:cxnSp>
-      <p:sp>
-        <p:nvSpPr>
-          <p:cNvPr id="20" name="Heptagon 19">
-            <a:extLst>
-              <a:ext uri="{FF2B5EF4-FFF2-40B4-BE49-F238E27FC236}">
-                <a16:creationId xmlns:a16="http://schemas.microsoft.com/office/drawing/2014/main" id="{81B034CB-CC36-4166-926A-86A06D7A20E6}"/>
-              </a:ext>
-            </a:extLst>
-          </p:cNvPr>
-          <p:cNvSpPr/>
-          <p:nvPr/>
-        </p:nvSpPr>
-        <p:spPr>
-          <a:xfrm>
-            <a:off x="7612671" y="5858706"/>
-            <a:ext cx="307435" cy="344102"/>
-          </a:xfrm>
-          <a:prstGeom prst="heptagon">
-            <a:avLst/>
-          </a:prstGeom>
-        </p:spPr>
-        <p:style>
-          <a:lnRef idx="2">
-            <a:schemeClr val="accent1">
-              <a:shade val="50000"/>
-            </a:schemeClr>
-          </a:lnRef>
-          <a:fillRef idx="1">
-            <a:schemeClr val="accent1"/>
-          </a:fillRef>
-          <a:effectRef idx="0">
-            <a:schemeClr val="accent1"/>
-          </a:effectRef>
-          <a:fontRef idx="minor">
-            <a:schemeClr val="lt1"/>
-          </a:fontRef>
-        </p:style>
-        <p:txBody>
-          <a:bodyPr rtlCol="0" anchor="ctr"/>
-          <a:lstStyle/>
-          <a:p>
-            <a:pPr algn="ctr"/>
-            <a:r>
-              <a:rPr lang="en-US" dirty="0"/>
-              <a:t>4</a:t>
-            </a:r>
-          </a:p>
-        </p:txBody>
-      </p:sp>
-      <p:sp>
-        <p:nvSpPr>
-          <p:cNvPr id="21" name="TextBox 20">
-            <a:extLst>
-              <a:ext uri="{FF2B5EF4-FFF2-40B4-BE49-F238E27FC236}">
-                <a16:creationId xmlns:a16="http://schemas.microsoft.com/office/drawing/2014/main" id="{BE85FB5F-7B2C-4F7C-80F9-0633CA2F185C}"/>
-              </a:ext>
-            </a:extLst>
-          </p:cNvPr>
-          <p:cNvSpPr txBox="1"/>
-          <p:nvPr/>
-        </p:nvSpPr>
-        <p:spPr>
-          <a:xfrm>
-            <a:off x="8141555" y="5269474"/>
-            <a:ext cx="847733" cy="276999"/>
-          </a:xfrm>
-          <a:prstGeom prst="rect">
-            <a:avLst/>
-          </a:prstGeom>
-          <a:noFill/>
-        </p:spPr>
-        <p:txBody>
-          <a:bodyPr wrap="none" rtlCol="0">
-            <a:spAutoFit/>
-          </a:bodyPr>
-          <a:lstStyle/>
-          <a:p>
-            <a:r>
-              <a:rPr lang="en-US" sz="1200" dirty="0">
-                <a:solidFill>
-                  <a:srgbClr val="002060"/>
-                </a:solidFill>
-                <a:latin typeface="Verdana" panose="020B0604030504040204" pitchFamily="34" charset="0"/>
-                <a:ea typeface="Verdana" panose="020B0604030504040204" pitchFamily="34" charset="0"/>
-              </a:rPr>
-              <a:t>Postman</a:t>
-            </a:r>
-          </a:p>
-        </p:txBody>
-      </p:sp>
       <p:pic>
         <p:nvPicPr>
-          <p:cNvPr id="2050" name="Picture 2">
-            <a:extLst>
-              <a:ext uri="{FF2B5EF4-FFF2-40B4-BE49-F238E27FC236}">
-                <a16:creationId xmlns:a16="http://schemas.microsoft.com/office/drawing/2014/main" id="{E5FC223A-D3AB-4E6B-8768-C5EBCFD1EE4D}"/>
+          <p:cNvPr id="42" name="Picture 41" descr="A picture containing clock&#10;&#10;Description automatically generated">
+            <a:extLst>
+              <a:ext uri="{FF2B5EF4-FFF2-40B4-BE49-F238E27FC236}">
+                <a16:creationId xmlns:a16="http://schemas.microsoft.com/office/drawing/2014/main" id="{79BA6822-C72A-4838-A922-66E4DB0E55AC}"/>
               </a:ext>
             </a:extLst>
           </p:cNvPr>
           <p:cNvPicPr>
-            <a:picLocks noChangeAspect="1" noChangeArrowheads="1"/>
+            <a:picLocks noChangeAspect="1"/>
           </p:cNvPicPr>
           <p:nvPr/>
         </p:nvPicPr>
         <p:blipFill>
-          <a:blip r:embed="rId5">
+          <a:blip r:embed="rId20">
             <a:extLst>
               <a:ext uri="{28A0092B-C50C-407E-A947-70E740481C1C}">
                 <a14:useLocalDpi xmlns:a14="http://schemas.microsoft.com/office/drawing/2010/main" val="0"/>
               </a:ext>
             </a:extLst>
           </a:blip>
-          <a:srcRect/>
           <a:stretch>
             <a:fillRect/>
           </a:stretch>
         </p:blipFill>
-        <p:spPr bwMode="auto">
-          <a:xfrm>
-            <a:off x="3391174" y="770006"/>
-            <a:ext cx="857250" cy="809625"/>
+        <p:spPr>
+          <a:xfrm>
+            <a:off x="2727199" y="507535"/>
+            <a:ext cx="390153" cy="390153"/>
           </a:xfrm>
           <a:prstGeom prst="rect">
             <a:avLst/>
           </a:prstGeom>
-          <a:noFill/>
-          <a:extLst>
-            <a:ext uri="{909E8E84-426E-40DD-AFC4-6F175D3DCCD1}">
-              <a14:hiddenFill xmlns:a14="http://schemas.microsoft.com/office/drawing/2010/main">
-                <a:solidFill>
-                  <a:srgbClr val="FFFFFF"/>
-                </a:solidFill>
-              </a14:hiddenFill>
-            </a:ext>
-          </a:extLst>
         </p:spPr>
       </p:pic>
-      <p:cxnSp>
-        <p:nvCxnSpPr>
-          <p:cNvPr id="18" name="Straight Connector 17">
-            <a:extLst>
-              <a:ext uri="{FF2B5EF4-FFF2-40B4-BE49-F238E27FC236}">
-                <a16:creationId xmlns:a16="http://schemas.microsoft.com/office/drawing/2014/main" id="{E47FE56F-918E-499D-98A8-601D634441D4}"/>
-              </a:ext>
-            </a:extLst>
-          </p:cNvPr>
-          <p:cNvCxnSpPr/>
-          <p:nvPr/>
-        </p:nvCxnSpPr>
-        <p:spPr>
-          <a:xfrm>
-            <a:off x="4267692" y="3457673"/>
-            <a:ext cx="3128775" cy="187"/>
-          </a:xfrm>
-          <a:prstGeom prst="line">
-            <a:avLst/>
-          </a:prstGeom>
-        </p:spPr>
-        <p:style>
-          <a:lnRef idx="2">
-            <a:schemeClr val="accent1"/>
-          </a:lnRef>
-          <a:fillRef idx="0">
-            <a:schemeClr val="accent1"/>
-          </a:fillRef>
-          <a:effectRef idx="1">
-            <a:schemeClr val="accent1"/>
-          </a:effectRef>
-          <a:fontRef idx="minor">
-            <a:schemeClr val="tx1"/>
-          </a:fontRef>
-        </p:style>
-      </p:cxnSp>
       <p:pic>
         <p:nvPicPr>
-          <p:cNvPr id="19" name="Picture 2">
-            <a:extLst>
-              <a:ext uri="{FF2B5EF4-FFF2-40B4-BE49-F238E27FC236}">
-                <a16:creationId xmlns:a16="http://schemas.microsoft.com/office/drawing/2014/main" id="{81596101-A8EB-49A3-935D-208ECEA59F5F}"/>
+          <p:cNvPr id="44" name="Picture 43" descr="A close up of a logo&#10;&#10;Description automatically generated">
+            <a:extLst>
+              <a:ext uri="{FF2B5EF4-FFF2-40B4-BE49-F238E27FC236}">
+                <a16:creationId xmlns:a16="http://schemas.microsoft.com/office/drawing/2014/main" id="{9C7E8CA2-5F1E-4E2F-8888-3197EBCE7171}"/>
               </a:ext>
             </a:extLst>
           </p:cNvPr>
           <p:cNvPicPr>
-            <a:picLocks noChangeAspect="1" noChangeArrowheads="1"/>
+            <a:picLocks noChangeAspect="1"/>
           </p:cNvPicPr>
           <p:nvPr/>
         </p:nvPicPr>
         <p:blipFill>
-          <a:blip r:embed="rId5">
+          <a:blip r:embed="rId21">
             <a:extLst>
               <a:ext uri="{28A0092B-C50C-407E-A947-70E740481C1C}">
                 <a14:useLocalDpi xmlns:a14="http://schemas.microsoft.com/office/drawing/2010/main" val="0"/>
               </a:ext>
             </a:extLst>
           </a:blip>
-          <a:srcRect/>
           <a:stretch>
             <a:fillRect/>
           </a:stretch>
         </p:blipFill>
-        <p:spPr bwMode="auto">
-          <a:xfrm>
-            <a:off x="1185301" y="770006"/>
-            <a:ext cx="857250" cy="809625"/>
+        <p:spPr>
+          <a:xfrm>
+            <a:off x="4881200" y="506028"/>
+            <a:ext cx="390153" cy="390153"/>
           </a:xfrm>
           <a:prstGeom prst="rect">
             <a:avLst/>
           </a:prstGeom>
-          <a:noFill/>
-          <a:extLst>
-            <a:ext uri="{909E8E84-426E-40DD-AFC4-6F175D3DCCD1}">
-              <a14:hiddenFill xmlns:a14="http://schemas.microsoft.com/office/drawing/2010/main">
-                <a:solidFill>
-                  <a:srgbClr val="FFFFFF"/>
-                </a:solidFill>
-              </a14:hiddenFill>
-            </a:ext>
-          </a:extLst>
         </p:spPr>
       </p:pic>
-      <p:sp>
-        <p:nvSpPr>
-          <p:cNvPr id="22" name="Heptagon 21">
-            <a:extLst>
-              <a:ext uri="{FF2B5EF4-FFF2-40B4-BE49-F238E27FC236}">
-                <a16:creationId xmlns:a16="http://schemas.microsoft.com/office/drawing/2014/main" id="{9DC9C82A-36F2-4DA5-AAE7-F9FC02DA4D7C}"/>
-              </a:ext>
-            </a:extLst>
-          </p:cNvPr>
-          <p:cNvSpPr/>
-          <p:nvPr/>
-        </p:nvSpPr>
-        <p:spPr>
-          <a:xfrm>
-            <a:off x="3237456" y="425904"/>
-            <a:ext cx="307435" cy="344102"/>
-          </a:xfrm>
-          <a:prstGeom prst="heptagon">
-            <a:avLst/>
-          </a:prstGeom>
-        </p:spPr>
-        <p:style>
-          <a:lnRef idx="2">
-            <a:schemeClr val="accent1">
-              <a:shade val="50000"/>
-            </a:schemeClr>
-          </a:lnRef>
-          <a:fillRef idx="1">
-            <a:schemeClr val="accent1"/>
-          </a:fillRef>
-          <a:effectRef idx="0">
-            <a:schemeClr val="accent1"/>
-          </a:effectRef>
-          <a:fontRef idx="minor">
-            <a:schemeClr val="lt1"/>
-          </a:fontRef>
-        </p:style>
-        <p:txBody>
-          <a:bodyPr rtlCol="0" anchor="ctr"/>
-          <a:lstStyle/>
-          <a:p>
-            <a:pPr algn="ctr"/>
-            <a:r>
-              <a:rPr lang="en-US" dirty="0"/>
-              <a:t>5</a:t>
-            </a:r>
-          </a:p>
-        </p:txBody>
-      </p:sp>
-      <p:sp>
-        <p:nvSpPr>
-          <p:cNvPr id="23" name="Heptagon 22">
-            <a:extLst>
-              <a:ext uri="{FF2B5EF4-FFF2-40B4-BE49-F238E27FC236}">
-                <a16:creationId xmlns:a16="http://schemas.microsoft.com/office/drawing/2014/main" id="{D027EBA1-67A9-4BF1-ACE6-4F4DB7E49E26}"/>
-              </a:ext>
-            </a:extLst>
-          </p:cNvPr>
-          <p:cNvSpPr/>
-          <p:nvPr/>
-        </p:nvSpPr>
-        <p:spPr>
-          <a:xfrm>
-            <a:off x="954725" y="461674"/>
-            <a:ext cx="307435" cy="344102"/>
-          </a:xfrm>
-          <a:prstGeom prst="heptagon">
-            <a:avLst/>
-          </a:prstGeom>
-        </p:spPr>
-        <p:style>
-          <a:lnRef idx="2">
-            <a:schemeClr val="accent1">
-              <a:shade val="50000"/>
-            </a:schemeClr>
-          </a:lnRef>
-          <a:fillRef idx="1">
-            <a:schemeClr val="accent1"/>
-          </a:fillRef>
-          <a:effectRef idx="0">
-            <a:schemeClr val="accent1"/>
-          </a:effectRef>
-          <a:fontRef idx="minor">
-            <a:schemeClr val="lt1"/>
-          </a:fontRef>
-        </p:style>
-        <p:txBody>
-          <a:bodyPr rtlCol="0" anchor="ctr"/>
-          <a:lstStyle/>
-          <a:p>
-            <a:pPr algn="ctr"/>
-            <a:r>
-              <a:rPr lang="en-US" dirty="0"/>
-              <a:t>6</a:t>
-            </a:r>
-          </a:p>
-        </p:txBody>
-      </p:sp>
-      <p:sp>
-        <p:nvSpPr>
-          <p:cNvPr id="24" name="TextBox 23">
-            <a:extLst>
-              <a:ext uri="{FF2B5EF4-FFF2-40B4-BE49-F238E27FC236}">
-                <a16:creationId xmlns:a16="http://schemas.microsoft.com/office/drawing/2014/main" id="{444ADC56-8CEB-448D-9DB4-A40A04DCB75F}"/>
-              </a:ext>
-            </a:extLst>
-          </p:cNvPr>
-          <p:cNvSpPr txBox="1"/>
-          <p:nvPr/>
-        </p:nvSpPr>
-        <p:spPr>
-          <a:xfrm>
-            <a:off x="3544890" y="466491"/>
-            <a:ext cx="1206219" cy="276999"/>
-          </a:xfrm>
-          <a:prstGeom prst="rect">
-            <a:avLst/>
-          </a:prstGeom>
-          <a:noFill/>
-        </p:spPr>
-        <p:txBody>
-          <a:bodyPr wrap="square" rtlCol="0">
-            <a:spAutoFit/>
-          </a:bodyPr>
-          <a:lstStyle/>
-          <a:p>
-            <a:r>
-              <a:rPr lang="en-US" sz="1200" dirty="0">
-                <a:solidFill>
-                  <a:srgbClr val="002060"/>
-                </a:solidFill>
-                <a:latin typeface="Verdana" panose="020B0604030504040204" pitchFamily="34" charset="0"/>
-                <a:ea typeface="Verdana" panose="020B0604030504040204" pitchFamily="34" charset="0"/>
-              </a:rPr>
-              <a:t>Windows VM</a:t>
-            </a:r>
-          </a:p>
-        </p:txBody>
-      </p:sp>
-      <p:sp>
-        <p:nvSpPr>
-          <p:cNvPr id="25" name="TextBox 24">
-            <a:extLst>
-              <a:ext uri="{FF2B5EF4-FFF2-40B4-BE49-F238E27FC236}">
-                <a16:creationId xmlns:a16="http://schemas.microsoft.com/office/drawing/2014/main" id="{94D56564-9C91-49CE-B97F-D9A8EDAD6D68}"/>
-              </a:ext>
-            </a:extLst>
-          </p:cNvPr>
-          <p:cNvSpPr txBox="1"/>
-          <p:nvPr/>
-        </p:nvSpPr>
-        <p:spPr>
-          <a:xfrm>
-            <a:off x="1308850" y="465186"/>
-            <a:ext cx="1206219" cy="276999"/>
-          </a:xfrm>
-          <a:prstGeom prst="rect">
-            <a:avLst/>
-          </a:prstGeom>
-          <a:noFill/>
-        </p:spPr>
-        <p:txBody>
-          <a:bodyPr wrap="square" rtlCol="0">
-            <a:spAutoFit/>
-          </a:bodyPr>
-          <a:lstStyle/>
-          <a:p>
-            <a:r>
-              <a:rPr lang="en-US" sz="1200" dirty="0">
-                <a:solidFill>
-                  <a:srgbClr val="002060"/>
-                </a:solidFill>
-                <a:latin typeface="Verdana" panose="020B0604030504040204" pitchFamily="34" charset="0"/>
-                <a:ea typeface="Verdana" panose="020B0604030504040204" pitchFamily="34" charset="0"/>
-              </a:rPr>
-              <a:t>Ubuntu VM</a:t>
-            </a:r>
-          </a:p>
-        </p:txBody>
-      </p:sp>
       <p:pic>
         <p:nvPicPr>
-          <p:cNvPr id="2" name="Picture 2">
-            <a:extLst>
-              <a:ext uri="{FF2B5EF4-FFF2-40B4-BE49-F238E27FC236}">
-                <a16:creationId xmlns:a16="http://schemas.microsoft.com/office/drawing/2014/main" id="{7BACA7D4-C34A-4935-A82E-FCDE642A4BF8}"/>
+          <p:cNvPr id="46" name="Picture 45" descr="A picture containing object, drawing, clock&#10;&#10;Description automatically generated">
+            <a:extLst>
+              <a:ext uri="{FF2B5EF4-FFF2-40B4-BE49-F238E27FC236}">
+                <a16:creationId xmlns:a16="http://schemas.microsoft.com/office/drawing/2014/main" id="{4F6779B2-2CDD-466E-BE8D-3DC3B38B185F}"/>
               </a:ext>
             </a:extLst>
           </p:cNvPr>
           <p:cNvPicPr>
-            <a:picLocks noChangeAspect="1" noChangeArrowheads="1"/>
+            <a:picLocks noChangeAspect="1"/>
           </p:cNvPicPr>
           <p:nvPr/>
         </p:nvPicPr>
         <p:blipFill>
-          <a:blip r:embed="rId6">
+          <a:blip r:embed="rId22">
             <a:extLst>
               <a:ext uri="{28A0092B-C50C-407E-A947-70E740481C1C}">
                 <a14:useLocalDpi xmlns:a14="http://schemas.microsoft.com/office/drawing/2010/main" val="0"/>
               </a:ext>
             </a:extLst>
           </a:blip>
-          <a:srcRect/>
           <a:stretch>
             <a:fillRect/>
           </a:stretch>
         </p:blipFill>
-        <p:spPr bwMode="auto">
-          <a:xfrm>
-            <a:off x="3771283" y="805639"/>
-            <a:ext cx="618960" cy="603282"/>
+        <p:spPr>
+          <a:xfrm>
+            <a:off x="6802982" y="506028"/>
+            <a:ext cx="390153" cy="390153"/>
           </a:xfrm>
           <a:prstGeom prst="rect">
             <a:avLst/>
           </a:prstGeom>
-          <a:noFill/>
-          <a:extLst>
-            <a:ext uri="{909E8E84-426E-40DD-AFC4-6F175D3DCCD1}">
-              <a14:hiddenFill xmlns:a14="http://schemas.microsoft.com/office/drawing/2010/main">
-                <a:solidFill>
-                  <a:srgbClr val="FFFFFF"/>
-                </a:solidFill>
-              </a14:hiddenFill>
-            </a:ext>
-          </a:extLst>
         </p:spPr>
       </p:pic>
-      <p:sp>
-        <p:nvSpPr>
-          <p:cNvPr id="26" name="TextBox 25">
-            <a:extLst>
-              <a:ext uri="{FF2B5EF4-FFF2-40B4-BE49-F238E27FC236}">
-                <a16:creationId xmlns:a16="http://schemas.microsoft.com/office/drawing/2014/main" id="{88EB1ECD-7D00-48B1-8A56-5CF8EC037158}"/>
-              </a:ext>
-            </a:extLst>
-          </p:cNvPr>
-          <p:cNvSpPr txBox="1"/>
-          <p:nvPr/>
-        </p:nvSpPr>
-        <p:spPr>
-          <a:xfrm>
-            <a:off x="4148000" y="927151"/>
-            <a:ext cx="1753180" cy="276999"/>
-          </a:xfrm>
-          <a:prstGeom prst="rect">
-            <a:avLst/>
-          </a:prstGeom>
-          <a:noFill/>
-        </p:spPr>
-        <p:txBody>
-          <a:bodyPr wrap="square" rtlCol="0">
-            <a:spAutoFit/>
-          </a:bodyPr>
-          <a:lstStyle/>
-          <a:p>
-            <a:r>
-              <a:rPr lang="en-US" sz="1200" dirty="0">
-                <a:solidFill>
-                  <a:srgbClr val="0070C0"/>
-                </a:solidFill>
-                <a:latin typeface="Verdana" panose="020B0604030504040204" pitchFamily="34" charset="0"/>
-                <a:ea typeface="Verdana" panose="020B0604030504040204" pitchFamily="34" charset="0"/>
-              </a:rPr>
-              <a:t>Razor App inside IIS</a:t>
-            </a:r>
-          </a:p>
-        </p:txBody>
-      </p:sp>
       <p:pic>
         <p:nvPicPr>
-          <p:cNvPr id="28" name="Picture 12">
-            <a:extLst>
-              <a:ext uri="{FF2B5EF4-FFF2-40B4-BE49-F238E27FC236}">
-                <a16:creationId xmlns:a16="http://schemas.microsoft.com/office/drawing/2014/main" id="{BE573FE1-020D-4965-9EAD-D732491D43B6}"/>
+          <p:cNvPr id="48" name="Picture 47" descr="A picture containing game&#10;&#10;Description automatically generated">
+            <a:extLst>
+              <a:ext uri="{FF2B5EF4-FFF2-40B4-BE49-F238E27FC236}">
+                <a16:creationId xmlns:a16="http://schemas.microsoft.com/office/drawing/2014/main" id="{FF03DBD6-CC50-4A97-BD33-82244A6C7E6F}"/>
               </a:ext>
             </a:extLst>
           </p:cNvPr>
           <p:cNvPicPr>
-            <a:picLocks noChangeAspect="1" noChangeArrowheads="1"/>
+            <a:picLocks noChangeAspect="1"/>
           </p:cNvPicPr>
           <p:nvPr/>
         </p:nvPicPr>
         <p:blipFill>
-          <a:blip r:embed="rId2">
+          <a:blip r:embed="rId23">
             <a:extLst>
               <a:ext uri="{28A0092B-C50C-407E-A947-70E740481C1C}">
                 <a14:useLocalDpi xmlns:a14="http://schemas.microsoft.com/office/drawing/2010/main" val="0"/>
               </a:ext>
             </a:extLst>
           </a:blip>
-          <a:srcRect/>
           <a:stretch>
             <a:fillRect/>
           </a:stretch>
         </p:blipFill>
-        <p:spPr bwMode="auto">
-          <a:xfrm>
-            <a:off x="3529020" y="3071415"/>
-            <a:ext cx="809625" cy="809625"/>
+        <p:spPr>
+          <a:xfrm>
+            <a:off x="8650677" y="506352"/>
+            <a:ext cx="390153" cy="390153"/>
           </a:xfrm>
           <a:prstGeom prst="rect">
             <a:avLst/>
           </a:prstGeom>
-          <a:noFill/>
-          <a:extLst>
-            <a:ext uri="{909E8E84-426E-40DD-AFC4-6F175D3DCCD1}">
-              <a14:hiddenFill xmlns:a14="http://schemas.microsoft.com/office/drawing/2010/main">
-                <a:solidFill>
-                  <a:srgbClr val="FFFFFF"/>
-                </a:solidFill>
-              </a14:hiddenFill>
-            </a:ext>
-          </a:extLst>
         </p:spPr>
       </p:pic>
-      <p:sp>
-        <p:nvSpPr>
-          <p:cNvPr id="29" name="Heptagon 28">
-            <a:extLst>
-              <a:ext uri="{FF2B5EF4-FFF2-40B4-BE49-F238E27FC236}">
-                <a16:creationId xmlns:a16="http://schemas.microsoft.com/office/drawing/2014/main" id="{8678203A-7D22-423F-A8A1-A0D964021E91}"/>
-              </a:ext>
-            </a:extLst>
-          </p:cNvPr>
-          <p:cNvSpPr/>
-          <p:nvPr/>
-        </p:nvSpPr>
-        <p:spPr>
-          <a:xfrm>
-            <a:off x="3511340" y="2700797"/>
-            <a:ext cx="307435" cy="344102"/>
-          </a:xfrm>
-          <a:prstGeom prst="heptagon">
-            <a:avLst/>
-          </a:prstGeom>
-        </p:spPr>
-        <p:style>
-          <a:lnRef idx="2">
-            <a:schemeClr val="accent1">
-              <a:shade val="50000"/>
-            </a:schemeClr>
-          </a:lnRef>
-          <a:fillRef idx="1">
-            <a:schemeClr val="accent1"/>
-          </a:fillRef>
-          <a:effectRef idx="0">
-            <a:schemeClr val="accent1"/>
-          </a:effectRef>
-          <a:fontRef idx="minor">
-            <a:schemeClr val="lt1"/>
-          </a:fontRef>
-        </p:style>
-        <p:txBody>
-          <a:bodyPr rtlCol="0" anchor="ctr"/>
-          <a:lstStyle/>
-          <a:p>
-            <a:pPr algn="ctr"/>
-            <a:r>
-              <a:rPr lang="en-US" dirty="0"/>
-              <a:t>1</a:t>
-            </a:r>
-          </a:p>
-        </p:txBody>
-      </p:sp>
-      <p:sp>
-        <p:nvSpPr>
-          <p:cNvPr id="30" name="TextBox 29">
-            <a:extLst>
-              <a:ext uri="{FF2B5EF4-FFF2-40B4-BE49-F238E27FC236}">
-                <a16:creationId xmlns:a16="http://schemas.microsoft.com/office/drawing/2014/main" id="{2BC9F718-89F5-4ABC-8898-7B19A551B64A}"/>
+      <p:pic>
+        <p:nvPicPr>
+          <p:cNvPr id="50" name="Picture 49" descr="A close up of a logo&#10;&#10;Description automatically generated">
+            <a:extLst>
+              <a:ext uri="{FF2B5EF4-FFF2-40B4-BE49-F238E27FC236}">
+                <a16:creationId xmlns:a16="http://schemas.microsoft.com/office/drawing/2014/main" id="{779F2AB2-CDEF-415F-AE8D-58D363E55E56}"/>
+              </a:ext>
+            </a:extLst>
+          </p:cNvPr>
+          <p:cNvPicPr>
+            <a:picLocks noChangeAspect="1"/>
+          </p:cNvPicPr>
+          <p:nvPr/>
+        </p:nvPicPr>
+        <p:blipFill>
+          <a:blip r:embed="rId24">
+            <a:extLst>
+              <a:ext uri="{28A0092B-C50C-407E-A947-70E740481C1C}">
+                <a14:useLocalDpi xmlns:a14="http://schemas.microsoft.com/office/drawing/2010/main" val="0"/>
+              </a:ext>
+            </a:extLst>
+          </a:blip>
+          <a:stretch>
+            <a:fillRect/>
+          </a:stretch>
+        </p:blipFill>
+        <p:spPr>
+          <a:xfrm>
+            <a:off x="10768479" y="506027"/>
+            <a:ext cx="390153" cy="390153"/>
+          </a:xfrm>
+          <a:prstGeom prst="rect">
+            <a:avLst/>
+          </a:prstGeom>
+        </p:spPr>
+      </p:pic>
+      <p:pic>
+        <p:nvPicPr>
+          <p:cNvPr id="54" name="Picture 53" descr="A picture containing drawing&#10;&#10;Description automatically generated">
+            <a:extLst>
+              <a:ext uri="{FF2B5EF4-FFF2-40B4-BE49-F238E27FC236}">
+                <a16:creationId xmlns:a16="http://schemas.microsoft.com/office/drawing/2014/main" id="{B5C6B40D-2E6C-4A97-B379-4D03C27B58D2}"/>
+              </a:ext>
+            </a:extLst>
+          </p:cNvPr>
+          <p:cNvPicPr>
+            <a:picLocks noChangeAspect="1"/>
+          </p:cNvPicPr>
+          <p:nvPr/>
+        </p:nvPicPr>
+        <p:blipFill>
+          <a:blip r:embed="rId25">
+            <a:extLst>
+              <a:ext uri="{28A0092B-C50C-407E-A947-70E740481C1C}">
+                <a14:useLocalDpi xmlns:a14="http://schemas.microsoft.com/office/drawing/2010/main" val="0"/>
+              </a:ext>
+            </a:extLst>
+          </a:blip>
+          <a:stretch>
+            <a:fillRect/>
+          </a:stretch>
+        </p:blipFill>
+        <p:spPr>
+          <a:xfrm>
+            <a:off x="10768478" y="3019041"/>
+            <a:ext cx="390153" cy="390153"/>
+          </a:xfrm>
+          <a:prstGeom prst="rect">
+            <a:avLst/>
+          </a:prstGeom>
+        </p:spPr>
+      </p:pic>
+      <p:pic>
+        <p:nvPicPr>
+          <p:cNvPr id="56" name="Picture 55" descr="A close up of a logo&#10;&#10;Description automatically generated">
+            <a:extLst>
+              <a:ext uri="{FF2B5EF4-FFF2-40B4-BE49-F238E27FC236}">
+                <a16:creationId xmlns:a16="http://schemas.microsoft.com/office/drawing/2014/main" id="{4B7097A5-180E-461B-B13C-0CC5B836DD40}"/>
+              </a:ext>
+            </a:extLst>
+          </p:cNvPr>
+          <p:cNvPicPr>
+            <a:picLocks noChangeAspect="1"/>
+          </p:cNvPicPr>
+          <p:nvPr/>
+        </p:nvPicPr>
+        <p:blipFill>
+          <a:blip r:embed="rId26">
+            <a:extLst>
+              <a:ext uri="{28A0092B-C50C-407E-A947-70E740481C1C}">
+                <a14:useLocalDpi xmlns:a14="http://schemas.microsoft.com/office/drawing/2010/main" val="0"/>
+              </a:ext>
+            </a:extLst>
+          </a:blip>
+          <a:stretch>
+            <a:fillRect/>
+          </a:stretch>
+        </p:blipFill>
+        <p:spPr>
+          <a:xfrm>
+            <a:off x="5933633" y="3023311"/>
+            <a:ext cx="390153" cy="390153"/>
+          </a:xfrm>
+          <a:prstGeom prst="rect">
+            <a:avLst/>
+          </a:prstGeom>
+        </p:spPr>
+      </p:pic>
+      <p:sp>
+        <p:nvSpPr>
+          <p:cNvPr id="57" name="TextBox 56">
+            <a:extLst>
+              <a:ext uri="{FF2B5EF4-FFF2-40B4-BE49-F238E27FC236}">
+                <a16:creationId xmlns:a16="http://schemas.microsoft.com/office/drawing/2014/main" id="{24801AF1-40F5-4B78-8B88-3B17F07F3996}"/>
               </a:ext>
             </a:extLst>
           </p:cNvPr>
@@ -6139,8 +8080,8 @@
         </p:nvSpPr>
         <p:spPr>
           <a:xfrm>
-            <a:off x="3925476" y="2728022"/>
-            <a:ext cx="998991" cy="276999"/>
+            <a:off x="648070" y="1926452"/>
+            <a:ext cx="1111202" cy="369332"/>
           </a:xfrm>
           <a:prstGeom prst="rect">
             <a:avLst/>
@@ -6153,15 +8094,530 @@
           </a:bodyPr>
           <a:lstStyle/>
           <a:p>
-            <a:r>
-              <a:rPr lang="en-US" sz="1200" dirty="0">
-                <a:solidFill>
-                  <a:srgbClr val="002060"/>
-                </a:solidFill>
+            <a:pPr marL="0" marR="0" lvl="0" indent="0" algn="ctr" defTabSz="914400" rtl="0" eaLnBrk="1" fontAlgn="auto" latinLnBrk="0" hangingPunct="1">
+              <a:lnSpc>
+                <a:spcPct val="100000"/>
+              </a:lnSpc>
+              <a:spcBef>
+                <a:spcPts val="0"/>
+              </a:spcBef>
+              <a:spcAft>
+                <a:spcPts val="0"/>
+              </a:spcAft>
+              <a:buClrTx/>
+              <a:buSzTx/>
+              <a:buFontTx/>
+              <a:buNone/>
+              <a:tabLst/>
+              <a:defRPr/>
+            </a:pPr>
+            <a:r>
+              <a:rPr kumimoji="0" lang="en-IN" sz="900" b="0" i="0" u="none" strike="noStrike" kern="1200" cap="none" spc="0" normalizeH="0" baseline="0" noProof="0" dirty="0">
+                <a:ln>
+                  <a:noFill/>
+                </a:ln>
+                <a:solidFill>
+                  <a:srgbClr val="0070C0"/>
+                </a:solidFill>
+                <a:effectLst/>
+                <a:uLnTx/>
+                <a:uFillTx/>
                 <a:latin typeface="Verdana" panose="020B0604030504040204" pitchFamily="34" charset="0"/>
                 <a:ea typeface="Verdana" panose="020B0604030504040204" pitchFamily="34" charset="0"/>
+                <a:cs typeface="+mn-cs"/>
               </a:rPr>
-              <a:t>Ng 12 App</a:t>
+              <a:t>Feature Branch </a:t>
+            </a:r>
+          </a:p>
+          <a:p>
+            <a:pPr marL="0" marR="0" lvl="0" indent="0" algn="ctr" defTabSz="914400" rtl="0" eaLnBrk="1" fontAlgn="auto" latinLnBrk="0" hangingPunct="1">
+              <a:lnSpc>
+                <a:spcPct val="100000"/>
+              </a:lnSpc>
+              <a:spcBef>
+                <a:spcPts val="0"/>
+              </a:spcBef>
+              <a:spcAft>
+                <a:spcPts val="0"/>
+              </a:spcAft>
+              <a:buClrTx/>
+              <a:buSzTx/>
+              <a:buFontTx/>
+              <a:buNone/>
+              <a:tabLst/>
+              <a:defRPr/>
+            </a:pPr>
+            <a:r>
+              <a:rPr kumimoji="0" lang="en-IN" sz="900" b="0" i="0" u="none" strike="noStrike" kern="1200" cap="none" spc="0" normalizeH="0" baseline="0" noProof="0" dirty="0">
+                <a:ln>
+                  <a:noFill/>
+                </a:ln>
+                <a:solidFill>
+                  <a:srgbClr val="0070C0"/>
+                </a:solidFill>
+                <a:effectLst/>
+                <a:uLnTx/>
+                <a:uFillTx/>
+                <a:latin typeface="Verdana" panose="020B0604030504040204" pitchFamily="34" charset="0"/>
+                <a:ea typeface="Verdana" panose="020B0604030504040204" pitchFamily="34" charset="0"/>
+                <a:cs typeface="+mn-cs"/>
+              </a:rPr>
+              <a:t>Code </a:t>
+            </a:r>
+          </a:p>
+        </p:txBody>
+      </p:sp>
+      <p:sp>
+        <p:nvSpPr>
+          <p:cNvPr id="59" name="TextBox 58">
+            <a:extLst>
+              <a:ext uri="{FF2B5EF4-FFF2-40B4-BE49-F238E27FC236}">
+                <a16:creationId xmlns:a16="http://schemas.microsoft.com/office/drawing/2014/main" id="{8C126E89-A1A7-4EB3-9DEC-44A16C851BD3}"/>
+              </a:ext>
+            </a:extLst>
+          </p:cNvPr>
+          <p:cNvSpPr txBox="1"/>
+          <p:nvPr/>
+        </p:nvSpPr>
+        <p:spPr>
+          <a:xfrm>
+            <a:off x="2601105" y="1927929"/>
+            <a:ext cx="901209" cy="230832"/>
+          </a:xfrm>
+          <a:prstGeom prst="rect">
+            <a:avLst/>
+          </a:prstGeom>
+          <a:noFill/>
+        </p:spPr>
+        <p:txBody>
+          <a:bodyPr wrap="none" rtlCol="0">
+            <a:spAutoFit/>
+          </a:bodyPr>
+          <a:lstStyle/>
+          <a:p>
+            <a:pPr marL="0" marR="0" lvl="0" indent="0" algn="ctr" defTabSz="914400" rtl="0" eaLnBrk="1" fontAlgn="auto" latinLnBrk="0" hangingPunct="1">
+              <a:lnSpc>
+                <a:spcPct val="100000"/>
+              </a:lnSpc>
+              <a:spcBef>
+                <a:spcPts val="0"/>
+              </a:spcBef>
+              <a:spcAft>
+                <a:spcPts val="0"/>
+              </a:spcAft>
+              <a:buClrTx/>
+              <a:buSzTx/>
+              <a:buFontTx/>
+              <a:buNone/>
+              <a:tabLst/>
+              <a:defRPr/>
+            </a:pPr>
+            <a:r>
+              <a:rPr kumimoji="0" lang="en-IN" sz="900" b="0" i="0" u="none" strike="noStrike" kern="1200" cap="none" spc="0" normalizeH="0" baseline="0" noProof="0" dirty="0">
+                <a:ln>
+                  <a:noFill/>
+                </a:ln>
+                <a:solidFill>
+                  <a:srgbClr val="0070C0"/>
+                </a:solidFill>
+                <a:effectLst/>
+                <a:uLnTx/>
+                <a:uFillTx/>
+                <a:latin typeface="Verdana" panose="020B0604030504040204" pitchFamily="34" charset="0"/>
+                <a:ea typeface="Verdana" panose="020B0604030504040204" pitchFamily="34" charset="0"/>
+                <a:cs typeface="+mn-cs"/>
+              </a:rPr>
+              <a:t>Pull Request</a:t>
+            </a:r>
+          </a:p>
+        </p:txBody>
+      </p:sp>
+      <p:sp>
+        <p:nvSpPr>
+          <p:cNvPr id="60" name="TextBox 59">
+            <a:extLst>
+              <a:ext uri="{FF2B5EF4-FFF2-40B4-BE49-F238E27FC236}">
+                <a16:creationId xmlns:a16="http://schemas.microsoft.com/office/drawing/2014/main" id="{DBCFAD7A-E88C-4A0F-A610-6CBE85188BB1}"/>
+              </a:ext>
+            </a:extLst>
+          </p:cNvPr>
+          <p:cNvSpPr txBox="1"/>
+          <p:nvPr/>
+        </p:nvSpPr>
+        <p:spPr>
+          <a:xfrm>
+            <a:off x="4602471" y="1927928"/>
+            <a:ext cx="857927" cy="230832"/>
+          </a:xfrm>
+          <a:prstGeom prst="rect">
+            <a:avLst/>
+          </a:prstGeom>
+          <a:noFill/>
+        </p:spPr>
+        <p:txBody>
+          <a:bodyPr wrap="none" rtlCol="0">
+            <a:spAutoFit/>
+          </a:bodyPr>
+          <a:lstStyle/>
+          <a:p>
+            <a:pPr marL="0" marR="0" lvl="0" indent="0" algn="ctr" defTabSz="914400" rtl="0" eaLnBrk="1" fontAlgn="auto" latinLnBrk="0" hangingPunct="1">
+              <a:lnSpc>
+                <a:spcPct val="100000"/>
+              </a:lnSpc>
+              <a:spcBef>
+                <a:spcPts val="0"/>
+              </a:spcBef>
+              <a:spcAft>
+                <a:spcPts val="0"/>
+              </a:spcAft>
+              <a:buClrTx/>
+              <a:buSzTx/>
+              <a:buFontTx/>
+              <a:buNone/>
+              <a:tabLst/>
+              <a:defRPr/>
+            </a:pPr>
+            <a:r>
+              <a:rPr kumimoji="0" lang="en-IN" sz="900" b="0" i="0" u="none" strike="noStrike" kern="1200" cap="none" spc="0" normalizeH="0" baseline="0" noProof="0" dirty="0">
+                <a:ln>
+                  <a:noFill/>
+                </a:ln>
+                <a:solidFill>
+                  <a:srgbClr val="0070C0"/>
+                </a:solidFill>
+                <a:effectLst/>
+                <a:uLnTx/>
+                <a:uFillTx/>
+                <a:latin typeface="Verdana" panose="020B0604030504040204" pitchFamily="34" charset="0"/>
+                <a:ea typeface="Verdana" panose="020B0604030504040204" pitchFamily="34" charset="0"/>
+                <a:cs typeface="+mn-cs"/>
+              </a:rPr>
+              <a:t>Gated Build</a:t>
+            </a:r>
+          </a:p>
+        </p:txBody>
+      </p:sp>
+      <p:sp>
+        <p:nvSpPr>
+          <p:cNvPr id="61" name="TextBox 60">
+            <a:extLst>
+              <a:ext uri="{FF2B5EF4-FFF2-40B4-BE49-F238E27FC236}">
+                <a16:creationId xmlns:a16="http://schemas.microsoft.com/office/drawing/2014/main" id="{82C61609-CC07-4FD7-9C30-D031271928D1}"/>
+              </a:ext>
+            </a:extLst>
+          </p:cNvPr>
+          <p:cNvSpPr txBox="1"/>
+          <p:nvPr/>
+        </p:nvSpPr>
+        <p:spPr>
+          <a:xfrm>
+            <a:off x="6518198" y="1927932"/>
+            <a:ext cx="1021433" cy="230832"/>
+          </a:xfrm>
+          <a:prstGeom prst="rect">
+            <a:avLst/>
+          </a:prstGeom>
+          <a:noFill/>
+        </p:spPr>
+        <p:txBody>
+          <a:bodyPr wrap="none" rtlCol="0">
+            <a:spAutoFit/>
+          </a:bodyPr>
+          <a:lstStyle/>
+          <a:p>
+            <a:pPr marL="0" marR="0" lvl="0" indent="0" algn="ctr" defTabSz="914400" rtl="0" eaLnBrk="1" fontAlgn="auto" latinLnBrk="0" hangingPunct="1">
+              <a:lnSpc>
+                <a:spcPct val="100000"/>
+              </a:lnSpc>
+              <a:spcBef>
+                <a:spcPts val="0"/>
+              </a:spcBef>
+              <a:spcAft>
+                <a:spcPts val="0"/>
+              </a:spcAft>
+              <a:buClrTx/>
+              <a:buSzTx/>
+              <a:buFontTx/>
+              <a:buNone/>
+              <a:tabLst/>
+              <a:defRPr/>
+            </a:pPr>
+            <a:r>
+              <a:rPr kumimoji="0" lang="en-IN" sz="900" b="0" i="0" u="none" strike="noStrike" kern="1200" cap="none" spc="0" normalizeH="0" baseline="0" noProof="0" dirty="0">
+                <a:ln>
+                  <a:noFill/>
+                </a:ln>
+                <a:solidFill>
+                  <a:srgbClr val="0070C0"/>
+                </a:solidFill>
+                <a:effectLst/>
+                <a:uLnTx/>
+                <a:uFillTx/>
+                <a:latin typeface="Verdana" panose="020B0604030504040204" pitchFamily="34" charset="0"/>
+                <a:ea typeface="Verdana" panose="020B0604030504040204" pitchFamily="34" charset="0"/>
+                <a:cs typeface="+mn-cs"/>
+              </a:rPr>
+              <a:t>Master Branch</a:t>
+            </a:r>
+          </a:p>
+        </p:txBody>
+      </p:sp>
+      <p:sp>
+        <p:nvSpPr>
+          <p:cNvPr id="62" name="TextBox 61">
+            <a:extLst>
+              <a:ext uri="{FF2B5EF4-FFF2-40B4-BE49-F238E27FC236}">
+                <a16:creationId xmlns:a16="http://schemas.microsoft.com/office/drawing/2014/main" id="{249C46EA-9E6D-44DB-8464-705398B77D4A}"/>
+              </a:ext>
+            </a:extLst>
+          </p:cNvPr>
+          <p:cNvSpPr txBox="1"/>
+          <p:nvPr/>
+        </p:nvSpPr>
+        <p:spPr>
+          <a:xfrm>
+            <a:off x="8474817" y="1927931"/>
+            <a:ext cx="641522" cy="230832"/>
+          </a:xfrm>
+          <a:prstGeom prst="rect">
+            <a:avLst/>
+          </a:prstGeom>
+          <a:noFill/>
+        </p:spPr>
+        <p:txBody>
+          <a:bodyPr wrap="none" rtlCol="0">
+            <a:spAutoFit/>
+          </a:bodyPr>
+          <a:lstStyle/>
+          <a:p>
+            <a:pPr marL="0" marR="0" lvl="0" indent="0" algn="ctr" defTabSz="914400" rtl="0" eaLnBrk="1" fontAlgn="auto" latinLnBrk="0" hangingPunct="1">
+              <a:lnSpc>
+                <a:spcPct val="100000"/>
+              </a:lnSpc>
+              <a:spcBef>
+                <a:spcPts val="0"/>
+              </a:spcBef>
+              <a:spcAft>
+                <a:spcPts val="0"/>
+              </a:spcAft>
+              <a:buClrTx/>
+              <a:buSzTx/>
+              <a:buFontTx/>
+              <a:buNone/>
+              <a:tabLst/>
+              <a:defRPr/>
+            </a:pPr>
+            <a:r>
+              <a:rPr kumimoji="0" lang="en-IN" sz="900" b="0" i="0" u="none" strike="noStrike" kern="1200" cap="none" spc="0" normalizeH="0" baseline="0" noProof="0" dirty="0">
+                <a:ln>
+                  <a:noFill/>
+                </a:ln>
+                <a:solidFill>
+                  <a:srgbClr val="0070C0"/>
+                </a:solidFill>
+                <a:effectLst/>
+                <a:uLnTx/>
+                <a:uFillTx/>
+                <a:latin typeface="Verdana" panose="020B0604030504040204" pitchFamily="34" charset="0"/>
+                <a:ea typeface="Verdana" panose="020B0604030504040204" pitchFamily="34" charset="0"/>
+                <a:cs typeface="+mn-cs"/>
+              </a:rPr>
+              <a:t>CI Build</a:t>
+            </a:r>
+          </a:p>
+        </p:txBody>
+      </p:sp>
+      <p:sp>
+        <p:nvSpPr>
+          <p:cNvPr id="63" name="TextBox 62">
+            <a:extLst>
+              <a:ext uri="{FF2B5EF4-FFF2-40B4-BE49-F238E27FC236}">
+                <a16:creationId xmlns:a16="http://schemas.microsoft.com/office/drawing/2014/main" id="{42143B6B-0DBF-411D-B5F8-55CC77C45241}"/>
+              </a:ext>
+            </a:extLst>
+          </p:cNvPr>
+          <p:cNvSpPr txBox="1"/>
+          <p:nvPr/>
+        </p:nvSpPr>
+        <p:spPr>
+          <a:xfrm>
+            <a:off x="10484864" y="1927928"/>
+            <a:ext cx="1007007" cy="230832"/>
+          </a:xfrm>
+          <a:prstGeom prst="rect">
+            <a:avLst/>
+          </a:prstGeom>
+          <a:noFill/>
+        </p:spPr>
+        <p:txBody>
+          <a:bodyPr wrap="none" rtlCol="0">
+            <a:spAutoFit/>
+          </a:bodyPr>
+          <a:lstStyle/>
+          <a:p>
+            <a:pPr marL="0" marR="0" lvl="0" indent="0" algn="ctr" defTabSz="914400" rtl="0" eaLnBrk="1" fontAlgn="auto" latinLnBrk="0" hangingPunct="1">
+              <a:lnSpc>
+                <a:spcPct val="100000"/>
+              </a:lnSpc>
+              <a:spcBef>
+                <a:spcPts val="0"/>
+              </a:spcBef>
+              <a:spcAft>
+                <a:spcPts val="0"/>
+              </a:spcAft>
+              <a:buClrTx/>
+              <a:buSzTx/>
+              <a:buFontTx/>
+              <a:buNone/>
+              <a:tabLst/>
+              <a:defRPr/>
+            </a:pPr>
+            <a:r>
+              <a:rPr kumimoji="0" lang="en-IN" sz="900" b="0" i="0" u="none" strike="noStrike" kern="1200" cap="none" spc="0" normalizeH="0" baseline="0" noProof="0" dirty="0">
+                <a:ln>
+                  <a:noFill/>
+                </a:ln>
+                <a:solidFill>
+                  <a:srgbClr val="0070C0"/>
+                </a:solidFill>
+                <a:effectLst/>
+                <a:uLnTx/>
+                <a:uFillTx/>
+                <a:latin typeface="Verdana" panose="020B0604030504040204" pitchFamily="34" charset="0"/>
+                <a:ea typeface="Verdana" panose="020B0604030504040204" pitchFamily="34" charset="0"/>
+                <a:cs typeface="+mn-cs"/>
+              </a:rPr>
+              <a:t>Artefacts drop</a:t>
+            </a:r>
+          </a:p>
+        </p:txBody>
+      </p:sp>
+      <p:sp>
+        <p:nvSpPr>
+          <p:cNvPr id="64" name="TextBox 63">
+            <a:extLst>
+              <a:ext uri="{FF2B5EF4-FFF2-40B4-BE49-F238E27FC236}">
+                <a16:creationId xmlns:a16="http://schemas.microsoft.com/office/drawing/2014/main" id="{1B214976-97E2-44AA-89EE-93858B032AF0}"/>
+              </a:ext>
+            </a:extLst>
+          </p:cNvPr>
+          <p:cNvSpPr txBox="1"/>
+          <p:nvPr/>
+        </p:nvSpPr>
+        <p:spPr>
+          <a:xfrm>
+            <a:off x="10673090" y="4406279"/>
+            <a:ext cx="633507" cy="230832"/>
+          </a:xfrm>
+          <a:prstGeom prst="rect">
+            <a:avLst/>
+          </a:prstGeom>
+          <a:noFill/>
+        </p:spPr>
+        <p:txBody>
+          <a:bodyPr wrap="none" rtlCol="0">
+            <a:spAutoFit/>
+          </a:bodyPr>
+          <a:lstStyle/>
+          <a:p>
+            <a:pPr marL="0" marR="0" lvl="0" indent="0" algn="ctr" defTabSz="914400" rtl="0" eaLnBrk="1" fontAlgn="auto" latinLnBrk="0" hangingPunct="1">
+              <a:lnSpc>
+                <a:spcPct val="100000"/>
+              </a:lnSpc>
+              <a:spcBef>
+                <a:spcPts val="0"/>
+              </a:spcBef>
+              <a:spcAft>
+                <a:spcPts val="0"/>
+              </a:spcAft>
+              <a:buClrTx/>
+              <a:buSzTx/>
+              <a:buFontTx/>
+              <a:buNone/>
+              <a:tabLst/>
+              <a:defRPr/>
+            </a:pPr>
+            <a:r>
+              <a:rPr kumimoji="0" lang="en-IN" sz="900" b="0" i="0" u="none" strike="noStrike" kern="1200" cap="none" spc="0" normalizeH="0" baseline="0" noProof="0" dirty="0">
+                <a:ln>
+                  <a:noFill/>
+                </a:ln>
+                <a:solidFill>
+                  <a:srgbClr val="0070C0"/>
+                </a:solidFill>
+                <a:effectLst/>
+                <a:uLnTx/>
+                <a:uFillTx/>
+                <a:latin typeface="Verdana" panose="020B0604030504040204" pitchFamily="34" charset="0"/>
+                <a:ea typeface="Verdana" panose="020B0604030504040204" pitchFamily="34" charset="0"/>
+                <a:cs typeface="+mn-cs"/>
+              </a:rPr>
+              <a:t>Release</a:t>
+            </a:r>
+          </a:p>
+        </p:txBody>
+      </p:sp>
+      <p:sp>
+        <p:nvSpPr>
+          <p:cNvPr id="65" name="TextBox 64">
+            <a:extLst>
+              <a:ext uri="{FF2B5EF4-FFF2-40B4-BE49-F238E27FC236}">
+                <a16:creationId xmlns:a16="http://schemas.microsoft.com/office/drawing/2014/main" id="{B13AA115-519F-4E7B-A289-6AF4CCC85A69}"/>
+              </a:ext>
+            </a:extLst>
+          </p:cNvPr>
+          <p:cNvSpPr txBox="1"/>
+          <p:nvPr/>
+        </p:nvSpPr>
+        <p:spPr>
+          <a:xfrm>
+            <a:off x="5804273" y="3438412"/>
+            <a:ext cx="1045479" cy="230832"/>
+          </a:xfrm>
+          <a:prstGeom prst="rect">
+            <a:avLst/>
+          </a:prstGeom>
+          <a:noFill/>
+        </p:spPr>
+        <p:txBody>
+          <a:bodyPr wrap="none" rtlCol="0">
+            <a:spAutoFit/>
+          </a:bodyPr>
+          <a:lstStyle/>
+          <a:p>
+            <a:pPr marL="0" marR="0" lvl="0" indent="0" algn="ctr" defTabSz="914400" rtl="0" eaLnBrk="1" fontAlgn="auto" latinLnBrk="0" hangingPunct="1">
+              <a:lnSpc>
+                <a:spcPct val="100000"/>
+              </a:lnSpc>
+              <a:spcBef>
+                <a:spcPts val="0"/>
+              </a:spcBef>
+              <a:spcAft>
+                <a:spcPts val="0"/>
+              </a:spcAft>
+              <a:buClrTx/>
+              <a:buSzTx/>
+              <a:buFontTx/>
+              <a:buNone/>
+              <a:tabLst/>
+              <a:defRPr/>
+            </a:pPr>
+            <a:r>
+              <a:rPr kumimoji="0" lang="en-IN" sz="900" b="0" i="0" u="none" strike="noStrike" kern="1200" cap="none" spc="0" normalizeH="0" baseline="0" noProof="0" dirty="0">
+                <a:ln>
+                  <a:noFill/>
+                </a:ln>
+                <a:solidFill>
+                  <a:srgbClr val="0070C0"/>
+                </a:solidFill>
+                <a:effectLst/>
+                <a:uLnTx/>
+                <a:uFillTx/>
+                <a:latin typeface="Verdana" panose="020B0604030504040204" pitchFamily="34" charset="0"/>
+                <a:ea typeface="Verdana" panose="020B0604030504040204" pitchFamily="34" charset="0"/>
+                <a:cs typeface="+mn-cs"/>
+              </a:rPr>
+              <a:t>Environment A</a:t>
             </a:r>
           </a:p>
         </p:txBody>
@@ -6169,7 +8625,7 @@
     </p:spTree>
     <p:extLst>
       <p:ext uri="{BB962C8B-B14F-4D97-AF65-F5344CB8AC3E}">
-        <p14:creationId xmlns:p14="http://schemas.microsoft.com/office/powerpoint/2010/main" val="2545165636"/>
+        <p14:creationId xmlns:p14="http://schemas.microsoft.com/office/powerpoint/2010/main" val="2001996074"/>
       </p:ext>
     </p:extLst>
   </p:cSld>
@@ -6282,7 +8738,7 @@
                 <a:latin typeface="Verdana" panose="020B0604030504040204" pitchFamily="34" charset="0"/>
                 <a:ea typeface="Verdana" panose="020B0604030504040204" pitchFamily="34" charset="0"/>
               </a:rPr>
-              <a:t>10-Nov-2021</a:t>
+              <a:t>24-Nov-2021</a:t>
             </a:r>
           </a:p>
         </p:txBody>
@@ -7490,7 +9946,7 @@
     </p:spTree>
     <p:extLst>
       <p:ext uri="{BB962C8B-B14F-4D97-AF65-F5344CB8AC3E}">
-        <p14:creationId xmlns:p14="http://schemas.microsoft.com/office/powerpoint/2010/main" val="1281688862"/>
+        <p14:creationId xmlns:p14="http://schemas.microsoft.com/office/powerpoint/2010/main" val="2545165636"/>
       </p:ext>
     </p:extLst>
   </p:cSld>
@@ -7603,7 +10059,7 @@
                 <a:latin typeface="Verdana" panose="020B0604030504040204" pitchFamily="34" charset="0"/>
                 <a:ea typeface="Verdana" panose="020B0604030504040204" pitchFamily="34" charset="0"/>
               </a:rPr>
-              <a:t>27-Oct-2021</a:t>
+              <a:t>10-Nov-2021</a:t>
             </a:r>
           </a:p>
         </p:txBody>
@@ -8003,7 +10459,7 @@
             <a:pPr algn="ctr"/>
             <a:r>
               <a:rPr lang="en-US" dirty="0"/>
-              <a:t>1</a:t>
+              <a:t>2</a:t>
             </a:r>
           </a:p>
         </p:txBody>
@@ -8052,7 +10508,7 @@
             <a:pPr algn="ctr"/>
             <a:r>
               <a:rPr lang="en-US" dirty="0"/>
-              <a:t>2</a:t>
+              <a:t>3</a:t>
             </a:r>
           </a:p>
         </p:txBody>
@@ -8227,7 +10683,7 @@
             <a:pPr algn="ctr"/>
             <a:r>
               <a:rPr lang="en-US" dirty="0"/>
-              <a:t>3</a:t>
+              <a:t>4</a:t>
             </a:r>
           </a:p>
         </p:txBody>
@@ -8302,7 +10758,7 @@
         </p:blipFill>
         <p:spPr bwMode="auto">
           <a:xfrm>
-            <a:off x="3391174" y="1118797"/>
+            <a:off x="3391174" y="770006"/>
             <a:ext cx="857250" cy="809625"/>
           </a:xfrm>
           <a:prstGeom prst="rect">
@@ -8385,7 +10841,7 @@
         </p:blipFill>
         <p:spPr bwMode="auto">
           <a:xfrm>
-            <a:off x="3391174" y="4397548"/>
+            <a:off x="1185301" y="770006"/>
             <a:ext cx="857250" cy="809625"/>
           </a:xfrm>
           <a:prstGeom prst="rect">
@@ -8417,7 +10873,7 @@
         </p:nvSpPr>
         <p:spPr>
           <a:xfrm>
-            <a:off x="3237456" y="774695"/>
+            <a:off x="3237456" y="425904"/>
             <a:ext cx="307435" cy="344102"/>
           </a:xfrm>
           <a:prstGeom prst="heptagon">
@@ -8447,7 +10903,7 @@
             <a:pPr algn="ctr"/>
             <a:r>
               <a:rPr lang="en-US" dirty="0"/>
-              <a:t>4</a:t>
+              <a:t>5</a:t>
             </a:r>
           </a:p>
         </p:txBody>
@@ -8466,7 +10922,7 @@
         </p:nvSpPr>
         <p:spPr>
           <a:xfrm>
-            <a:off x="3237455" y="5166586"/>
+            <a:off x="954725" y="461674"/>
             <a:ext cx="307435" cy="344102"/>
           </a:xfrm>
           <a:prstGeom prst="heptagon">
@@ -8496,7 +10952,7 @@
             <a:pPr algn="ctr"/>
             <a:r>
               <a:rPr lang="en-US" dirty="0"/>
-              <a:t>5</a:t>
+              <a:t>6</a:t>
             </a:r>
           </a:p>
         </p:txBody>
@@ -8515,7 +10971,7 @@
         </p:nvSpPr>
         <p:spPr>
           <a:xfrm>
-            <a:off x="3544890" y="815282"/>
+            <a:off x="3544890" y="466491"/>
             <a:ext cx="1206219" cy="276999"/>
           </a:xfrm>
           <a:prstGeom prst="rect">
@@ -8556,7 +11012,7 @@
         </p:nvSpPr>
         <p:spPr>
           <a:xfrm>
-            <a:off x="3527429" y="5233689"/>
+            <a:off x="1308850" y="465186"/>
             <a:ext cx="1206219" cy="276999"/>
           </a:xfrm>
           <a:prstGeom prst="rect">
@@ -8612,7 +11068,7 @@
         </p:blipFill>
         <p:spPr bwMode="auto">
           <a:xfrm>
-            <a:off x="3771283" y="1154430"/>
+            <a:off x="3771283" y="805639"/>
             <a:ext cx="618960" cy="603282"/>
           </a:xfrm>
           <a:prstGeom prst="rect">
@@ -8644,8 +11100,8 @@
         </p:nvSpPr>
         <p:spPr>
           <a:xfrm>
-            <a:off x="4147999" y="1275941"/>
-            <a:ext cx="2648337" cy="276999"/>
+            <a:off x="4148000" y="927151"/>
+            <a:ext cx="1753180" cy="276999"/>
           </a:xfrm>
           <a:prstGeom prst="rect">
             <a:avLst/>
@@ -8666,7 +11122,144 @@
                 <a:latin typeface="Verdana" panose="020B0604030504040204" pitchFamily="34" charset="0"/>
                 <a:ea typeface="Verdana" panose="020B0604030504040204" pitchFamily="34" charset="0"/>
               </a:rPr>
-              <a:t>Install IIS and deploy Web App</a:t>
+              <a:t>Razor App inside IIS</a:t>
+            </a:r>
+          </a:p>
+        </p:txBody>
+      </p:sp>
+      <p:pic>
+        <p:nvPicPr>
+          <p:cNvPr id="28" name="Picture 12">
+            <a:extLst>
+              <a:ext uri="{FF2B5EF4-FFF2-40B4-BE49-F238E27FC236}">
+                <a16:creationId xmlns:a16="http://schemas.microsoft.com/office/drawing/2014/main" id="{BE573FE1-020D-4965-9EAD-D732491D43B6}"/>
+              </a:ext>
+            </a:extLst>
+          </p:cNvPr>
+          <p:cNvPicPr>
+            <a:picLocks noChangeAspect="1" noChangeArrowheads="1"/>
+          </p:cNvPicPr>
+          <p:nvPr/>
+        </p:nvPicPr>
+        <p:blipFill>
+          <a:blip r:embed="rId2">
+            <a:extLst>
+              <a:ext uri="{28A0092B-C50C-407E-A947-70E740481C1C}">
+                <a14:useLocalDpi xmlns:a14="http://schemas.microsoft.com/office/drawing/2010/main" val="0"/>
+              </a:ext>
+            </a:extLst>
+          </a:blip>
+          <a:srcRect/>
+          <a:stretch>
+            <a:fillRect/>
+          </a:stretch>
+        </p:blipFill>
+        <p:spPr bwMode="auto">
+          <a:xfrm>
+            <a:off x="3529020" y="3071415"/>
+            <a:ext cx="809625" cy="809625"/>
+          </a:xfrm>
+          <a:prstGeom prst="rect">
+            <a:avLst/>
+          </a:prstGeom>
+          <a:noFill/>
+          <a:extLst>
+            <a:ext uri="{909E8E84-426E-40DD-AFC4-6F175D3DCCD1}">
+              <a14:hiddenFill xmlns:a14="http://schemas.microsoft.com/office/drawing/2010/main">
+                <a:solidFill>
+                  <a:srgbClr val="FFFFFF"/>
+                </a:solidFill>
+              </a14:hiddenFill>
+            </a:ext>
+          </a:extLst>
+        </p:spPr>
+      </p:pic>
+      <p:sp>
+        <p:nvSpPr>
+          <p:cNvPr id="29" name="Heptagon 28">
+            <a:extLst>
+              <a:ext uri="{FF2B5EF4-FFF2-40B4-BE49-F238E27FC236}">
+                <a16:creationId xmlns:a16="http://schemas.microsoft.com/office/drawing/2014/main" id="{8678203A-7D22-423F-A8A1-A0D964021E91}"/>
+              </a:ext>
+            </a:extLst>
+          </p:cNvPr>
+          <p:cNvSpPr/>
+          <p:nvPr/>
+        </p:nvSpPr>
+        <p:spPr>
+          <a:xfrm>
+            <a:off x="3511340" y="2700797"/>
+            <a:ext cx="307435" cy="344102"/>
+          </a:xfrm>
+          <a:prstGeom prst="heptagon">
+            <a:avLst/>
+          </a:prstGeom>
+        </p:spPr>
+        <p:style>
+          <a:lnRef idx="2">
+            <a:schemeClr val="accent1">
+              <a:shade val="50000"/>
+            </a:schemeClr>
+          </a:lnRef>
+          <a:fillRef idx="1">
+            <a:schemeClr val="accent1"/>
+          </a:fillRef>
+          <a:effectRef idx="0">
+            <a:schemeClr val="accent1"/>
+          </a:effectRef>
+          <a:fontRef idx="minor">
+            <a:schemeClr val="lt1"/>
+          </a:fontRef>
+        </p:style>
+        <p:txBody>
+          <a:bodyPr rtlCol="0" anchor="ctr"/>
+          <a:lstStyle/>
+          <a:p>
+            <a:pPr algn="ctr"/>
+            <a:r>
+              <a:rPr lang="en-US" dirty="0"/>
+              <a:t>1</a:t>
+            </a:r>
+          </a:p>
+        </p:txBody>
+      </p:sp>
+      <p:sp>
+        <p:nvSpPr>
+          <p:cNvPr id="30" name="TextBox 29">
+            <a:extLst>
+              <a:ext uri="{FF2B5EF4-FFF2-40B4-BE49-F238E27FC236}">
+                <a16:creationId xmlns:a16="http://schemas.microsoft.com/office/drawing/2014/main" id="{2BC9F718-89F5-4ABC-8898-7B19A551B64A}"/>
+              </a:ext>
+            </a:extLst>
+          </p:cNvPr>
+          <p:cNvSpPr txBox="1"/>
+          <p:nvPr/>
+        </p:nvSpPr>
+        <p:spPr>
+          <a:xfrm>
+            <a:off x="3925476" y="2728022"/>
+            <a:ext cx="998991" cy="276999"/>
+          </a:xfrm>
+          <a:prstGeom prst="rect">
+            <a:avLst/>
+          </a:prstGeom>
+          <a:noFill/>
+        </p:spPr>
+        <p:txBody>
+          <a:bodyPr wrap="none" rtlCol="0">
+            <a:spAutoFit/>
+          </a:bodyPr>
+          <a:lstStyle/>
+          <a:p>
+            <a:r>
+              <a:rPr lang="en-US" sz="1200" dirty="0">
+                <a:solidFill>
+                  <a:srgbClr val="002060"/>
+                </a:solidFill>
+                <a:latin typeface="Verdana" panose="020B0604030504040204" pitchFamily="34" charset="0"/>
+                <a:ea typeface="Verdana" panose="020B0604030504040204" pitchFamily="34" charset="0"/>
+              </a:rPr>
+              <a:t>Ng 12 App</a:t>
             </a:r>
           </a:p>
         </p:txBody>
@@ -8674,7 +11267,7 @@
     </p:spTree>
     <p:extLst>
       <p:ext uri="{BB962C8B-B14F-4D97-AF65-F5344CB8AC3E}">
-        <p14:creationId xmlns:p14="http://schemas.microsoft.com/office/powerpoint/2010/main" val="657309907"/>
+        <p14:creationId xmlns:p14="http://schemas.microsoft.com/office/powerpoint/2010/main" val="1281688862"/>
       </p:ext>
     </p:extLst>
   </p:cSld>
@@ -8787,7 +11380,7 @@
                 <a:latin typeface="Verdana" panose="020B0604030504040204" pitchFamily="34" charset="0"/>
                 <a:ea typeface="Verdana" panose="020B0604030504040204" pitchFamily="34" charset="0"/>
               </a:rPr>
-              <a:t>13-Oct-2021</a:t>
+              <a:t>27-Oct-2021</a:t>
             </a:r>
           </a:p>
         </p:txBody>
@@ -9699,7 +12292,7 @@
         </p:nvSpPr>
         <p:spPr>
           <a:xfrm>
-            <a:off x="3544889" y="815284"/>
+            <a:off x="3544890" y="815282"/>
             <a:ext cx="1206219" cy="276999"/>
           </a:xfrm>
           <a:prstGeom prst="rect">
@@ -9767,10 +12360,98 @@
           </a:p>
         </p:txBody>
       </p:sp>
+      <p:pic>
+        <p:nvPicPr>
+          <p:cNvPr id="2" name="Picture 2">
+            <a:extLst>
+              <a:ext uri="{FF2B5EF4-FFF2-40B4-BE49-F238E27FC236}">
+                <a16:creationId xmlns:a16="http://schemas.microsoft.com/office/drawing/2014/main" id="{7BACA7D4-C34A-4935-A82E-FCDE642A4BF8}"/>
+              </a:ext>
+            </a:extLst>
+          </p:cNvPr>
+          <p:cNvPicPr>
+            <a:picLocks noChangeAspect="1" noChangeArrowheads="1"/>
+          </p:cNvPicPr>
+          <p:nvPr/>
+        </p:nvPicPr>
+        <p:blipFill>
+          <a:blip r:embed="rId6">
+            <a:extLst>
+              <a:ext uri="{28A0092B-C50C-407E-A947-70E740481C1C}">
+                <a14:useLocalDpi xmlns:a14="http://schemas.microsoft.com/office/drawing/2010/main" val="0"/>
+              </a:ext>
+            </a:extLst>
+          </a:blip>
+          <a:srcRect/>
+          <a:stretch>
+            <a:fillRect/>
+          </a:stretch>
+        </p:blipFill>
+        <p:spPr bwMode="auto">
+          <a:xfrm>
+            <a:off x="3771283" y="1154430"/>
+            <a:ext cx="618960" cy="603282"/>
+          </a:xfrm>
+          <a:prstGeom prst="rect">
+            <a:avLst/>
+          </a:prstGeom>
+          <a:noFill/>
+          <a:extLst>
+            <a:ext uri="{909E8E84-426E-40DD-AFC4-6F175D3DCCD1}">
+              <a14:hiddenFill xmlns:a14="http://schemas.microsoft.com/office/drawing/2010/main">
+                <a:solidFill>
+                  <a:srgbClr val="FFFFFF"/>
+                </a:solidFill>
+              </a14:hiddenFill>
+            </a:ext>
+          </a:extLst>
+        </p:spPr>
+      </p:pic>
+      <p:sp>
+        <p:nvSpPr>
+          <p:cNvPr id="26" name="TextBox 25">
+            <a:extLst>
+              <a:ext uri="{FF2B5EF4-FFF2-40B4-BE49-F238E27FC236}">
+                <a16:creationId xmlns:a16="http://schemas.microsoft.com/office/drawing/2014/main" id="{88EB1ECD-7D00-48B1-8A56-5CF8EC037158}"/>
+              </a:ext>
+            </a:extLst>
+          </p:cNvPr>
+          <p:cNvSpPr txBox="1"/>
+          <p:nvPr/>
+        </p:nvSpPr>
+        <p:spPr>
+          <a:xfrm>
+            <a:off x="4147999" y="1275941"/>
+            <a:ext cx="2648337" cy="276999"/>
+          </a:xfrm>
+          <a:prstGeom prst="rect">
+            <a:avLst/>
+          </a:prstGeom>
+          <a:noFill/>
+        </p:spPr>
+        <p:txBody>
+          <a:bodyPr wrap="square" rtlCol="0">
+            <a:spAutoFit/>
+          </a:bodyPr>
+          <a:lstStyle/>
+          <a:p>
+            <a:r>
+              <a:rPr lang="en-US" sz="1200" dirty="0">
+                <a:solidFill>
+                  <a:srgbClr val="0070C0"/>
+                </a:solidFill>
+                <a:latin typeface="Verdana" panose="020B0604030504040204" pitchFamily="34" charset="0"/>
+                <a:ea typeface="Verdana" panose="020B0604030504040204" pitchFamily="34" charset="0"/>
+              </a:rPr>
+              <a:t>Install IIS and deploy Web App</a:t>
+            </a:r>
+          </a:p>
+        </p:txBody>
+      </p:sp>
     </p:spTree>
     <p:extLst>
       <p:ext uri="{BB962C8B-B14F-4D97-AF65-F5344CB8AC3E}">
-        <p14:creationId xmlns:p14="http://schemas.microsoft.com/office/powerpoint/2010/main" val="2581768136"/>
+        <p14:creationId xmlns:p14="http://schemas.microsoft.com/office/powerpoint/2010/main" val="657309907"/>
       </p:ext>
     </p:extLst>
   </p:cSld>
@@ -9883,7 +12564,7 @@
                 <a:latin typeface="Verdana" panose="020B0604030504040204" pitchFamily="34" charset="0"/>
                 <a:ea typeface="Verdana" panose="020B0604030504040204" pitchFamily="34" charset="0"/>
               </a:rPr>
-              <a:t>29-Sep-2021</a:t>
+              <a:t>13-Oct-2021</a:t>
             </a:r>
           </a:p>
         </p:txBody>
@@ -10092,7 +12773,7 @@
         </p:blipFill>
         <p:spPr bwMode="auto">
           <a:xfrm>
-            <a:off x="4370897" y="3051292"/>
+            <a:off x="7368618" y="3051292"/>
             <a:ext cx="809625" cy="809625"/>
           </a:xfrm>
           <a:prstGeom prst="rect">
@@ -10124,7 +12805,7 @@
         </p:nvSpPr>
         <p:spPr>
           <a:xfrm>
-            <a:off x="4964445" y="2728022"/>
+            <a:off x="7962166" y="2728022"/>
             <a:ext cx="834396" cy="276999"/>
           </a:xfrm>
           <a:prstGeom prst="rect">
@@ -10180,7 +12861,7 @@
         </p:blipFill>
         <p:spPr bwMode="auto">
           <a:xfrm>
-            <a:off x="8309297" y="3051292"/>
+            <a:off x="11307018" y="3051292"/>
             <a:ext cx="810000" cy="810000"/>
           </a:xfrm>
           <a:prstGeom prst="rect">
@@ -10212,7 +12893,7 @@
         </p:nvSpPr>
         <p:spPr>
           <a:xfrm>
-            <a:off x="7509694" y="2722384"/>
+            <a:off x="10507415" y="2722384"/>
             <a:ext cx="992579" cy="276999"/>
           </a:xfrm>
           <a:prstGeom prst="rect">
@@ -10253,7 +12934,7 @@
         </p:nvSpPr>
         <p:spPr>
           <a:xfrm>
-            <a:off x="4614950" y="2700919"/>
+            <a:off x="7612671" y="2700919"/>
             <a:ext cx="307435" cy="344102"/>
           </a:xfrm>
           <a:prstGeom prst="heptagon">
@@ -10302,7 +12983,7 @@
         </p:nvSpPr>
         <p:spPr>
           <a:xfrm>
-            <a:off x="8440483" y="2700919"/>
+            <a:off x="11438204" y="2700919"/>
             <a:ext cx="307435" cy="344102"/>
           </a:xfrm>
           <a:prstGeom prst="heptagon">
@@ -10366,7 +13047,7 @@
         </p:blipFill>
         <p:spPr bwMode="auto">
           <a:xfrm>
-            <a:off x="4370897" y="5041057"/>
+            <a:off x="7368618" y="5041057"/>
             <a:ext cx="810000" cy="810000"/>
           </a:xfrm>
           <a:prstGeom prst="rect">
@@ -10401,7 +13082,7 @@
         </p:nvCxnSpPr>
         <p:spPr>
           <a:xfrm>
-            <a:off x="5180522" y="3456105"/>
+            <a:off x="8178243" y="3456105"/>
             <a:ext cx="3128775" cy="187"/>
           </a:xfrm>
           <a:prstGeom prst="line">
@@ -10440,7 +13121,7 @@
         </p:nvCxnSpPr>
         <p:spPr>
           <a:xfrm>
-            <a:off x="4775710" y="3860917"/>
+            <a:off x="7773431" y="3860917"/>
             <a:ext cx="187" cy="1180140"/>
           </a:xfrm>
           <a:prstGeom prst="line">
@@ -10477,7 +13158,7 @@
         </p:nvSpPr>
         <p:spPr>
           <a:xfrm>
-            <a:off x="4614950" y="5858706"/>
+            <a:off x="7612671" y="5858706"/>
             <a:ext cx="307435" cy="344102"/>
           </a:xfrm>
           <a:prstGeom prst="heptagon">
@@ -10526,7 +13207,7 @@
         </p:nvSpPr>
         <p:spPr>
           <a:xfrm>
-            <a:off x="5143834" y="5269474"/>
+            <a:off x="8141555" y="5269474"/>
             <a:ext cx="847733" cy="276999"/>
           </a:xfrm>
           <a:prstGeom prst="rect">
@@ -10553,10 +13234,320 @@
           </a:p>
         </p:txBody>
       </p:sp>
+      <p:pic>
+        <p:nvPicPr>
+          <p:cNvPr id="2050" name="Picture 2">
+            <a:extLst>
+              <a:ext uri="{FF2B5EF4-FFF2-40B4-BE49-F238E27FC236}">
+                <a16:creationId xmlns:a16="http://schemas.microsoft.com/office/drawing/2014/main" id="{E5FC223A-D3AB-4E6B-8768-C5EBCFD1EE4D}"/>
+              </a:ext>
+            </a:extLst>
+          </p:cNvPr>
+          <p:cNvPicPr>
+            <a:picLocks noChangeAspect="1" noChangeArrowheads="1"/>
+          </p:cNvPicPr>
+          <p:nvPr/>
+        </p:nvPicPr>
+        <p:blipFill>
+          <a:blip r:embed="rId5">
+            <a:extLst>
+              <a:ext uri="{28A0092B-C50C-407E-A947-70E740481C1C}">
+                <a14:useLocalDpi xmlns:a14="http://schemas.microsoft.com/office/drawing/2010/main" val="0"/>
+              </a:ext>
+            </a:extLst>
+          </a:blip>
+          <a:srcRect/>
+          <a:stretch>
+            <a:fillRect/>
+          </a:stretch>
+        </p:blipFill>
+        <p:spPr bwMode="auto">
+          <a:xfrm>
+            <a:off x="3391174" y="1118797"/>
+            <a:ext cx="857250" cy="809625"/>
+          </a:xfrm>
+          <a:prstGeom prst="rect">
+            <a:avLst/>
+          </a:prstGeom>
+          <a:noFill/>
+          <a:extLst>
+            <a:ext uri="{909E8E84-426E-40DD-AFC4-6F175D3DCCD1}">
+              <a14:hiddenFill xmlns:a14="http://schemas.microsoft.com/office/drawing/2010/main">
+                <a:solidFill>
+                  <a:srgbClr val="FFFFFF"/>
+                </a:solidFill>
+              </a14:hiddenFill>
+            </a:ext>
+          </a:extLst>
+        </p:spPr>
+      </p:pic>
+      <p:cxnSp>
+        <p:nvCxnSpPr>
+          <p:cNvPr id="18" name="Straight Connector 17">
+            <a:extLst>
+              <a:ext uri="{FF2B5EF4-FFF2-40B4-BE49-F238E27FC236}">
+                <a16:creationId xmlns:a16="http://schemas.microsoft.com/office/drawing/2014/main" id="{E47FE56F-918E-499D-98A8-601D634441D4}"/>
+              </a:ext>
+            </a:extLst>
+          </p:cNvPr>
+          <p:cNvCxnSpPr/>
+          <p:nvPr/>
+        </p:nvCxnSpPr>
+        <p:spPr>
+          <a:xfrm>
+            <a:off x="4267692" y="3457673"/>
+            <a:ext cx="3128775" cy="187"/>
+          </a:xfrm>
+          <a:prstGeom prst="line">
+            <a:avLst/>
+          </a:prstGeom>
+        </p:spPr>
+        <p:style>
+          <a:lnRef idx="2">
+            <a:schemeClr val="accent1"/>
+          </a:lnRef>
+          <a:fillRef idx="0">
+            <a:schemeClr val="accent1"/>
+          </a:fillRef>
+          <a:effectRef idx="1">
+            <a:schemeClr val="accent1"/>
+          </a:effectRef>
+          <a:fontRef idx="minor">
+            <a:schemeClr val="tx1"/>
+          </a:fontRef>
+        </p:style>
+      </p:cxnSp>
+      <p:pic>
+        <p:nvPicPr>
+          <p:cNvPr id="19" name="Picture 2">
+            <a:extLst>
+              <a:ext uri="{FF2B5EF4-FFF2-40B4-BE49-F238E27FC236}">
+                <a16:creationId xmlns:a16="http://schemas.microsoft.com/office/drawing/2014/main" id="{81596101-A8EB-49A3-935D-208ECEA59F5F}"/>
+              </a:ext>
+            </a:extLst>
+          </p:cNvPr>
+          <p:cNvPicPr>
+            <a:picLocks noChangeAspect="1" noChangeArrowheads="1"/>
+          </p:cNvPicPr>
+          <p:nvPr/>
+        </p:nvPicPr>
+        <p:blipFill>
+          <a:blip r:embed="rId5">
+            <a:extLst>
+              <a:ext uri="{28A0092B-C50C-407E-A947-70E740481C1C}">
+                <a14:useLocalDpi xmlns:a14="http://schemas.microsoft.com/office/drawing/2010/main" val="0"/>
+              </a:ext>
+            </a:extLst>
+          </a:blip>
+          <a:srcRect/>
+          <a:stretch>
+            <a:fillRect/>
+          </a:stretch>
+        </p:blipFill>
+        <p:spPr bwMode="auto">
+          <a:xfrm>
+            <a:off x="3391174" y="4397548"/>
+            <a:ext cx="857250" cy="809625"/>
+          </a:xfrm>
+          <a:prstGeom prst="rect">
+            <a:avLst/>
+          </a:prstGeom>
+          <a:noFill/>
+          <a:extLst>
+            <a:ext uri="{909E8E84-426E-40DD-AFC4-6F175D3DCCD1}">
+              <a14:hiddenFill xmlns:a14="http://schemas.microsoft.com/office/drawing/2010/main">
+                <a:solidFill>
+                  <a:srgbClr val="FFFFFF"/>
+                </a:solidFill>
+              </a14:hiddenFill>
+            </a:ext>
+          </a:extLst>
+        </p:spPr>
+      </p:pic>
+      <p:sp>
+        <p:nvSpPr>
+          <p:cNvPr id="22" name="Heptagon 21">
+            <a:extLst>
+              <a:ext uri="{FF2B5EF4-FFF2-40B4-BE49-F238E27FC236}">
+                <a16:creationId xmlns:a16="http://schemas.microsoft.com/office/drawing/2014/main" id="{9DC9C82A-36F2-4DA5-AAE7-F9FC02DA4D7C}"/>
+              </a:ext>
+            </a:extLst>
+          </p:cNvPr>
+          <p:cNvSpPr/>
+          <p:nvPr/>
+        </p:nvSpPr>
+        <p:spPr>
+          <a:xfrm>
+            <a:off x="3237456" y="774695"/>
+            <a:ext cx="307435" cy="344102"/>
+          </a:xfrm>
+          <a:prstGeom prst="heptagon">
+            <a:avLst/>
+          </a:prstGeom>
+        </p:spPr>
+        <p:style>
+          <a:lnRef idx="2">
+            <a:schemeClr val="accent1">
+              <a:shade val="50000"/>
+            </a:schemeClr>
+          </a:lnRef>
+          <a:fillRef idx="1">
+            <a:schemeClr val="accent1"/>
+          </a:fillRef>
+          <a:effectRef idx="0">
+            <a:schemeClr val="accent1"/>
+          </a:effectRef>
+          <a:fontRef idx="minor">
+            <a:schemeClr val="lt1"/>
+          </a:fontRef>
+        </p:style>
+        <p:txBody>
+          <a:bodyPr rtlCol="0" anchor="ctr"/>
+          <a:lstStyle/>
+          <a:p>
+            <a:pPr algn="ctr"/>
+            <a:r>
+              <a:rPr lang="en-US" dirty="0"/>
+              <a:t>4</a:t>
+            </a:r>
+          </a:p>
+        </p:txBody>
+      </p:sp>
+      <p:sp>
+        <p:nvSpPr>
+          <p:cNvPr id="23" name="Heptagon 22">
+            <a:extLst>
+              <a:ext uri="{FF2B5EF4-FFF2-40B4-BE49-F238E27FC236}">
+                <a16:creationId xmlns:a16="http://schemas.microsoft.com/office/drawing/2014/main" id="{D027EBA1-67A9-4BF1-ACE6-4F4DB7E49E26}"/>
+              </a:ext>
+            </a:extLst>
+          </p:cNvPr>
+          <p:cNvSpPr/>
+          <p:nvPr/>
+        </p:nvSpPr>
+        <p:spPr>
+          <a:xfrm>
+            <a:off x="3237455" y="5166586"/>
+            <a:ext cx="307435" cy="344102"/>
+          </a:xfrm>
+          <a:prstGeom prst="heptagon">
+            <a:avLst/>
+          </a:prstGeom>
+        </p:spPr>
+        <p:style>
+          <a:lnRef idx="2">
+            <a:schemeClr val="accent1">
+              <a:shade val="50000"/>
+            </a:schemeClr>
+          </a:lnRef>
+          <a:fillRef idx="1">
+            <a:schemeClr val="accent1"/>
+          </a:fillRef>
+          <a:effectRef idx="0">
+            <a:schemeClr val="accent1"/>
+          </a:effectRef>
+          <a:fontRef idx="minor">
+            <a:schemeClr val="lt1"/>
+          </a:fontRef>
+        </p:style>
+        <p:txBody>
+          <a:bodyPr rtlCol="0" anchor="ctr"/>
+          <a:lstStyle/>
+          <a:p>
+            <a:pPr algn="ctr"/>
+            <a:r>
+              <a:rPr lang="en-US" dirty="0"/>
+              <a:t>5</a:t>
+            </a:r>
+          </a:p>
+        </p:txBody>
+      </p:sp>
+      <p:sp>
+        <p:nvSpPr>
+          <p:cNvPr id="24" name="TextBox 23">
+            <a:extLst>
+              <a:ext uri="{FF2B5EF4-FFF2-40B4-BE49-F238E27FC236}">
+                <a16:creationId xmlns:a16="http://schemas.microsoft.com/office/drawing/2014/main" id="{444ADC56-8CEB-448D-9DB4-A40A04DCB75F}"/>
+              </a:ext>
+            </a:extLst>
+          </p:cNvPr>
+          <p:cNvSpPr txBox="1"/>
+          <p:nvPr/>
+        </p:nvSpPr>
+        <p:spPr>
+          <a:xfrm>
+            <a:off x="3544889" y="815284"/>
+            <a:ext cx="1206219" cy="276999"/>
+          </a:xfrm>
+          <a:prstGeom prst="rect">
+            <a:avLst/>
+          </a:prstGeom>
+          <a:noFill/>
+        </p:spPr>
+        <p:txBody>
+          <a:bodyPr wrap="square" rtlCol="0">
+            <a:spAutoFit/>
+          </a:bodyPr>
+          <a:lstStyle/>
+          <a:p>
+            <a:r>
+              <a:rPr lang="en-US" sz="1200" dirty="0">
+                <a:solidFill>
+                  <a:srgbClr val="002060"/>
+                </a:solidFill>
+                <a:latin typeface="Verdana" panose="020B0604030504040204" pitchFamily="34" charset="0"/>
+                <a:ea typeface="Verdana" panose="020B0604030504040204" pitchFamily="34" charset="0"/>
+              </a:rPr>
+              <a:t>Windows VM</a:t>
+            </a:r>
+          </a:p>
+        </p:txBody>
+      </p:sp>
+      <p:sp>
+        <p:nvSpPr>
+          <p:cNvPr id="25" name="TextBox 24">
+            <a:extLst>
+              <a:ext uri="{FF2B5EF4-FFF2-40B4-BE49-F238E27FC236}">
+                <a16:creationId xmlns:a16="http://schemas.microsoft.com/office/drawing/2014/main" id="{94D56564-9C91-49CE-B97F-D9A8EDAD6D68}"/>
+              </a:ext>
+            </a:extLst>
+          </p:cNvPr>
+          <p:cNvSpPr txBox="1"/>
+          <p:nvPr/>
+        </p:nvSpPr>
+        <p:spPr>
+          <a:xfrm>
+            <a:off x="3527429" y="5233689"/>
+            <a:ext cx="1206219" cy="276999"/>
+          </a:xfrm>
+          <a:prstGeom prst="rect">
+            <a:avLst/>
+          </a:prstGeom>
+          <a:noFill/>
+        </p:spPr>
+        <p:txBody>
+          <a:bodyPr wrap="square" rtlCol="0">
+            <a:spAutoFit/>
+          </a:bodyPr>
+          <a:lstStyle/>
+          <a:p>
+            <a:r>
+              <a:rPr lang="en-US" sz="1200" dirty="0">
+                <a:solidFill>
+                  <a:srgbClr val="002060"/>
+                </a:solidFill>
+                <a:latin typeface="Verdana" panose="020B0604030504040204" pitchFamily="34" charset="0"/>
+                <a:ea typeface="Verdana" panose="020B0604030504040204" pitchFamily="34" charset="0"/>
+              </a:rPr>
+              <a:t>Ubuntu VM</a:t>
+            </a:r>
+          </a:p>
+        </p:txBody>
+      </p:sp>
     </p:spTree>
     <p:extLst>
       <p:ext uri="{BB962C8B-B14F-4D97-AF65-F5344CB8AC3E}">
-        <p14:creationId xmlns:p14="http://schemas.microsoft.com/office/powerpoint/2010/main" val="1147422885"/>
+        <p14:creationId xmlns:p14="http://schemas.microsoft.com/office/powerpoint/2010/main" val="2581768136"/>
       </p:ext>
     </p:extLst>
   </p:cSld>
@@ -10669,6 +13660,792 @@
                 <a:latin typeface="Verdana" panose="020B0604030504040204" pitchFamily="34" charset="0"/>
                 <a:ea typeface="Verdana" panose="020B0604030504040204" pitchFamily="34" charset="0"/>
               </a:rPr>
+              <a:t>29-Sep-2021</a:t>
+            </a:r>
+          </a:p>
+        </p:txBody>
+      </p:sp>
+      <p:sp>
+        <p:nvSpPr>
+          <p:cNvPr id="9" name="Slide Number Placeholder 8">
+            <a:extLst>
+              <a:ext uri="{FF2B5EF4-FFF2-40B4-BE49-F238E27FC236}">
+                <a16:creationId xmlns:a16="http://schemas.microsoft.com/office/drawing/2014/main" id="{8162625C-0B1F-42E0-BE7C-D99A08FED7A3}"/>
+              </a:ext>
+            </a:extLst>
+          </p:cNvPr>
+          <p:cNvSpPr>
+            <a:spLocks noGrp="1"/>
+          </p:cNvSpPr>
+          <p:nvPr>
+            <p:ph type="sldNum" sz="quarter" idx="12"/>
+          </p:nvPr>
+        </p:nvSpPr>
+        <p:spPr>
+          <a:xfrm>
+            <a:off x="8610600" y="6476336"/>
+            <a:ext cx="2743200" cy="365125"/>
+          </a:xfrm>
+        </p:spPr>
+        <p:txBody>
+          <a:bodyPr/>
+          <a:lstStyle/>
+          <a:p>
+            <a:r>
+              <a:rPr lang="en-IN" b="1" dirty="0">
+                <a:solidFill>
+                  <a:srgbClr val="002060"/>
+                </a:solidFill>
+                <a:latin typeface="Verdana" panose="020B0604030504040204" pitchFamily="34" charset="0"/>
+                <a:ea typeface="Verdana" panose="020B0604030504040204" pitchFamily="34" charset="0"/>
+              </a:rPr>
+              <a:t>1</a:t>
+            </a:r>
+          </a:p>
+        </p:txBody>
+      </p:sp>
+      <p:sp>
+        <p:nvSpPr>
+          <p:cNvPr id="12" name="Footer Placeholder 7">
+            <a:extLst>
+              <a:ext uri="{FF2B5EF4-FFF2-40B4-BE49-F238E27FC236}">
+                <a16:creationId xmlns:a16="http://schemas.microsoft.com/office/drawing/2014/main" id="{64C57949-E349-47D3-A505-A098233AF49D}"/>
+              </a:ext>
+            </a:extLst>
+          </p:cNvPr>
+          <p:cNvSpPr txBox="1">
+            <a:spLocks/>
+          </p:cNvSpPr>
+          <p:nvPr/>
+        </p:nvSpPr>
+        <p:spPr>
+          <a:xfrm>
+            <a:off x="133897" y="6477810"/>
+            <a:ext cx="4114800" cy="365125"/>
+          </a:xfrm>
+          <a:prstGeom prst="rect">
+            <a:avLst/>
+          </a:prstGeom>
+        </p:spPr>
+        <p:txBody>
+          <a:bodyPr vert="horz" lIns="91440" tIns="45720" rIns="91440" bIns="45720" rtlCol="0" anchor="ctr"/>
+          <a:lstStyle>
+            <a:defPPr>
+              <a:defRPr lang="en-US"/>
+            </a:defPPr>
+            <a:lvl1pPr marL="0" algn="ctr" defTabSz="914400" rtl="0" eaLnBrk="1" latinLnBrk="0" hangingPunct="1">
+              <a:defRPr sz="1200" kern="1200">
+                <a:solidFill>
+                  <a:schemeClr val="tx1">
+                    <a:tint val="75000"/>
+                  </a:schemeClr>
+                </a:solidFill>
+                <a:latin typeface="+mn-lt"/>
+                <a:ea typeface="+mn-ea"/>
+                <a:cs typeface="+mn-cs"/>
+              </a:defRPr>
+            </a:lvl1pPr>
+            <a:lvl2pPr marL="457200" algn="l" defTabSz="914400" rtl="0" eaLnBrk="1" latinLnBrk="0" hangingPunct="1">
+              <a:defRPr sz="1800" kern="1200">
+                <a:solidFill>
+                  <a:schemeClr val="tx1"/>
+                </a:solidFill>
+                <a:latin typeface="+mn-lt"/>
+                <a:ea typeface="+mn-ea"/>
+                <a:cs typeface="+mn-cs"/>
+              </a:defRPr>
+            </a:lvl2pPr>
+            <a:lvl3pPr marL="914400" algn="l" defTabSz="914400" rtl="0" eaLnBrk="1" latinLnBrk="0" hangingPunct="1">
+              <a:defRPr sz="1800" kern="1200">
+                <a:solidFill>
+                  <a:schemeClr val="tx1"/>
+                </a:solidFill>
+                <a:latin typeface="+mn-lt"/>
+                <a:ea typeface="+mn-ea"/>
+                <a:cs typeface="+mn-cs"/>
+              </a:defRPr>
+            </a:lvl3pPr>
+            <a:lvl4pPr marL="1371600" algn="l" defTabSz="914400" rtl="0" eaLnBrk="1" latinLnBrk="0" hangingPunct="1">
+              <a:defRPr sz="1800" kern="1200">
+                <a:solidFill>
+                  <a:schemeClr val="tx1"/>
+                </a:solidFill>
+                <a:latin typeface="+mn-lt"/>
+                <a:ea typeface="+mn-ea"/>
+                <a:cs typeface="+mn-cs"/>
+              </a:defRPr>
+            </a:lvl4pPr>
+            <a:lvl5pPr marL="1828800" algn="l" defTabSz="914400" rtl="0" eaLnBrk="1" latinLnBrk="0" hangingPunct="1">
+              <a:defRPr sz="1800" kern="1200">
+                <a:solidFill>
+                  <a:schemeClr val="tx1"/>
+                </a:solidFill>
+                <a:latin typeface="+mn-lt"/>
+                <a:ea typeface="+mn-ea"/>
+                <a:cs typeface="+mn-cs"/>
+              </a:defRPr>
+            </a:lvl5pPr>
+            <a:lvl6pPr marL="2286000" algn="l" defTabSz="914400" rtl="0" eaLnBrk="1" latinLnBrk="0" hangingPunct="1">
+              <a:defRPr sz="1800" kern="1200">
+                <a:solidFill>
+                  <a:schemeClr val="tx1"/>
+                </a:solidFill>
+                <a:latin typeface="+mn-lt"/>
+                <a:ea typeface="+mn-ea"/>
+                <a:cs typeface="+mn-cs"/>
+              </a:defRPr>
+            </a:lvl6pPr>
+            <a:lvl7pPr marL="2743200" algn="l" defTabSz="914400" rtl="0" eaLnBrk="1" latinLnBrk="0" hangingPunct="1">
+              <a:defRPr sz="1800" kern="1200">
+                <a:solidFill>
+                  <a:schemeClr val="tx1"/>
+                </a:solidFill>
+                <a:latin typeface="+mn-lt"/>
+                <a:ea typeface="+mn-ea"/>
+                <a:cs typeface="+mn-cs"/>
+              </a:defRPr>
+            </a:lvl7pPr>
+            <a:lvl8pPr marL="3200400" algn="l" defTabSz="914400" rtl="0" eaLnBrk="1" latinLnBrk="0" hangingPunct="1">
+              <a:defRPr sz="1800" kern="1200">
+                <a:solidFill>
+                  <a:schemeClr val="tx1"/>
+                </a:solidFill>
+                <a:latin typeface="+mn-lt"/>
+                <a:ea typeface="+mn-ea"/>
+                <a:cs typeface="+mn-cs"/>
+              </a:defRPr>
+            </a:lvl8pPr>
+            <a:lvl9pPr marL="3657600" algn="l" defTabSz="914400" rtl="0" eaLnBrk="1" latinLnBrk="0" hangingPunct="1">
+              <a:defRPr sz="1800" kern="1200">
+                <a:solidFill>
+                  <a:schemeClr val="tx1"/>
+                </a:solidFill>
+                <a:latin typeface="+mn-lt"/>
+                <a:ea typeface="+mn-ea"/>
+                <a:cs typeface="+mn-cs"/>
+              </a:defRPr>
+            </a:lvl9pPr>
+          </a:lstStyle>
+          <a:p>
+            <a:r>
+              <a:rPr lang="en-IN" b="1" dirty="0">
+                <a:solidFill>
+                  <a:srgbClr val="002060"/>
+                </a:solidFill>
+                <a:latin typeface="Verdana" panose="020B0604030504040204" pitchFamily="34" charset="0"/>
+                <a:ea typeface="Verdana" panose="020B0604030504040204" pitchFamily="34" charset="0"/>
+              </a:rPr>
+              <a:t>Microsoft Reactor Bengaluru</a:t>
+            </a:r>
+          </a:p>
+        </p:txBody>
+      </p:sp>
+      <p:pic>
+        <p:nvPicPr>
+          <p:cNvPr id="6" name="Picture 12">
+            <a:extLst>
+              <a:ext uri="{FF2B5EF4-FFF2-40B4-BE49-F238E27FC236}">
+                <a16:creationId xmlns:a16="http://schemas.microsoft.com/office/drawing/2014/main" id="{7898CFCB-7659-4968-8E49-75F24799EB68}"/>
+              </a:ext>
+            </a:extLst>
+          </p:cNvPr>
+          <p:cNvPicPr>
+            <a:picLocks noChangeAspect="1" noChangeArrowheads="1"/>
+          </p:cNvPicPr>
+          <p:nvPr/>
+        </p:nvPicPr>
+        <p:blipFill>
+          <a:blip r:embed="rId2">
+            <a:extLst>
+              <a:ext uri="{28A0092B-C50C-407E-A947-70E740481C1C}">
+                <a14:useLocalDpi xmlns:a14="http://schemas.microsoft.com/office/drawing/2010/main" val="0"/>
+              </a:ext>
+            </a:extLst>
+          </a:blip>
+          <a:srcRect/>
+          <a:stretch>
+            <a:fillRect/>
+          </a:stretch>
+        </p:blipFill>
+        <p:spPr bwMode="auto">
+          <a:xfrm>
+            <a:off x="4370897" y="3051292"/>
+            <a:ext cx="809625" cy="809625"/>
+          </a:xfrm>
+          <a:prstGeom prst="rect">
+            <a:avLst/>
+          </a:prstGeom>
+          <a:noFill/>
+          <a:extLst>
+            <a:ext uri="{909E8E84-426E-40DD-AFC4-6F175D3DCCD1}">
+              <a14:hiddenFill xmlns:a14="http://schemas.microsoft.com/office/drawing/2010/main">
+                <a:solidFill>
+                  <a:srgbClr val="FFFFFF"/>
+                </a:solidFill>
+              </a14:hiddenFill>
+            </a:ext>
+          </a:extLst>
+        </p:spPr>
+      </p:pic>
+      <p:sp>
+        <p:nvSpPr>
+          <p:cNvPr id="10" name="TextBox 9">
+            <a:extLst>
+              <a:ext uri="{FF2B5EF4-FFF2-40B4-BE49-F238E27FC236}">
+                <a16:creationId xmlns:a16="http://schemas.microsoft.com/office/drawing/2014/main" id="{3657454D-AD85-4AEE-82DC-6159AD7DE31E}"/>
+              </a:ext>
+            </a:extLst>
+          </p:cNvPr>
+          <p:cNvSpPr txBox="1"/>
+          <p:nvPr/>
+        </p:nvSpPr>
+        <p:spPr>
+          <a:xfrm>
+            <a:off x="4964445" y="2728022"/>
+            <a:ext cx="834396" cy="276999"/>
+          </a:xfrm>
+          <a:prstGeom prst="rect">
+            <a:avLst/>
+          </a:prstGeom>
+          <a:noFill/>
+        </p:spPr>
+        <p:txBody>
+          <a:bodyPr wrap="none" rtlCol="0">
+            <a:spAutoFit/>
+          </a:bodyPr>
+          <a:lstStyle/>
+          <a:p>
+            <a:r>
+              <a:rPr lang="en-US" sz="1200" dirty="0">
+                <a:solidFill>
+                  <a:srgbClr val="002060"/>
+                </a:solidFill>
+                <a:latin typeface="Verdana" panose="020B0604030504040204" pitchFamily="34" charset="0"/>
+                <a:ea typeface="Verdana" panose="020B0604030504040204" pitchFamily="34" charset="0"/>
+              </a:rPr>
+              <a:t>Web API</a:t>
+            </a:r>
+          </a:p>
+        </p:txBody>
+      </p:sp>
+      <p:pic>
+        <p:nvPicPr>
+          <p:cNvPr id="11" name="Picture 10">
+            <a:extLst>
+              <a:ext uri="{FF2B5EF4-FFF2-40B4-BE49-F238E27FC236}">
+                <a16:creationId xmlns:a16="http://schemas.microsoft.com/office/drawing/2014/main" id="{13644FC0-4432-4DAA-BB42-865EDC6E7039}"/>
+              </a:ext>
+            </a:extLst>
+          </p:cNvPr>
+          <p:cNvPicPr>
+            <a:picLocks noChangeAspect="1" noChangeArrowheads="1"/>
+          </p:cNvPicPr>
+          <p:nvPr/>
+        </p:nvPicPr>
+        <p:blipFill>
+          <a:blip r:embed="rId3">
+            <a:extLst>
+              <a:ext uri="{28A0092B-C50C-407E-A947-70E740481C1C}">
+                <a14:useLocalDpi xmlns:a14="http://schemas.microsoft.com/office/drawing/2010/main" val="0"/>
+              </a:ext>
+            </a:extLst>
+          </a:blip>
+          <a:srcRect/>
+          <a:stretch>
+            <a:fillRect/>
+          </a:stretch>
+        </p:blipFill>
+        <p:spPr bwMode="auto">
+          <a:xfrm>
+            <a:off x="8309297" y="3051292"/>
+            <a:ext cx="810000" cy="810000"/>
+          </a:xfrm>
+          <a:prstGeom prst="rect">
+            <a:avLst/>
+          </a:prstGeom>
+          <a:noFill/>
+          <a:extLst>
+            <a:ext uri="{909E8E84-426E-40DD-AFC4-6F175D3DCCD1}">
+              <a14:hiddenFill xmlns:a14="http://schemas.microsoft.com/office/drawing/2010/main">
+                <a:solidFill>
+                  <a:srgbClr val="FFFFFF"/>
+                </a:solidFill>
+              </a14:hiddenFill>
+            </a:ext>
+          </a:extLst>
+        </p:spPr>
+      </p:pic>
+      <p:sp>
+        <p:nvSpPr>
+          <p:cNvPr id="13" name="TextBox 12">
+            <a:extLst>
+              <a:ext uri="{FF2B5EF4-FFF2-40B4-BE49-F238E27FC236}">
+                <a16:creationId xmlns:a16="http://schemas.microsoft.com/office/drawing/2014/main" id="{83BEFD28-360B-4C34-B776-983624107E9B}"/>
+              </a:ext>
+            </a:extLst>
+          </p:cNvPr>
+          <p:cNvSpPr txBox="1"/>
+          <p:nvPr/>
+        </p:nvSpPr>
+        <p:spPr>
+          <a:xfrm>
+            <a:off x="7509694" y="2722384"/>
+            <a:ext cx="992579" cy="276999"/>
+          </a:xfrm>
+          <a:prstGeom prst="rect">
+            <a:avLst/>
+          </a:prstGeom>
+          <a:noFill/>
+        </p:spPr>
+        <p:txBody>
+          <a:bodyPr wrap="none" rtlCol="0">
+            <a:spAutoFit/>
+          </a:bodyPr>
+          <a:lstStyle/>
+          <a:p>
+            <a:r>
+              <a:rPr lang="en-US" sz="1200" dirty="0">
+                <a:solidFill>
+                  <a:srgbClr val="002060"/>
+                </a:solidFill>
+                <a:latin typeface="Verdana" panose="020B0604030504040204" pitchFamily="34" charset="0"/>
+                <a:ea typeface="Verdana" panose="020B0604030504040204" pitchFamily="34" charset="0"/>
+              </a:rPr>
+              <a:t>Azure SQL</a:t>
+            </a:r>
+          </a:p>
+        </p:txBody>
+      </p:sp>
+      <p:sp>
+        <p:nvSpPr>
+          <p:cNvPr id="14" name="Heptagon 13">
+            <a:extLst>
+              <a:ext uri="{FF2B5EF4-FFF2-40B4-BE49-F238E27FC236}">
+                <a16:creationId xmlns:a16="http://schemas.microsoft.com/office/drawing/2014/main" id="{932FD78C-C27D-4D87-9137-AB3F88C3B70B}"/>
+              </a:ext>
+            </a:extLst>
+          </p:cNvPr>
+          <p:cNvSpPr/>
+          <p:nvPr/>
+        </p:nvSpPr>
+        <p:spPr>
+          <a:xfrm>
+            <a:off x="4614950" y="2700919"/>
+            <a:ext cx="307435" cy="344102"/>
+          </a:xfrm>
+          <a:prstGeom prst="heptagon">
+            <a:avLst/>
+          </a:prstGeom>
+        </p:spPr>
+        <p:style>
+          <a:lnRef idx="2">
+            <a:schemeClr val="accent1">
+              <a:shade val="50000"/>
+            </a:schemeClr>
+          </a:lnRef>
+          <a:fillRef idx="1">
+            <a:schemeClr val="accent1"/>
+          </a:fillRef>
+          <a:effectRef idx="0">
+            <a:schemeClr val="accent1"/>
+          </a:effectRef>
+          <a:fontRef idx="minor">
+            <a:schemeClr val="lt1"/>
+          </a:fontRef>
+        </p:style>
+        <p:txBody>
+          <a:bodyPr rtlCol="0" anchor="ctr"/>
+          <a:lstStyle/>
+          <a:p>
+            <a:pPr algn="ctr"/>
+            <a:r>
+              <a:rPr lang="en-US" dirty="0"/>
+              <a:t>1</a:t>
+            </a:r>
+          </a:p>
+        </p:txBody>
+      </p:sp>
+      <p:sp>
+        <p:nvSpPr>
+          <p:cNvPr id="15" name="Heptagon 14">
+            <a:extLst>
+              <a:ext uri="{FF2B5EF4-FFF2-40B4-BE49-F238E27FC236}">
+                <a16:creationId xmlns:a16="http://schemas.microsoft.com/office/drawing/2014/main" id="{1E40AC33-A982-446B-9D49-9D733A49316A}"/>
+              </a:ext>
+            </a:extLst>
+          </p:cNvPr>
+          <p:cNvSpPr/>
+          <p:nvPr/>
+        </p:nvSpPr>
+        <p:spPr>
+          <a:xfrm>
+            <a:off x="8440483" y="2700919"/>
+            <a:ext cx="307435" cy="344102"/>
+          </a:xfrm>
+          <a:prstGeom prst="heptagon">
+            <a:avLst/>
+          </a:prstGeom>
+        </p:spPr>
+        <p:style>
+          <a:lnRef idx="2">
+            <a:schemeClr val="accent1">
+              <a:shade val="50000"/>
+            </a:schemeClr>
+          </a:lnRef>
+          <a:fillRef idx="1">
+            <a:schemeClr val="accent1"/>
+          </a:fillRef>
+          <a:effectRef idx="0">
+            <a:schemeClr val="accent1"/>
+          </a:effectRef>
+          <a:fontRef idx="minor">
+            <a:schemeClr val="lt1"/>
+          </a:fontRef>
+        </p:style>
+        <p:txBody>
+          <a:bodyPr rtlCol="0" anchor="ctr"/>
+          <a:lstStyle/>
+          <a:p>
+            <a:pPr algn="ctr"/>
+            <a:r>
+              <a:rPr lang="en-US" dirty="0"/>
+              <a:t>2</a:t>
+            </a:r>
+          </a:p>
+        </p:txBody>
+      </p:sp>
+      <p:pic>
+        <p:nvPicPr>
+          <p:cNvPr id="1026" name="Picture 2">
+            <a:extLst>
+              <a:ext uri="{FF2B5EF4-FFF2-40B4-BE49-F238E27FC236}">
+                <a16:creationId xmlns:a16="http://schemas.microsoft.com/office/drawing/2014/main" id="{F57E8191-61DB-4EA0-9C1C-F149C364155D}"/>
+              </a:ext>
+            </a:extLst>
+          </p:cNvPr>
+          <p:cNvPicPr>
+            <a:picLocks noChangeAspect="1" noChangeArrowheads="1"/>
+          </p:cNvPicPr>
+          <p:nvPr/>
+        </p:nvPicPr>
+        <p:blipFill>
+          <a:blip r:embed="rId4">
+            <a:extLst>
+              <a:ext uri="{28A0092B-C50C-407E-A947-70E740481C1C}">
+                <a14:useLocalDpi xmlns:a14="http://schemas.microsoft.com/office/drawing/2010/main" val="0"/>
+              </a:ext>
+            </a:extLst>
+          </a:blip>
+          <a:srcRect/>
+          <a:stretch>
+            <a:fillRect/>
+          </a:stretch>
+        </p:blipFill>
+        <p:spPr bwMode="auto">
+          <a:xfrm>
+            <a:off x="4370897" y="5041057"/>
+            <a:ext cx="810000" cy="810000"/>
+          </a:xfrm>
+          <a:prstGeom prst="rect">
+            <a:avLst/>
+          </a:prstGeom>
+          <a:noFill/>
+          <a:extLst>
+            <a:ext uri="{909E8E84-426E-40DD-AFC4-6F175D3DCCD1}">
+              <a14:hiddenFill xmlns:a14="http://schemas.microsoft.com/office/drawing/2010/main">
+                <a:solidFill>
+                  <a:srgbClr val="FFFFFF"/>
+                </a:solidFill>
+              </a14:hiddenFill>
+            </a:ext>
+          </a:extLst>
+        </p:spPr>
+      </p:pic>
+      <p:cxnSp>
+        <p:nvCxnSpPr>
+          <p:cNvPr id="4" name="Straight Connector 3">
+            <a:extLst>
+              <a:ext uri="{FF2B5EF4-FFF2-40B4-BE49-F238E27FC236}">
+                <a16:creationId xmlns:a16="http://schemas.microsoft.com/office/drawing/2014/main" id="{3305130D-A90B-4CF0-8C61-F044EE9BFE47}"/>
+              </a:ext>
+            </a:extLst>
+          </p:cNvPr>
+          <p:cNvCxnSpPr>
+            <a:stCxn id="6" idx="3"/>
+            <a:endCxn id="11" idx="1"/>
+          </p:cNvCxnSpPr>
+          <p:nvPr/>
+        </p:nvCxnSpPr>
+        <p:spPr>
+          <a:xfrm>
+            <a:off x="5180522" y="3456105"/>
+            <a:ext cx="3128775" cy="187"/>
+          </a:xfrm>
+          <a:prstGeom prst="line">
+            <a:avLst/>
+          </a:prstGeom>
+        </p:spPr>
+        <p:style>
+          <a:lnRef idx="2">
+            <a:schemeClr val="accent1"/>
+          </a:lnRef>
+          <a:fillRef idx="0">
+            <a:schemeClr val="accent1"/>
+          </a:fillRef>
+          <a:effectRef idx="1">
+            <a:schemeClr val="accent1"/>
+          </a:effectRef>
+          <a:fontRef idx="minor">
+            <a:schemeClr val="tx1"/>
+          </a:fontRef>
+        </p:style>
+      </p:cxnSp>
+      <p:cxnSp>
+        <p:nvCxnSpPr>
+          <p:cNvPr id="17" name="Straight Connector 16">
+            <a:extLst>
+              <a:ext uri="{FF2B5EF4-FFF2-40B4-BE49-F238E27FC236}">
+                <a16:creationId xmlns:a16="http://schemas.microsoft.com/office/drawing/2014/main" id="{AAC1447B-07A7-40E7-8652-6EC297A4352B}"/>
+              </a:ext>
+            </a:extLst>
+          </p:cNvPr>
+          <p:cNvCxnSpPr>
+            <a:stCxn id="6" idx="2"/>
+            <a:endCxn id="1026" idx="0"/>
+          </p:cNvCxnSpPr>
+          <p:nvPr/>
+        </p:nvCxnSpPr>
+        <p:spPr>
+          <a:xfrm>
+            <a:off x="4775710" y="3860917"/>
+            <a:ext cx="187" cy="1180140"/>
+          </a:xfrm>
+          <a:prstGeom prst="line">
+            <a:avLst/>
+          </a:prstGeom>
+          <a:ln w="12700"/>
+        </p:spPr>
+        <p:style>
+          <a:lnRef idx="1">
+            <a:schemeClr val="accent1"/>
+          </a:lnRef>
+          <a:fillRef idx="0">
+            <a:schemeClr val="accent1"/>
+          </a:fillRef>
+          <a:effectRef idx="0">
+            <a:schemeClr val="accent1"/>
+          </a:effectRef>
+          <a:fontRef idx="minor">
+            <a:schemeClr val="tx1"/>
+          </a:fontRef>
+        </p:style>
+      </p:cxnSp>
+      <p:sp>
+        <p:nvSpPr>
+          <p:cNvPr id="20" name="Heptagon 19">
+            <a:extLst>
+              <a:ext uri="{FF2B5EF4-FFF2-40B4-BE49-F238E27FC236}">
+                <a16:creationId xmlns:a16="http://schemas.microsoft.com/office/drawing/2014/main" id="{81B034CB-CC36-4166-926A-86A06D7A20E6}"/>
+              </a:ext>
+            </a:extLst>
+          </p:cNvPr>
+          <p:cNvSpPr/>
+          <p:nvPr/>
+        </p:nvSpPr>
+        <p:spPr>
+          <a:xfrm>
+            <a:off x="4614950" y="5858706"/>
+            <a:ext cx="307435" cy="344102"/>
+          </a:xfrm>
+          <a:prstGeom prst="heptagon">
+            <a:avLst/>
+          </a:prstGeom>
+        </p:spPr>
+        <p:style>
+          <a:lnRef idx="2">
+            <a:schemeClr val="accent1">
+              <a:shade val="50000"/>
+            </a:schemeClr>
+          </a:lnRef>
+          <a:fillRef idx="1">
+            <a:schemeClr val="accent1"/>
+          </a:fillRef>
+          <a:effectRef idx="0">
+            <a:schemeClr val="accent1"/>
+          </a:effectRef>
+          <a:fontRef idx="minor">
+            <a:schemeClr val="lt1"/>
+          </a:fontRef>
+        </p:style>
+        <p:txBody>
+          <a:bodyPr rtlCol="0" anchor="ctr"/>
+          <a:lstStyle/>
+          <a:p>
+            <a:pPr algn="ctr"/>
+            <a:r>
+              <a:rPr lang="en-US" dirty="0"/>
+              <a:t>3</a:t>
+            </a:r>
+          </a:p>
+        </p:txBody>
+      </p:sp>
+      <p:sp>
+        <p:nvSpPr>
+          <p:cNvPr id="21" name="TextBox 20">
+            <a:extLst>
+              <a:ext uri="{FF2B5EF4-FFF2-40B4-BE49-F238E27FC236}">
+                <a16:creationId xmlns:a16="http://schemas.microsoft.com/office/drawing/2014/main" id="{BE85FB5F-7B2C-4F7C-80F9-0633CA2F185C}"/>
+              </a:ext>
+            </a:extLst>
+          </p:cNvPr>
+          <p:cNvSpPr txBox="1"/>
+          <p:nvPr/>
+        </p:nvSpPr>
+        <p:spPr>
+          <a:xfrm>
+            <a:off x="5143834" y="5269474"/>
+            <a:ext cx="847733" cy="276999"/>
+          </a:xfrm>
+          <a:prstGeom prst="rect">
+            <a:avLst/>
+          </a:prstGeom>
+          <a:noFill/>
+        </p:spPr>
+        <p:txBody>
+          <a:bodyPr wrap="none" rtlCol="0">
+            <a:spAutoFit/>
+          </a:bodyPr>
+          <a:lstStyle/>
+          <a:p>
+            <a:r>
+              <a:rPr lang="en-US" sz="1200" dirty="0">
+                <a:solidFill>
+                  <a:srgbClr val="002060"/>
+                </a:solidFill>
+                <a:latin typeface="Verdana" panose="020B0604030504040204" pitchFamily="34" charset="0"/>
+                <a:ea typeface="Verdana" panose="020B0604030504040204" pitchFamily="34" charset="0"/>
+              </a:rPr>
+              <a:t>Postman</a:t>
+            </a:r>
+          </a:p>
+        </p:txBody>
+      </p:sp>
+    </p:spTree>
+    <p:extLst>
+      <p:ext uri="{BB962C8B-B14F-4D97-AF65-F5344CB8AC3E}">
+        <p14:creationId xmlns:p14="http://schemas.microsoft.com/office/powerpoint/2010/main" val="1147422885"/>
+      </p:ext>
+    </p:extLst>
+  </p:cSld>
+  <p:clrMapOvr>
+    <a:masterClrMapping/>
+  </p:clrMapOvr>
+</p:sld>
+</file>
+
+<file path=ppt/slides/slide8.xml><?xml version="1.0" encoding="utf-8"?>
+<p:sld xmlns:a="http://schemas.openxmlformats.org/drawingml/2006/main" xmlns:r="http://schemas.openxmlformats.org/officeDocument/2006/relationships" xmlns:p="http://schemas.openxmlformats.org/presentationml/2006/main">
+  <p:cSld>
+    <p:spTree>
+      <p:nvGrpSpPr>
+        <p:cNvPr id="1" name=""/>
+        <p:cNvGrpSpPr/>
+        <p:nvPr/>
+      </p:nvGrpSpPr>
+      <p:grpSpPr>
+        <a:xfrm>
+          <a:off x="0" y="0"/>
+          <a:ext cx="0" cy="0"/>
+          <a:chOff x="0" y="0"/>
+          <a:chExt cx="0" cy="0"/>
+        </a:xfrm>
+      </p:grpSpPr>
+      <p:sp>
+        <p:nvSpPr>
+          <p:cNvPr id="7" name="Rectangle 6">
+            <a:extLst>
+              <a:ext uri="{FF2B5EF4-FFF2-40B4-BE49-F238E27FC236}">
+                <a16:creationId xmlns:a16="http://schemas.microsoft.com/office/drawing/2014/main" id="{B10720DE-FD2A-4FE5-B9FB-74854D01A659}"/>
+              </a:ext>
+            </a:extLst>
+          </p:cNvPr>
+          <p:cNvSpPr/>
+          <p:nvPr/>
+        </p:nvSpPr>
+        <p:spPr>
+          <a:xfrm>
+            <a:off x="0" y="6432008"/>
+            <a:ext cx="12183122" cy="57703"/>
+          </a:xfrm>
+          <a:prstGeom prst="rect">
+            <a:avLst/>
+          </a:prstGeom>
+          <a:solidFill>
+            <a:srgbClr val="0070C0"/>
+          </a:solidFill>
+        </p:spPr>
+        <p:style>
+          <a:lnRef idx="2">
+            <a:schemeClr val="accent1">
+              <a:shade val="50000"/>
+            </a:schemeClr>
+          </a:lnRef>
+          <a:fillRef idx="1">
+            <a:schemeClr val="accent1"/>
+          </a:fillRef>
+          <a:effectRef idx="0">
+            <a:schemeClr val="accent1"/>
+          </a:effectRef>
+          <a:fontRef idx="minor">
+            <a:schemeClr val="lt1"/>
+          </a:fontRef>
+        </p:style>
+        <p:txBody>
+          <a:bodyPr rtlCol="0" anchor="ctr"/>
+          <a:lstStyle/>
+          <a:p>
+            <a:pPr algn="ctr"/>
+            <a:endParaRPr lang="en-IN" sz="1000" dirty="0">
+              <a:latin typeface="Verdana" panose="020B0604030504040204" pitchFamily="34" charset="0"/>
+              <a:ea typeface="Verdana" panose="020B0604030504040204" pitchFamily="34" charset="0"/>
+            </a:endParaRPr>
+          </a:p>
+        </p:txBody>
+      </p:sp>
+      <p:sp>
+        <p:nvSpPr>
+          <p:cNvPr id="8" name="Footer Placeholder 7">
+            <a:extLst>
+              <a:ext uri="{FF2B5EF4-FFF2-40B4-BE49-F238E27FC236}">
+                <a16:creationId xmlns:a16="http://schemas.microsoft.com/office/drawing/2014/main" id="{DD2A19CA-EC18-432D-8F8F-17079808F38B}"/>
+              </a:ext>
+            </a:extLst>
+          </p:cNvPr>
+          <p:cNvSpPr>
+            <a:spLocks noGrp="1"/>
+          </p:cNvSpPr>
+          <p:nvPr>
+            <p:ph type="ftr" sz="quarter" idx="11"/>
+          </p:nvPr>
+        </p:nvSpPr>
+        <p:spPr>
+          <a:xfrm>
+            <a:off x="4038600" y="6476336"/>
+            <a:ext cx="4114800" cy="365125"/>
+          </a:xfrm>
+        </p:spPr>
+        <p:txBody>
+          <a:bodyPr/>
+          <a:lstStyle/>
+          <a:p>
+            <a:r>
+              <a:rPr lang="en-IN" b="1" dirty="0">
+                <a:solidFill>
+                  <a:srgbClr val="002060"/>
+                </a:solidFill>
+                <a:latin typeface="Verdana" panose="020B0604030504040204" pitchFamily="34" charset="0"/>
+                <a:ea typeface="Verdana" panose="020B0604030504040204" pitchFamily="34" charset="0"/>
+              </a:rPr>
               <a:t>15-Sep-2021</a:t>
             </a:r>
           </a:p>
@@ -10999,7 +14776,7 @@
 </p:sld>
 </file>
 
-<file path=ppt/slides/slide8.xml><?xml version="1.0" encoding="utf-8"?>
+<file path=ppt/slides/slide9.xml><?xml version="1.0" encoding="utf-8"?>
 <p:sld xmlns:a="http://schemas.openxmlformats.org/drawingml/2006/main" xmlns:r="http://schemas.openxmlformats.org/officeDocument/2006/relationships" xmlns:p="http://schemas.openxmlformats.org/presentationml/2006/main">
   <p:cSld>
     <p:spTree>
@@ -12809,1825 +16586,6 @@
     <p:extLst>
       <p:ext uri="{BB962C8B-B14F-4D97-AF65-F5344CB8AC3E}">
         <p14:creationId xmlns:p14="http://schemas.microsoft.com/office/powerpoint/2010/main" val="217870563"/>
-      </p:ext>
-    </p:extLst>
-  </p:cSld>
-  <p:clrMapOvr>
-    <a:masterClrMapping/>
-  </p:clrMapOvr>
-</p:sld>
-</file>
-
-<file path=ppt/slides/slide9.xml><?xml version="1.0" encoding="utf-8"?>
-<p:sld xmlns:a="http://schemas.openxmlformats.org/drawingml/2006/main" xmlns:r="http://schemas.openxmlformats.org/officeDocument/2006/relationships" xmlns:p="http://schemas.openxmlformats.org/presentationml/2006/main">
-  <p:cSld>
-    <p:spTree>
-      <p:nvGrpSpPr>
-        <p:cNvPr id="1" name=""/>
-        <p:cNvGrpSpPr/>
-        <p:nvPr/>
-      </p:nvGrpSpPr>
-      <p:grpSpPr>
-        <a:xfrm>
-          <a:off x="0" y="0"/>
-          <a:ext cx="0" cy="0"/>
-          <a:chOff x="0" y="0"/>
-          <a:chExt cx="0" cy="0"/>
-        </a:xfrm>
-      </p:grpSpPr>
-      <p:pic>
-        <p:nvPicPr>
-          <p:cNvPr id="1026" name="Picture 2">
-            <a:extLst>
-              <a:ext uri="{FF2B5EF4-FFF2-40B4-BE49-F238E27FC236}">
-                <a16:creationId xmlns:a16="http://schemas.microsoft.com/office/drawing/2014/main" id="{2BE09F8E-F4ED-48B7-9EE2-29D6C55A7243}"/>
-              </a:ext>
-            </a:extLst>
-          </p:cNvPr>
-          <p:cNvPicPr>
-            <a:picLocks noChangeAspect="1" noChangeArrowheads="1"/>
-          </p:cNvPicPr>
-          <p:nvPr/>
-        </p:nvPicPr>
-        <p:blipFill>
-          <a:blip r:embed="rId2">
-            <a:extLst>
-              <a:ext uri="{28A0092B-C50C-407E-A947-70E740481C1C}">
-                <a14:useLocalDpi xmlns:a14="http://schemas.microsoft.com/office/drawing/2010/main" val="0"/>
-              </a:ext>
-            </a:extLst>
-          </a:blip>
-          <a:srcRect/>
-          <a:stretch>
-            <a:fillRect/>
-          </a:stretch>
-        </p:blipFill>
-        <p:spPr bwMode="auto">
-          <a:xfrm>
-            <a:off x="6983816" y="753030"/>
-            <a:ext cx="847725" cy="847725"/>
-          </a:xfrm>
-          <a:prstGeom prst="rect">
-            <a:avLst/>
-          </a:prstGeom>
-          <a:noFill/>
-          <a:extLst>
-            <a:ext uri="{909E8E84-426E-40DD-AFC4-6F175D3DCCD1}">
-              <a14:hiddenFill xmlns:a14="http://schemas.microsoft.com/office/drawing/2010/main">
-                <a:solidFill>
-                  <a:srgbClr val="FFFFFF"/>
-                </a:solidFill>
-              </a14:hiddenFill>
-            </a:ext>
-          </a:extLst>
-        </p:spPr>
-      </p:pic>
-      <p:pic>
-        <p:nvPicPr>
-          <p:cNvPr id="1030" name="Picture 6">
-            <a:extLst>
-              <a:ext uri="{FF2B5EF4-FFF2-40B4-BE49-F238E27FC236}">
-                <a16:creationId xmlns:a16="http://schemas.microsoft.com/office/drawing/2014/main" id="{98C22475-F42D-4B66-B365-CF5562AE4F01}"/>
-              </a:ext>
-            </a:extLst>
-          </p:cNvPr>
-          <p:cNvPicPr>
-            <a:picLocks noChangeAspect="1" noChangeArrowheads="1"/>
-          </p:cNvPicPr>
-          <p:nvPr/>
-        </p:nvPicPr>
-        <p:blipFill>
-          <a:blip r:embed="rId3">
-            <a:extLst>
-              <a:ext uri="{28A0092B-C50C-407E-A947-70E740481C1C}">
-                <a14:useLocalDpi xmlns:a14="http://schemas.microsoft.com/office/drawing/2010/main" val="0"/>
-              </a:ext>
-            </a:extLst>
-          </a:blip>
-          <a:srcRect/>
-          <a:stretch>
-            <a:fillRect/>
-          </a:stretch>
-        </p:blipFill>
-        <p:spPr bwMode="auto">
-          <a:xfrm>
-            <a:off x="10855495" y="1492003"/>
-            <a:ext cx="676275" cy="676275"/>
-          </a:xfrm>
-          <a:prstGeom prst="rect">
-            <a:avLst/>
-          </a:prstGeom>
-          <a:noFill/>
-          <a:extLst>
-            <a:ext uri="{909E8E84-426E-40DD-AFC4-6F175D3DCCD1}">
-              <a14:hiddenFill xmlns:a14="http://schemas.microsoft.com/office/drawing/2010/main">
-                <a:solidFill>
-                  <a:srgbClr val="FFFFFF"/>
-                </a:solidFill>
-              </a14:hiddenFill>
-            </a:ext>
-          </a:extLst>
-        </p:spPr>
-      </p:pic>
-      <p:pic>
-        <p:nvPicPr>
-          <p:cNvPr id="1034" name="Picture 10">
-            <a:extLst>
-              <a:ext uri="{FF2B5EF4-FFF2-40B4-BE49-F238E27FC236}">
-                <a16:creationId xmlns:a16="http://schemas.microsoft.com/office/drawing/2014/main" id="{03A6EE1E-D6C3-43B7-A76C-ED8BA685C33B}"/>
-              </a:ext>
-            </a:extLst>
-          </p:cNvPr>
-          <p:cNvPicPr>
-            <a:picLocks noChangeAspect="1" noChangeArrowheads="1"/>
-          </p:cNvPicPr>
-          <p:nvPr/>
-        </p:nvPicPr>
-        <p:blipFill>
-          <a:blip r:embed="rId4">
-            <a:extLst>
-              <a:ext uri="{28A0092B-C50C-407E-A947-70E740481C1C}">
-                <a14:useLocalDpi xmlns:a14="http://schemas.microsoft.com/office/drawing/2010/main" val="0"/>
-              </a:ext>
-            </a:extLst>
-          </a:blip>
-          <a:srcRect/>
-          <a:stretch>
-            <a:fillRect/>
-          </a:stretch>
-        </p:blipFill>
-        <p:spPr bwMode="auto">
-          <a:xfrm>
-            <a:off x="10902515" y="4133850"/>
-            <a:ext cx="657225" cy="676275"/>
-          </a:xfrm>
-          <a:prstGeom prst="rect">
-            <a:avLst/>
-          </a:prstGeom>
-          <a:noFill/>
-          <a:extLst>
-            <a:ext uri="{909E8E84-426E-40DD-AFC4-6F175D3DCCD1}">
-              <a14:hiddenFill xmlns:a14="http://schemas.microsoft.com/office/drawing/2010/main">
-                <a:solidFill>
-                  <a:srgbClr val="FFFFFF"/>
-                </a:solidFill>
-              </a14:hiddenFill>
-            </a:ext>
-          </a:extLst>
-        </p:spPr>
-      </p:pic>
-      <p:pic>
-        <p:nvPicPr>
-          <p:cNvPr id="1036" name="Picture 12">
-            <a:extLst>
-              <a:ext uri="{FF2B5EF4-FFF2-40B4-BE49-F238E27FC236}">
-                <a16:creationId xmlns:a16="http://schemas.microsoft.com/office/drawing/2014/main" id="{AB427BB8-0AA8-4F7E-AA27-EA18ECDD59BE}"/>
-              </a:ext>
-            </a:extLst>
-          </p:cNvPr>
-          <p:cNvPicPr>
-            <a:picLocks noChangeAspect="1" noChangeArrowheads="1"/>
-          </p:cNvPicPr>
-          <p:nvPr/>
-        </p:nvPicPr>
-        <p:blipFill>
-          <a:blip r:embed="rId5">
-            <a:extLst>
-              <a:ext uri="{28A0092B-C50C-407E-A947-70E740481C1C}">
-                <a14:useLocalDpi xmlns:a14="http://schemas.microsoft.com/office/drawing/2010/main" val="0"/>
-              </a:ext>
-            </a:extLst>
-          </a:blip>
-          <a:srcRect/>
-          <a:stretch>
-            <a:fillRect/>
-          </a:stretch>
-        </p:blipFill>
-        <p:spPr bwMode="auto">
-          <a:xfrm>
-            <a:off x="2142894" y="2905542"/>
-            <a:ext cx="809625" cy="809625"/>
-          </a:xfrm>
-          <a:prstGeom prst="rect">
-            <a:avLst/>
-          </a:prstGeom>
-          <a:noFill/>
-          <a:extLst>
-            <a:ext uri="{909E8E84-426E-40DD-AFC4-6F175D3DCCD1}">
-              <a14:hiddenFill xmlns:a14="http://schemas.microsoft.com/office/drawing/2010/main">
-                <a:solidFill>
-                  <a:srgbClr val="FFFFFF"/>
-                </a:solidFill>
-              </a14:hiddenFill>
-            </a:ext>
-          </a:extLst>
-        </p:spPr>
-      </p:pic>
-      <p:pic>
-        <p:nvPicPr>
-          <p:cNvPr id="1038" name="Picture 14">
-            <a:extLst>
-              <a:ext uri="{FF2B5EF4-FFF2-40B4-BE49-F238E27FC236}">
-                <a16:creationId xmlns:a16="http://schemas.microsoft.com/office/drawing/2014/main" id="{FC41D05C-CFC1-441C-B925-D679FF5BEBEE}"/>
-              </a:ext>
-            </a:extLst>
-          </p:cNvPr>
-          <p:cNvPicPr>
-            <a:picLocks noChangeAspect="1" noChangeArrowheads="1"/>
-          </p:cNvPicPr>
-          <p:nvPr/>
-        </p:nvPicPr>
-        <p:blipFill>
-          <a:blip r:embed="rId6">
-            <a:extLst>
-              <a:ext uri="{28A0092B-C50C-407E-A947-70E740481C1C}">
-                <a14:useLocalDpi xmlns:a14="http://schemas.microsoft.com/office/drawing/2010/main" val="0"/>
-              </a:ext>
-            </a:extLst>
-          </a:blip>
-          <a:srcRect/>
-          <a:stretch>
-            <a:fillRect/>
-          </a:stretch>
-        </p:blipFill>
-        <p:spPr bwMode="auto">
-          <a:xfrm>
-            <a:off x="4523450" y="2936704"/>
-            <a:ext cx="819150" cy="771525"/>
-          </a:xfrm>
-          <a:prstGeom prst="rect">
-            <a:avLst/>
-          </a:prstGeom>
-          <a:noFill/>
-          <a:extLst>
-            <a:ext uri="{909E8E84-426E-40DD-AFC4-6F175D3DCCD1}">
-              <a14:hiddenFill xmlns:a14="http://schemas.microsoft.com/office/drawing/2010/main">
-                <a:solidFill>
-                  <a:srgbClr val="FFFFFF"/>
-                </a:solidFill>
-              </a14:hiddenFill>
-            </a:ext>
-          </a:extLst>
-        </p:spPr>
-      </p:pic>
-      <p:pic>
-        <p:nvPicPr>
-          <p:cNvPr id="1040" name="Picture 16">
-            <a:extLst>
-              <a:ext uri="{FF2B5EF4-FFF2-40B4-BE49-F238E27FC236}">
-                <a16:creationId xmlns:a16="http://schemas.microsoft.com/office/drawing/2014/main" id="{357C179B-F2C9-48A5-8791-9C04BBDE433F}"/>
-              </a:ext>
-            </a:extLst>
-          </p:cNvPr>
-          <p:cNvPicPr>
-            <a:picLocks noChangeAspect="1" noChangeArrowheads="1"/>
-          </p:cNvPicPr>
-          <p:nvPr/>
-        </p:nvPicPr>
-        <p:blipFill>
-          <a:blip r:embed="rId7">
-            <a:extLst>
-              <a:ext uri="{28A0092B-C50C-407E-A947-70E740481C1C}">
-                <a14:useLocalDpi xmlns:a14="http://schemas.microsoft.com/office/drawing/2010/main" val="0"/>
-              </a:ext>
-            </a:extLst>
-          </a:blip>
-          <a:srcRect/>
-          <a:stretch>
-            <a:fillRect/>
-          </a:stretch>
-        </p:blipFill>
-        <p:spPr bwMode="auto">
-          <a:xfrm>
-            <a:off x="3478983" y="2903407"/>
-            <a:ext cx="307435" cy="361980"/>
-          </a:xfrm>
-          <a:prstGeom prst="rect">
-            <a:avLst/>
-          </a:prstGeom>
-          <a:noFill/>
-          <a:extLst>
-            <a:ext uri="{909E8E84-426E-40DD-AFC4-6F175D3DCCD1}">
-              <a14:hiddenFill xmlns:a14="http://schemas.microsoft.com/office/drawing/2010/main">
-                <a:solidFill>
-                  <a:srgbClr val="FFFFFF"/>
-                </a:solidFill>
-              </a14:hiddenFill>
-            </a:ext>
-          </a:extLst>
-        </p:spPr>
-      </p:pic>
-      <p:pic>
-        <p:nvPicPr>
-          <p:cNvPr id="1042" name="Picture 18">
-            <a:extLst>
-              <a:ext uri="{FF2B5EF4-FFF2-40B4-BE49-F238E27FC236}">
-                <a16:creationId xmlns:a16="http://schemas.microsoft.com/office/drawing/2014/main" id="{DC5682A4-CD6A-4403-ABD5-0B2D25BD4041}"/>
-              </a:ext>
-            </a:extLst>
-          </p:cNvPr>
-          <p:cNvPicPr>
-            <a:picLocks noChangeAspect="1" noChangeArrowheads="1"/>
-          </p:cNvPicPr>
-          <p:nvPr/>
-        </p:nvPicPr>
-        <p:blipFill>
-          <a:blip r:embed="rId8">
-            <a:extLst>
-              <a:ext uri="{28A0092B-C50C-407E-A947-70E740481C1C}">
-                <a14:useLocalDpi xmlns:a14="http://schemas.microsoft.com/office/drawing/2010/main" val="0"/>
-              </a:ext>
-            </a:extLst>
-          </a:blip>
-          <a:srcRect/>
-          <a:stretch>
-            <a:fillRect/>
-          </a:stretch>
-        </p:blipFill>
-        <p:spPr bwMode="auto">
-          <a:xfrm>
-            <a:off x="412196" y="629266"/>
-            <a:ext cx="619125" cy="800100"/>
-          </a:xfrm>
-          <a:prstGeom prst="rect">
-            <a:avLst/>
-          </a:prstGeom>
-          <a:noFill/>
-          <a:extLst>
-            <a:ext uri="{909E8E84-426E-40DD-AFC4-6F175D3DCCD1}">
-              <a14:hiddenFill xmlns:a14="http://schemas.microsoft.com/office/drawing/2010/main">
-                <a:solidFill>
-                  <a:srgbClr val="FFFFFF"/>
-                </a:solidFill>
-              </a14:hiddenFill>
-            </a:ext>
-          </a:extLst>
-        </p:spPr>
-      </p:pic>
-      <p:pic>
-        <p:nvPicPr>
-          <p:cNvPr id="1044" name="Picture 20">
-            <a:extLst>
-              <a:ext uri="{FF2B5EF4-FFF2-40B4-BE49-F238E27FC236}">
-                <a16:creationId xmlns:a16="http://schemas.microsoft.com/office/drawing/2014/main" id="{24CA475C-31C6-4B82-A0EA-16888492B5DE}"/>
-              </a:ext>
-            </a:extLst>
-          </p:cNvPr>
-          <p:cNvPicPr>
-            <a:picLocks noChangeAspect="1" noChangeArrowheads="1"/>
-          </p:cNvPicPr>
-          <p:nvPr/>
-        </p:nvPicPr>
-        <p:blipFill>
-          <a:blip r:embed="rId9">
-            <a:extLst>
-              <a:ext uri="{28A0092B-C50C-407E-A947-70E740481C1C}">
-                <a14:useLocalDpi xmlns:a14="http://schemas.microsoft.com/office/drawing/2010/main" val="0"/>
-              </a:ext>
-            </a:extLst>
-          </a:blip>
-          <a:srcRect/>
-          <a:stretch>
-            <a:fillRect/>
-          </a:stretch>
-        </p:blipFill>
-        <p:spPr bwMode="auto">
-          <a:xfrm>
-            <a:off x="414338" y="2976563"/>
-            <a:ext cx="657225" cy="676275"/>
-          </a:xfrm>
-          <a:prstGeom prst="rect">
-            <a:avLst/>
-          </a:prstGeom>
-          <a:noFill/>
-          <a:extLst>
-            <a:ext uri="{909E8E84-426E-40DD-AFC4-6F175D3DCCD1}">
-              <a14:hiddenFill xmlns:a14="http://schemas.microsoft.com/office/drawing/2010/main">
-                <a:solidFill>
-                  <a:srgbClr val="FFFFFF"/>
-                </a:solidFill>
-              </a14:hiddenFill>
-            </a:ext>
-          </a:extLst>
-        </p:spPr>
-      </p:pic>
-      <p:pic>
-        <p:nvPicPr>
-          <p:cNvPr id="22" name="Picture 12">
-            <a:extLst>
-              <a:ext uri="{FF2B5EF4-FFF2-40B4-BE49-F238E27FC236}">
-                <a16:creationId xmlns:a16="http://schemas.microsoft.com/office/drawing/2014/main" id="{CDD441FC-ED8A-4B90-A512-1FFA05777E63}"/>
-              </a:ext>
-            </a:extLst>
-          </p:cNvPr>
-          <p:cNvPicPr>
-            <a:picLocks noChangeAspect="1" noChangeArrowheads="1"/>
-          </p:cNvPicPr>
-          <p:nvPr/>
-        </p:nvPicPr>
-        <p:blipFill>
-          <a:blip r:embed="rId5">
-            <a:extLst>
-              <a:ext uri="{28A0092B-C50C-407E-A947-70E740481C1C}">
-                <a14:useLocalDpi xmlns:a14="http://schemas.microsoft.com/office/drawing/2010/main" val="0"/>
-              </a:ext>
-            </a:extLst>
-          </a:blip>
-          <a:srcRect/>
-          <a:stretch>
-            <a:fillRect/>
-          </a:stretch>
-        </p:blipFill>
-        <p:spPr bwMode="auto">
-          <a:xfrm>
-            <a:off x="7010400" y="2909887"/>
-            <a:ext cx="809625" cy="809625"/>
-          </a:xfrm>
-          <a:prstGeom prst="rect">
-            <a:avLst/>
-          </a:prstGeom>
-          <a:noFill/>
-          <a:extLst>
-            <a:ext uri="{909E8E84-426E-40DD-AFC4-6F175D3DCCD1}">
-              <a14:hiddenFill xmlns:a14="http://schemas.microsoft.com/office/drawing/2010/main">
-                <a:solidFill>
-                  <a:srgbClr val="FFFFFF"/>
-                </a:solidFill>
-              </a14:hiddenFill>
-            </a:ext>
-          </a:extLst>
-        </p:spPr>
-      </p:pic>
-      <p:sp>
-        <p:nvSpPr>
-          <p:cNvPr id="11" name="Heptagon 10">
-            <a:extLst>
-              <a:ext uri="{FF2B5EF4-FFF2-40B4-BE49-F238E27FC236}">
-                <a16:creationId xmlns:a16="http://schemas.microsoft.com/office/drawing/2014/main" id="{8EF000E9-1A1B-40B9-BF7B-8E7326AAFA24}"/>
-              </a:ext>
-            </a:extLst>
-          </p:cNvPr>
-          <p:cNvSpPr/>
-          <p:nvPr/>
-        </p:nvSpPr>
-        <p:spPr>
-          <a:xfrm>
-            <a:off x="240913" y="2851743"/>
-            <a:ext cx="307435" cy="344102"/>
-          </a:xfrm>
-          <a:prstGeom prst="heptagon">
-            <a:avLst/>
-          </a:prstGeom>
-        </p:spPr>
-        <p:style>
-          <a:lnRef idx="2">
-            <a:schemeClr val="accent1">
-              <a:shade val="50000"/>
-            </a:schemeClr>
-          </a:lnRef>
-          <a:fillRef idx="1">
-            <a:schemeClr val="accent1"/>
-          </a:fillRef>
-          <a:effectRef idx="0">
-            <a:schemeClr val="accent1"/>
-          </a:effectRef>
-          <a:fontRef idx="minor">
-            <a:schemeClr val="lt1"/>
-          </a:fontRef>
-        </p:style>
-        <p:txBody>
-          <a:bodyPr rtlCol="0" anchor="ctr"/>
-          <a:lstStyle/>
-          <a:p>
-            <a:pPr algn="ctr"/>
-            <a:r>
-              <a:rPr lang="en-US" dirty="0"/>
-              <a:t>1</a:t>
-            </a:r>
-          </a:p>
-        </p:txBody>
-      </p:sp>
-      <p:cxnSp>
-        <p:nvCxnSpPr>
-          <p:cNvPr id="15" name="Straight Arrow Connector 14">
-            <a:extLst>
-              <a:ext uri="{FF2B5EF4-FFF2-40B4-BE49-F238E27FC236}">
-                <a16:creationId xmlns:a16="http://schemas.microsoft.com/office/drawing/2014/main" id="{3907F1EE-B001-4BF5-87F4-2548B3C7CE83}"/>
-              </a:ext>
-            </a:extLst>
-          </p:cNvPr>
-          <p:cNvCxnSpPr>
-            <a:stCxn id="1044" idx="3"/>
-            <a:endCxn id="1036" idx="1"/>
-          </p:cNvCxnSpPr>
-          <p:nvPr/>
-        </p:nvCxnSpPr>
-        <p:spPr>
-          <a:xfrm flipV="1">
-            <a:off x="1071563" y="3310355"/>
-            <a:ext cx="1071331" cy="4346"/>
-          </a:xfrm>
-          <a:prstGeom prst="straightConnector1">
-            <a:avLst/>
-          </a:prstGeom>
-          <a:ln>
-            <a:tailEnd type="triangle"/>
-          </a:ln>
-        </p:spPr>
-        <p:style>
-          <a:lnRef idx="1">
-            <a:schemeClr val="accent1"/>
-          </a:lnRef>
-          <a:fillRef idx="0">
-            <a:schemeClr val="accent1"/>
-          </a:fillRef>
-          <a:effectRef idx="0">
-            <a:schemeClr val="accent1"/>
-          </a:effectRef>
-          <a:fontRef idx="minor">
-            <a:schemeClr val="tx1"/>
-          </a:fontRef>
-        </p:style>
-      </p:cxnSp>
-      <p:cxnSp>
-        <p:nvCxnSpPr>
-          <p:cNvPr id="18" name="Straight Arrow Connector 17">
-            <a:extLst>
-              <a:ext uri="{FF2B5EF4-FFF2-40B4-BE49-F238E27FC236}">
-                <a16:creationId xmlns:a16="http://schemas.microsoft.com/office/drawing/2014/main" id="{56E275F4-5807-4B9E-B0C0-190061041D2E}"/>
-              </a:ext>
-            </a:extLst>
-          </p:cNvPr>
-          <p:cNvCxnSpPr>
-            <a:cxnSpLocks/>
-            <a:stCxn id="1036" idx="3"/>
-            <a:endCxn id="1038" idx="1"/>
-          </p:cNvCxnSpPr>
-          <p:nvPr/>
-        </p:nvCxnSpPr>
-        <p:spPr>
-          <a:xfrm>
-            <a:off x="2952519" y="3310355"/>
-            <a:ext cx="1570931" cy="12112"/>
-          </a:xfrm>
-          <a:prstGeom prst="straightConnector1">
-            <a:avLst/>
-          </a:prstGeom>
-          <a:ln>
-            <a:tailEnd type="triangle"/>
-          </a:ln>
-        </p:spPr>
-        <p:style>
-          <a:lnRef idx="1">
-            <a:schemeClr val="accent1"/>
-          </a:lnRef>
-          <a:fillRef idx="0">
-            <a:schemeClr val="accent1"/>
-          </a:fillRef>
-          <a:effectRef idx="0">
-            <a:schemeClr val="accent1"/>
-          </a:effectRef>
-          <a:fontRef idx="minor">
-            <a:schemeClr val="tx1"/>
-          </a:fontRef>
-        </p:style>
-      </p:cxnSp>
-      <p:cxnSp>
-        <p:nvCxnSpPr>
-          <p:cNvPr id="20" name="Straight Arrow Connector 19">
-            <a:extLst>
-              <a:ext uri="{FF2B5EF4-FFF2-40B4-BE49-F238E27FC236}">
-                <a16:creationId xmlns:a16="http://schemas.microsoft.com/office/drawing/2014/main" id="{CA3C1361-B4B3-4FA4-B26C-380E21721D41}"/>
-              </a:ext>
-            </a:extLst>
-          </p:cNvPr>
-          <p:cNvCxnSpPr>
-            <a:stCxn id="1038" idx="3"/>
-            <a:endCxn id="22" idx="1"/>
-          </p:cNvCxnSpPr>
-          <p:nvPr/>
-        </p:nvCxnSpPr>
-        <p:spPr>
-          <a:xfrm flipV="1">
-            <a:off x="5342600" y="3314700"/>
-            <a:ext cx="1667800" cy="7767"/>
-          </a:xfrm>
-          <a:prstGeom prst="straightConnector1">
-            <a:avLst/>
-          </a:prstGeom>
-          <a:ln>
-            <a:tailEnd type="triangle"/>
-          </a:ln>
-        </p:spPr>
-        <p:style>
-          <a:lnRef idx="1">
-            <a:schemeClr val="accent1"/>
-          </a:lnRef>
-          <a:fillRef idx="0">
-            <a:schemeClr val="accent1"/>
-          </a:fillRef>
-          <a:effectRef idx="0">
-            <a:schemeClr val="accent1"/>
-          </a:effectRef>
-          <a:fontRef idx="minor">
-            <a:schemeClr val="tx1"/>
-          </a:fontRef>
-        </p:style>
-      </p:cxnSp>
-      <p:cxnSp>
-        <p:nvCxnSpPr>
-          <p:cNvPr id="23" name="Straight Connector 22">
-            <a:extLst>
-              <a:ext uri="{FF2B5EF4-FFF2-40B4-BE49-F238E27FC236}">
-                <a16:creationId xmlns:a16="http://schemas.microsoft.com/office/drawing/2014/main" id="{2F483661-8B57-4D41-8C50-C7739BB2C923}"/>
-              </a:ext>
-            </a:extLst>
-          </p:cNvPr>
-          <p:cNvCxnSpPr>
-            <a:stCxn id="22" idx="0"/>
-            <a:endCxn id="1026" idx="2"/>
-          </p:cNvCxnSpPr>
-          <p:nvPr/>
-        </p:nvCxnSpPr>
-        <p:spPr>
-          <a:xfrm flipH="1" flipV="1">
-            <a:off x="7407679" y="1600755"/>
-            <a:ext cx="7534" cy="1309132"/>
-          </a:xfrm>
-          <a:prstGeom prst="line">
-            <a:avLst/>
-          </a:prstGeom>
-        </p:spPr>
-        <p:style>
-          <a:lnRef idx="1">
-            <a:schemeClr val="accent1"/>
-          </a:lnRef>
-          <a:fillRef idx="0">
-            <a:schemeClr val="accent1"/>
-          </a:fillRef>
-          <a:effectRef idx="0">
-            <a:schemeClr val="accent1"/>
-          </a:effectRef>
-          <a:fontRef idx="minor">
-            <a:schemeClr val="tx1"/>
-          </a:fontRef>
-        </p:style>
-      </p:cxnSp>
-      <p:cxnSp>
-        <p:nvCxnSpPr>
-          <p:cNvPr id="25" name="Straight Connector 24">
-            <a:extLst>
-              <a:ext uri="{FF2B5EF4-FFF2-40B4-BE49-F238E27FC236}">
-                <a16:creationId xmlns:a16="http://schemas.microsoft.com/office/drawing/2014/main" id="{AD8FDBDF-5F0D-40AB-9D7D-DDD3F4E13427}"/>
-              </a:ext>
-            </a:extLst>
-          </p:cNvPr>
-          <p:cNvCxnSpPr>
-            <a:stCxn id="22" idx="3"/>
-          </p:cNvCxnSpPr>
-          <p:nvPr/>
-        </p:nvCxnSpPr>
-        <p:spPr>
-          <a:xfrm flipV="1">
-            <a:off x="7820025" y="3310354"/>
-            <a:ext cx="3410227" cy="4346"/>
-          </a:xfrm>
-          <a:prstGeom prst="line">
-            <a:avLst/>
-          </a:prstGeom>
-        </p:spPr>
-        <p:style>
-          <a:lnRef idx="1">
-            <a:schemeClr val="accent1"/>
-          </a:lnRef>
-          <a:fillRef idx="0">
-            <a:schemeClr val="accent1"/>
-          </a:fillRef>
-          <a:effectRef idx="0">
-            <a:schemeClr val="accent1"/>
-          </a:effectRef>
-          <a:fontRef idx="minor">
-            <a:schemeClr val="tx1"/>
-          </a:fontRef>
-        </p:style>
-      </p:cxnSp>
-      <p:cxnSp>
-        <p:nvCxnSpPr>
-          <p:cNvPr id="27" name="Straight Arrow Connector 26">
-            <a:extLst>
-              <a:ext uri="{FF2B5EF4-FFF2-40B4-BE49-F238E27FC236}">
-                <a16:creationId xmlns:a16="http://schemas.microsoft.com/office/drawing/2014/main" id="{5F54C63E-4E1E-4F55-8B8C-F6DE5148321D}"/>
-              </a:ext>
-            </a:extLst>
-          </p:cNvPr>
-          <p:cNvCxnSpPr>
-            <a:cxnSpLocks/>
-            <a:endCxn id="1034" idx="0"/>
-          </p:cNvCxnSpPr>
-          <p:nvPr/>
-        </p:nvCxnSpPr>
-        <p:spPr>
-          <a:xfrm>
-            <a:off x="11231128" y="3310354"/>
-            <a:ext cx="0" cy="823496"/>
-          </a:xfrm>
-          <a:prstGeom prst="straightConnector1">
-            <a:avLst/>
-          </a:prstGeom>
-          <a:ln>
-            <a:tailEnd type="triangle"/>
-          </a:ln>
-        </p:spPr>
-        <p:style>
-          <a:lnRef idx="1">
-            <a:schemeClr val="accent1"/>
-          </a:lnRef>
-          <a:fillRef idx="0">
-            <a:schemeClr val="accent1"/>
-          </a:fillRef>
-          <a:effectRef idx="0">
-            <a:schemeClr val="accent1"/>
-          </a:effectRef>
-          <a:fontRef idx="minor">
-            <a:schemeClr val="tx1"/>
-          </a:fontRef>
-        </p:style>
-      </p:cxnSp>
-      <p:cxnSp>
-        <p:nvCxnSpPr>
-          <p:cNvPr id="31" name="Straight Arrow Connector 30">
-            <a:extLst>
-              <a:ext uri="{FF2B5EF4-FFF2-40B4-BE49-F238E27FC236}">
-                <a16:creationId xmlns:a16="http://schemas.microsoft.com/office/drawing/2014/main" id="{81181B99-2E64-4D8E-95D2-886A82108D74}"/>
-              </a:ext>
-            </a:extLst>
-          </p:cNvPr>
-          <p:cNvCxnSpPr>
-            <a:cxnSpLocks/>
-            <a:endCxn id="1030" idx="2"/>
-          </p:cNvCxnSpPr>
-          <p:nvPr/>
-        </p:nvCxnSpPr>
-        <p:spPr>
-          <a:xfrm flipH="1" flipV="1">
-            <a:off x="11193633" y="2168278"/>
-            <a:ext cx="34314" cy="1151002"/>
-          </a:xfrm>
-          <a:prstGeom prst="straightConnector1">
-            <a:avLst/>
-          </a:prstGeom>
-          <a:ln>
-            <a:tailEnd type="triangle"/>
-          </a:ln>
-        </p:spPr>
-        <p:style>
-          <a:lnRef idx="1">
-            <a:schemeClr val="accent1"/>
-          </a:lnRef>
-          <a:fillRef idx="0">
-            <a:schemeClr val="accent1"/>
-          </a:fillRef>
-          <a:effectRef idx="0">
-            <a:schemeClr val="accent1"/>
-          </a:effectRef>
-          <a:fontRef idx="minor">
-            <a:schemeClr val="tx1"/>
-          </a:fontRef>
-        </p:style>
-      </p:cxnSp>
-      <p:pic>
-        <p:nvPicPr>
-          <p:cNvPr id="34" name="Picture 33">
-            <a:extLst>
-              <a:ext uri="{FF2B5EF4-FFF2-40B4-BE49-F238E27FC236}">
-                <a16:creationId xmlns:a16="http://schemas.microsoft.com/office/drawing/2014/main" id="{A10FAD3F-80E8-4AB7-9378-CE942120ACC3}"/>
-              </a:ext>
-            </a:extLst>
-          </p:cNvPr>
-          <p:cNvPicPr>
-            <a:picLocks noChangeAspect="1"/>
-          </p:cNvPicPr>
-          <p:nvPr/>
-        </p:nvPicPr>
-        <p:blipFill>
-          <a:blip r:embed="rId10"/>
-          <a:stretch>
-            <a:fillRect/>
-          </a:stretch>
-        </p:blipFill>
-        <p:spPr>
-          <a:xfrm>
-            <a:off x="1166795" y="188527"/>
-            <a:ext cx="2785533" cy="1380576"/>
-          </a:xfrm>
-          <a:prstGeom prst="rect">
-            <a:avLst/>
-          </a:prstGeom>
-          <a:solidFill>
-            <a:srgbClr val="FFFFFF">
-              <a:shade val="85000"/>
-            </a:srgbClr>
-          </a:solidFill>
-          <a:ln w="190500" cap="rnd">
-            <a:solidFill>
-              <a:srgbClr val="FFFFFF"/>
-            </a:solidFill>
-          </a:ln>
-          <a:effectLst>
-            <a:outerShdw blurRad="50000" algn="tl" rotWithShape="0">
-              <a:srgbClr val="000000">
-                <a:alpha val="41000"/>
-              </a:srgbClr>
-            </a:outerShdw>
-          </a:effectLst>
-          <a:scene3d>
-            <a:camera prst="orthographicFront"/>
-            <a:lightRig rig="twoPt" dir="t">
-              <a:rot lat="0" lon="0" rev="7800000"/>
-            </a:lightRig>
-          </a:scene3d>
-          <a:sp3d contourW="6350">
-            <a:bevelT w="50800" h="16510"/>
-            <a:contourClr>
-              <a:srgbClr val="C0C0C0"/>
-            </a:contourClr>
-          </a:sp3d>
-        </p:spPr>
-      </p:pic>
-      <p:sp>
-        <p:nvSpPr>
-          <p:cNvPr id="45" name="Heptagon 44">
-            <a:extLst>
-              <a:ext uri="{FF2B5EF4-FFF2-40B4-BE49-F238E27FC236}">
-                <a16:creationId xmlns:a16="http://schemas.microsoft.com/office/drawing/2014/main" id="{E7A80D65-5ADB-4DCD-A7A2-5DFBCA0C9B8D}"/>
-              </a:ext>
-            </a:extLst>
-          </p:cNvPr>
-          <p:cNvSpPr/>
-          <p:nvPr/>
-        </p:nvSpPr>
-        <p:spPr>
-          <a:xfrm>
-            <a:off x="1862260" y="2851743"/>
-            <a:ext cx="307435" cy="344102"/>
-          </a:xfrm>
-          <a:prstGeom prst="heptagon">
-            <a:avLst/>
-          </a:prstGeom>
-        </p:spPr>
-        <p:style>
-          <a:lnRef idx="2">
-            <a:schemeClr val="accent1">
-              <a:shade val="50000"/>
-            </a:schemeClr>
-          </a:lnRef>
-          <a:fillRef idx="1">
-            <a:schemeClr val="accent1"/>
-          </a:fillRef>
-          <a:effectRef idx="0">
-            <a:schemeClr val="accent1"/>
-          </a:effectRef>
-          <a:fontRef idx="minor">
-            <a:schemeClr val="lt1"/>
-          </a:fontRef>
-        </p:style>
-        <p:txBody>
-          <a:bodyPr rtlCol="0" anchor="ctr"/>
-          <a:lstStyle/>
-          <a:p>
-            <a:pPr algn="ctr"/>
-            <a:r>
-              <a:rPr lang="en-US" dirty="0"/>
-              <a:t>2</a:t>
-            </a:r>
-          </a:p>
-        </p:txBody>
-      </p:sp>
-      <p:sp>
-        <p:nvSpPr>
-          <p:cNvPr id="46" name="Heptagon 45">
-            <a:extLst>
-              <a:ext uri="{FF2B5EF4-FFF2-40B4-BE49-F238E27FC236}">
-                <a16:creationId xmlns:a16="http://schemas.microsoft.com/office/drawing/2014/main" id="{41E19403-B49B-4C20-BB68-98A12476BA78}"/>
-              </a:ext>
-            </a:extLst>
-          </p:cNvPr>
-          <p:cNvSpPr/>
-          <p:nvPr/>
-        </p:nvSpPr>
-        <p:spPr>
-          <a:xfrm>
-            <a:off x="1862260" y="4546685"/>
-            <a:ext cx="307435" cy="344102"/>
-          </a:xfrm>
-          <a:prstGeom prst="heptagon">
-            <a:avLst/>
-          </a:prstGeom>
-        </p:spPr>
-        <p:style>
-          <a:lnRef idx="2">
-            <a:schemeClr val="accent1">
-              <a:shade val="50000"/>
-            </a:schemeClr>
-          </a:lnRef>
-          <a:fillRef idx="1">
-            <a:schemeClr val="accent1"/>
-          </a:fillRef>
-          <a:effectRef idx="0">
-            <a:schemeClr val="accent1"/>
-          </a:effectRef>
-          <a:fontRef idx="minor">
-            <a:schemeClr val="lt1"/>
-          </a:fontRef>
-        </p:style>
-        <p:txBody>
-          <a:bodyPr rtlCol="0" anchor="ctr"/>
-          <a:lstStyle/>
-          <a:p>
-            <a:pPr algn="ctr"/>
-            <a:r>
-              <a:rPr lang="en-US" dirty="0"/>
-              <a:t>3</a:t>
-            </a:r>
-          </a:p>
-        </p:txBody>
-      </p:sp>
-      <p:sp>
-        <p:nvSpPr>
-          <p:cNvPr id="47" name="Heptagon 46">
-            <a:extLst>
-              <a:ext uri="{FF2B5EF4-FFF2-40B4-BE49-F238E27FC236}">
-                <a16:creationId xmlns:a16="http://schemas.microsoft.com/office/drawing/2014/main" id="{AB00409F-5084-44E7-90AA-34000E295530}"/>
-              </a:ext>
-            </a:extLst>
-          </p:cNvPr>
-          <p:cNvSpPr/>
-          <p:nvPr/>
-        </p:nvSpPr>
-        <p:spPr>
-          <a:xfrm>
-            <a:off x="5202778" y="2846650"/>
-            <a:ext cx="307435" cy="344102"/>
-          </a:xfrm>
-          <a:prstGeom prst="heptagon">
-            <a:avLst/>
-          </a:prstGeom>
-        </p:spPr>
-        <p:style>
-          <a:lnRef idx="2">
-            <a:schemeClr val="accent1">
-              <a:shade val="50000"/>
-            </a:schemeClr>
-          </a:lnRef>
-          <a:fillRef idx="1">
-            <a:schemeClr val="accent1"/>
-          </a:fillRef>
-          <a:effectRef idx="0">
-            <a:schemeClr val="accent1"/>
-          </a:effectRef>
-          <a:fontRef idx="minor">
-            <a:schemeClr val="lt1"/>
-          </a:fontRef>
-        </p:style>
-        <p:txBody>
-          <a:bodyPr rtlCol="0" anchor="ctr"/>
-          <a:lstStyle/>
-          <a:p>
-            <a:pPr algn="ctr"/>
-            <a:r>
-              <a:rPr lang="en-US" dirty="0"/>
-              <a:t>4</a:t>
-            </a:r>
-          </a:p>
-        </p:txBody>
-      </p:sp>
-      <p:sp>
-        <p:nvSpPr>
-          <p:cNvPr id="48" name="Heptagon 47">
-            <a:extLst>
-              <a:ext uri="{FF2B5EF4-FFF2-40B4-BE49-F238E27FC236}">
-                <a16:creationId xmlns:a16="http://schemas.microsoft.com/office/drawing/2014/main" id="{7404ADED-C51D-46C9-8F7A-0B3E6F45A5B6}"/>
-              </a:ext>
-            </a:extLst>
-          </p:cNvPr>
-          <p:cNvSpPr/>
-          <p:nvPr/>
-        </p:nvSpPr>
-        <p:spPr>
-          <a:xfrm>
-            <a:off x="7859999" y="3605724"/>
-            <a:ext cx="307435" cy="344102"/>
-          </a:xfrm>
-          <a:prstGeom prst="heptagon">
-            <a:avLst/>
-          </a:prstGeom>
-        </p:spPr>
-        <p:style>
-          <a:lnRef idx="2">
-            <a:schemeClr val="accent1">
-              <a:shade val="50000"/>
-            </a:schemeClr>
-          </a:lnRef>
-          <a:fillRef idx="1">
-            <a:schemeClr val="accent1"/>
-          </a:fillRef>
-          <a:effectRef idx="0">
-            <a:schemeClr val="accent1"/>
-          </a:effectRef>
-          <a:fontRef idx="minor">
-            <a:schemeClr val="lt1"/>
-          </a:fontRef>
-        </p:style>
-        <p:txBody>
-          <a:bodyPr rtlCol="0" anchor="ctr"/>
-          <a:lstStyle/>
-          <a:p>
-            <a:pPr algn="ctr"/>
-            <a:r>
-              <a:rPr lang="en-US" dirty="0"/>
-              <a:t>5</a:t>
-            </a:r>
-          </a:p>
-        </p:txBody>
-      </p:sp>
-      <p:sp>
-        <p:nvSpPr>
-          <p:cNvPr id="49" name="Heptagon 48">
-            <a:extLst>
-              <a:ext uri="{FF2B5EF4-FFF2-40B4-BE49-F238E27FC236}">
-                <a16:creationId xmlns:a16="http://schemas.microsoft.com/office/drawing/2014/main" id="{2E4FEFBF-5DA1-4129-9427-C54B20A39168}"/>
-              </a:ext>
-            </a:extLst>
-          </p:cNvPr>
-          <p:cNvSpPr/>
-          <p:nvPr/>
-        </p:nvSpPr>
-        <p:spPr>
-          <a:xfrm>
-            <a:off x="7859999" y="926663"/>
-            <a:ext cx="307435" cy="344102"/>
-          </a:xfrm>
-          <a:prstGeom prst="heptagon">
-            <a:avLst/>
-          </a:prstGeom>
-        </p:spPr>
-        <p:style>
-          <a:lnRef idx="2">
-            <a:schemeClr val="accent1">
-              <a:shade val="50000"/>
-            </a:schemeClr>
-          </a:lnRef>
-          <a:fillRef idx="1">
-            <a:schemeClr val="accent1"/>
-          </a:fillRef>
-          <a:effectRef idx="0">
-            <a:schemeClr val="accent1"/>
-          </a:effectRef>
-          <a:fontRef idx="minor">
-            <a:schemeClr val="lt1"/>
-          </a:fontRef>
-        </p:style>
-        <p:txBody>
-          <a:bodyPr rtlCol="0" anchor="ctr"/>
-          <a:lstStyle/>
-          <a:p>
-            <a:pPr algn="ctr"/>
-            <a:r>
-              <a:rPr lang="en-US" dirty="0"/>
-              <a:t>6</a:t>
-            </a:r>
-          </a:p>
-        </p:txBody>
-      </p:sp>
-      <p:sp>
-        <p:nvSpPr>
-          <p:cNvPr id="50" name="Heptagon 49">
-            <a:extLst>
-              <a:ext uri="{FF2B5EF4-FFF2-40B4-BE49-F238E27FC236}">
-                <a16:creationId xmlns:a16="http://schemas.microsoft.com/office/drawing/2014/main" id="{A5EF7CE5-E060-4730-979F-55F63D3F4A68}"/>
-              </a:ext>
-            </a:extLst>
-          </p:cNvPr>
-          <p:cNvSpPr/>
-          <p:nvPr/>
-        </p:nvSpPr>
-        <p:spPr>
-          <a:xfrm>
-            <a:off x="10548060" y="4317947"/>
-            <a:ext cx="307435" cy="344102"/>
-          </a:xfrm>
-          <a:prstGeom prst="heptagon">
-            <a:avLst/>
-          </a:prstGeom>
-        </p:spPr>
-        <p:style>
-          <a:lnRef idx="2">
-            <a:schemeClr val="accent1">
-              <a:shade val="50000"/>
-            </a:schemeClr>
-          </a:lnRef>
-          <a:fillRef idx="1">
-            <a:schemeClr val="accent1"/>
-          </a:fillRef>
-          <a:effectRef idx="0">
-            <a:schemeClr val="accent1"/>
-          </a:effectRef>
-          <a:fontRef idx="minor">
-            <a:schemeClr val="lt1"/>
-          </a:fontRef>
-        </p:style>
-        <p:txBody>
-          <a:bodyPr rtlCol="0" anchor="ctr"/>
-          <a:lstStyle/>
-          <a:p>
-            <a:pPr algn="ctr"/>
-            <a:r>
-              <a:rPr lang="en-US" dirty="0"/>
-              <a:t>7</a:t>
-            </a:r>
-          </a:p>
-        </p:txBody>
-      </p:sp>
-      <p:sp>
-        <p:nvSpPr>
-          <p:cNvPr id="51" name="Heptagon 50">
-            <a:extLst>
-              <a:ext uri="{FF2B5EF4-FFF2-40B4-BE49-F238E27FC236}">
-                <a16:creationId xmlns:a16="http://schemas.microsoft.com/office/drawing/2014/main" id="{8D2FB13D-418E-4D18-87A2-A19F8511A8E0}"/>
-              </a:ext>
-            </a:extLst>
-          </p:cNvPr>
-          <p:cNvSpPr/>
-          <p:nvPr/>
-        </p:nvSpPr>
-        <p:spPr>
-          <a:xfrm>
-            <a:off x="568040" y="285164"/>
-            <a:ext cx="307435" cy="344102"/>
-          </a:xfrm>
-          <a:prstGeom prst="heptagon">
-            <a:avLst/>
-          </a:prstGeom>
-        </p:spPr>
-        <p:style>
-          <a:lnRef idx="2">
-            <a:schemeClr val="accent1">
-              <a:shade val="50000"/>
-            </a:schemeClr>
-          </a:lnRef>
-          <a:fillRef idx="1">
-            <a:schemeClr val="accent1"/>
-          </a:fillRef>
-          <a:effectRef idx="0">
-            <a:schemeClr val="accent1"/>
-          </a:effectRef>
-          <a:fontRef idx="minor">
-            <a:schemeClr val="lt1"/>
-          </a:fontRef>
-        </p:style>
-        <p:txBody>
-          <a:bodyPr rtlCol="0" anchor="ctr"/>
-          <a:lstStyle/>
-          <a:p>
-            <a:pPr algn="ctr"/>
-            <a:r>
-              <a:rPr lang="en-US" dirty="0"/>
-              <a:t>9</a:t>
-            </a:r>
-          </a:p>
-        </p:txBody>
-      </p:sp>
-      <p:sp>
-        <p:nvSpPr>
-          <p:cNvPr id="35" name="TextBox 34">
-            <a:extLst>
-              <a:ext uri="{FF2B5EF4-FFF2-40B4-BE49-F238E27FC236}">
-                <a16:creationId xmlns:a16="http://schemas.microsoft.com/office/drawing/2014/main" id="{E2F5F6A0-D510-4DE5-B9DB-EE0C0D374DC9}"/>
-              </a:ext>
-            </a:extLst>
-          </p:cNvPr>
-          <p:cNvSpPr txBox="1"/>
-          <p:nvPr/>
-        </p:nvSpPr>
-        <p:spPr>
-          <a:xfrm>
-            <a:off x="3381328" y="2725855"/>
-            <a:ext cx="502061" cy="276999"/>
-          </a:xfrm>
-          <a:prstGeom prst="rect">
-            <a:avLst/>
-          </a:prstGeom>
-          <a:noFill/>
-        </p:spPr>
-        <p:txBody>
-          <a:bodyPr wrap="none" rtlCol="0">
-            <a:spAutoFit/>
-          </a:bodyPr>
-          <a:lstStyle/>
-          <a:p>
-            <a:r>
-              <a:rPr lang="en-US" sz="1200" dirty="0">
-                <a:solidFill>
-                  <a:srgbClr val="002060"/>
-                </a:solidFill>
-                <a:latin typeface="Verdana" panose="020B0604030504040204" pitchFamily="34" charset="0"/>
-                <a:ea typeface="Verdana" panose="020B0604030504040204" pitchFamily="34" charset="0"/>
-              </a:rPr>
-              <a:t>JWT</a:t>
-            </a:r>
-          </a:p>
-        </p:txBody>
-      </p:sp>
-      <p:sp>
-        <p:nvSpPr>
-          <p:cNvPr id="29" name="TextBox 28">
-            <a:extLst>
-              <a:ext uri="{FF2B5EF4-FFF2-40B4-BE49-F238E27FC236}">
-                <a16:creationId xmlns:a16="http://schemas.microsoft.com/office/drawing/2014/main" id="{73DEDEAB-57DE-46F8-9469-78112F7FEB52}"/>
-              </a:ext>
-            </a:extLst>
-          </p:cNvPr>
-          <p:cNvSpPr txBox="1"/>
-          <p:nvPr/>
-        </p:nvSpPr>
-        <p:spPr>
-          <a:xfrm>
-            <a:off x="1943299" y="2511094"/>
-            <a:ext cx="1206741" cy="276999"/>
-          </a:xfrm>
-          <a:prstGeom prst="rect">
-            <a:avLst/>
-          </a:prstGeom>
-          <a:noFill/>
-        </p:spPr>
-        <p:txBody>
-          <a:bodyPr wrap="none" rtlCol="0">
-            <a:spAutoFit/>
-          </a:bodyPr>
-          <a:lstStyle/>
-          <a:p>
-            <a:r>
-              <a:rPr lang="en-US" sz="1200" dirty="0">
-                <a:solidFill>
-                  <a:srgbClr val="002060"/>
-                </a:solidFill>
-                <a:latin typeface="Verdana" panose="020B0604030504040204" pitchFamily="34" charset="0"/>
-                <a:ea typeface="Verdana" panose="020B0604030504040204" pitchFamily="34" charset="0"/>
-              </a:rPr>
-              <a:t>Blazor WASM</a:t>
-            </a:r>
-          </a:p>
-        </p:txBody>
-      </p:sp>
-      <p:sp>
-        <p:nvSpPr>
-          <p:cNvPr id="30" name="TextBox 29">
-            <a:extLst>
-              <a:ext uri="{FF2B5EF4-FFF2-40B4-BE49-F238E27FC236}">
-                <a16:creationId xmlns:a16="http://schemas.microsoft.com/office/drawing/2014/main" id="{9380F401-B30D-4061-B24C-F39F66577851}"/>
-              </a:ext>
-            </a:extLst>
-          </p:cNvPr>
-          <p:cNvSpPr txBox="1"/>
-          <p:nvPr/>
-        </p:nvSpPr>
-        <p:spPr>
-          <a:xfrm>
-            <a:off x="4473098" y="3754821"/>
-            <a:ext cx="938077" cy="276999"/>
-          </a:xfrm>
-          <a:prstGeom prst="rect">
-            <a:avLst/>
-          </a:prstGeom>
-          <a:noFill/>
-        </p:spPr>
-        <p:txBody>
-          <a:bodyPr wrap="none" rtlCol="0">
-            <a:spAutoFit/>
-          </a:bodyPr>
-          <a:lstStyle/>
-          <a:p>
-            <a:r>
-              <a:rPr lang="en-US" sz="1200" dirty="0">
-                <a:solidFill>
-                  <a:srgbClr val="002060"/>
-                </a:solidFill>
-                <a:latin typeface="Verdana" panose="020B0604030504040204" pitchFamily="34" charset="0"/>
-                <a:ea typeface="Verdana" panose="020B0604030504040204" pitchFamily="34" charset="0"/>
-              </a:rPr>
-              <a:t>API Mgmt</a:t>
-            </a:r>
-          </a:p>
-        </p:txBody>
-      </p:sp>
-      <p:sp>
-        <p:nvSpPr>
-          <p:cNvPr id="32" name="TextBox 31">
-            <a:extLst>
-              <a:ext uri="{FF2B5EF4-FFF2-40B4-BE49-F238E27FC236}">
-                <a16:creationId xmlns:a16="http://schemas.microsoft.com/office/drawing/2014/main" id="{7ACD62D2-6EA3-462B-9EE3-1AE82A658BDE}"/>
-              </a:ext>
-            </a:extLst>
-          </p:cNvPr>
-          <p:cNvSpPr txBox="1"/>
-          <p:nvPr/>
-        </p:nvSpPr>
-        <p:spPr>
-          <a:xfrm>
-            <a:off x="6984279" y="3753973"/>
-            <a:ext cx="834396" cy="276999"/>
-          </a:xfrm>
-          <a:prstGeom prst="rect">
-            <a:avLst/>
-          </a:prstGeom>
-          <a:noFill/>
-        </p:spPr>
-        <p:txBody>
-          <a:bodyPr wrap="none" rtlCol="0">
-            <a:spAutoFit/>
-          </a:bodyPr>
-          <a:lstStyle/>
-          <a:p>
-            <a:r>
-              <a:rPr lang="en-US" sz="1200" dirty="0">
-                <a:solidFill>
-                  <a:srgbClr val="002060"/>
-                </a:solidFill>
-                <a:latin typeface="Verdana" panose="020B0604030504040204" pitchFamily="34" charset="0"/>
-                <a:ea typeface="Verdana" panose="020B0604030504040204" pitchFamily="34" charset="0"/>
-              </a:rPr>
-              <a:t>Web API</a:t>
-            </a:r>
-          </a:p>
-        </p:txBody>
-      </p:sp>
-      <p:sp>
-        <p:nvSpPr>
-          <p:cNvPr id="33" name="TextBox 32">
-            <a:extLst>
-              <a:ext uri="{FF2B5EF4-FFF2-40B4-BE49-F238E27FC236}">
-                <a16:creationId xmlns:a16="http://schemas.microsoft.com/office/drawing/2014/main" id="{B2F4BAD8-B680-472E-AAAA-BA6C3042BA54}"/>
-              </a:ext>
-            </a:extLst>
-          </p:cNvPr>
-          <p:cNvSpPr txBox="1"/>
-          <p:nvPr/>
-        </p:nvSpPr>
-        <p:spPr>
-          <a:xfrm>
-            <a:off x="6657173" y="530691"/>
-            <a:ext cx="1411027" cy="276999"/>
-          </a:xfrm>
-          <a:prstGeom prst="rect">
-            <a:avLst/>
-          </a:prstGeom>
-          <a:noFill/>
-        </p:spPr>
-        <p:txBody>
-          <a:bodyPr wrap="none" rtlCol="0">
-            <a:spAutoFit/>
-          </a:bodyPr>
-          <a:lstStyle/>
-          <a:p>
-            <a:r>
-              <a:rPr lang="en-US" sz="1200" dirty="0">
-                <a:solidFill>
-                  <a:srgbClr val="002060"/>
-                </a:solidFill>
-                <a:latin typeface="Verdana" panose="020B0604030504040204" pitchFamily="34" charset="0"/>
-                <a:ea typeface="Verdana" panose="020B0604030504040204" pitchFamily="34" charset="0"/>
-              </a:rPr>
-              <a:t>Azure Key Vault</a:t>
-            </a:r>
-          </a:p>
-        </p:txBody>
-      </p:sp>
-      <p:sp>
-        <p:nvSpPr>
-          <p:cNvPr id="36" name="TextBox 35">
-            <a:extLst>
-              <a:ext uri="{FF2B5EF4-FFF2-40B4-BE49-F238E27FC236}">
-                <a16:creationId xmlns:a16="http://schemas.microsoft.com/office/drawing/2014/main" id="{84BB2DD0-C9FA-4D1D-9F0F-A0CE16591369}"/>
-              </a:ext>
-            </a:extLst>
-          </p:cNvPr>
-          <p:cNvSpPr txBox="1"/>
-          <p:nvPr/>
-        </p:nvSpPr>
-        <p:spPr>
-          <a:xfrm>
-            <a:off x="10316252" y="1204326"/>
-            <a:ext cx="1617174" cy="276999"/>
-          </a:xfrm>
-          <a:prstGeom prst="rect">
-            <a:avLst/>
-          </a:prstGeom>
-          <a:noFill/>
-        </p:spPr>
-        <p:txBody>
-          <a:bodyPr wrap="none" rtlCol="0">
-            <a:spAutoFit/>
-          </a:bodyPr>
-          <a:lstStyle/>
-          <a:p>
-            <a:r>
-              <a:rPr lang="en-US" sz="1200" dirty="0">
-                <a:solidFill>
-                  <a:srgbClr val="002060"/>
-                </a:solidFill>
-                <a:latin typeface="Verdana" panose="020B0604030504040204" pitchFamily="34" charset="0"/>
-                <a:ea typeface="Verdana" panose="020B0604030504040204" pitchFamily="34" charset="0"/>
-              </a:rPr>
-              <a:t>Azure Redis Cache</a:t>
-            </a:r>
-          </a:p>
-        </p:txBody>
-      </p:sp>
-      <p:sp>
-        <p:nvSpPr>
-          <p:cNvPr id="37" name="TextBox 36">
-            <a:extLst>
-              <a:ext uri="{FF2B5EF4-FFF2-40B4-BE49-F238E27FC236}">
-                <a16:creationId xmlns:a16="http://schemas.microsoft.com/office/drawing/2014/main" id="{E472F245-397E-4CEE-88C2-F7D04A607F7F}"/>
-              </a:ext>
-            </a:extLst>
-          </p:cNvPr>
-          <p:cNvSpPr txBox="1"/>
-          <p:nvPr/>
-        </p:nvSpPr>
-        <p:spPr>
-          <a:xfrm>
-            <a:off x="10440540" y="4800928"/>
-            <a:ext cx="1557093" cy="276999"/>
-          </a:xfrm>
-          <a:prstGeom prst="rect">
-            <a:avLst/>
-          </a:prstGeom>
-          <a:noFill/>
-        </p:spPr>
-        <p:txBody>
-          <a:bodyPr wrap="none" rtlCol="0">
-            <a:spAutoFit/>
-          </a:bodyPr>
-          <a:lstStyle/>
-          <a:p>
-            <a:r>
-              <a:rPr lang="en-US" sz="1200" dirty="0">
-                <a:solidFill>
-                  <a:srgbClr val="002060"/>
-                </a:solidFill>
-                <a:latin typeface="Verdana" panose="020B0604030504040204" pitchFamily="34" charset="0"/>
-                <a:ea typeface="Verdana" panose="020B0604030504040204" pitchFamily="34" charset="0"/>
-              </a:rPr>
-              <a:t>Azure SQL Server</a:t>
-            </a:r>
-          </a:p>
-        </p:txBody>
-      </p:sp>
-      <p:sp>
-        <p:nvSpPr>
-          <p:cNvPr id="3" name="TextBox 2">
-            <a:extLst>
-              <a:ext uri="{FF2B5EF4-FFF2-40B4-BE49-F238E27FC236}">
-                <a16:creationId xmlns:a16="http://schemas.microsoft.com/office/drawing/2014/main" id="{45480DDA-EA19-4760-9EF2-DBA83BCE9A76}"/>
-              </a:ext>
-            </a:extLst>
-          </p:cNvPr>
-          <p:cNvSpPr txBox="1"/>
-          <p:nvPr/>
-        </p:nvSpPr>
-        <p:spPr>
-          <a:xfrm>
-            <a:off x="497150" y="5406499"/>
-            <a:ext cx="7295330" cy="1200329"/>
-          </a:xfrm>
-          <a:prstGeom prst="rect">
-            <a:avLst/>
-          </a:prstGeom>
-          <a:noFill/>
-          <a:ln>
-            <a:solidFill>
-              <a:srgbClr val="002060"/>
-            </a:solidFill>
-          </a:ln>
-        </p:spPr>
-        <p:txBody>
-          <a:bodyPr wrap="none" rtlCol="0">
-            <a:spAutoFit/>
-          </a:bodyPr>
-          <a:lstStyle/>
-          <a:p>
-            <a:r>
-              <a:rPr lang="en-US" sz="1200" b="1" u="sng" dirty="0">
-                <a:solidFill>
-                  <a:srgbClr val="002060"/>
-                </a:solidFill>
-                <a:latin typeface="Verdana" panose="020B0604030504040204" pitchFamily="34" charset="0"/>
-                <a:ea typeface="Verdana" panose="020B0604030504040204" pitchFamily="34" charset="0"/>
-              </a:rPr>
-              <a:t>High Lights:</a:t>
-            </a:r>
-          </a:p>
-          <a:p>
-            <a:pPr marL="228600" indent="-228600">
-              <a:buAutoNum type="arabicPeriod"/>
-            </a:pPr>
-            <a:r>
-              <a:rPr lang="en-US" sz="1200" dirty="0">
-                <a:solidFill>
-                  <a:srgbClr val="002060"/>
-                </a:solidFill>
-                <a:latin typeface="Verdana" panose="020B0604030504040204" pitchFamily="34" charset="0"/>
-                <a:ea typeface="Verdana" panose="020B0604030504040204" pitchFamily="34" charset="0"/>
-              </a:rPr>
-              <a:t>Blazor WASM UI get authenticated and pass the JWT to APIM.</a:t>
-            </a:r>
-          </a:p>
-          <a:p>
-            <a:pPr marL="228600" indent="-228600">
-              <a:buAutoNum type="arabicPeriod"/>
-            </a:pPr>
-            <a:r>
-              <a:rPr lang="en-US" sz="1200" dirty="0">
-                <a:solidFill>
-                  <a:srgbClr val="002060"/>
-                </a:solidFill>
-                <a:latin typeface="Verdana" panose="020B0604030504040204" pitchFamily="34" charset="0"/>
-                <a:ea typeface="Verdana" panose="020B0604030504040204" pitchFamily="34" charset="0"/>
-              </a:rPr>
-              <a:t>APIM Validates the JWT and routes the request to Web API.</a:t>
-            </a:r>
-          </a:p>
-          <a:p>
-            <a:pPr marL="228600" indent="-228600">
-              <a:buAutoNum type="arabicPeriod"/>
-            </a:pPr>
-            <a:r>
-              <a:rPr lang="en-US" sz="1200" dirty="0">
-                <a:solidFill>
-                  <a:srgbClr val="002060"/>
-                </a:solidFill>
-                <a:latin typeface="Verdana" panose="020B0604030504040204" pitchFamily="34" charset="0"/>
-                <a:ea typeface="Verdana" panose="020B0604030504040204" pitchFamily="34" charset="0"/>
-              </a:rPr>
-              <a:t>SQL Server, and Redis Cache’s credentials are stored in Azure Key Vault.</a:t>
-            </a:r>
-          </a:p>
-          <a:p>
-            <a:pPr marL="228600" indent="-228600">
-              <a:buAutoNum type="arabicPeriod"/>
-            </a:pPr>
-            <a:r>
-              <a:rPr lang="en-US" sz="1200" dirty="0">
-                <a:solidFill>
-                  <a:srgbClr val="002060"/>
-                </a:solidFill>
-                <a:latin typeface="Verdana" panose="020B0604030504040204" pitchFamily="34" charset="0"/>
-                <a:ea typeface="Verdana" panose="020B0604030504040204" pitchFamily="34" charset="0"/>
-              </a:rPr>
-              <a:t>Web API investigates Azure Redis Cache before hitting SQL Azure. (Cache Aside Pattern)</a:t>
-            </a:r>
-          </a:p>
-          <a:p>
-            <a:pPr marL="228600" indent="-228600">
-              <a:buAutoNum type="arabicPeriod"/>
-            </a:pPr>
-            <a:r>
-              <a:rPr lang="en-US" sz="1200" dirty="0">
-                <a:solidFill>
-                  <a:srgbClr val="002060"/>
-                </a:solidFill>
-                <a:latin typeface="Verdana" panose="020B0604030504040204" pitchFamily="34" charset="0"/>
-                <a:ea typeface="Verdana" panose="020B0604030504040204" pitchFamily="34" charset="0"/>
-              </a:rPr>
-              <a:t>We will preform </a:t>
-            </a:r>
-            <a:r>
-              <a:rPr lang="en-US" sz="1200" dirty="0" err="1">
-                <a:solidFill>
-                  <a:srgbClr val="002060"/>
-                </a:solidFill>
-                <a:latin typeface="Verdana" panose="020B0604030504040204" pitchFamily="34" charset="0"/>
-                <a:ea typeface="Verdana" panose="020B0604030504040204" pitchFamily="34" charset="0"/>
-              </a:rPr>
-              <a:t>Dacpac</a:t>
-            </a:r>
-            <a:r>
-              <a:rPr lang="en-US" sz="1200" dirty="0">
-                <a:solidFill>
-                  <a:srgbClr val="002060"/>
-                </a:solidFill>
-                <a:latin typeface="Verdana" panose="020B0604030504040204" pitchFamily="34" charset="0"/>
-                <a:ea typeface="Verdana" panose="020B0604030504040204" pitchFamily="34" charset="0"/>
-              </a:rPr>
-              <a:t> (.</a:t>
-            </a:r>
-            <a:r>
-              <a:rPr lang="en-US" sz="1200" dirty="0" err="1">
-                <a:solidFill>
-                  <a:srgbClr val="002060"/>
-                </a:solidFill>
-                <a:latin typeface="Verdana" panose="020B0604030504040204" pitchFamily="34" charset="0"/>
-                <a:ea typeface="Verdana" panose="020B0604030504040204" pitchFamily="34" charset="0"/>
-              </a:rPr>
-              <a:t>sqlproj</a:t>
-            </a:r>
-            <a:r>
-              <a:rPr lang="en-US" sz="1200" dirty="0">
-                <a:solidFill>
-                  <a:srgbClr val="002060"/>
-                </a:solidFill>
-                <a:latin typeface="Verdana" panose="020B0604030504040204" pitchFamily="34" charset="0"/>
-                <a:ea typeface="Verdana" panose="020B0604030504040204" pitchFamily="34" charset="0"/>
-              </a:rPr>
-              <a:t>) for deployment of SQL Data Store.</a:t>
-            </a:r>
-          </a:p>
-        </p:txBody>
-      </p:sp>
-      <p:pic>
-        <p:nvPicPr>
-          <p:cNvPr id="2" name="Picture 2">
-            <a:extLst>
-              <a:ext uri="{FF2B5EF4-FFF2-40B4-BE49-F238E27FC236}">
-                <a16:creationId xmlns:a16="http://schemas.microsoft.com/office/drawing/2014/main" id="{BCFEBCAF-2E0F-4B75-8708-7FFA15FC75D0}"/>
-              </a:ext>
-            </a:extLst>
-          </p:cNvPr>
-          <p:cNvPicPr>
-            <a:picLocks noChangeAspect="1" noChangeArrowheads="1"/>
-          </p:cNvPicPr>
-          <p:nvPr/>
-        </p:nvPicPr>
-        <p:blipFill>
-          <a:blip r:embed="rId11">
-            <a:extLst>
-              <a:ext uri="{28A0092B-C50C-407E-A947-70E740481C1C}">
-                <a14:useLocalDpi xmlns:a14="http://schemas.microsoft.com/office/drawing/2010/main" val="0"/>
-              </a:ext>
-            </a:extLst>
-          </a:blip>
-          <a:srcRect/>
-          <a:stretch>
-            <a:fillRect/>
-          </a:stretch>
-        </p:blipFill>
-        <p:spPr bwMode="auto">
-          <a:xfrm>
-            <a:off x="2219093" y="4432621"/>
-            <a:ext cx="657225" cy="657225"/>
-          </a:xfrm>
-          <a:prstGeom prst="rect">
-            <a:avLst/>
-          </a:prstGeom>
-          <a:noFill/>
-          <a:extLst>
-            <a:ext uri="{909E8E84-426E-40DD-AFC4-6F175D3DCCD1}">
-              <a14:hiddenFill xmlns:a14="http://schemas.microsoft.com/office/drawing/2010/main">
-                <a:solidFill>
-                  <a:srgbClr val="FFFFFF"/>
-                </a:solidFill>
-              </a14:hiddenFill>
-            </a:ext>
-          </a:extLst>
-        </p:spPr>
-      </p:pic>
-      <p:cxnSp>
-        <p:nvCxnSpPr>
-          <p:cNvPr id="5" name="Straight Arrow Connector 4">
-            <a:extLst>
-              <a:ext uri="{FF2B5EF4-FFF2-40B4-BE49-F238E27FC236}">
-                <a16:creationId xmlns:a16="http://schemas.microsoft.com/office/drawing/2014/main" id="{59A50E47-D91D-4EA9-A6A2-1B5906E403ED}"/>
-              </a:ext>
-            </a:extLst>
-          </p:cNvPr>
-          <p:cNvCxnSpPr>
-            <a:stCxn id="1036" idx="2"/>
-            <a:endCxn id="2" idx="0"/>
-          </p:cNvCxnSpPr>
-          <p:nvPr/>
-        </p:nvCxnSpPr>
-        <p:spPr>
-          <a:xfrm flipH="1">
-            <a:off x="2547706" y="3715167"/>
-            <a:ext cx="1" cy="717454"/>
-          </a:xfrm>
-          <a:prstGeom prst="straightConnector1">
-            <a:avLst/>
-          </a:prstGeom>
-          <a:ln>
-            <a:tailEnd type="triangle"/>
-          </a:ln>
-        </p:spPr>
-        <p:style>
-          <a:lnRef idx="1">
-            <a:schemeClr val="accent1"/>
-          </a:lnRef>
-          <a:fillRef idx="0">
-            <a:schemeClr val="accent1"/>
-          </a:fillRef>
-          <a:effectRef idx="0">
-            <a:schemeClr val="accent1"/>
-          </a:effectRef>
-          <a:fontRef idx="minor">
-            <a:schemeClr val="tx1"/>
-          </a:fontRef>
-        </p:style>
-      </p:cxnSp>
-      <p:sp>
-        <p:nvSpPr>
-          <p:cNvPr id="38" name="TextBox 37">
-            <a:extLst>
-              <a:ext uri="{FF2B5EF4-FFF2-40B4-BE49-F238E27FC236}">
-                <a16:creationId xmlns:a16="http://schemas.microsoft.com/office/drawing/2014/main" id="{812281D3-9601-44ED-9C3E-6CC1CCD3B02D}"/>
-              </a:ext>
-            </a:extLst>
-          </p:cNvPr>
-          <p:cNvSpPr txBox="1"/>
-          <p:nvPr/>
-        </p:nvSpPr>
-        <p:spPr>
-          <a:xfrm>
-            <a:off x="2227245" y="4997807"/>
-            <a:ext cx="643959" cy="276999"/>
-          </a:xfrm>
-          <a:prstGeom prst="rect">
-            <a:avLst/>
-          </a:prstGeom>
-          <a:noFill/>
-        </p:spPr>
-        <p:txBody>
-          <a:bodyPr wrap="none" rtlCol="0">
-            <a:spAutoFit/>
-          </a:bodyPr>
-          <a:lstStyle/>
-          <a:p>
-            <a:r>
-              <a:rPr lang="en-US" sz="1200" dirty="0">
-                <a:solidFill>
-                  <a:srgbClr val="002060"/>
-                </a:solidFill>
-                <a:latin typeface="Verdana" panose="020B0604030504040204" pitchFamily="34" charset="0"/>
-                <a:ea typeface="Verdana" panose="020B0604030504040204" pitchFamily="34" charset="0"/>
-              </a:rPr>
-              <a:t>Auth0</a:t>
-            </a:r>
-          </a:p>
-        </p:txBody>
-      </p:sp>
-      <p:sp>
-        <p:nvSpPr>
-          <p:cNvPr id="40" name="Heptagon 39">
-            <a:extLst>
-              <a:ext uri="{FF2B5EF4-FFF2-40B4-BE49-F238E27FC236}">
-                <a16:creationId xmlns:a16="http://schemas.microsoft.com/office/drawing/2014/main" id="{267543E6-4F71-4DDC-8456-D8E02CC93FC0}"/>
-              </a:ext>
-            </a:extLst>
-          </p:cNvPr>
-          <p:cNvSpPr/>
-          <p:nvPr/>
-        </p:nvSpPr>
-        <p:spPr>
-          <a:xfrm>
-            <a:off x="10548060" y="1638846"/>
-            <a:ext cx="307435" cy="344102"/>
-          </a:xfrm>
-          <a:prstGeom prst="heptagon">
-            <a:avLst/>
-          </a:prstGeom>
-        </p:spPr>
-        <p:style>
-          <a:lnRef idx="2">
-            <a:schemeClr val="accent1">
-              <a:shade val="50000"/>
-            </a:schemeClr>
-          </a:lnRef>
-          <a:fillRef idx="1">
-            <a:schemeClr val="accent1"/>
-          </a:fillRef>
-          <a:effectRef idx="0">
-            <a:schemeClr val="accent1"/>
-          </a:effectRef>
-          <a:fontRef idx="minor">
-            <a:schemeClr val="lt1"/>
-          </a:fontRef>
-        </p:style>
-        <p:txBody>
-          <a:bodyPr rtlCol="0" anchor="ctr"/>
-          <a:lstStyle/>
-          <a:p>
-            <a:pPr algn="ctr"/>
-            <a:r>
-              <a:rPr lang="en-US" dirty="0"/>
-              <a:t>8</a:t>
-            </a:r>
-          </a:p>
-        </p:txBody>
-      </p:sp>
-    </p:spTree>
-    <p:extLst>
-      <p:ext uri="{BB962C8B-B14F-4D97-AF65-F5344CB8AC3E}">
-        <p14:creationId xmlns:p14="http://schemas.microsoft.com/office/powerpoint/2010/main" val="4038736619"/>
       </p:ext>
     </p:extLst>
   </p:cSld>
